--- a/DOCS/First Review.pptx
+++ b/DOCS/First Review.pptx
@@ -5,7 +5,7 @@
     <p:sldMasterId id="2147483648" r:id="rId1"/>
   </p:sldMasterIdLst>
   <p:notesMasterIdLst>
-    <p:notesMasterId r:id="rId11"/>
+    <p:notesMasterId r:id="rId13"/>
   </p:notesMasterIdLst>
   <p:sldIdLst>
     <p:sldId id="256" r:id="rId2"/>
@@ -13,10 +13,12 @@
     <p:sldId id="257" r:id="rId4"/>
     <p:sldId id="258" r:id="rId5"/>
     <p:sldId id="271" r:id="rId6"/>
-    <p:sldId id="272" r:id="rId7"/>
-    <p:sldId id="273" r:id="rId8"/>
-    <p:sldId id="259" r:id="rId9"/>
-    <p:sldId id="269" r:id="rId10"/>
+    <p:sldId id="274" r:id="rId7"/>
+    <p:sldId id="275" r:id="rId8"/>
+    <p:sldId id="272" r:id="rId9"/>
+    <p:sldId id="273" r:id="rId10"/>
+    <p:sldId id="259" r:id="rId11"/>
+    <p:sldId id="269" r:id="rId12"/>
   </p:sldIdLst>
   <p:sldSz cx="12192000" cy="6858000"/>
   <p:notesSz cx="6858000" cy="9144000"/>
@@ -116,6 +118,33 @@
     </a:lvl9pPr>
   </p:defaultTextStyle>
   <p:extLst>
+    <p:ext uri="{521415D9-36F7-43E2-AB2F-B90AF26B5E84}">
+      <p14:sectionLst xmlns:p14="http://schemas.microsoft.com/office/powerpoint/2010/main">
+        <p14:section name="Introduction" id="{E53E9EDF-6F9F-4890-A751-7BC5DC566FAE}">
+          <p14:sldIdLst>
+            <p14:sldId id="256"/>
+            <p14:sldId id="270"/>
+            <p14:sldId id="257"/>
+            <p14:sldId id="258"/>
+          </p14:sldIdLst>
+        </p14:section>
+        <p14:section name="Base Paper" id="{48C93048-1950-4A12-9794-B278798096F2}">
+          <p14:sldIdLst>
+            <p14:sldId id="271"/>
+            <p14:sldId id="274"/>
+            <p14:sldId id="275"/>
+          </p14:sldIdLst>
+        </p14:section>
+        <p14:section name="System Comparation" id="{DF8C78B8-97F4-4A7B-8B6F-9DBF026753E1}">
+          <p14:sldIdLst>
+            <p14:sldId id="272"/>
+            <p14:sldId id="273"/>
+            <p14:sldId id="259"/>
+            <p14:sldId id="269"/>
+          </p14:sldIdLst>
+        </p14:section>
+      </p14:sectionLst>
+    </p:ext>
     <p:ext uri="{EFAFB233-063F-42B5-8137-9DF3F51BA10A}">
       <p15:sldGuideLst xmlns:p15="http://schemas.microsoft.com/office/powerpoint/2012/main">
         <p15:guide id="1" orient="horz" pos="2160">
@@ -217,7 +246,7 @@
             <a:fld id="{1BC5A6D6-678F-47D8-91DE-2A07AB82649C}" type="datetimeFigureOut">
               <a:rPr lang="en-US" smtClean="0"/>
               <a:pPr/>
-              <a:t>2/12/2024</a:t>
+              <a:t>2/20/2024</a:t>
             </a:fld>
             <a:endParaRPr lang="en-US"/>
           </a:p>
@@ -744,7 +773,7 @@
             <a:fld id="{CF705531-103C-4EA6-8A04-8B669A93EC46}" type="datetimeFigureOut">
               <a:rPr lang="en-US" smtClean="0"/>
               <a:pPr/>
-              <a:t>2/12/2024</a:t>
+              <a:t>2/20/2024</a:t>
             </a:fld>
             <a:endParaRPr lang="en-US"/>
           </a:p>
@@ -909,7 +938,7 @@
             <a:fld id="{CF705531-103C-4EA6-8A04-8B669A93EC46}" type="datetimeFigureOut">
               <a:rPr lang="en-US" smtClean="0"/>
               <a:pPr/>
-              <a:t>2/12/2024</a:t>
+              <a:t>2/20/2024</a:t>
             </a:fld>
             <a:endParaRPr lang="en-US"/>
           </a:p>
@@ -1084,7 +1113,7 @@
             <a:fld id="{CF705531-103C-4EA6-8A04-8B669A93EC46}" type="datetimeFigureOut">
               <a:rPr lang="en-US" smtClean="0"/>
               <a:pPr/>
-              <a:t>2/12/2024</a:t>
+              <a:t>2/20/2024</a:t>
             </a:fld>
             <a:endParaRPr lang="en-US"/>
           </a:p>
@@ -1249,7 +1278,7 @@
             <a:fld id="{CF705531-103C-4EA6-8A04-8B669A93EC46}" type="datetimeFigureOut">
               <a:rPr lang="en-US" smtClean="0"/>
               <a:pPr/>
-              <a:t>2/12/2024</a:t>
+              <a:t>2/20/2024</a:t>
             </a:fld>
             <a:endParaRPr lang="en-US"/>
           </a:p>
@@ -1491,7 +1520,7 @@
             <a:fld id="{CF705531-103C-4EA6-8A04-8B669A93EC46}" type="datetimeFigureOut">
               <a:rPr lang="en-US" smtClean="0"/>
               <a:pPr/>
-              <a:t>2/12/2024</a:t>
+              <a:t>2/20/2024</a:t>
             </a:fld>
             <a:endParaRPr lang="en-US"/>
           </a:p>
@@ -1773,7 +1802,7 @@
             <a:fld id="{CF705531-103C-4EA6-8A04-8B669A93EC46}" type="datetimeFigureOut">
               <a:rPr lang="en-US" smtClean="0"/>
               <a:pPr/>
-              <a:t>2/12/2024</a:t>
+              <a:t>2/20/2024</a:t>
             </a:fld>
             <a:endParaRPr lang="en-US"/>
           </a:p>
@@ -2194,7 +2223,7 @@
             <a:fld id="{CF705531-103C-4EA6-8A04-8B669A93EC46}" type="datetimeFigureOut">
               <a:rPr lang="en-US" smtClean="0"/>
               <a:pPr/>
-              <a:t>2/12/2024</a:t>
+              <a:t>2/20/2024</a:t>
             </a:fld>
             <a:endParaRPr lang="en-US"/>
           </a:p>
@@ -2308,7 +2337,7 @@
             <a:fld id="{CF705531-103C-4EA6-8A04-8B669A93EC46}" type="datetimeFigureOut">
               <a:rPr lang="en-US" smtClean="0"/>
               <a:pPr/>
-              <a:t>2/12/2024</a:t>
+              <a:t>2/20/2024</a:t>
             </a:fld>
             <a:endParaRPr lang="en-US"/>
           </a:p>
@@ -2400,7 +2429,7 @@
             <a:fld id="{CF705531-103C-4EA6-8A04-8B669A93EC46}" type="datetimeFigureOut">
               <a:rPr lang="en-US" smtClean="0"/>
               <a:pPr/>
-              <a:t>2/12/2024</a:t>
+              <a:t>2/20/2024</a:t>
             </a:fld>
             <a:endParaRPr lang="en-US"/>
           </a:p>
@@ -2672,7 +2701,7 @@
             <a:fld id="{CF705531-103C-4EA6-8A04-8B669A93EC46}" type="datetimeFigureOut">
               <a:rPr lang="en-US" smtClean="0"/>
               <a:pPr/>
-              <a:t>2/12/2024</a:t>
+              <a:t>2/20/2024</a:t>
             </a:fld>
             <a:endParaRPr lang="en-US"/>
           </a:p>
@@ -2921,7 +2950,7 @@
             <a:fld id="{CF705531-103C-4EA6-8A04-8B669A93EC46}" type="datetimeFigureOut">
               <a:rPr lang="en-US" smtClean="0"/>
               <a:pPr/>
-              <a:t>2/12/2024</a:t>
+              <a:t>2/20/2024</a:t>
             </a:fld>
             <a:endParaRPr lang="en-US"/>
           </a:p>
@@ -3129,7 +3158,7 @@
             <a:fld id="{CF705531-103C-4EA6-8A04-8B669A93EC46}" type="datetimeFigureOut">
               <a:rPr lang="en-US" smtClean="0"/>
               <a:pPr/>
-              <a:t>2/12/2024</a:t>
+              <a:t>2/20/2024</a:t>
             </a:fld>
             <a:endParaRPr lang="en-US"/>
           </a:p>
@@ -3529,16 +3558,10 @@
               <a:t>Secure Chat API: Encrypted Chat Application Program Interface with </a:t>
             </a:r>
             <a:r>
-              <a:rPr lang="en-US" sz="4010" b="1" dirty="0" err="1" smtClean="0">
-                <a:latin typeface="Times New Roman" pitchFamily="18" charset="0"/>
-              </a:rPr>
-              <a:t>Blockchain</a:t>
-            </a:r>
-            <a:r>
               <a:rPr lang="en-US" sz="4010" b="1" dirty="0" smtClean="0">
                 <a:latin typeface="Times New Roman" pitchFamily="18" charset="0"/>
               </a:rPr>
-              <a:t> </a:t>
+              <a:t>Block-chain </a:t>
             </a:r>
             <a:r>
               <a:rPr lang="en-US" sz="4010" b="1" dirty="0">
@@ -3879,6 +3902,372 @@
     </mc:Choice>
     <mc:Fallback xmlns="">
       <p:transition/>
+    </mc:Fallback>
+  </mc:AlternateContent>
+  <p:timing>
+    <p:tnLst>
+      <p:par>
+        <p:cTn id="1" dur="indefinite" restart="never" nodeType="tmRoot"/>
+      </p:par>
+    </p:tnLst>
+  </p:timing>
+</p:sld>
+</file>
+
+<file path=ppt/slides/slide10.xml><?xml version="1.0" encoding="utf-8"?>
+<p:sld xmlns:a="http://schemas.openxmlformats.org/drawingml/2006/main" xmlns:r="http://schemas.openxmlformats.org/officeDocument/2006/relationships" xmlns:p="http://schemas.openxmlformats.org/presentationml/2006/main">
+  <p:cSld>
+    <p:spTree>
+      <p:nvGrpSpPr>
+        <p:cNvPr id="1" name=""/>
+        <p:cNvGrpSpPr/>
+        <p:nvPr/>
+      </p:nvGrpSpPr>
+      <p:grpSpPr>
+        <a:xfrm>
+          <a:off x="0" y="0"/>
+          <a:ext cx="0" cy="0"/>
+          <a:chOff x="0" y="0"/>
+          <a:chExt cx="0" cy="0"/>
+        </a:xfrm>
+      </p:grpSpPr>
+      <p:sp>
+        <p:nvSpPr>
+          <p:cNvPr id="2" name="Title 1"/>
+          <p:cNvSpPr>
+            <a:spLocks noGrp="1"/>
+          </p:cNvSpPr>
+          <p:nvPr>
+            <p:ph type="title"/>
+          </p:nvPr>
+        </p:nvSpPr>
+        <p:spPr>
+          <a:xfrm>
+            <a:off x="609600" y="204284"/>
+            <a:ext cx="10972800" cy="1143000"/>
+          </a:xfrm>
+        </p:spPr>
+        <p:txBody>
+          <a:bodyPr>
+            <a:normAutofit/>
+          </a:bodyPr>
+          <a:lstStyle/>
+          <a:p>
+            <a:r>
+              <a:rPr lang="en-US" sz="3600" b="1" dirty="0">
+                <a:latin typeface="Times New Roman" pitchFamily="18" charset="0"/>
+              </a:rPr>
+              <a:t>SOFTWARE AND HARDWARE REQUIREMENTS</a:t>
+            </a:r>
+          </a:p>
+        </p:txBody>
+      </p:sp>
+      <p:sp>
+        <p:nvSpPr>
+          <p:cNvPr id="12" name="Content Placeholder 11"/>
+          <p:cNvSpPr>
+            <a:spLocks noGrp="1"/>
+          </p:cNvSpPr>
+          <p:nvPr>
+            <p:ph idx="1"/>
+          </p:nvPr>
+        </p:nvSpPr>
+        <p:spPr>
+          <a:xfrm>
+            <a:off x="609600" y="1347284"/>
+            <a:ext cx="10972800" cy="5129716"/>
+          </a:xfrm>
+        </p:spPr>
+        <p:txBody>
+          <a:bodyPr>
+            <a:normAutofit fontScale="92500" lnSpcReduction="10000"/>
+          </a:bodyPr>
+          <a:lstStyle/>
+          <a:p>
+            <a:pPr>
+              <a:lnSpc>
+                <a:spcPct val="150000"/>
+              </a:lnSpc>
+              <a:buNone/>
+            </a:pPr>
+            <a:r>
+              <a:rPr lang="en-US" sz="2400" b="1" dirty="0">
+                <a:latin typeface="Times New Roman" panose="02020603050405020304" pitchFamily="18" charset="0"/>
+                <a:cs typeface="Times New Roman" panose="02020603050405020304" pitchFamily="18" charset="0"/>
+              </a:rPr>
+              <a:t>FRONT END </a:t>
+            </a:r>
+          </a:p>
+          <a:p>
+            <a:pPr>
+              <a:lnSpc>
+                <a:spcPct val="150000"/>
+              </a:lnSpc>
+            </a:pPr>
+            <a:r>
+              <a:rPr lang="en-US" sz="2600" dirty="0">
+                <a:latin typeface="Times New Roman" panose="02020603050405020304" pitchFamily="18" charset="0"/>
+                <a:cs typeface="Times New Roman" panose="02020603050405020304" pitchFamily="18" charset="0"/>
+              </a:rPr>
+              <a:t>Python (Toolkit Interface - </a:t>
+            </a:r>
+            <a:r>
+              <a:rPr lang="en-US" sz="2600" dirty="0" err="1" smtClean="0">
+                <a:latin typeface="Times New Roman" panose="02020603050405020304" pitchFamily="18" charset="0"/>
+                <a:cs typeface="Times New Roman" panose="02020603050405020304" pitchFamily="18" charset="0"/>
+              </a:rPr>
+              <a:t>tkinter</a:t>
+            </a:r>
+            <a:r>
+              <a:rPr lang="en-US" sz="2600" dirty="0">
+                <a:latin typeface="Times New Roman" panose="02020603050405020304" pitchFamily="18" charset="0"/>
+                <a:cs typeface="Times New Roman" panose="02020603050405020304" pitchFamily="18" charset="0"/>
+              </a:rPr>
+              <a:t>)</a:t>
+            </a:r>
+            <a:endParaRPr lang="en-US" sz="2600" b="1" dirty="0">
+              <a:latin typeface="Times New Roman" panose="02020603050405020304" pitchFamily="18" charset="0"/>
+              <a:cs typeface="Times New Roman" panose="02020603050405020304" pitchFamily="18" charset="0"/>
+            </a:endParaRPr>
+          </a:p>
+          <a:p>
+            <a:pPr>
+              <a:lnSpc>
+                <a:spcPct val="150000"/>
+              </a:lnSpc>
+              <a:buNone/>
+            </a:pPr>
+            <a:r>
+              <a:rPr lang="en-US" sz="2400" b="1" dirty="0">
+                <a:latin typeface="Times New Roman" panose="02020603050405020304" pitchFamily="18" charset="0"/>
+                <a:cs typeface="Times New Roman" panose="02020603050405020304" pitchFamily="18" charset="0"/>
+              </a:rPr>
+              <a:t>BACK END</a:t>
+            </a:r>
+          </a:p>
+          <a:p>
+            <a:pPr>
+              <a:lnSpc>
+                <a:spcPct val="150000"/>
+              </a:lnSpc>
+            </a:pPr>
+            <a:r>
+              <a:rPr lang="en-US" sz="2600" dirty="0" smtClean="0">
+                <a:latin typeface="Times New Roman" panose="02020603050405020304" pitchFamily="18" charset="0"/>
+                <a:cs typeface="Times New Roman" panose="02020603050405020304" pitchFamily="18" charset="0"/>
+              </a:rPr>
+              <a:t>Python (threading, socket, </a:t>
+            </a:r>
+            <a:r>
+              <a:rPr lang="en-US" sz="2600" dirty="0" err="1" smtClean="0">
+                <a:latin typeface="Times New Roman" panose="02020603050405020304" pitchFamily="18" charset="0"/>
+                <a:cs typeface="Times New Roman" panose="02020603050405020304" pitchFamily="18" charset="0"/>
+              </a:rPr>
+              <a:t>cryptography.fernet</a:t>
+            </a:r>
+            <a:r>
+              <a:rPr lang="en-US" sz="2600" dirty="0" smtClean="0">
+                <a:latin typeface="Times New Roman" panose="02020603050405020304" pitchFamily="18" charset="0"/>
+                <a:cs typeface="Times New Roman" panose="02020603050405020304" pitchFamily="18" charset="0"/>
+              </a:rPr>
+              <a:t>, </a:t>
+            </a:r>
+            <a:r>
+              <a:rPr lang="en-US" sz="2600" dirty="0" err="1" smtClean="0">
+                <a:latin typeface="Times New Roman" panose="02020603050405020304" pitchFamily="18" charset="0"/>
+                <a:cs typeface="Times New Roman" panose="02020603050405020304" pitchFamily="18" charset="0"/>
+              </a:rPr>
+              <a:t>hashlib</a:t>
+            </a:r>
+            <a:r>
+              <a:rPr lang="en-US" sz="2600" dirty="0">
+                <a:latin typeface="Times New Roman" panose="02020603050405020304" pitchFamily="18" charset="0"/>
+                <a:cs typeface="Times New Roman" panose="02020603050405020304" pitchFamily="18" charset="0"/>
+              </a:rPr>
+              <a:t>, </a:t>
+            </a:r>
+            <a:r>
+              <a:rPr lang="en-US" sz="2600" dirty="0" smtClean="0">
+                <a:latin typeface="Times New Roman" panose="02020603050405020304" pitchFamily="18" charset="0"/>
+                <a:cs typeface="Times New Roman" panose="02020603050405020304" pitchFamily="18" charset="0"/>
+              </a:rPr>
+              <a:t>base64)</a:t>
+            </a:r>
+          </a:p>
+          <a:p>
+            <a:pPr marL="0" indent="0">
+              <a:lnSpc>
+                <a:spcPct val="150000"/>
+              </a:lnSpc>
+              <a:buNone/>
+            </a:pPr>
+            <a:r>
+              <a:rPr lang="en-US" sz="2400" b="1" dirty="0" smtClean="0">
+                <a:latin typeface="Times New Roman" panose="02020603050405020304" pitchFamily="18" charset="0"/>
+                <a:cs typeface="Times New Roman" panose="02020603050405020304" pitchFamily="18" charset="0"/>
+              </a:rPr>
+              <a:t>HARDWARE</a:t>
+            </a:r>
+            <a:endParaRPr lang="en-US" sz="2400" b="1" dirty="0">
+              <a:latin typeface="Times New Roman" panose="02020603050405020304" pitchFamily="18" charset="0"/>
+              <a:cs typeface="Times New Roman" panose="02020603050405020304" pitchFamily="18" charset="0"/>
+            </a:endParaRPr>
+          </a:p>
+          <a:p>
+            <a:pPr>
+              <a:lnSpc>
+                <a:spcPct val="150000"/>
+              </a:lnSpc>
+            </a:pPr>
+            <a:r>
+              <a:rPr lang="en-US" sz="2600" dirty="0">
+                <a:latin typeface="Times New Roman" panose="02020603050405020304" pitchFamily="18" charset="0"/>
+                <a:cs typeface="Times New Roman" panose="02020603050405020304" pitchFamily="18" charset="0"/>
+              </a:rPr>
+              <a:t>Basic requirements for a system</a:t>
+            </a:r>
+          </a:p>
+          <a:p>
+            <a:pPr marL="0" indent="0">
+              <a:lnSpc>
+                <a:spcPct val="150000"/>
+              </a:lnSpc>
+              <a:buNone/>
+            </a:pPr>
+            <a:r>
+              <a:rPr lang="en-US" sz="2400" b="1" dirty="0">
+                <a:latin typeface="Times New Roman" panose="02020603050405020304" pitchFamily="18" charset="0"/>
+                <a:cs typeface="Times New Roman" panose="02020603050405020304" pitchFamily="18" charset="0"/>
+              </a:rPr>
+              <a:t>SPECIFICATION</a:t>
+            </a:r>
+          </a:p>
+          <a:p>
+            <a:pPr>
+              <a:lnSpc>
+                <a:spcPct val="150000"/>
+              </a:lnSpc>
+            </a:pPr>
+            <a:r>
+              <a:rPr lang="en-US" sz="2600" dirty="0">
+                <a:latin typeface="Times New Roman" panose="02020603050405020304" pitchFamily="18" charset="0"/>
+                <a:cs typeface="Times New Roman" panose="02020603050405020304" pitchFamily="18" charset="0"/>
+              </a:rPr>
+              <a:t>Minimum 4 GB ram</a:t>
+            </a:r>
+          </a:p>
+          <a:p>
+            <a:pPr>
+              <a:lnSpc>
+                <a:spcPct val="150000"/>
+              </a:lnSpc>
+            </a:pPr>
+            <a:r>
+              <a:rPr lang="en-US" sz="2600" dirty="0">
+                <a:latin typeface="Times New Roman" panose="02020603050405020304" pitchFamily="18" charset="0"/>
+                <a:cs typeface="Times New Roman" panose="02020603050405020304" pitchFamily="18" charset="0"/>
+              </a:rPr>
+              <a:t>Window(8,10 and 11 versions), Linux, Ubuntu</a:t>
+            </a:r>
+          </a:p>
+        </p:txBody>
+      </p:sp>
+    </p:spTree>
+    <p:extLst>
+      <p:ext uri="{BB962C8B-B14F-4D97-AF65-F5344CB8AC3E}">
+        <p14:creationId xmlns:p14="http://schemas.microsoft.com/office/powerpoint/2010/main" val="4290836956"/>
+      </p:ext>
+    </p:extLst>
+  </p:cSld>
+  <p:clrMapOvr>
+    <a:masterClrMapping/>
+  </p:clrMapOvr>
+  <mc:AlternateContent xmlns:mc="http://schemas.openxmlformats.org/markup-compatibility/2006" xmlns:p14="http://schemas.microsoft.com/office/powerpoint/2010/main">
+    <mc:Choice Requires="p14">
+      <p:transition spd="med" p14:dur="700">
+        <p:fade/>
+      </p:transition>
+    </mc:Choice>
+    <mc:Fallback xmlns="">
+      <p:transition spd="med">
+        <p:fade/>
+      </p:transition>
+    </mc:Fallback>
+  </mc:AlternateContent>
+  <p:timing>
+    <p:tnLst>
+      <p:par>
+        <p:cTn id="1" dur="indefinite" restart="never" nodeType="tmRoot"/>
+      </p:par>
+    </p:tnLst>
+  </p:timing>
+</p:sld>
+</file>
+
+<file path=ppt/slides/slide11.xml><?xml version="1.0" encoding="utf-8"?>
+<p:sld xmlns:a="http://schemas.openxmlformats.org/drawingml/2006/main" xmlns:r="http://schemas.openxmlformats.org/officeDocument/2006/relationships" xmlns:p="http://schemas.openxmlformats.org/presentationml/2006/main">
+  <p:cSld>
+    <p:spTree>
+      <p:nvGrpSpPr>
+        <p:cNvPr id="1" name=""/>
+        <p:cNvGrpSpPr/>
+        <p:nvPr/>
+      </p:nvGrpSpPr>
+      <p:grpSpPr>
+        <a:xfrm>
+          <a:off x="0" y="0"/>
+          <a:ext cx="0" cy="0"/>
+          <a:chOff x="0" y="0"/>
+          <a:chExt cx="0" cy="0"/>
+        </a:xfrm>
+      </p:grpSpPr>
+      <p:sp>
+        <p:nvSpPr>
+          <p:cNvPr id="2" name="Title 1"/>
+          <p:cNvSpPr>
+            <a:spLocks noGrp="1"/>
+          </p:cNvSpPr>
+          <p:nvPr>
+            <p:ph type="title"/>
+          </p:nvPr>
+        </p:nvSpPr>
+        <p:spPr>
+          <a:xfrm>
+            <a:off x="4427197" y="3101763"/>
+            <a:ext cx="3337606" cy="654474"/>
+          </a:xfrm>
+        </p:spPr>
+        <p:txBody>
+          <a:bodyPr>
+            <a:normAutofit/>
+          </a:bodyPr>
+          <a:lstStyle/>
+          <a:p>
+            <a:r>
+              <a:rPr lang="en-US" sz="3600" b="1" dirty="0">
+                <a:latin typeface="Times New Roman" pitchFamily="18" charset="0"/>
+                <a:cs typeface="Times New Roman" pitchFamily="18" charset="0"/>
+              </a:rPr>
+              <a:t>THANK YOU</a:t>
+            </a:r>
+          </a:p>
+        </p:txBody>
+      </p:sp>
+    </p:spTree>
+  </p:cSld>
+  <p:clrMapOvr>
+    <a:masterClrMapping/>
+  </p:clrMapOvr>
+  <mc:AlternateContent xmlns:mc="http://schemas.openxmlformats.org/markup-compatibility/2006" xmlns:p14="http://schemas.microsoft.com/office/powerpoint/2010/main">
+    <mc:Choice Requires="p14">
+      <p:transition spd="slow" p14:dur="1500">
+        <p:random/>
+      </p:transition>
+    </mc:Choice>
+    <mc:Fallback xmlns="">
+      <p:transition spd="slow">
+        <p:random/>
+      </p:transition>
     </mc:Fallback>
   </mc:AlternateContent>
   <p:timing>
@@ -4757,7 +5146,7 @@
                 <a:latin typeface="Times New Roman" panose="02020603050405020304" pitchFamily="18" charset="0"/>
                 <a:cs typeface="Times New Roman" panose="02020603050405020304" pitchFamily="18" charset="0"/>
               </a:rPr>
-              <a:t>EXISTING SYSTEM</a:t>
+              <a:t>LITERATURE SURVEY</a:t>
             </a:r>
             <a:endParaRPr lang="en-US" sz="3600" b="1" dirty="0">
               <a:latin typeface="Times New Roman" pitchFamily="18" charset="0"/>
@@ -4765,248 +5154,2248 @@
           </a:p>
         </p:txBody>
       </p:sp>
-      <p:sp>
-        <p:nvSpPr>
-          <p:cNvPr id="3" name="TextBox 2">
-            <a:extLst>
-              <a:ext uri="{FF2B5EF4-FFF2-40B4-BE49-F238E27FC236}">
-                <a16:creationId xmlns:a16="http://schemas.microsoft.com/office/drawing/2014/main" id="{A8CC6EC7-53F3-9BB9-DC3B-4702CB186EB2}"/>
-              </a:ext>
-            </a:extLst>
-          </p:cNvPr>
-          <p:cNvSpPr txBox="1"/>
-          <p:nvPr/>
-        </p:nvSpPr>
-        <p:spPr>
-          <a:xfrm>
-            <a:off x="649432" y="1508766"/>
-            <a:ext cx="10893136" cy="4524315"/>
-          </a:xfrm>
-          <a:prstGeom prst="rect">
-            <a:avLst/>
-          </a:prstGeom>
-          <a:noFill/>
-        </p:spPr>
-        <p:txBody>
-          <a:bodyPr wrap="square" rtlCol="0">
-            <a:spAutoFit/>
-          </a:bodyPr>
-          <a:lstStyle/>
-          <a:p>
-            <a:pPr marL="285750" indent="-285750" algn="just">
-              <a:lnSpc>
-                <a:spcPct val="150000"/>
-              </a:lnSpc>
-              <a:buFont typeface="Wingdings" panose="05000000000000000000" pitchFamily="2" charset="2"/>
-              <a:buChar char="v"/>
-            </a:pPr>
-            <a:r>
-              <a:rPr lang="en-IN" sz="2400" dirty="0">
-                <a:latin typeface="Times New Roman" panose="02020603050405020304" pitchFamily="18" charset="0"/>
-                <a:cs typeface="Times New Roman" panose="02020603050405020304" pitchFamily="18" charset="0"/>
-              </a:rPr>
-              <a:t>[1]. Mirza K. B. Shuhan1, Tariqul Islam2. </a:t>
-            </a:r>
-            <a:r>
-              <a:rPr lang="en-IN" sz="2400" dirty="0" smtClean="0">
-                <a:latin typeface="Times New Roman" panose="02020603050405020304" pitchFamily="18" charset="0"/>
-                <a:cs typeface="Times New Roman" panose="02020603050405020304" pitchFamily="18" charset="0"/>
-              </a:rPr>
-              <a:t>IEEE (</a:t>
-            </a:r>
-            <a:r>
-              <a:rPr lang="en-IN" sz="2400" dirty="0" smtClean="0">
-                <a:latin typeface="Times New Roman" panose="02020603050405020304" pitchFamily="18" charset="0"/>
-                <a:cs typeface="Times New Roman" panose="02020603050405020304" pitchFamily="18" charset="0"/>
-                <a:hlinkClick r:id="rId2"/>
-              </a:rPr>
-              <a:t>arXiv:2308.04452v1</a:t>
-            </a:r>
-            <a:r>
-              <a:rPr lang="en-IN" sz="2400" dirty="0" smtClean="0">
-                <a:latin typeface="Times New Roman" panose="02020603050405020304" pitchFamily="18" charset="0"/>
-                <a:cs typeface="Times New Roman" panose="02020603050405020304" pitchFamily="18" charset="0"/>
-              </a:rPr>
-              <a:t>) </a:t>
-            </a:r>
-            <a:r>
-              <a:rPr lang="en-IN" sz="2400" dirty="0">
-                <a:latin typeface="Times New Roman" panose="02020603050405020304" pitchFamily="18" charset="0"/>
-                <a:cs typeface="Times New Roman" panose="02020603050405020304" pitchFamily="18" charset="0"/>
-              </a:rPr>
-              <a:t>[cs.CR] 5 Aug 2023. </a:t>
-            </a:r>
-            <a:r>
-              <a:rPr lang="en-US" sz="2400" dirty="0">
-                <a:latin typeface="Times New Roman" panose="02020603050405020304" pitchFamily="18" charset="0"/>
-                <a:cs typeface="Times New Roman" panose="02020603050405020304" pitchFamily="18" charset="0"/>
-              </a:rPr>
-              <a:t>Quarks: A Secure and </a:t>
-            </a:r>
-            <a:r>
-              <a:rPr lang="en-US" sz="2400" dirty="0" smtClean="0">
-                <a:latin typeface="Times New Roman" panose="02020603050405020304" pitchFamily="18" charset="0"/>
-                <a:cs typeface="Times New Roman" panose="02020603050405020304" pitchFamily="18" charset="0"/>
-              </a:rPr>
-              <a:t>Decentralized Block-chain Based </a:t>
-            </a:r>
-            <a:r>
-              <a:rPr lang="en-US" sz="2400" dirty="0">
-                <a:latin typeface="Times New Roman" panose="02020603050405020304" pitchFamily="18" charset="0"/>
-                <a:cs typeface="Times New Roman" panose="02020603050405020304" pitchFamily="18" charset="0"/>
-              </a:rPr>
-              <a:t>Messaging Network</a:t>
-            </a:r>
-          </a:p>
-          <a:p>
-            <a:pPr marL="285750" indent="-285750" algn="just">
-              <a:lnSpc>
-                <a:spcPct val="150000"/>
-              </a:lnSpc>
-              <a:buFont typeface="Wingdings" panose="05000000000000000000" pitchFamily="2" charset="2"/>
-              <a:buChar char="v"/>
-            </a:pPr>
-            <a:r>
-              <a:rPr lang="en-IN" sz="2400" dirty="0" smtClean="0">
-                <a:latin typeface="Times New Roman" panose="02020603050405020304" pitchFamily="18" charset="0"/>
-                <a:cs typeface="Times New Roman" panose="02020603050405020304" pitchFamily="18" charset="0"/>
-              </a:rPr>
-              <a:t>[2]. </a:t>
-            </a:r>
-            <a:r>
-              <a:rPr lang="en-IN" sz="2400" dirty="0">
-                <a:latin typeface="Times New Roman" panose="02020603050405020304" pitchFamily="18" charset="0"/>
-                <a:cs typeface="Times New Roman" panose="02020603050405020304" pitchFamily="18" charset="0"/>
-              </a:rPr>
-              <a:t>Samira </a:t>
-            </a:r>
-            <a:r>
-              <a:rPr lang="en-IN" sz="2400" dirty="0" err="1">
-                <a:latin typeface="Times New Roman" panose="02020603050405020304" pitchFamily="18" charset="0"/>
-                <a:cs typeface="Times New Roman" panose="02020603050405020304" pitchFamily="18" charset="0"/>
-              </a:rPr>
-              <a:t>Prabhune</a:t>
-            </a:r>
-            <a:r>
-              <a:rPr lang="en-IN" sz="2400" dirty="0">
-                <a:latin typeface="Times New Roman" panose="02020603050405020304" pitchFamily="18" charset="0"/>
-                <a:cs typeface="Times New Roman" panose="02020603050405020304" pitchFamily="18" charset="0"/>
-              </a:rPr>
-              <a:t>, </a:t>
-            </a:r>
-            <a:r>
-              <a:rPr lang="en-IN" sz="2400" dirty="0" err="1">
-                <a:latin typeface="Times New Roman" panose="02020603050405020304" pitchFamily="18" charset="0"/>
-                <a:cs typeface="Times New Roman" panose="02020603050405020304" pitchFamily="18" charset="0"/>
-              </a:rPr>
-              <a:t>Sonal</a:t>
-            </a:r>
-            <a:r>
-              <a:rPr lang="en-IN" sz="2400" dirty="0">
-                <a:latin typeface="Times New Roman" panose="02020603050405020304" pitchFamily="18" charset="0"/>
-                <a:cs typeface="Times New Roman" panose="02020603050405020304" pitchFamily="18" charset="0"/>
-              </a:rPr>
-              <a:t> Sharma. IEEE (</a:t>
-            </a:r>
-            <a:r>
-              <a:rPr lang="en-IN" sz="2400" dirty="0">
-                <a:latin typeface="Times New Roman" panose="02020603050405020304" pitchFamily="18" charset="0"/>
-                <a:cs typeface="Times New Roman" panose="02020603050405020304" pitchFamily="18" charset="0"/>
-                <a:hlinkClick r:id="rId3"/>
-              </a:rPr>
-              <a:t>9725597</a:t>
-            </a:r>
-            <a:r>
-              <a:rPr lang="en-IN" sz="2400" dirty="0">
-                <a:latin typeface="Times New Roman" panose="02020603050405020304" pitchFamily="18" charset="0"/>
-                <a:cs typeface="Times New Roman" panose="02020603050405020304" pitchFamily="18" charset="0"/>
-              </a:rPr>
-              <a:t>). </a:t>
-            </a:r>
-            <a:r>
-              <a:rPr lang="en-US" sz="2400" dirty="0" smtClean="0">
-                <a:latin typeface="Times New Roman" panose="02020603050405020304" pitchFamily="18" charset="0"/>
-                <a:cs typeface="Times New Roman" panose="02020603050405020304" pitchFamily="18" charset="0"/>
-              </a:rPr>
-              <a:t>End-to-End </a:t>
-            </a:r>
-            <a:r>
-              <a:rPr lang="en-US" sz="2400" dirty="0">
-                <a:latin typeface="Times New Roman" panose="02020603050405020304" pitchFamily="18" charset="0"/>
-                <a:cs typeface="Times New Roman" panose="02020603050405020304" pitchFamily="18" charset="0"/>
-              </a:rPr>
-              <a:t>Encryption for Chat App with Dynamic Encryption Key</a:t>
-            </a:r>
-          </a:p>
-          <a:p>
-            <a:pPr marL="285750" indent="-285750" algn="just">
-              <a:lnSpc>
-                <a:spcPct val="150000"/>
-              </a:lnSpc>
-              <a:buFont typeface="Wingdings" panose="05000000000000000000" pitchFamily="2" charset="2"/>
-              <a:buChar char="v"/>
-            </a:pPr>
-            <a:r>
-              <a:rPr lang="en-IN" sz="2400" dirty="0" smtClean="0">
-                <a:latin typeface="Times New Roman" panose="02020603050405020304" pitchFamily="18" charset="0"/>
-                <a:cs typeface="Times New Roman" panose="02020603050405020304" pitchFamily="18" charset="0"/>
-              </a:rPr>
-              <a:t>[3]. </a:t>
-            </a:r>
-            <a:r>
-              <a:rPr lang="sv-SE" sz="2400" dirty="0">
-                <a:latin typeface="Times New Roman" panose="02020603050405020304" pitchFamily="18" charset="0"/>
-                <a:cs typeface="Times New Roman" panose="02020603050405020304" pitchFamily="18" charset="0"/>
-              </a:rPr>
-              <a:t>Ammar Hammad Ali, Ali Makki Sagheer</a:t>
-            </a:r>
-            <a:r>
-              <a:rPr lang="en-IN" sz="2400" dirty="0">
-                <a:latin typeface="Times New Roman" panose="02020603050405020304" pitchFamily="18" charset="0"/>
-                <a:cs typeface="Times New Roman" panose="02020603050405020304" pitchFamily="18" charset="0"/>
-              </a:rPr>
-              <a:t>. IASJ (</a:t>
-            </a:r>
-            <a:r>
-              <a:rPr lang="en-IN" sz="2400" dirty="0">
-                <a:latin typeface="Times New Roman" panose="02020603050405020304" pitchFamily="18" charset="0"/>
-                <a:cs typeface="Times New Roman" panose="02020603050405020304" pitchFamily="18" charset="0"/>
-                <a:hlinkClick r:id="rId4"/>
-              </a:rPr>
-              <a:t>doi:10.25195/2017/4315</a:t>
-            </a:r>
-            <a:r>
-              <a:rPr lang="en-IN" sz="2400" dirty="0">
-                <a:latin typeface="Times New Roman" panose="02020603050405020304" pitchFamily="18" charset="0"/>
-                <a:cs typeface="Times New Roman" panose="02020603050405020304" pitchFamily="18" charset="0"/>
-              </a:rPr>
-              <a:t>) Vol.[43] Issue[1] 2017. </a:t>
-            </a:r>
-            <a:r>
-              <a:rPr lang="en-US" sz="2400" dirty="0">
-                <a:latin typeface="Times New Roman" panose="02020603050405020304" pitchFamily="18" charset="0"/>
-                <a:cs typeface="Times New Roman" panose="02020603050405020304" pitchFamily="18" charset="0"/>
-              </a:rPr>
-              <a:t>Design of Secure Chatting Application with End to End Encryption for Android </a:t>
-            </a:r>
-            <a:r>
-              <a:rPr lang="en-US" sz="2400" dirty="0" smtClean="0">
-                <a:latin typeface="Times New Roman" panose="02020603050405020304" pitchFamily="18" charset="0"/>
-                <a:cs typeface="Times New Roman" panose="02020603050405020304" pitchFamily="18" charset="0"/>
-              </a:rPr>
-              <a:t>Platform</a:t>
-            </a:r>
-            <a:endParaRPr lang="en-US" sz="2400" dirty="0">
-              <a:latin typeface="Times New Roman" panose="02020603050405020304" pitchFamily="18" charset="0"/>
-              <a:cs typeface="Times New Roman" panose="02020603050405020304" pitchFamily="18" charset="0"/>
-            </a:endParaRPr>
-          </a:p>
-        </p:txBody>
-      </p:sp>
+      <p:graphicFrame>
+        <p:nvGraphicFramePr>
+          <p:cNvPr id="3" name="Table 2"/>
+          <p:cNvGraphicFramePr>
+            <a:graphicFrameLocks noGrp="1"/>
+          </p:cNvGraphicFramePr>
+          <p:nvPr>
+            <p:extLst>
+              <p:ext uri="{D42A27DB-BD31-4B8C-83A1-F6EECF244321}">
+                <p14:modId xmlns:p14="http://schemas.microsoft.com/office/powerpoint/2010/main" val="750590151"/>
+              </p:ext>
+            </p:extLst>
+          </p:nvPr>
+        </p:nvGraphicFramePr>
+        <p:xfrm>
+          <a:off x="609600" y="1084996"/>
+          <a:ext cx="10972800" cy="5261213"/>
+        </p:xfrm>
+        <a:graphic>
+          <a:graphicData uri="http://schemas.openxmlformats.org/drawingml/2006/table">
+            <a:tbl>
+              <a:tblPr firstRow="1" bandRow="1">
+                <a:tableStyleId>{5C22544A-7EE6-4342-B048-85BDC9FD1C3A}</a:tableStyleId>
+              </a:tblPr>
+              <a:tblGrid>
+                <a:gridCol w="1150961">
+                  <a:extLst>
+                    <a:ext uri="{9D8B030D-6E8A-4147-A177-3AD203B41FA5}">
+                      <a16:colId xmlns:a16="http://schemas.microsoft.com/office/drawing/2014/main" val="650890123"/>
+                    </a:ext>
+                  </a:extLst>
+                </a:gridCol>
+                <a:gridCol w="2506639">
+                  <a:extLst>
+                    <a:ext uri="{9D8B030D-6E8A-4147-A177-3AD203B41FA5}">
+                      <a16:colId xmlns:a16="http://schemas.microsoft.com/office/drawing/2014/main" val="3364458840"/>
+                    </a:ext>
+                  </a:extLst>
+                </a:gridCol>
+                <a:gridCol w="1828800">
+                  <a:extLst>
+                    <a:ext uri="{9D8B030D-6E8A-4147-A177-3AD203B41FA5}">
+                      <a16:colId xmlns:a16="http://schemas.microsoft.com/office/drawing/2014/main" val="1934009595"/>
+                    </a:ext>
+                  </a:extLst>
+                </a:gridCol>
+                <a:gridCol w="1828800">
+                  <a:extLst>
+                    <a:ext uri="{9D8B030D-6E8A-4147-A177-3AD203B41FA5}">
+                      <a16:colId xmlns:a16="http://schemas.microsoft.com/office/drawing/2014/main" val="2106811707"/>
+                    </a:ext>
+                  </a:extLst>
+                </a:gridCol>
+                <a:gridCol w="1828800">
+                  <a:extLst>
+                    <a:ext uri="{9D8B030D-6E8A-4147-A177-3AD203B41FA5}">
+                      <a16:colId xmlns:a16="http://schemas.microsoft.com/office/drawing/2014/main" val="4161205106"/>
+                    </a:ext>
+                  </a:extLst>
+                </a:gridCol>
+                <a:gridCol w="1828800">
+                  <a:extLst>
+                    <a:ext uri="{9D8B030D-6E8A-4147-A177-3AD203B41FA5}">
+                      <a16:colId xmlns:a16="http://schemas.microsoft.com/office/drawing/2014/main" val="2191810521"/>
+                    </a:ext>
+                  </a:extLst>
+                </a:gridCol>
+              </a:tblGrid>
+              <a:tr h="1566858">
+                <a:tc>
+                  <a:txBody>
+                    <a:bodyPr/>
+                    <a:lstStyle/>
+                    <a:p>
+                      <a:pPr algn="ctr"/>
+                      <a:r>
+                        <a:rPr lang="en-US" dirty="0" smtClean="0">
+                          <a:solidFill>
+                            <a:schemeClr val="tx1"/>
+                          </a:solidFill>
+                          <a:latin typeface="Times New Roman" panose="02020603050405020304" pitchFamily="18" charset="0"/>
+                          <a:cs typeface="Times New Roman" panose="02020603050405020304" pitchFamily="18" charset="0"/>
+                        </a:rPr>
+                        <a:t>Serial No:</a:t>
+                      </a:r>
+                      <a:endParaRPr lang="en-US" dirty="0">
+                        <a:solidFill>
+                          <a:schemeClr val="tx1"/>
+                        </a:solidFill>
+                        <a:latin typeface="Times New Roman" panose="02020603050405020304" pitchFamily="18" charset="0"/>
+                        <a:cs typeface="Times New Roman" panose="02020603050405020304" pitchFamily="18" charset="0"/>
+                      </a:endParaRPr>
+                    </a:p>
+                  </a:txBody>
+                  <a:tcPr anchor="ctr">
+                    <a:lnL w="12700" cap="flat" cmpd="sng" algn="ctr">
+                      <a:solidFill>
+                        <a:schemeClr val="tx1"/>
+                      </a:solidFill>
+                      <a:prstDash val="solid"/>
+                      <a:round/>
+                      <a:headEnd type="none" w="med" len="med"/>
+                      <a:tailEnd type="none" w="med" len="med"/>
+                    </a:lnL>
+                    <a:lnR w="12700" cap="flat" cmpd="sng" algn="ctr">
+                      <a:solidFill>
+                        <a:schemeClr val="tx1"/>
+                      </a:solidFill>
+                      <a:prstDash val="solid"/>
+                      <a:round/>
+                      <a:headEnd type="none" w="med" len="med"/>
+                      <a:tailEnd type="none" w="med" len="med"/>
+                    </a:lnR>
+                    <a:lnT w="12700" cap="flat" cmpd="sng" algn="ctr">
+                      <a:solidFill>
+                        <a:schemeClr val="tx1"/>
+                      </a:solidFill>
+                      <a:prstDash val="solid"/>
+                      <a:round/>
+                      <a:headEnd type="none" w="med" len="med"/>
+                      <a:tailEnd type="none" w="med" len="med"/>
+                    </a:lnT>
+                    <a:lnB w="12700" cap="flat" cmpd="sng" algn="ctr">
+                      <a:solidFill>
+                        <a:schemeClr val="tx1"/>
+                      </a:solidFill>
+                      <a:prstDash val="solid"/>
+                      <a:round/>
+                      <a:headEnd type="none" w="med" len="med"/>
+                      <a:tailEnd type="none" w="med" len="med"/>
+                    </a:lnB>
+                    <a:solidFill>
+                      <a:schemeClr val="bg1">
+                        <a:lumMod val="75000"/>
+                      </a:schemeClr>
+                    </a:solidFill>
+                  </a:tcPr>
+                </a:tc>
+                <a:tc>
+                  <a:txBody>
+                    <a:bodyPr/>
+                    <a:lstStyle/>
+                    <a:p>
+                      <a:pPr algn="ctr"/>
+                      <a:r>
+                        <a:rPr lang="en-US" dirty="0" smtClean="0">
+                          <a:solidFill>
+                            <a:schemeClr val="tx1"/>
+                          </a:solidFill>
+                          <a:latin typeface="Times New Roman" panose="02020603050405020304" pitchFamily="18" charset="0"/>
+                          <a:cs typeface="Times New Roman" panose="02020603050405020304" pitchFamily="18" charset="0"/>
+                        </a:rPr>
+                        <a:t>Author</a:t>
+                      </a:r>
+                      <a:r>
+                        <a:rPr lang="en-US" baseline="0" dirty="0" smtClean="0">
+                          <a:solidFill>
+                            <a:schemeClr val="tx1"/>
+                          </a:solidFill>
+                          <a:latin typeface="Times New Roman" panose="02020603050405020304" pitchFamily="18" charset="0"/>
+                          <a:cs typeface="Times New Roman" panose="02020603050405020304" pitchFamily="18" charset="0"/>
+                        </a:rPr>
+                        <a:t> name, Title and date</a:t>
+                      </a:r>
+                      <a:endParaRPr lang="en-US" dirty="0">
+                        <a:solidFill>
+                          <a:schemeClr val="tx1"/>
+                        </a:solidFill>
+                        <a:latin typeface="Times New Roman" panose="02020603050405020304" pitchFamily="18" charset="0"/>
+                        <a:cs typeface="Times New Roman" panose="02020603050405020304" pitchFamily="18" charset="0"/>
+                      </a:endParaRPr>
+                    </a:p>
+                  </a:txBody>
+                  <a:tcPr anchor="ctr">
+                    <a:lnL w="12700" cap="flat" cmpd="sng" algn="ctr">
+                      <a:solidFill>
+                        <a:schemeClr val="tx1"/>
+                      </a:solidFill>
+                      <a:prstDash val="solid"/>
+                      <a:round/>
+                      <a:headEnd type="none" w="med" len="med"/>
+                      <a:tailEnd type="none" w="med" len="med"/>
+                    </a:lnL>
+                    <a:lnR w="12700" cap="flat" cmpd="sng" algn="ctr">
+                      <a:solidFill>
+                        <a:schemeClr val="tx1"/>
+                      </a:solidFill>
+                      <a:prstDash val="solid"/>
+                      <a:round/>
+                      <a:headEnd type="none" w="med" len="med"/>
+                      <a:tailEnd type="none" w="med" len="med"/>
+                    </a:lnR>
+                    <a:lnT w="12700" cap="flat" cmpd="sng" algn="ctr">
+                      <a:solidFill>
+                        <a:schemeClr val="tx1"/>
+                      </a:solidFill>
+                      <a:prstDash val="solid"/>
+                      <a:round/>
+                      <a:headEnd type="none" w="med" len="med"/>
+                      <a:tailEnd type="none" w="med" len="med"/>
+                    </a:lnT>
+                    <a:lnB w="12700" cap="flat" cmpd="sng" algn="ctr">
+                      <a:solidFill>
+                        <a:schemeClr val="tx1"/>
+                      </a:solidFill>
+                      <a:prstDash val="solid"/>
+                      <a:round/>
+                      <a:headEnd type="none" w="med" len="med"/>
+                      <a:tailEnd type="none" w="med" len="med"/>
+                    </a:lnB>
+                    <a:solidFill>
+                      <a:schemeClr val="bg1">
+                        <a:lumMod val="75000"/>
+                      </a:schemeClr>
+                    </a:solidFill>
+                  </a:tcPr>
+                </a:tc>
+                <a:tc>
+                  <a:txBody>
+                    <a:bodyPr/>
+                    <a:lstStyle/>
+                    <a:p>
+                      <a:pPr algn="ctr"/>
+                      <a:r>
+                        <a:rPr lang="en-US" dirty="0" smtClean="0">
+                          <a:solidFill>
+                            <a:schemeClr val="tx1"/>
+                          </a:solidFill>
+                          <a:latin typeface="Times New Roman" panose="02020603050405020304" pitchFamily="18" charset="0"/>
+                          <a:cs typeface="Times New Roman" panose="02020603050405020304" pitchFamily="18" charset="0"/>
+                        </a:rPr>
+                        <a:t>Concept</a:t>
+                      </a:r>
+                      <a:endParaRPr lang="en-US" dirty="0">
+                        <a:solidFill>
+                          <a:schemeClr val="tx1"/>
+                        </a:solidFill>
+                        <a:latin typeface="Times New Roman" panose="02020603050405020304" pitchFamily="18" charset="0"/>
+                        <a:cs typeface="Times New Roman" panose="02020603050405020304" pitchFamily="18" charset="0"/>
+                      </a:endParaRPr>
+                    </a:p>
+                  </a:txBody>
+                  <a:tcPr anchor="ctr">
+                    <a:lnL w="12700" cap="flat" cmpd="sng" algn="ctr">
+                      <a:solidFill>
+                        <a:schemeClr val="tx1"/>
+                      </a:solidFill>
+                      <a:prstDash val="solid"/>
+                      <a:round/>
+                      <a:headEnd type="none" w="med" len="med"/>
+                      <a:tailEnd type="none" w="med" len="med"/>
+                    </a:lnL>
+                    <a:lnR w="12700" cap="flat" cmpd="sng" algn="ctr">
+                      <a:solidFill>
+                        <a:schemeClr val="tx1"/>
+                      </a:solidFill>
+                      <a:prstDash val="solid"/>
+                      <a:round/>
+                      <a:headEnd type="none" w="med" len="med"/>
+                      <a:tailEnd type="none" w="med" len="med"/>
+                    </a:lnR>
+                    <a:lnT w="12700" cap="flat" cmpd="sng" algn="ctr">
+                      <a:solidFill>
+                        <a:schemeClr val="tx1"/>
+                      </a:solidFill>
+                      <a:prstDash val="solid"/>
+                      <a:round/>
+                      <a:headEnd type="none" w="med" len="med"/>
+                      <a:tailEnd type="none" w="med" len="med"/>
+                    </a:lnT>
+                    <a:lnB w="12700" cap="flat" cmpd="sng" algn="ctr">
+                      <a:solidFill>
+                        <a:schemeClr val="tx1"/>
+                      </a:solidFill>
+                      <a:prstDash val="solid"/>
+                      <a:round/>
+                      <a:headEnd type="none" w="med" len="med"/>
+                      <a:tailEnd type="none" w="med" len="med"/>
+                    </a:lnB>
+                    <a:solidFill>
+                      <a:schemeClr val="bg1">
+                        <a:lumMod val="75000"/>
+                      </a:schemeClr>
+                    </a:solidFill>
+                  </a:tcPr>
+                </a:tc>
+                <a:tc>
+                  <a:txBody>
+                    <a:bodyPr/>
+                    <a:lstStyle/>
+                    <a:p>
+                      <a:pPr algn="ctr"/>
+                      <a:r>
+                        <a:rPr lang="en-US" dirty="0" smtClean="0">
+                          <a:solidFill>
+                            <a:schemeClr val="tx1"/>
+                          </a:solidFill>
+                          <a:latin typeface="Times New Roman" panose="02020603050405020304" pitchFamily="18" charset="0"/>
+                          <a:cs typeface="Times New Roman" panose="02020603050405020304" pitchFamily="18" charset="0"/>
+                        </a:rPr>
+                        <a:t>Technique (Algorithm)</a:t>
+                      </a:r>
+                      <a:endParaRPr lang="en-US" dirty="0">
+                        <a:solidFill>
+                          <a:schemeClr val="tx1"/>
+                        </a:solidFill>
+                        <a:latin typeface="Times New Roman" panose="02020603050405020304" pitchFamily="18" charset="0"/>
+                        <a:cs typeface="Times New Roman" panose="02020603050405020304" pitchFamily="18" charset="0"/>
+                      </a:endParaRPr>
+                    </a:p>
+                  </a:txBody>
+                  <a:tcPr anchor="ctr">
+                    <a:lnL w="12700" cap="flat" cmpd="sng" algn="ctr">
+                      <a:solidFill>
+                        <a:schemeClr val="tx1"/>
+                      </a:solidFill>
+                      <a:prstDash val="solid"/>
+                      <a:round/>
+                      <a:headEnd type="none" w="med" len="med"/>
+                      <a:tailEnd type="none" w="med" len="med"/>
+                    </a:lnL>
+                    <a:lnR w="12700" cap="flat" cmpd="sng" algn="ctr">
+                      <a:solidFill>
+                        <a:schemeClr val="tx1"/>
+                      </a:solidFill>
+                      <a:prstDash val="solid"/>
+                      <a:round/>
+                      <a:headEnd type="none" w="med" len="med"/>
+                      <a:tailEnd type="none" w="med" len="med"/>
+                    </a:lnR>
+                    <a:lnT w="12700" cap="flat" cmpd="sng" algn="ctr">
+                      <a:solidFill>
+                        <a:schemeClr val="tx1"/>
+                      </a:solidFill>
+                      <a:prstDash val="solid"/>
+                      <a:round/>
+                      <a:headEnd type="none" w="med" len="med"/>
+                      <a:tailEnd type="none" w="med" len="med"/>
+                    </a:lnT>
+                    <a:lnB w="12700" cap="flat" cmpd="sng" algn="ctr">
+                      <a:solidFill>
+                        <a:schemeClr val="tx1"/>
+                      </a:solidFill>
+                      <a:prstDash val="solid"/>
+                      <a:round/>
+                      <a:headEnd type="none" w="med" len="med"/>
+                      <a:tailEnd type="none" w="med" len="med"/>
+                    </a:lnB>
+                    <a:solidFill>
+                      <a:schemeClr val="bg1">
+                        <a:lumMod val="75000"/>
+                      </a:schemeClr>
+                    </a:solidFill>
+                  </a:tcPr>
+                </a:tc>
+                <a:tc>
+                  <a:txBody>
+                    <a:bodyPr/>
+                    <a:lstStyle/>
+                    <a:p>
+                      <a:pPr algn="ctr"/>
+                      <a:r>
+                        <a:rPr lang="en-US" dirty="0" smtClean="0">
+                          <a:solidFill>
+                            <a:schemeClr val="tx1"/>
+                          </a:solidFill>
+                          <a:latin typeface="Times New Roman" panose="02020603050405020304" pitchFamily="18" charset="0"/>
+                          <a:cs typeface="Times New Roman" panose="02020603050405020304" pitchFamily="18" charset="0"/>
+                        </a:rPr>
+                        <a:t>Advantages</a:t>
+                      </a:r>
+                      <a:endParaRPr lang="en-US" dirty="0">
+                        <a:solidFill>
+                          <a:schemeClr val="tx1"/>
+                        </a:solidFill>
+                        <a:latin typeface="Times New Roman" panose="02020603050405020304" pitchFamily="18" charset="0"/>
+                        <a:cs typeface="Times New Roman" panose="02020603050405020304" pitchFamily="18" charset="0"/>
+                      </a:endParaRPr>
+                    </a:p>
+                  </a:txBody>
+                  <a:tcPr anchor="ctr">
+                    <a:lnL w="12700" cap="flat" cmpd="sng" algn="ctr">
+                      <a:solidFill>
+                        <a:schemeClr val="tx1"/>
+                      </a:solidFill>
+                      <a:prstDash val="solid"/>
+                      <a:round/>
+                      <a:headEnd type="none" w="med" len="med"/>
+                      <a:tailEnd type="none" w="med" len="med"/>
+                    </a:lnL>
+                    <a:lnR w="12700" cap="flat" cmpd="sng" algn="ctr">
+                      <a:solidFill>
+                        <a:schemeClr val="tx1"/>
+                      </a:solidFill>
+                      <a:prstDash val="solid"/>
+                      <a:round/>
+                      <a:headEnd type="none" w="med" len="med"/>
+                      <a:tailEnd type="none" w="med" len="med"/>
+                    </a:lnR>
+                    <a:lnT w="12700" cap="flat" cmpd="sng" algn="ctr">
+                      <a:solidFill>
+                        <a:schemeClr val="tx1"/>
+                      </a:solidFill>
+                      <a:prstDash val="solid"/>
+                      <a:round/>
+                      <a:headEnd type="none" w="med" len="med"/>
+                      <a:tailEnd type="none" w="med" len="med"/>
+                    </a:lnT>
+                    <a:lnB w="12700" cap="flat" cmpd="sng" algn="ctr">
+                      <a:solidFill>
+                        <a:schemeClr val="tx1"/>
+                      </a:solidFill>
+                      <a:prstDash val="solid"/>
+                      <a:round/>
+                      <a:headEnd type="none" w="med" len="med"/>
+                      <a:tailEnd type="none" w="med" len="med"/>
+                    </a:lnB>
+                    <a:solidFill>
+                      <a:schemeClr val="bg1">
+                        <a:lumMod val="75000"/>
+                      </a:schemeClr>
+                    </a:solidFill>
+                  </a:tcPr>
+                </a:tc>
+                <a:tc>
+                  <a:txBody>
+                    <a:bodyPr/>
+                    <a:lstStyle/>
+                    <a:p>
+                      <a:pPr algn="ctr"/>
+                      <a:r>
+                        <a:rPr lang="en-US" dirty="0" smtClean="0">
+                          <a:solidFill>
+                            <a:schemeClr val="tx1"/>
+                          </a:solidFill>
+                          <a:latin typeface="Times New Roman" panose="02020603050405020304" pitchFamily="18" charset="0"/>
+                          <a:cs typeface="Times New Roman" panose="02020603050405020304" pitchFamily="18" charset="0"/>
+                        </a:rPr>
+                        <a:t>Disadvantaged</a:t>
+                      </a:r>
+                      <a:endParaRPr lang="en-US" dirty="0">
+                        <a:solidFill>
+                          <a:schemeClr val="tx1"/>
+                        </a:solidFill>
+                        <a:latin typeface="Times New Roman" panose="02020603050405020304" pitchFamily="18" charset="0"/>
+                        <a:cs typeface="Times New Roman" panose="02020603050405020304" pitchFamily="18" charset="0"/>
+                      </a:endParaRPr>
+                    </a:p>
+                  </a:txBody>
+                  <a:tcPr anchor="ctr">
+                    <a:lnL w="12700" cap="flat" cmpd="sng" algn="ctr">
+                      <a:solidFill>
+                        <a:schemeClr val="tx1"/>
+                      </a:solidFill>
+                      <a:prstDash val="solid"/>
+                      <a:round/>
+                      <a:headEnd type="none" w="med" len="med"/>
+                      <a:tailEnd type="none" w="med" len="med"/>
+                    </a:lnL>
+                    <a:lnR w="12700" cap="flat" cmpd="sng" algn="ctr">
+                      <a:solidFill>
+                        <a:schemeClr val="tx1"/>
+                      </a:solidFill>
+                      <a:prstDash val="solid"/>
+                      <a:round/>
+                      <a:headEnd type="none" w="med" len="med"/>
+                      <a:tailEnd type="none" w="med" len="med"/>
+                    </a:lnR>
+                    <a:lnT w="12700" cap="flat" cmpd="sng" algn="ctr">
+                      <a:solidFill>
+                        <a:schemeClr val="tx1"/>
+                      </a:solidFill>
+                      <a:prstDash val="solid"/>
+                      <a:round/>
+                      <a:headEnd type="none" w="med" len="med"/>
+                      <a:tailEnd type="none" w="med" len="med"/>
+                    </a:lnT>
+                    <a:lnB w="12700" cap="flat" cmpd="sng" algn="ctr">
+                      <a:solidFill>
+                        <a:schemeClr val="tx1"/>
+                      </a:solidFill>
+                      <a:prstDash val="solid"/>
+                      <a:round/>
+                      <a:headEnd type="none" w="med" len="med"/>
+                      <a:tailEnd type="none" w="med" len="med"/>
+                    </a:lnB>
+                    <a:solidFill>
+                      <a:schemeClr val="bg1">
+                        <a:lumMod val="75000"/>
+                      </a:schemeClr>
+                    </a:solidFill>
+                  </a:tcPr>
+                </a:tc>
+                <a:extLst>
+                  <a:ext uri="{0D108BD9-81ED-4DB2-BD59-A6C34878D82A}">
+                    <a16:rowId xmlns:a16="http://schemas.microsoft.com/office/drawing/2014/main" val="907547670"/>
+                  </a:ext>
+                </a:extLst>
+              </a:tr>
+              <a:tr h="738871">
+                <a:tc>
+                  <a:txBody>
+                    <a:bodyPr/>
+                    <a:lstStyle/>
+                    <a:p>
+                      <a:pPr algn="ctr"/>
+                      <a:r>
+                        <a:rPr lang="en-US" dirty="0" smtClean="0">
+                          <a:solidFill>
+                            <a:schemeClr val="tx1"/>
+                          </a:solidFill>
+                          <a:latin typeface="Times New Roman" panose="02020603050405020304" pitchFamily="18" charset="0"/>
+                          <a:cs typeface="Times New Roman" panose="02020603050405020304" pitchFamily="18" charset="0"/>
+                        </a:rPr>
+                        <a:t>1</a:t>
+                      </a:r>
+                      <a:endParaRPr lang="en-US" dirty="0">
+                        <a:solidFill>
+                          <a:schemeClr val="tx1"/>
+                        </a:solidFill>
+                        <a:latin typeface="Times New Roman" panose="02020603050405020304" pitchFamily="18" charset="0"/>
+                        <a:cs typeface="Times New Roman" panose="02020603050405020304" pitchFamily="18" charset="0"/>
+                      </a:endParaRPr>
+                    </a:p>
+                  </a:txBody>
+                  <a:tcPr anchor="ctr">
+                    <a:lnL w="12700" cap="flat" cmpd="sng" algn="ctr">
+                      <a:solidFill>
+                        <a:schemeClr val="tx1"/>
+                      </a:solidFill>
+                      <a:prstDash val="solid"/>
+                      <a:round/>
+                      <a:headEnd type="none" w="med" len="med"/>
+                      <a:tailEnd type="none" w="med" len="med"/>
+                    </a:lnL>
+                    <a:lnR w="12700" cap="flat" cmpd="sng" algn="ctr">
+                      <a:solidFill>
+                        <a:schemeClr val="tx1"/>
+                      </a:solidFill>
+                      <a:prstDash val="solid"/>
+                      <a:round/>
+                      <a:headEnd type="none" w="med" len="med"/>
+                      <a:tailEnd type="none" w="med" len="med"/>
+                    </a:lnR>
+                    <a:lnT w="12700" cap="flat" cmpd="sng" algn="ctr">
+                      <a:solidFill>
+                        <a:schemeClr val="tx1"/>
+                      </a:solidFill>
+                      <a:prstDash val="solid"/>
+                      <a:round/>
+                      <a:headEnd type="none" w="med" len="med"/>
+                      <a:tailEnd type="none" w="med" len="med"/>
+                    </a:lnT>
+                    <a:lnB w="12700" cap="flat" cmpd="sng" algn="ctr">
+                      <a:solidFill>
+                        <a:schemeClr val="tx1"/>
+                      </a:solidFill>
+                      <a:prstDash val="solid"/>
+                      <a:round/>
+                      <a:headEnd type="none" w="med" len="med"/>
+                      <a:tailEnd type="none" w="med" len="med"/>
+                    </a:lnB>
+                    <a:noFill/>
+                  </a:tcPr>
+                </a:tc>
+                <a:tc>
+                  <a:txBody>
+                    <a:bodyPr/>
+                    <a:lstStyle/>
+                    <a:p>
+                      <a:pPr algn="ctr"/>
+                      <a:endParaRPr lang="en-US" dirty="0">
+                        <a:solidFill>
+                          <a:schemeClr val="tx1"/>
+                        </a:solidFill>
+                        <a:latin typeface="Times New Roman" panose="02020603050405020304" pitchFamily="18" charset="0"/>
+                        <a:cs typeface="Times New Roman" panose="02020603050405020304" pitchFamily="18" charset="0"/>
+                      </a:endParaRPr>
+                    </a:p>
+                  </a:txBody>
+                  <a:tcPr anchor="ctr">
+                    <a:lnL w="12700" cap="flat" cmpd="sng" algn="ctr">
+                      <a:solidFill>
+                        <a:schemeClr val="tx1"/>
+                      </a:solidFill>
+                      <a:prstDash val="solid"/>
+                      <a:round/>
+                      <a:headEnd type="none" w="med" len="med"/>
+                      <a:tailEnd type="none" w="med" len="med"/>
+                    </a:lnL>
+                    <a:lnR w="12700" cap="flat" cmpd="sng" algn="ctr">
+                      <a:solidFill>
+                        <a:schemeClr val="tx1"/>
+                      </a:solidFill>
+                      <a:prstDash val="solid"/>
+                      <a:round/>
+                      <a:headEnd type="none" w="med" len="med"/>
+                      <a:tailEnd type="none" w="med" len="med"/>
+                    </a:lnR>
+                    <a:lnT w="12700" cap="flat" cmpd="sng" algn="ctr">
+                      <a:solidFill>
+                        <a:schemeClr val="tx1"/>
+                      </a:solidFill>
+                      <a:prstDash val="solid"/>
+                      <a:round/>
+                      <a:headEnd type="none" w="med" len="med"/>
+                      <a:tailEnd type="none" w="med" len="med"/>
+                    </a:lnT>
+                    <a:lnB w="12700" cap="flat" cmpd="sng" algn="ctr">
+                      <a:solidFill>
+                        <a:schemeClr val="tx1"/>
+                      </a:solidFill>
+                      <a:prstDash val="solid"/>
+                      <a:round/>
+                      <a:headEnd type="none" w="med" len="med"/>
+                      <a:tailEnd type="none" w="med" len="med"/>
+                    </a:lnB>
+                    <a:noFill/>
+                  </a:tcPr>
+                </a:tc>
+                <a:tc>
+                  <a:txBody>
+                    <a:bodyPr/>
+                    <a:lstStyle/>
+                    <a:p>
+                      <a:pPr algn="ctr"/>
+                      <a:endParaRPr lang="en-US">
+                        <a:solidFill>
+                          <a:schemeClr val="tx1"/>
+                        </a:solidFill>
+                        <a:latin typeface="Times New Roman" panose="02020603050405020304" pitchFamily="18" charset="0"/>
+                        <a:cs typeface="Times New Roman" panose="02020603050405020304" pitchFamily="18" charset="0"/>
+                      </a:endParaRPr>
+                    </a:p>
+                  </a:txBody>
+                  <a:tcPr anchor="ctr">
+                    <a:lnL w="12700" cap="flat" cmpd="sng" algn="ctr">
+                      <a:solidFill>
+                        <a:schemeClr val="tx1"/>
+                      </a:solidFill>
+                      <a:prstDash val="solid"/>
+                      <a:round/>
+                      <a:headEnd type="none" w="med" len="med"/>
+                      <a:tailEnd type="none" w="med" len="med"/>
+                    </a:lnL>
+                    <a:lnR w="12700" cap="flat" cmpd="sng" algn="ctr">
+                      <a:solidFill>
+                        <a:schemeClr val="tx1"/>
+                      </a:solidFill>
+                      <a:prstDash val="solid"/>
+                      <a:round/>
+                      <a:headEnd type="none" w="med" len="med"/>
+                      <a:tailEnd type="none" w="med" len="med"/>
+                    </a:lnR>
+                    <a:lnT w="12700" cap="flat" cmpd="sng" algn="ctr">
+                      <a:solidFill>
+                        <a:schemeClr val="tx1"/>
+                      </a:solidFill>
+                      <a:prstDash val="solid"/>
+                      <a:round/>
+                      <a:headEnd type="none" w="med" len="med"/>
+                      <a:tailEnd type="none" w="med" len="med"/>
+                    </a:lnT>
+                    <a:lnB w="12700" cap="flat" cmpd="sng" algn="ctr">
+                      <a:solidFill>
+                        <a:schemeClr val="tx1"/>
+                      </a:solidFill>
+                      <a:prstDash val="solid"/>
+                      <a:round/>
+                      <a:headEnd type="none" w="med" len="med"/>
+                      <a:tailEnd type="none" w="med" len="med"/>
+                    </a:lnB>
+                    <a:noFill/>
+                  </a:tcPr>
+                </a:tc>
+                <a:tc>
+                  <a:txBody>
+                    <a:bodyPr/>
+                    <a:lstStyle/>
+                    <a:p>
+                      <a:pPr algn="ctr"/>
+                      <a:endParaRPr lang="en-US" dirty="0">
+                        <a:solidFill>
+                          <a:schemeClr val="tx1"/>
+                        </a:solidFill>
+                        <a:latin typeface="Times New Roman" panose="02020603050405020304" pitchFamily="18" charset="0"/>
+                        <a:cs typeface="Times New Roman" panose="02020603050405020304" pitchFamily="18" charset="0"/>
+                      </a:endParaRPr>
+                    </a:p>
+                  </a:txBody>
+                  <a:tcPr anchor="ctr">
+                    <a:lnL w="12700" cap="flat" cmpd="sng" algn="ctr">
+                      <a:solidFill>
+                        <a:schemeClr val="tx1"/>
+                      </a:solidFill>
+                      <a:prstDash val="solid"/>
+                      <a:round/>
+                      <a:headEnd type="none" w="med" len="med"/>
+                      <a:tailEnd type="none" w="med" len="med"/>
+                    </a:lnL>
+                    <a:lnR w="12700" cap="flat" cmpd="sng" algn="ctr">
+                      <a:solidFill>
+                        <a:schemeClr val="tx1"/>
+                      </a:solidFill>
+                      <a:prstDash val="solid"/>
+                      <a:round/>
+                      <a:headEnd type="none" w="med" len="med"/>
+                      <a:tailEnd type="none" w="med" len="med"/>
+                    </a:lnR>
+                    <a:lnT w="12700" cap="flat" cmpd="sng" algn="ctr">
+                      <a:solidFill>
+                        <a:schemeClr val="tx1"/>
+                      </a:solidFill>
+                      <a:prstDash val="solid"/>
+                      <a:round/>
+                      <a:headEnd type="none" w="med" len="med"/>
+                      <a:tailEnd type="none" w="med" len="med"/>
+                    </a:lnT>
+                    <a:lnB w="12700" cap="flat" cmpd="sng" algn="ctr">
+                      <a:solidFill>
+                        <a:schemeClr val="tx1"/>
+                      </a:solidFill>
+                      <a:prstDash val="solid"/>
+                      <a:round/>
+                      <a:headEnd type="none" w="med" len="med"/>
+                      <a:tailEnd type="none" w="med" len="med"/>
+                    </a:lnB>
+                    <a:noFill/>
+                  </a:tcPr>
+                </a:tc>
+                <a:tc>
+                  <a:txBody>
+                    <a:bodyPr/>
+                    <a:lstStyle/>
+                    <a:p>
+                      <a:pPr algn="ctr"/>
+                      <a:endParaRPr lang="en-US" dirty="0">
+                        <a:solidFill>
+                          <a:schemeClr val="tx1"/>
+                        </a:solidFill>
+                        <a:latin typeface="Times New Roman" panose="02020603050405020304" pitchFamily="18" charset="0"/>
+                        <a:cs typeface="Times New Roman" panose="02020603050405020304" pitchFamily="18" charset="0"/>
+                      </a:endParaRPr>
+                    </a:p>
+                  </a:txBody>
+                  <a:tcPr anchor="ctr">
+                    <a:lnL w="12700" cap="flat" cmpd="sng" algn="ctr">
+                      <a:solidFill>
+                        <a:schemeClr val="tx1"/>
+                      </a:solidFill>
+                      <a:prstDash val="solid"/>
+                      <a:round/>
+                      <a:headEnd type="none" w="med" len="med"/>
+                      <a:tailEnd type="none" w="med" len="med"/>
+                    </a:lnL>
+                    <a:lnR w="12700" cap="flat" cmpd="sng" algn="ctr">
+                      <a:solidFill>
+                        <a:schemeClr val="tx1"/>
+                      </a:solidFill>
+                      <a:prstDash val="solid"/>
+                      <a:round/>
+                      <a:headEnd type="none" w="med" len="med"/>
+                      <a:tailEnd type="none" w="med" len="med"/>
+                    </a:lnR>
+                    <a:lnT w="12700" cap="flat" cmpd="sng" algn="ctr">
+                      <a:solidFill>
+                        <a:schemeClr val="tx1"/>
+                      </a:solidFill>
+                      <a:prstDash val="solid"/>
+                      <a:round/>
+                      <a:headEnd type="none" w="med" len="med"/>
+                      <a:tailEnd type="none" w="med" len="med"/>
+                    </a:lnT>
+                    <a:lnB w="12700" cap="flat" cmpd="sng" algn="ctr">
+                      <a:solidFill>
+                        <a:schemeClr val="tx1"/>
+                      </a:solidFill>
+                      <a:prstDash val="solid"/>
+                      <a:round/>
+                      <a:headEnd type="none" w="med" len="med"/>
+                      <a:tailEnd type="none" w="med" len="med"/>
+                    </a:lnB>
+                    <a:noFill/>
+                  </a:tcPr>
+                </a:tc>
+                <a:tc>
+                  <a:txBody>
+                    <a:bodyPr/>
+                    <a:lstStyle/>
+                    <a:p>
+                      <a:pPr algn="ctr"/>
+                      <a:endParaRPr lang="en-US" dirty="0">
+                        <a:solidFill>
+                          <a:schemeClr val="tx1"/>
+                        </a:solidFill>
+                        <a:latin typeface="Times New Roman" panose="02020603050405020304" pitchFamily="18" charset="0"/>
+                        <a:cs typeface="Times New Roman" panose="02020603050405020304" pitchFamily="18" charset="0"/>
+                      </a:endParaRPr>
+                    </a:p>
+                  </a:txBody>
+                  <a:tcPr anchor="ctr">
+                    <a:lnL w="12700" cap="flat" cmpd="sng" algn="ctr">
+                      <a:solidFill>
+                        <a:schemeClr val="tx1"/>
+                      </a:solidFill>
+                      <a:prstDash val="solid"/>
+                      <a:round/>
+                      <a:headEnd type="none" w="med" len="med"/>
+                      <a:tailEnd type="none" w="med" len="med"/>
+                    </a:lnL>
+                    <a:lnR w="12700" cap="flat" cmpd="sng" algn="ctr">
+                      <a:solidFill>
+                        <a:schemeClr val="tx1"/>
+                      </a:solidFill>
+                      <a:prstDash val="solid"/>
+                      <a:round/>
+                      <a:headEnd type="none" w="med" len="med"/>
+                      <a:tailEnd type="none" w="med" len="med"/>
+                    </a:lnR>
+                    <a:lnT w="12700" cap="flat" cmpd="sng" algn="ctr">
+                      <a:solidFill>
+                        <a:schemeClr val="tx1"/>
+                      </a:solidFill>
+                      <a:prstDash val="solid"/>
+                      <a:round/>
+                      <a:headEnd type="none" w="med" len="med"/>
+                      <a:tailEnd type="none" w="med" len="med"/>
+                    </a:lnT>
+                    <a:lnB w="12700" cap="flat" cmpd="sng" algn="ctr">
+                      <a:solidFill>
+                        <a:schemeClr val="tx1"/>
+                      </a:solidFill>
+                      <a:prstDash val="solid"/>
+                      <a:round/>
+                      <a:headEnd type="none" w="med" len="med"/>
+                      <a:tailEnd type="none" w="med" len="med"/>
+                    </a:lnB>
+                    <a:noFill/>
+                  </a:tcPr>
+                </a:tc>
+                <a:extLst>
+                  <a:ext uri="{0D108BD9-81ED-4DB2-BD59-A6C34878D82A}">
+                    <a16:rowId xmlns:a16="http://schemas.microsoft.com/office/drawing/2014/main" val="35302310"/>
+                  </a:ext>
+                </a:extLst>
+              </a:tr>
+              <a:tr h="738871">
+                <a:tc>
+                  <a:txBody>
+                    <a:bodyPr/>
+                    <a:lstStyle/>
+                    <a:p>
+                      <a:pPr algn="ctr"/>
+                      <a:r>
+                        <a:rPr lang="en-US" dirty="0" smtClean="0">
+                          <a:solidFill>
+                            <a:schemeClr val="tx1"/>
+                          </a:solidFill>
+                          <a:latin typeface="Times New Roman" panose="02020603050405020304" pitchFamily="18" charset="0"/>
+                          <a:cs typeface="Times New Roman" panose="02020603050405020304" pitchFamily="18" charset="0"/>
+                        </a:rPr>
+                        <a:t>2</a:t>
+                      </a:r>
+                      <a:endParaRPr lang="en-US" dirty="0">
+                        <a:solidFill>
+                          <a:schemeClr val="tx1"/>
+                        </a:solidFill>
+                        <a:latin typeface="Times New Roman" panose="02020603050405020304" pitchFamily="18" charset="0"/>
+                        <a:cs typeface="Times New Roman" panose="02020603050405020304" pitchFamily="18" charset="0"/>
+                      </a:endParaRPr>
+                    </a:p>
+                  </a:txBody>
+                  <a:tcPr anchor="ctr">
+                    <a:lnL w="12700" cap="flat" cmpd="sng" algn="ctr">
+                      <a:solidFill>
+                        <a:schemeClr val="tx1"/>
+                      </a:solidFill>
+                      <a:prstDash val="solid"/>
+                      <a:round/>
+                      <a:headEnd type="none" w="med" len="med"/>
+                      <a:tailEnd type="none" w="med" len="med"/>
+                    </a:lnL>
+                    <a:lnR w="12700" cap="flat" cmpd="sng" algn="ctr">
+                      <a:solidFill>
+                        <a:schemeClr val="tx1"/>
+                      </a:solidFill>
+                      <a:prstDash val="solid"/>
+                      <a:round/>
+                      <a:headEnd type="none" w="med" len="med"/>
+                      <a:tailEnd type="none" w="med" len="med"/>
+                    </a:lnR>
+                    <a:lnT w="12700" cap="flat" cmpd="sng" algn="ctr">
+                      <a:solidFill>
+                        <a:schemeClr val="tx1"/>
+                      </a:solidFill>
+                      <a:prstDash val="solid"/>
+                      <a:round/>
+                      <a:headEnd type="none" w="med" len="med"/>
+                      <a:tailEnd type="none" w="med" len="med"/>
+                    </a:lnT>
+                    <a:lnB w="12700" cap="flat" cmpd="sng" algn="ctr">
+                      <a:solidFill>
+                        <a:schemeClr val="tx1"/>
+                      </a:solidFill>
+                      <a:prstDash val="solid"/>
+                      <a:round/>
+                      <a:headEnd type="none" w="med" len="med"/>
+                      <a:tailEnd type="none" w="med" len="med"/>
+                    </a:lnB>
+                    <a:noFill/>
+                  </a:tcPr>
+                </a:tc>
+                <a:tc>
+                  <a:txBody>
+                    <a:bodyPr/>
+                    <a:lstStyle/>
+                    <a:p>
+                      <a:pPr algn="ctr"/>
+                      <a:endParaRPr lang="en-US">
+                        <a:solidFill>
+                          <a:schemeClr val="tx1"/>
+                        </a:solidFill>
+                        <a:latin typeface="Times New Roman" panose="02020603050405020304" pitchFamily="18" charset="0"/>
+                        <a:cs typeface="Times New Roman" panose="02020603050405020304" pitchFamily="18" charset="0"/>
+                      </a:endParaRPr>
+                    </a:p>
+                  </a:txBody>
+                  <a:tcPr anchor="ctr">
+                    <a:lnL w="12700" cap="flat" cmpd="sng" algn="ctr">
+                      <a:solidFill>
+                        <a:schemeClr val="tx1"/>
+                      </a:solidFill>
+                      <a:prstDash val="solid"/>
+                      <a:round/>
+                      <a:headEnd type="none" w="med" len="med"/>
+                      <a:tailEnd type="none" w="med" len="med"/>
+                    </a:lnL>
+                    <a:lnR w="12700" cap="flat" cmpd="sng" algn="ctr">
+                      <a:solidFill>
+                        <a:schemeClr val="tx1"/>
+                      </a:solidFill>
+                      <a:prstDash val="solid"/>
+                      <a:round/>
+                      <a:headEnd type="none" w="med" len="med"/>
+                      <a:tailEnd type="none" w="med" len="med"/>
+                    </a:lnR>
+                    <a:lnT w="12700" cap="flat" cmpd="sng" algn="ctr">
+                      <a:solidFill>
+                        <a:schemeClr val="tx1"/>
+                      </a:solidFill>
+                      <a:prstDash val="solid"/>
+                      <a:round/>
+                      <a:headEnd type="none" w="med" len="med"/>
+                      <a:tailEnd type="none" w="med" len="med"/>
+                    </a:lnT>
+                    <a:lnB w="12700" cap="flat" cmpd="sng" algn="ctr">
+                      <a:solidFill>
+                        <a:schemeClr val="tx1"/>
+                      </a:solidFill>
+                      <a:prstDash val="solid"/>
+                      <a:round/>
+                      <a:headEnd type="none" w="med" len="med"/>
+                      <a:tailEnd type="none" w="med" len="med"/>
+                    </a:lnB>
+                    <a:noFill/>
+                  </a:tcPr>
+                </a:tc>
+                <a:tc>
+                  <a:txBody>
+                    <a:bodyPr/>
+                    <a:lstStyle/>
+                    <a:p>
+                      <a:pPr algn="ctr"/>
+                      <a:endParaRPr lang="en-US">
+                        <a:solidFill>
+                          <a:schemeClr val="tx1"/>
+                        </a:solidFill>
+                        <a:latin typeface="Times New Roman" panose="02020603050405020304" pitchFamily="18" charset="0"/>
+                        <a:cs typeface="Times New Roman" panose="02020603050405020304" pitchFamily="18" charset="0"/>
+                      </a:endParaRPr>
+                    </a:p>
+                  </a:txBody>
+                  <a:tcPr anchor="ctr">
+                    <a:lnL w="12700" cap="flat" cmpd="sng" algn="ctr">
+                      <a:solidFill>
+                        <a:schemeClr val="tx1"/>
+                      </a:solidFill>
+                      <a:prstDash val="solid"/>
+                      <a:round/>
+                      <a:headEnd type="none" w="med" len="med"/>
+                      <a:tailEnd type="none" w="med" len="med"/>
+                    </a:lnL>
+                    <a:lnR w="12700" cap="flat" cmpd="sng" algn="ctr">
+                      <a:solidFill>
+                        <a:schemeClr val="tx1"/>
+                      </a:solidFill>
+                      <a:prstDash val="solid"/>
+                      <a:round/>
+                      <a:headEnd type="none" w="med" len="med"/>
+                      <a:tailEnd type="none" w="med" len="med"/>
+                    </a:lnR>
+                    <a:lnT w="12700" cap="flat" cmpd="sng" algn="ctr">
+                      <a:solidFill>
+                        <a:schemeClr val="tx1"/>
+                      </a:solidFill>
+                      <a:prstDash val="solid"/>
+                      <a:round/>
+                      <a:headEnd type="none" w="med" len="med"/>
+                      <a:tailEnd type="none" w="med" len="med"/>
+                    </a:lnT>
+                    <a:lnB w="12700" cap="flat" cmpd="sng" algn="ctr">
+                      <a:solidFill>
+                        <a:schemeClr val="tx1"/>
+                      </a:solidFill>
+                      <a:prstDash val="solid"/>
+                      <a:round/>
+                      <a:headEnd type="none" w="med" len="med"/>
+                      <a:tailEnd type="none" w="med" len="med"/>
+                    </a:lnB>
+                    <a:noFill/>
+                  </a:tcPr>
+                </a:tc>
+                <a:tc>
+                  <a:txBody>
+                    <a:bodyPr/>
+                    <a:lstStyle/>
+                    <a:p>
+                      <a:pPr algn="ctr"/>
+                      <a:endParaRPr lang="en-US">
+                        <a:solidFill>
+                          <a:schemeClr val="tx1"/>
+                        </a:solidFill>
+                        <a:latin typeface="Times New Roman" panose="02020603050405020304" pitchFamily="18" charset="0"/>
+                        <a:cs typeface="Times New Roman" panose="02020603050405020304" pitchFamily="18" charset="0"/>
+                      </a:endParaRPr>
+                    </a:p>
+                  </a:txBody>
+                  <a:tcPr anchor="ctr">
+                    <a:lnL w="12700" cap="flat" cmpd="sng" algn="ctr">
+                      <a:solidFill>
+                        <a:schemeClr val="tx1"/>
+                      </a:solidFill>
+                      <a:prstDash val="solid"/>
+                      <a:round/>
+                      <a:headEnd type="none" w="med" len="med"/>
+                      <a:tailEnd type="none" w="med" len="med"/>
+                    </a:lnL>
+                    <a:lnR w="12700" cap="flat" cmpd="sng" algn="ctr">
+                      <a:solidFill>
+                        <a:schemeClr val="tx1"/>
+                      </a:solidFill>
+                      <a:prstDash val="solid"/>
+                      <a:round/>
+                      <a:headEnd type="none" w="med" len="med"/>
+                      <a:tailEnd type="none" w="med" len="med"/>
+                    </a:lnR>
+                    <a:lnT w="12700" cap="flat" cmpd="sng" algn="ctr">
+                      <a:solidFill>
+                        <a:schemeClr val="tx1"/>
+                      </a:solidFill>
+                      <a:prstDash val="solid"/>
+                      <a:round/>
+                      <a:headEnd type="none" w="med" len="med"/>
+                      <a:tailEnd type="none" w="med" len="med"/>
+                    </a:lnT>
+                    <a:lnB w="12700" cap="flat" cmpd="sng" algn="ctr">
+                      <a:solidFill>
+                        <a:schemeClr val="tx1"/>
+                      </a:solidFill>
+                      <a:prstDash val="solid"/>
+                      <a:round/>
+                      <a:headEnd type="none" w="med" len="med"/>
+                      <a:tailEnd type="none" w="med" len="med"/>
+                    </a:lnB>
+                    <a:noFill/>
+                  </a:tcPr>
+                </a:tc>
+                <a:tc>
+                  <a:txBody>
+                    <a:bodyPr/>
+                    <a:lstStyle/>
+                    <a:p>
+                      <a:pPr algn="ctr"/>
+                      <a:endParaRPr lang="en-US">
+                        <a:solidFill>
+                          <a:schemeClr val="tx1"/>
+                        </a:solidFill>
+                        <a:latin typeface="Times New Roman" panose="02020603050405020304" pitchFamily="18" charset="0"/>
+                        <a:cs typeface="Times New Roman" panose="02020603050405020304" pitchFamily="18" charset="0"/>
+                      </a:endParaRPr>
+                    </a:p>
+                  </a:txBody>
+                  <a:tcPr anchor="ctr">
+                    <a:lnL w="12700" cap="flat" cmpd="sng" algn="ctr">
+                      <a:solidFill>
+                        <a:schemeClr val="tx1"/>
+                      </a:solidFill>
+                      <a:prstDash val="solid"/>
+                      <a:round/>
+                      <a:headEnd type="none" w="med" len="med"/>
+                      <a:tailEnd type="none" w="med" len="med"/>
+                    </a:lnL>
+                    <a:lnR w="12700" cap="flat" cmpd="sng" algn="ctr">
+                      <a:solidFill>
+                        <a:schemeClr val="tx1"/>
+                      </a:solidFill>
+                      <a:prstDash val="solid"/>
+                      <a:round/>
+                      <a:headEnd type="none" w="med" len="med"/>
+                      <a:tailEnd type="none" w="med" len="med"/>
+                    </a:lnR>
+                    <a:lnT w="12700" cap="flat" cmpd="sng" algn="ctr">
+                      <a:solidFill>
+                        <a:schemeClr val="tx1"/>
+                      </a:solidFill>
+                      <a:prstDash val="solid"/>
+                      <a:round/>
+                      <a:headEnd type="none" w="med" len="med"/>
+                      <a:tailEnd type="none" w="med" len="med"/>
+                    </a:lnT>
+                    <a:lnB w="12700" cap="flat" cmpd="sng" algn="ctr">
+                      <a:solidFill>
+                        <a:schemeClr val="tx1"/>
+                      </a:solidFill>
+                      <a:prstDash val="solid"/>
+                      <a:round/>
+                      <a:headEnd type="none" w="med" len="med"/>
+                      <a:tailEnd type="none" w="med" len="med"/>
+                    </a:lnB>
+                    <a:noFill/>
+                  </a:tcPr>
+                </a:tc>
+                <a:tc>
+                  <a:txBody>
+                    <a:bodyPr/>
+                    <a:lstStyle/>
+                    <a:p>
+                      <a:pPr algn="ctr"/>
+                      <a:endParaRPr lang="en-US">
+                        <a:solidFill>
+                          <a:schemeClr val="tx1"/>
+                        </a:solidFill>
+                        <a:latin typeface="Times New Roman" panose="02020603050405020304" pitchFamily="18" charset="0"/>
+                        <a:cs typeface="Times New Roman" panose="02020603050405020304" pitchFamily="18" charset="0"/>
+                      </a:endParaRPr>
+                    </a:p>
+                  </a:txBody>
+                  <a:tcPr anchor="ctr">
+                    <a:lnL w="12700" cap="flat" cmpd="sng" algn="ctr">
+                      <a:solidFill>
+                        <a:schemeClr val="tx1"/>
+                      </a:solidFill>
+                      <a:prstDash val="solid"/>
+                      <a:round/>
+                      <a:headEnd type="none" w="med" len="med"/>
+                      <a:tailEnd type="none" w="med" len="med"/>
+                    </a:lnL>
+                    <a:lnR w="12700" cap="flat" cmpd="sng" algn="ctr">
+                      <a:solidFill>
+                        <a:schemeClr val="tx1"/>
+                      </a:solidFill>
+                      <a:prstDash val="solid"/>
+                      <a:round/>
+                      <a:headEnd type="none" w="med" len="med"/>
+                      <a:tailEnd type="none" w="med" len="med"/>
+                    </a:lnR>
+                    <a:lnT w="12700" cap="flat" cmpd="sng" algn="ctr">
+                      <a:solidFill>
+                        <a:schemeClr val="tx1"/>
+                      </a:solidFill>
+                      <a:prstDash val="solid"/>
+                      <a:round/>
+                      <a:headEnd type="none" w="med" len="med"/>
+                      <a:tailEnd type="none" w="med" len="med"/>
+                    </a:lnT>
+                    <a:lnB w="12700" cap="flat" cmpd="sng" algn="ctr">
+                      <a:solidFill>
+                        <a:schemeClr val="tx1"/>
+                      </a:solidFill>
+                      <a:prstDash val="solid"/>
+                      <a:round/>
+                      <a:headEnd type="none" w="med" len="med"/>
+                      <a:tailEnd type="none" w="med" len="med"/>
+                    </a:lnB>
+                    <a:noFill/>
+                  </a:tcPr>
+                </a:tc>
+                <a:extLst>
+                  <a:ext uri="{0D108BD9-81ED-4DB2-BD59-A6C34878D82A}">
+                    <a16:rowId xmlns:a16="http://schemas.microsoft.com/office/drawing/2014/main" val="4275570003"/>
+                  </a:ext>
+                </a:extLst>
+              </a:tr>
+              <a:tr h="738871">
+                <a:tc>
+                  <a:txBody>
+                    <a:bodyPr/>
+                    <a:lstStyle/>
+                    <a:p>
+                      <a:pPr algn="ctr"/>
+                      <a:r>
+                        <a:rPr lang="en-US" dirty="0" smtClean="0">
+                          <a:solidFill>
+                            <a:schemeClr val="tx1"/>
+                          </a:solidFill>
+                          <a:latin typeface="Times New Roman" panose="02020603050405020304" pitchFamily="18" charset="0"/>
+                          <a:cs typeface="Times New Roman" panose="02020603050405020304" pitchFamily="18" charset="0"/>
+                        </a:rPr>
+                        <a:t>3</a:t>
+                      </a:r>
+                      <a:endParaRPr lang="en-US" dirty="0">
+                        <a:solidFill>
+                          <a:schemeClr val="tx1"/>
+                        </a:solidFill>
+                        <a:latin typeface="Times New Roman" panose="02020603050405020304" pitchFamily="18" charset="0"/>
+                        <a:cs typeface="Times New Roman" panose="02020603050405020304" pitchFamily="18" charset="0"/>
+                      </a:endParaRPr>
+                    </a:p>
+                  </a:txBody>
+                  <a:tcPr anchor="ctr">
+                    <a:lnL w="12700" cap="flat" cmpd="sng" algn="ctr">
+                      <a:solidFill>
+                        <a:schemeClr val="tx1"/>
+                      </a:solidFill>
+                      <a:prstDash val="solid"/>
+                      <a:round/>
+                      <a:headEnd type="none" w="med" len="med"/>
+                      <a:tailEnd type="none" w="med" len="med"/>
+                    </a:lnL>
+                    <a:lnR w="12700" cap="flat" cmpd="sng" algn="ctr">
+                      <a:solidFill>
+                        <a:schemeClr val="tx1"/>
+                      </a:solidFill>
+                      <a:prstDash val="solid"/>
+                      <a:round/>
+                      <a:headEnd type="none" w="med" len="med"/>
+                      <a:tailEnd type="none" w="med" len="med"/>
+                    </a:lnR>
+                    <a:lnT w="12700" cap="flat" cmpd="sng" algn="ctr">
+                      <a:solidFill>
+                        <a:schemeClr val="tx1"/>
+                      </a:solidFill>
+                      <a:prstDash val="solid"/>
+                      <a:round/>
+                      <a:headEnd type="none" w="med" len="med"/>
+                      <a:tailEnd type="none" w="med" len="med"/>
+                    </a:lnT>
+                    <a:lnB w="12700" cap="flat" cmpd="sng" algn="ctr">
+                      <a:solidFill>
+                        <a:schemeClr val="tx1"/>
+                      </a:solidFill>
+                      <a:prstDash val="solid"/>
+                      <a:round/>
+                      <a:headEnd type="none" w="med" len="med"/>
+                      <a:tailEnd type="none" w="med" len="med"/>
+                    </a:lnB>
+                    <a:noFill/>
+                  </a:tcPr>
+                </a:tc>
+                <a:tc>
+                  <a:txBody>
+                    <a:bodyPr/>
+                    <a:lstStyle/>
+                    <a:p>
+                      <a:pPr algn="ctr"/>
+                      <a:endParaRPr lang="en-US">
+                        <a:solidFill>
+                          <a:schemeClr val="tx1"/>
+                        </a:solidFill>
+                        <a:latin typeface="Times New Roman" panose="02020603050405020304" pitchFamily="18" charset="0"/>
+                        <a:cs typeface="Times New Roman" panose="02020603050405020304" pitchFamily="18" charset="0"/>
+                      </a:endParaRPr>
+                    </a:p>
+                  </a:txBody>
+                  <a:tcPr anchor="ctr">
+                    <a:lnL w="12700" cap="flat" cmpd="sng" algn="ctr">
+                      <a:solidFill>
+                        <a:schemeClr val="tx1"/>
+                      </a:solidFill>
+                      <a:prstDash val="solid"/>
+                      <a:round/>
+                      <a:headEnd type="none" w="med" len="med"/>
+                      <a:tailEnd type="none" w="med" len="med"/>
+                    </a:lnL>
+                    <a:lnR w="12700" cap="flat" cmpd="sng" algn="ctr">
+                      <a:solidFill>
+                        <a:schemeClr val="tx1"/>
+                      </a:solidFill>
+                      <a:prstDash val="solid"/>
+                      <a:round/>
+                      <a:headEnd type="none" w="med" len="med"/>
+                      <a:tailEnd type="none" w="med" len="med"/>
+                    </a:lnR>
+                    <a:lnT w="12700" cap="flat" cmpd="sng" algn="ctr">
+                      <a:solidFill>
+                        <a:schemeClr val="tx1"/>
+                      </a:solidFill>
+                      <a:prstDash val="solid"/>
+                      <a:round/>
+                      <a:headEnd type="none" w="med" len="med"/>
+                      <a:tailEnd type="none" w="med" len="med"/>
+                    </a:lnT>
+                    <a:lnB w="12700" cap="flat" cmpd="sng" algn="ctr">
+                      <a:solidFill>
+                        <a:schemeClr val="tx1"/>
+                      </a:solidFill>
+                      <a:prstDash val="solid"/>
+                      <a:round/>
+                      <a:headEnd type="none" w="med" len="med"/>
+                      <a:tailEnd type="none" w="med" len="med"/>
+                    </a:lnB>
+                    <a:noFill/>
+                  </a:tcPr>
+                </a:tc>
+                <a:tc>
+                  <a:txBody>
+                    <a:bodyPr/>
+                    <a:lstStyle/>
+                    <a:p>
+                      <a:pPr algn="ctr"/>
+                      <a:endParaRPr lang="en-US">
+                        <a:solidFill>
+                          <a:schemeClr val="tx1"/>
+                        </a:solidFill>
+                        <a:latin typeface="Times New Roman" panose="02020603050405020304" pitchFamily="18" charset="0"/>
+                        <a:cs typeface="Times New Roman" panose="02020603050405020304" pitchFamily="18" charset="0"/>
+                      </a:endParaRPr>
+                    </a:p>
+                  </a:txBody>
+                  <a:tcPr anchor="ctr">
+                    <a:lnL w="12700" cap="flat" cmpd="sng" algn="ctr">
+                      <a:solidFill>
+                        <a:schemeClr val="tx1"/>
+                      </a:solidFill>
+                      <a:prstDash val="solid"/>
+                      <a:round/>
+                      <a:headEnd type="none" w="med" len="med"/>
+                      <a:tailEnd type="none" w="med" len="med"/>
+                    </a:lnL>
+                    <a:lnR w="12700" cap="flat" cmpd="sng" algn="ctr">
+                      <a:solidFill>
+                        <a:schemeClr val="tx1"/>
+                      </a:solidFill>
+                      <a:prstDash val="solid"/>
+                      <a:round/>
+                      <a:headEnd type="none" w="med" len="med"/>
+                      <a:tailEnd type="none" w="med" len="med"/>
+                    </a:lnR>
+                    <a:lnT w="12700" cap="flat" cmpd="sng" algn="ctr">
+                      <a:solidFill>
+                        <a:schemeClr val="tx1"/>
+                      </a:solidFill>
+                      <a:prstDash val="solid"/>
+                      <a:round/>
+                      <a:headEnd type="none" w="med" len="med"/>
+                      <a:tailEnd type="none" w="med" len="med"/>
+                    </a:lnT>
+                    <a:lnB w="12700" cap="flat" cmpd="sng" algn="ctr">
+                      <a:solidFill>
+                        <a:schemeClr val="tx1"/>
+                      </a:solidFill>
+                      <a:prstDash val="solid"/>
+                      <a:round/>
+                      <a:headEnd type="none" w="med" len="med"/>
+                      <a:tailEnd type="none" w="med" len="med"/>
+                    </a:lnB>
+                    <a:noFill/>
+                  </a:tcPr>
+                </a:tc>
+                <a:tc>
+                  <a:txBody>
+                    <a:bodyPr/>
+                    <a:lstStyle/>
+                    <a:p>
+                      <a:pPr algn="ctr"/>
+                      <a:endParaRPr lang="en-US">
+                        <a:solidFill>
+                          <a:schemeClr val="tx1"/>
+                        </a:solidFill>
+                        <a:latin typeface="Times New Roman" panose="02020603050405020304" pitchFamily="18" charset="0"/>
+                        <a:cs typeface="Times New Roman" panose="02020603050405020304" pitchFamily="18" charset="0"/>
+                      </a:endParaRPr>
+                    </a:p>
+                  </a:txBody>
+                  <a:tcPr anchor="ctr">
+                    <a:lnL w="12700" cap="flat" cmpd="sng" algn="ctr">
+                      <a:solidFill>
+                        <a:schemeClr val="tx1"/>
+                      </a:solidFill>
+                      <a:prstDash val="solid"/>
+                      <a:round/>
+                      <a:headEnd type="none" w="med" len="med"/>
+                      <a:tailEnd type="none" w="med" len="med"/>
+                    </a:lnL>
+                    <a:lnR w="12700" cap="flat" cmpd="sng" algn="ctr">
+                      <a:solidFill>
+                        <a:schemeClr val="tx1"/>
+                      </a:solidFill>
+                      <a:prstDash val="solid"/>
+                      <a:round/>
+                      <a:headEnd type="none" w="med" len="med"/>
+                      <a:tailEnd type="none" w="med" len="med"/>
+                    </a:lnR>
+                    <a:lnT w="12700" cap="flat" cmpd="sng" algn="ctr">
+                      <a:solidFill>
+                        <a:schemeClr val="tx1"/>
+                      </a:solidFill>
+                      <a:prstDash val="solid"/>
+                      <a:round/>
+                      <a:headEnd type="none" w="med" len="med"/>
+                      <a:tailEnd type="none" w="med" len="med"/>
+                    </a:lnT>
+                    <a:lnB w="12700" cap="flat" cmpd="sng" algn="ctr">
+                      <a:solidFill>
+                        <a:schemeClr val="tx1"/>
+                      </a:solidFill>
+                      <a:prstDash val="solid"/>
+                      <a:round/>
+                      <a:headEnd type="none" w="med" len="med"/>
+                      <a:tailEnd type="none" w="med" len="med"/>
+                    </a:lnB>
+                    <a:noFill/>
+                  </a:tcPr>
+                </a:tc>
+                <a:tc>
+                  <a:txBody>
+                    <a:bodyPr/>
+                    <a:lstStyle/>
+                    <a:p>
+                      <a:pPr algn="ctr"/>
+                      <a:endParaRPr lang="en-US">
+                        <a:solidFill>
+                          <a:schemeClr val="tx1"/>
+                        </a:solidFill>
+                        <a:latin typeface="Times New Roman" panose="02020603050405020304" pitchFamily="18" charset="0"/>
+                        <a:cs typeface="Times New Roman" panose="02020603050405020304" pitchFamily="18" charset="0"/>
+                      </a:endParaRPr>
+                    </a:p>
+                  </a:txBody>
+                  <a:tcPr anchor="ctr">
+                    <a:lnL w="12700" cap="flat" cmpd="sng" algn="ctr">
+                      <a:solidFill>
+                        <a:schemeClr val="tx1"/>
+                      </a:solidFill>
+                      <a:prstDash val="solid"/>
+                      <a:round/>
+                      <a:headEnd type="none" w="med" len="med"/>
+                      <a:tailEnd type="none" w="med" len="med"/>
+                    </a:lnL>
+                    <a:lnR w="12700" cap="flat" cmpd="sng" algn="ctr">
+                      <a:solidFill>
+                        <a:schemeClr val="tx1"/>
+                      </a:solidFill>
+                      <a:prstDash val="solid"/>
+                      <a:round/>
+                      <a:headEnd type="none" w="med" len="med"/>
+                      <a:tailEnd type="none" w="med" len="med"/>
+                    </a:lnR>
+                    <a:lnT w="12700" cap="flat" cmpd="sng" algn="ctr">
+                      <a:solidFill>
+                        <a:schemeClr val="tx1"/>
+                      </a:solidFill>
+                      <a:prstDash val="solid"/>
+                      <a:round/>
+                      <a:headEnd type="none" w="med" len="med"/>
+                      <a:tailEnd type="none" w="med" len="med"/>
+                    </a:lnT>
+                    <a:lnB w="12700" cap="flat" cmpd="sng" algn="ctr">
+                      <a:solidFill>
+                        <a:schemeClr val="tx1"/>
+                      </a:solidFill>
+                      <a:prstDash val="solid"/>
+                      <a:round/>
+                      <a:headEnd type="none" w="med" len="med"/>
+                      <a:tailEnd type="none" w="med" len="med"/>
+                    </a:lnB>
+                    <a:noFill/>
+                  </a:tcPr>
+                </a:tc>
+                <a:tc>
+                  <a:txBody>
+                    <a:bodyPr/>
+                    <a:lstStyle/>
+                    <a:p>
+                      <a:pPr algn="ctr"/>
+                      <a:endParaRPr lang="en-US">
+                        <a:solidFill>
+                          <a:schemeClr val="tx1"/>
+                        </a:solidFill>
+                        <a:latin typeface="Times New Roman" panose="02020603050405020304" pitchFamily="18" charset="0"/>
+                        <a:cs typeface="Times New Roman" panose="02020603050405020304" pitchFamily="18" charset="0"/>
+                      </a:endParaRPr>
+                    </a:p>
+                  </a:txBody>
+                  <a:tcPr anchor="ctr">
+                    <a:lnL w="12700" cap="flat" cmpd="sng" algn="ctr">
+                      <a:solidFill>
+                        <a:schemeClr val="tx1"/>
+                      </a:solidFill>
+                      <a:prstDash val="solid"/>
+                      <a:round/>
+                      <a:headEnd type="none" w="med" len="med"/>
+                      <a:tailEnd type="none" w="med" len="med"/>
+                    </a:lnL>
+                    <a:lnR w="12700" cap="flat" cmpd="sng" algn="ctr">
+                      <a:solidFill>
+                        <a:schemeClr val="tx1"/>
+                      </a:solidFill>
+                      <a:prstDash val="solid"/>
+                      <a:round/>
+                      <a:headEnd type="none" w="med" len="med"/>
+                      <a:tailEnd type="none" w="med" len="med"/>
+                    </a:lnR>
+                    <a:lnT w="12700" cap="flat" cmpd="sng" algn="ctr">
+                      <a:solidFill>
+                        <a:schemeClr val="tx1"/>
+                      </a:solidFill>
+                      <a:prstDash val="solid"/>
+                      <a:round/>
+                      <a:headEnd type="none" w="med" len="med"/>
+                      <a:tailEnd type="none" w="med" len="med"/>
+                    </a:lnT>
+                    <a:lnB w="12700" cap="flat" cmpd="sng" algn="ctr">
+                      <a:solidFill>
+                        <a:schemeClr val="tx1"/>
+                      </a:solidFill>
+                      <a:prstDash val="solid"/>
+                      <a:round/>
+                      <a:headEnd type="none" w="med" len="med"/>
+                      <a:tailEnd type="none" w="med" len="med"/>
+                    </a:lnB>
+                    <a:noFill/>
+                  </a:tcPr>
+                </a:tc>
+                <a:extLst>
+                  <a:ext uri="{0D108BD9-81ED-4DB2-BD59-A6C34878D82A}">
+                    <a16:rowId xmlns:a16="http://schemas.microsoft.com/office/drawing/2014/main" val="349387215"/>
+                  </a:ext>
+                </a:extLst>
+              </a:tr>
+              <a:tr h="738871">
+                <a:tc>
+                  <a:txBody>
+                    <a:bodyPr/>
+                    <a:lstStyle/>
+                    <a:p>
+                      <a:pPr algn="ctr"/>
+                      <a:r>
+                        <a:rPr lang="en-US" dirty="0" smtClean="0">
+                          <a:solidFill>
+                            <a:schemeClr val="tx1"/>
+                          </a:solidFill>
+                          <a:latin typeface="Times New Roman" panose="02020603050405020304" pitchFamily="18" charset="0"/>
+                          <a:cs typeface="Times New Roman" panose="02020603050405020304" pitchFamily="18" charset="0"/>
+                        </a:rPr>
+                        <a:t>4</a:t>
+                      </a:r>
+                      <a:endParaRPr lang="en-US" dirty="0">
+                        <a:solidFill>
+                          <a:schemeClr val="tx1"/>
+                        </a:solidFill>
+                        <a:latin typeface="Times New Roman" panose="02020603050405020304" pitchFamily="18" charset="0"/>
+                        <a:cs typeface="Times New Roman" panose="02020603050405020304" pitchFamily="18" charset="0"/>
+                      </a:endParaRPr>
+                    </a:p>
+                  </a:txBody>
+                  <a:tcPr anchor="ctr">
+                    <a:lnL w="12700" cap="flat" cmpd="sng" algn="ctr">
+                      <a:solidFill>
+                        <a:schemeClr val="tx1"/>
+                      </a:solidFill>
+                      <a:prstDash val="solid"/>
+                      <a:round/>
+                      <a:headEnd type="none" w="med" len="med"/>
+                      <a:tailEnd type="none" w="med" len="med"/>
+                    </a:lnL>
+                    <a:lnR w="12700" cap="flat" cmpd="sng" algn="ctr">
+                      <a:solidFill>
+                        <a:schemeClr val="tx1"/>
+                      </a:solidFill>
+                      <a:prstDash val="solid"/>
+                      <a:round/>
+                      <a:headEnd type="none" w="med" len="med"/>
+                      <a:tailEnd type="none" w="med" len="med"/>
+                    </a:lnR>
+                    <a:lnT w="12700" cap="flat" cmpd="sng" algn="ctr">
+                      <a:solidFill>
+                        <a:schemeClr val="tx1"/>
+                      </a:solidFill>
+                      <a:prstDash val="solid"/>
+                      <a:round/>
+                      <a:headEnd type="none" w="med" len="med"/>
+                      <a:tailEnd type="none" w="med" len="med"/>
+                    </a:lnT>
+                    <a:lnB w="12700" cap="flat" cmpd="sng" algn="ctr">
+                      <a:solidFill>
+                        <a:schemeClr val="tx1"/>
+                      </a:solidFill>
+                      <a:prstDash val="solid"/>
+                      <a:round/>
+                      <a:headEnd type="none" w="med" len="med"/>
+                      <a:tailEnd type="none" w="med" len="med"/>
+                    </a:lnB>
+                    <a:noFill/>
+                  </a:tcPr>
+                </a:tc>
+                <a:tc>
+                  <a:txBody>
+                    <a:bodyPr/>
+                    <a:lstStyle/>
+                    <a:p>
+                      <a:pPr algn="ctr"/>
+                      <a:endParaRPr lang="en-US">
+                        <a:solidFill>
+                          <a:schemeClr val="tx1"/>
+                        </a:solidFill>
+                        <a:latin typeface="Times New Roman" panose="02020603050405020304" pitchFamily="18" charset="0"/>
+                        <a:cs typeface="Times New Roman" panose="02020603050405020304" pitchFamily="18" charset="0"/>
+                      </a:endParaRPr>
+                    </a:p>
+                  </a:txBody>
+                  <a:tcPr anchor="ctr">
+                    <a:lnL w="12700" cap="flat" cmpd="sng" algn="ctr">
+                      <a:solidFill>
+                        <a:schemeClr val="tx1"/>
+                      </a:solidFill>
+                      <a:prstDash val="solid"/>
+                      <a:round/>
+                      <a:headEnd type="none" w="med" len="med"/>
+                      <a:tailEnd type="none" w="med" len="med"/>
+                    </a:lnL>
+                    <a:lnR w="12700" cap="flat" cmpd="sng" algn="ctr">
+                      <a:solidFill>
+                        <a:schemeClr val="tx1"/>
+                      </a:solidFill>
+                      <a:prstDash val="solid"/>
+                      <a:round/>
+                      <a:headEnd type="none" w="med" len="med"/>
+                      <a:tailEnd type="none" w="med" len="med"/>
+                    </a:lnR>
+                    <a:lnT w="12700" cap="flat" cmpd="sng" algn="ctr">
+                      <a:solidFill>
+                        <a:schemeClr val="tx1"/>
+                      </a:solidFill>
+                      <a:prstDash val="solid"/>
+                      <a:round/>
+                      <a:headEnd type="none" w="med" len="med"/>
+                      <a:tailEnd type="none" w="med" len="med"/>
+                    </a:lnT>
+                    <a:lnB w="12700" cap="flat" cmpd="sng" algn="ctr">
+                      <a:solidFill>
+                        <a:schemeClr val="tx1"/>
+                      </a:solidFill>
+                      <a:prstDash val="solid"/>
+                      <a:round/>
+                      <a:headEnd type="none" w="med" len="med"/>
+                      <a:tailEnd type="none" w="med" len="med"/>
+                    </a:lnB>
+                    <a:noFill/>
+                  </a:tcPr>
+                </a:tc>
+                <a:tc>
+                  <a:txBody>
+                    <a:bodyPr/>
+                    <a:lstStyle/>
+                    <a:p>
+                      <a:pPr algn="ctr"/>
+                      <a:endParaRPr lang="en-US">
+                        <a:solidFill>
+                          <a:schemeClr val="tx1"/>
+                        </a:solidFill>
+                        <a:latin typeface="Times New Roman" panose="02020603050405020304" pitchFamily="18" charset="0"/>
+                        <a:cs typeface="Times New Roman" panose="02020603050405020304" pitchFamily="18" charset="0"/>
+                      </a:endParaRPr>
+                    </a:p>
+                  </a:txBody>
+                  <a:tcPr anchor="ctr">
+                    <a:lnL w="12700" cap="flat" cmpd="sng" algn="ctr">
+                      <a:solidFill>
+                        <a:schemeClr val="tx1"/>
+                      </a:solidFill>
+                      <a:prstDash val="solid"/>
+                      <a:round/>
+                      <a:headEnd type="none" w="med" len="med"/>
+                      <a:tailEnd type="none" w="med" len="med"/>
+                    </a:lnL>
+                    <a:lnR w="12700" cap="flat" cmpd="sng" algn="ctr">
+                      <a:solidFill>
+                        <a:schemeClr val="tx1"/>
+                      </a:solidFill>
+                      <a:prstDash val="solid"/>
+                      <a:round/>
+                      <a:headEnd type="none" w="med" len="med"/>
+                      <a:tailEnd type="none" w="med" len="med"/>
+                    </a:lnR>
+                    <a:lnT w="12700" cap="flat" cmpd="sng" algn="ctr">
+                      <a:solidFill>
+                        <a:schemeClr val="tx1"/>
+                      </a:solidFill>
+                      <a:prstDash val="solid"/>
+                      <a:round/>
+                      <a:headEnd type="none" w="med" len="med"/>
+                      <a:tailEnd type="none" w="med" len="med"/>
+                    </a:lnT>
+                    <a:lnB w="12700" cap="flat" cmpd="sng" algn="ctr">
+                      <a:solidFill>
+                        <a:schemeClr val="tx1"/>
+                      </a:solidFill>
+                      <a:prstDash val="solid"/>
+                      <a:round/>
+                      <a:headEnd type="none" w="med" len="med"/>
+                      <a:tailEnd type="none" w="med" len="med"/>
+                    </a:lnB>
+                    <a:noFill/>
+                  </a:tcPr>
+                </a:tc>
+                <a:tc>
+                  <a:txBody>
+                    <a:bodyPr/>
+                    <a:lstStyle/>
+                    <a:p>
+                      <a:pPr algn="ctr"/>
+                      <a:endParaRPr lang="en-US">
+                        <a:solidFill>
+                          <a:schemeClr val="tx1"/>
+                        </a:solidFill>
+                        <a:latin typeface="Times New Roman" panose="02020603050405020304" pitchFamily="18" charset="0"/>
+                        <a:cs typeface="Times New Roman" panose="02020603050405020304" pitchFamily="18" charset="0"/>
+                      </a:endParaRPr>
+                    </a:p>
+                  </a:txBody>
+                  <a:tcPr anchor="ctr">
+                    <a:lnL w="12700" cap="flat" cmpd="sng" algn="ctr">
+                      <a:solidFill>
+                        <a:schemeClr val="tx1"/>
+                      </a:solidFill>
+                      <a:prstDash val="solid"/>
+                      <a:round/>
+                      <a:headEnd type="none" w="med" len="med"/>
+                      <a:tailEnd type="none" w="med" len="med"/>
+                    </a:lnL>
+                    <a:lnR w="12700" cap="flat" cmpd="sng" algn="ctr">
+                      <a:solidFill>
+                        <a:schemeClr val="tx1"/>
+                      </a:solidFill>
+                      <a:prstDash val="solid"/>
+                      <a:round/>
+                      <a:headEnd type="none" w="med" len="med"/>
+                      <a:tailEnd type="none" w="med" len="med"/>
+                    </a:lnR>
+                    <a:lnT w="12700" cap="flat" cmpd="sng" algn="ctr">
+                      <a:solidFill>
+                        <a:schemeClr val="tx1"/>
+                      </a:solidFill>
+                      <a:prstDash val="solid"/>
+                      <a:round/>
+                      <a:headEnd type="none" w="med" len="med"/>
+                      <a:tailEnd type="none" w="med" len="med"/>
+                    </a:lnT>
+                    <a:lnB w="12700" cap="flat" cmpd="sng" algn="ctr">
+                      <a:solidFill>
+                        <a:schemeClr val="tx1"/>
+                      </a:solidFill>
+                      <a:prstDash val="solid"/>
+                      <a:round/>
+                      <a:headEnd type="none" w="med" len="med"/>
+                      <a:tailEnd type="none" w="med" len="med"/>
+                    </a:lnB>
+                    <a:noFill/>
+                  </a:tcPr>
+                </a:tc>
+                <a:tc>
+                  <a:txBody>
+                    <a:bodyPr/>
+                    <a:lstStyle/>
+                    <a:p>
+                      <a:pPr algn="ctr"/>
+                      <a:endParaRPr lang="en-US">
+                        <a:solidFill>
+                          <a:schemeClr val="tx1"/>
+                        </a:solidFill>
+                        <a:latin typeface="Times New Roman" panose="02020603050405020304" pitchFamily="18" charset="0"/>
+                        <a:cs typeface="Times New Roman" panose="02020603050405020304" pitchFamily="18" charset="0"/>
+                      </a:endParaRPr>
+                    </a:p>
+                  </a:txBody>
+                  <a:tcPr anchor="ctr">
+                    <a:lnL w="12700" cap="flat" cmpd="sng" algn="ctr">
+                      <a:solidFill>
+                        <a:schemeClr val="tx1"/>
+                      </a:solidFill>
+                      <a:prstDash val="solid"/>
+                      <a:round/>
+                      <a:headEnd type="none" w="med" len="med"/>
+                      <a:tailEnd type="none" w="med" len="med"/>
+                    </a:lnL>
+                    <a:lnR w="12700" cap="flat" cmpd="sng" algn="ctr">
+                      <a:solidFill>
+                        <a:schemeClr val="tx1"/>
+                      </a:solidFill>
+                      <a:prstDash val="solid"/>
+                      <a:round/>
+                      <a:headEnd type="none" w="med" len="med"/>
+                      <a:tailEnd type="none" w="med" len="med"/>
+                    </a:lnR>
+                    <a:lnT w="12700" cap="flat" cmpd="sng" algn="ctr">
+                      <a:solidFill>
+                        <a:schemeClr val="tx1"/>
+                      </a:solidFill>
+                      <a:prstDash val="solid"/>
+                      <a:round/>
+                      <a:headEnd type="none" w="med" len="med"/>
+                      <a:tailEnd type="none" w="med" len="med"/>
+                    </a:lnT>
+                    <a:lnB w="12700" cap="flat" cmpd="sng" algn="ctr">
+                      <a:solidFill>
+                        <a:schemeClr val="tx1"/>
+                      </a:solidFill>
+                      <a:prstDash val="solid"/>
+                      <a:round/>
+                      <a:headEnd type="none" w="med" len="med"/>
+                      <a:tailEnd type="none" w="med" len="med"/>
+                    </a:lnB>
+                    <a:noFill/>
+                  </a:tcPr>
+                </a:tc>
+                <a:tc>
+                  <a:txBody>
+                    <a:bodyPr/>
+                    <a:lstStyle/>
+                    <a:p>
+                      <a:pPr algn="ctr"/>
+                      <a:endParaRPr lang="en-US">
+                        <a:solidFill>
+                          <a:schemeClr val="tx1"/>
+                        </a:solidFill>
+                        <a:latin typeface="Times New Roman" panose="02020603050405020304" pitchFamily="18" charset="0"/>
+                        <a:cs typeface="Times New Roman" panose="02020603050405020304" pitchFamily="18" charset="0"/>
+                      </a:endParaRPr>
+                    </a:p>
+                  </a:txBody>
+                  <a:tcPr anchor="ctr">
+                    <a:lnL w="12700" cap="flat" cmpd="sng" algn="ctr">
+                      <a:solidFill>
+                        <a:schemeClr val="tx1"/>
+                      </a:solidFill>
+                      <a:prstDash val="solid"/>
+                      <a:round/>
+                      <a:headEnd type="none" w="med" len="med"/>
+                      <a:tailEnd type="none" w="med" len="med"/>
+                    </a:lnL>
+                    <a:lnR w="12700" cap="flat" cmpd="sng" algn="ctr">
+                      <a:solidFill>
+                        <a:schemeClr val="tx1"/>
+                      </a:solidFill>
+                      <a:prstDash val="solid"/>
+                      <a:round/>
+                      <a:headEnd type="none" w="med" len="med"/>
+                      <a:tailEnd type="none" w="med" len="med"/>
+                    </a:lnR>
+                    <a:lnT w="12700" cap="flat" cmpd="sng" algn="ctr">
+                      <a:solidFill>
+                        <a:schemeClr val="tx1"/>
+                      </a:solidFill>
+                      <a:prstDash val="solid"/>
+                      <a:round/>
+                      <a:headEnd type="none" w="med" len="med"/>
+                      <a:tailEnd type="none" w="med" len="med"/>
+                    </a:lnT>
+                    <a:lnB w="12700" cap="flat" cmpd="sng" algn="ctr">
+                      <a:solidFill>
+                        <a:schemeClr val="tx1"/>
+                      </a:solidFill>
+                      <a:prstDash val="solid"/>
+                      <a:round/>
+                      <a:headEnd type="none" w="med" len="med"/>
+                      <a:tailEnd type="none" w="med" len="med"/>
+                    </a:lnB>
+                    <a:noFill/>
+                  </a:tcPr>
+                </a:tc>
+                <a:extLst>
+                  <a:ext uri="{0D108BD9-81ED-4DB2-BD59-A6C34878D82A}">
+                    <a16:rowId xmlns:a16="http://schemas.microsoft.com/office/drawing/2014/main" val="3986260521"/>
+                  </a:ext>
+                </a:extLst>
+              </a:tr>
+              <a:tr h="738871">
+                <a:tc>
+                  <a:txBody>
+                    <a:bodyPr/>
+                    <a:lstStyle/>
+                    <a:p>
+                      <a:pPr algn="ctr"/>
+                      <a:r>
+                        <a:rPr lang="en-US" dirty="0" smtClean="0">
+                          <a:solidFill>
+                            <a:schemeClr val="tx1"/>
+                          </a:solidFill>
+                          <a:latin typeface="Times New Roman" panose="02020603050405020304" pitchFamily="18" charset="0"/>
+                          <a:cs typeface="Times New Roman" panose="02020603050405020304" pitchFamily="18" charset="0"/>
+                        </a:rPr>
+                        <a:t>5</a:t>
+                      </a:r>
+                      <a:endParaRPr lang="en-US" dirty="0">
+                        <a:solidFill>
+                          <a:schemeClr val="tx1"/>
+                        </a:solidFill>
+                        <a:latin typeface="Times New Roman" panose="02020603050405020304" pitchFamily="18" charset="0"/>
+                        <a:cs typeface="Times New Roman" panose="02020603050405020304" pitchFamily="18" charset="0"/>
+                      </a:endParaRPr>
+                    </a:p>
+                  </a:txBody>
+                  <a:tcPr anchor="ctr">
+                    <a:lnL w="12700" cap="flat" cmpd="sng" algn="ctr">
+                      <a:solidFill>
+                        <a:schemeClr val="tx1"/>
+                      </a:solidFill>
+                      <a:prstDash val="solid"/>
+                      <a:round/>
+                      <a:headEnd type="none" w="med" len="med"/>
+                      <a:tailEnd type="none" w="med" len="med"/>
+                    </a:lnL>
+                    <a:lnR w="12700" cap="flat" cmpd="sng" algn="ctr">
+                      <a:solidFill>
+                        <a:schemeClr val="tx1"/>
+                      </a:solidFill>
+                      <a:prstDash val="solid"/>
+                      <a:round/>
+                      <a:headEnd type="none" w="med" len="med"/>
+                      <a:tailEnd type="none" w="med" len="med"/>
+                    </a:lnR>
+                    <a:lnT w="12700" cap="flat" cmpd="sng" algn="ctr">
+                      <a:solidFill>
+                        <a:schemeClr val="tx1"/>
+                      </a:solidFill>
+                      <a:prstDash val="solid"/>
+                      <a:round/>
+                      <a:headEnd type="none" w="med" len="med"/>
+                      <a:tailEnd type="none" w="med" len="med"/>
+                    </a:lnT>
+                    <a:lnB w="12700" cap="flat" cmpd="sng" algn="ctr">
+                      <a:solidFill>
+                        <a:schemeClr val="tx1"/>
+                      </a:solidFill>
+                      <a:prstDash val="solid"/>
+                      <a:round/>
+                      <a:headEnd type="none" w="med" len="med"/>
+                      <a:tailEnd type="none" w="med" len="med"/>
+                    </a:lnB>
+                    <a:noFill/>
+                  </a:tcPr>
+                </a:tc>
+                <a:tc>
+                  <a:txBody>
+                    <a:bodyPr/>
+                    <a:lstStyle/>
+                    <a:p>
+                      <a:pPr algn="ctr"/>
+                      <a:endParaRPr lang="en-US">
+                        <a:solidFill>
+                          <a:schemeClr val="tx1"/>
+                        </a:solidFill>
+                        <a:latin typeface="Times New Roman" panose="02020603050405020304" pitchFamily="18" charset="0"/>
+                        <a:cs typeface="Times New Roman" panose="02020603050405020304" pitchFamily="18" charset="0"/>
+                      </a:endParaRPr>
+                    </a:p>
+                  </a:txBody>
+                  <a:tcPr anchor="ctr">
+                    <a:lnL w="12700" cap="flat" cmpd="sng" algn="ctr">
+                      <a:solidFill>
+                        <a:schemeClr val="tx1"/>
+                      </a:solidFill>
+                      <a:prstDash val="solid"/>
+                      <a:round/>
+                      <a:headEnd type="none" w="med" len="med"/>
+                      <a:tailEnd type="none" w="med" len="med"/>
+                    </a:lnL>
+                    <a:lnR w="12700" cap="flat" cmpd="sng" algn="ctr">
+                      <a:solidFill>
+                        <a:schemeClr val="tx1"/>
+                      </a:solidFill>
+                      <a:prstDash val="solid"/>
+                      <a:round/>
+                      <a:headEnd type="none" w="med" len="med"/>
+                      <a:tailEnd type="none" w="med" len="med"/>
+                    </a:lnR>
+                    <a:lnT w="12700" cap="flat" cmpd="sng" algn="ctr">
+                      <a:solidFill>
+                        <a:schemeClr val="tx1"/>
+                      </a:solidFill>
+                      <a:prstDash val="solid"/>
+                      <a:round/>
+                      <a:headEnd type="none" w="med" len="med"/>
+                      <a:tailEnd type="none" w="med" len="med"/>
+                    </a:lnT>
+                    <a:lnB w="12700" cap="flat" cmpd="sng" algn="ctr">
+                      <a:solidFill>
+                        <a:schemeClr val="tx1"/>
+                      </a:solidFill>
+                      <a:prstDash val="solid"/>
+                      <a:round/>
+                      <a:headEnd type="none" w="med" len="med"/>
+                      <a:tailEnd type="none" w="med" len="med"/>
+                    </a:lnB>
+                    <a:noFill/>
+                  </a:tcPr>
+                </a:tc>
+                <a:tc>
+                  <a:txBody>
+                    <a:bodyPr/>
+                    <a:lstStyle/>
+                    <a:p>
+                      <a:pPr algn="ctr"/>
+                      <a:endParaRPr lang="en-US">
+                        <a:solidFill>
+                          <a:schemeClr val="tx1"/>
+                        </a:solidFill>
+                        <a:latin typeface="Times New Roman" panose="02020603050405020304" pitchFamily="18" charset="0"/>
+                        <a:cs typeface="Times New Roman" panose="02020603050405020304" pitchFamily="18" charset="0"/>
+                      </a:endParaRPr>
+                    </a:p>
+                  </a:txBody>
+                  <a:tcPr anchor="ctr">
+                    <a:lnL w="12700" cap="flat" cmpd="sng" algn="ctr">
+                      <a:solidFill>
+                        <a:schemeClr val="tx1"/>
+                      </a:solidFill>
+                      <a:prstDash val="solid"/>
+                      <a:round/>
+                      <a:headEnd type="none" w="med" len="med"/>
+                      <a:tailEnd type="none" w="med" len="med"/>
+                    </a:lnL>
+                    <a:lnR w="12700" cap="flat" cmpd="sng" algn="ctr">
+                      <a:solidFill>
+                        <a:schemeClr val="tx1"/>
+                      </a:solidFill>
+                      <a:prstDash val="solid"/>
+                      <a:round/>
+                      <a:headEnd type="none" w="med" len="med"/>
+                      <a:tailEnd type="none" w="med" len="med"/>
+                    </a:lnR>
+                    <a:lnT w="12700" cap="flat" cmpd="sng" algn="ctr">
+                      <a:solidFill>
+                        <a:schemeClr val="tx1"/>
+                      </a:solidFill>
+                      <a:prstDash val="solid"/>
+                      <a:round/>
+                      <a:headEnd type="none" w="med" len="med"/>
+                      <a:tailEnd type="none" w="med" len="med"/>
+                    </a:lnT>
+                    <a:lnB w="12700" cap="flat" cmpd="sng" algn="ctr">
+                      <a:solidFill>
+                        <a:schemeClr val="tx1"/>
+                      </a:solidFill>
+                      <a:prstDash val="solid"/>
+                      <a:round/>
+                      <a:headEnd type="none" w="med" len="med"/>
+                      <a:tailEnd type="none" w="med" len="med"/>
+                    </a:lnB>
+                    <a:noFill/>
+                  </a:tcPr>
+                </a:tc>
+                <a:tc>
+                  <a:txBody>
+                    <a:bodyPr/>
+                    <a:lstStyle/>
+                    <a:p>
+                      <a:pPr algn="ctr"/>
+                      <a:endParaRPr lang="en-US">
+                        <a:solidFill>
+                          <a:schemeClr val="tx1"/>
+                        </a:solidFill>
+                        <a:latin typeface="Times New Roman" panose="02020603050405020304" pitchFamily="18" charset="0"/>
+                        <a:cs typeface="Times New Roman" panose="02020603050405020304" pitchFamily="18" charset="0"/>
+                      </a:endParaRPr>
+                    </a:p>
+                  </a:txBody>
+                  <a:tcPr anchor="ctr">
+                    <a:lnL w="12700" cap="flat" cmpd="sng" algn="ctr">
+                      <a:solidFill>
+                        <a:schemeClr val="tx1"/>
+                      </a:solidFill>
+                      <a:prstDash val="solid"/>
+                      <a:round/>
+                      <a:headEnd type="none" w="med" len="med"/>
+                      <a:tailEnd type="none" w="med" len="med"/>
+                    </a:lnL>
+                    <a:lnR w="12700" cap="flat" cmpd="sng" algn="ctr">
+                      <a:solidFill>
+                        <a:schemeClr val="tx1"/>
+                      </a:solidFill>
+                      <a:prstDash val="solid"/>
+                      <a:round/>
+                      <a:headEnd type="none" w="med" len="med"/>
+                      <a:tailEnd type="none" w="med" len="med"/>
+                    </a:lnR>
+                    <a:lnT w="12700" cap="flat" cmpd="sng" algn="ctr">
+                      <a:solidFill>
+                        <a:schemeClr val="tx1"/>
+                      </a:solidFill>
+                      <a:prstDash val="solid"/>
+                      <a:round/>
+                      <a:headEnd type="none" w="med" len="med"/>
+                      <a:tailEnd type="none" w="med" len="med"/>
+                    </a:lnT>
+                    <a:lnB w="12700" cap="flat" cmpd="sng" algn="ctr">
+                      <a:solidFill>
+                        <a:schemeClr val="tx1"/>
+                      </a:solidFill>
+                      <a:prstDash val="solid"/>
+                      <a:round/>
+                      <a:headEnd type="none" w="med" len="med"/>
+                      <a:tailEnd type="none" w="med" len="med"/>
+                    </a:lnB>
+                    <a:noFill/>
+                  </a:tcPr>
+                </a:tc>
+                <a:tc>
+                  <a:txBody>
+                    <a:bodyPr/>
+                    <a:lstStyle/>
+                    <a:p>
+                      <a:pPr algn="ctr"/>
+                      <a:endParaRPr lang="en-US">
+                        <a:solidFill>
+                          <a:schemeClr val="tx1"/>
+                        </a:solidFill>
+                        <a:latin typeface="Times New Roman" panose="02020603050405020304" pitchFamily="18" charset="0"/>
+                        <a:cs typeface="Times New Roman" panose="02020603050405020304" pitchFamily="18" charset="0"/>
+                      </a:endParaRPr>
+                    </a:p>
+                  </a:txBody>
+                  <a:tcPr anchor="ctr">
+                    <a:lnL w="12700" cap="flat" cmpd="sng" algn="ctr">
+                      <a:solidFill>
+                        <a:schemeClr val="tx1"/>
+                      </a:solidFill>
+                      <a:prstDash val="solid"/>
+                      <a:round/>
+                      <a:headEnd type="none" w="med" len="med"/>
+                      <a:tailEnd type="none" w="med" len="med"/>
+                    </a:lnL>
+                    <a:lnR w="12700" cap="flat" cmpd="sng" algn="ctr">
+                      <a:solidFill>
+                        <a:schemeClr val="tx1"/>
+                      </a:solidFill>
+                      <a:prstDash val="solid"/>
+                      <a:round/>
+                      <a:headEnd type="none" w="med" len="med"/>
+                      <a:tailEnd type="none" w="med" len="med"/>
+                    </a:lnR>
+                    <a:lnT w="12700" cap="flat" cmpd="sng" algn="ctr">
+                      <a:solidFill>
+                        <a:schemeClr val="tx1"/>
+                      </a:solidFill>
+                      <a:prstDash val="solid"/>
+                      <a:round/>
+                      <a:headEnd type="none" w="med" len="med"/>
+                      <a:tailEnd type="none" w="med" len="med"/>
+                    </a:lnT>
+                    <a:lnB w="12700" cap="flat" cmpd="sng" algn="ctr">
+                      <a:solidFill>
+                        <a:schemeClr val="tx1"/>
+                      </a:solidFill>
+                      <a:prstDash val="solid"/>
+                      <a:round/>
+                      <a:headEnd type="none" w="med" len="med"/>
+                      <a:tailEnd type="none" w="med" len="med"/>
+                    </a:lnB>
+                    <a:noFill/>
+                  </a:tcPr>
+                </a:tc>
+                <a:tc>
+                  <a:txBody>
+                    <a:bodyPr/>
+                    <a:lstStyle/>
+                    <a:p>
+                      <a:pPr algn="ctr"/>
+                      <a:endParaRPr lang="en-US" dirty="0">
+                        <a:solidFill>
+                          <a:schemeClr val="tx1"/>
+                        </a:solidFill>
+                        <a:latin typeface="Times New Roman" panose="02020603050405020304" pitchFamily="18" charset="0"/>
+                        <a:cs typeface="Times New Roman" panose="02020603050405020304" pitchFamily="18" charset="0"/>
+                      </a:endParaRPr>
+                    </a:p>
+                  </a:txBody>
+                  <a:tcPr anchor="ctr">
+                    <a:lnL w="12700" cap="flat" cmpd="sng" algn="ctr">
+                      <a:solidFill>
+                        <a:schemeClr val="tx1"/>
+                      </a:solidFill>
+                      <a:prstDash val="solid"/>
+                      <a:round/>
+                      <a:headEnd type="none" w="med" len="med"/>
+                      <a:tailEnd type="none" w="med" len="med"/>
+                    </a:lnL>
+                    <a:lnR w="12700" cap="flat" cmpd="sng" algn="ctr">
+                      <a:solidFill>
+                        <a:schemeClr val="tx1"/>
+                      </a:solidFill>
+                      <a:prstDash val="solid"/>
+                      <a:round/>
+                      <a:headEnd type="none" w="med" len="med"/>
+                      <a:tailEnd type="none" w="med" len="med"/>
+                    </a:lnR>
+                    <a:lnT w="12700" cap="flat" cmpd="sng" algn="ctr">
+                      <a:solidFill>
+                        <a:schemeClr val="tx1"/>
+                      </a:solidFill>
+                      <a:prstDash val="solid"/>
+                      <a:round/>
+                      <a:headEnd type="none" w="med" len="med"/>
+                      <a:tailEnd type="none" w="med" len="med"/>
+                    </a:lnT>
+                    <a:lnB w="12700" cap="flat" cmpd="sng" algn="ctr">
+                      <a:solidFill>
+                        <a:schemeClr val="tx1"/>
+                      </a:solidFill>
+                      <a:prstDash val="solid"/>
+                      <a:round/>
+                      <a:headEnd type="none" w="med" len="med"/>
+                      <a:tailEnd type="none" w="med" len="med"/>
+                    </a:lnB>
+                    <a:noFill/>
+                  </a:tcPr>
+                </a:tc>
+                <a:extLst>
+                  <a:ext uri="{0D108BD9-81ED-4DB2-BD59-A6C34878D82A}">
+                    <a16:rowId xmlns:a16="http://schemas.microsoft.com/office/drawing/2014/main" val="1886864296"/>
+                  </a:ext>
+                </a:extLst>
+              </a:tr>
+            </a:tbl>
+          </a:graphicData>
+        </a:graphic>
+      </p:graphicFrame>
     </p:spTree>
     <p:extLst>
       <p:ext uri="{BB962C8B-B14F-4D97-AF65-F5344CB8AC3E}">
-        <p14:creationId xmlns:p14="http://schemas.microsoft.com/office/powerpoint/2010/main" val="2041505513"/>
+        <p14:creationId xmlns:p14="http://schemas.microsoft.com/office/powerpoint/2010/main" val="473876944"/>
       </p:ext>
     </p:extLst>
   </p:cSld>
@@ -5070,7 +7459,7 @@
                 <a:latin typeface="Times New Roman" panose="02020603050405020304" pitchFamily="18" charset="0"/>
                 <a:cs typeface="Times New Roman" panose="02020603050405020304" pitchFamily="18" charset="0"/>
               </a:rPr>
-              <a:t>PROPOSED SYSTEM</a:t>
+              <a:t>LITERATURE SURVEY</a:t>
             </a:r>
             <a:endParaRPr lang="en-US" sz="3600" b="1" dirty="0">
               <a:latin typeface="Times New Roman" pitchFamily="18" charset="0"/>
@@ -5078,248 +7467,2248 @@
           </a:p>
         </p:txBody>
       </p:sp>
-      <p:sp>
-        <p:nvSpPr>
-          <p:cNvPr id="3" name="TextBox 2">
-            <a:extLst>
-              <a:ext uri="{FF2B5EF4-FFF2-40B4-BE49-F238E27FC236}">
-                <a16:creationId xmlns:a16="http://schemas.microsoft.com/office/drawing/2014/main" id="{A8CC6EC7-53F3-9BB9-DC3B-4702CB186EB2}"/>
-              </a:ext>
-            </a:extLst>
-          </p:cNvPr>
-          <p:cNvSpPr txBox="1"/>
-          <p:nvPr/>
-        </p:nvSpPr>
-        <p:spPr>
-          <a:xfrm>
-            <a:off x="649432" y="1508766"/>
-            <a:ext cx="10893136" cy="4524315"/>
-          </a:xfrm>
-          <a:prstGeom prst="rect">
-            <a:avLst/>
-          </a:prstGeom>
-          <a:noFill/>
-        </p:spPr>
-        <p:txBody>
-          <a:bodyPr wrap="square" rtlCol="0">
-            <a:spAutoFit/>
-          </a:bodyPr>
-          <a:lstStyle/>
-          <a:p>
-            <a:pPr marL="285750" indent="-285750" algn="just">
-              <a:lnSpc>
-                <a:spcPct val="150000"/>
-              </a:lnSpc>
-              <a:buFont typeface="Wingdings" panose="05000000000000000000" pitchFamily="2" charset="2"/>
-              <a:buChar char="v"/>
-            </a:pPr>
-            <a:r>
-              <a:rPr lang="en-IN" sz="2400" dirty="0">
-                <a:latin typeface="Times New Roman" panose="02020603050405020304" pitchFamily="18" charset="0"/>
-                <a:cs typeface="Times New Roman" panose="02020603050405020304" pitchFamily="18" charset="0"/>
-              </a:rPr>
-              <a:t>[1]. Mirza K. B. Shuhan1, Tariqul Islam2. </a:t>
-            </a:r>
-            <a:r>
-              <a:rPr lang="en-IN" sz="2400" dirty="0" smtClean="0">
-                <a:latin typeface="Times New Roman" panose="02020603050405020304" pitchFamily="18" charset="0"/>
-                <a:cs typeface="Times New Roman" panose="02020603050405020304" pitchFamily="18" charset="0"/>
-              </a:rPr>
-              <a:t>IEEE (</a:t>
-            </a:r>
-            <a:r>
-              <a:rPr lang="en-IN" sz="2400" dirty="0" smtClean="0">
-                <a:latin typeface="Times New Roman" panose="02020603050405020304" pitchFamily="18" charset="0"/>
-                <a:cs typeface="Times New Roman" panose="02020603050405020304" pitchFamily="18" charset="0"/>
-                <a:hlinkClick r:id="rId2"/>
-              </a:rPr>
-              <a:t>arXiv:2308.04452v1</a:t>
-            </a:r>
-            <a:r>
-              <a:rPr lang="en-IN" sz="2400" dirty="0" smtClean="0">
-                <a:latin typeface="Times New Roman" panose="02020603050405020304" pitchFamily="18" charset="0"/>
-                <a:cs typeface="Times New Roman" panose="02020603050405020304" pitchFamily="18" charset="0"/>
-              </a:rPr>
-              <a:t>) </a:t>
-            </a:r>
-            <a:r>
-              <a:rPr lang="en-IN" sz="2400" dirty="0">
-                <a:latin typeface="Times New Roman" panose="02020603050405020304" pitchFamily="18" charset="0"/>
-                <a:cs typeface="Times New Roman" panose="02020603050405020304" pitchFamily="18" charset="0"/>
-              </a:rPr>
-              <a:t>[cs.CR] 5 Aug 2023. </a:t>
-            </a:r>
-            <a:r>
-              <a:rPr lang="en-US" sz="2400" dirty="0">
-                <a:latin typeface="Times New Roman" panose="02020603050405020304" pitchFamily="18" charset="0"/>
-                <a:cs typeface="Times New Roman" panose="02020603050405020304" pitchFamily="18" charset="0"/>
-              </a:rPr>
-              <a:t>Quarks: A Secure and </a:t>
-            </a:r>
-            <a:r>
-              <a:rPr lang="en-US" sz="2400" dirty="0" smtClean="0">
-                <a:latin typeface="Times New Roman" panose="02020603050405020304" pitchFamily="18" charset="0"/>
-                <a:cs typeface="Times New Roman" panose="02020603050405020304" pitchFamily="18" charset="0"/>
-              </a:rPr>
-              <a:t>Decentralized Block-chain Based </a:t>
-            </a:r>
-            <a:r>
-              <a:rPr lang="en-US" sz="2400" dirty="0">
-                <a:latin typeface="Times New Roman" panose="02020603050405020304" pitchFamily="18" charset="0"/>
-                <a:cs typeface="Times New Roman" panose="02020603050405020304" pitchFamily="18" charset="0"/>
-              </a:rPr>
-              <a:t>Messaging Network</a:t>
-            </a:r>
-          </a:p>
-          <a:p>
-            <a:pPr marL="285750" indent="-285750" algn="just">
-              <a:lnSpc>
-                <a:spcPct val="150000"/>
-              </a:lnSpc>
-              <a:buFont typeface="Wingdings" panose="05000000000000000000" pitchFamily="2" charset="2"/>
-              <a:buChar char="v"/>
-            </a:pPr>
-            <a:r>
-              <a:rPr lang="en-IN" sz="2400" dirty="0" smtClean="0">
-                <a:latin typeface="Times New Roman" panose="02020603050405020304" pitchFamily="18" charset="0"/>
-                <a:cs typeface="Times New Roman" panose="02020603050405020304" pitchFamily="18" charset="0"/>
-              </a:rPr>
-              <a:t>[2]. </a:t>
-            </a:r>
-            <a:r>
-              <a:rPr lang="en-IN" sz="2400" dirty="0">
-                <a:latin typeface="Times New Roman" panose="02020603050405020304" pitchFamily="18" charset="0"/>
-                <a:cs typeface="Times New Roman" panose="02020603050405020304" pitchFamily="18" charset="0"/>
-              </a:rPr>
-              <a:t>Samira </a:t>
-            </a:r>
-            <a:r>
-              <a:rPr lang="en-IN" sz="2400" dirty="0" err="1">
-                <a:latin typeface="Times New Roman" panose="02020603050405020304" pitchFamily="18" charset="0"/>
-                <a:cs typeface="Times New Roman" panose="02020603050405020304" pitchFamily="18" charset="0"/>
-              </a:rPr>
-              <a:t>Prabhune</a:t>
-            </a:r>
-            <a:r>
-              <a:rPr lang="en-IN" sz="2400" dirty="0">
-                <a:latin typeface="Times New Roman" panose="02020603050405020304" pitchFamily="18" charset="0"/>
-                <a:cs typeface="Times New Roman" panose="02020603050405020304" pitchFamily="18" charset="0"/>
-              </a:rPr>
-              <a:t>, </a:t>
-            </a:r>
-            <a:r>
-              <a:rPr lang="en-IN" sz="2400" dirty="0" err="1">
-                <a:latin typeface="Times New Roman" panose="02020603050405020304" pitchFamily="18" charset="0"/>
-                <a:cs typeface="Times New Roman" panose="02020603050405020304" pitchFamily="18" charset="0"/>
-              </a:rPr>
-              <a:t>Sonal</a:t>
-            </a:r>
-            <a:r>
-              <a:rPr lang="en-IN" sz="2400" dirty="0">
-                <a:latin typeface="Times New Roman" panose="02020603050405020304" pitchFamily="18" charset="0"/>
-                <a:cs typeface="Times New Roman" panose="02020603050405020304" pitchFamily="18" charset="0"/>
-              </a:rPr>
-              <a:t> Sharma. IEEE (</a:t>
-            </a:r>
-            <a:r>
-              <a:rPr lang="en-IN" sz="2400" dirty="0">
-                <a:latin typeface="Times New Roman" panose="02020603050405020304" pitchFamily="18" charset="0"/>
-                <a:cs typeface="Times New Roman" panose="02020603050405020304" pitchFamily="18" charset="0"/>
-                <a:hlinkClick r:id="rId3"/>
-              </a:rPr>
-              <a:t>9725597</a:t>
-            </a:r>
-            <a:r>
-              <a:rPr lang="en-IN" sz="2400" dirty="0">
-                <a:latin typeface="Times New Roman" panose="02020603050405020304" pitchFamily="18" charset="0"/>
-                <a:cs typeface="Times New Roman" panose="02020603050405020304" pitchFamily="18" charset="0"/>
-              </a:rPr>
-              <a:t>). </a:t>
-            </a:r>
-            <a:r>
-              <a:rPr lang="en-US" sz="2400" dirty="0" smtClean="0">
-                <a:latin typeface="Times New Roman" panose="02020603050405020304" pitchFamily="18" charset="0"/>
-                <a:cs typeface="Times New Roman" panose="02020603050405020304" pitchFamily="18" charset="0"/>
-              </a:rPr>
-              <a:t>End-to-End </a:t>
-            </a:r>
-            <a:r>
-              <a:rPr lang="en-US" sz="2400" dirty="0">
-                <a:latin typeface="Times New Roman" panose="02020603050405020304" pitchFamily="18" charset="0"/>
-                <a:cs typeface="Times New Roman" panose="02020603050405020304" pitchFamily="18" charset="0"/>
-              </a:rPr>
-              <a:t>Encryption for Chat App with Dynamic Encryption Key</a:t>
-            </a:r>
-          </a:p>
-          <a:p>
-            <a:pPr marL="285750" indent="-285750" algn="just">
-              <a:lnSpc>
-                <a:spcPct val="150000"/>
-              </a:lnSpc>
-              <a:buFont typeface="Wingdings" panose="05000000000000000000" pitchFamily="2" charset="2"/>
-              <a:buChar char="v"/>
-            </a:pPr>
-            <a:r>
-              <a:rPr lang="en-IN" sz="2400" dirty="0" smtClean="0">
-                <a:latin typeface="Times New Roman" panose="02020603050405020304" pitchFamily="18" charset="0"/>
-                <a:cs typeface="Times New Roman" panose="02020603050405020304" pitchFamily="18" charset="0"/>
-              </a:rPr>
-              <a:t>[3]. </a:t>
-            </a:r>
-            <a:r>
-              <a:rPr lang="sv-SE" sz="2400" dirty="0">
-                <a:latin typeface="Times New Roman" panose="02020603050405020304" pitchFamily="18" charset="0"/>
-                <a:cs typeface="Times New Roman" panose="02020603050405020304" pitchFamily="18" charset="0"/>
-              </a:rPr>
-              <a:t>Ammar Hammad Ali, Ali Makki Sagheer</a:t>
-            </a:r>
-            <a:r>
-              <a:rPr lang="en-IN" sz="2400" dirty="0">
-                <a:latin typeface="Times New Roman" panose="02020603050405020304" pitchFamily="18" charset="0"/>
-                <a:cs typeface="Times New Roman" panose="02020603050405020304" pitchFamily="18" charset="0"/>
-              </a:rPr>
-              <a:t>. IASJ (</a:t>
-            </a:r>
-            <a:r>
-              <a:rPr lang="en-IN" sz="2400" dirty="0">
-                <a:latin typeface="Times New Roman" panose="02020603050405020304" pitchFamily="18" charset="0"/>
-                <a:cs typeface="Times New Roman" panose="02020603050405020304" pitchFamily="18" charset="0"/>
-                <a:hlinkClick r:id="rId4"/>
-              </a:rPr>
-              <a:t>doi:10.25195/2017/4315</a:t>
-            </a:r>
-            <a:r>
-              <a:rPr lang="en-IN" sz="2400" dirty="0">
-                <a:latin typeface="Times New Roman" panose="02020603050405020304" pitchFamily="18" charset="0"/>
-                <a:cs typeface="Times New Roman" panose="02020603050405020304" pitchFamily="18" charset="0"/>
-              </a:rPr>
-              <a:t>) Vol.[43] Issue[1] 2017. </a:t>
-            </a:r>
-            <a:r>
-              <a:rPr lang="en-US" sz="2400" dirty="0">
-                <a:latin typeface="Times New Roman" panose="02020603050405020304" pitchFamily="18" charset="0"/>
-                <a:cs typeface="Times New Roman" panose="02020603050405020304" pitchFamily="18" charset="0"/>
-              </a:rPr>
-              <a:t>Design of Secure Chatting Application with End to End Encryption for Android </a:t>
-            </a:r>
-            <a:r>
-              <a:rPr lang="en-US" sz="2400" dirty="0" smtClean="0">
-                <a:latin typeface="Times New Roman" panose="02020603050405020304" pitchFamily="18" charset="0"/>
-                <a:cs typeface="Times New Roman" panose="02020603050405020304" pitchFamily="18" charset="0"/>
-              </a:rPr>
-              <a:t>Platform</a:t>
-            </a:r>
-            <a:endParaRPr lang="en-US" sz="2400" dirty="0">
-              <a:latin typeface="Times New Roman" panose="02020603050405020304" pitchFamily="18" charset="0"/>
-              <a:cs typeface="Times New Roman" panose="02020603050405020304" pitchFamily="18" charset="0"/>
-            </a:endParaRPr>
-          </a:p>
-        </p:txBody>
-      </p:sp>
+      <p:graphicFrame>
+        <p:nvGraphicFramePr>
+          <p:cNvPr id="3" name="Table 2"/>
+          <p:cNvGraphicFramePr>
+            <a:graphicFrameLocks noGrp="1"/>
+          </p:cNvGraphicFramePr>
+          <p:nvPr>
+            <p:extLst>
+              <p:ext uri="{D42A27DB-BD31-4B8C-83A1-F6EECF244321}">
+                <p14:modId xmlns:p14="http://schemas.microsoft.com/office/powerpoint/2010/main" val="2265865471"/>
+              </p:ext>
+            </p:extLst>
+          </p:nvPr>
+        </p:nvGraphicFramePr>
+        <p:xfrm>
+          <a:off x="609600" y="1084996"/>
+          <a:ext cx="10972800" cy="5261213"/>
+        </p:xfrm>
+        <a:graphic>
+          <a:graphicData uri="http://schemas.openxmlformats.org/drawingml/2006/table">
+            <a:tbl>
+              <a:tblPr firstRow="1" bandRow="1">
+                <a:tableStyleId>{5C22544A-7EE6-4342-B048-85BDC9FD1C3A}</a:tableStyleId>
+              </a:tblPr>
+              <a:tblGrid>
+                <a:gridCol w="1150961">
+                  <a:extLst>
+                    <a:ext uri="{9D8B030D-6E8A-4147-A177-3AD203B41FA5}">
+                      <a16:colId xmlns:a16="http://schemas.microsoft.com/office/drawing/2014/main" val="650890123"/>
+                    </a:ext>
+                  </a:extLst>
+                </a:gridCol>
+                <a:gridCol w="2506639">
+                  <a:extLst>
+                    <a:ext uri="{9D8B030D-6E8A-4147-A177-3AD203B41FA5}">
+                      <a16:colId xmlns:a16="http://schemas.microsoft.com/office/drawing/2014/main" val="3364458840"/>
+                    </a:ext>
+                  </a:extLst>
+                </a:gridCol>
+                <a:gridCol w="1828800">
+                  <a:extLst>
+                    <a:ext uri="{9D8B030D-6E8A-4147-A177-3AD203B41FA5}">
+                      <a16:colId xmlns:a16="http://schemas.microsoft.com/office/drawing/2014/main" val="1934009595"/>
+                    </a:ext>
+                  </a:extLst>
+                </a:gridCol>
+                <a:gridCol w="1828800">
+                  <a:extLst>
+                    <a:ext uri="{9D8B030D-6E8A-4147-A177-3AD203B41FA5}">
+                      <a16:colId xmlns:a16="http://schemas.microsoft.com/office/drawing/2014/main" val="2106811707"/>
+                    </a:ext>
+                  </a:extLst>
+                </a:gridCol>
+                <a:gridCol w="1828800">
+                  <a:extLst>
+                    <a:ext uri="{9D8B030D-6E8A-4147-A177-3AD203B41FA5}">
+                      <a16:colId xmlns:a16="http://schemas.microsoft.com/office/drawing/2014/main" val="4161205106"/>
+                    </a:ext>
+                  </a:extLst>
+                </a:gridCol>
+                <a:gridCol w="1828800">
+                  <a:extLst>
+                    <a:ext uri="{9D8B030D-6E8A-4147-A177-3AD203B41FA5}">
+                      <a16:colId xmlns:a16="http://schemas.microsoft.com/office/drawing/2014/main" val="2191810521"/>
+                    </a:ext>
+                  </a:extLst>
+                </a:gridCol>
+              </a:tblGrid>
+              <a:tr h="1566858">
+                <a:tc>
+                  <a:txBody>
+                    <a:bodyPr/>
+                    <a:lstStyle/>
+                    <a:p>
+                      <a:pPr algn="ctr"/>
+                      <a:r>
+                        <a:rPr lang="en-US" dirty="0" smtClean="0">
+                          <a:solidFill>
+                            <a:schemeClr val="tx1"/>
+                          </a:solidFill>
+                          <a:latin typeface="Times New Roman" panose="02020603050405020304" pitchFamily="18" charset="0"/>
+                          <a:cs typeface="Times New Roman" panose="02020603050405020304" pitchFamily="18" charset="0"/>
+                        </a:rPr>
+                        <a:t>Serial No:</a:t>
+                      </a:r>
+                      <a:endParaRPr lang="en-US" dirty="0">
+                        <a:solidFill>
+                          <a:schemeClr val="tx1"/>
+                        </a:solidFill>
+                        <a:latin typeface="Times New Roman" panose="02020603050405020304" pitchFamily="18" charset="0"/>
+                        <a:cs typeface="Times New Roman" panose="02020603050405020304" pitchFamily="18" charset="0"/>
+                      </a:endParaRPr>
+                    </a:p>
+                  </a:txBody>
+                  <a:tcPr anchor="ctr">
+                    <a:lnL w="12700" cap="flat" cmpd="sng" algn="ctr">
+                      <a:solidFill>
+                        <a:schemeClr val="tx1"/>
+                      </a:solidFill>
+                      <a:prstDash val="solid"/>
+                      <a:round/>
+                      <a:headEnd type="none" w="med" len="med"/>
+                      <a:tailEnd type="none" w="med" len="med"/>
+                    </a:lnL>
+                    <a:lnR w="12700" cap="flat" cmpd="sng" algn="ctr">
+                      <a:solidFill>
+                        <a:schemeClr val="tx1"/>
+                      </a:solidFill>
+                      <a:prstDash val="solid"/>
+                      <a:round/>
+                      <a:headEnd type="none" w="med" len="med"/>
+                      <a:tailEnd type="none" w="med" len="med"/>
+                    </a:lnR>
+                    <a:lnT w="12700" cap="flat" cmpd="sng" algn="ctr">
+                      <a:solidFill>
+                        <a:schemeClr val="tx1"/>
+                      </a:solidFill>
+                      <a:prstDash val="solid"/>
+                      <a:round/>
+                      <a:headEnd type="none" w="med" len="med"/>
+                      <a:tailEnd type="none" w="med" len="med"/>
+                    </a:lnT>
+                    <a:lnB w="12700" cap="flat" cmpd="sng" algn="ctr">
+                      <a:solidFill>
+                        <a:schemeClr val="tx1"/>
+                      </a:solidFill>
+                      <a:prstDash val="solid"/>
+                      <a:round/>
+                      <a:headEnd type="none" w="med" len="med"/>
+                      <a:tailEnd type="none" w="med" len="med"/>
+                    </a:lnB>
+                    <a:solidFill>
+                      <a:schemeClr val="bg1">
+                        <a:lumMod val="75000"/>
+                      </a:schemeClr>
+                    </a:solidFill>
+                  </a:tcPr>
+                </a:tc>
+                <a:tc>
+                  <a:txBody>
+                    <a:bodyPr/>
+                    <a:lstStyle/>
+                    <a:p>
+                      <a:pPr algn="ctr"/>
+                      <a:r>
+                        <a:rPr lang="en-US" dirty="0" smtClean="0">
+                          <a:solidFill>
+                            <a:schemeClr val="tx1"/>
+                          </a:solidFill>
+                          <a:latin typeface="Times New Roman" panose="02020603050405020304" pitchFamily="18" charset="0"/>
+                          <a:cs typeface="Times New Roman" panose="02020603050405020304" pitchFamily="18" charset="0"/>
+                        </a:rPr>
+                        <a:t>Author</a:t>
+                      </a:r>
+                      <a:r>
+                        <a:rPr lang="en-US" baseline="0" dirty="0" smtClean="0">
+                          <a:solidFill>
+                            <a:schemeClr val="tx1"/>
+                          </a:solidFill>
+                          <a:latin typeface="Times New Roman" panose="02020603050405020304" pitchFamily="18" charset="0"/>
+                          <a:cs typeface="Times New Roman" panose="02020603050405020304" pitchFamily="18" charset="0"/>
+                        </a:rPr>
+                        <a:t> name, Title and date</a:t>
+                      </a:r>
+                      <a:endParaRPr lang="en-US" dirty="0">
+                        <a:solidFill>
+                          <a:schemeClr val="tx1"/>
+                        </a:solidFill>
+                        <a:latin typeface="Times New Roman" panose="02020603050405020304" pitchFamily="18" charset="0"/>
+                        <a:cs typeface="Times New Roman" panose="02020603050405020304" pitchFamily="18" charset="0"/>
+                      </a:endParaRPr>
+                    </a:p>
+                  </a:txBody>
+                  <a:tcPr anchor="ctr">
+                    <a:lnL w="12700" cap="flat" cmpd="sng" algn="ctr">
+                      <a:solidFill>
+                        <a:schemeClr val="tx1"/>
+                      </a:solidFill>
+                      <a:prstDash val="solid"/>
+                      <a:round/>
+                      <a:headEnd type="none" w="med" len="med"/>
+                      <a:tailEnd type="none" w="med" len="med"/>
+                    </a:lnL>
+                    <a:lnR w="12700" cap="flat" cmpd="sng" algn="ctr">
+                      <a:solidFill>
+                        <a:schemeClr val="tx1"/>
+                      </a:solidFill>
+                      <a:prstDash val="solid"/>
+                      <a:round/>
+                      <a:headEnd type="none" w="med" len="med"/>
+                      <a:tailEnd type="none" w="med" len="med"/>
+                    </a:lnR>
+                    <a:lnT w="12700" cap="flat" cmpd="sng" algn="ctr">
+                      <a:solidFill>
+                        <a:schemeClr val="tx1"/>
+                      </a:solidFill>
+                      <a:prstDash val="solid"/>
+                      <a:round/>
+                      <a:headEnd type="none" w="med" len="med"/>
+                      <a:tailEnd type="none" w="med" len="med"/>
+                    </a:lnT>
+                    <a:lnB w="12700" cap="flat" cmpd="sng" algn="ctr">
+                      <a:solidFill>
+                        <a:schemeClr val="tx1"/>
+                      </a:solidFill>
+                      <a:prstDash val="solid"/>
+                      <a:round/>
+                      <a:headEnd type="none" w="med" len="med"/>
+                      <a:tailEnd type="none" w="med" len="med"/>
+                    </a:lnB>
+                    <a:solidFill>
+                      <a:schemeClr val="bg1">
+                        <a:lumMod val="75000"/>
+                      </a:schemeClr>
+                    </a:solidFill>
+                  </a:tcPr>
+                </a:tc>
+                <a:tc>
+                  <a:txBody>
+                    <a:bodyPr/>
+                    <a:lstStyle/>
+                    <a:p>
+                      <a:pPr algn="ctr"/>
+                      <a:r>
+                        <a:rPr lang="en-US" dirty="0" smtClean="0">
+                          <a:solidFill>
+                            <a:schemeClr val="tx1"/>
+                          </a:solidFill>
+                          <a:latin typeface="Times New Roman" panose="02020603050405020304" pitchFamily="18" charset="0"/>
+                          <a:cs typeface="Times New Roman" panose="02020603050405020304" pitchFamily="18" charset="0"/>
+                        </a:rPr>
+                        <a:t>Concept</a:t>
+                      </a:r>
+                      <a:endParaRPr lang="en-US" dirty="0">
+                        <a:solidFill>
+                          <a:schemeClr val="tx1"/>
+                        </a:solidFill>
+                        <a:latin typeface="Times New Roman" panose="02020603050405020304" pitchFamily="18" charset="0"/>
+                        <a:cs typeface="Times New Roman" panose="02020603050405020304" pitchFamily="18" charset="0"/>
+                      </a:endParaRPr>
+                    </a:p>
+                  </a:txBody>
+                  <a:tcPr anchor="ctr">
+                    <a:lnL w="12700" cap="flat" cmpd="sng" algn="ctr">
+                      <a:solidFill>
+                        <a:schemeClr val="tx1"/>
+                      </a:solidFill>
+                      <a:prstDash val="solid"/>
+                      <a:round/>
+                      <a:headEnd type="none" w="med" len="med"/>
+                      <a:tailEnd type="none" w="med" len="med"/>
+                    </a:lnL>
+                    <a:lnR w="12700" cap="flat" cmpd="sng" algn="ctr">
+                      <a:solidFill>
+                        <a:schemeClr val="tx1"/>
+                      </a:solidFill>
+                      <a:prstDash val="solid"/>
+                      <a:round/>
+                      <a:headEnd type="none" w="med" len="med"/>
+                      <a:tailEnd type="none" w="med" len="med"/>
+                    </a:lnR>
+                    <a:lnT w="12700" cap="flat" cmpd="sng" algn="ctr">
+                      <a:solidFill>
+                        <a:schemeClr val="tx1"/>
+                      </a:solidFill>
+                      <a:prstDash val="solid"/>
+                      <a:round/>
+                      <a:headEnd type="none" w="med" len="med"/>
+                      <a:tailEnd type="none" w="med" len="med"/>
+                    </a:lnT>
+                    <a:lnB w="12700" cap="flat" cmpd="sng" algn="ctr">
+                      <a:solidFill>
+                        <a:schemeClr val="tx1"/>
+                      </a:solidFill>
+                      <a:prstDash val="solid"/>
+                      <a:round/>
+                      <a:headEnd type="none" w="med" len="med"/>
+                      <a:tailEnd type="none" w="med" len="med"/>
+                    </a:lnB>
+                    <a:solidFill>
+                      <a:schemeClr val="bg1">
+                        <a:lumMod val="75000"/>
+                      </a:schemeClr>
+                    </a:solidFill>
+                  </a:tcPr>
+                </a:tc>
+                <a:tc>
+                  <a:txBody>
+                    <a:bodyPr/>
+                    <a:lstStyle/>
+                    <a:p>
+                      <a:pPr algn="ctr"/>
+                      <a:r>
+                        <a:rPr lang="en-US" dirty="0" smtClean="0">
+                          <a:solidFill>
+                            <a:schemeClr val="tx1"/>
+                          </a:solidFill>
+                          <a:latin typeface="Times New Roman" panose="02020603050405020304" pitchFamily="18" charset="0"/>
+                          <a:cs typeface="Times New Roman" panose="02020603050405020304" pitchFamily="18" charset="0"/>
+                        </a:rPr>
+                        <a:t>Technique (Algorithm)</a:t>
+                      </a:r>
+                      <a:endParaRPr lang="en-US" dirty="0">
+                        <a:solidFill>
+                          <a:schemeClr val="tx1"/>
+                        </a:solidFill>
+                        <a:latin typeface="Times New Roman" panose="02020603050405020304" pitchFamily="18" charset="0"/>
+                        <a:cs typeface="Times New Roman" panose="02020603050405020304" pitchFamily="18" charset="0"/>
+                      </a:endParaRPr>
+                    </a:p>
+                  </a:txBody>
+                  <a:tcPr anchor="ctr">
+                    <a:lnL w="12700" cap="flat" cmpd="sng" algn="ctr">
+                      <a:solidFill>
+                        <a:schemeClr val="tx1"/>
+                      </a:solidFill>
+                      <a:prstDash val="solid"/>
+                      <a:round/>
+                      <a:headEnd type="none" w="med" len="med"/>
+                      <a:tailEnd type="none" w="med" len="med"/>
+                    </a:lnL>
+                    <a:lnR w="12700" cap="flat" cmpd="sng" algn="ctr">
+                      <a:solidFill>
+                        <a:schemeClr val="tx1"/>
+                      </a:solidFill>
+                      <a:prstDash val="solid"/>
+                      <a:round/>
+                      <a:headEnd type="none" w="med" len="med"/>
+                      <a:tailEnd type="none" w="med" len="med"/>
+                    </a:lnR>
+                    <a:lnT w="12700" cap="flat" cmpd="sng" algn="ctr">
+                      <a:solidFill>
+                        <a:schemeClr val="tx1"/>
+                      </a:solidFill>
+                      <a:prstDash val="solid"/>
+                      <a:round/>
+                      <a:headEnd type="none" w="med" len="med"/>
+                      <a:tailEnd type="none" w="med" len="med"/>
+                    </a:lnT>
+                    <a:lnB w="12700" cap="flat" cmpd="sng" algn="ctr">
+                      <a:solidFill>
+                        <a:schemeClr val="tx1"/>
+                      </a:solidFill>
+                      <a:prstDash val="solid"/>
+                      <a:round/>
+                      <a:headEnd type="none" w="med" len="med"/>
+                      <a:tailEnd type="none" w="med" len="med"/>
+                    </a:lnB>
+                    <a:solidFill>
+                      <a:schemeClr val="bg1">
+                        <a:lumMod val="75000"/>
+                      </a:schemeClr>
+                    </a:solidFill>
+                  </a:tcPr>
+                </a:tc>
+                <a:tc>
+                  <a:txBody>
+                    <a:bodyPr/>
+                    <a:lstStyle/>
+                    <a:p>
+                      <a:pPr algn="ctr"/>
+                      <a:r>
+                        <a:rPr lang="en-US" dirty="0" smtClean="0">
+                          <a:solidFill>
+                            <a:schemeClr val="tx1"/>
+                          </a:solidFill>
+                          <a:latin typeface="Times New Roman" panose="02020603050405020304" pitchFamily="18" charset="0"/>
+                          <a:cs typeface="Times New Roman" panose="02020603050405020304" pitchFamily="18" charset="0"/>
+                        </a:rPr>
+                        <a:t>Advantages</a:t>
+                      </a:r>
+                      <a:endParaRPr lang="en-US" dirty="0">
+                        <a:solidFill>
+                          <a:schemeClr val="tx1"/>
+                        </a:solidFill>
+                        <a:latin typeface="Times New Roman" panose="02020603050405020304" pitchFamily="18" charset="0"/>
+                        <a:cs typeface="Times New Roman" panose="02020603050405020304" pitchFamily="18" charset="0"/>
+                      </a:endParaRPr>
+                    </a:p>
+                  </a:txBody>
+                  <a:tcPr anchor="ctr">
+                    <a:lnL w="12700" cap="flat" cmpd="sng" algn="ctr">
+                      <a:solidFill>
+                        <a:schemeClr val="tx1"/>
+                      </a:solidFill>
+                      <a:prstDash val="solid"/>
+                      <a:round/>
+                      <a:headEnd type="none" w="med" len="med"/>
+                      <a:tailEnd type="none" w="med" len="med"/>
+                    </a:lnL>
+                    <a:lnR w="12700" cap="flat" cmpd="sng" algn="ctr">
+                      <a:solidFill>
+                        <a:schemeClr val="tx1"/>
+                      </a:solidFill>
+                      <a:prstDash val="solid"/>
+                      <a:round/>
+                      <a:headEnd type="none" w="med" len="med"/>
+                      <a:tailEnd type="none" w="med" len="med"/>
+                    </a:lnR>
+                    <a:lnT w="12700" cap="flat" cmpd="sng" algn="ctr">
+                      <a:solidFill>
+                        <a:schemeClr val="tx1"/>
+                      </a:solidFill>
+                      <a:prstDash val="solid"/>
+                      <a:round/>
+                      <a:headEnd type="none" w="med" len="med"/>
+                      <a:tailEnd type="none" w="med" len="med"/>
+                    </a:lnT>
+                    <a:lnB w="12700" cap="flat" cmpd="sng" algn="ctr">
+                      <a:solidFill>
+                        <a:schemeClr val="tx1"/>
+                      </a:solidFill>
+                      <a:prstDash val="solid"/>
+                      <a:round/>
+                      <a:headEnd type="none" w="med" len="med"/>
+                      <a:tailEnd type="none" w="med" len="med"/>
+                    </a:lnB>
+                    <a:solidFill>
+                      <a:schemeClr val="bg1">
+                        <a:lumMod val="75000"/>
+                      </a:schemeClr>
+                    </a:solidFill>
+                  </a:tcPr>
+                </a:tc>
+                <a:tc>
+                  <a:txBody>
+                    <a:bodyPr/>
+                    <a:lstStyle/>
+                    <a:p>
+                      <a:pPr algn="ctr"/>
+                      <a:r>
+                        <a:rPr lang="en-US" dirty="0" smtClean="0">
+                          <a:solidFill>
+                            <a:schemeClr val="tx1"/>
+                          </a:solidFill>
+                          <a:latin typeface="Times New Roman" panose="02020603050405020304" pitchFamily="18" charset="0"/>
+                          <a:cs typeface="Times New Roman" panose="02020603050405020304" pitchFamily="18" charset="0"/>
+                        </a:rPr>
+                        <a:t>Disadvantaged</a:t>
+                      </a:r>
+                      <a:endParaRPr lang="en-US" dirty="0">
+                        <a:solidFill>
+                          <a:schemeClr val="tx1"/>
+                        </a:solidFill>
+                        <a:latin typeface="Times New Roman" panose="02020603050405020304" pitchFamily="18" charset="0"/>
+                        <a:cs typeface="Times New Roman" panose="02020603050405020304" pitchFamily="18" charset="0"/>
+                      </a:endParaRPr>
+                    </a:p>
+                  </a:txBody>
+                  <a:tcPr anchor="ctr">
+                    <a:lnL w="12700" cap="flat" cmpd="sng" algn="ctr">
+                      <a:solidFill>
+                        <a:schemeClr val="tx1"/>
+                      </a:solidFill>
+                      <a:prstDash val="solid"/>
+                      <a:round/>
+                      <a:headEnd type="none" w="med" len="med"/>
+                      <a:tailEnd type="none" w="med" len="med"/>
+                    </a:lnL>
+                    <a:lnR w="12700" cap="flat" cmpd="sng" algn="ctr">
+                      <a:solidFill>
+                        <a:schemeClr val="tx1"/>
+                      </a:solidFill>
+                      <a:prstDash val="solid"/>
+                      <a:round/>
+                      <a:headEnd type="none" w="med" len="med"/>
+                      <a:tailEnd type="none" w="med" len="med"/>
+                    </a:lnR>
+                    <a:lnT w="12700" cap="flat" cmpd="sng" algn="ctr">
+                      <a:solidFill>
+                        <a:schemeClr val="tx1"/>
+                      </a:solidFill>
+                      <a:prstDash val="solid"/>
+                      <a:round/>
+                      <a:headEnd type="none" w="med" len="med"/>
+                      <a:tailEnd type="none" w="med" len="med"/>
+                    </a:lnT>
+                    <a:lnB w="12700" cap="flat" cmpd="sng" algn="ctr">
+                      <a:solidFill>
+                        <a:schemeClr val="tx1"/>
+                      </a:solidFill>
+                      <a:prstDash val="solid"/>
+                      <a:round/>
+                      <a:headEnd type="none" w="med" len="med"/>
+                      <a:tailEnd type="none" w="med" len="med"/>
+                    </a:lnB>
+                    <a:solidFill>
+                      <a:schemeClr val="bg1">
+                        <a:lumMod val="75000"/>
+                      </a:schemeClr>
+                    </a:solidFill>
+                  </a:tcPr>
+                </a:tc>
+                <a:extLst>
+                  <a:ext uri="{0D108BD9-81ED-4DB2-BD59-A6C34878D82A}">
+                    <a16:rowId xmlns:a16="http://schemas.microsoft.com/office/drawing/2014/main" val="907547670"/>
+                  </a:ext>
+                </a:extLst>
+              </a:tr>
+              <a:tr h="738871">
+                <a:tc>
+                  <a:txBody>
+                    <a:bodyPr/>
+                    <a:lstStyle/>
+                    <a:p>
+                      <a:pPr algn="ctr"/>
+                      <a:r>
+                        <a:rPr lang="en-US" dirty="0" smtClean="0">
+                          <a:solidFill>
+                            <a:schemeClr val="tx1"/>
+                          </a:solidFill>
+                          <a:latin typeface="Times New Roman" panose="02020603050405020304" pitchFamily="18" charset="0"/>
+                          <a:cs typeface="Times New Roman" panose="02020603050405020304" pitchFamily="18" charset="0"/>
+                        </a:rPr>
+                        <a:t>6</a:t>
+                      </a:r>
+                      <a:endParaRPr lang="en-US" dirty="0">
+                        <a:solidFill>
+                          <a:schemeClr val="tx1"/>
+                        </a:solidFill>
+                        <a:latin typeface="Times New Roman" panose="02020603050405020304" pitchFamily="18" charset="0"/>
+                        <a:cs typeface="Times New Roman" panose="02020603050405020304" pitchFamily="18" charset="0"/>
+                      </a:endParaRPr>
+                    </a:p>
+                  </a:txBody>
+                  <a:tcPr anchor="ctr">
+                    <a:lnL w="12700" cap="flat" cmpd="sng" algn="ctr">
+                      <a:solidFill>
+                        <a:schemeClr val="tx1"/>
+                      </a:solidFill>
+                      <a:prstDash val="solid"/>
+                      <a:round/>
+                      <a:headEnd type="none" w="med" len="med"/>
+                      <a:tailEnd type="none" w="med" len="med"/>
+                    </a:lnL>
+                    <a:lnR w="12700" cap="flat" cmpd="sng" algn="ctr">
+                      <a:solidFill>
+                        <a:schemeClr val="tx1"/>
+                      </a:solidFill>
+                      <a:prstDash val="solid"/>
+                      <a:round/>
+                      <a:headEnd type="none" w="med" len="med"/>
+                      <a:tailEnd type="none" w="med" len="med"/>
+                    </a:lnR>
+                    <a:lnT w="12700" cap="flat" cmpd="sng" algn="ctr">
+                      <a:solidFill>
+                        <a:schemeClr val="tx1"/>
+                      </a:solidFill>
+                      <a:prstDash val="solid"/>
+                      <a:round/>
+                      <a:headEnd type="none" w="med" len="med"/>
+                      <a:tailEnd type="none" w="med" len="med"/>
+                    </a:lnT>
+                    <a:lnB w="12700" cap="flat" cmpd="sng" algn="ctr">
+                      <a:solidFill>
+                        <a:schemeClr val="tx1"/>
+                      </a:solidFill>
+                      <a:prstDash val="solid"/>
+                      <a:round/>
+                      <a:headEnd type="none" w="med" len="med"/>
+                      <a:tailEnd type="none" w="med" len="med"/>
+                    </a:lnB>
+                    <a:noFill/>
+                  </a:tcPr>
+                </a:tc>
+                <a:tc>
+                  <a:txBody>
+                    <a:bodyPr/>
+                    <a:lstStyle/>
+                    <a:p>
+                      <a:pPr algn="ctr"/>
+                      <a:endParaRPr lang="en-US" dirty="0">
+                        <a:solidFill>
+                          <a:schemeClr val="tx1"/>
+                        </a:solidFill>
+                        <a:latin typeface="Times New Roman" panose="02020603050405020304" pitchFamily="18" charset="0"/>
+                        <a:cs typeface="Times New Roman" panose="02020603050405020304" pitchFamily="18" charset="0"/>
+                      </a:endParaRPr>
+                    </a:p>
+                  </a:txBody>
+                  <a:tcPr anchor="ctr">
+                    <a:lnL w="12700" cap="flat" cmpd="sng" algn="ctr">
+                      <a:solidFill>
+                        <a:schemeClr val="tx1"/>
+                      </a:solidFill>
+                      <a:prstDash val="solid"/>
+                      <a:round/>
+                      <a:headEnd type="none" w="med" len="med"/>
+                      <a:tailEnd type="none" w="med" len="med"/>
+                    </a:lnL>
+                    <a:lnR w="12700" cap="flat" cmpd="sng" algn="ctr">
+                      <a:solidFill>
+                        <a:schemeClr val="tx1"/>
+                      </a:solidFill>
+                      <a:prstDash val="solid"/>
+                      <a:round/>
+                      <a:headEnd type="none" w="med" len="med"/>
+                      <a:tailEnd type="none" w="med" len="med"/>
+                    </a:lnR>
+                    <a:lnT w="12700" cap="flat" cmpd="sng" algn="ctr">
+                      <a:solidFill>
+                        <a:schemeClr val="tx1"/>
+                      </a:solidFill>
+                      <a:prstDash val="solid"/>
+                      <a:round/>
+                      <a:headEnd type="none" w="med" len="med"/>
+                      <a:tailEnd type="none" w="med" len="med"/>
+                    </a:lnT>
+                    <a:lnB w="12700" cap="flat" cmpd="sng" algn="ctr">
+                      <a:solidFill>
+                        <a:schemeClr val="tx1"/>
+                      </a:solidFill>
+                      <a:prstDash val="solid"/>
+                      <a:round/>
+                      <a:headEnd type="none" w="med" len="med"/>
+                      <a:tailEnd type="none" w="med" len="med"/>
+                    </a:lnB>
+                    <a:noFill/>
+                  </a:tcPr>
+                </a:tc>
+                <a:tc>
+                  <a:txBody>
+                    <a:bodyPr/>
+                    <a:lstStyle/>
+                    <a:p>
+                      <a:pPr algn="ctr"/>
+                      <a:endParaRPr lang="en-US">
+                        <a:solidFill>
+                          <a:schemeClr val="tx1"/>
+                        </a:solidFill>
+                        <a:latin typeface="Times New Roman" panose="02020603050405020304" pitchFamily="18" charset="0"/>
+                        <a:cs typeface="Times New Roman" panose="02020603050405020304" pitchFamily="18" charset="0"/>
+                      </a:endParaRPr>
+                    </a:p>
+                  </a:txBody>
+                  <a:tcPr anchor="ctr">
+                    <a:lnL w="12700" cap="flat" cmpd="sng" algn="ctr">
+                      <a:solidFill>
+                        <a:schemeClr val="tx1"/>
+                      </a:solidFill>
+                      <a:prstDash val="solid"/>
+                      <a:round/>
+                      <a:headEnd type="none" w="med" len="med"/>
+                      <a:tailEnd type="none" w="med" len="med"/>
+                    </a:lnL>
+                    <a:lnR w="12700" cap="flat" cmpd="sng" algn="ctr">
+                      <a:solidFill>
+                        <a:schemeClr val="tx1"/>
+                      </a:solidFill>
+                      <a:prstDash val="solid"/>
+                      <a:round/>
+                      <a:headEnd type="none" w="med" len="med"/>
+                      <a:tailEnd type="none" w="med" len="med"/>
+                    </a:lnR>
+                    <a:lnT w="12700" cap="flat" cmpd="sng" algn="ctr">
+                      <a:solidFill>
+                        <a:schemeClr val="tx1"/>
+                      </a:solidFill>
+                      <a:prstDash val="solid"/>
+                      <a:round/>
+                      <a:headEnd type="none" w="med" len="med"/>
+                      <a:tailEnd type="none" w="med" len="med"/>
+                    </a:lnT>
+                    <a:lnB w="12700" cap="flat" cmpd="sng" algn="ctr">
+                      <a:solidFill>
+                        <a:schemeClr val="tx1"/>
+                      </a:solidFill>
+                      <a:prstDash val="solid"/>
+                      <a:round/>
+                      <a:headEnd type="none" w="med" len="med"/>
+                      <a:tailEnd type="none" w="med" len="med"/>
+                    </a:lnB>
+                    <a:noFill/>
+                  </a:tcPr>
+                </a:tc>
+                <a:tc>
+                  <a:txBody>
+                    <a:bodyPr/>
+                    <a:lstStyle/>
+                    <a:p>
+                      <a:pPr algn="ctr"/>
+                      <a:endParaRPr lang="en-US" dirty="0">
+                        <a:solidFill>
+                          <a:schemeClr val="tx1"/>
+                        </a:solidFill>
+                        <a:latin typeface="Times New Roman" panose="02020603050405020304" pitchFamily="18" charset="0"/>
+                        <a:cs typeface="Times New Roman" panose="02020603050405020304" pitchFamily="18" charset="0"/>
+                      </a:endParaRPr>
+                    </a:p>
+                  </a:txBody>
+                  <a:tcPr anchor="ctr">
+                    <a:lnL w="12700" cap="flat" cmpd="sng" algn="ctr">
+                      <a:solidFill>
+                        <a:schemeClr val="tx1"/>
+                      </a:solidFill>
+                      <a:prstDash val="solid"/>
+                      <a:round/>
+                      <a:headEnd type="none" w="med" len="med"/>
+                      <a:tailEnd type="none" w="med" len="med"/>
+                    </a:lnL>
+                    <a:lnR w="12700" cap="flat" cmpd="sng" algn="ctr">
+                      <a:solidFill>
+                        <a:schemeClr val="tx1"/>
+                      </a:solidFill>
+                      <a:prstDash val="solid"/>
+                      <a:round/>
+                      <a:headEnd type="none" w="med" len="med"/>
+                      <a:tailEnd type="none" w="med" len="med"/>
+                    </a:lnR>
+                    <a:lnT w="12700" cap="flat" cmpd="sng" algn="ctr">
+                      <a:solidFill>
+                        <a:schemeClr val="tx1"/>
+                      </a:solidFill>
+                      <a:prstDash val="solid"/>
+                      <a:round/>
+                      <a:headEnd type="none" w="med" len="med"/>
+                      <a:tailEnd type="none" w="med" len="med"/>
+                    </a:lnT>
+                    <a:lnB w="12700" cap="flat" cmpd="sng" algn="ctr">
+                      <a:solidFill>
+                        <a:schemeClr val="tx1"/>
+                      </a:solidFill>
+                      <a:prstDash val="solid"/>
+                      <a:round/>
+                      <a:headEnd type="none" w="med" len="med"/>
+                      <a:tailEnd type="none" w="med" len="med"/>
+                    </a:lnB>
+                    <a:noFill/>
+                  </a:tcPr>
+                </a:tc>
+                <a:tc>
+                  <a:txBody>
+                    <a:bodyPr/>
+                    <a:lstStyle/>
+                    <a:p>
+                      <a:pPr algn="ctr"/>
+                      <a:endParaRPr lang="en-US" dirty="0">
+                        <a:solidFill>
+                          <a:schemeClr val="tx1"/>
+                        </a:solidFill>
+                        <a:latin typeface="Times New Roman" panose="02020603050405020304" pitchFamily="18" charset="0"/>
+                        <a:cs typeface="Times New Roman" panose="02020603050405020304" pitchFamily="18" charset="0"/>
+                      </a:endParaRPr>
+                    </a:p>
+                  </a:txBody>
+                  <a:tcPr anchor="ctr">
+                    <a:lnL w="12700" cap="flat" cmpd="sng" algn="ctr">
+                      <a:solidFill>
+                        <a:schemeClr val="tx1"/>
+                      </a:solidFill>
+                      <a:prstDash val="solid"/>
+                      <a:round/>
+                      <a:headEnd type="none" w="med" len="med"/>
+                      <a:tailEnd type="none" w="med" len="med"/>
+                    </a:lnL>
+                    <a:lnR w="12700" cap="flat" cmpd="sng" algn="ctr">
+                      <a:solidFill>
+                        <a:schemeClr val="tx1"/>
+                      </a:solidFill>
+                      <a:prstDash val="solid"/>
+                      <a:round/>
+                      <a:headEnd type="none" w="med" len="med"/>
+                      <a:tailEnd type="none" w="med" len="med"/>
+                    </a:lnR>
+                    <a:lnT w="12700" cap="flat" cmpd="sng" algn="ctr">
+                      <a:solidFill>
+                        <a:schemeClr val="tx1"/>
+                      </a:solidFill>
+                      <a:prstDash val="solid"/>
+                      <a:round/>
+                      <a:headEnd type="none" w="med" len="med"/>
+                      <a:tailEnd type="none" w="med" len="med"/>
+                    </a:lnT>
+                    <a:lnB w="12700" cap="flat" cmpd="sng" algn="ctr">
+                      <a:solidFill>
+                        <a:schemeClr val="tx1"/>
+                      </a:solidFill>
+                      <a:prstDash val="solid"/>
+                      <a:round/>
+                      <a:headEnd type="none" w="med" len="med"/>
+                      <a:tailEnd type="none" w="med" len="med"/>
+                    </a:lnB>
+                    <a:noFill/>
+                  </a:tcPr>
+                </a:tc>
+                <a:tc>
+                  <a:txBody>
+                    <a:bodyPr/>
+                    <a:lstStyle/>
+                    <a:p>
+                      <a:pPr algn="ctr"/>
+                      <a:endParaRPr lang="en-US" dirty="0">
+                        <a:solidFill>
+                          <a:schemeClr val="tx1"/>
+                        </a:solidFill>
+                        <a:latin typeface="Times New Roman" panose="02020603050405020304" pitchFamily="18" charset="0"/>
+                        <a:cs typeface="Times New Roman" panose="02020603050405020304" pitchFamily="18" charset="0"/>
+                      </a:endParaRPr>
+                    </a:p>
+                  </a:txBody>
+                  <a:tcPr anchor="ctr">
+                    <a:lnL w="12700" cap="flat" cmpd="sng" algn="ctr">
+                      <a:solidFill>
+                        <a:schemeClr val="tx1"/>
+                      </a:solidFill>
+                      <a:prstDash val="solid"/>
+                      <a:round/>
+                      <a:headEnd type="none" w="med" len="med"/>
+                      <a:tailEnd type="none" w="med" len="med"/>
+                    </a:lnL>
+                    <a:lnR w="12700" cap="flat" cmpd="sng" algn="ctr">
+                      <a:solidFill>
+                        <a:schemeClr val="tx1"/>
+                      </a:solidFill>
+                      <a:prstDash val="solid"/>
+                      <a:round/>
+                      <a:headEnd type="none" w="med" len="med"/>
+                      <a:tailEnd type="none" w="med" len="med"/>
+                    </a:lnR>
+                    <a:lnT w="12700" cap="flat" cmpd="sng" algn="ctr">
+                      <a:solidFill>
+                        <a:schemeClr val="tx1"/>
+                      </a:solidFill>
+                      <a:prstDash val="solid"/>
+                      <a:round/>
+                      <a:headEnd type="none" w="med" len="med"/>
+                      <a:tailEnd type="none" w="med" len="med"/>
+                    </a:lnT>
+                    <a:lnB w="12700" cap="flat" cmpd="sng" algn="ctr">
+                      <a:solidFill>
+                        <a:schemeClr val="tx1"/>
+                      </a:solidFill>
+                      <a:prstDash val="solid"/>
+                      <a:round/>
+                      <a:headEnd type="none" w="med" len="med"/>
+                      <a:tailEnd type="none" w="med" len="med"/>
+                    </a:lnB>
+                    <a:noFill/>
+                  </a:tcPr>
+                </a:tc>
+                <a:extLst>
+                  <a:ext uri="{0D108BD9-81ED-4DB2-BD59-A6C34878D82A}">
+                    <a16:rowId xmlns:a16="http://schemas.microsoft.com/office/drawing/2014/main" val="35302310"/>
+                  </a:ext>
+                </a:extLst>
+              </a:tr>
+              <a:tr h="738871">
+                <a:tc>
+                  <a:txBody>
+                    <a:bodyPr/>
+                    <a:lstStyle/>
+                    <a:p>
+                      <a:pPr algn="ctr"/>
+                      <a:r>
+                        <a:rPr lang="en-US" dirty="0" smtClean="0">
+                          <a:solidFill>
+                            <a:schemeClr val="tx1"/>
+                          </a:solidFill>
+                          <a:latin typeface="Times New Roman" panose="02020603050405020304" pitchFamily="18" charset="0"/>
+                          <a:cs typeface="Times New Roman" panose="02020603050405020304" pitchFamily="18" charset="0"/>
+                        </a:rPr>
+                        <a:t>7</a:t>
+                      </a:r>
+                      <a:endParaRPr lang="en-US" dirty="0">
+                        <a:solidFill>
+                          <a:schemeClr val="tx1"/>
+                        </a:solidFill>
+                        <a:latin typeface="Times New Roman" panose="02020603050405020304" pitchFamily="18" charset="0"/>
+                        <a:cs typeface="Times New Roman" panose="02020603050405020304" pitchFamily="18" charset="0"/>
+                      </a:endParaRPr>
+                    </a:p>
+                  </a:txBody>
+                  <a:tcPr anchor="ctr">
+                    <a:lnL w="12700" cap="flat" cmpd="sng" algn="ctr">
+                      <a:solidFill>
+                        <a:schemeClr val="tx1"/>
+                      </a:solidFill>
+                      <a:prstDash val="solid"/>
+                      <a:round/>
+                      <a:headEnd type="none" w="med" len="med"/>
+                      <a:tailEnd type="none" w="med" len="med"/>
+                    </a:lnL>
+                    <a:lnR w="12700" cap="flat" cmpd="sng" algn="ctr">
+                      <a:solidFill>
+                        <a:schemeClr val="tx1"/>
+                      </a:solidFill>
+                      <a:prstDash val="solid"/>
+                      <a:round/>
+                      <a:headEnd type="none" w="med" len="med"/>
+                      <a:tailEnd type="none" w="med" len="med"/>
+                    </a:lnR>
+                    <a:lnT w="12700" cap="flat" cmpd="sng" algn="ctr">
+                      <a:solidFill>
+                        <a:schemeClr val="tx1"/>
+                      </a:solidFill>
+                      <a:prstDash val="solid"/>
+                      <a:round/>
+                      <a:headEnd type="none" w="med" len="med"/>
+                      <a:tailEnd type="none" w="med" len="med"/>
+                    </a:lnT>
+                    <a:lnB w="12700" cap="flat" cmpd="sng" algn="ctr">
+                      <a:solidFill>
+                        <a:schemeClr val="tx1"/>
+                      </a:solidFill>
+                      <a:prstDash val="solid"/>
+                      <a:round/>
+                      <a:headEnd type="none" w="med" len="med"/>
+                      <a:tailEnd type="none" w="med" len="med"/>
+                    </a:lnB>
+                    <a:noFill/>
+                  </a:tcPr>
+                </a:tc>
+                <a:tc>
+                  <a:txBody>
+                    <a:bodyPr/>
+                    <a:lstStyle/>
+                    <a:p>
+                      <a:pPr algn="ctr"/>
+                      <a:endParaRPr lang="en-US">
+                        <a:solidFill>
+                          <a:schemeClr val="tx1"/>
+                        </a:solidFill>
+                        <a:latin typeface="Times New Roman" panose="02020603050405020304" pitchFamily="18" charset="0"/>
+                        <a:cs typeface="Times New Roman" panose="02020603050405020304" pitchFamily="18" charset="0"/>
+                      </a:endParaRPr>
+                    </a:p>
+                  </a:txBody>
+                  <a:tcPr anchor="ctr">
+                    <a:lnL w="12700" cap="flat" cmpd="sng" algn="ctr">
+                      <a:solidFill>
+                        <a:schemeClr val="tx1"/>
+                      </a:solidFill>
+                      <a:prstDash val="solid"/>
+                      <a:round/>
+                      <a:headEnd type="none" w="med" len="med"/>
+                      <a:tailEnd type="none" w="med" len="med"/>
+                    </a:lnL>
+                    <a:lnR w="12700" cap="flat" cmpd="sng" algn="ctr">
+                      <a:solidFill>
+                        <a:schemeClr val="tx1"/>
+                      </a:solidFill>
+                      <a:prstDash val="solid"/>
+                      <a:round/>
+                      <a:headEnd type="none" w="med" len="med"/>
+                      <a:tailEnd type="none" w="med" len="med"/>
+                    </a:lnR>
+                    <a:lnT w="12700" cap="flat" cmpd="sng" algn="ctr">
+                      <a:solidFill>
+                        <a:schemeClr val="tx1"/>
+                      </a:solidFill>
+                      <a:prstDash val="solid"/>
+                      <a:round/>
+                      <a:headEnd type="none" w="med" len="med"/>
+                      <a:tailEnd type="none" w="med" len="med"/>
+                    </a:lnT>
+                    <a:lnB w="12700" cap="flat" cmpd="sng" algn="ctr">
+                      <a:solidFill>
+                        <a:schemeClr val="tx1"/>
+                      </a:solidFill>
+                      <a:prstDash val="solid"/>
+                      <a:round/>
+                      <a:headEnd type="none" w="med" len="med"/>
+                      <a:tailEnd type="none" w="med" len="med"/>
+                    </a:lnB>
+                    <a:noFill/>
+                  </a:tcPr>
+                </a:tc>
+                <a:tc>
+                  <a:txBody>
+                    <a:bodyPr/>
+                    <a:lstStyle/>
+                    <a:p>
+                      <a:pPr algn="ctr"/>
+                      <a:endParaRPr lang="en-US">
+                        <a:solidFill>
+                          <a:schemeClr val="tx1"/>
+                        </a:solidFill>
+                        <a:latin typeface="Times New Roman" panose="02020603050405020304" pitchFamily="18" charset="0"/>
+                        <a:cs typeface="Times New Roman" panose="02020603050405020304" pitchFamily="18" charset="0"/>
+                      </a:endParaRPr>
+                    </a:p>
+                  </a:txBody>
+                  <a:tcPr anchor="ctr">
+                    <a:lnL w="12700" cap="flat" cmpd="sng" algn="ctr">
+                      <a:solidFill>
+                        <a:schemeClr val="tx1"/>
+                      </a:solidFill>
+                      <a:prstDash val="solid"/>
+                      <a:round/>
+                      <a:headEnd type="none" w="med" len="med"/>
+                      <a:tailEnd type="none" w="med" len="med"/>
+                    </a:lnL>
+                    <a:lnR w="12700" cap="flat" cmpd="sng" algn="ctr">
+                      <a:solidFill>
+                        <a:schemeClr val="tx1"/>
+                      </a:solidFill>
+                      <a:prstDash val="solid"/>
+                      <a:round/>
+                      <a:headEnd type="none" w="med" len="med"/>
+                      <a:tailEnd type="none" w="med" len="med"/>
+                    </a:lnR>
+                    <a:lnT w="12700" cap="flat" cmpd="sng" algn="ctr">
+                      <a:solidFill>
+                        <a:schemeClr val="tx1"/>
+                      </a:solidFill>
+                      <a:prstDash val="solid"/>
+                      <a:round/>
+                      <a:headEnd type="none" w="med" len="med"/>
+                      <a:tailEnd type="none" w="med" len="med"/>
+                    </a:lnT>
+                    <a:lnB w="12700" cap="flat" cmpd="sng" algn="ctr">
+                      <a:solidFill>
+                        <a:schemeClr val="tx1"/>
+                      </a:solidFill>
+                      <a:prstDash val="solid"/>
+                      <a:round/>
+                      <a:headEnd type="none" w="med" len="med"/>
+                      <a:tailEnd type="none" w="med" len="med"/>
+                    </a:lnB>
+                    <a:noFill/>
+                  </a:tcPr>
+                </a:tc>
+                <a:tc>
+                  <a:txBody>
+                    <a:bodyPr/>
+                    <a:lstStyle/>
+                    <a:p>
+                      <a:pPr algn="ctr"/>
+                      <a:endParaRPr lang="en-US">
+                        <a:solidFill>
+                          <a:schemeClr val="tx1"/>
+                        </a:solidFill>
+                        <a:latin typeface="Times New Roman" panose="02020603050405020304" pitchFamily="18" charset="0"/>
+                        <a:cs typeface="Times New Roman" panose="02020603050405020304" pitchFamily="18" charset="0"/>
+                      </a:endParaRPr>
+                    </a:p>
+                  </a:txBody>
+                  <a:tcPr anchor="ctr">
+                    <a:lnL w="12700" cap="flat" cmpd="sng" algn="ctr">
+                      <a:solidFill>
+                        <a:schemeClr val="tx1"/>
+                      </a:solidFill>
+                      <a:prstDash val="solid"/>
+                      <a:round/>
+                      <a:headEnd type="none" w="med" len="med"/>
+                      <a:tailEnd type="none" w="med" len="med"/>
+                    </a:lnL>
+                    <a:lnR w="12700" cap="flat" cmpd="sng" algn="ctr">
+                      <a:solidFill>
+                        <a:schemeClr val="tx1"/>
+                      </a:solidFill>
+                      <a:prstDash val="solid"/>
+                      <a:round/>
+                      <a:headEnd type="none" w="med" len="med"/>
+                      <a:tailEnd type="none" w="med" len="med"/>
+                    </a:lnR>
+                    <a:lnT w="12700" cap="flat" cmpd="sng" algn="ctr">
+                      <a:solidFill>
+                        <a:schemeClr val="tx1"/>
+                      </a:solidFill>
+                      <a:prstDash val="solid"/>
+                      <a:round/>
+                      <a:headEnd type="none" w="med" len="med"/>
+                      <a:tailEnd type="none" w="med" len="med"/>
+                    </a:lnT>
+                    <a:lnB w="12700" cap="flat" cmpd="sng" algn="ctr">
+                      <a:solidFill>
+                        <a:schemeClr val="tx1"/>
+                      </a:solidFill>
+                      <a:prstDash val="solid"/>
+                      <a:round/>
+                      <a:headEnd type="none" w="med" len="med"/>
+                      <a:tailEnd type="none" w="med" len="med"/>
+                    </a:lnB>
+                    <a:noFill/>
+                  </a:tcPr>
+                </a:tc>
+                <a:tc>
+                  <a:txBody>
+                    <a:bodyPr/>
+                    <a:lstStyle/>
+                    <a:p>
+                      <a:pPr algn="ctr"/>
+                      <a:endParaRPr lang="en-US">
+                        <a:solidFill>
+                          <a:schemeClr val="tx1"/>
+                        </a:solidFill>
+                        <a:latin typeface="Times New Roman" panose="02020603050405020304" pitchFamily="18" charset="0"/>
+                        <a:cs typeface="Times New Roman" panose="02020603050405020304" pitchFamily="18" charset="0"/>
+                      </a:endParaRPr>
+                    </a:p>
+                  </a:txBody>
+                  <a:tcPr anchor="ctr">
+                    <a:lnL w="12700" cap="flat" cmpd="sng" algn="ctr">
+                      <a:solidFill>
+                        <a:schemeClr val="tx1"/>
+                      </a:solidFill>
+                      <a:prstDash val="solid"/>
+                      <a:round/>
+                      <a:headEnd type="none" w="med" len="med"/>
+                      <a:tailEnd type="none" w="med" len="med"/>
+                    </a:lnL>
+                    <a:lnR w="12700" cap="flat" cmpd="sng" algn="ctr">
+                      <a:solidFill>
+                        <a:schemeClr val="tx1"/>
+                      </a:solidFill>
+                      <a:prstDash val="solid"/>
+                      <a:round/>
+                      <a:headEnd type="none" w="med" len="med"/>
+                      <a:tailEnd type="none" w="med" len="med"/>
+                    </a:lnR>
+                    <a:lnT w="12700" cap="flat" cmpd="sng" algn="ctr">
+                      <a:solidFill>
+                        <a:schemeClr val="tx1"/>
+                      </a:solidFill>
+                      <a:prstDash val="solid"/>
+                      <a:round/>
+                      <a:headEnd type="none" w="med" len="med"/>
+                      <a:tailEnd type="none" w="med" len="med"/>
+                    </a:lnT>
+                    <a:lnB w="12700" cap="flat" cmpd="sng" algn="ctr">
+                      <a:solidFill>
+                        <a:schemeClr val="tx1"/>
+                      </a:solidFill>
+                      <a:prstDash val="solid"/>
+                      <a:round/>
+                      <a:headEnd type="none" w="med" len="med"/>
+                      <a:tailEnd type="none" w="med" len="med"/>
+                    </a:lnB>
+                    <a:noFill/>
+                  </a:tcPr>
+                </a:tc>
+                <a:tc>
+                  <a:txBody>
+                    <a:bodyPr/>
+                    <a:lstStyle/>
+                    <a:p>
+                      <a:pPr algn="ctr"/>
+                      <a:endParaRPr lang="en-US">
+                        <a:solidFill>
+                          <a:schemeClr val="tx1"/>
+                        </a:solidFill>
+                        <a:latin typeface="Times New Roman" panose="02020603050405020304" pitchFamily="18" charset="0"/>
+                        <a:cs typeface="Times New Roman" panose="02020603050405020304" pitchFamily="18" charset="0"/>
+                      </a:endParaRPr>
+                    </a:p>
+                  </a:txBody>
+                  <a:tcPr anchor="ctr">
+                    <a:lnL w="12700" cap="flat" cmpd="sng" algn="ctr">
+                      <a:solidFill>
+                        <a:schemeClr val="tx1"/>
+                      </a:solidFill>
+                      <a:prstDash val="solid"/>
+                      <a:round/>
+                      <a:headEnd type="none" w="med" len="med"/>
+                      <a:tailEnd type="none" w="med" len="med"/>
+                    </a:lnL>
+                    <a:lnR w="12700" cap="flat" cmpd="sng" algn="ctr">
+                      <a:solidFill>
+                        <a:schemeClr val="tx1"/>
+                      </a:solidFill>
+                      <a:prstDash val="solid"/>
+                      <a:round/>
+                      <a:headEnd type="none" w="med" len="med"/>
+                      <a:tailEnd type="none" w="med" len="med"/>
+                    </a:lnR>
+                    <a:lnT w="12700" cap="flat" cmpd="sng" algn="ctr">
+                      <a:solidFill>
+                        <a:schemeClr val="tx1"/>
+                      </a:solidFill>
+                      <a:prstDash val="solid"/>
+                      <a:round/>
+                      <a:headEnd type="none" w="med" len="med"/>
+                      <a:tailEnd type="none" w="med" len="med"/>
+                    </a:lnT>
+                    <a:lnB w="12700" cap="flat" cmpd="sng" algn="ctr">
+                      <a:solidFill>
+                        <a:schemeClr val="tx1"/>
+                      </a:solidFill>
+                      <a:prstDash val="solid"/>
+                      <a:round/>
+                      <a:headEnd type="none" w="med" len="med"/>
+                      <a:tailEnd type="none" w="med" len="med"/>
+                    </a:lnB>
+                    <a:noFill/>
+                  </a:tcPr>
+                </a:tc>
+                <a:extLst>
+                  <a:ext uri="{0D108BD9-81ED-4DB2-BD59-A6C34878D82A}">
+                    <a16:rowId xmlns:a16="http://schemas.microsoft.com/office/drawing/2014/main" val="4275570003"/>
+                  </a:ext>
+                </a:extLst>
+              </a:tr>
+              <a:tr h="738871">
+                <a:tc>
+                  <a:txBody>
+                    <a:bodyPr/>
+                    <a:lstStyle/>
+                    <a:p>
+                      <a:pPr algn="ctr"/>
+                      <a:r>
+                        <a:rPr lang="en-US" dirty="0" smtClean="0">
+                          <a:solidFill>
+                            <a:schemeClr val="tx1"/>
+                          </a:solidFill>
+                          <a:latin typeface="Times New Roman" panose="02020603050405020304" pitchFamily="18" charset="0"/>
+                          <a:cs typeface="Times New Roman" panose="02020603050405020304" pitchFamily="18" charset="0"/>
+                        </a:rPr>
+                        <a:t>8</a:t>
+                      </a:r>
+                      <a:endParaRPr lang="en-US" dirty="0">
+                        <a:solidFill>
+                          <a:schemeClr val="tx1"/>
+                        </a:solidFill>
+                        <a:latin typeface="Times New Roman" panose="02020603050405020304" pitchFamily="18" charset="0"/>
+                        <a:cs typeface="Times New Roman" panose="02020603050405020304" pitchFamily="18" charset="0"/>
+                      </a:endParaRPr>
+                    </a:p>
+                  </a:txBody>
+                  <a:tcPr anchor="ctr">
+                    <a:lnL w="12700" cap="flat" cmpd="sng" algn="ctr">
+                      <a:solidFill>
+                        <a:schemeClr val="tx1"/>
+                      </a:solidFill>
+                      <a:prstDash val="solid"/>
+                      <a:round/>
+                      <a:headEnd type="none" w="med" len="med"/>
+                      <a:tailEnd type="none" w="med" len="med"/>
+                    </a:lnL>
+                    <a:lnR w="12700" cap="flat" cmpd="sng" algn="ctr">
+                      <a:solidFill>
+                        <a:schemeClr val="tx1"/>
+                      </a:solidFill>
+                      <a:prstDash val="solid"/>
+                      <a:round/>
+                      <a:headEnd type="none" w="med" len="med"/>
+                      <a:tailEnd type="none" w="med" len="med"/>
+                    </a:lnR>
+                    <a:lnT w="12700" cap="flat" cmpd="sng" algn="ctr">
+                      <a:solidFill>
+                        <a:schemeClr val="tx1"/>
+                      </a:solidFill>
+                      <a:prstDash val="solid"/>
+                      <a:round/>
+                      <a:headEnd type="none" w="med" len="med"/>
+                      <a:tailEnd type="none" w="med" len="med"/>
+                    </a:lnT>
+                    <a:lnB w="12700" cap="flat" cmpd="sng" algn="ctr">
+                      <a:solidFill>
+                        <a:schemeClr val="tx1"/>
+                      </a:solidFill>
+                      <a:prstDash val="solid"/>
+                      <a:round/>
+                      <a:headEnd type="none" w="med" len="med"/>
+                      <a:tailEnd type="none" w="med" len="med"/>
+                    </a:lnB>
+                    <a:noFill/>
+                  </a:tcPr>
+                </a:tc>
+                <a:tc>
+                  <a:txBody>
+                    <a:bodyPr/>
+                    <a:lstStyle/>
+                    <a:p>
+                      <a:pPr algn="ctr"/>
+                      <a:endParaRPr lang="en-US">
+                        <a:solidFill>
+                          <a:schemeClr val="tx1"/>
+                        </a:solidFill>
+                        <a:latin typeface="Times New Roman" panose="02020603050405020304" pitchFamily="18" charset="0"/>
+                        <a:cs typeface="Times New Roman" panose="02020603050405020304" pitchFamily="18" charset="0"/>
+                      </a:endParaRPr>
+                    </a:p>
+                  </a:txBody>
+                  <a:tcPr anchor="ctr">
+                    <a:lnL w="12700" cap="flat" cmpd="sng" algn="ctr">
+                      <a:solidFill>
+                        <a:schemeClr val="tx1"/>
+                      </a:solidFill>
+                      <a:prstDash val="solid"/>
+                      <a:round/>
+                      <a:headEnd type="none" w="med" len="med"/>
+                      <a:tailEnd type="none" w="med" len="med"/>
+                    </a:lnL>
+                    <a:lnR w="12700" cap="flat" cmpd="sng" algn="ctr">
+                      <a:solidFill>
+                        <a:schemeClr val="tx1"/>
+                      </a:solidFill>
+                      <a:prstDash val="solid"/>
+                      <a:round/>
+                      <a:headEnd type="none" w="med" len="med"/>
+                      <a:tailEnd type="none" w="med" len="med"/>
+                    </a:lnR>
+                    <a:lnT w="12700" cap="flat" cmpd="sng" algn="ctr">
+                      <a:solidFill>
+                        <a:schemeClr val="tx1"/>
+                      </a:solidFill>
+                      <a:prstDash val="solid"/>
+                      <a:round/>
+                      <a:headEnd type="none" w="med" len="med"/>
+                      <a:tailEnd type="none" w="med" len="med"/>
+                    </a:lnT>
+                    <a:lnB w="12700" cap="flat" cmpd="sng" algn="ctr">
+                      <a:solidFill>
+                        <a:schemeClr val="tx1"/>
+                      </a:solidFill>
+                      <a:prstDash val="solid"/>
+                      <a:round/>
+                      <a:headEnd type="none" w="med" len="med"/>
+                      <a:tailEnd type="none" w="med" len="med"/>
+                    </a:lnB>
+                    <a:noFill/>
+                  </a:tcPr>
+                </a:tc>
+                <a:tc>
+                  <a:txBody>
+                    <a:bodyPr/>
+                    <a:lstStyle/>
+                    <a:p>
+                      <a:pPr algn="ctr"/>
+                      <a:endParaRPr lang="en-US">
+                        <a:solidFill>
+                          <a:schemeClr val="tx1"/>
+                        </a:solidFill>
+                        <a:latin typeface="Times New Roman" panose="02020603050405020304" pitchFamily="18" charset="0"/>
+                        <a:cs typeface="Times New Roman" panose="02020603050405020304" pitchFamily="18" charset="0"/>
+                      </a:endParaRPr>
+                    </a:p>
+                  </a:txBody>
+                  <a:tcPr anchor="ctr">
+                    <a:lnL w="12700" cap="flat" cmpd="sng" algn="ctr">
+                      <a:solidFill>
+                        <a:schemeClr val="tx1"/>
+                      </a:solidFill>
+                      <a:prstDash val="solid"/>
+                      <a:round/>
+                      <a:headEnd type="none" w="med" len="med"/>
+                      <a:tailEnd type="none" w="med" len="med"/>
+                    </a:lnL>
+                    <a:lnR w="12700" cap="flat" cmpd="sng" algn="ctr">
+                      <a:solidFill>
+                        <a:schemeClr val="tx1"/>
+                      </a:solidFill>
+                      <a:prstDash val="solid"/>
+                      <a:round/>
+                      <a:headEnd type="none" w="med" len="med"/>
+                      <a:tailEnd type="none" w="med" len="med"/>
+                    </a:lnR>
+                    <a:lnT w="12700" cap="flat" cmpd="sng" algn="ctr">
+                      <a:solidFill>
+                        <a:schemeClr val="tx1"/>
+                      </a:solidFill>
+                      <a:prstDash val="solid"/>
+                      <a:round/>
+                      <a:headEnd type="none" w="med" len="med"/>
+                      <a:tailEnd type="none" w="med" len="med"/>
+                    </a:lnT>
+                    <a:lnB w="12700" cap="flat" cmpd="sng" algn="ctr">
+                      <a:solidFill>
+                        <a:schemeClr val="tx1"/>
+                      </a:solidFill>
+                      <a:prstDash val="solid"/>
+                      <a:round/>
+                      <a:headEnd type="none" w="med" len="med"/>
+                      <a:tailEnd type="none" w="med" len="med"/>
+                    </a:lnB>
+                    <a:noFill/>
+                  </a:tcPr>
+                </a:tc>
+                <a:tc>
+                  <a:txBody>
+                    <a:bodyPr/>
+                    <a:lstStyle/>
+                    <a:p>
+                      <a:pPr algn="ctr"/>
+                      <a:endParaRPr lang="en-US">
+                        <a:solidFill>
+                          <a:schemeClr val="tx1"/>
+                        </a:solidFill>
+                        <a:latin typeface="Times New Roman" panose="02020603050405020304" pitchFamily="18" charset="0"/>
+                        <a:cs typeface="Times New Roman" panose="02020603050405020304" pitchFamily="18" charset="0"/>
+                      </a:endParaRPr>
+                    </a:p>
+                  </a:txBody>
+                  <a:tcPr anchor="ctr">
+                    <a:lnL w="12700" cap="flat" cmpd="sng" algn="ctr">
+                      <a:solidFill>
+                        <a:schemeClr val="tx1"/>
+                      </a:solidFill>
+                      <a:prstDash val="solid"/>
+                      <a:round/>
+                      <a:headEnd type="none" w="med" len="med"/>
+                      <a:tailEnd type="none" w="med" len="med"/>
+                    </a:lnL>
+                    <a:lnR w="12700" cap="flat" cmpd="sng" algn="ctr">
+                      <a:solidFill>
+                        <a:schemeClr val="tx1"/>
+                      </a:solidFill>
+                      <a:prstDash val="solid"/>
+                      <a:round/>
+                      <a:headEnd type="none" w="med" len="med"/>
+                      <a:tailEnd type="none" w="med" len="med"/>
+                    </a:lnR>
+                    <a:lnT w="12700" cap="flat" cmpd="sng" algn="ctr">
+                      <a:solidFill>
+                        <a:schemeClr val="tx1"/>
+                      </a:solidFill>
+                      <a:prstDash val="solid"/>
+                      <a:round/>
+                      <a:headEnd type="none" w="med" len="med"/>
+                      <a:tailEnd type="none" w="med" len="med"/>
+                    </a:lnT>
+                    <a:lnB w="12700" cap="flat" cmpd="sng" algn="ctr">
+                      <a:solidFill>
+                        <a:schemeClr val="tx1"/>
+                      </a:solidFill>
+                      <a:prstDash val="solid"/>
+                      <a:round/>
+                      <a:headEnd type="none" w="med" len="med"/>
+                      <a:tailEnd type="none" w="med" len="med"/>
+                    </a:lnB>
+                    <a:noFill/>
+                  </a:tcPr>
+                </a:tc>
+                <a:tc>
+                  <a:txBody>
+                    <a:bodyPr/>
+                    <a:lstStyle/>
+                    <a:p>
+                      <a:pPr algn="ctr"/>
+                      <a:endParaRPr lang="en-US">
+                        <a:solidFill>
+                          <a:schemeClr val="tx1"/>
+                        </a:solidFill>
+                        <a:latin typeface="Times New Roman" panose="02020603050405020304" pitchFamily="18" charset="0"/>
+                        <a:cs typeface="Times New Roman" panose="02020603050405020304" pitchFamily="18" charset="0"/>
+                      </a:endParaRPr>
+                    </a:p>
+                  </a:txBody>
+                  <a:tcPr anchor="ctr">
+                    <a:lnL w="12700" cap="flat" cmpd="sng" algn="ctr">
+                      <a:solidFill>
+                        <a:schemeClr val="tx1"/>
+                      </a:solidFill>
+                      <a:prstDash val="solid"/>
+                      <a:round/>
+                      <a:headEnd type="none" w="med" len="med"/>
+                      <a:tailEnd type="none" w="med" len="med"/>
+                    </a:lnL>
+                    <a:lnR w="12700" cap="flat" cmpd="sng" algn="ctr">
+                      <a:solidFill>
+                        <a:schemeClr val="tx1"/>
+                      </a:solidFill>
+                      <a:prstDash val="solid"/>
+                      <a:round/>
+                      <a:headEnd type="none" w="med" len="med"/>
+                      <a:tailEnd type="none" w="med" len="med"/>
+                    </a:lnR>
+                    <a:lnT w="12700" cap="flat" cmpd="sng" algn="ctr">
+                      <a:solidFill>
+                        <a:schemeClr val="tx1"/>
+                      </a:solidFill>
+                      <a:prstDash val="solid"/>
+                      <a:round/>
+                      <a:headEnd type="none" w="med" len="med"/>
+                      <a:tailEnd type="none" w="med" len="med"/>
+                    </a:lnT>
+                    <a:lnB w="12700" cap="flat" cmpd="sng" algn="ctr">
+                      <a:solidFill>
+                        <a:schemeClr val="tx1"/>
+                      </a:solidFill>
+                      <a:prstDash val="solid"/>
+                      <a:round/>
+                      <a:headEnd type="none" w="med" len="med"/>
+                      <a:tailEnd type="none" w="med" len="med"/>
+                    </a:lnB>
+                    <a:noFill/>
+                  </a:tcPr>
+                </a:tc>
+                <a:tc>
+                  <a:txBody>
+                    <a:bodyPr/>
+                    <a:lstStyle/>
+                    <a:p>
+                      <a:pPr algn="ctr"/>
+                      <a:endParaRPr lang="en-US">
+                        <a:solidFill>
+                          <a:schemeClr val="tx1"/>
+                        </a:solidFill>
+                        <a:latin typeface="Times New Roman" panose="02020603050405020304" pitchFamily="18" charset="0"/>
+                        <a:cs typeface="Times New Roman" panose="02020603050405020304" pitchFamily="18" charset="0"/>
+                      </a:endParaRPr>
+                    </a:p>
+                  </a:txBody>
+                  <a:tcPr anchor="ctr">
+                    <a:lnL w="12700" cap="flat" cmpd="sng" algn="ctr">
+                      <a:solidFill>
+                        <a:schemeClr val="tx1"/>
+                      </a:solidFill>
+                      <a:prstDash val="solid"/>
+                      <a:round/>
+                      <a:headEnd type="none" w="med" len="med"/>
+                      <a:tailEnd type="none" w="med" len="med"/>
+                    </a:lnL>
+                    <a:lnR w="12700" cap="flat" cmpd="sng" algn="ctr">
+                      <a:solidFill>
+                        <a:schemeClr val="tx1"/>
+                      </a:solidFill>
+                      <a:prstDash val="solid"/>
+                      <a:round/>
+                      <a:headEnd type="none" w="med" len="med"/>
+                      <a:tailEnd type="none" w="med" len="med"/>
+                    </a:lnR>
+                    <a:lnT w="12700" cap="flat" cmpd="sng" algn="ctr">
+                      <a:solidFill>
+                        <a:schemeClr val="tx1"/>
+                      </a:solidFill>
+                      <a:prstDash val="solid"/>
+                      <a:round/>
+                      <a:headEnd type="none" w="med" len="med"/>
+                      <a:tailEnd type="none" w="med" len="med"/>
+                    </a:lnT>
+                    <a:lnB w="12700" cap="flat" cmpd="sng" algn="ctr">
+                      <a:solidFill>
+                        <a:schemeClr val="tx1"/>
+                      </a:solidFill>
+                      <a:prstDash val="solid"/>
+                      <a:round/>
+                      <a:headEnd type="none" w="med" len="med"/>
+                      <a:tailEnd type="none" w="med" len="med"/>
+                    </a:lnB>
+                    <a:noFill/>
+                  </a:tcPr>
+                </a:tc>
+                <a:extLst>
+                  <a:ext uri="{0D108BD9-81ED-4DB2-BD59-A6C34878D82A}">
+                    <a16:rowId xmlns:a16="http://schemas.microsoft.com/office/drawing/2014/main" val="349387215"/>
+                  </a:ext>
+                </a:extLst>
+              </a:tr>
+              <a:tr h="738871">
+                <a:tc>
+                  <a:txBody>
+                    <a:bodyPr/>
+                    <a:lstStyle/>
+                    <a:p>
+                      <a:pPr algn="ctr"/>
+                      <a:r>
+                        <a:rPr lang="en-US" dirty="0" smtClean="0">
+                          <a:solidFill>
+                            <a:schemeClr val="tx1"/>
+                          </a:solidFill>
+                          <a:latin typeface="Times New Roman" panose="02020603050405020304" pitchFamily="18" charset="0"/>
+                          <a:cs typeface="Times New Roman" panose="02020603050405020304" pitchFamily="18" charset="0"/>
+                        </a:rPr>
+                        <a:t>9</a:t>
+                      </a:r>
+                      <a:endParaRPr lang="en-US" dirty="0">
+                        <a:solidFill>
+                          <a:schemeClr val="tx1"/>
+                        </a:solidFill>
+                        <a:latin typeface="Times New Roman" panose="02020603050405020304" pitchFamily="18" charset="0"/>
+                        <a:cs typeface="Times New Roman" panose="02020603050405020304" pitchFamily="18" charset="0"/>
+                      </a:endParaRPr>
+                    </a:p>
+                  </a:txBody>
+                  <a:tcPr anchor="ctr">
+                    <a:lnL w="12700" cap="flat" cmpd="sng" algn="ctr">
+                      <a:solidFill>
+                        <a:schemeClr val="tx1"/>
+                      </a:solidFill>
+                      <a:prstDash val="solid"/>
+                      <a:round/>
+                      <a:headEnd type="none" w="med" len="med"/>
+                      <a:tailEnd type="none" w="med" len="med"/>
+                    </a:lnL>
+                    <a:lnR w="12700" cap="flat" cmpd="sng" algn="ctr">
+                      <a:solidFill>
+                        <a:schemeClr val="tx1"/>
+                      </a:solidFill>
+                      <a:prstDash val="solid"/>
+                      <a:round/>
+                      <a:headEnd type="none" w="med" len="med"/>
+                      <a:tailEnd type="none" w="med" len="med"/>
+                    </a:lnR>
+                    <a:lnT w="12700" cap="flat" cmpd="sng" algn="ctr">
+                      <a:solidFill>
+                        <a:schemeClr val="tx1"/>
+                      </a:solidFill>
+                      <a:prstDash val="solid"/>
+                      <a:round/>
+                      <a:headEnd type="none" w="med" len="med"/>
+                      <a:tailEnd type="none" w="med" len="med"/>
+                    </a:lnT>
+                    <a:lnB w="12700" cap="flat" cmpd="sng" algn="ctr">
+                      <a:solidFill>
+                        <a:schemeClr val="tx1"/>
+                      </a:solidFill>
+                      <a:prstDash val="solid"/>
+                      <a:round/>
+                      <a:headEnd type="none" w="med" len="med"/>
+                      <a:tailEnd type="none" w="med" len="med"/>
+                    </a:lnB>
+                    <a:noFill/>
+                  </a:tcPr>
+                </a:tc>
+                <a:tc>
+                  <a:txBody>
+                    <a:bodyPr/>
+                    <a:lstStyle/>
+                    <a:p>
+                      <a:pPr algn="ctr"/>
+                      <a:endParaRPr lang="en-US">
+                        <a:solidFill>
+                          <a:schemeClr val="tx1"/>
+                        </a:solidFill>
+                        <a:latin typeface="Times New Roman" panose="02020603050405020304" pitchFamily="18" charset="0"/>
+                        <a:cs typeface="Times New Roman" panose="02020603050405020304" pitchFamily="18" charset="0"/>
+                      </a:endParaRPr>
+                    </a:p>
+                  </a:txBody>
+                  <a:tcPr anchor="ctr">
+                    <a:lnL w="12700" cap="flat" cmpd="sng" algn="ctr">
+                      <a:solidFill>
+                        <a:schemeClr val="tx1"/>
+                      </a:solidFill>
+                      <a:prstDash val="solid"/>
+                      <a:round/>
+                      <a:headEnd type="none" w="med" len="med"/>
+                      <a:tailEnd type="none" w="med" len="med"/>
+                    </a:lnL>
+                    <a:lnR w="12700" cap="flat" cmpd="sng" algn="ctr">
+                      <a:solidFill>
+                        <a:schemeClr val="tx1"/>
+                      </a:solidFill>
+                      <a:prstDash val="solid"/>
+                      <a:round/>
+                      <a:headEnd type="none" w="med" len="med"/>
+                      <a:tailEnd type="none" w="med" len="med"/>
+                    </a:lnR>
+                    <a:lnT w="12700" cap="flat" cmpd="sng" algn="ctr">
+                      <a:solidFill>
+                        <a:schemeClr val="tx1"/>
+                      </a:solidFill>
+                      <a:prstDash val="solid"/>
+                      <a:round/>
+                      <a:headEnd type="none" w="med" len="med"/>
+                      <a:tailEnd type="none" w="med" len="med"/>
+                    </a:lnT>
+                    <a:lnB w="12700" cap="flat" cmpd="sng" algn="ctr">
+                      <a:solidFill>
+                        <a:schemeClr val="tx1"/>
+                      </a:solidFill>
+                      <a:prstDash val="solid"/>
+                      <a:round/>
+                      <a:headEnd type="none" w="med" len="med"/>
+                      <a:tailEnd type="none" w="med" len="med"/>
+                    </a:lnB>
+                    <a:noFill/>
+                  </a:tcPr>
+                </a:tc>
+                <a:tc>
+                  <a:txBody>
+                    <a:bodyPr/>
+                    <a:lstStyle/>
+                    <a:p>
+                      <a:pPr algn="ctr"/>
+                      <a:endParaRPr lang="en-US">
+                        <a:solidFill>
+                          <a:schemeClr val="tx1"/>
+                        </a:solidFill>
+                        <a:latin typeface="Times New Roman" panose="02020603050405020304" pitchFamily="18" charset="0"/>
+                        <a:cs typeface="Times New Roman" panose="02020603050405020304" pitchFamily="18" charset="0"/>
+                      </a:endParaRPr>
+                    </a:p>
+                  </a:txBody>
+                  <a:tcPr anchor="ctr">
+                    <a:lnL w="12700" cap="flat" cmpd="sng" algn="ctr">
+                      <a:solidFill>
+                        <a:schemeClr val="tx1"/>
+                      </a:solidFill>
+                      <a:prstDash val="solid"/>
+                      <a:round/>
+                      <a:headEnd type="none" w="med" len="med"/>
+                      <a:tailEnd type="none" w="med" len="med"/>
+                    </a:lnL>
+                    <a:lnR w="12700" cap="flat" cmpd="sng" algn="ctr">
+                      <a:solidFill>
+                        <a:schemeClr val="tx1"/>
+                      </a:solidFill>
+                      <a:prstDash val="solid"/>
+                      <a:round/>
+                      <a:headEnd type="none" w="med" len="med"/>
+                      <a:tailEnd type="none" w="med" len="med"/>
+                    </a:lnR>
+                    <a:lnT w="12700" cap="flat" cmpd="sng" algn="ctr">
+                      <a:solidFill>
+                        <a:schemeClr val="tx1"/>
+                      </a:solidFill>
+                      <a:prstDash val="solid"/>
+                      <a:round/>
+                      <a:headEnd type="none" w="med" len="med"/>
+                      <a:tailEnd type="none" w="med" len="med"/>
+                    </a:lnT>
+                    <a:lnB w="12700" cap="flat" cmpd="sng" algn="ctr">
+                      <a:solidFill>
+                        <a:schemeClr val="tx1"/>
+                      </a:solidFill>
+                      <a:prstDash val="solid"/>
+                      <a:round/>
+                      <a:headEnd type="none" w="med" len="med"/>
+                      <a:tailEnd type="none" w="med" len="med"/>
+                    </a:lnB>
+                    <a:noFill/>
+                  </a:tcPr>
+                </a:tc>
+                <a:tc>
+                  <a:txBody>
+                    <a:bodyPr/>
+                    <a:lstStyle/>
+                    <a:p>
+                      <a:pPr algn="ctr"/>
+                      <a:endParaRPr lang="en-US">
+                        <a:solidFill>
+                          <a:schemeClr val="tx1"/>
+                        </a:solidFill>
+                        <a:latin typeface="Times New Roman" panose="02020603050405020304" pitchFamily="18" charset="0"/>
+                        <a:cs typeface="Times New Roman" panose="02020603050405020304" pitchFamily="18" charset="0"/>
+                      </a:endParaRPr>
+                    </a:p>
+                  </a:txBody>
+                  <a:tcPr anchor="ctr">
+                    <a:lnL w="12700" cap="flat" cmpd="sng" algn="ctr">
+                      <a:solidFill>
+                        <a:schemeClr val="tx1"/>
+                      </a:solidFill>
+                      <a:prstDash val="solid"/>
+                      <a:round/>
+                      <a:headEnd type="none" w="med" len="med"/>
+                      <a:tailEnd type="none" w="med" len="med"/>
+                    </a:lnL>
+                    <a:lnR w="12700" cap="flat" cmpd="sng" algn="ctr">
+                      <a:solidFill>
+                        <a:schemeClr val="tx1"/>
+                      </a:solidFill>
+                      <a:prstDash val="solid"/>
+                      <a:round/>
+                      <a:headEnd type="none" w="med" len="med"/>
+                      <a:tailEnd type="none" w="med" len="med"/>
+                    </a:lnR>
+                    <a:lnT w="12700" cap="flat" cmpd="sng" algn="ctr">
+                      <a:solidFill>
+                        <a:schemeClr val="tx1"/>
+                      </a:solidFill>
+                      <a:prstDash val="solid"/>
+                      <a:round/>
+                      <a:headEnd type="none" w="med" len="med"/>
+                      <a:tailEnd type="none" w="med" len="med"/>
+                    </a:lnT>
+                    <a:lnB w="12700" cap="flat" cmpd="sng" algn="ctr">
+                      <a:solidFill>
+                        <a:schemeClr val="tx1"/>
+                      </a:solidFill>
+                      <a:prstDash val="solid"/>
+                      <a:round/>
+                      <a:headEnd type="none" w="med" len="med"/>
+                      <a:tailEnd type="none" w="med" len="med"/>
+                    </a:lnB>
+                    <a:noFill/>
+                  </a:tcPr>
+                </a:tc>
+                <a:tc>
+                  <a:txBody>
+                    <a:bodyPr/>
+                    <a:lstStyle/>
+                    <a:p>
+                      <a:pPr algn="ctr"/>
+                      <a:endParaRPr lang="en-US">
+                        <a:solidFill>
+                          <a:schemeClr val="tx1"/>
+                        </a:solidFill>
+                        <a:latin typeface="Times New Roman" panose="02020603050405020304" pitchFamily="18" charset="0"/>
+                        <a:cs typeface="Times New Roman" panose="02020603050405020304" pitchFamily="18" charset="0"/>
+                      </a:endParaRPr>
+                    </a:p>
+                  </a:txBody>
+                  <a:tcPr anchor="ctr">
+                    <a:lnL w="12700" cap="flat" cmpd="sng" algn="ctr">
+                      <a:solidFill>
+                        <a:schemeClr val="tx1"/>
+                      </a:solidFill>
+                      <a:prstDash val="solid"/>
+                      <a:round/>
+                      <a:headEnd type="none" w="med" len="med"/>
+                      <a:tailEnd type="none" w="med" len="med"/>
+                    </a:lnL>
+                    <a:lnR w="12700" cap="flat" cmpd="sng" algn="ctr">
+                      <a:solidFill>
+                        <a:schemeClr val="tx1"/>
+                      </a:solidFill>
+                      <a:prstDash val="solid"/>
+                      <a:round/>
+                      <a:headEnd type="none" w="med" len="med"/>
+                      <a:tailEnd type="none" w="med" len="med"/>
+                    </a:lnR>
+                    <a:lnT w="12700" cap="flat" cmpd="sng" algn="ctr">
+                      <a:solidFill>
+                        <a:schemeClr val="tx1"/>
+                      </a:solidFill>
+                      <a:prstDash val="solid"/>
+                      <a:round/>
+                      <a:headEnd type="none" w="med" len="med"/>
+                      <a:tailEnd type="none" w="med" len="med"/>
+                    </a:lnT>
+                    <a:lnB w="12700" cap="flat" cmpd="sng" algn="ctr">
+                      <a:solidFill>
+                        <a:schemeClr val="tx1"/>
+                      </a:solidFill>
+                      <a:prstDash val="solid"/>
+                      <a:round/>
+                      <a:headEnd type="none" w="med" len="med"/>
+                      <a:tailEnd type="none" w="med" len="med"/>
+                    </a:lnB>
+                    <a:noFill/>
+                  </a:tcPr>
+                </a:tc>
+                <a:tc>
+                  <a:txBody>
+                    <a:bodyPr/>
+                    <a:lstStyle/>
+                    <a:p>
+                      <a:pPr algn="ctr"/>
+                      <a:endParaRPr lang="en-US">
+                        <a:solidFill>
+                          <a:schemeClr val="tx1"/>
+                        </a:solidFill>
+                        <a:latin typeface="Times New Roman" panose="02020603050405020304" pitchFamily="18" charset="0"/>
+                        <a:cs typeface="Times New Roman" panose="02020603050405020304" pitchFamily="18" charset="0"/>
+                      </a:endParaRPr>
+                    </a:p>
+                  </a:txBody>
+                  <a:tcPr anchor="ctr">
+                    <a:lnL w="12700" cap="flat" cmpd="sng" algn="ctr">
+                      <a:solidFill>
+                        <a:schemeClr val="tx1"/>
+                      </a:solidFill>
+                      <a:prstDash val="solid"/>
+                      <a:round/>
+                      <a:headEnd type="none" w="med" len="med"/>
+                      <a:tailEnd type="none" w="med" len="med"/>
+                    </a:lnL>
+                    <a:lnR w="12700" cap="flat" cmpd="sng" algn="ctr">
+                      <a:solidFill>
+                        <a:schemeClr val="tx1"/>
+                      </a:solidFill>
+                      <a:prstDash val="solid"/>
+                      <a:round/>
+                      <a:headEnd type="none" w="med" len="med"/>
+                      <a:tailEnd type="none" w="med" len="med"/>
+                    </a:lnR>
+                    <a:lnT w="12700" cap="flat" cmpd="sng" algn="ctr">
+                      <a:solidFill>
+                        <a:schemeClr val="tx1"/>
+                      </a:solidFill>
+                      <a:prstDash val="solid"/>
+                      <a:round/>
+                      <a:headEnd type="none" w="med" len="med"/>
+                      <a:tailEnd type="none" w="med" len="med"/>
+                    </a:lnT>
+                    <a:lnB w="12700" cap="flat" cmpd="sng" algn="ctr">
+                      <a:solidFill>
+                        <a:schemeClr val="tx1"/>
+                      </a:solidFill>
+                      <a:prstDash val="solid"/>
+                      <a:round/>
+                      <a:headEnd type="none" w="med" len="med"/>
+                      <a:tailEnd type="none" w="med" len="med"/>
+                    </a:lnB>
+                    <a:noFill/>
+                  </a:tcPr>
+                </a:tc>
+                <a:extLst>
+                  <a:ext uri="{0D108BD9-81ED-4DB2-BD59-A6C34878D82A}">
+                    <a16:rowId xmlns:a16="http://schemas.microsoft.com/office/drawing/2014/main" val="3986260521"/>
+                  </a:ext>
+                </a:extLst>
+              </a:tr>
+              <a:tr h="738871">
+                <a:tc>
+                  <a:txBody>
+                    <a:bodyPr/>
+                    <a:lstStyle/>
+                    <a:p>
+                      <a:pPr algn="ctr"/>
+                      <a:r>
+                        <a:rPr lang="en-US" dirty="0" smtClean="0">
+                          <a:solidFill>
+                            <a:schemeClr val="tx1"/>
+                          </a:solidFill>
+                          <a:latin typeface="Times New Roman" panose="02020603050405020304" pitchFamily="18" charset="0"/>
+                          <a:cs typeface="Times New Roman" panose="02020603050405020304" pitchFamily="18" charset="0"/>
+                        </a:rPr>
+                        <a:t>10</a:t>
+                      </a:r>
+                      <a:endParaRPr lang="en-US" dirty="0">
+                        <a:solidFill>
+                          <a:schemeClr val="tx1"/>
+                        </a:solidFill>
+                        <a:latin typeface="Times New Roman" panose="02020603050405020304" pitchFamily="18" charset="0"/>
+                        <a:cs typeface="Times New Roman" panose="02020603050405020304" pitchFamily="18" charset="0"/>
+                      </a:endParaRPr>
+                    </a:p>
+                  </a:txBody>
+                  <a:tcPr anchor="ctr">
+                    <a:lnL w="12700" cap="flat" cmpd="sng" algn="ctr">
+                      <a:solidFill>
+                        <a:schemeClr val="tx1"/>
+                      </a:solidFill>
+                      <a:prstDash val="solid"/>
+                      <a:round/>
+                      <a:headEnd type="none" w="med" len="med"/>
+                      <a:tailEnd type="none" w="med" len="med"/>
+                    </a:lnL>
+                    <a:lnR w="12700" cap="flat" cmpd="sng" algn="ctr">
+                      <a:solidFill>
+                        <a:schemeClr val="tx1"/>
+                      </a:solidFill>
+                      <a:prstDash val="solid"/>
+                      <a:round/>
+                      <a:headEnd type="none" w="med" len="med"/>
+                      <a:tailEnd type="none" w="med" len="med"/>
+                    </a:lnR>
+                    <a:lnT w="12700" cap="flat" cmpd="sng" algn="ctr">
+                      <a:solidFill>
+                        <a:schemeClr val="tx1"/>
+                      </a:solidFill>
+                      <a:prstDash val="solid"/>
+                      <a:round/>
+                      <a:headEnd type="none" w="med" len="med"/>
+                      <a:tailEnd type="none" w="med" len="med"/>
+                    </a:lnT>
+                    <a:lnB w="12700" cap="flat" cmpd="sng" algn="ctr">
+                      <a:solidFill>
+                        <a:schemeClr val="tx1"/>
+                      </a:solidFill>
+                      <a:prstDash val="solid"/>
+                      <a:round/>
+                      <a:headEnd type="none" w="med" len="med"/>
+                      <a:tailEnd type="none" w="med" len="med"/>
+                    </a:lnB>
+                    <a:noFill/>
+                  </a:tcPr>
+                </a:tc>
+                <a:tc>
+                  <a:txBody>
+                    <a:bodyPr/>
+                    <a:lstStyle/>
+                    <a:p>
+                      <a:pPr algn="ctr"/>
+                      <a:endParaRPr lang="en-US">
+                        <a:solidFill>
+                          <a:schemeClr val="tx1"/>
+                        </a:solidFill>
+                        <a:latin typeface="Times New Roman" panose="02020603050405020304" pitchFamily="18" charset="0"/>
+                        <a:cs typeface="Times New Roman" panose="02020603050405020304" pitchFamily="18" charset="0"/>
+                      </a:endParaRPr>
+                    </a:p>
+                  </a:txBody>
+                  <a:tcPr anchor="ctr">
+                    <a:lnL w="12700" cap="flat" cmpd="sng" algn="ctr">
+                      <a:solidFill>
+                        <a:schemeClr val="tx1"/>
+                      </a:solidFill>
+                      <a:prstDash val="solid"/>
+                      <a:round/>
+                      <a:headEnd type="none" w="med" len="med"/>
+                      <a:tailEnd type="none" w="med" len="med"/>
+                    </a:lnL>
+                    <a:lnR w="12700" cap="flat" cmpd="sng" algn="ctr">
+                      <a:solidFill>
+                        <a:schemeClr val="tx1"/>
+                      </a:solidFill>
+                      <a:prstDash val="solid"/>
+                      <a:round/>
+                      <a:headEnd type="none" w="med" len="med"/>
+                      <a:tailEnd type="none" w="med" len="med"/>
+                    </a:lnR>
+                    <a:lnT w="12700" cap="flat" cmpd="sng" algn="ctr">
+                      <a:solidFill>
+                        <a:schemeClr val="tx1"/>
+                      </a:solidFill>
+                      <a:prstDash val="solid"/>
+                      <a:round/>
+                      <a:headEnd type="none" w="med" len="med"/>
+                      <a:tailEnd type="none" w="med" len="med"/>
+                    </a:lnT>
+                    <a:lnB w="12700" cap="flat" cmpd="sng" algn="ctr">
+                      <a:solidFill>
+                        <a:schemeClr val="tx1"/>
+                      </a:solidFill>
+                      <a:prstDash val="solid"/>
+                      <a:round/>
+                      <a:headEnd type="none" w="med" len="med"/>
+                      <a:tailEnd type="none" w="med" len="med"/>
+                    </a:lnB>
+                    <a:noFill/>
+                  </a:tcPr>
+                </a:tc>
+                <a:tc>
+                  <a:txBody>
+                    <a:bodyPr/>
+                    <a:lstStyle/>
+                    <a:p>
+                      <a:pPr algn="ctr"/>
+                      <a:endParaRPr lang="en-US">
+                        <a:solidFill>
+                          <a:schemeClr val="tx1"/>
+                        </a:solidFill>
+                        <a:latin typeface="Times New Roman" panose="02020603050405020304" pitchFamily="18" charset="0"/>
+                        <a:cs typeface="Times New Roman" panose="02020603050405020304" pitchFamily="18" charset="0"/>
+                      </a:endParaRPr>
+                    </a:p>
+                  </a:txBody>
+                  <a:tcPr anchor="ctr">
+                    <a:lnL w="12700" cap="flat" cmpd="sng" algn="ctr">
+                      <a:solidFill>
+                        <a:schemeClr val="tx1"/>
+                      </a:solidFill>
+                      <a:prstDash val="solid"/>
+                      <a:round/>
+                      <a:headEnd type="none" w="med" len="med"/>
+                      <a:tailEnd type="none" w="med" len="med"/>
+                    </a:lnL>
+                    <a:lnR w="12700" cap="flat" cmpd="sng" algn="ctr">
+                      <a:solidFill>
+                        <a:schemeClr val="tx1"/>
+                      </a:solidFill>
+                      <a:prstDash val="solid"/>
+                      <a:round/>
+                      <a:headEnd type="none" w="med" len="med"/>
+                      <a:tailEnd type="none" w="med" len="med"/>
+                    </a:lnR>
+                    <a:lnT w="12700" cap="flat" cmpd="sng" algn="ctr">
+                      <a:solidFill>
+                        <a:schemeClr val="tx1"/>
+                      </a:solidFill>
+                      <a:prstDash val="solid"/>
+                      <a:round/>
+                      <a:headEnd type="none" w="med" len="med"/>
+                      <a:tailEnd type="none" w="med" len="med"/>
+                    </a:lnT>
+                    <a:lnB w="12700" cap="flat" cmpd="sng" algn="ctr">
+                      <a:solidFill>
+                        <a:schemeClr val="tx1"/>
+                      </a:solidFill>
+                      <a:prstDash val="solid"/>
+                      <a:round/>
+                      <a:headEnd type="none" w="med" len="med"/>
+                      <a:tailEnd type="none" w="med" len="med"/>
+                    </a:lnB>
+                    <a:noFill/>
+                  </a:tcPr>
+                </a:tc>
+                <a:tc>
+                  <a:txBody>
+                    <a:bodyPr/>
+                    <a:lstStyle/>
+                    <a:p>
+                      <a:pPr algn="ctr"/>
+                      <a:endParaRPr lang="en-US">
+                        <a:solidFill>
+                          <a:schemeClr val="tx1"/>
+                        </a:solidFill>
+                        <a:latin typeface="Times New Roman" panose="02020603050405020304" pitchFamily="18" charset="0"/>
+                        <a:cs typeface="Times New Roman" panose="02020603050405020304" pitchFamily="18" charset="0"/>
+                      </a:endParaRPr>
+                    </a:p>
+                  </a:txBody>
+                  <a:tcPr anchor="ctr">
+                    <a:lnL w="12700" cap="flat" cmpd="sng" algn="ctr">
+                      <a:solidFill>
+                        <a:schemeClr val="tx1"/>
+                      </a:solidFill>
+                      <a:prstDash val="solid"/>
+                      <a:round/>
+                      <a:headEnd type="none" w="med" len="med"/>
+                      <a:tailEnd type="none" w="med" len="med"/>
+                    </a:lnL>
+                    <a:lnR w="12700" cap="flat" cmpd="sng" algn="ctr">
+                      <a:solidFill>
+                        <a:schemeClr val="tx1"/>
+                      </a:solidFill>
+                      <a:prstDash val="solid"/>
+                      <a:round/>
+                      <a:headEnd type="none" w="med" len="med"/>
+                      <a:tailEnd type="none" w="med" len="med"/>
+                    </a:lnR>
+                    <a:lnT w="12700" cap="flat" cmpd="sng" algn="ctr">
+                      <a:solidFill>
+                        <a:schemeClr val="tx1"/>
+                      </a:solidFill>
+                      <a:prstDash val="solid"/>
+                      <a:round/>
+                      <a:headEnd type="none" w="med" len="med"/>
+                      <a:tailEnd type="none" w="med" len="med"/>
+                    </a:lnT>
+                    <a:lnB w="12700" cap="flat" cmpd="sng" algn="ctr">
+                      <a:solidFill>
+                        <a:schemeClr val="tx1"/>
+                      </a:solidFill>
+                      <a:prstDash val="solid"/>
+                      <a:round/>
+                      <a:headEnd type="none" w="med" len="med"/>
+                      <a:tailEnd type="none" w="med" len="med"/>
+                    </a:lnB>
+                    <a:noFill/>
+                  </a:tcPr>
+                </a:tc>
+                <a:tc>
+                  <a:txBody>
+                    <a:bodyPr/>
+                    <a:lstStyle/>
+                    <a:p>
+                      <a:pPr algn="ctr"/>
+                      <a:endParaRPr lang="en-US">
+                        <a:solidFill>
+                          <a:schemeClr val="tx1"/>
+                        </a:solidFill>
+                        <a:latin typeface="Times New Roman" panose="02020603050405020304" pitchFamily="18" charset="0"/>
+                        <a:cs typeface="Times New Roman" panose="02020603050405020304" pitchFamily="18" charset="0"/>
+                      </a:endParaRPr>
+                    </a:p>
+                  </a:txBody>
+                  <a:tcPr anchor="ctr">
+                    <a:lnL w="12700" cap="flat" cmpd="sng" algn="ctr">
+                      <a:solidFill>
+                        <a:schemeClr val="tx1"/>
+                      </a:solidFill>
+                      <a:prstDash val="solid"/>
+                      <a:round/>
+                      <a:headEnd type="none" w="med" len="med"/>
+                      <a:tailEnd type="none" w="med" len="med"/>
+                    </a:lnL>
+                    <a:lnR w="12700" cap="flat" cmpd="sng" algn="ctr">
+                      <a:solidFill>
+                        <a:schemeClr val="tx1"/>
+                      </a:solidFill>
+                      <a:prstDash val="solid"/>
+                      <a:round/>
+                      <a:headEnd type="none" w="med" len="med"/>
+                      <a:tailEnd type="none" w="med" len="med"/>
+                    </a:lnR>
+                    <a:lnT w="12700" cap="flat" cmpd="sng" algn="ctr">
+                      <a:solidFill>
+                        <a:schemeClr val="tx1"/>
+                      </a:solidFill>
+                      <a:prstDash val="solid"/>
+                      <a:round/>
+                      <a:headEnd type="none" w="med" len="med"/>
+                      <a:tailEnd type="none" w="med" len="med"/>
+                    </a:lnT>
+                    <a:lnB w="12700" cap="flat" cmpd="sng" algn="ctr">
+                      <a:solidFill>
+                        <a:schemeClr val="tx1"/>
+                      </a:solidFill>
+                      <a:prstDash val="solid"/>
+                      <a:round/>
+                      <a:headEnd type="none" w="med" len="med"/>
+                      <a:tailEnd type="none" w="med" len="med"/>
+                    </a:lnB>
+                    <a:noFill/>
+                  </a:tcPr>
+                </a:tc>
+                <a:tc>
+                  <a:txBody>
+                    <a:bodyPr/>
+                    <a:lstStyle/>
+                    <a:p>
+                      <a:pPr algn="ctr"/>
+                      <a:endParaRPr lang="en-US" dirty="0">
+                        <a:solidFill>
+                          <a:schemeClr val="tx1"/>
+                        </a:solidFill>
+                        <a:latin typeface="Times New Roman" panose="02020603050405020304" pitchFamily="18" charset="0"/>
+                        <a:cs typeface="Times New Roman" panose="02020603050405020304" pitchFamily="18" charset="0"/>
+                      </a:endParaRPr>
+                    </a:p>
+                  </a:txBody>
+                  <a:tcPr anchor="ctr">
+                    <a:lnL w="12700" cap="flat" cmpd="sng" algn="ctr">
+                      <a:solidFill>
+                        <a:schemeClr val="tx1"/>
+                      </a:solidFill>
+                      <a:prstDash val="solid"/>
+                      <a:round/>
+                      <a:headEnd type="none" w="med" len="med"/>
+                      <a:tailEnd type="none" w="med" len="med"/>
+                    </a:lnL>
+                    <a:lnR w="12700" cap="flat" cmpd="sng" algn="ctr">
+                      <a:solidFill>
+                        <a:schemeClr val="tx1"/>
+                      </a:solidFill>
+                      <a:prstDash val="solid"/>
+                      <a:round/>
+                      <a:headEnd type="none" w="med" len="med"/>
+                      <a:tailEnd type="none" w="med" len="med"/>
+                    </a:lnR>
+                    <a:lnT w="12700" cap="flat" cmpd="sng" algn="ctr">
+                      <a:solidFill>
+                        <a:schemeClr val="tx1"/>
+                      </a:solidFill>
+                      <a:prstDash val="solid"/>
+                      <a:round/>
+                      <a:headEnd type="none" w="med" len="med"/>
+                      <a:tailEnd type="none" w="med" len="med"/>
+                    </a:lnT>
+                    <a:lnB w="12700" cap="flat" cmpd="sng" algn="ctr">
+                      <a:solidFill>
+                        <a:schemeClr val="tx1"/>
+                      </a:solidFill>
+                      <a:prstDash val="solid"/>
+                      <a:round/>
+                      <a:headEnd type="none" w="med" len="med"/>
+                      <a:tailEnd type="none" w="med" len="med"/>
+                    </a:lnB>
+                    <a:noFill/>
+                  </a:tcPr>
+                </a:tc>
+                <a:extLst>
+                  <a:ext uri="{0D108BD9-81ED-4DB2-BD59-A6C34878D82A}">
+                    <a16:rowId xmlns:a16="http://schemas.microsoft.com/office/drawing/2014/main" val="1886864296"/>
+                  </a:ext>
+                </a:extLst>
+              </a:tr>
+            </a:tbl>
+          </a:graphicData>
+        </a:graphic>
+      </p:graphicFrame>
     </p:spTree>
     <p:extLst>
       <p:ext uri="{BB962C8B-B14F-4D97-AF65-F5344CB8AC3E}">
-        <p14:creationId xmlns:p14="http://schemas.microsoft.com/office/powerpoint/2010/main" val="3421053099"/>
+        <p14:creationId xmlns:p14="http://schemas.microsoft.com/office/powerpoint/2010/main" val="2397697177"/>
       </p:ext>
     </p:extLst>
   </p:cSld>
@@ -5327,7 +9716,7 @@
     <a:masterClrMapping/>
   </p:clrMapOvr>
   <p:transition spd="slow">
-    <p:wipe/>
+    <p:push dir="u"/>
   </p:transition>
   <p:timing>
     <p:tnLst>
@@ -5368,8 +9757,8 @@
         </p:nvSpPr>
         <p:spPr>
           <a:xfrm>
-            <a:off x="609600" y="204284"/>
-            <a:ext cx="10972800" cy="1143000"/>
+            <a:off x="609600" y="245455"/>
+            <a:ext cx="10972800" cy="673812"/>
           </a:xfrm>
         </p:spPr>
         <p:txBody>
@@ -5379,253 +9768,269 @@
           <a:lstStyle/>
           <a:p>
             <a:r>
-              <a:rPr lang="en-US" sz="3600" b="1" dirty="0">
-                <a:latin typeface="Times New Roman" pitchFamily="18" charset="0"/>
-              </a:rPr>
-              <a:t>SOFTWARE AND HARDWARE REQUIREMENTS</a:t>
-            </a:r>
+              <a:rPr lang="en-US" sz="3600" b="1" dirty="0" smtClean="0">
+                <a:latin typeface="Times New Roman" panose="02020603050405020304" pitchFamily="18" charset="0"/>
+                <a:cs typeface="Times New Roman" panose="02020603050405020304" pitchFamily="18" charset="0"/>
+              </a:rPr>
+              <a:t>EXISTING SYSTEM</a:t>
+            </a:r>
+            <a:endParaRPr lang="en-US" sz="3600" b="1" dirty="0">
+              <a:latin typeface="Times New Roman" pitchFamily="18" charset="0"/>
+            </a:endParaRPr>
           </a:p>
         </p:txBody>
       </p:sp>
       <p:sp>
         <p:nvSpPr>
-          <p:cNvPr id="12" name="Content Placeholder 11"/>
-          <p:cNvSpPr>
-            <a:spLocks noGrp="1"/>
-          </p:cNvSpPr>
-          <p:nvPr>
-            <p:ph idx="1"/>
-          </p:nvPr>
+          <p:cNvPr id="3" name="TextBox 2">
+            <a:extLst>
+              <a:ext uri="{FF2B5EF4-FFF2-40B4-BE49-F238E27FC236}">
+                <a16:creationId xmlns:a16="http://schemas.microsoft.com/office/drawing/2014/main" id="{A8CC6EC7-53F3-9BB9-DC3B-4702CB186EB2}"/>
+              </a:ext>
+            </a:extLst>
+          </p:cNvPr>
+          <p:cNvSpPr txBox="1"/>
+          <p:nvPr/>
         </p:nvSpPr>
         <p:spPr>
           <a:xfrm>
-            <a:off x="609600" y="1347284"/>
-            <a:ext cx="10972800" cy="5129716"/>
+            <a:off x="649432" y="1508766"/>
+            <a:ext cx="10893136" cy="4524315"/>
           </a:xfrm>
+          <a:prstGeom prst="rect">
+            <a:avLst/>
+          </a:prstGeom>
+          <a:noFill/>
         </p:spPr>
         <p:txBody>
-          <a:bodyPr>
-            <a:normAutofit fontScale="92500" lnSpcReduction="10000"/>
+          <a:bodyPr wrap="square" rtlCol="0">
+            <a:spAutoFit/>
           </a:bodyPr>
           <a:lstStyle/>
           <a:p>
-            <a:pPr>
+            <a:pPr marL="285750" indent="-285750" algn="just">
               <a:lnSpc>
                 <a:spcPct val="150000"/>
               </a:lnSpc>
-              <a:buNone/>
+              <a:buFont typeface="Wingdings" panose="05000000000000000000" pitchFamily="2" charset="2"/>
+              <a:buChar char="v"/>
             </a:pPr>
             <a:r>
-              <a:rPr lang="en-US" sz="2400" b="1" dirty="0">
-                <a:latin typeface="Times New Roman" panose="02020603050405020304" pitchFamily="18" charset="0"/>
-                <a:cs typeface="Times New Roman" panose="02020603050405020304" pitchFamily="18" charset="0"/>
-              </a:rPr>
-              <a:t>FRONT END </a:t>
-            </a:r>
-          </a:p>
-          <a:p>
-            <a:pPr>
+              <a:rPr lang="en-IN" sz="2400" dirty="0">
+                <a:latin typeface="Times New Roman" panose="02020603050405020304" pitchFamily="18" charset="0"/>
+                <a:cs typeface="Times New Roman" panose="02020603050405020304" pitchFamily="18" charset="0"/>
+              </a:rPr>
+              <a:t>[1]. Mirza K. B. Shuhan1, Tariqul Islam2. </a:t>
+            </a:r>
+            <a:r>
+              <a:rPr lang="en-IN" sz="2400" dirty="0" smtClean="0">
+                <a:latin typeface="Times New Roman" panose="02020603050405020304" pitchFamily="18" charset="0"/>
+                <a:cs typeface="Times New Roman" panose="02020603050405020304" pitchFamily="18" charset="0"/>
+              </a:rPr>
+              <a:t>IEEE (</a:t>
+            </a:r>
+            <a:r>
+              <a:rPr lang="en-IN" sz="2400" dirty="0" smtClean="0">
+                <a:latin typeface="Times New Roman" panose="02020603050405020304" pitchFamily="18" charset="0"/>
+                <a:cs typeface="Times New Roman" panose="02020603050405020304" pitchFamily="18" charset="0"/>
+                <a:hlinkClick r:id="rId2"/>
+              </a:rPr>
+              <a:t>arXiv:2308.04452v1</a:t>
+            </a:r>
+            <a:r>
+              <a:rPr lang="en-IN" sz="2400" dirty="0" smtClean="0">
+                <a:latin typeface="Times New Roman" panose="02020603050405020304" pitchFamily="18" charset="0"/>
+                <a:cs typeface="Times New Roman" panose="02020603050405020304" pitchFamily="18" charset="0"/>
+              </a:rPr>
+              <a:t>) </a:t>
+            </a:r>
+            <a:r>
+              <a:rPr lang="en-IN" sz="2400" dirty="0">
+                <a:latin typeface="Times New Roman" panose="02020603050405020304" pitchFamily="18" charset="0"/>
+                <a:cs typeface="Times New Roman" panose="02020603050405020304" pitchFamily="18" charset="0"/>
+              </a:rPr>
+              <a:t>[cs.CR] 5 Aug 2023. </a:t>
+            </a:r>
+            <a:r>
+              <a:rPr lang="en-US" sz="2400" dirty="0">
+                <a:latin typeface="Times New Roman" panose="02020603050405020304" pitchFamily="18" charset="0"/>
+                <a:cs typeface="Times New Roman" panose="02020603050405020304" pitchFamily="18" charset="0"/>
+              </a:rPr>
+              <a:t>Quarks: A Secure and </a:t>
+            </a:r>
+            <a:r>
+              <a:rPr lang="en-US" sz="2400" dirty="0" smtClean="0">
+                <a:latin typeface="Times New Roman" panose="02020603050405020304" pitchFamily="18" charset="0"/>
+                <a:cs typeface="Times New Roman" panose="02020603050405020304" pitchFamily="18" charset="0"/>
+              </a:rPr>
+              <a:t>Decentralized Block-chain Based </a:t>
+            </a:r>
+            <a:r>
+              <a:rPr lang="en-US" sz="2400" dirty="0">
+                <a:latin typeface="Times New Roman" panose="02020603050405020304" pitchFamily="18" charset="0"/>
+                <a:cs typeface="Times New Roman" panose="02020603050405020304" pitchFamily="18" charset="0"/>
+              </a:rPr>
+              <a:t>Messaging Network</a:t>
+            </a:r>
+          </a:p>
+          <a:p>
+            <a:pPr marL="285750" indent="-285750" algn="just">
               <a:lnSpc>
                 <a:spcPct val="150000"/>
               </a:lnSpc>
+              <a:buFont typeface="Wingdings" panose="05000000000000000000" pitchFamily="2" charset="2"/>
+              <a:buChar char="v"/>
             </a:pPr>
             <a:r>
-              <a:rPr lang="en-US" sz="2600" dirty="0">
-                <a:latin typeface="Times New Roman" panose="02020603050405020304" pitchFamily="18" charset="0"/>
-                <a:cs typeface="Times New Roman" panose="02020603050405020304" pitchFamily="18" charset="0"/>
-              </a:rPr>
-              <a:t>Python (Toolkit Interface - </a:t>
-            </a:r>
-            <a:r>
-              <a:rPr lang="en-US" sz="2600" dirty="0" err="1" smtClean="0">
-                <a:latin typeface="Times New Roman" panose="02020603050405020304" pitchFamily="18" charset="0"/>
-                <a:cs typeface="Times New Roman" panose="02020603050405020304" pitchFamily="18" charset="0"/>
-              </a:rPr>
-              <a:t>tkinter</a:t>
-            </a:r>
-            <a:r>
-              <a:rPr lang="en-US" sz="2600" dirty="0">
-                <a:latin typeface="Times New Roman" panose="02020603050405020304" pitchFamily="18" charset="0"/>
-                <a:cs typeface="Times New Roman" panose="02020603050405020304" pitchFamily="18" charset="0"/>
-              </a:rPr>
-              <a:t>)</a:t>
-            </a:r>
-            <a:endParaRPr lang="en-US" sz="2600" b="1" dirty="0">
+              <a:rPr lang="en-IN" sz="2400" dirty="0" smtClean="0">
+                <a:latin typeface="Times New Roman" panose="02020603050405020304" pitchFamily="18" charset="0"/>
+                <a:cs typeface="Times New Roman" panose="02020603050405020304" pitchFamily="18" charset="0"/>
+              </a:rPr>
+              <a:t>[2]. </a:t>
+            </a:r>
+            <a:r>
+              <a:rPr lang="en-IN" sz="2400" dirty="0">
+                <a:latin typeface="Times New Roman" panose="02020603050405020304" pitchFamily="18" charset="0"/>
+                <a:cs typeface="Times New Roman" panose="02020603050405020304" pitchFamily="18" charset="0"/>
+              </a:rPr>
+              <a:t>Samira </a:t>
+            </a:r>
+            <a:r>
+              <a:rPr lang="en-IN" sz="2400" dirty="0" err="1">
+                <a:latin typeface="Times New Roman" panose="02020603050405020304" pitchFamily="18" charset="0"/>
+                <a:cs typeface="Times New Roman" panose="02020603050405020304" pitchFamily="18" charset="0"/>
+              </a:rPr>
+              <a:t>Prabhune</a:t>
+            </a:r>
+            <a:r>
+              <a:rPr lang="en-IN" sz="2400" dirty="0">
+                <a:latin typeface="Times New Roman" panose="02020603050405020304" pitchFamily="18" charset="0"/>
+                <a:cs typeface="Times New Roman" panose="02020603050405020304" pitchFamily="18" charset="0"/>
+              </a:rPr>
+              <a:t>, </a:t>
+            </a:r>
+            <a:r>
+              <a:rPr lang="en-IN" sz="2400" dirty="0" err="1">
+                <a:latin typeface="Times New Roman" panose="02020603050405020304" pitchFamily="18" charset="0"/>
+                <a:cs typeface="Times New Roman" panose="02020603050405020304" pitchFamily="18" charset="0"/>
+              </a:rPr>
+              <a:t>Sonal</a:t>
+            </a:r>
+            <a:r>
+              <a:rPr lang="en-IN" sz="2400" dirty="0">
+                <a:latin typeface="Times New Roman" panose="02020603050405020304" pitchFamily="18" charset="0"/>
+                <a:cs typeface="Times New Roman" panose="02020603050405020304" pitchFamily="18" charset="0"/>
+              </a:rPr>
+              <a:t> Sharma. IEEE (</a:t>
+            </a:r>
+            <a:r>
+              <a:rPr lang="en-IN" sz="2400" dirty="0">
+                <a:latin typeface="Times New Roman" panose="02020603050405020304" pitchFamily="18" charset="0"/>
+                <a:cs typeface="Times New Roman" panose="02020603050405020304" pitchFamily="18" charset="0"/>
+                <a:hlinkClick r:id="rId3"/>
+              </a:rPr>
+              <a:t>9725597</a:t>
+            </a:r>
+            <a:r>
+              <a:rPr lang="en-IN" sz="2400" dirty="0">
+                <a:latin typeface="Times New Roman" panose="02020603050405020304" pitchFamily="18" charset="0"/>
+                <a:cs typeface="Times New Roman" panose="02020603050405020304" pitchFamily="18" charset="0"/>
+              </a:rPr>
+              <a:t>). </a:t>
+            </a:r>
+            <a:r>
+              <a:rPr lang="en-US" sz="2400" dirty="0" smtClean="0">
+                <a:latin typeface="Times New Roman" panose="02020603050405020304" pitchFamily="18" charset="0"/>
+                <a:cs typeface="Times New Roman" panose="02020603050405020304" pitchFamily="18" charset="0"/>
+              </a:rPr>
+              <a:t>End-to-End </a:t>
+            </a:r>
+            <a:r>
+              <a:rPr lang="en-US" sz="2400" dirty="0">
+                <a:latin typeface="Times New Roman" panose="02020603050405020304" pitchFamily="18" charset="0"/>
+                <a:cs typeface="Times New Roman" panose="02020603050405020304" pitchFamily="18" charset="0"/>
+              </a:rPr>
+              <a:t>Encryption for Chat App with Dynamic Encryption Key</a:t>
+            </a:r>
+          </a:p>
+          <a:p>
+            <a:pPr marL="285750" indent="-285750" algn="just">
+              <a:lnSpc>
+                <a:spcPct val="150000"/>
+              </a:lnSpc>
+              <a:buFont typeface="Wingdings" panose="05000000000000000000" pitchFamily="2" charset="2"/>
+              <a:buChar char="v"/>
+            </a:pPr>
+            <a:r>
+              <a:rPr lang="en-IN" sz="2400" dirty="0" smtClean="0">
+                <a:latin typeface="Times New Roman" panose="02020603050405020304" pitchFamily="18" charset="0"/>
+                <a:cs typeface="Times New Roman" panose="02020603050405020304" pitchFamily="18" charset="0"/>
+              </a:rPr>
+              <a:t>[3]. </a:t>
+            </a:r>
+            <a:r>
+              <a:rPr lang="sv-SE" sz="2400" dirty="0">
+                <a:latin typeface="Times New Roman" panose="02020603050405020304" pitchFamily="18" charset="0"/>
+                <a:cs typeface="Times New Roman" panose="02020603050405020304" pitchFamily="18" charset="0"/>
+              </a:rPr>
+              <a:t>Ammar Hammad Ali, Ali Makki Sagheer</a:t>
+            </a:r>
+            <a:r>
+              <a:rPr lang="en-IN" sz="2400" dirty="0">
+                <a:latin typeface="Times New Roman" panose="02020603050405020304" pitchFamily="18" charset="0"/>
+                <a:cs typeface="Times New Roman" panose="02020603050405020304" pitchFamily="18" charset="0"/>
+              </a:rPr>
+              <a:t>. IASJ (</a:t>
+            </a:r>
+            <a:r>
+              <a:rPr lang="en-IN" sz="2400" dirty="0">
+                <a:latin typeface="Times New Roman" panose="02020603050405020304" pitchFamily="18" charset="0"/>
+                <a:cs typeface="Times New Roman" panose="02020603050405020304" pitchFamily="18" charset="0"/>
+                <a:hlinkClick r:id="rId4"/>
+              </a:rPr>
+              <a:t>doi:10.25195/2017/4315</a:t>
+            </a:r>
+            <a:r>
+              <a:rPr lang="en-IN" sz="2400" dirty="0">
+                <a:latin typeface="Times New Roman" panose="02020603050405020304" pitchFamily="18" charset="0"/>
+                <a:cs typeface="Times New Roman" panose="02020603050405020304" pitchFamily="18" charset="0"/>
+              </a:rPr>
+              <a:t>) Vol.[43] Issue[1] 2017. </a:t>
+            </a:r>
+            <a:r>
+              <a:rPr lang="en-US" sz="2400" dirty="0">
+                <a:latin typeface="Times New Roman" panose="02020603050405020304" pitchFamily="18" charset="0"/>
+                <a:cs typeface="Times New Roman" panose="02020603050405020304" pitchFamily="18" charset="0"/>
+              </a:rPr>
+              <a:t>Design of Secure Chatting Application with End to End Encryption for Android </a:t>
+            </a:r>
+            <a:r>
+              <a:rPr lang="en-US" sz="2400" dirty="0" smtClean="0">
+                <a:latin typeface="Times New Roman" panose="02020603050405020304" pitchFamily="18" charset="0"/>
+                <a:cs typeface="Times New Roman" panose="02020603050405020304" pitchFamily="18" charset="0"/>
+              </a:rPr>
+              <a:t>Platform</a:t>
+            </a:r>
+            <a:endParaRPr lang="en-US" sz="2400" dirty="0">
               <a:latin typeface="Times New Roman" panose="02020603050405020304" pitchFamily="18" charset="0"/>
               <a:cs typeface="Times New Roman" panose="02020603050405020304" pitchFamily="18" charset="0"/>
             </a:endParaRPr>
-          </a:p>
-          <a:p>
-            <a:pPr>
-              <a:lnSpc>
-                <a:spcPct val="150000"/>
-              </a:lnSpc>
-              <a:buNone/>
-            </a:pPr>
-            <a:r>
-              <a:rPr lang="en-US" sz="2400" b="1" dirty="0">
-                <a:latin typeface="Times New Roman" panose="02020603050405020304" pitchFamily="18" charset="0"/>
-                <a:cs typeface="Times New Roman" panose="02020603050405020304" pitchFamily="18" charset="0"/>
-              </a:rPr>
-              <a:t>BACK END</a:t>
-            </a:r>
-          </a:p>
-          <a:p>
-            <a:pPr>
-              <a:lnSpc>
-                <a:spcPct val="150000"/>
-              </a:lnSpc>
-            </a:pPr>
-            <a:r>
-              <a:rPr lang="en-US" sz="2600" dirty="0" smtClean="0">
-                <a:latin typeface="Times New Roman" panose="02020603050405020304" pitchFamily="18" charset="0"/>
-                <a:cs typeface="Times New Roman" panose="02020603050405020304" pitchFamily="18" charset="0"/>
-              </a:rPr>
-              <a:t>Python (threading, socket, </a:t>
-            </a:r>
-            <a:r>
-              <a:rPr lang="en-US" sz="2600" dirty="0" err="1" smtClean="0">
-                <a:latin typeface="Times New Roman" panose="02020603050405020304" pitchFamily="18" charset="0"/>
-                <a:cs typeface="Times New Roman" panose="02020603050405020304" pitchFamily="18" charset="0"/>
-              </a:rPr>
-              <a:t>cryptography.fernet</a:t>
-            </a:r>
-            <a:r>
-              <a:rPr lang="en-US" sz="2600" dirty="0" smtClean="0">
-                <a:latin typeface="Times New Roman" panose="02020603050405020304" pitchFamily="18" charset="0"/>
-                <a:cs typeface="Times New Roman" panose="02020603050405020304" pitchFamily="18" charset="0"/>
-              </a:rPr>
-              <a:t>, </a:t>
-            </a:r>
-            <a:r>
-              <a:rPr lang="en-US" sz="2600" dirty="0" err="1" smtClean="0">
-                <a:latin typeface="Times New Roman" panose="02020603050405020304" pitchFamily="18" charset="0"/>
-                <a:cs typeface="Times New Roman" panose="02020603050405020304" pitchFamily="18" charset="0"/>
-              </a:rPr>
-              <a:t>hashlib</a:t>
-            </a:r>
-            <a:r>
-              <a:rPr lang="en-US" sz="2600" dirty="0">
-                <a:latin typeface="Times New Roman" panose="02020603050405020304" pitchFamily="18" charset="0"/>
-                <a:cs typeface="Times New Roman" panose="02020603050405020304" pitchFamily="18" charset="0"/>
-              </a:rPr>
-              <a:t>, </a:t>
-            </a:r>
-            <a:r>
-              <a:rPr lang="en-US" sz="2600" dirty="0" smtClean="0">
-                <a:latin typeface="Times New Roman" panose="02020603050405020304" pitchFamily="18" charset="0"/>
-                <a:cs typeface="Times New Roman" panose="02020603050405020304" pitchFamily="18" charset="0"/>
-              </a:rPr>
-              <a:t>base64</a:t>
-            </a:r>
-            <a:r>
-              <a:rPr lang="en-US" sz="2600" dirty="0" smtClean="0">
-                <a:latin typeface="Times New Roman" panose="02020603050405020304" pitchFamily="18" charset="0"/>
-                <a:cs typeface="Times New Roman" panose="02020603050405020304" pitchFamily="18" charset="0"/>
-              </a:rPr>
-              <a:t>)</a:t>
-            </a:r>
-          </a:p>
-          <a:p>
-            <a:pPr marL="0" indent="0">
-              <a:lnSpc>
-                <a:spcPct val="150000"/>
-              </a:lnSpc>
-              <a:buNone/>
-            </a:pPr>
-            <a:r>
-              <a:rPr lang="en-US" sz="2400" b="1" dirty="0" smtClean="0">
-                <a:latin typeface="Times New Roman" panose="02020603050405020304" pitchFamily="18" charset="0"/>
-                <a:cs typeface="Times New Roman" panose="02020603050405020304" pitchFamily="18" charset="0"/>
-              </a:rPr>
-              <a:t>HARDWARE</a:t>
-            </a:r>
-            <a:endParaRPr lang="en-US" sz="2400" b="1" dirty="0">
-              <a:latin typeface="Times New Roman" panose="02020603050405020304" pitchFamily="18" charset="0"/>
-              <a:cs typeface="Times New Roman" panose="02020603050405020304" pitchFamily="18" charset="0"/>
-            </a:endParaRPr>
-          </a:p>
-          <a:p>
-            <a:pPr>
-              <a:lnSpc>
-                <a:spcPct val="150000"/>
-              </a:lnSpc>
-            </a:pPr>
-            <a:r>
-              <a:rPr lang="en-US" sz="2600" dirty="0">
-                <a:latin typeface="Times New Roman" panose="02020603050405020304" pitchFamily="18" charset="0"/>
-                <a:cs typeface="Times New Roman" panose="02020603050405020304" pitchFamily="18" charset="0"/>
-              </a:rPr>
-              <a:t>Basic requirements for a system</a:t>
-            </a:r>
-          </a:p>
-          <a:p>
-            <a:pPr marL="0" indent="0">
-              <a:lnSpc>
-                <a:spcPct val="150000"/>
-              </a:lnSpc>
-              <a:buNone/>
-            </a:pPr>
-            <a:r>
-              <a:rPr lang="en-US" sz="2400" b="1" dirty="0">
-                <a:latin typeface="Times New Roman" panose="02020603050405020304" pitchFamily="18" charset="0"/>
-                <a:cs typeface="Times New Roman" panose="02020603050405020304" pitchFamily="18" charset="0"/>
-              </a:rPr>
-              <a:t>SPECIFICATION</a:t>
-            </a:r>
-          </a:p>
-          <a:p>
-            <a:pPr>
-              <a:lnSpc>
-                <a:spcPct val="150000"/>
-              </a:lnSpc>
-            </a:pPr>
-            <a:r>
-              <a:rPr lang="en-US" sz="2600" dirty="0">
-                <a:latin typeface="Times New Roman" panose="02020603050405020304" pitchFamily="18" charset="0"/>
-                <a:cs typeface="Times New Roman" panose="02020603050405020304" pitchFamily="18" charset="0"/>
-              </a:rPr>
-              <a:t>Minimum 4 GB ram</a:t>
-            </a:r>
-          </a:p>
-          <a:p>
-            <a:pPr>
-              <a:lnSpc>
-                <a:spcPct val="150000"/>
-              </a:lnSpc>
-            </a:pPr>
-            <a:r>
-              <a:rPr lang="en-US" sz="2600" dirty="0">
-                <a:latin typeface="Times New Roman" panose="02020603050405020304" pitchFamily="18" charset="0"/>
-                <a:cs typeface="Times New Roman" panose="02020603050405020304" pitchFamily="18" charset="0"/>
-              </a:rPr>
-              <a:t>Window(8,10 and 11 versions), Linux, Ubuntu</a:t>
-            </a:r>
           </a:p>
         </p:txBody>
       </p:sp>
     </p:spTree>
     <p:extLst>
       <p:ext uri="{BB962C8B-B14F-4D97-AF65-F5344CB8AC3E}">
-        <p14:creationId xmlns:p14="http://schemas.microsoft.com/office/powerpoint/2010/main" val="4290836956"/>
+        <p14:creationId xmlns:p14="http://schemas.microsoft.com/office/powerpoint/2010/main" val="2041505513"/>
       </p:ext>
     </p:extLst>
   </p:cSld>
   <p:clrMapOvr>
     <a:masterClrMapping/>
   </p:clrMapOvr>
-  <mc:AlternateContent xmlns:mc="http://schemas.openxmlformats.org/markup-compatibility/2006" xmlns:p14="http://schemas.microsoft.com/office/powerpoint/2010/main">
-    <mc:Choice Requires="p14">
-      <p:transition spd="med" p14:dur="700">
-        <p:fade/>
-      </p:transition>
-    </mc:Choice>
-    <mc:Fallback xmlns="">
-      <p:transition spd="med">
-        <p:fade/>
-      </p:transition>
-    </mc:Fallback>
-  </mc:AlternateContent>
+  <p:transition spd="slow">
+    <p:wipe/>
+  </p:transition>
   <p:timing>
     <p:tnLst>
       <p:par>
@@ -5665,8 +10070,8 @@
         </p:nvSpPr>
         <p:spPr>
           <a:xfrm>
-            <a:off x="4427197" y="3101763"/>
-            <a:ext cx="3337606" cy="654474"/>
+            <a:off x="609600" y="245455"/>
+            <a:ext cx="10972800" cy="673812"/>
           </a:xfrm>
         </p:spPr>
         <p:txBody>
@@ -5676,32 +10081,269 @@
           <a:lstStyle/>
           <a:p>
             <a:r>
-              <a:rPr lang="en-US" sz="3600" b="1" dirty="0">
-                <a:latin typeface="Times New Roman" pitchFamily="18" charset="0"/>
-                <a:cs typeface="Times New Roman" pitchFamily="18" charset="0"/>
-              </a:rPr>
-              <a:t>THANK YOU</a:t>
-            </a:r>
+              <a:rPr lang="en-US" sz="3600" b="1" dirty="0" smtClean="0">
+                <a:latin typeface="Times New Roman" panose="02020603050405020304" pitchFamily="18" charset="0"/>
+                <a:cs typeface="Times New Roman" panose="02020603050405020304" pitchFamily="18" charset="0"/>
+              </a:rPr>
+              <a:t>PROPOSED SYSTEM</a:t>
+            </a:r>
+            <a:endParaRPr lang="en-US" sz="3600" b="1" dirty="0">
+              <a:latin typeface="Times New Roman" pitchFamily="18" charset="0"/>
+            </a:endParaRPr>
+          </a:p>
+        </p:txBody>
+      </p:sp>
+      <p:sp>
+        <p:nvSpPr>
+          <p:cNvPr id="3" name="TextBox 2">
+            <a:extLst>
+              <a:ext uri="{FF2B5EF4-FFF2-40B4-BE49-F238E27FC236}">
+                <a16:creationId xmlns:a16="http://schemas.microsoft.com/office/drawing/2014/main" id="{A8CC6EC7-53F3-9BB9-DC3B-4702CB186EB2}"/>
+              </a:ext>
+            </a:extLst>
+          </p:cNvPr>
+          <p:cNvSpPr txBox="1"/>
+          <p:nvPr/>
+        </p:nvSpPr>
+        <p:spPr>
+          <a:xfrm>
+            <a:off x="649432" y="1508766"/>
+            <a:ext cx="10893136" cy="4524315"/>
+          </a:xfrm>
+          <a:prstGeom prst="rect">
+            <a:avLst/>
+          </a:prstGeom>
+          <a:noFill/>
+        </p:spPr>
+        <p:txBody>
+          <a:bodyPr wrap="square" rtlCol="0">
+            <a:spAutoFit/>
+          </a:bodyPr>
+          <a:lstStyle/>
+          <a:p>
+            <a:pPr marL="285750" indent="-285750" algn="just">
+              <a:lnSpc>
+                <a:spcPct val="150000"/>
+              </a:lnSpc>
+              <a:buFont typeface="Wingdings" panose="05000000000000000000" pitchFamily="2" charset="2"/>
+              <a:buChar char="v"/>
+            </a:pPr>
+            <a:r>
+              <a:rPr lang="en-IN" sz="2400" dirty="0">
+                <a:latin typeface="Times New Roman" panose="02020603050405020304" pitchFamily="18" charset="0"/>
+                <a:cs typeface="Times New Roman" panose="02020603050405020304" pitchFamily="18" charset="0"/>
+              </a:rPr>
+              <a:t>[1]. Mirza K. B. Shuhan1, Tariqul Islam2. </a:t>
+            </a:r>
+            <a:r>
+              <a:rPr lang="en-IN" sz="2400" dirty="0" smtClean="0">
+                <a:latin typeface="Times New Roman" panose="02020603050405020304" pitchFamily="18" charset="0"/>
+                <a:cs typeface="Times New Roman" panose="02020603050405020304" pitchFamily="18" charset="0"/>
+              </a:rPr>
+              <a:t>IEEE (</a:t>
+            </a:r>
+            <a:r>
+              <a:rPr lang="en-IN" sz="2400" dirty="0" smtClean="0">
+                <a:latin typeface="Times New Roman" panose="02020603050405020304" pitchFamily="18" charset="0"/>
+                <a:cs typeface="Times New Roman" panose="02020603050405020304" pitchFamily="18" charset="0"/>
+                <a:hlinkClick r:id="rId2"/>
+              </a:rPr>
+              <a:t>arXiv:2308.04452v1</a:t>
+            </a:r>
+            <a:r>
+              <a:rPr lang="en-IN" sz="2400" dirty="0" smtClean="0">
+                <a:latin typeface="Times New Roman" panose="02020603050405020304" pitchFamily="18" charset="0"/>
+                <a:cs typeface="Times New Roman" panose="02020603050405020304" pitchFamily="18" charset="0"/>
+              </a:rPr>
+              <a:t>) </a:t>
+            </a:r>
+            <a:r>
+              <a:rPr lang="en-IN" sz="2400" dirty="0">
+                <a:latin typeface="Times New Roman" panose="02020603050405020304" pitchFamily="18" charset="0"/>
+                <a:cs typeface="Times New Roman" panose="02020603050405020304" pitchFamily="18" charset="0"/>
+              </a:rPr>
+              <a:t>[cs.CR] 5 Aug 2023. </a:t>
+            </a:r>
+            <a:r>
+              <a:rPr lang="en-US" sz="2400" dirty="0">
+                <a:latin typeface="Times New Roman" panose="02020603050405020304" pitchFamily="18" charset="0"/>
+                <a:cs typeface="Times New Roman" panose="02020603050405020304" pitchFamily="18" charset="0"/>
+              </a:rPr>
+              <a:t>Quarks: A Secure and </a:t>
+            </a:r>
+            <a:r>
+              <a:rPr lang="en-US" sz="2400" dirty="0" smtClean="0">
+                <a:latin typeface="Times New Roman" panose="02020603050405020304" pitchFamily="18" charset="0"/>
+                <a:cs typeface="Times New Roman" panose="02020603050405020304" pitchFamily="18" charset="0"/>
+              </a:rPr>
+              <a:t>Decentralized Block-chain Based </a:t>
+            </a:r>
+            <a:r>
+              <a:rPr lang="en-US" sz="2400" dirty="0">
+                <a:latin typeface="Times New Roman" panose="02020603050405020304" pitchFamily="18" charset="0"/>
+                <a:cs typeface="Times New Roman" panose="02020603050405020304" pitchFamily="18" charset="0"/>
+              </a:rPr>
+              <a:t>Messaging Network</a:t>
+            </a:r>
+          </a:p>
+          <a:p>
+            <a:pPr marL="285750" indent="-285750" algn="just">
+              <a:lnSpc>
+                <a:spcPct val="150000"/>
+              </a:lnSpc>
+              <a:buFont typeface="Wingdings" panose="05000000000000000000" pitchFamily="2" charset="2"/>
+              <a:buChar char="v"/>
+            </a:pPr>
+            <a:r>
+              <a:rPr lang="en-IN" sz="2400" dirty="0" smtClean="0">
+                <a:latin typeface="Times New Roman" panose="02020603050405020304" pitchFamily="18" charset="0"/>
+                <a:cs typeface="Times New Roman" panose="02020603050405020304" pitchFamily="18" charset="0"/>
+              </a:rPr>
+              <a:t>[2]. </a:t>
+            </a:r>
+            <a:r>
+              <a:rPr lang="en-IN" sz="2400" dirty="0">
+                <a:latin typeface="Times New Roman" panose="02020603050405020304" pitchFamily="18" charset="0"/>
+                <a:cs typeface="Times New Roman" panose="02020603050405020304" pitchFamily="18" charset="0"/>
+              </a:rPr>
+              <a:t>Samira </a:t>
+            </a:r>
+            <a:r>
+              <a:rPr lang="en-IN" sz="2400" dirty="0" err="1">
+                <a:latin typeface="Times New Roman" panose="02020603050405020304" pitchFamily="18" charset="0"/>
+                <a:cs typeface="Times New Roman" panose="02020603050405020304" pitchFamily="18" charset="0"/>
+              </a:rPr>
+              <a:t>Prabhune</a:t>
+            </a:r>
+            <a:r>
+              <a:rPr lang="en-IN" sz="2400" dirty="0">
+                <a:latin typeface="Times New Roman" panose="02020603050405020304" pitchFamily="18" charset="0"/>
+                <a:cs typeface="Times New Roman" panose="02020603050405020304" pitchFamily="18" charset="0"/>
+              </a:rPr>
+              <a:t>, </a:t>
+            </a:r>
+            <a:r>
+              <a:rPr lang="en-IN" sz="2400" dirty="0" err="1">
+                <a:latin typeface="Times New Roman" panose="02020603050405020304" pitchFamily="18" charset="0"/>
+                <a:cs typeface="Times New Roman" panose="02020603050405020304" pitchFamily="18" charset="0"/>
+              </a:rPr>
+              <a:t>Sonal</a:t>
+            </a:r>
+            <a:r>
+              <a:rPr lang="en-IN" sz="2400" dirty="0">
+                <a:latin typeface="Times New Roman" panose="02020603050405020304" pitchFamily="18" charset="0"/>
+                <a:cs typeface="Times New Roman" panose="02020603050405020304" pitchFamily="18" charset="0"/>
+              </a:rPr>
+              <a:t> Sharma. IEEE (</a:t>
+            </a:r>
+            <a:r>
+              <a:rPr lang="en-IN" sz="2400" dirty="0">
+                <a:latin typeface="Times New Roman" panose="02020603050405020304" pitchFamily="18" charset="0"/>
+                <a:cs typeface="Times New Roman" panose="02020603050405020304" pitchFamily="18" charset="0"/>
+                <a:hlinkClick r:id="rId3"/>
+              </a:rPr>
+              <a:t>9725597</a:t>
+            </a:r>
+            <a:r>
+              <a:rPr lang="en-IN" sz="2400" dirty="0">
+                <a:latin typeface="Times New Roman" panose="02020603050405020304" pitchFamily="18" charset="0"/>
+                <a:cs typeface="Times New Roman" panose="02020603050405020304" pitchFamily="18" charset="0"/>
+              </a:rPr>
+              <a:t>). </a:t>
+            </a:r>
+            <a:r>
+              <a:rPr lang="en-US" sz="2400" dirty="0" smtClean="0">
+                <a:latin typeface="Times New Roman" panose="02020603050405020304" pitchFamily="18" charset="0"/>
+                <a:cs typeface="Times New Roman" panose="02020603050405020304" pitchFamily="18" charset="0"/>
+              </a:rPr>
+              <a:t>End-to-End </a:t>
+            </a:r>
+            <a:r>
+              <a:rPr lang="en-US" sz="2400" dirty="0">
+                <a:latin typeface="Times New Roman" panose="02020603050405020304" pitchFamily="18" charset="0"/>
+                <a:cs typeface="Times New Roman" panose="02020603050405020304" pitchFamily="18" charset="0"/>
+              </a:rPr>
+              <a:t>Encryption for Chat App with Dynamic Encryption Key</a:t>
+            </a:r>
+          </a:p>
+          <a:p>
+            <a:pPr marL="285750" indent="-285750" algn="just">
+              <a:lnSpc>
+                <a:spcPct val="150000"/>
+              </a:lnSpc>
+              <a:buFont typeface="Wingdings" panose="05000000000000000000" pitchFamily="2" charset="2"/>
+              <a:buChar char="v"/>
+            </a:pPr>
+            <a:r>
+              <a:rPr lang="en-IN" sz="2400" dirty="0" smtClean="0">
+                <a:latin typeface="Times New Roman" panose="02020603050405020304" pitchFamily="18" charset="0"/>
+                <a:cs typeface="Times New Roman" panose="02020603050405020304" pitchFamily="18" charset="0"/>
+              </a:rPr>
+              <a:t>[3]. </a:t>
+            </a:r>
+            <a:r>
+              <a:rPr lang="sv-SE" sz="2400" dirty="0">
+                <a:latin typeface="Times New Roman" panose="02020603050405020304" pitchFamily="18" charset="0"/>
+                <a:cs typeface="Times New Roman" panose="02020603050405020304" pitchFamily="18" charset="0"/>
+              </a:rPr>
+              <a:t>Ammar Hammad Ali, Ali Makki Sagheer</a:t>
+            </a:r>
+            <a:r>
+              <a:rPr lang="en-IN" sz="2400" dirty="0">
+                <a:latin typeface="Times New Roman" panose="02020603050405020304" pitchFamily="18" charset="0"/>
+                <a:cs typeface="Times New Roman" panose="02020603050405020304" pitchFamily="18" charset="0"/>
+              </a:rPr>
+              <a:t>. IASJ (</a:t>
+            </a:r>
+            <a:r>
+              <a:rPr lang="en-IN" sz="2400" dirty="0">
+                <a:latin typeface="Times New Roman" panose="02020603050405020304" pitchFamily="18" charset="0"/>
+                <a:cs typeface="Times New Roman" panose="02020603050405020304" pitchFamily="18" charset="0"/>
+                <a:hlinkClick r:id="rId4"/>
+              </a:rPr>
+              <a:t>doi:10.25195/2017/4315</a:t>
+            </a:r>
+            <a:r>
+              <a:rPr lang="en-IN" sz="2400" dirty="0">
+                <a:latin typeface="Times New Roman" panose="02020603050405020304" pitchFamily="18" charset="0"/>
+                <a:cs typeface="Times New Roman" panose="02020603050405020304" pitchFamily="18" charset="0"/>
+              </a:rPr>
+              <a:t>) Vol.[43] Issue[1] 2017. </a:t>
+            </a:r>
+            <a:r>
+              <a:rPr lang="en-US" sz="2400" dirty="0">
+                <a:latin typeface="Times New Roman" panose="02020603050405020304" pitchFamily="18" charset="0"/>
+                <a:cs typeface="Times New Roman" panose="02020603050405020304" pitchFamily="18" charset="0"/>
+              </a:rPr>
+              <a:t>Design of Secure Chatting Application with End to End Encryption for Android </a:t>
+            </a:r>
+            <a:r>
+              <a:rPr lang="en-US" sz="2400" dirty="0" smtClean="0">
+                <a:latin typeface="Times New Roman" panose="02020603050405020304" pitchFamily="18" charset="0"/>
+                <a:cs typeface="Times New Roman" panose="02020603050405020304" pitchFamily="18" charset="0"/>
+              </a:rPr>
+              <a:t>Platform</a:t>
+            </a:r>
+            <a:endParaRPr lang="en-US" sz="2400" dirty="0">
+              <a:latin typeface="Times New Roman" panose="02020603050405020304" pitchFamily="18" charset="0"/>
+              <a:cs typeface="Times New Roman" panose="02020603050405020304" pitchFamily="18" charset="0"/>
+            </a:endParaRPr>
           </a:p>
         </p:txBody>
       </p:sp>
     </p:spTree>
+    <p:extLst>
+      <p:ext uri="{BB962C8B-B14F-4D97-AF65-F5344CB8AC3E}">
+        <p14:creationId xmlns:p14="http://schemas.microsoft.com/office/powerpoint/2010/main" val="3421053099"/>
+      </p:ext>
+    </p:extLst>
   </p:cSld>
   <p:clrMapOvr>
     <a:masterClrMapping/>
   </p:clrMapOvr>
-  <mc:AlternateContent xmlns:mc="http://schemas.openxmlformats.org/markup-compatibility/2006" xmlns:p14="http://schemas.microsoft.com/office/powerpoint/2010/main">
-    <mc:Choice Requires="p14">
-      <p:transition spd="slow" p14:dur="1500">
-        <p:random/>
-      </p:transition>
-    </mc:Choice>
-    <mc:Fallback xmlns="">
-      <p:transition spd="slow">
-        <p:random/>
-      </p:transition>
-    </mc:Fallback>
-  </mc:AlternateContent>
+  <p:transition spd="slow">
+    <p:wipe/>
+  </p:transition>
   <p:timing>
     <p:tnLst>
       <p:par>

--- a/DOCS/First Review.pptx
+++ b/DOCS/First Review.pptx
@@ -246,7 +246,7 @@
             <a:fld id="{1BC5A6D6-678F-47D8-91DE-2A07AB82649C}" type="datetimeFigureOut">
               <a:rPr lang="en-US" smtClean="0"/>
               <a:pPr/>
-              <a:t>2/20/2024</a:t>
+              <a:t>2/21/2024</a:t>
             </a:fld>
             <a:endParaRPr lang="en-US"/>
           </a:p>
@@ -773,7 +773,7 @@
             <a:fld id="{CF705531-103C-4EA6-8A04-8B669A93EC46}" type="datetimeFigureOut">
               <a:rPr lang="en-US" smtClean="0"/>
               <a:pPr/>
-              <a:t>2/20/2024</a:t>
+              <a:t>2/21/2024</a:t>
             </a:fld>
             <a:endParaRPr lang="en-US"/>
           </a:p>
@@ -938,7 +938,7 @@
             <a:fld id="{CF705531-103C-4EA6-8A04-8B669A93EC46}" type="datetimeFigureOut">
               <a:rPr lang="en-US" smtClean="0"/>
               <a:pPr/>
-              <a:t>2/20/2024</a:t>
+              <a:t>2/21/2024</a:t>
             </a:fld>
             <a:endParaRPr lang="en-US"/>
           </a:p>
@@ -1113,7 +1113,7 @@
             <a:fld id="{CF705531-103C-4EA6-8A04-8B669A93EC46}" type="datetimeFigureOut">
               <a:rPr lang="en-US" smtClean="0"/>
               <a:pPr/>
-              <a:t>2/20/2024</a:t>
+              <a:t>2/21/2024</a:t>
             </a:fld>
             <a:endParaRPr lang="en-US"/>
           </a:p>
@@ -1278,7 +1278,7 @@
             <a:fld id="{CF705531-103C-4EA6-8A04-8B669A93EC46}" type="datetimeFigureOut">
               <a:rPr lang="en-US" smtClean="0"/>
               <a:pPr/>
-              <a:t>2/20/2024</a:t>
+              <a:t>2/21/2024</a:t>
             </a:fld>
             <a:endParaRPr lang="en-US"/>
           </a:p>
@@ -1520,7 +1520,7 @@
             <a:fld id="{CF705531-103C-4EA6-8A04-8B669A93EC46}" type="datetimeFigureOut">
               <a:rPr lang="en-US" smtClean="0"/>
               <a:pPr/>
-              <a:t>2/20/2024</a:t>
+              <a:t>2/21/2024</a:t>
             </a:fld>
             <a:endParaRPr lang="en-US"/>
           </a:p>
@@ -1802,7 +1802,7 @@
             <a:fld id="{CF705531-103C-4EA6-8A04-8B669A93EC46}" type="datetimeFigureOut">
               <a:rPr lang="en-US" smtClean="0"/>
               <a:pPr/>
-              <a:t>2/20/2024</a:t>
+              <a:t>2/21/2024</a:t>
             </a:fld>
             <a:endParaRPr lang="en-US"/>
           </a:p>
@@ -2223,7 +2223,7 @@
             <a:fld id="{CF705531-103C-4EA6-8A04-8B669A93EC46}" type="datetimeFigureOut">
               <a:rPr lang="en-US" smtClean="0"/>
               <a:pPr/>
-              <a:t>2/20/2024</a:t>
+              <a:t>2/21/2024</a:t>
             </a:fld>
             <a:endParaRPr lang="en-US"/>
           </a:p>
@@ -2337,7 +2337,7 @@
             <a:fld id="{CF705531-103C-4EA6-8A04-8B669A93EC46}" type="datetimeFigureOut">
               <a:rPr lang="en-US" smtClean="0"/>
               <a:pPr/>
-              <a:t>2/20/2024</a:t>
+              <a:t>2/21/2024</a:t>
             </a:fld>
             <a:endParaRPr lang="en-US"/>
           </a:p>
@@ -2429,7 +2429,7 @@
             <a:fld id="{CF705531-103C-4EA6-8A04-8B669A93EC46}" type="datetimeFigureOut">
               <a:rPr lang="en-US" smtClean="0"/>
               <a:pPr/>
-              <a:t>2/20/2024</a:t>
+              <a:t>2/21/2024</a:t>
             </a:fld>
             <a:endParaRPr lang="en-US"/>
           </a:p>
@@ -2701,7 +2701,7 @@
             <a:fld id="{CF705531-103C-4EA6-8A04-8B669A93EC46}" type="datetimeFigureOut">
               <a:rPr lang="en-US" smtClean="0"/>
               <a:pPr/>
-              <a:t>2/20/2024</a:t>
+              <a:t>2/21/2024</a:t>
             </a:fld>
             <a:endParaRPr lang="en-US"/>
           </a:p>
@@ -2950,7 +2950,7 @@
             <a:fld id="{CF705531-103C-4EA6-8A04-8B669A93EC46}" type="datetimeFigureOut">
               <a:rPr lang="en-US" smtClean="0"/>
               <a:pPr/>
-              <a:t>2/20/2024</a:t>
+              <a:t>2/21/2024</a:t>
             </a:fld>
             <a:endParaRPr lang="en-US"/>
           </a:p>
@@ -3158,7 +3158,7 @@
             <a:fld id="{CF705531-103C-4EA6-8A04-8B669A93EC46}" type="datetimeFigureOut">
               <a:rPr lang="en-US" smtClean="0"/>
               <a:pPr/>
-              <a:t>2/20/2024</a:t>
+              <a:t>2/21/2024</a:t>
             </a:fld>
             <a:endParaRPr lang="en-US"/>
           </a:p>
@@ -9794,8 +9794,8 @@
         </p:nvSpPr>
         <p:spPr>
           <a:xfrm>
-            <a:off x="649432" y="1508766"/>
-            <a:ext cx="10893136" cy="4524315"/>
+            <a:off x="689264" y="818102"/>
+            <a:ext cx="10893136" cy="5632311"/>
           </a:xfrm>
           <a:prstGeom prst="rect">
             <a:avLst/>
@@ -9808,6 +9808,68 @@
           </a:bodyPr>
           <a:lstStyle/>
           <a:p>
+            <a:pPr marL="342900" indent="-342900" algn="just">
+              <a:lnSpc>
+                <a:spcPct val="150000"/>
+              </a:lnSpc>
+              <a:buFont typeface="Wingdings" panose="05000000000000000000" pitchFamily="2" charset="2"/>
+              <a:buChar char="v"/>
+            </a:pPr>
+            <a:r>
+              <a:rPr lang="en-US" sz="2400" dirty="0">
+                <a:latin typeface="Times New Roman" panose="02020603050405020304" pitchFamily="18" charset="0"/>
+                <a:cs typeface="Times New Roman" panose="02020603050405020304" pitchFamily="18" charset="0"/>
+              </a:rPr>
+              <a:t>Basic Encrypted Chat</a:t>
+            </a:r>
+            <a:r>
+              <a:rPr lang="en-US" sz="2400" dirty="0" smtClean="0">
+                <a:latin typeface="Times New Roman" panose="02020603050405020304" pitchFamily="18" charset="0"/>
+                <a:cs typeface="Times New Roman" panose="02020603050405020304" pitchFamily="18" charset="0"/>
+              </a:rPr>
+              <a:t>:</a:t>
+            </a:r>
+            <a:endParaRPr lang="en-US" sz="2400" dirty="0">
+              <a:latin typeface="Times New Roman" panose="02020603050405020304" pitchFamily="18" charset="0"/>
+              <a:cs typeface="Times New Roman" panose="02020603050405020304" pitchFamily="18" charset="0"/>
+            </a:endParaRPr>
+          </a:p>
+          <a:p>
+            <a:pPr lvl="1" algn="just">
+              <a:lnSpc>
+                <a:spcPct val="150000"/>
+              </a:lnSpc>
+            </a:pPr>
+            <a:r>
+              <a:rPr lang="en-US" sz="2400" dirty="0" smtClean="0">
+                <a:latin typeface="Times New Roman" panose="02020603050405020304" pitchFamily="18" charset="0"/>
+                <a:cs typeface="Times New Roman" panose="02020603050405020304" pitchFamily="18" charset="0"/>
+              </a:rPr>
+              <a:t>Typically</a:t>
+            </a:r>
+            <a:r>
+              <a:rPr lang="en-US" sz="2400" dirty="0">
+                <a:latin typeface="Times New Roman" panose="02020603050405020304" pitchFamily="18" charset="0"/>
+                <a:cs typeface="Times New Roman" panose="02020603050405020304" pitchFamily="18" charset="0"/>
+              </a:rPr>
+              <a:t>, existing chat applications use encryption protocols (e.g., TLS/SSL) to secure data in </a:t>
+            </a:r>
+            <a:r>
+              <a:rPr lang="en-US" sz="2400" dirty="0" smtClean="0">
+                <a:latin typeface="Times New Roman" panose="02020603050405020304" pitchFamily="18" charset="0"/>
+                <a:cs typeface="Times New Roman" panose="02020603050405020304" pitchFamily="18" charset="0"/>
+              </a:rPr>
+              <a:t>transit. However</a:t>
+            </a:r>
+            <a:r>
+              <a:rPr lang="en-US" sz="2400" dirty="0">
+                <a:latin typeface="Times New Roman" panose="02020603050405020304" pitchFamily="18" charset="0"/>
+                <a:cs typeface="Times New Roman" panose="02020603050405020304" pitchFamily="18" charset="0"/>
+              </a:rPr>
+              <a:t>, end-to-end encryption may not be universal, leaving potential vulnerabilities.</a:t>
+            </a:r>
+          </a:p>
+          <a:p>
             <a:pPr marL="285750" indent="-285750" algn="just">
               <a:lnSpc>
                 <a:spcPct val="150000"/>
@@ -9816,61 +9878,81 @@
               <a:buChar char="v"/>
             </a:pPr>
             <a:r>
-              <a:rPr lang="en-IN" sz="2400" dirty="0">
-                <a:latin typeface="Times New Roman" panose="02020603050405020304" pitchFamily="18" charset="0"/>
-                <a:cs typeface="Times New Roman" panose="02020603050405020304" pitchFamily="18" charset="0"/>
-              </a:rPr>
-              <a:t>[1]. Mirza K. B. Shuhan1, Tariqul Islam2. </a:t>
-            </a:r>
-            <a:r>
-              <a:rPr lang="en-IN" sz="2400" dirty="0" smtClean="0">
-                <a:latin typeface="Times New Roman" panose="02020603050405020304" pitchFamily="18" charset="0"/>
-                <a:cs typeface="Times New Roman" panose="02020603050405020304" pitchFamily="18" charset="0"/>
-              </a:rPr>
-              <a:t>IEEE (</a:t>
-            </a:r>
-            <a:r>
-              <a:rPr lang="en-IN" sz="2400" dirty="0" smtClean="0">
-                <a:latin typeface="Times New Roman" panose="02020603050405020304" pitchFamily="18" charset="0"/>
-                <a:cs typeface="Times New Roman" panose="02020603050405020304" pitchFamily="18" charset="0"/>
-                <a:hlinkClick r:id="rId2"/>
-              </a:rPr>
-              <a:t>arXiv:2308.04452v1</a:t>
-            </a:r>
-            <a:r>
-              <a:rPr lang="en-IN" sz="2400" dirty="0" smtClean="0">
-                <a:latin typeface="Times New Roman" panose="02020603050405020304" pitchFamily="18" charset="0"/>
-                <a:cs typeface="Times New Roman" panose="02020603050405020304" pitchFamily="18" charset="0"/>
-              </a:rPr>
-              <a:t>) </a:t>
-            </a:r>
-            <a:r>
-              <a:rPr lang="en-IN" sz="2400" dirty="0">
-                <a:latin typeface="Times New Roman" panose="02020603050405020304" pitchFamily="18" charset="0"/>
-                <a:cs typeface="Times New Roman" panose="02020603050405020304" pitchFamily="18" charset="0"/>
-              </a:rPr>
-              <a:t>[cs.CR] 5 Aug 2023. </a:t>
-            </a:r>
-            <a:r>
               <a:rPr lang="en-US" sz="2400" dirty="0">
                 <a:latin typeface="Times New Roman" panose="02020603050405020304" pitchFamily="18" charset="0"/>
                 <a:cs typeface="Times New Roman" panose="02020603050405020304" pitchFamily="18" charset="0"/>
               </a:rPr>
-              <a:t>Quarks: A Secure and </a:t>
+              <a:t>User </a:t>
             </a:r>
             <a:r>
               <a:rPr lang="en-US" sz="2400" dirty="0" smtClean="0">
                 <a:latin typeface="Times New Roman" panose="02020603050405020304" pitchFamily="18" charset="0"/>
                 <a:cs typeface="Times New Roman" panose="02020603050405020304" pitchFamily="18" charset="0"/>
               </a:rPr>
-              <a:t>Decentralized Block-chain Based </a:t>
-            </a:r>
+              <a:t>Authentication:</a:t>
+            </a:r>
+          </a:p>
+          <a:p>
+            <a:pPr algn="just">
+              <a:lnSpc>
+                <a:spcPct val="150000"/>
+              </a:lnSpc>
+            </a:pPr>
             <a:r>
               <a:rPr lang="en-US" sz="2400" dirty="0">
                 <a:latin typeface="Times New Roman" panose="02020603050405020304" pitchFamily="18" charset="0"/>
                 <a:cs typeface="Times New Roman" panose="02020603050405020304" pitchFamily="18" charset="0"/>
               </a:rPr>
-              <a:t>Messaging Network</a:t>
+              <a:t>	</a:t>
+            </a:r>
+            <a:r>
+              <a:rPr lang="en-US" sz="2400" dirty="0" smtClean="0">
+                <a:latin typeface="Times New Roman" panose="02020603050405020304" pitchFamily="18" charset="0"/>
+                <a:cs typeface="Times New Roman" panose="02020603050405020304" pitchFamily="18" charset="0"/>
+              </a:rPr>
+              <a:t>Commonly</a:t>
+            </a:r>
+            <a:r>
+              <a:rPr lang="en-US" sz="2400" dirty="0">
+                <a:latin typeface="Times New Roman" panose="02020603050405020304" pitchFamily="18" charset="0"/>
+                <a:cs typeface="Times New Roman" panose="02020603050405020304" pitchFamily="18" charset="0"/>
+              </a:rPr>
+              <a:t>, user authentication relies on usernames and </a:t>
+            </a:r>
+            <a:r>
+              <a:rPr lang="en-US" sz="2400" dirty="0" smtClean="0">
+                <a:latin typeface="Times New Roman" panose="02020603050405020304" pitchFamily="18" charset="0"/>
+                <a:cs typeface="Times New Roman" panose="02020603050405020304" pitchFamily="18" charset="0"/>
+              </a:rPr>
+              <a:t>passwords.</a:t>
+            </a:r>
+          </a:p>
+          <a:p>
+            <a:pPr algn="just">
+              <a:lnSpc>
+                <a:spcPct val="150000"/>
+              </a:lnSpc>
+            </a:pPr>
+            <a:r>
+              <a:rPr lang="en-US" sz="2400" dirty="0">
+                <a:latin typeface="Times New Roman" panose="02020603050405020304" pitchFamily="18" charset="0"/>
+                <a:cs typeface="Times New Roman" panose="02020603050405020304" pitchFamily="18" charset="0"/>
+              </a:rPr>
+              <a:t>	</a:t>
+            </a:r>
+            <a:r>
+              <a:rPr lang="en-US" sz="2400" dirty="0" smtClean="0">
+                <a:latin typeface="Times New Roman" panose="02020603050405020304" pitchFamily="18" charset="0"/>
+                <a:cs typeface="Times New Roman" panose="02020603050405020304" pitchFamily="18" charset="0"/>
+              </a:rPr>
+              <a:t>Centralized </a:t>
+            </a:r>
+            <a:r>
+              <a:rPr lang="en-US" sz="2400" dirty="0">
+                <a:latin typeface="Times New Roman" panose="02020603050405020304" pitchFamily="18" charset="0"/>
+                <a:cs typeface="Times New Roman" panose="02020603050405020304" pitchFamily="18" charset="0"/>
+              </a:rPr>
+              <a:t>authentication systems may pose risks if compromised.</a:t>
             </a:r>
           </a:p>
           <a:p>
@@ -9882,134 +9964,67 @@
               <a:buChar char="v"/>
             </a:pPr>
             <a:r>
-              <a:rPr lang="en-IN" sz="2400" dirty="0" smtClean="0">
-                <a:latin typeface="Times New Roman" panose="02020603050405020304" pitchFamily="18" charset="0"/>
-                <a:cs typeface="Times New Roman" panose="02020603050405020304" pitchFamily="18" charset="0"/>
-              </a:rPr>
-              <a:t>[2]. </a:t>
-            </a:r>
-            <a:r>
-              <a:rPr lang="en-IN" sz="2400" dirty="0">
-                <a:latin typeface="Times New Roman" panose="02020603050405020304" pitchFamily="18" charset="0"/>
-                <a:cs typeface="Times New Roman" panose="02020603050405020304" pitchFamily="18" charset="0"/>
-              </a:rPr>
-              <a:t>Samira </a:t>
-            </a:r>
-            <a:r>
-              <a:rPr lang="en-IN" sz="2400" dirty="0" err="1">
-                <a:latin typeface="Times New Roman" panose="02020603050405020304" pitchFamily="18" charset="0"/>
-                <a:cs typeface="Times New Roman" panose="02020603050405020304" pitchFamily="18" charset="0"/>
-              </a:rPr>
-              <a:t>Prabhune</a:t>
-            </a:r>
-            <a:r>
-              <a:rPr lang="en-IN" sz="2400" dirty="0">
-                <a:latin typeface="Times New Roman" panose="02020603050405020304" pitchFamily="18" charset="0"/>
-                <a:cs typeface="Times New Roman" panose="02020603050405020304" pitchFamily="18" charset="0"/>
-              </a:rPr>
-              <a:t>, </a:t>
-            </a:r>
-            <a:r>
-              <a:rPr lang="en-IN" sz="2400" dirty="0" err="1">
-                <a:latin typeface="Times New Roman" panose="02020603050405020304" pitchFamily="18" charset="0"/>
-                <a:cs typeface="Times New Roman" panose="02020603050405020304" pitchFamily="18" charset="0"/>
-              </a:rPr>
-              <a:t>Sonal</a:t>
-            </a:r>
-            <a:r>
-              <a:rPr lang="en-IN" sz="2400" dirty="0">
-                <a:latin typeface="Times New Roman" panose="02020603050405020304" pitchFamily="18" charset="0"/>
-                <a:cs typeface="Times New Roman" panose="02020603050405020304" pitchFamily="18" charset="0"/>
-              </a:rPr>
-              <a:t> Sharma. IEEE (</a:t>
-            </a:r>
-            <a:r>
-              <a:rPr lang="en-IN" sz="2400" dirty="0">
-                <a:latin typeface="Times New Roman" panose="02020603050405020304" pitchFamily="18" charset="0"/>
-                <a:cs typeface="Times New Roman" panose="02020603050405020304" pitchFamily="18" charset="0"/>
-                <a:hlinkClick r:id="rId3"/>
-              </a:rPr>
-              <a:t>9725597</a:t>
-            </a:r>
-            <a:r>
-              <a:rPr lang="en-IN" sz="2400" dirty="0">
-                <a:latin typeface="Times New Roman" panose="02020603050405020304" pitchFamily="18" charset="0"/>
-                <a:cs typeface="Times New Roman" panose="02020603050405020304" pitchFamily="18" charset="0"/>
-              </a:rPr>
-              <a:t>). </a:t>
+              <a:rPr lang="en-US" sz="2400" dirty="0">
+                <a:latin typeface="Times New Roman" panose="02020603050405020304" pitchFamily="18" charset="0"/>
+                <a:cs typeface="Times New Roman" panose="02020603050405020304" pitchFamily="18" charset="0"/>
+              </a:rPr>
+              <a:t>Centralized </a:t>
             </a:r>
             <a:r>
               <a:rPr lang="en-US" sz="2400" dirty="0" smtClean="0">
                 <a:latin typeface="Times New Roman" panose="02020603050405020304" pitchFamily="18" charset="0"/>
                 <a:cs typeface="Times New Roman" panose="02020603050405020304" pitchFamily="18" charset="0"/>
               </a:rPr>
-              <a:t>End-to-End </a:t>
-            </a:r>
-            <a:r>
-              <a:rPr lang="en-US" sz="2400" dirty="0">
-                <a:latin typeface="Times New Roman" panose="02020603050405020304" pitchFamily="18" charset="0"/>
-                <a:cs typeface="Times New Roman" panose="02020603050405020304" pitchFamily="18" charset="0"/>
-              </a:rPr>
-              <a:t>Encryption for Chat App with Dynamic Encryption Key</a:t>
-            </a:r>
-          </a:p>
-          <a:p>
-            <a:pPr marL="285750" indent="-285750" algn="just">
+              <a:t>Server:</a:t>
+            </a:r>
+          </a:p>
+          <a:p>
+            <a:pPr lvl="1" algn="just">
               <a:lnSpc>
                 <a:spcPct val="150000"/>
               </a:lnSpc>
-              <a:buFont typeface="Wingdings" panose="05000000000000000000" pitchFamily="2" charset="2"/>
-              <a:buChar char="v"/>
             </a:pPr>
             <a:r>
-              <a:rPr lang="en-IN" sz="2400" dirty="0" smtClean="0">
-                <a:latin typeface="Times New Roman" panose="02020603050405020304" pitchFamily="18" charset="0"/>
-                <a:cs typeface="Times New Roman" panose="02020603050405020304" pitchFamily="18" charset="0"/>
-              </a:rPr>
-              <a:t>[3]. </a:t>
-            </a:r>
-            <a:r>
-              <a:rPr lang="sv-SE" sz="2400" dirty="0">
-                <a:latin typeface="Times New Roman" panose="02020603050405020304" pitchFamily="18" charset="0"/>
-                <a:cs typeface="Times New Roman" panose="02020603050405020304" pitchFamily="18" charset="0"/>
-              </a:rPr>
-              <a:t>Ammar Hammad Ali, Ali Makki Sagheer</a:t>
-            </a:r>
-            <a:r>
-              <a:rPr lang="en-IN" sz="2400" dirty="0">
-                <a:latin typeface="Times New Roman" panose="02020603050405020304" pitchFamily="18" charset="0"/>
-                <a:cs typeface="Times New Roman" panose="02020603050405020304" pitchFamily="18" charset="0"/>
-              </a:rPr>
-              <a:t>. IASJ (</a:t>
-            </a:r>
-            <a:r>
-              <a:rPr lang="en-IN" sz="2400" dirty="0">
-                <a:latin typeface="Times New Roman" panose="02020603050405020304" pitchFamily="18" charset="0"/>
-                <a:cs typeface="Times New Roman" panose="02020603050405020304" pitchFamily="18" charset="0"/>
-                <a:hlinkClick r:id="rId4"/>
-              </a:rPr>
-              <a:t>doi:10.25195/2017/4315</a:t>
-            </a:r>
-            <a:r>
-              <a:rPr lang="en-IN" sz="2400" dirty="0">
-                <a:latin typeface="Times New Roman" panose="02020603050405020304" pitchFamily="18" charset="0"/>
-                <a:cs typeface="Times New Roman" panose="02020603050405020304" pitchFamily="18" charset="0"/>
-              </a:rPr>
-              <a:t>) Vol.[43] Issue[1] 2017. </a:t>
+              <a:rPr lang="en-US" sz="2400" dirty="0" smtClean="0">
+                <a:latin typeface="Times New Roman" panose="02020603050405020304" pitchFamily="18" charset="0"/>
+                <a:cs typeface="Times New Roman" panose="02020603050405020304" pitchFamily="18" charset="0"/>
+              </a:rPr>
+              <a:t>Most </a:t>
             </a:r>
             <a:r>
               <a:rPr lang="en-US" sz="2400" dirty="0">
                 <a:latin typeface="Times New Roman" panose="02020603050405020304" pitchFamily="18" charset="0"/>
                 <a:cs typeface="Times New Roman" panose="02020603050405020304" pitchFamily="18" charset="0"/>
               </a:rPr>
-              <a:t>Design of Secure Chatting Application with End to End Encryption for Android </a:t>
-            </a:r>
+              <a:t>chat applications use a centralized server architecture.</a:t>
+            </a:r>
+          </a:p>
+          <a:p>
+            <a:pPr algn="just">
+              <a:lnSpc>
+                <a:spcPct val="150000"/>
+              </a:lnSpc>
+            </a:pPr>
             <a:r>
               <a:rPr lang="en-US" sz="2400" dirty="0" smtClean="0">
                 <a:latin typeface="Times New Roman" panose="02020603050405020304" pitchFamily="18" charset="0"/>
                 <a:cs typeface="Times New Roman" panose="02020603050405020304" pitchFamily="18" charset="0"/>
               </a:rPr>
-              <a:t>Platform</a:t>
+              <a:t>	This </a:t>
+            </a:r>
+            <a:r>
+              <a:rPr lang="en-US" sz="2400" dirty="0">
+                <a:latin typeface="Times New Roman" panose="02020603050405020304" pitchFamily="18" charset="0"/>
+                <a:cs typeface="Times New Roman" panose="02020603050405020304" pitchFamily="18" charset="0"/>
+              </a:rPr>
+              <a:t>introduces a single point of failure and potential security concerns</a:t>
+            </a:r>
+            <a:r>
+              <a:rPr lang="en-US" sz="2400" dirty="0" smtClean="0">
+                <a:latin typeface="Times New Roman" panose="02020603050405020304" pitchFamily="18" charset="0"/>
+                <a:cs typeface="Times New Roman" panose="02020603050405020304" pitchFamily="18" charset="0"/>
+              </a:rPr>
+              <a:t>.</a:t>
             </a:r>
             <a:endParaRPr lang="en-US" sz="2400" dirty="0">
               <a:latin typeface="Times New Roman" panose="02020603050405020304" pitchFamily="18" charset="0"/>
@@ -10107,8 +10122,8 @@
         </p:nvSpPr>
         <p:spPr>
           <a:xfrm>
-            <a:off x="649432" y="1508766"/>
-            <a:ext cx="10893136" cy="4524315"/>
+            <a:off x="649432" y="582361"/>
+            <a:ext cx="10893136" cy="6186309"/>
           </a:xfrm>
           <a:prstGeom prst="rect">
             <a:avLst/>
@@ -10129,62 +10144,76 @@
               <a:buChar char="v"/>
             </a:pPr>
             <a:r>
-              <a:rPr lang="en-IN" sz="2400" dirty="0">
-                <a:latin typeface="Times New Roman" panose="02020603050405020304" pitchFamily="18" charset="0"/>
-                <a:cs typeface="Times New Roman" panose="02020603050405020304" pitchFamily="18" charset="0"/>
-              </a:rPr>
-              <a:t>[1]. Mirza K. B. Shuhan1, Tariqul Islam2. </a:t>
-            </a:r>
-            <a:r>
-              <a:rPr lang="en-IN" sz="2400" dirty="0" smtClean="0">
-                <a:latin typeface="Times New Roman" panose="02020603050405020304" pitchFamily="18" charset="0"/>
-                <a:cs typeface="Times New Roman" panose="02020603050405020304" pitchFamily="18" charset="0"/>
-              </a:rPr>
-              <a:t>IEEE (</a:t>
-            </a:r>
-            <a:r>
-              <a:rPr lang="en-IN" sz="2400" dirty="0" smtClean="0">
-                <a:latin typeface="Times New Roman" panose="02020603050405020304" pitchFamily="18" charset="0"/>
-                <a:cs typeface="Times New Roman" panose="02020603050405020304" pitchFamily="18" charset="0"/>
-                <a:hlinkClick r:id="rId2"/>
-              </a:rPr>
-              <a:t>arXiv:2308.04452v1</a:t>
-            </a:r>
-            <a:r>
-              <a:rPr lang="en-IN" sz="2400" dirty="0" smtClean="0">
-                <a:latin typeface="Times New Roman" panose="02020603050405020304" pitchFamily="18" charset="0"/>
-                <a:cs typeface="Times New Roman" panose="02020603050405020304" pitchFamily="18" charset="0"/>
-              </a:rPr>
-              <a:t>) </a:t>
-            </a:r>
-            <a:r>
-              <a:rPr lang="en-IN" sz="2400" dirty="0">
-                <a:latin typeface="Times New Roman" panose="02020603050405020304" pitchFamily="18" charset="0"/>
-                <a:cs typeface="Times New Roman" panose="02020603050405020304" pitchFamily="18" charset="0"/>
-              </a:rPr>
-              <a:t>[cs.CR] 5 Aug 2023. </a:t>
-            </a:r>
-            <a:r>
               <a:rPr lang="en-US" sz="2400" dirty="0">
                 <a:latin typeface="Times New Roman" panose="02020603050405020304" pitchFamily="18" charset="0"/>
                 <a:cs typeface="Times New Roman" panose="02020603050405020304" pitchFamily="18" charset="0"/>
               </a:rPr>
-              <a:t>Quarks: A Secure and </a:t>
+              <a:t>End-to-End Encryption</a:t>
             </a:r>
             <a:r>
               <a:rPr lang="en-US" sz="2400" dirty="0" smtClean="0">
                 <a:latin typeface="Times New Roman" panose="02020603050405020304" pitchFamily="18" charset="0"/>
                 <a:cs typeface="Times New Roman" panose="02020603050405020304" pitchFamily="18" charset="0"/>
               </a:rPr>
-              <a:t>Decentralized Block-chain Based </a:t>
+              <a:t>:</a:t>
+            </a:r>
+            <a:endParaRPr lang="en-US" sz="2400" dirty="0">
+              <a:latin typeface="Times New Roman" panose="02020603050405020304" pitchFamily="18" charset="0"/>
+              <a:cs typeface="Times New Roman" panose="02020603050405020304" pitchFamily="18" charset="0"/>
+            </a:endParaRPr>
+          </a:p>
+          <a:p>
+            <a:pPr algn="just">
+              <a:lnSpc>
+                <a:spcPct val="150000"/>
+              </a:lnSpc>
+            </a:pPr>
+            <a:r>
+              <a:rPr lang="en-US" sz="2400" dirty="0" smtClean="0">
+                <a:latin typeface="Times New Roman" panose="02020603050405020304" pitchFamily="18" charset="0"/>
+                <a:cs typeface="Times New Roman" panose="02020603050405020304" pitchFamily="18" charset="0"/>
+              </a:rPr>
+              <a:t>	Implements </a:t>
             </a:r>
             <a:r>
               <a:rPr lang="en-US" sz="2400" dirty="0">
                 <a:latin typeface="Times New Roman" panose="02020603050405020304" pitchFamily="18" charset="0"/>
                 <a:cs typeface="Times New Roman" panose="02020603050405020304" pitchFamily="18" charset="0"/>
               </a:rPr>
-              <a:t>Messaging Network</a:t>
-            </a:r>
+              <a:t>robust end-to-end encryption algorithms for secure communication.</a:t>
+            </a:r>
+          </a:p>
+          <a:p>
+            <a:pPr algn="just">
+              <a:lnSpc>
+                <a:spcPct val="150000"/>
+              </a:lnSpc>
+            </a:pPr>
+            <a:r>
+              <a:rPr lang="en-US" sz="2400" dirty="0" smtClean="0">
+                <a:latin typeface="Times New Roman" panose="02020603050405020304" pitchFamily="18" charset="0"/>
+                <a:cs typeface="Times New Roman" panose="02020603050405020304" pitchFamily="18" charset="0"/>
+              </a:rPr>
+              <a:t>	Ensures </a:t>
+            </a:r>
+            <a:r>
+              <a:rPr lang="en-US" sz="2400" dirty="0">
+                <a:latin typeface="Times New Roman" panose="02020603050405020304" pitchFamily="18" charset="0"/>
+                <a:cs typeface="Times New Roman" panose="02020603050405020304" pitchFamily="18" charset="0"/>
+              </a:rPr>
+              <a:t>that only the intended recipients can decrypt and access messages</a:t>
+            </a:r>
+            <a:r>
+              <a:rPr lang="en-US" sz="2400" dirty="0" smtClean="0">
+                <a:latin typeface="Times New Roman" panose="02020603050405020304" pitchFamily="18" charset="0"/>
+                <a:cs typeface="Times New Roman" panose="02020603050405020304" pitchFamily="18" charset="0"/>
+              </a:rPr>
+              <a:t>.</a:t>
+            </a:r>
+            <a:endParaRPr lang="en-US" sz="2400" dirty="0">
+              <a:latin typeface="Times New Roman" panose="02020603050405020304" pitchFamily="18" charset="0"/>
+              <a:cs typeface="Times New Roman" panose="02020603050405020304" pitchFamily="18" charset="0"/>
+            </a:endParaRPr>
           </a:p>
           <a:p>
             <a:pPr marL="285750" indent="-285750" algn="just">
@@ -10195,76 +10224,111 @@
               <a:buChar char="v"/>
             </a:pPr>
             <a:r>
-              <a:rPr lang="en-IN" sz="2400" dirty="0" smtClean="0">
-                <a:latin typeface="Times New Roman" panose="02020603050405020304" pitchFamily="18" charset="0"/>
-                <a:cs typeface="Times New Roman" panose="02020603050405020304" pitchFamily="18" charset="0"/>
-              </a:rPr>
-              <a:t>[2]. </a:t>
-            </a:r>
-            <a:r>
-              <a:rPr lang="en-IN" sz="2400" dirty="0">
-                <a:latin typeface="Times New Roman" panose="02020603050405020304" pitchFamily="18" charset="0"/>
-                <a:cs typeface="Times New Roman" panose="02020603050405020304" pitchFamily="18" charset="0"/>
-              </a:rPr>
-              <a:t>Samira </a:t>
-            </a:r>
-            <a:r>
-              <a:rPr lang="en-IN" sz="2400" dirty="0" err="1">
-                <a:latin typeface="Times New Roman" panose="02020603050405020304" pitchFamily="18" charset="0"/>
-                <a:cs typeface="Times New Roman" panose="02020603050405020304" pitchFamily="18" charset="0"/>
-              </a:rPr>
-              <a:t>Prabhune</a:t>
-            </a:r>
-            <a:r>
-              <a:rPr lang="en-IN" sz="2400" dirty="0">
-                <a:latin typeface="Times New Roman" panose="02020603050405020304" pitchFamily="18" charset="0"/>
-                <a:cs typeface="Times New Roman" panose="02020603050405020304" pitchFamily="18" charset="0"/>
-              </a:rPr>
-              <a:t>, </a:t>
-            </a:r>
-            <a:r>
-              <a:rPr lang="en-IN" sz="2400" dirty="0" err="1">
-                <a:latin typeface="Times New Roman" panose="02020603050405020304" pitchFamily="18" charset="0"/>
-                <a:cs typeface="Times New Roman" panose="02020603050405020304" pitchFamily="18" charset="0"/>
-              </a:rPr>
-              <a:t>Sonal</a:t>
-            </a:r>
-            <a:r>
-              <a:rPr lang="en-IN" sz="2400" dirty="0">
-                <a:latin typeface="Times New Roman" panose="02020603050405020304" pitchFamily="18" charset="0"/>
-                <a:cs typeface="Times New Roman" panose="02020603050405020304" pitchFamily="18" charset="0"/>
-              </a:rPr>
-              <a:t> Sharma. IEEE (</a:t>
-            </a:r>
-            <a:r>
-              <a:rPr lang="en-IN" sz="2400" dirty="0">
-                <a:latin typeface="Times New Roman" panose="02020603050405020304" pitchFamily="18" charset="0"/>
-                <a:cs typeface="Times New Roman" panose="02020603050405020304" pitchFamily="18" charset="0"/>
-                <a:hlinkClick r:id="rId3"/>
-              </a:rPr>
-              <a:t>9725597</a:t>
-            </a:r>
-            <a:r>
-              <a:rPr lang="en-IN" sz="2400" dirty="0">
-                <a:latin typeface="Times New Roman" panose="02020603050405020304" pitchFamily="18" charset="0"/>
-                <a:cs typeface="Times New Roman" panose="02020603050405020304" pitchFamily="18" charset="0"/>
-              </a:rPr>
-              <a:t>). </a:t>
-            </a:r>
-            <a:r>
               <a:rPr lang="en-US" sz="2400" dirty="0" smtClean="0">
                 <a:latin typeface="Times New Roman" panose="02020603050405020304" pitchFamily="18" charset="0"/>
                 <a:cs typeface="Times New Roman" panose="02020603050405020304" pitchFamily="18" charset="0"/>
               </a:rPr>
-              <a:t>End-to-End </a:t>
+              <a:t>Block-chain </a:t>
             </a:r>
             <a:r>
               <a:rPr lang="en-US" sz="2400" dirty="0">
                 <a:latin typeface="Times New Roman" panose="02020603050405020304" pitchFamily="18" charset="0"/>
                 <a:cs typeface="Times New Roman" panose="02020603050405020304" pitchFamily="18" charset="0"/>
               </a:rPr>
-              <a:t>Encryption for Chat App with Dynamic Encryption Key</a:t>
-            </a:r>
+              <a:t>Authentication</a:t>
+            </a:r>
+            <a:r>
+              <a:rPr lang="en-US" sz="2400" dirty="0" smtClean="0">
+                <a:latin typeface="Times New Roman" panose="02020603050405020304" pitchFamily="18" charset="0"/>
+                <a:cs typeface="Times New Roman" panose="02020603050405020304" pitchFamily="18" charset="0"/>
+              </a:rPr>
+              <a:t>:</a:t>
+            </a:r>
+            <a:endParaRPr lang="en-US" sz="2400" dirty="0">
+              <a:latin typeface="Times New Roman" panose="02020603050405020304" pitchFamily="18" charset="0"/>
+              <a:cs typeface="Times New Roman" panose="02020603050405020304" pitchFamily="18" charset="0"/>
+            </a:endParaRPr>
+          </a:p>
+          <a:p>
+            <a:pPr algn="just">
+              <a:lnSpc>
+                <a:spcPct val="150000"/>
+              </a:lnSpc>
+            </a:pPr>
+            <a:r>
+              <a:rPr lang="en-US" sz="2400" dirty="0" smtClean="0">
+                <a:latin typeface="Times New Roman" panose="02020603050405020304" pitchFamily="18" charset="0"/>
+                <a:cs typeface="Times New Roman" panose="02020603050405020304" pitchFamily="18" charset="0"/>
+              </a:rPr>
+              <a:t>	Leverages block-chain </a:t>
+            </a:r>
+            <a:r>
+              <a:rPr lang="en-US" sz="2400" dirty="0">
+                <a:latin typeface="Times New Roman" panose="02020603050405020304" pitchFamily="18" charset="0"/>
+                <a:cs typeface="Times New Roman" panose="02020603050405020304" pitchFamily="18" charset="0"/>
+              </a:rPr>
+              <a:t>for user authentication.</a:t>
+            </a:r>
+          </a:p>
+          <a:p>
+            <a:pPr algn="just">
+              <a:lnSpc>
+                <a:spcPct val="150000"/>
+              </a:lnSpc>
+            </a:pPr>
+            <a:r>
+              <a:rPr lang="en-US" sz="2400" dirty="0" smtClean="0">
+                <a:latin typeface="Times New Roman" panose="02020603050405020304" pitchFamily="18" charset="0"/>
+                <a:cs typeface="Times New Roman" panose="02020603050405020304" pitchFamily="18" charset="0"/>
+              </a:rPr>
+              <a:t>	Each </a:t>
+            </a:r>
+            <a:r>
+              <a:rPr lang="en-US" sz="2400" dirty="0">
+                <a:latin typeface="Times New Roman" panose="02020603050405020304" pitchFamily="18" charset="0"/>
+                <a:cs typeface="Times New Roman" panose="02020603050405020304" pitchFamily="18" charset="0"/>
+              </a:rPr>
+              <a:t>user has a unique identifier on the </a:t>
+            </a:r>
+            <a:r>
+              <a:rPr lang="en-US" sz="2400" dirty="0" smtClean="0">
+                <a:latin typeface="Times New Roman" panose="02020603050405020304" pitchFamily="18" charset="0"/>
+                <a:cs typeface="Times New Roman" panose="02020603050405020304" pitchFamily="18" charset="0"/>
+              </a:rPr>
+              <a:t>block-chain</a:t>
+            </a:r>
+            <a:r>
+              <a:rPr lang="en-US" sz="2400" dirty="0">
+                <a:latin typeface="Times New Roman" panose="02020603050405020304" pitchFamily="18" charset="0"/>
+                <a:cs typeface="Times New Roman" panose="02020603050405020304" pitchFamily="18" charset="0"/>
+              </a:rPr>
+              <a:t>, enhancing security and </a:t>
+            </a:r>
+            <a:r>
+              <a:rPr lang="en-US" sz="2400" dirty="0" smtClean="0">
+                <a:latin typeface="Times New Roman" panose="02020603050405020304" pitchFamily="18" charset="0"/>
+                <a:cs typeface="Times New Roman" panose="02020603050405020304" pitchFamily="18" charset="0"/>
+              </a:rPr>
+              <a:t>	decentralizing </a:t>
+            </a:r>
+            <a:r>
+              <a:rPr lang="en-US" sz="2400" dirty="0">
+                <a:latin typeface="Times New Roman" panose="02020603050405020304" pitchFamily="18" charset="0"/>
+                <a:cs typeface="Times New Roman" panose="02020603050405020304" pitchFamily="18" charset="0"/>
+              </a:rPr>
+              <a:t>user management</a:t>
+            </a:r>
+            <a:r>
+              <a:rPr lang="en-US" sz="2400" dirty="0" smtClean="0">
+                <a:latin typeface="Times New Roman" panose="02020603050405020304" pitchFamily="18" charset="0"/>
+                <a:cs typeface="Times New Roman" panose="02020603050405020304" pitchFamily="18" charset="0"/>
+              </a:rPr>
+              <a:t>.</a:t>
+            </a:r>
+            <a:endParaRPr lang="en-US" sz="2400" dirty="0">
+              <a:latin typeface="Times New Roman" panose="02020603050405020304" pitchFamily="18" charset="0"/>
+              <a:cs typeface="Times New Roman" panose="02020603050405020304" pitchFamily="18" charset="0"/>
+            </a:endParaRPr>
           </a:p>
           <a:p>
             <a:pPr marL="285750" indent="-285750" algn="just">
@@ -10275,54 +10339,78 @@
               <a:buChar char="v"/>
             </a:pPr>
             <a:r>
-              <a:rPr lang="en-IN" sz="2400" dirty="0" smtClean="0">
-                <a:latin typeface="Times New Roman" panose="02020603050405020304" pitchFamily="18" charset="0"/>
-                <a:cs typeface="Times New Roman" panose="02020603050405020304" pitchFamily="18" charset="0"/>
-              </a:rPr>
-              <a:t>[3]. </a:t>
-            </a:r>
-            <a:r>
-              <a:rPr lang="sv-SE" sz="2400" dirty="0">
-                <a:latin typeface="Times New Roman" panose="02020603050405020304" pitchFamily="18" charset="0"/>
-                <a:cs typeface="Times New Roman" panose="02020603050405020304" pitchFamily="18" charset="0"/>
-              </a:rPr>
-              <a:t>Ammar Hammad Ali, Ali Makki Sagheer</a:t>
-            </a:r>
-            <a:r>
-              <a:rPr lang="en-IN" sz="2400" dirty="0">
-                <a:latin typeface="Times New Roman" panose="02020603050405020304" pitchFamily="18" charset="0"/>
-                <a:cs typeface="Times New Roman" panose="02020603050405020304" pitchFamily="18" charset="0"/>
-              </a:rPr>
-              <a:t>. IASJ (</a:t>
-            </a:r>
-            <a:r>
-              <a:rPr lang="en-IN" sz="2400" dirty="0">
-                <a:latin typeface="Times New Roman" panose="02020603050405020304" pitchFamily="18" charset="0"/>
-                <a:cs typeface="Times New Roman" panose="02020603050405020304" pitchFamily="18" charset="0"/>
-                <a:hlinkClick r:id="rId4"/>
-              </a:rPr>
-              <a:t>doi:10.25195/2017/4315</a:t>
-            </a:r>
-            <a:r>
-              <a:rPr lang="en-IN" sz="2400" dirty="0">
-                <a:latin typeface="Times New Roman" panose="02020603050405020304" pitchFamily="18" charset="0"/>
-                <a:cs typeface="Times New Roman" panose="02020603050405020304" pitchFamily="18" charset="0"/>
-              </a:rPr>
-              <a:t>) Vol.[43] Issue[1] 2017. </a:t>
-            </a:r>
-            <a:r>
               <a:rPr lang="en-US" sz="2400" dirty="0">
                 <a:latin typeface="Times New Roman" panose="02020603050405020304" pitchFamily="18" charset="0"/>
                 <a:cs typeface="Times New Roman" panose="02020603050405020304" pitchFamily="18" charset="0"/>
               </a:rPr>
-              <a:t>Design of Secure Chatting Application with End to End Encryption for Android </a:t>
+              <a:t>Decentralized Message Integrity</a:t>
             </a:r>
             <a:r>
               <a:rPr lang="en-US" sz="2400" dirty="0" smtClean="0">
                 <a:latin typeface="Times New Roman" panose="02020603050405020304" pitchFamily="18" charset="0"/>
                 <a:cs typeface="Times New Roman" panose="02020603050405020304" pitchFamily="18" charset="0"/>
               </a:rPr>
-              <a:t>Platform</a:t>
+              <a:t>:</a:t>
+            </a:r>
+            <a:endParaRPr lang="en-US" sz="2400" dirty="0">
+              <a:latin typeface="Times New Roman" panose="02020603050405020304" pitchFamily="18" charset="0"/>
+              <a:cs typeface="Times New Roman" panose="02020603050405020304" pitchFamily="18" charset="0"/>
+            </a:endParaRPr>
+          </a:p>
+          <a:p>
+            <a:pPr algn="just">
+              <a:lnSpc>
+                <a:spcPct val="150000"/>
+              </a:lnSpc>
+            </a:pPr>
+            <a:r>
+              <a:rPr lang="en-US" sz="2400" dirty="0" smtClean="0">
+                <a:latin typeface="Times New Roman" panose="02020603050405020304" pitchFamily="18" charset="0"/>
+                <a:cs typeface="Times New Roman" panose="02020603050405020304" pitchFamily="18" charset="0"/>
+              </a:rPr>
+              <a:t>	Uses block-chain </a:t>
+            </a:r>
+            <a:r>
+              <a:rPr lang="en-US" sz="2400" dirty="0">
+                <a:latin typeface="Times New Roman" panose="02020603050405020304" pitchFamily="18" charset="0"/>
+                <a:cs typeface="Times New Roman" panose="02020603050405020304" pitchFamily="18" charset="0"/>
+              </a:rPr>
+              <a:t>as a distributed ledger for storing message metadata.</a:t>
+            </a:r>
+          </a:p>
+          <a:p>
+            <a:pPr algn="just">
+              <a:lnSpc>
+                <a:spcPct val="150000"/>
+              </a:lnSpc>
+            </a:pPr>
+            <a:r>
+              <a:rPr lang="en-US" sz="2400" dirty="0" smtClean="0">
+                <a:latin typeface="Times New Roman" panose="02020603050405020304" pitchFamily="18" charset="0"/>
+                <a:cs typeface="Times New Roman" panose="02020603050405020304" pitchFamily="18" charset="0"/>
+              </a:rPr>
+              <a:t>	Ensures </a:t>
+            </a:r>
+            <a:r>
+              <a:rPr lang="en-US" sz="2400" dirty="0">
+                <a:latin typeface="Times New Roman" panose="02020603050405020304" pitchFamily="18" charset="0"/>
+                <a:cs typeface="Times New Roman" panose="02020603050405020304" pitchFamily="18" charset="0"/>
+              </a:rPr>
+              <a:t>the integrity and tamper-resistance of messages with timestamping on the </a:t>
+            </a:r>
+            <a:r>
+              <a:rPr lang="en-US" sz="2400" dirty="0" smtClean="0">
+                <a:latin typeface="Times New Roman" panose="02020603050405020304" pitchFamily="18" charset="0"/>
+                <a:cs typeface="Times New Roman" panose="02020603050405020304" pitchFamily="18" charset="0"/>
+              </a:rPr>
+              <a:t>	block-chain</a:t>
+            </a:r>
+            <a:r>
+              <a:rPr lang="en-US" sz="2400" dirty="0">
+                <a:latin typeface="Times New Roman" panose="02020603050405020304" pitchFamily="18" charset="0"/>
+                <a:cs typeface="Times New Roman" panose="02020603050405020304" pitchFamily="18" charset="0"/>
+              </a:rPr>
+              <a:t>.</a:t>
             </a:r>
             <a:endParaRPr lang="en-US" sz="2400" dirty="0">
               <a:latin typeface="Times New Roman" panose="02020603050405020304" pitchFamily="18" charset="0"/>

--- a/DOCS/First Review.pptx
+++ b/DOCS/First Review.pptx
@@ -5,7 +5,7 @@
     <p:sldMasterId id="2147483648" r:id="rId1"/>
   </p:sldMasterIdLst>
   <p:notesMasterIdLst>
-    <p:notesMasterId r:id="rId13"/>
+    <p:notesMasterId r:id="rId16"/>
   </p:notesMasterIdLst>
   <p:sldIdLst>
     <p:sldId id="256" r:id="rId2"/>
@@ -13,12 +13,15 @@
     <p:sldId id="257" r:id="rId4"/>
     <p:sldId id="258" r:id="rId5"/>
     <p:sldId id="271" r:id="rId6"/>
-    <p:sldId id="274" r:id="rId7"/>
-    <p:sldId id="275" r:id="rId8"/>
-    <p:sldId id="272" r:id="rId9"/>
-    <p:sldId id="273" r:id="rId10"/>
-    <p:sldId id="259" r:id="rId11"/>
-    <p:sldId id="269" r:id="rId12"/>
+    <p:sldId id="276" r:id="rId7"/>
+    <p:sldId id="277" r:id="rId8"/>
+    <p:sldId id="278" r:id="rId9"/>
+    <p:sldId id="279" r:id="rId10"/>
+    <p:sldId id="280" r:id="rId11"/>
+    <p:sldId id="272" r:id="rId12"/>
+    <p:sldId id="273" r:id="rId13"/>
+    <p:sldId id="259" r:id="rId14"/>
+    <p:sldId id="269" r:id="rId15"/>
   </p:sldIdLst>
   <p:sldSz cx="12192000" cy="6858000"/>
   <p:notesSz cx="6858000" cy="9144000"/>
@@ -131,8 +134,11 @@
         <p14:section name="Base Paper" id="{48C93048-1950-4A12-9794-B278798096F2}">
           <p14:sldIdLst>
             <p14:sldId id="271"/>
-            <p14:sldId id="274"/>
-            <p14:sldId id="275"/>
+            <p14:sldId id="276"/>
+            <p14:sldId id="277"/>
+            <p14:sldId id="278"/>
+            <p14:sldId id="279"/>
+            <p14:sldId id="280"/>
           </p14:sldIdLst>
         </p14:section>
         <p14:section name="System Comparation" id="{DF8C78B8-97F4-4A7B-8B6F-9DBF026753E1}">
@@ -246,7 +252,7 @@
             <a:fld id="{1BC5A6D6-678F-47D8-91DE-2A07AB82649C}" type="datetimeFigureOut">
               <a:rPr lang="en-US" smtClean="0"/>
               <a:pPr/>
-              <a:t>2/21/2024</a:t>
+              <a:t>3/14/2024</a:t>
             </a:fld>
             <a:endParaRPr lang="en-US"/>
           </a:p>
@@ -773,7 +779,7 @@
             <a:fld id="{CF705531-103C-4EA6-8A04-8B669A93EC46}" type="datetimeFigureOut">
               <a:rPr lang="en-US" smtClean="0"/>
               <a:pPr/>
-              <a:t>2/21/2024</a:t>
+              <a:t>3/14/2024</a:t>
             </a:fld>
             <a:endParaRPr lang="en-US"/>
           </a:p>
@@ -938,7 +944,7 @@
             <a:fld id="{CF705531-103C-4EA6-8A04-8B669A93EC46}" type="datetimeFigureOut">
               <a:rPr lang="en-US" smtClean="0"/>
               <a:pPr/>
-              <a:t>2/21/2024</a:t>
+              <a:t>3/14/2024</a:t>
             </a:fld>
             <a:endParaRPr lang="en-US"/>
           </a:p>
@@ -1113,7 +1119,7 @@
             <a:fld id="{CF705531-103C-4EA6-8A04-8B669A93EC46}" type="datetimeFigureOut">
               <a:rPr lang="en-US" smtClean="0"/>
               <a:pPr/>
-              <a:t>2/21/2024</a:t>
+              <a:t>3/14/2024</a:t>
             </a:fld>
             <a:endParaRPr lang="en-US"/>
           </a:p>
@@ -1278,7 +1284,7 @@
             <a:fld id="{CF705531-103C-4EA6-8A04-8B669A93EC46}" type="datetimeFigureOut">
               <a:rPr lang="en-US" smtClean="0"/>
               <a:pPr/>
-              <a:t>2/21/2024</a:t>
+              <a:t>3/14/2024</a:t>
             </a:fld>
             <a:endParaRPr lang="en-US"/>
           </a:p>
@@ -1520,7 +1526,7 @@
             <a:fld id="{CF705531-103C-4EA6-8A04-8B669A93EC46}" type="datetimeFigureOut">
               <a:rPr lang="en-US" smtClean="0"/>
               <a:pPr/>
-              <a:t>2/21/2024</a:t>
+              <a:t>3/14/2024</a:t>
             </a:fld>
             <a:endParaRPr lang="en-US"/>
           </a:p>
@@ -1802,7 +1808,7 @@
             <a:fld id="{CF705531-103C-4EA6-8A04-8B669A93EC46}" type="datetimeFigureOut">
               <a:rPr lang="en-US" smtClean="0"/>
               <a:pPr/>
-              <a:t>2/21/2024</a:t>
+              <a:t>3/14/2024</a:t>
             </a:fld>
             <a:endParaRPr lang="en-US"/>
           </a:p>
@@ -2223,7 +2229,7 @@
             <a:fld id="{CF705531-103C-4EA6-8A04-8B669A93EC46}" type="datetimeFigureOut">
               <a:rPr lang="en-US" smtClean="0"/>
               <a:pPr/>
-              <a:t>2/21/2024</a:t>
+              <a:t>3/14/2024</a:t>
             </a:fld>
             <a:endParaRPr lang="en-US"/>
           </a:p>
@@ -2337,7 +2343,7 @@
             <a:fld id="{CF705531-103C-4EA6-8A04-8B669A93EC46}" type="datetimeFigureOut">
               <a:rPr lang="en-US" smtClean="0"/>
               <a:pPr/>
-              <a:t>2/21/2024</a:t>
+              <a:t>3/14/2024</a:t>
             </a:fld>
             <a:endParaRPr lang="en-US"/>
           </a:p>
@@ -2429,7 +2435,7 @@
             <a:fld id="{CF705531-103C-4EA6-8A04-8B669A93EC46}" type="datetimeFigureOut">
               <a:rPr lang="en-US" smtClean="0"/>
               <a:pPr/>
-              <a:t>2/21/2024</a:t>
+              <a:t>3/14/2024</a:t>
             </a:fld>
             <a:endParaRPr lang="en-US"/>
           </a:p>
@@ -2701,7 +2707,7 @@
             <a:fld id="{CF705531-103C-4EA6-8A04-8B669A93EC46}" type="datetimeFigureOut">
               <a:rPr lang="en-US" smtClean="0"/>
               <a:pPr/>
-              <a:t>2/21/2024</a:t>
+              <a:t>3/14/2024</a:t>
             </a:fld>
             <a:endParaRPr lang="en-US"/>
           </a:p>
@@ -2950,7 +2956,7 @@
             <a:fld id="{CF705531-103C-4EA6-8A04-8B669A93EC46}" type="datetimeFigureOut">
               <a:rPr lang="en-US" smtClean="0"/>
               <a:pPr/>
-              <a:t>2/21/2024</a:t>
+              <a:t>3/14/2024</a:t>
             </a:fld>
             <a:endParaRPr lang="en-US"/>
           </a:p>
@@ -3158,7 +3164,7 @@
             <a:fld id="{CF705531-103C-4EA6-8A04-8B669A93EC46}" type="datetimeFigureOut">
               <a:rPr lang="en-US" smtClean="0"/>
               <a:pPr/>
-              <a:t>2/21/2024</a:t>
+              <a:t>3/14/2024</a:t>
             </a:fld>
             <a:endParaRPr lang="en-US"/>
           </a:p>
@@ -3943,6 +3949,2312 @@
         </p:nvSpPr>
         <p:spPr>
           <a:xfrm>
+            <a:off x="609600" y="153091"/>
+            <a:ext cx="10972800" cy="673812"/>
+          </a:xfrm>
+        </p:spPr>
+        <p:txBody>
+          <a:bodyPr>
+            <a:normAutofit/>
+          </a:bodyPr>
+          <a:lstStyle/>
+          <a:p>
+            <a:r>
+              <a:rPr lang="en-US" sz="3600" b="1" dirty="0" smtClean="0">
+                <a:latin typeface="Times New Roman" panose="02020603050405020304" pitchFamily="18" charset="0"/>
+                <a:cs typeface="Times New Roman" panose="02020603050405020304" pitchFamily="18" charset="0"/>
+              </a:rPr>
+              <a:t>LITERATURE SURVEY</a:t>
+            </a:r>
+            <a:endParaRPr lang="en-US" sz="3600" b="1" dirty="0">
+              <a:latin typeface="Times New Roman" pitchFamily="18" charset="0"/>
+            </a:endParaRPr>
+          </a:p>
+        </p:txBody>
+      </p:sp>
+      <p:graphicFrame>
+        <p:nvGraphicFramePr>
+          <p:cNvPr id="3" name="Table 2"/>
+          <p:cNvGraphicFramePr>
+            <a:graphicFrameLocks noGrp="1"/>
+          </p:cNvGraphicFramePr>
+          <p:nvPr>
+            <p:extLst/>
+          </p:nvPr>
+        </p:nvGraphicFramePr>
+        <p:xfrm>
+          <a:off x="609600" y="817671"/>
+          <a:ext cx="10972800" cy="5638589"/>
+        </p:xfrm>
+        <a:graphic>
+          <a:graphicData uri="http://schemas.openxmlformats.org/drawingml/2006/table">
+            <a:tbl>
+              <a:tblPr firstRow="1" bandRow="1">
+                <a:tableStyleId>{5C22544A-7EE6-4342-B048-85BDC9FD1C3A}</a:tableStyleId>
+              </a:tblPr>
+              <a:tblGrid>
+                <a:gridCol w="960582">
+                  <a:extLst>
+                    <a:ext uri="{9D8B030D-6E8A-4147-A177-3AD203B41FA5}">
+                      <a16:colId xmlns:a16="http://schemas.microsoft.com/office/drawing/2014/main" val="650890123"/>
+                    </a:ext>
+                  </a:extLst>
+                </a:gridCol>
+                <a:gridCol w="2068945">
+                  <a:extLst>
+                    <a:ext uri="{9D8B030D-6E8A-4147-A177-3AD203B41FA5}">
+                      <a16:colId xmlns:a16="http://schemas.microsoft.com/office/drawing/2014/main" val="3364458840"/>
+                    </a:ext>
+                  </a:extLst>
+                </a:gridCol>
+                <a:gridCol w="3241964">
+                  <a:extLst>
+                    <a:ext uri="{9D8B030D-6E8A-4147-A177-3AD203B41FA5}">
+                      <a16:colId xmlns:a16="http://schemas.microsoft.com/office/drawing/2014/main" val="1934009595"/>
+                    </a:ext>
+                  </a:extLst>
+                </a:gridCol>
+                <a:gridCol w="1542473">
+                  <a:extLst>
+                    <a:ext uri="{9D8B030D-6E8A-4147-A177-3AD203B41FA5}">
+                      <a16:colId xmlns:a16="http://schemas.microsoft.com/office/drawing/2014/main" val="2106811707"/>
+                    </a:ext>
+                  </a:extLst>
+                </a:gridCol>
+                <a:gridCol w="1520536">
+                  <a:extLst>
+                    <a:ext uri="{9D8B030D-6E8A-4147-A177-3AD203B41FA5}">
+                      <a16:colId xmlns:a16="http://schemas.microsoft.com/office/drawing/2014/main" val="4161205106"/>
+                    </a:ext>
+                  </a:extLst>
+                </a:gridCol>
+                <a:gridCol w="1638300">
+                  <a:extLst>
+                    <a:ext uri="{9D8B030D-6E8A-4147-A177-3AD203B41FA5}">
+                      <a16:colId xmlns:a16="http://schemas.microsoft.com/office/drawing/2014/main" val="2191810521"/>
+                    </a:ext>
+                  </a:extLst>
+                </a:gridCol>
+              </a:tblGrid>
+              <a:tr h="716718">
+                <a:tc>
+                  <a:txBody>
+                    <a:bodyPr/>
+                    <a:lstStyle/>
+                    <a:p>
+                      <a:pPr algn="ctr"/>
+                      <a:r>
+                        <a:rPr lang="en-US" dirty="0" smtClean="0">
+                          <a:solidFill>
+                            <a:schemeClr val="tx1"/>
+                          </a:solidFill>
+                          <a:latin typeface="Times New Roman" panose="02020603050405020304" pitchFamily="18" charset="0"/>
+                          <a:cs typeface="Times New Roman" panose="02020603050405020304" pitchFamily="18" charset="0"/>
+                        </a:rPr>
+                        <a:t>Serial No:</a:t>
+                      </a:r>
+                      <a:endParaRPr lang="en-US" dirty="0">
+                        <a:solidFill>
+                          <a:schemeClr val="tx1"/>
+                        </a:solidFill>
+                        <a:latin typeface="Times New Roman" panose="02020603050405020304" pitchFamily="18" charset="0"/>
+                        <a:cs typeface="Times New Roman" panose="02020603050405020304" pitchFamily="18" charset="0"/>
+                      </a:endParaRPr>
+                    </a:p>
+                  </a:txBody>
+                  <a:tcPr anchor="ctr">
+                    <a:lnL w="12700" cap="flat" cmpd="sng" algn="ctr">
+                      <a:solidFill>
+                        <a:schemeClr val="tx1"/>
+                      </a:solidFill>
+                      <a:prstDash val="solid"/>
+                      <a:round/>
+                      <a:headEnd type="none" w="med" len="med"/>
+                      <a:tailEnd type="none" w="med" len="med"/>
+                    </a:lnL>
+                    <a:lnR w="12700" cap="flat" cmpd="sng" algn="ctr">
+                      <a:solidFill>
+                        <a:schemeClr val="tx1"/>
+                      </a:solidFill>
+                      <a:prstDash val="solid"/>
+                      <a:round/>
+                      <a:headEnd type="none" w="med" len="med"/>
+                      <a:tailEnd type="none" w="med" len="med"/>
+                    </a:lnR>
+                    <a:lnT w="12700" cap="flat" cmpd="sng" algn="ctr">
+                      <a:solidFill>
+                        <a:schemeClr val="tx1"/>
+                      </a:solidFill>
+                      <a:prstDash val="solid"/>
+                      <a:round/>
+                      <a:headEnd type="none" w="med" len="med"/>
+                      <a:tailEnd type="none" w="med" len="med"/>
+                    </a:lnT>
+                    <a:lnB w="12700" cap="flat" cmpd="sng" algn="ctr">
+                      <a:solidFill>
+                        <a:schemeClr val="tx1"/>
+                      </a:solidFill>
+                      <a:prstDash val="solid"/>
+                      <a:round/>
+                      <a:headEnd type="none" w="med" len="med"/>
+                      <a:tailEnd type="none" w="med" len="med"/>
+                    </a:lnB>
+                    <a:solidFill>
+                      <a:schemeClr val="bg1">
+                        <a:lumMod val="75000"/>
+                      </a:schemeClr>
+                    </a:solidFill>
+                  </a:tcPr>
+                </a:tc>
+                <a:tc>
+                  <a:txBody>
+                    <a:bodyPr/>
+                    <a:lstStyle/>
+                    <a:p>
+                      <a:pPr algn="ctr"/>
+                      <a:r>
+                        <a:rPr lang="en-US" dirty="0" smtClean="0">
+                          <a:solidFill>
+                            <a:schemeClr val="tx1"/>
+                          </a:solidFill>
+                          <a:latin typeface="Times New Roman" panose="02020603050405020304" pitchFamily="18" charset="0"/>
+                          <a:cs typeface="Times New Roman" panose="02020603050405020304" pitchFamily="18" charset="0"/>
+                        </a:rPr>
+                        <a:t>Author</a:t>
+                      </a:r>
+                      <a:r>
+                        <a:rPr lang="en-US" baseline="0" dirty="0" smtClean="0">
+                          <a:solidFill>
+                            <a:schemeClr val="tx1"/>
+                          </a:solidFill>
+                          <a:latin typeface="Times New Roman" panose="02020603050405020304" pitchFamily="18" charset="0"/>
+                          <a:cs typeface="Times New Roman" panose="02020603050405020304" pitchFamily="18" charset="0"/>
+                        </a:rPr>
+                        <a:t> name, Title and date</a:t>
+                      </a:r>
+                      <a:endParaRPr lang="en-US" dirty="0">
+                        <a:solidFill>
+                          <a:schemeClr val="tx1"/>
+                        </a:solidFill>
+                        <a:latin typeface="Times New Roman" panose="02020603050405020304" pitchFamily="18" charset="0"/>
+                        <a:cs typeface="Times New Roman" panose="02020603050405020304" pitchFamily="18" charset="0"/>
+                      </a:endParaRPr>
+                    </a:p>
+                  </a:txBody>
+                  <a:tcPr anchor="ctr">
+                    <a:lnL w="12700" cap="flat" cmpd="sng" algn="ctr">
+                      <a:solidFill>
+                        <a:schemeClr val="tx1"/>
+                      </a:solidFill>
+                      <a:prstDash val="solid"/>
+                      <a:round/>
+                      <a:headEnd type="none" w="med" len="med"/>
+                      <a:tailEnd type="none" w="med" len="med"/>
+                    </a:lnL>
+                    <a:lnR w="12700" cap="flat" cmpd="sng" algn="ctr">
+                      <a:solidFill>
+                        <a:schemeClr val="tx1"/>
+                      </a:solidFill>
+                      <a:prstDash val="solid"/>
+                      <a:round/>
+                      <a:headEnd type="none" w="med" len="med"/>
+                      <a:tailEnd type="none" w="med" len="med"/>
+                    </a:lnR>
+                    <a:lnT w="12700" cap="flat" cmpd="sng" algn="ctr">
+                      <a:solidFill>
+                        <a:schemeClr val="tx1"/>
+                      </a:solidFill>
+                      <a:prstDash val="solid"/>
+                      <a:round/>
+                      <a:headEnd type="none" w="med" len="med"/>
+                      <a:tailEnd type="none" w="med" len="med"/>
+                    </a:lnT>
+                    <a:lnB w="12700" cap="flat" cmpd="sng" algn="ctr">
+                      <a:solidFill>
+                        <a:schemeClr val="tx1"/>
+                      </a:solidFill>
+                      <a:prstDash val="solid"/>
+                      <a:round/>
+                      <a:headEnd type="none" w="med" len="med"/>
+                      <a:tailEnd type="none" w="med" len="med"/>
+                    </a:lnB>
+                    <a:solidFill>
+                      <a:schemeClr val="bg1">
+                        <a:lumMod val="75000"/>
+                      </a:schemeClr>
+                    </a:solidFill>
+                  </a:tcPr>
+                </a:tc>
+                <a:tc>
+                  <a:txBody>
+                    <a:bodyPr/>
+                    <a:lstStyle/>
+                    <a:p>
+                      <a:pPr algn="ctr"/>
+                      <a:r>
+                        <a:rPr lang="en-US" dirty="0" smtClean="0">
+                          <a:solidFill>
+                            <a:schemeClr val="tx1"/>
+                          </a:solidFill>
+                          <a:latin typeface="Times New Roman" panose="02020603050405020304" pitchFamily="18" charset="0"/>
+                          <a:cs typeface="Times New Roman" panose="02020603050405020304" pitchFamily="18" charset="0"/>
+                        </a:rPr>
+                        <a:t>Concept</a:t>
+                      </a:r>
+                      <a:endParaRPr lang="en-US" dirty="0">
+                        <a:solidFill>
+                          <a:schemeClr val="tx1"/>
+                        </a:solidFill>
+                        <a:latin typeface="Times New Roman" panose="02020603050405020304" pitchFamily="18" charset="0"/>
+                        <a:cs typeface="Times New Roman" panose="02020603050405020304" pitchFamily="18" charset="0"/>
+                      </a:endParaRPr>
+                    </a:p>
+                  </a:txBody>
+                  <a:tcPr anchor="ctr">
+                    <a:lnL w="12700" cap="flat" cmpd="sng" algn="ctr">
+                      <a:solidFill>
+                        <a:schemeClr val="tx1"/>
+                      </a:solidFill>
+                      <a:prstDash val="solid"/>
+                      <a:round/>
+                      <a:headEnd type="none" w="med" len="med"/>
+                      <a:tailEnd type="none" w="med" len="med"/>
+                    </a:lnL>
+                    <a:lnR w="12700" cap="flat" cmpd="sng" algn="ctr">
+                      <a:solidFill>
+                        <a:schemeClr val="tx1"/>
+                      </a:solidFill>
+                      <a:prstDash val="solid"/>
+                      <a:round/>
+                      <a:headEnd type="none" w="med" len="med"/>
+                      <a:tailEnd type="none" w="med" len="med"/>
+                    </a:lnR>
+                    <a:lnT w="12700" cap="flat" cmpd="sng" algn="ctr">
+                      <a:solidFill>
+                        <a:schemeClr val="tx1"/>
+                      </a:solidFill>
+                      <a:prstDash val="solid"/>
+                      <a:round/>
+                      <a:headEnd type="none" w="med" len="med"/>
+                      <a:tailEnd type="none" w="med" len="med"/>
+                    </a:lnT>
+                    <a:lnB w="12700" cap="flat" cmpd="sng" algn="ctr">
+                      <a:solidFill>
+                        <a:schemeClr val="tx1"/>
+                      </a:solidFill>
+                      <a:prstDash val="solid"/>
+                      <a:round/>
+                      <a:headEnd type="none" w="med" len="med"/>
+                      <a:tailEnd type="none" w="med" len="med"/>
+                    </a:lnB>
+                    <a:solidFill>
+                      <a:schemeClr val="bg1">
+                        <a:lumMod val="75000"/>
+                      </a:schemeClr>
+                    </a:solidFill>
+                  </a:tcPr>
+                </a:tc>
+                <a:tc>
+                  <a:txBody>
+                    <a:bodyPr/>
+                    <a:lstStyle/>
+                    <a:p>
+                      <a:pPr algn="ctr"/>
+                      <a:r>
+                        <a:rPr lang="en-US" dirty="0" smtClean="0">
+                          <a:solidFill>
+                            <a:schemeClr val="tx1"/>
+                          </a:solidFill>
+                          <a:latin typeface="Times New Roman" panose="02020603050405020304" pitchFamily="18" charset="0"/>
+                          <a:cs typeface="Times New Roman" panose="02020603050405020304" pitchFamily="18" charset="0"/>
+                        </a:rPr>
+                        <a:t>Technique (Algorithm)</a:t>
+                      </a:r>
+                      <a:endParaRPr lang="en-US" dirty="0">
+                        <a:solidFill>
+                          <a:schemeClr val="tx1"/>
+                        </a:solidFill>
+                        <a:latin typeface="Times New Roman" panose="02020603050405020304" pitchFamily="18" charset="0"/>
+                        <a:cs typeface="Times New Roman" panose="02020603050405020304" pitchFamily="18" charset="0"/>
+                      </a:endParaRPr>
+                    </a:p>
+                  </a:txBody>
+                  <a:tcPr anchor="ctr">
+                    <a:lnL w="12700" cap="flat" cmpd="sng" algn="ctr">
+                      <a:solidFill>
+                        <a:schemeClr val="tx1"/>
+                      </a:solidFill>
+                      <a:prstDash val="solid"/>
+                      <a:round/>
+                      <a:headEnd type="none" w="med" len="med"/>
+                      <a:tailEnd type="none" w="med" len="med"/>
+                    </a:lnL>
+                    <a:lnR w="12700" cap="flat" cmpd="sng" algn="ctr">
+                      <a:solidFill>
+                        <a:schemeClr val="tx1"/>
+                      </a:solidFill>
+                      <a:prstDash val="solid"/>
+                      <a:round/>
+                      <a:headEnd type="none" w="med" len="med"/>
+                      <a:tailEnd type="none" w="med" len="med"/>
+                    </a:lnR>
+                    <a:lnT w="12700" cap="flat" cmpd="sng" algn="ctr">
+                      <a:solidFill>
+                        <a:schemeClr val="tx1"/>
+                      </a:solidFill>
+                      <a:prstDash val="solid"/>
+                      <a:round/>
+                      <a:headEnd type="none" w="med" len="med"/>
+                      <a:tailEnd type="none" w="med" len="med"/>
+                    </a:lnT>
+                    <a:lnB w="12700" cap="flat" cmpd="sng" algn="ctr">
+                      <a:solidFill>
+                        <a:schemeClr val="tx1"/>
+                      </a:solidFill>
+                      <a:prstDash val="solid"/>
+                      <a:round/>
+                      <a:headEnd type="none" w="med" len="med"/>
+                      <a:tailEnd type="none" w="med" len="med"/>
+                    </a:lnB>
+                    <a:solidFill>
+                      <a:schemeClr val="bg1">
+                        <a:lumMod val="75000"/>
+                      </a:schemeClr>
+                    </a:solidFill>
+                  </a:tcPr>
+                </a:tc>
+                <a:tc>
+                  <a:txBody>
+                    <a:bodyPr/>
+                    <a:lstStyle/>
+                    <a:p>
+                      <a:pPr algn="ctr"/>
+                      <a:r>
+                        <a:rPr lang="en-US" dirty="0" smtClean="0">
+                          <a:solidFill>
+                            <a:schemeClr val="tx1"/>
+                          </a:solidFill>
+                          <a:latin typeface="Times New Roman" panose="02020603050405020304" pitchFamily="18" charset="0"/>
+                          <a:cs typeface="Times New Roman" panose="02020603050405020304" pitchFamily="18" charset="0"/>
+                        </a:rPr>
+                        <a:t>Advantages</a:t>
+                      </a:r>
+                      <a:endParaRPr lang="en-US" dirty="0">
+                        <a:solidFill>
+                          <a:schemeClr val="tx1"/>
+                        </a:solidFill>
+                        <a:latin typeface="Times New Roman" panose="02020603050405020304" pitchFamily="18" charset="0"/>
+                        <a:cs typeface="Times New Roman" panose="02020603050405020304" pitchFamily="18" charset="0"/>
+                      </a:endParaRPr>
+                    </a:p>
+                  </a:txBody>
+                  <a:tcPr anchor="ctr">
+                    <a:lnL w="12700" cap="flat" cmpd="sng" algn="ctr">
+                      <a:solidFill>
+                        <a:schemeClr val="tx1"/>
+                      </a:solidFill>
+                      <a:prstDash val="solid"/>
+                      <a:round/>
+                      <a:headEnd type="none" w="med" len="med"/>
+                      <a:tailEnd type="none" w="med" len="med"/>
+                    </a:lnL>
+                    <a:lnR w="12700" cap="flat" cmpd="sng" algn="ctr">
+                      <a:solidFill>
+                        <a:schemeClr val="tx1"/>
+                      </a:solidFill>
+                      <a:prstDash val="solid"/>
+                      <a:round/>
+                      <a:headEnd type="none" w="med" len="med"/>
+                      <a:tailEnd type="none" w="med" len="med"/>
+                    </a:lnR>
+                    <a:lnT w="12700" cap="flat" cmpd="sng" algn="ctr">
+                      <a:solidFill>
+                        <a:schemeClr val="tx1"/>
+                      </a:solidFill>
+                      <a:prstDash val="solid"/>
+                      <a:round/>
+                      <a:headEnd type="none" w="med" len="med"/>
+                      <a:tailEnd type="none" w="med" len="med"/>
+                    </a:lnT>
+                    <a:lnB w="12700" cap="flat" cmpd="sng" algn="ctr">
+                      <a:solidFill>
+                        <a:schemeClr val="tx1"/>
+                      </a:solidFill>
+                      <a:prstDash val="solid"/>
+                      <a:round/>
+                      <a:headEnd type="none" w="med" len="med"/>
+                      <a:tailEnd type="none" w="med" len="med"/>
+                    </a:lnB>
+                    <a:solidFill>
+                      <a:schemeClr val="bg1">
+                        <a:lumMod val="75000"/>
+                      </a:schemeClr>
+                    </a:solidFill>
+                  </a:tcPr>
+                </a:tc>
+                <a:tc>
+                  <a:txBody>
+                    <a:bodyPr/>
+                    <a:lstStyle/>
+                    <a:p>
+                      <a:pPr algn="ctr"/>
+                      <a:r>
+                        <a:rPr lang="en-US" dirty="0" smtClean="0">
+                          <a:solidFill>
+                            <a:schemeClr val="tx1"/>
+                          </a:solidFill>
+                          <a:latin typeface="Times New Roman" panose="02020603050405020304" pitchFamily="18" charset="0"/>
+                          <a:cs typeface="Times New Roman" panose="02020603050405020304" pitchFamily="18" charset="0"/>
+                        </a:rPr>
+                        <a:t>Disadvantaged</a:t>
+                      </a:r>
+                      <a:endParaRPr lang="en-US" dirty="0">
+                        <a:solidFill>
+                          <a:schemeClr val="tx1"/>
+                        </a:solidFill>
+                        <a:latin typeface="Times New Roman" panose="02020603050405020304" pitchFamily="18" charset="0"/>
+                        <a:cs typeface="Times New Roman" panose="02020603050405020304" pitchFamily="18" charset="0"/>
+                      </a:endParaRPr>
+                    </a:p>
+                  </a:txBody>
+                  <a:tcPr anchor="ctr">
+                    <a:lnL w="12700" cap="flat" cmpd="sng" algn="ctr">
+                      <a:solidFill>
+                        <a:schemeClr val="tx1"/>
+                      </a:solidFill>
+                      <a:prstDash val="solid"/>
+                      <a:round/>
+                      <a:headEnd type="none" w="med" len="med"/>
+                      <a:tailEnd type="none" w="med" len="med"/>
+                    </a:lnL>
+                    <a:lnR w="12700" cap="flat" cmpd="sng" algn="ctr">
+                      <a:solidFill>
+                        <a:schemeClr val="tx1"/>
+                      </a:solidFill>
+                      <a:prstDash val="solid"/>
+                      <a:round/>
+                      <a:headEnd type="none" w="med" len="med"/>
+                      <a:tailEnd type="none" w="med" len="med"/>
+                    </a:lnR>
+                    <a:lnT w="12700" cap="flat" cmpd="sng" algn="ctr">
+                      <a:solidFill>
+                        <a:schemeClr val="tx1"/>
+                      </a:solidFill>
+                      <a:prstDash val="solid"/>
+                      <a:round/>
+                      <a:headEnd type="none" w="med" len="med"/>
+                      <a:tailEnd type="none" w="med" len="med"/>
+                    </a:lnT>
+                    <a:lnB w="12700" cap="flat" cmpd="sng" algn="ctr">
+                      <a:solidFill>
+                        <a:schemeClr val="tx1"/>
+                      </a:solidFill>
+                      <a:prstDash val="solid"/>
+                      <a:round/>
+                      <a:headEnd type="none" w="med" len="med"/>
+                      <a:tailEnd type="none" w="med" len="med"/>
+                    </a:lnB>
+                    <a:solidFill>
+                      <a:schemeClr val="bg1">
+                        <a:lumMod val="75000"/>
+                      </a:schemeClr>
+                    </a:solidFill>
+                  </a:tcPr>
+                </a:tc>
+                <a:extLst>
+                  <a:ext uri="{0D108BD9-81ED-4DB2-BD59-A6C34878D82A}">
+                    <a16:rowId xmlns:a16="http://schemas.microsoft.com/office/drawing/2014/main" val="907547670"/>
+                  </a:ext>
+                </a:extLst>
+              </a:tr>
+              <a:tr h="1870618">
+                <a:tc>
+                  <a:txBody>
+                    <a:bodyPr/>
+                    <a:lstStyle/>
+                    <a:p>
+                      <a:pPr algn="ctr"/>
+                      <a:r>
+                        <a:rPr lang="en-US" dirty="0" smtClean="0">
+                          <a:solidFill>
+                            <a:schemeClr val="tx1"/>
+                          </a:solidFill>
+                          <a:latin typeface="Times New Roman" panose="02020603050405020304" pitchFamily="18" charset="0"/>
+                          <a:cs typeface="Times New Roman" panose="02020603050405020304" pitchFamily="18" charset="0"/>
+                        </a:rPr>
+                        <a:t>9</a:t>
+                      </a:r>
+                      <a:endParaRPr lang="en-US" dirty="0">
+                        <a:solidFill>
+                          <a:schemeClr val="tx1"/>
+                        </a:solidFill>
+                        <a:latin typeface="Times New Roman" panose="02020603050405020304" pitchFamily="18" charset="0"/>
+                        <a:cs typeface="Times New Roman" panose="02020603050405020304" pitchFamily="18" charset="0"/>
+                      </a:endParaRPr>
+                    </a:p>
+                  </a:txBody>
+                  <a:tcPr anchor="ctr">
+                    <a:lnL w="12700" cap="flat" cmpd="sng" algn="ctr">
+                      <a:solidFill>
+                        <a:schemeClr val="tx1"/>
+                      </a:solidFill>
+                      <a:prstDash val="solid"/>
+                      <a:round/>
+                      <a:headEnd type="none" w="med" len="med"/>
+                      <a:tailEnd type="none" w="med" len="med"/>
+                    </a:lnL>
+                    <a:lnR w="12700" cap="flat" cmpd="sng" algn="ctr">
+                      <a:solidFill>
+                        <a:schemeClr val="tx1"/>
+                      </a:solidFill>
+                      <a:prstDash val="solid"/>
+                      <a:round/>
+                      <a:headEnd type="none" w="med" len="med"/>
+                      <a:tailEnd type="none" w="med" len="med"/>
+                    </a:lnR>
+                    <a:lnT w="12700" cap="flat" cmpd="sng" algn="ctr">
+                      <a:solidFill>
+                        <a:schemeClr val="tx1"/>
+                      </a:solidFill>
+                      <a:prstDash val="solid"/>
+                      <a:round/>
+                      <a:headEnd type="none" w="med" len="med"/>
+                      <a:tailEnd type="none" w="med" len="med"/>
+                    </a:lnT>
+                    <a:lnB w="12700" cap="flat" cmpd="sng" algn="ctr">
+                      <a:solidFill>
+                        <a:schemeClr val="tx1"/>
+                      </a:solidFill>
+                      <a:prstDash val="solid"/>
+                      <a:round/>
+                      <a:headEnd type="none" w="med" len="med"/>
+                      <a:tailEnd type="none" w="med" len="med"/>
+                    </a:lnB>
+                    <a:noFill/>
+                  </a:tcPr>
+                </a:tc>
+                <a:tc>
+                  <a:txBody>
+                    <a:bodyPr/>
+                    <a:lstStyle/>
+                    <a:p>
+                      <a:pPr marL="0" marR="0" lvl="0" indent="0" algn="ctr" defTabSz="914400" rtl="0" eaLnBrk="1" fontAlgn="auto" latinLnBrk="0" hangingPunct="1">
+                        <a:lnSpc>
+                          <a:spcPct val="100000"/>
+                        </a:lnSpc>
+                        <a:spcBef>
+                          <a:spcPts val="0"/>
+                        </a:spcBef>
+                        <a:spcAft>
+                          <a:spcPts val="0"/>
+                        </a:spcAft>
+                        <a:buClrTx/>
+                        <a:buSzTx/>
+                        <a:buFontTx/>
+                        <a:buNone/>
+                        <a:tabLst/>
+                        <a:defRPr/>
+                      </a:pPr>
+                      <a:r>
+                        <a:rPr lang="en-IN" sz="1800" dirty="0" smtClean="0">
+                          <a:latin typeface="Times New Roman" panose="02020603050405020304" pitchFamily="18" charset="0"/>
+                          <a:cs typeface="Times New Roman" panose="02020603050405020304" pitchFamily="18" charset="0"/>
+                        </a:rPr>
+                        <a:t>Li Gong, Gary Ellison, Mary </a:t>
+                      </a:r>
+                      <a:r>
+                        <a:rPr lang="en-IN" sz="1800" dirty="0" err="1" smtClean="0">
+                          <a:latin typeface="Times New Roman" panose="02020603050405020304" pitchFamily="18" charset="0"/>
+                          <a:cs typeface="Times New Roman" panose="02020603050405020304" pitchFamily="18" charset="0"/>
+                        </a:rPr>
+                        <a:t>Dageforde</a:t>
+                      </a:r>
+                      <a:r>
+                        <a:rPr lang="en-IN" sz="1800" dirty="0" smtClean="0">
+                          <a:latin typeface="Times New Roman" panose="02020603050405020304" pitchFamily="18" charset="0"/>
+                          <a:cs typeface="Times New Roman" panose="02020603050405020304" pitchFamily="18" charset="0"/>
+                        </a:rPr>
+                        <a:t> </a:t>
+                      </a:r>
+                    </a:p>
+                    <a:p>
+                      <a:pPr marL="0" marR="0" lvl="0" indent="0" algn="ctr" defTabSz="914400" rtl="0" eaLnBrk="1" fontAlgn="auto" latinLnBrk="0" hangingPunct="1">
+                        <a:lnSpc>
+                          <a:spcPct val="100000"/>
+                        </a:lnSpc>
+                        <a:spcBef>
+                          <a:spcPts val="0"/>
+                        </a:spcBef>
+                        <a:spcAft>
+                          <a:spcPts val="0"/>
+                        </a:spcAft>
+                        <a:buClrTx/>
+                        <a:buSzTx/>
+                        <a:buFontTx/>
+                        <a:buNone/>
+                        <a:tabLst/>
+                        <a:defRPr/>
+                      </a:pPr>
+                      <a:endParaRPr lang="en-US" sz="1800" dirty="0" smtClean="0">
+                        <a:latin typeface="Times New Roman" panose="02020603050405020304" pitchFamily="18" charset="0"/>
+                        <a:cs typeface="Times New Roman" panose="02020603050405020304" pitchFamily="18" charset="0"/>
+                      </a:endParaRPr>
+                    </a:p>
+                    <a:p>
+                      <a:pPr marL="0" marR="0" lvl="0" indent="0" algn="ctr" defTabSz="914400" rtl="0" eaLnBrk="1" fontAlgn="auto" latinLnBrk="0" hangingPunct="1">
+                        <a:lnSpc>
+                          <a:spcPct val="100000"/>
+                        </a:lnSpc>
+                        <a:spcBef>
+                          <a:spcPts val="0"/>
+                        </a:spcBef>
+                        <a:spcAft>
+                          <a:spcPts val="0"/>
+                        </a:spcAft>
+                        <a:buClrTx/>
+                        <a:buSzTx/>
+                        <a:buFontTx/>
+                        <a:buNone/>
+                        <a:tabLst/>
+                        <a:defRPr/>
+                      </a:pPr>
+                      <a:r>
+                        <a:rPr lang="en-US" sz="1800" dirty="0" smtClean="0">
+                          <a:latin typeface="Times New Roman" panose="02020603050405020304" pitchFamily="18" charset="0"/>
+                          <a:cs typeface="Times New Roman" panose="02020603050405020304" pitchFamily="18" charset="0"/>
+                        </a:rPr>
+                        <a:t>Developing of Middleware and Cross Platform Chat Application</a:t>
+                      </a:r>
+                      <a:endParaRPr lang="en-US" sz="1800" dirty="0" smtClean="0">
+                        <a:latin typeface="Times New Roman" panose="02020603050405020304" pitchFamily="18" charset="0"/>
+                        <a:cs typeface="Times New Roman" panose="02020603050405020304" pitchFamily="18" charset="0"/>
+                      </a:endParaRPr>
+                    </a:p>
+                  </a:txBody>
+                  <a:tcPr anchor="ctr">
+                    <a:lnL w="12700" cap="flat" cmpd="sng" algn="ctr">
+                      <a:solidFill>
+                        <a:schemeClr val="tx1"/>
+                      </a:solidFill>
+                      <a:prstDash val="solid"/>
+                      <a:round/>
+                      <a:headEnd type="none" w="med" len="med"/>
+                      <a:tailEnd type="none" w="med" len="med"/>
+                    </a:lnL>
+                    <a:lnR w="12700" cap="flat" cmpd="sng" algn="ctr">
+                      <a:solidFill>
+                        <a:schemeClr val="tx1"/>
+                      </a:solidFill>
+                      <a:prstDash val="solid"/>
+                      <a:round/>
+                      <a:headEnd type="none" w="med" len="med"/>
+                      <a:tailEnd type="none" w="med" len="med"/>
+                    </a:lnR>
+                    <a:lnT w="12700" cap="flat" cmpd="sng" algn="ctr">
+                      <a:solidFill>
+                        <a:schemeClr val="tx1"/>
+                      </a:solidFill>
+                      <a:prstDash val="solid"/>
+                      <a:round/>
+                      <a:headEnd type="none" w="med" len="med"/>
+                      <a:tailEnd type="none" w="med" len="med"/>
+                    </a:lnT>
+                    <a:lnB w="12700" cap="flat" cmpd="sng" algn="ctr">
+                      <a:solidFill>
+                        <a:schemeClr val="tx1"/>
+                      </a:solidFill>
+                      <a:prstDash val="solid"/>
+                      <a:round/>
+                      <a:headEnd type="none" w="med" len="med"/>
+                      <a:tailEnd type="none" w="med" len="med"/>
+                    </a:lnB>
+                    <a:noFill/>
+                  </a:tcPr>
+                </a:tc>
+                <a:tc>
+                  <a:txBody>
+                    <a:bodyPr/>
+                    <a:lstStyle/>
+                    <a:p>
+                      <a:pPr algn="ctr"/>
+                      <a:r>
+                        <a:rPr lang="en-US" dirty="0" smtClean="0">
+                          <a:latin typeface="Times New Roman" panose="02020603050405020304" pitchFamily="18" charset="0"/>
+                          <a:cs typeface="Times New Roman" panose="02020603050405020304" pitchFamily="18" charset="0"/>
+                        </a:rPr>
+                        <a:t>The aims to develop a chat application which serves as a middleware </a:t>
+                      </a:r>
+                    </a:p>
+                    <a:p>
+                      <a:pPr algn="ctr"/>
+                      <a:r>
+                        <a:rPr lang="en-US" dirty="0" smtClean="0">
+                          <a:latin typeface="Times New Roman" panose="02020603050405020304" pitchFamily="18" charset="0"/>
+                          <a:cs typeface="Times New Roman" panose="02020603050405020304" pitchFamily="18" charset="0"/>
+                        </a:rPr>
+                        <a:t>to make communication between developed chat application and </a:t>
+                      </a:r>
+                    </a:p>
+                    <a:p>
+                      <a:pPr algn="ctr"/>
+                      <a:r>
+                        <a:rPr lang="en-US" dirty="0" smtClean="0">
+                          <a:latin typeface="Times New Roman" panose="02020603050405020304" pitchFamily="18" charset="0"/>
+                          <a:cs typeface="Times New Roman" panose="02020603050405020304" pitchFamily="18" charset="0"/>
+                        </a:rPr>
+                        <a:t>two conventional chat applications </a:t>
+                      </a:r>
+                      <a:endParaRPr lang="en-US" dirty="0">
+                        <a:solidFill>
+                          <a:schemeClr val="tx1"/>
+                        </a:solidFill>
+                        <a:latin typeface="Times New Roman" panose="02020603050405020304" pitchFamily="18" charset="0"/>
+                        <a:cs typeface="Times New Roman" panose="02020603050405020304" pitchFamily="18" charset="0"/>
+                      </a:endParaRPr>
+                    </a:p>
+                  </a:txBody>
+                  <a:tcPr anchor="ctr">
+                    <a:lnL w="12700" cap="flat" cmpd="sng" algn="ctr">
+                      <a:solidFill>
+                        <a:schemeClr val="tx1"/>
+                      </a:solidFill>
+                      <a:prstDash val="solid"/>
+                      <a:round/>
+                      <a:headEnd type="none" w="med" len="med"/>
+                      <a:tailEnd type="none" w="med" len="med"/>
+                    </a:lnL>
+                    <a:lnR w="12700" cap="flat" cmpd="sng" algn="ctr">
+                      <a:solidFill>
+                        <a:schemeClr val="tx1"/>
+                      </a:solidFill>
+                      <a:prstDash val="solid"/>
+                      <a:round/>
+                      <a:headEnd type="none" w="med" len="med"/>
+                      <a:tailEnd type="none" w="med" len="med"/>
+                    </a:lnR>
+                    <a:lnT w="12700" cap="flat" cmpd="sng" algn="ctr">
+                      <a:solidFill>
+                        <a:schemeClr val="tx1"/>
+                      </a:solidFill>
+                      <a:prstDash val="solid"/>
+                      <a:round/>
+                      <a:headEnd type="none" w="med" len="med"/>
+                      <a:tailEnd type="none" w="med" len="med"/>
+                    </a:lnT>
+                    <a:lnB w="12700" cap="flat" cmpd="sng" algn="ctr">
+                      <a:solidFill>
+                        <a:schemeClr val="tx1"/>
+                      </a:solidFill>
+                      <a:prstDash val="solid"/>
+                      <a:round/>
+                      <a:headEnd type="none" w="med" len="med"/>
+                      <a:tailEnd type="none" w="med" len="med"/>
+                    </a:lnB>
+                    <a:noFill/>
+                  </a:tcPr>
+                </a:tc>
+                <a:tc>
+                  <a:txBody>
+                    <a:bodyPr/>
+                    <a:lstStyle/>
+                    <a:p>
+                      <a:pPr algn="ctr"/>
+                      <a:r>
+                        <a:rPr lang="en-US" baseline="0" dirty="0" smtClean="0"/>
+                        <a:t>Line Messaging API</a:t>
+                      </a:r>
+                      <a:endParaRPr lang="en-US" dirty="0">
+                        <a:solidFill>
+                          <a:schemeClr val="tx1"/>
+                        </a:solidFill>
+                        <a:latin typeface="Times New Roman" panose="02020603050405020304" pitchFamily="18" charset="0"/>
+                        <a:cs typeface="Times New Roman" panose="02020603050405020304" pitchFamily="18" charset="0"/>
+                      </a:endParaRPr>
+                    </a:p>
+                  </a:txBody>
+                  <a:tcPr anchor="ctr">
+                    <a:lnL w="12700" cap="flat" cmpd="sng" algn="ctr">
+                      <a:solidFill>
+                        <a:schemeClr val="tx1"/>
+                      </a:solidFill>
+                      <a:prstDash val="solid"/>
+                      <a:round/>
+                      <a:headEnd type="none" w="med" len="med"/>
+                      <a:tailEnd type="none" w="med" len="med"/>
+                    </a:lnL>
+                    <a:lnR w="12700" cap="flat" cmpd="sng" algn="ctr">
+                      <a:solidFill>
+                        <a:schemeClr val="tx1"/>
+                      </a:solidFill>
+                      <a:prstDash val="solid"/>
+                      <a:round/>
+                      <a:headEnd type="none" w="med" len="med"/>
+                      <a:tailEnd type="none" w="med" len="med"/>
+                    </a:lnR>
+                    <a:lnT w="12700" cap="flat" cmpd="sng" algn="ctr">
+                      <a:solidFill>
+                        <a:schemeClr val="tx1"/>
+                      </a:solidFill>
+                      <a:prstDash val="solid"/>
+                      <a:round/>
+                      <a:headEnd type="none" w="med" len="med"/>
+                      <a:tailEnd type="none" w="med" len="med"/>
+                    </a:lnT>
+                    <a:lnB w="12700" cap="flat" cmpd="sng" algn="ctr">
+                      <a:solidFill>
+                        <a:schemeClr val="tx1"/>
+                      </a:solidFill>
+                      <a:prstDash val="solid"/>
+                      <a:round/>
+                      <a:headEnd type="none" w="med" len="med"/>
+                      <a:tailEnd type="none" w="med" len="med"/>
+                    </a:lnB>
+                    <a:noFill/>
+                  </a:tcPr>
+                </a:tc>
+                <a:tc>
+                  <a:txBody>
+                    <a:bodyPr/>
+                    <a:lstStyle/>
+                    <a:p>
+                      <a:pPr algn="ctr"/>
+                      <a:r>
+                        <a:rPr lang="en-US" dirty="0" smtClean="0"/>
+                        <a:t>Decentralized</a:t>
+                      </a:r>
+                    </a:p>
+                    <a:p>
+                      <a:pPr algn="ctr"/>
+                      <a:r>
+                        <a:rPr lang="en-US" dirty="0" smtClean="0">
+                          <a:solidFill>
+                            <a:schemeClr val="tx1"/>
+                          </a:solidFill>
+                          <a:latin typeface="Times New Roman" panose="02020603050405020304" pitchFamily="18" charset="0"/>
+                          <a:cs typeface="Times New Roman" panose="02020603050405020304" pitchFamily="18" charset="0"/>
+                        </a:rPr>
+                        <a:t>Instant</a:t>
+                      </a:r>
+                      <a:r>
+                        <a:rPr lang="en-US" baseline="0" dirty="0" smtClean="0">
+                          <a:solidFill>
+                            <a:schemeClr val="tx1"/>
+                          </a:solidFill>
+                          <a:latin typeface="Times New Roman" panose="02020603050405020304" pitchFamily="18" charset="0"/>
+                          <a:cs typeface="Times New Roman" panose="02020603050405020304" pitchFamily="18" charset="0"/>
+                        </a:rPr>
+                        <a:t> Messaging, </a:t>
+                      </a:r>
+                    </a:p>
+                    <a:p>
+                      <a:pPr algn="ctr"/>
+                      <a:r>
+                        <a:rPr lang="en-US" baseline="0" dirty="0" smtClean="0">
+                          <a:solidFill>
+                            <a:schemeClr val="tx1"/>
+                          </a:solidFill>
+                          <a:latin typeface="Times New Roman" panose="02020603050405020304" pitchFamily="18" charset="0"/>
+                          <a:cs typeface="Times New Roman" panose="02020603050405020304" pitchFamily="18" charset="0"/>
+                        </a:rPr>
+                        <a:t>Platform Independent</a:t>
+                      </a:r>
+                      <a:endParaRPr lang="en-US" dirty="0">
+                        <a:solidFill>
+                          <a:schemeClr val="tx1"/>
+                        </a:solidFill>
+                        <a:latin typeface="Times New Roman" panose="02020603050405020304" pitchFamily="18" charset="0"/>
+                        <a:cs typeface="Times New Roman" panose="02020603050405020304" pitchFamily="18" charset="0"/>
+                      </a:endParaRPr>
+                    </a:p>
+                  </a:txBody>
+                  <a:tcPr anchor="ctr">
+                    <a:lnL w="12700" cap="flat" cmpd="sng" algn="ctr">
+                      <a:solidFill>
+                        <a:schemeClr val="tx1"/>
+                      </a:solidFill>
+                      <a:prstDash val="solid"/>
+                      <a:round/>
+                      <a:headEnd type="none" w="med" len="med"/>
+                      <a:tailEnd type="none" w="med" len="med"/>
+                    </a:lnL>
+                    <a:lnR w="12700" cap="flat" cmpd="sng" algn="ctr">
+                      <a:solidFill>
+                        <a:schemeClr val="tx1"/>
+                      </a:solidFill>
+                      <a:prstDash val="solid"/>
+                      <a:round/>
+                      <a:headEnd type="none" w="med" len="med"/>
+                      <a:tailEnd type="none" w="med" len="med"/>
+                    </a:lnR>
+                    <a:lnT w="12700" cap="flat" cmpd="sng" algn="ctr">
+                      <a:solidFill>
+                        <a:schemeClr val="tx1"/>
+                      </a:solidFill>
+                      <a:prstDash val="solid"/>
+                      <a:round/>
+                      <a:headEnd type="none" w="med" len="med"/>
+                      <a:tailEnd type="none" w="med" len="med"/>
+                    </a:lnT>
+                    <a:lnB w="12700" cap="flat" cmpd="sng" algn="ctr">
+                      <a:solidFill>
+                        <a:schemeClr val="tx1"/>
+                      </a:solidFill>
+                      <a:prstDash val="solid"/>
+                      <a:round/>
+                      <a:headEnd type="none" w="med" len="med"/>
+                      <a:tailEnd type="none" w="med" len="med"/>
+                    </a:lnB>
+                    <a:noFill/>
+                  </a:tcPr>
+                </a:tc>
+                <a:tc>
+                  <a:txBody>
+                    <a:bodyPr/>
+                    <a:lstStyle/>
+                    <a:p>
+                      <a:pPr algn="ctr"/>
+                      <a:r>
+                        <a:rPr lang="en-US" dirty="0" smtClean="0">
+                          <a:solidFill>
+                            <a:schemeClr val="tx1"/>
+                          </a:solidFill>
+                          <a:latin typeface="Times New Roman" panose="02020603050405020304" pitchFamily="18" charset="0"/>
+                          <a:cs typeface="Times New Roman" panose="02020603050405020304" pitchFamily="18" charset="0"/>
+                        </a:rPr>
+                        <a:t>Cannot Implement Proper Encryption</a:t>
+                      </a:r>
+                      <a:r>
+                        <a:rPr lang="en-US" baseline="0" dirty="0" smtClean="0">
+                          <a:solidFill>
+                            <a:schemeClr val="tx1"/>
+                          </a:solidFill>
+                          <a:latin typeface="Times New Roman" panose="02020603050405020304" pitchFamily="18" charset="0"/>
+                          <a:cs typeface="Times New Roman" panose="02020603050405020304" pitchFamily="18" charset="0"/>
+                        </a:rPr>
+                        <a:t> System</a:t>
+                      </a:r>
+                      <a:endParaRPr lang="en-US" dirty="0">
+                        <a:solidFill>
+                          <a:schemeClr val="tx1"/>
+                        </a:solidFill>
+                        <a:latin typeface="Times New Roman" panose="02020603050405020304" pitchFamily="18" charset="0"/>
+                        <a:cs typeface="Times New Roman" panose="02020603050405020304" pitchFamily="18" charset="0"/>
+                      </a:endParaRPr>
+                    </a:p>
+                  </a:txBody>
+                  <a:tcPr anchor="ctr">
+                    <a:lnL w="12700" cap="flat" cmpd="sng" algn="ctr">
+                      <a:solidFill>
+                        <a:schemeClr val="tx1"/>
+                      </a:solidFill>
+                      <a:prstDash val="solid"/>
+                      <a:round/>
+                      <a:headEnd type="none" w="med" len="med"/>
+                      <a:tailEnd type="none" w="med" len="med"/>
+                    </a:lnL>
+                    <a:lnR w="12700" cap="flat" cmpd="sng" algn="ctr">
+                      <a:solidFill>
+                        <a:schemeClr val="tx1"/>
+                      </a:solidFill>
+                      <a:prstDash val="solid"/>
+                      <a:round/>
+                      <a:headEnd type="none" w="med" len="med"/>
+                      <a:tailEnd type="none" w="med" len="med"/>
+                    </a:lnR>
+                    <a:lnT w="12700" cap="flat" cmpd="sng" algn="ctr">
+                      <a:solidFill>
+                        <a:schemeClr val="tx1"/>
+                      </a:solidFill>
+                      <a:prstDash val="solid"/>
+                      <a:round/>
+                      <a:headEnd type="none" w="med" len="med"/>
+                      <a:tailEnd type="none" w="med" len="med"/>
+                    </a:lnT>
+                    <a:lnB w="12700" cap="flat" cmpd="sng" algn="ctr">
+                      <a:solidFill>
+                        <a:schemeClr val="tx1"/>
+                      </a:solidFill>
+                      <a:prstDash val="solid"/>
+                      <a:round/>
+                      <a:headEnd type="none" w="med" len="med"/>
+                      <a:tailEnd type="none" w="med" len="med"/>
+                    </a:lnB>
+                    <a:noFill/>
+                  </a:tcPr>
+                </a:tc>
+                <a:extLst>
+                  <a:ext uri="{0D108BD9-81ED-4DB2-BD59-A6C34878D82A}">
+                    <a16:rowId xmlns:a16="http://schemas.microsoft.com/office/drawing/2014/main" val="35302310"/>
+                  </a:ext>
+                </a:extLst>
+              </a:tr>
+              <a:tr h="2635871">
+                <a:tc>
+                  <a:txBody>
+                    <a:bodyPr/>
+                    <a:lstStyle/>
+                    <a:p>
+                      <a:pPr algn="ctr"/>
+                      <a:r>
+                        <a:rPr lang="en-US" dirty="0" smtClean="0">
+                          <a:solidFill>
+                            <a:schemeClr val="tx1"/>
+                          </a:solidFill>
+                          <a:latin typeface="Times New Roman" panose="02020603050405020304" pitchFamily="18" charset="0"/>
+                          <a:cs typeface="Times New Roman" panose="02020603050405020304" pitchFamily="18" charset="0"/>
+                        </a:rPr>
+                        <a:t>10</a:t>
+                      </a:r>
+                      <a:endParaRPr lang="en-US" dirty="0">
+                        <a:solidFill>
+                          <a:schemeClr val="tx1"/>
+                        </a:solidFill>
+                        <a:latin typeface="Times New Roman" panose="02020603050405020304" pitchFamily="18" charset="0"/>
+                        <a:cs typeface="Times New Roman" panose="02020603050405020304" pitchFamily="18" charset="0"/>
+                      </a:endParaRPr>
+                    </a:p>
+                  </a:txBody>
+                  <a:tcPr anchor="ctr">
+                    <a:lnL w="12700" cap="flat" cmpd="sng" algn="ctr">
+                      <a:solidFill>
+                        <a:schemeClr val="tx1"/>
+                      </a:solidFill>
+                      <a:prstDash val="solid"/>
+                      <a:round/>
+                      <a:headEnd type="none" w="med" len="med"/>
+                      <a:tailEnd type="none" w="med" len="med"/>
+                    </a:lnL>
+                    <a:lnR w="12700" cap="flat" cmpd="sng" algn="ctr">
+                      <a:solidFill>
+                        <a:schemeClr val="tx1"/>
+                      </a:solidFill>
+                      <a:prstDash val="solid"/>
+                      <a:round/>
+                      <a:headEnd type="none" w="med" len="med"/>
+                      <a:tailEnd type="none" w="med" len="med"/>
+                    </a:lnR>
+                    <a:lnT w="12700" cap="flat" cmpd="sng" algn="ctr">
+                      <a:solidFill>
+                        <a:schemeClr val="tx1"/>
+                      </a:solidFill>
+                      <a:prstDash val="solid"/>
+                      <a:round/>
+                      <a:headEnd type="none" w="med" len="med"/>
+                      <a:tailEnd type="none" w="med" len="med"/>
+                    </a:lnT>
+                    <a:lnB w="12700" cap="flat" cmpd="sng" algn="ctr">
+                      <a:solidFill>
+                        <a:schemeClr val="tx1"/>
+                      </a:solidFill>
+                      <a:prstDash val="solid"/>
+                      <a:round/>
+                      <a:headEnd type="none" w="med" len="med"/>
+                      <a:tailEnd type="none" w="med" len="med"/>
+                    </a:lnB>
+                    <a:noFill/>
+                  </a:tcPr>
+                </a:tc>
+                <a:tc>
+                  <a:txBody>
+                    <a:bodyPr/>
+                    <a:lstStyle/>
+                    <a:p>
+                      <a:pPr algn="ctr"/>
+                      <a:r>
+                        <a:rPr lang="en-US" sz="1800" dirty="0" err="1" smtClean="0">
+                          <a:latin typeface="Times New Roman" panose="02020603050405020304" pitchFamily="18" charset="0"/>
+                          <a:cs typeface="Times New Roman" panose="02020603050405020304" pitchFamily="18" charset="0"/>
+                        </a:rPr>
+                        <a:t>Mikko</a:t>
+                      </a:r>
+                      <a:r>
+                        <a:rPr lang="en-US" sz="1800" dirty="0" smtClean="0">
+                          <a:latin typeface="Times New Roman" panose="02020603050405020304" pitchFamily="18" charset="0"/>
+                          <a:cs typeface="Times New Roman" panose="02020603050405020304" pitchFamily="18" charset="0"/>
+                        </a:rPr>
+                        <a:t> </a:t>
+                      </a:r>
+                      <a:r>
+                        <a:rPr lang="en-US" sz="1800" dirty="0" err="1" smtClean="0">
+                          <a:latin typeface="Times New Roman" panose="02020603050405020304" pitchFamily="18" charset="0"/>
+                          <a:cs typeface="Times New Roman" panose="02020603050405020304" pitchFamily="18" charset="0"/>
+                        </a:rPr>
+                        <a:t>Ilmonen</a:t>
+                      </a:r>
+                      <a:endParaRPr lang="en-US" sz="1800" dirty="0" smtClean="0">
+                        <a:latin typeface="Times New Roman" panose="02020603050405020304" pitchFamily="18" charset="0"/>
+                        <a:cs typeface="Times New Roman" panose="02020603050405020304" pitchFamily="18" charset="0"/>
+                      </a:endParaRPr>
+                    </a:p>
+                    <a:p>
+                      <a:pPr algn="ctr"/>
+                      <a:r>
+                        <a:rPr lang="en-IN" sz="1800" dirty="0" smtClean="0">
+                          <a:latin typeface="Times New Roman" panose="02020603050405020304" pitchFamily="18" charset="0"/>
+                          <a:cs typeface="Times New Roman" panose="02020603050405020304" pitchFamily="18" charset="0"/>
+                        </a:rPr>
+                        <a:t/>
+                      </a:r>
+                      <a:br>
+                        <a:rPr lang="en-IN" sz="1800" dirty="0" smtClean="0">
+                          <a:latin typeface="Times New Roman" panose="02020603050405020304" pitchFamily="18" charset="0"/>
+                          <a:cs typeface="Times New Roman" panose="02020603050405020304" pitchFamily="18" charset="0"/>
+                        </a:rPr>
+                      </a:br>
+                      <a:r>
+                        <a:rPr lang="en-US" sz="1800" dirty="0" smtClean="0">
+                          <a:latin typeface="Times New Roman" panose="02020603050405020304" pitchFamily="18" charset="0"/>
+                          <a:cs typeface="Times New Roman" panose="02020603050405020304" pitchFamily="18" charset="0"/>
+                        </a:rPr>
+                        <a:t>Platform-Agnostic End-to-End Encryption for</a:t>
+                      </a:r>
+                    </a:p>
+                    <a:p>
+                      <a:pPr algn="ctr"/>
+                      <a:r>
+                        <a:rPr lang="en-US" sz="1800" dirty="0" smtClean="0">
+                          <a:latin typeface="Times New Roman" panose="02020603050405020304" pitchFamily="18" charset="0"/>
+                          <a:cs typeface="Times New Roman" panose="02020603050405020304" pitchFamily="18" charset="0"/>
+                        </a:rPr>
+                        <a:t>Modern Instant Messaging Platforms</a:t>
+                      </a:r>
+                    </a:p>
+                  </a:txBody>
+                  <a:tcPr anchor="ctr">
+                    <a:lnL w="12700" cap="flat" cmpd="sng" algn="ctr">
+                      <a:solidFill>
+                        <a:schemeClr val="tx1"/>
+                      </a:solidFill>
+                      <a:prstDash val="solid"/>
+                      <a:round/>
+                      <a:headEnd type="none" w="med" len="med"/>
+                      <a:tailEnd type="none" w="med" len="med"/>
+                    </a:lnL>
+                    <a:lnR w="12700" cap="flat" cmpd="sng" algn="ctr">
+                      <a:solidFill>
+                        <a:schemeClr val="tx1"/>
+                      </a:solidFill>
+                      <a:prstDash val="solid"/>
+                      <a:round/>
+                      <a:headEnd type="none" w="med" len="med"/>
+                      <a:tailEnd type="none" w="med" len="med"/>
+                    </a:lnR>
+                    <a:lnT w="12700" cap="flat" cmpd="sng" algn="ctr">
+                      <a:solidFill>
+                        <a:schemeClr val="tx1"/>
+                      </a:solidFill>
+                      <a:prstDash val="solid"/>
+                      <a:round/>
+                      <a:headEnd type="none" w="med" len="med"/>
+                      <a:tailEnd type="none" w="med" len="med"/>
+                    </a:lnT>
+                    <a:lnB w="12700" cap="flat" cmpd="sng" algn="ctr">
+                      <a:solidFill>
+                        <a:schemeClr val="tx1"/>
+                      </a:solidFill>
+                      <a:prstDash val="solid"/>
+                      <a:round/>
+                      <a:headEnd type="none" w="med" len="med"/>
+                      <a:tailEnd type="none" w="med" len="med"/>
+                    </a:lnB>
+                    <a:noFill/>
+                  </a:tcPr>
+                </a:tc>
+                <a:tc>
+                  <a:txBody>
+                    <a:bodyPr/>
+                    <a:lstStyle/>
+                    <a:p>
+                      <a:pPr algn="ctr"/>
+                      <a:r>
+                        <a:rPr lang="en-US" sz="1800" b="0" i="0" kern="1200" dirty="0" smtClean="0">
+                          <a:solidFill>
+                            <a:schemeClr val="dk1"/>
+                          </a:solidFill>
+                          <a:effectLst/>
+                          <a:latin typeface="+mn-lt"/>
+                          <a:ea typeface="+mn-ea"/>
+                          <a:cs typeface="+mn-cs"/>
+                        </a:rPr>
+                        <a:t>This dissertation investigates whether it is possible to perform end-to-end encryption over an </a:t>
+                      </a:r>
+                      <a:r>
+                        <a:rPr lang="en-US" sz="1800" b="0" i="0" kern="1200" dirty="0" err="1" smtClean="0">
+                          <a:solidFill>
+                            <a:schemeClr val="dk1"/>
+                          </a:solidFill>
+                          <a:effectLst/>
+                          <a:latin typeface="+mn-lt"/>
+                          <a:ea typeface="+mn-ea"/>
+                          <a:cs typeface="+mn-cs"/>
+                        </a:rPr>
+                        <a:t>arbitrary</a:t>
+                      </a:r>
+                      <a:r>
+                        <a:rPr lang="en-US" sz="1800" b="0" i="0" kern="1200" dirty="0" smtClean="0">
+                          <a:solidFill>
+                            <a:schemeClr val="dk1"/>
+                          </a:solidFill>
+                          <a:effectLst/>
+                          <a:latin typeface="+mn-lt"/>
+                          <a:ea typeface="+mn-ea"/>
+                          <a:cs typeface="+mn-cs"/>
+                        </a:rPr>
+                        <a:t> Instant Messaging Platform (IM-P), placing no implicit trust in such platform itself.</a:t>
+                      </a:r>
+                      <a:endParaRPr lang="en-US" sz="1800" b="0" i="0" kern="1200" dirty="0" smtClean="0">
+                        <a:solidFill>
+                          <a:schemeClr val="dk1"/>
+                        </a:solidFill>
+                        <a:effectLst/>
+                        <a:latin typeface="+mn-lt"/>
+                        <a:ea typeface="+mn-ea"/>
+                        <a:cs typeface="+mn-cs"/>
+                      </a:endParaRPr>
+                    </a:p>
+                  </a:txBody>
+                  <a:tcPr anchor="ctr">
+                    <a:lnL w="12700" cap="flat" cmpd="sng" algn="ctr">
+                      <a:solidFill>
+                        <a:schemeClr val="tx1"/>
+                      </a:solidFill>
+                      <a:prstDash val="solid"/>
+                      <a:round/>
+                      <a:headEnd type="none" w="med" len="med"/>
+                      <a:tailEnd type="none" w="med" len="med"/>
+                    </a:lnL>
+                    <a:lnR w="12700" cap="flat" cmpd="sng" algn="ctr">
+                      <a:solidFill>
+                        <a:schemeClr val="tx1"/>
+                      </a:solidFill>
+                      <a:prstDash val="solid"/>
+                      <a:round/>
+                      <a:headEnd type="none" w="med" len="med"/>
+                      <a:tailEnd type="none" w="med" len="med"/>
+                    </a:lnR>
+                    <a:lnT w="12700" cap="flat" cmpd="sng" algn="ctr">
+                      <a:solidFill>
+                        <a:schemeClr val="tx1"/>
+                      </a:solidFill>
+                      <a:prstDash val="solid"/>
+                      <a:round/>
+                      <a:headEnd type="none" w="med" len="med"/>
+                      <a:tailEnd type="none" w="med" len="med"/>
+                    </a:lnT>
+                    <a:lnB w="12700" cap="flat" cmpd="sng" algn="ctr">
+                      <a:solidFill>
+                        <a:schemeClr val="tx1"/>
+                      </a:solidFill>
+                      <a:prstDash val="solid"/>
+                      <a:round/>
+                      <a:headEnd type="none" w="med" len="med"/>
+                      <a:tailEnd type="none" w="med" len="med"/>
+                    </a:lnB>
+                    <a:noFill/>
+                  </a:tcPr>
+                </a:tc>
+                <a:tc>
+                  <a:txBody>
+                    <a:bodyPr/>
+                    <a:lstStyle/>
+                    <a:p>
+                      <a:pPr algn="ctr"/>
+                      <a:r>
+                        <a:rPr lang="en-US" sz="1800" b="0" i="0" kern="1200" dirty="0" smtClean="0">
+                          <a:solidFill>
+                            <a:schemeClr val="dk1"/>
+                          </a:solidFill>
+                          <a:effectLst/>
+                          <a:latin typeface="+mn-lt"/>
+                          <a:ea typeface="+mn-ea"/>
+                          <a:cs typeface="+mn-cs"/>
+                        </a:rPr>
+                        <a:t>Instant Messaging IM</a:t>
+                      </a:r>
+                      <a:endParaRPr lang="en-US" dirty="0">
+                        <a:solidFill>
+                          <a:schemeClr val="tx1"/>
+                        </a:solidFill>
+                        <a:latin typeface="Times New Roman" panose="02020603050405020304" pitchFamily="18" charset="0"/>
+                        <a:cs typeface="Times New Roman" panose="02020603050405020304" pitchFamily="18" charset="0"/>
+                      </a:endParaRPr>
+                    </a:p>
+                  </a:txBody>
+                  <a:tcPr anchor="ctr">
+                    <a:lnL w="12700" cap="flat" cmpd="sng" algn="ctr">
+                      <a:solidFill>
+                        <a:schemeClr val="tx1"/>
+                      </a:solidFill>
+                      <a:prstDash val="solid"/>
+                      <a:round/>
+                      <a:headEnd type="none" w="med" len="med"/>
+                      <a:tailEnd type="none" w="med" len="med"/>
+                    </a:lnL>
+                    <a:lnR w="12700" cap="flat" cmpd="sng" algn="ctr">
+                      <a:solidFill>
+                        <a:schemeClr val="tx1"/>
+                      </a:solidFill>
+                      <a:prstDash val="solid"/>
+                      <a:round/>
+                      <a:headEnd type="none" w="med" len="med"/>
+                      <a:tailEnd type="none" w="med" len="med"/>
+                    </a:lnR>
+                    <a:lnT w="12700" cap="flat" cmpd="sng" algn="ctr">
+                      <a:solidFill>
+                        <a:schemeClr val="tx1"/>
+                      </a:solidFill>
+                      <a:prstDash val="solid"/>
+                      <a:round/>
+                      <a:headEnd type="none" w="med" len="med"/>
+                      <a:tailEnd type="none" w="med" len="med"/>
+                    </a:lnT>
+                    <a:lnB w="12700" cap="flat" cmpd="sng" algn="ctr">
+                      <a:solidFill>
+                        <a:schemeClr val="tx1"/>
+                      </a:solidFill>
+                      <a:prstDash val="solid"/>
+                      <a:round/>
+                      <a:headEnd type="none" w="med" len="med"/>
+                      <a:tailEnd type="none" w="med" len="med"/>
+                    </a:lnB>
+                    <a:noFill/>
+                  </a:tcPr>
+                </a:tc>
+                <a:tc>
+                  <a:txBody>
+                    <a:bodyPr/>
+                    <a:lstStyle/>
+                    <a:p>
+                      <a:pPr algn="ctr"/>
+                      <a:r>
+                        <a:rPr lang="en-US" dirty="0" smtClean="0">
+                          <a:solidFill>
+                            <a:schemeClr val="tx1"/>
+                          </a:solidFill>
+                          <a:latin typeface="Times New Roman" panose="02020603050405020304" pitchFamily="18" charset="0"/>
+                          <a:cs typeface="Times New Roman" panose="02020603050405020304" pitchFamily="18" charset="0"/>
+                        </a:rPr>
+                        <a:t>Using Secure Socket Layer</a:t>
+                      </a:r>
+                    </a:p>
+                    <a:p>
+                      <a:pPr algn="ctr"/>
+                      <a:r>
+                        <a:rPr lang="en-US" dirty="0" smtClean="0">
+                          <a:solidFill>
+                            <a:schemeClr val="tx1"/>
+                          </a:solidFill>
+                          <a:latin typeface="Times New Roman" panose="02020603050405020304" pitchFamily="18" charset="0"/>
+                          <a:cs typeface="Times New Roman" panose="02020603050405020304" pitchFamily="18" charset="0"/>
+                        </a:rPr>
+                        <a:t>(SSL) or Secure Shell (SSH))</a:t>
+                      </a:r>
+                      <a:endParaRPr lang="en-US" dirty="0">
+                        <a:solidFill>
+                          <a:schemeClr val="tx1"/>
+                        </a:solidFill>
+                        <a:latin typeface="Times New Roman" panose="02020603050405020304" pitchFamily="18" charset="0"/>
+                        <a:cs typeface="Times New Roman" panose="02020603050405020304" pitchFamily="18" charset="0"/>
+                      </a:endParaRPr>
+                    </a:p>
+                  </a:txBody>
+                  <a:tcPr anchor="ctr">
+                    <a:lnL w="12700" cap="flat" cmpd="sng" algn="ctr">
+                      <a:solidFill>
+                        <a:schemeClr val="tx1"/>
+                      </a:solidFill>
+                      <a:prstDash val="solid"/>
+                      <a:round/>
+                      <a:headEnd type="none" w="med" len="med"/>
+                      <a:tailEnd type="none" w="med" len="med"/>
+                    </a:lnL>
+                    <a:lnR w="12700" cap="flat" cmpd="sng" algn="ctr">
+                      <a:solidFill>
+                        <a:schemeClr val="tx1"/>
+                      </a:solidFill>
+                      <a:prstDash val="solid"/>
+                      <a:round/>
+                      <a:headEnd type="none" w="med" len="med"/>
+                      <a:tailEnd type="none" w="med" len="med"/>
+                    </a:lnR>
+                    <a:lnT w="12700" cap="flat" cmpd="sng" algn="ctr">
+                      <a:solidFill>
+                        <a:schemeClr val="tx1"/>
+                      </a:solidFill>
+                      <a:prstDash val="solid"/>
+                      <a:round/>
+                      <a:headEnd type="none" w="med" len="med"/>
+                      <a:tailEnd type="none" w="med" len="med"/>
+                    </a:lnT>
+                    <a:lnB w="12700" cap="flat" cmpd="sng" algn="ctr">
+                      <a:solidFill>
+                        <a:schemeClr val="tx1"/>
+                      </a:solidFill>
+                      <a:prstDash val="solid"/>
+                      <a:round/>
+                      <a:headEnd type="none" w="med" len="med"/>
+                      <a:tailEnd type="none" w="med" len="med"/>
+                    </a:lnB>
+                    <a:noFill/>
+                  </a:tcPr>
+                </a:tc>
+                <a:tc>
+                  <a:txBody>
+                    <a:bodyPr/>
+                    <a:lstStyle/>
+                    <a:p>
+                      <a:pPr algn="ctr"/>
+                      <a:r>
+                        <a:rPr lang="en-US" dirty="0" smtClean="0">
+                          <a:solidFill>
+                            <a:schemeClr val="tx1"/>
+                          </a:solidFill>
+                          <a:latin typeface="Times New Roman" panose="02020603050405020304" pitchFamily="18" charset="0"/>
+                          <a:cs typeface="Times New Roman" panose="02020603050405020304" pitchFamily="18" charset="0"/>
+                        </a:rPr>
+                        <a:t>Platfor</a:t>
+                      </a:r>
+                      <a:r>
+                        <a:rPr lang="en-US" baseline="0" dirty="0" smtClean="0">
+                          <a:solidFill>
+                            <a:schemeClr val="tx1"/>
+                          </a:solidFill>
+                          <a:latin typeface="Times New Roman" panose="02020603050405020304" pitchFamily="18" charset="0"/>
+                          <a:cs typeface="Times New Roman" panose="02020603050405020304" pitchFamily="18" charset="0"/>
+                        </a:rPr>
+                        <a:t>m </a:t>
+                      </a:r>
+                      <a:r>
+                        <a:rPr lang="en-US" baseline="0" dirty="0" smtClean="0">
+                          <a:solidFill>
+                            <a:schemeClr val="tx1"/>
+                          </a:solidFill>
+                          <a:latin typeface="Times New Roman" panose="02020603050405020304" pitchFamily="18" charset="0"/>
+                          <a:cs typeface="Times New Roman" panose="02020603050405020304" pitchFamily="18" charset="0"/>
+                        </a:rPr>
+                        <a:t>Dependent</a:t>
+                      </a:r>
+                      <a:endParaRPr lang="en-US" baseline="0" dirty="0" smtClean="0">
+                        <a:solidFill>
+                          <a:schemeClr val="tx1"/>
+                        </a:solidFill>
+                        <a:latin typeface="Times New Roman" panose="02020603050405020304" pitchFamily="18" charset="0"/>
+                        <a:cs typeface="Times New Roman" panose="02020603050405020304" pitchFamily="18" charset="0"/>
+                      </a:endParaRPr>
+                    </a:p>
+                  </a:txBody>
+                  <a:tcPr anchor="ctr">
+                    <a:lnL w="12700" cap="flat" cmpd="sng" algn="ctr">
+                      <a:solidFill>
+                        <a:schemeClr val="tx1"/>
+                      </a:solidFill>
+                      <a:prstDash val="solid"/>
+                      <a:round/>
+                      <a:headEnd type="none" w="med" len="med"/>
+                      <a:tailEnd type="none" w="med" len="med"/>
+                    </a:lnL>
+                    <a:lnR w="12700" cap="flat" cmpd="sng" algn="ctr">
+                      <a:solidFill>
+                        <a:schemeClr val="tx1"/>
+                      </a:solidFill>
+                      <a:prstDash val="solid"/>
+                      <a:round/>
+                      <a:headEnd type="none" w="med" len="med"/>
+                      <a:tailEnd type="none" w="med" len="med"/>
+                    </a:lnR>
+                    <a:lnT w="12700" cap="flat" cmpd="sng" algn="ctr">
+                      <a:solidFill>
+                        <a:schemeClr val="tx1"/>
+                      </a:solidFill>
+                      <a:prstDash val="solid"/>
+                      <a:round/>
+                      <a:headEnd type="none" w="med" len="med"/>
+                      <a:tailEnd type="none" w="med" len="med"/>
+                    </a:lnT>
+                    <a:lnB w="12700" cap="flat" cmpd="sng" algn="ctr">
+                      <a:solidFill>
+                        <a:schemeClr val="tx1"/>
+                      </a:solidFill>
+                      <a:prstDash val="solid"/>
+                      <a:round/>
+                      <a:headEnd type="none" w="med" len="med"/>
+                      <a:tailEnd type="none" w="med" len="med"/>
+                    </a:lnB>
+                    <a:noFill/>
+                  </a:tcPr>
+                </a:tc>
+                <a:extLst>
+                  <a:ext uri="{0D108BD9-81ED-4DB2-BD59-A6C34878D82A}">
+                    <a16:rowId xmlns:a16="http://schemas.microsoft.com/office/drawing/2014/main" val="4275570003"/>
+                  </a:ext>
+                </a:extLst>
+              </a:tr>
+            </a:tbl>
+          </a:graphicData>
+        </a:graphic>
+      </p:graphicFrame>
+    </p:spTree>
+    <p:extLst>
+      <p:ext uri="{BB962C8B-B14F-4D97-AF65-F5344CB8AC3E}">
+        <p14:creationId xmlns:p14="http://schemas.microsoft.com/office/powerpoint/2010/main" val="1385487078"/>
+      </p:ext>
+    </p:extLst>
+  </p:cSld>
+  <p:clrMapOvr>
+    <a:masterClrMapping/>
+  </p:clrMapOvr>
+  <p:transition spd="slow">
+    <p:wipe/>
+  </p:transition>
+  <p:timing>
+    <p:tnLst>
+      <p:par>
+        <p:cTn id="1" dur="indefinite" restart="never" nodeType="tmRoot"/>
+      </p:par>
+    </p:tnLst>
+  </p:timing>
+</p:sld>
+</file>
+
+<file path=ppt/slides/slide11.xml><?xml version="1.0" encoding="utf-8"?>
+<p:sld xmlns:a="http://schemas.openxmlformats.org/drawingml/2006/main" xmlns:r="http://schemas.openxmlformats.org/officeDocument/2006/relationships" xmlns:p="http://schemas.openxmlformats.org/presentationml/2006/main">
+  <p:cSld>
+    <p:spTree>
+      <p:nvGrpSpPr>
+        <p:cNvPr id="1" name=""/>
+        <p:cNvGrpSpPr/>
+        <p:nvPr/>
+      </p:nvGrpSpPr>
+      <p:grpSpPr>
+        <a:xfrm>
+          <a:off x="0" y="0"/>
+          <a:ext cx="0" cy="0"/>
+          <a:chOff x="0" y="0"/>
+          <a:chExt cx="0" cy="0"/>
+        </a:xfrm>
+      </p:grpSpPr>
+      <p:sp>
+        <p:nvSpPr>
+          <p:cNvPr id="2" name="Title 1"/>
+          <p:cNvSpPr>
+            <a:spLocks noGrp="1"/>
+          </p:cNvSpPr>
+          <p:nvPr>
+            <p:ph type="title"/>
+          </p:nvPr>
+        </p:nvSpPr>
+        <p:spPr>
+          <a:xfrm>
+            <a:off x="609600" y="245455"/>
+            <a:ext cx="10972800" cy="673812"/>
+          </a:xfrm>
+        </p:spPr>
+        <p:txBody>
+          <a:bodyPr>
+            <a:normAutofit/>
+          </a:bodyPr>
+          <a:lstStyle/>
+          <a:p>
+            <a:r>
+              <a:rPr lang="en-US" sz="3600" b="1" dirty="0" smtClean="0">
+                <a:latin typeface="Times New Roman" panose="02020603050405020304" pitchFamily="18" charset="0"/>
+                <a:cs typeface="Times New Roman" panose="02020603050405020304" pitchFamily="18" charset="0"/>
+              </a:rPr>
+              <a:t>EXISTING SYSTEM</a:t>
+            </a:r>
+            <a:endParaRPr lang="en-US" sz="3600" b="1" dirty="0">
+              <a:latin typeface="Times New Roman" pitchFamily="18" charset="0"/>
+            </a:endParaRPr>
+          </a:p>
+        </p:txBody>
+      </p:sp>
+      <p:sp>
+        <p:nvSpPr>
+          <p:cNvPr id="3" name="TextBox 2">
+            <a:extLst>
+              <a:ext uri="{FF2B5EF4-FFF2-40B4-BE49-F238E27FC236}">
+                <a16:creationId xmlns:a16="http://schemas.microsoft.com/office/drawing/2014/main" id="{A8CC6EC7-53F3-9BB9-DC3B-4702CB186EB2}"/>
+              </a:ext>
+            </a:extLst>
+          </p:cNvPr>
+          <p:cNvSpPr txBox="1"/>
+          <p:nvPr/>
+        </p:nvSpPr>
+        <p:spPr>
+          <a:xfrm>
+            <a:off x="689264" y="818102"/>
+            <a:ext cx="10893136" cy="5632311"/>
+          </a:xfrm>
+          <a:prstGeom prst="rect">
+            <a:avLst/>
+          </a:prstGeom>
+          <a:noFill/>
+        </p:spPr>
+        <p:txBody>
+          <a:bodyPr wrap="square" rtlCol="0">
+            <a:spAutoFit/>
+          </a:bodyPr>
+          <a:lstStyle/>
+          <a:p>
+            <a:pPr marL="342900" indent="-342900" algn="just">
+              <a:lnSpc>
+                <a:spcPct val="150000"/>
+              </a:lnSpc>
+              <a:buFont typeface="Wingdings" panose="05000000000000000000" pitchFamily="2" charset="2"/>
+              <a:buChar char="v"/>
+            </a:pPr>
+            <a:r>
+              <a:rPr lang="en-US" sz="2400" dirty="0">
+                <a:latin typeface="Times New Roman" panose="02020603050405020304" pitchFamily="18" charset="0"/>
+                <a:cs typeface="Times New Roman" panose="02020603050405020304" pitchFamily="18" charset="0"/>
+              </a:rPr>
+              <a:t>Basic Encrypted Chat</a:t>
+            </a:r>
+            <a:r>
+              <a:rPr lang="en-US" sz="2400" dirty="0" smtClean="0">
+                <a:latin typeface="Times New Roman" panose="02020603050405020304" pitchFamily="18" charset="0"/>
+                <a:cs typeface="Times New Roman" panose="02020603050405020304" pitchFamily="18" charset="0"/>
+              </a:rPr>
+              <a:t>:</a:t>
+            </a:r>
+            <a:endParaRPr lang="en-US" sz="2400" dirty="0">
+              <a:latin typeface="Times New Roman" panose="02020603050405020304" pitchFamily="18" charset="0"/>
+              <a:cs typeface="Times New Roman" panose="02020603050405020304" pitchFamily="18" charset="0"/>
+            </a:endParaRPr>
+          </a:p>
+          <a:p>
+            <a:pPr lvl="1" algn="just">
+              <a:lnSpc>
+                <a:spcPct val="150000"/>
+              </a:lnSpc>
+            </a:pPr>
+            <a:r>
+              <a:rPr lang="en-US" sz="2400" dirty="0" smtClean="0">
+                <a:latin typeface="Times New Roman" panose="02020603050405020304" pitchFamily="18" charset="0"/>
+                <a:cs typeface="Times New Roman" panose="02020603050405020304" pitchFamily="18" charset="0"/>
+              </a:rPr>
+              <a:t>Typically</a:t>
+            </a:r>
+            <a:r>
+              <a:rPr lang="en-US" sz="2400" dirty="0">
+                <a:latin typeface="Times New Roman" panose="02020603050405020304" pitchFamily="18" charset="0"/>
+                <a:cs typeface="Times New Roman" panose="02020603050405020304" pitchFamily="18" charset="0"/>
+              </a:rPr>
+              <a:t>, existing chat applications use encryption protocols (e.g., TLS/SSL) to secure data in </a:t>
+            </a:r>
+            <a:r>
+              <a:rPr lang="en-US" sz="2400" dirty="0" smtClean="0">
+                <a:latin typeface="Times New Roman" panose="02020603050405020304" pitchFamily="18" charset="0"/>
+                <a:cs typeface="Times New Roman" panose="02020603050405020304" pitchFamily="18" charset="0"/>
+              </a:rPr>
+              <a:t>transit. However</a:t>
+            </a:r>
+            <a:r>
+              <a:rPr lang="en-US" sz="2400" dirty="0">
+                <a:latin typeface="Times New Roman" panose="02020603050405020304" pitchFamily="18" charset="0"/>
+                <a:cs typeface="Times New Roman" panose="02020603050405020304" pitchFamily="18" charset="0"/>
+              </a:rPr>
+              <a:t>, end-to-end encryption may not be universal, leaving potential vulnerabilities.</a:t>
+            </a:r>
+          </a:p>
+          <a:p>
+            <a:pPr marL="285750" indent="-285750" algn="just">
+              <a:lnSpc>
+                <a:spcPct val="150000"/>
+              </a:lnSpc>
+              <a:buFont typeface="Wingdings" panose="05000000000000000000" pitchFamily="2" charset="2"/>
+              <a:buChar char="v"/>
+            </a:pPr>
+            <a:r>
+              <a:rPr lang="en-US" sz="2400" dirty="0">
+                <a:latin typeface="Times New Roman" panose="02020603050405020304" pitchFamily="18" charset="0"/>
+                <a:cs typeface="Times New Roman" panose="02020603050405020304" pitchFamily="18" charset="0"/>
+              </a:rPr>
+              <a:t>User </a:t>
+            </a:r>
+            <a:r>
+              <a:rPr lang="en-US" sz="2400" dirty="0" smtClean="0">
+                <a:latin typeface="Times New Roman" panose="02020603050405020304" pitchFamily="18" charset="0"/>
+                <a:cs typeface="Times New Roman" panose="02020603050405020304" pitchFamily="18" charset="0"/>
+              </a:rPr>
+              <a:t>Authentication:</a:t>
+            </a:r>
+          </a:p>
+          <a:p>
+            <a:pPr algn="just">
+              <a:lnSpc>
+                <a:spcPct val="150000"/>
+              </a:lnSpc>
+            </a:pPr>
+            <a:r>
+              <a:rPr lang="en-US" sz="2400" dirty="0">
+                <a:latin typeface="Times New Roman" panose="02020603050405020304" pitchFamily="18" charset="0"/>
+                <a:cs typeface="Times New Roman" panose="02020603050405020304" pitchFamily="18" charset="0"/>
+              </a:rPr>
+              <a:t>	</a:t>
+            </a:r>
+            <a:r>
+              <a:rPr lang="en-US" sz="2400" dirty="0" smtClean="0">
+                <a:latin typeface="Times New Roman" panose="02020603050405020304" pitchFamily="18" charset="0"/>
+                <a:cs typeface="Times New Roman" panose="02020603050405020304" pitchFamily="18" charset="0"/>
+              </a:rPr>
+              <a:t>Commonly</a:t>
+            </a:r>
+            <a:r>
+              <a:rPr lang="en-US" sz="2400" dirty="0">
+                <a:latin typeface="Times New Roman" panose="02020603050405020304" pitchFamily="18" charset="0"/>
+                <a:cs typeface="Times New Roman" panose="02020603050405020304" pitchFamily="18" charset="0"/>
+              </a:rPr>
+              <a:t>, user authentication relies on usernames and </a:t>
+            </a:r>
+            <a:r>
+              <a:rPr lang="en-US" sz="2400" dirty="0" smtClean="0">
+                <a:latin typeface="Times New Roman" panose="02020603050405020304" pitchFamily="18" charset="0"/>
+                <a:cs typeface="Times New Roman" panose="02020603050405020304" pitchFamily="18" charset="0"/>
+              </a:rPr>
+              <a:t>passwords.</a:t>
+            </a:r>
+          </a:p>
+          <a:p>
+            <a:pPr algn="just">
+              <a:lnSpc>
+                <a:spcPct val="150000"/>
+              </a:lnSpc>
+            </a:pPr>
+            <a:r>
+              <a:rPr lang="en-US" sz="2400" dirty="0">
+                <a:latin typeface="Times New Roman" panose="02020603050405020304" pitchFamily="18" charset="0"/>
+                <a:cs typeface="Times New Roman" panose="02020603050405020304" pitchFamily="18" charset="0"/>
+              </a:rPr>
+              <a:t>	</a:t>
+            </a:r>
+            <a:r>
+              <a:rPr lang="en-US" sz="2400" dirty="0" smtClean="0">
+                <a:latin typeface="Times New Roman" panose="02020603050405020304" pitchFamily="18" charset="0"/>
+                <a:cs typeface="Times New Roman" panose="02020603050405020304" pitchFamily="18" charset="0"/>
+              </a:rPr>
+              <a:t>Centralized </a:t>
+            </a:r>
+            <a:r>
+              <a:rPr lang="en-US" sz="2400" dirty="0">
+                <a:latin typeface="Times New Roman" panose="02020603050405020304" pitchFamily="18" charset="0"/>
+                <a:cs typeface="Times New Roman" panose="02020603050405020304" pitchFamily="18" charset="0"/>
+              </a:rPr>
+              <a:t>authentication systems may pose risks if compromised.</a:t>
+            </a:r>
+          </a:p>
+          <a:p>
+            <a:pPr marL="285750" indent="-285750" algn="just">
+              <a:lnSpc>
+                <a:spcPct val="150000"/>
+              </a:lnSpc>
+              <a:buFont typeface="Wingdings" panose="05000000000000000000" pitchFamily="2" charset="2"/>
+              <a:buChar char="v"/>
+            </a:pPr>
+            <a:r>
+              <a:rPr lang="en-US" sz="2400" dirty="0">
+                <a:latin typeface="Times New Roman" panose="02020603050405020304" pitchFamily="18" charset="0"/>
+                <a:cs typeface="Times New Roman" panose="02020603050405020304" pitchFamily="18" charset="0"/>
+              </a:rPr>
+              <a:t>Centralized </a:t>
+            </a:r>
+            <a:r>
+              <a:rPr lang="en-US" sz="2400" dirty="0" smtClean="0">
+                <a:latin typeface="Times New Roman" panose="02020603050405020304" pitchFamily="18" charset="0"/>
+                <a:cs typeface="Times New Roman" panose="02020603050405020304" pitchFamily="18" charset="0"/>
+              </a:rPr>
+              <a:t>Server:</a:t>
+            </a:r>
+          </a:p>
+          <a:p>
+            <a:pPr lvl="1" algn="just">
+              <a:lnSpc>
+                <a:spcPct val="150000"/>
+              </a:lnSpc>
+            </a:pPr>
+            <a:r>
+              <a:rPr lang="en-US" sz="2400" dirty="0" smtClean="0">
+                <a:latin typeface="Times New Roman" panose="02020603050405020304" pitchFamily="18" charset="0"/>
+                <a:cs typeface="Times New Roman" panose="02020603050405020304" pitchFamily="18" charset="0"/>
+              </a:rPr>
+              <a:t>Most </a:t>
+            </a:r>
+            <a:r>
+              <a:rPr lang="en-US" sz="2400" dirty="0">
+                <a:latin typeface="Times New Roman" panose="02020603050405020304" pitchFamily="18" charset="0"/>
+                <a:cs typeface="Times New Roman" panose="02020603050405020304" pitchFamily="18" charset="0"/>
+              </a:rPr>
+              <a:t>chat applications use a centralized server architecture.</a:t>
+            </a:r>
+          </a:p>
+          <a:p>
+            <a:pPr algn="just">
+              <a:lnSpc>
+                <a:spcPct val="150000"/>
+              </a:lnSpc>
+            </a:pPr>
+            <a:r>
+              <a:rPr lang="en-US" sz="2400" dirty="0" smtClean="0">
+                <a:latin typeface="Times New Roman" panose="02020603050405020304" pitchFamily="18" charset="0"/>
+                <a:cs typeface="Times New Roman" panose="02020603050405020304" pitchFamily="18" charset="0"/>
+              </a:rPr>
+              <a:t>	This </a:t>
+            </a:r>
+            <a:r>
+              <a:rPr lang="en-US" sz="2400" dirty="0">
+                <a:latin typeface="Times New Roman" panose="02020603050405020304" pitchFamily="18" charset="0"/>
+                <a:cs typeface="Times New Roman" panose="02020603050405020304" pitchFamily="18" charset="0"/>
+              </a:rPr>
+              <a:t>introduces a single point of failure and potential security concerns</a:t>
+            </a:r>
+            <a:r>
+              <a:rPr lang="en-US" sz="2400" dirty="0" smtClean="0">
+                <a:latin typeface="Times New Roman" panose="02020603050405020304" pitchFamily="18" charset="0"/>
+                <a:cs typeface="Times New Roman" panose="02020603050405020304" pitchFamily="18" charset="0"/>
+              </a:rPr>
+              <a:t>.</a:t>
+            </a:r>
+            <a:endParaRPr lang="en-US" sz="2400" dirty="0">
+              <a:latin typeface="Times New Roman" panose="02020603050405020304" pitchFamily="18" charset="0"/>
+              <a:cs typeface="Times New Roman" panose="02020603050405020304" pitchFamily="18" charset="0"/>
+            </a:endParaRPr>
+          </a:p>
+        </p:txBody>
+      </p:sp>
+    </p:spTree>
+    <p:extLst>
+      <p:ext uri="{BB962C8B-B14F-4D97-AF65-F5344CB8AC3E}">
+        <p14:creationId xmlns:p14="http://schemas.microsoft.com/office/powerpoint/2010/main" val="2041505513"/>
+      </p:ext>
+    </p:extLst>
+  </p:cSld>
+  <p:clrMapOvr>
+    <a:masterClrMapping/>
+  </p:clrMapOvr>
+  <p:transition spd="slow">
+    <p:wipe/>
+  </p:transition>
+  <p:timing>
+    <p:tnLst>
+      <p:par>
+        <p:cTn id="1" dur="indefinite" restart="never" nodeType="tmRoot"/>
+      </p:par>
+    </p:tnLst>
+  </p:timing>
+</p:sld>
+</file>
+
+<file path=ppt/slides/slide12.xml><?xml version="1.0" encoding="utf-8"?>
+<p:sld xmlns:a="http://schemas.openxmlformats.org/drawingml/2006/main" xmlns:r="http://schemas.openxmlformats.org/officeDocument/2006/relationships" xmlns:p="http://schemas.openxmlformats.org/presentationml/2006/main">
+  <p:cSld>
+    <p:spTree>
+      <p:nvGrpSpPr>
+        <p:cNvPr id="1" name=""/>
+        <p:cNvGrpSpPr/>
+        <p:nvPr/>
+      </p:nvGrpSpPr>
+      <p:grpSpPr>
+        <a:xfrm>
+          <a:off x="0" y="0"/>
+          <a:ext cx="0" cy="0"/>
+          <a:chOff x="0" y="0"/>
+          <a:chExt cx="0" cy="0"/>
+        </a:xfrm>
+      </p:grpSpPr>
+      <p:sp>
+        <p:nvSpPr>
+          <p:cNvPr id="2" name="Title 1"/>
+          <p:cNvSpPr>
+            <a:spLocks noGrp="1"/>
+          </p:cNvSpPr>
+          <p:nvPr>
+            <p:ph type="title"/>
+          </p:nvPr>
+        </p:nvSpPr>
+        <p:spPr>
+          <a:xfrm>
+            <a:off x="609600" y="245455"/>
+            <a:ext cx="10972800" cy="673812"/>
+          </a:xfrm>
+        </p:spPr>
+        <p:txBody>
+          <a:bodyPr>
+            <a:normAutofit/>
+          </a:bodyPr>
+          <a:lstStyle/>
+          <a:p>
+            <a:r>
+              <a:rPr lang="en-US" sz="3600" b="1" dirty="0" smtClean="0">
+                <a:latin typeface="Times New Roman" panose="02020603050405020304" pitchFamily="18" charset="0"/>
+                <a:cs typeface="Times New Roman" panose="02020603050405020304" pitchFamily="18" charset="0"/>
+              </a:rPr>
+              <a:t>PROPOSED SYSTEM</a:t>
+            </a:r>
+            <a:endParaRPr lang="en-US" sz="3600" b="1" dirty="0">
+              <a:latin typeface="Times New Roman" pitchFamily="18" charset="0"/>
+            </a:endParaRPr>
+          </a:p>
+        </p:txBody>
+      </p:sp>
+      <p:sp>
+        <p:nvSpPr>
+          <p:cNvPr id="3" name="TextBox 2">
+            <a:extLst>
+              <a:ext uri="{FF2B5EF4-FFF2-40B4-BE49-F238E27FC236}">
+                <a16:creationId xmlns:a16="http://schemas.microsoft.com/office/drawing/2014/main" id="{A8CC6EC7-53F3-9BB9-DC3B-4702CB186EB2}"/>
+              </a:ext>
+            </a:extLst>
+          </p:cNvPr>
+          <p:cNvSpPr txBox="1"/>
+          <p:nvPr/>
+        </p:nvSpPr>
+        <p:spPr>
+          <a:xfrm>
+            <a:off x="649432" y="582361"/>
+            <a:ext cx="10893136" cy="6186309"/>
+          </a:xfrm>
+          <a:prstGeom prst="rect">
+            <a:avLst/>
+          </a:prstGeom>
+          <a:noFill/>
+        </p:spPr>
+        <p:txBody>
+          <a:bodyPr wrap="square" rtlCol="0">
+            <a:spAutoFit/>
+          </a:bodyPr>
+          <a:lstStyle/>
+          <a:p>
+            <a:pPr marL="285750" indent="-285750" algn="just">
+              <a:lnSpc>
+                <a:spcPct val="150000"/>
+              </a:lnSpc>
+              <a:buFont typeface="Wingdings" panose="05000000000000000000" pitchFamily="2" charset="2"/>
+              <a:buChar char="v"/>
+            </a:pPr>
+            <a:r>
+              <a:rPr lang="en-US" sz="2400" dirty="0">
+                <a:latin typeface="Times New Roman" panose="02020603050405020304" pitchFamily="18" charset="0"/>
+                <a:cs typeface="Times New Roman" panose="02020603050405020304" pitchFamily="18" charset="0"/>
+              </a:rPr>
+              <a:t>End-to-End Encryption</a:t>
+            </a:r>
+            <a:r>
+              <a:rPr lang="en-US" sz="2400" dirty="0" smtClean="0">
+                <a:latin typeface="Times New Roman" panose="02020603050405020304" pitchFamily="18" charset="0"/>
+                <a:cs typeface="Times New Roman" panose="02020603050405020304" pitchFamily="18" charset="0"/>
+              </a:rPr>
+              <a:t>:</a:t>
+            </a:r>
+            <a:endParaRPr lang="en-US" sz="2400" dirty="0">
+              <a:latin typeface="Times New Roman" panose="02020603050405020304" pitchFamily="18" charset="0"/>
+              <a:cs typeface="Times New Roman" panose="02020603050405020304" pitchFamily="18" charset="0"/>
+            </a:endParaRPr>
+          </a:p>
+          <a:p>
+            <a:pPr algn="just">
+              <a:lnSpc>
+                <a:spcPct val="150000"/>
+              </a:lnSpc>
+            </a:pPr>
+            <a:r>
+              <a:rPr lang="en-US" sz="2400" dirty="0" smtClean="0">
+                <a:latin typeface="Times New Roman" panose="02020603050405020304" pitchFamily="18" charset="0"/>
+                <a:cs typeface="Times New Roman" panose="02020603050405020304" pitchFamily="18" charset="0"/>
+              </a:rPr>
+              <a:t>	Implements </a:t>
+            </a:r>
+            <a:r>
+              <a:rPr lang="en-US" sz="2400" dirty="0">
+                <a:latin typeface="Times New Roman" panose="02020603050405020304" pitchFamily="18" charset="0"/>
+                <a:cs typeface="Times New Roman" panose="02020603050405020304" pitchFamily="18" charset="0"/>
+              </a:rPr>
+              <a:t>robust end-to-end encryption algorithms for secure communication.</a:t>
+            </a:r>
+          </a:p>
+          <a:p>
+            <a:pPr algn="just">
+              <a:lnSpc>
+                <a:spcPct val="150000"/>
+              </a:lnSpc>
+            </a:pPr>
+            <a:r>
+              <a:rPr lang="en-US" sz="2400" dirty="0" smtClean="0">
+                <a:latin typeface="Times New Roman" panose="02020603050405020304" pitchFamily="18" charset="0"/>
+                <a:cs typeface="Times New Roman" panose="02020603050405020304" pitchFamily="18" charset="0"/>
+              </a:rPr>
+              <a:t>	Ensures </a:t>
+            </a:r>
+            <a:r>
+              <a:rPr lang="en-US" sz="2400" dirty="0">
+                <a:latin typeface="Times New Roman" panose="02020603050405020304" pitchFamily="18" charset="0"/>
+                <a:cs typeface="Times New Roman" panose="02020603050405020304" pitchFamily="18" charset="0"/>
+              </a:rPr>
+              <a:t>that only the intended recipients can decrypt and access messages</a:t>
+            </a:r>
+            <a:r>
+              <a:rPr lang="en-US" sz="2400" dirty="0" smtClean="0">
+                <a:latin typeface="Times New Roman" panose="02020603050405020304" pitchFamily="18" charset="0"/>
+                <a:cs typeface="Times New Roman" panose="02020603050405020304" pitchFamily="18" charset="0"/>
+              </a:rPr>
+              <a:t>.</a:t>
+            </a:r>
+            <a:endParaRPr lang="en-US" sz="2400" dirty="0">
+              <a:latin typeface="Times New Roman" panose="02020603050405020304" pitchFamily="18" charset="0"/>
+              <a:cs typeface="Times New Roman" panose="02020603050405020304" pitchFamily="18" charset="0"/>
+            </a:endParaRPr>
+          </a:p>
+          <a:p>
+            <a:pPr marL="285750" indent="-285750" algn="just">
+              <a:lnSpc>
+                <a:spcPct val="150000"/>
+              </a:lnSpc>
+              <a:buFont typeface="Wingdings" panose="05000000000000000000" pitchFamily="2" charset="2"/>
+              <a:buChar char="v"/>
+            </a:pPr>
+            <a:r>
+              <a:rPr lang="en-US" sz="2400" dirty="0" smtClean="0">
+                <a:latin typeface="Times New Roman" panose="02020603050405020304" pitchFamily="18" charset="0"/>
+                <a:cs typeface="Times New Roman" panose="02020603050405020304" pitchFamily="18" charset="0"/>
+              </a:rPr>
+              <a:t>Block-chain </a:t>
+            </a:r>
+            <a:r>
+              <a:rPr lang="en-US" sz="2400" dirty="0">
+                <a:latin typeface="Times New Roman" panose="02020603050405020304" pitchFamily="18" charset="0"/>
+                <a:cs typeface="Times New Roman" panose="02020603050405020304" pitchFamily="18" charset="0"/>
+              </a:rPr>
+              <a:t>Authentication</a:t>
+            </a:r>
+            <a:r>
+              <a:rPr lang="en-US" sz="2400" dirty="0" smtClean="0">
+                <a:latin typeface="Times New Roman" panose="02020603050405020304" pitchFamily="18" charset="0"/>
+                <a:cs typeface="Times New Roman" panose="02020603050405020304" pitchFamily="18" charset="0"/>
+              </a:rPr>
+              <a:t>:</a:t>
+            </a:r>
+            <a:endParaRPr lang="en-US" sz="2400" dirty="0">
+              <a:latin typeface="Times New Roman" panose="02020603050405020304" pitchFamily="18" charset="0"/>
+              <a:cs typeface="Times New Roman" panose="02020603050405020304" pitchFamily="18" charset="0"/>
+            </a:endParaRPr>
+          </a:p>
+          <a:p>
+            <a:pPr algn="just">
+              <a:lnSpc>
+                <a:spcPct val="150000"/>
+              </a:lnSpc>
+            </a:pPr>
+            <a:r>
+              <a:rPr lang="en-US" sz="2400" dirty="0" smtClean="0">
+                <a:latin typeface="Times New Roman" panose="02020603050405020304" pitchFamily="18" charset="0"/>
+                <a:cs typeface="Times New Roman" panose="02020603050405020304" pitchFamily="18" charset="0"/>
+              </a:rPr>
+              <a:t>	Leverages block-chain </a:t>
+            </a:r>
+            <a:r>
+              <a:rPr lang="en-US" sz="2400" dirty="0">
+                <a:latin typeface="Times New Roman" panose="02020603050405020304" pitchFamily="18" charset="0"/>
+                <a:cs typeface="Times New Roman" panose="02020603050405020304" pitchFamily="18" charset="0"/>
+              </a:rPr>
+              <a:t>for user authentication.</a:t>
+            </a:r>
+          </a:p>
+          <a:p>
+            <a:pPr algn="just">
+              <a:lnSpc>
+                <a:spcPct val="150000"/>
+              </a:lnSpc>
+            </a:pPr>
+            <a:r>
+              <a:rPr lang="en-US" sz="2400" dirty="0" smtClean="0">
+                <a:latin typeface="Times New Roman" panose="02020603050405020304" pitchFamily="18" charset="0"/>
+                <a:cs typeface="Times New Roman" panose="02020603050405020304" pitchFamily="18" charset="0"/>
+              </a:rPr>
+              <a:t>	Each </a:t>
+            </a:r>
+            <a:r>
+              <a:rPr lang="en-US" sz="2400" dirty="0">
+                <a:latin typeface="Times New Roman" panose="02020603050405020304" pitchFamily="18" charset="0"/>
+                <a:cs typeface="Times New Roman" panose="02020603050405020304" pitchFamily="18" charset="0"/>
+              </a:rPr>
+              <a:t>user has a unique identifier on the </a:t>
+            </a:r>
+            <a:r>
+              <a:rPr lang="en-US" sz="2400" dirty="0" smtClean="0">
+                <a:latin typeface="Times New Roman" panose="02020603050405020304" pitchFamily="18" charset="0"/>
+                <a:cs typeface="Times New Roman" panose="02020603050405020304" pitchFamily="18" charset="0"/>
+              </a:rPr>
+              <a:t>block-chain</a:t>
+            </a:r>
+            <a:r>
+              <a:rPr lang="en-US" sz="2400" dirty="0">
+                <a:latin typeface="Times New Roman" panose="02020603050405020304" pitchFamily="18" charset="0"/>
+                <a:cs typeface="Times New Roman" panose="02020603050405020304" pitchFamily="18" charset="0"/>
+              </a:rPr>
+              <a:t>, enhancing security and </a:t>
+            </a:r>
+            <a:r>
+              <a:rPr lang="en-US" sz="2400" dirty="0" smtClean="0">
+                <a:latin typeface="Times New Roman" panose="02020603050405020304" pitchFamily="18" charset="0"/>
+                <a:cs typeface="Times New Roman" panose="02020603050405020304" pitchFamily="18" charset="0"/>
+              </a:rPr>
+              <a:t>	decentralizing </a:t>
+            </a:r>
+            <a:r>
+              <a:rPr lang="en-US" sz="2400" dirty="0">
+                <a:latin typeface="Times New Roman" panose="02020603050405020304" pitchFamily="18" charset="0"/>
+                <a:cs typeface="Times New Roman" panose="02020603050405020304" pitchFamily="18" charset="0"/>
+              </a:rPr>
+              <a:t>user management</a:t>
+            </a:r>
+            <a:r>
+              <a:rPr lang="en-US" sz="2400" dirty="0" smtClean="0">
+                <a:latin typeface="Times New Roman" panose="02020603050405020304" pitchFamily="18" charset="0"/>
+                <a:cs typeface="Times New Roman" panose="02020603050405020304" pitchFamily="18" charset="0"/>
+              </a:rPr>
+              <a:t>.</a:t>
+            </a:r>
+            <a:endParaRPr lang="en-US" sz="2400" dirty="0">
+              <a:latin typeface="Times New Roman" panose="02020603050405020304" pitchFamily="18" charset="0"/>
+              <a:cs typeface="Times New Roman" panose="02020603050405020304" pitchFamily="18" charset="0"/>
+            </a:endParaRPr>
+          </a:p>
+          <a:p>
+            <a:pPr marL="285750" indent="-285750" algn="just">
+              <a:lnSpc>
+                <a:spcPct val="150000"/>
+              </a:lnSpc>
+              <a:buFont typeface="Wingdings" panose="05000000000000000000" pitchFamily="2" charset="2"/>
+              <a:buChar char="v"/>
+            </a:pPr>
+            <a:r>
+              <a:rPr lang="en-US" sz="2400" dirty="0">
+                <a:latin typeface="Times New Roman" panose="02020603050405020304" pitchFamily="18" charset="0"/>
+                <a:cs typeface="Times New Roman" panose="02020603050405020304" pitchFamily="18" charset="0"/>
+              </a:rPr>
+              <a:t>Decentralized Message Integrity</a:t>
+            </a:r>
+            <a:r>
+              <a:rPr lang="en-US" sz="2400" dirty="0" smtClean="0">
+                <a:latin typeface="Times New Roman" panose="02020603050405020304" pitchFamily="18" charset="0"/>
+                <a:cs typeface="Times New Roman" panose="02020603050405020304" pitchFamily="18" charset="0"/>
+              </a:rPr>
+              <a:t>:</a:t>
+            </a:r>
+            <a:endParaRPr lang="en-US" sz="2400" dirty="0">
+              <a:latin typeface="Times New Roman" panose="02020603050405020304" pitchFamily="18" charset="0"/>
+              <a:cs typeface="Times New Roman" panose="02020603050405020304" pitchFamily="18" charset="0"/>
+            </a:endParaRPr>
+          </a:p>
+          <a:p>
+            <a:pPr algn="just">
+              <a:lnSpc>
+                <a:spcPct val="150000"/>
+              </a:lnSpc>
+            </a:pPr>
+            <a:r>
+              <a:rPr lang="en-US" sz="2400" dirty="0" smtClean="0">
+                <a:latin typeface="Times New Roman" panose="02020603050405020304" pitchFamily="18" charset="0"/>
+                <a:cs typeface="Times New Roman" panose="02020603050405020304" pitchFamily="18" charset="0"/>
+              </a:rPr>
+              <a:t>	Uses block-chain </a:t>
+            </a:r>
+            <a:r>
+              <a:rPr lang="en-US" sz="2400" dirty="0">
+                <a:latin typeface="Times New Roman" panose="02020603050405020304" pitchFamily="18" charset="0"/>
+                <a:cs typeface="Times New Roman" panose="02020603050405020304" pitchFamily="18" charset="0"/>
+              </a:rPr>
+              <a:t>as a distributed ledger for storing message metadata.</a:t>
+            </a:r>
+          </a:p>
+          <a:p>
+            <a:pPr algn="just">
+              <a:lnSpc>
+                <a:spcPct val="150000"/>
+              </a:lnSpc>
+            </a:pPr>
+            <a:r>
+              <a:rPr lang="en-US" sz="2400" dirty="0" smtClean="0">
+                <a:latin typeface="Times New Roman" panose="02020603050405020304" pitchFamily="18" charset="0"/>
+                <a:cs typeface="Times New Roman" panose="02020603050405020304" pitchFamily="18" charset="0"/>
+              </a:rPr>
+              <a:t>	Ensures </a:t>
+            </a:r>
+            <a:r>
+              <a:rPr lang="en-US" sz="2400" dirty="0">
+                <a:latin typeface="Times New Roman" panose="02020603050405020304" pitchFamily="18" charset="0"/>
+                <a:cs typeface="Times New Roman" panose="02020603050405020304" pitchFamily="18" charset="0"/>
+              </a:rPr>
+              <a:t>the integrity and tamper-resistance of messages with timestamping on the </a:t>
+            </a:r>
+            <a:r>
+              <a:rPr lang="en-US" sz="2400" dirty="0" smtClean="0">
+                <a:latin typeface="Times New Roman" panose="02020603050405020304" pitchFamily="18" charset="0"/>
+                <a:cs typeface="Times New Roman" panose="02020603050405020304" pitchFamily="18" charset="0"/>
+              </a:rPr>
+              <a:t>	block-chain</a:t>
+            </a:r>
+            <a:r>
+              <a:rPr lang="en-US" sz="2400" dirty="0">
+                <a:latin typeface="Times New Roman" panose="02020603050405020304" pitchFamily="18" charset="0"/>
+                <a:cs typeface="Times New Roman" panose="02020603050405020304" pitchFamily="18" charset="0"/>
+              </a:rPr>
+              <a:t>.</a:t>
+            </a:r>
+          </a:p>
+        </p:txBody>
+      </p:sp>
+    </p:spTree>
+    <p:extLst>
+      <p:ext uri="{BB962C8B-B14F-4D97-AF65-F5344CB8AC3E}">
+        <p14:creationId xmlns:p14="http://schemas.microsoft.com/office/powerpoint/2010/main" val="3421053099"/>
+      </p:ext>
+    </p:extLst>
+  </p:cSld>
+  <p:clrMapOvr>
+    <a:masterClrMapping/>
+  </p:clrMapOvr>
+  <p:transition spd="slow">
+    <p:wipe/>
+  </p:transition>
+  <p:timing>
+    <p:tnLst>
+      <p:par>
+        <p:cTn id="1" dur="indefinite" restart="never" nodeType="tmRoot"/>
+      </p:par>
+    </p:tnLst>
+  </p:timing>
+</p:sld>
+</file>
+
+<file path=ppt/slides/slide13.xml><?xml version="1.0" encoding="utf-8"?>
+<p:sld xmlns:a="http://schemas.openxmlformats.org/drawingml/2006/main" xmlns:r="http://schemas.openxmlformats.org/officeDocument/2006/relationships" xmlns:p="http://schemas.openxmlformats.org/presentationml/2006/main">
+  <p:cSld>
+    <p:spTree>
+      <p:nvGrpSpPr>
+        <p:cNvPr id="1" name=""/>
+        <p:cNvGrpSpPr/>
+        <p:nvPr/>
+      </p:nvGrpSpPr>
+      <p:grpSpPr>
+        <a:xfrm>
+          <a:off x="0" y="0"/>
+          <a:ext cx="0" cy="0"/>
+          <a:chOff x="0" y="0"/>
+          <a:chExt cx="0" cy="0"/>
+        </a:xfrm>
+      </p:grpSpPr>
+      <p:sp>
+        <p:nvSpPr>
+          <p:cNvPr id="2" name="Title 1"/>
+          <p:cNvSpPr>
+            <a:spLocks noGrp="1"/>
+          </p:cNvSpPr>
+          <p:nvPr>
+            <p:ph type="title"/>
+          </p:nvPr>
+        </p:nvSpPr>
+        <p:spPr>
+          <a:xfrm>
             <a:off x="609600" y="204284"/>
             <a:ext cx="10972800" cy="1143000"/>
           </a:xfrm>
@@ -4204,7 +6516,7 @@
 </p:sld>
 </file>
 
-<file path=ppt/slides/slide11.xml><?xml version="1.0" encoding="utf-8"?>
+<file path=ppt/slides/slide14.xml><?xml version="1.0" encoding="utf-8"?>
 <p:sld xmlns:a="http://schemas.openxmlformats.org/drawingml/2006/main" xmlns:r="http://schemas.openxmlformats.org/officeDocument/2006/relationships" xmlns:p="http://schemas.openxmlformats.org/presentationml/2006/main">
   <p:cSld>
     <p:spTree>
@@ -5131,7 +7443,7 @@
         </p:nvSpPr>
         <p:spPr>
           <a:xfrm>
-            <a:off x="609600" y="245455"/>
+            <a:off x="609600" y="153091"/>
             <a:ext cx="10972800" cy="673812"/>
           </a:xfrm>
         </p:spPr>
@@ -5161,16 +7473,12 @@
             <a:graphicFrameLocks noGrp="1"/>
           </p:cNvGraphicFramePr>
           <p:nvPr>
-            <p:extLst>
-              <p:ext uri="{D42A27DB-BD31-4B8C-83A1-F6EECF244321}">
-                <p14:modId xmlns:p14="http://schemas.microsoft.com/office/powerpoint/2010/main" val="750590151"/>
-              </p:ext>
-            </p:extLst>
+            <p:extLst/>
           </p:nvPr>
         </p:nvGraphicFramePr>
         <p:xfrm>
-          <a:off x="609600" y="1084996"/>
-          <a:ext cx="10972800" cy="5261213"/>
+          <a:off x="609600" y="919267"/>
+          <a:ext cx="10972800" cy="5364269"/>
         </p:xfrm>
         <a:graphic>
           <a:graphicData uri="http://schemas.openxmlformats.org/drawingml/2006/table">
@@ -5193,28 +7501,28 @@
                     </a:ext>
                   </a:extLst>
                 </a:gridCol>
-                <a:gridCol w="1828800">
+                <a:gridCol w="2441331">
                   <a:extLst>
                     <a:ext uri="{9D8B030D-6E8A-4147-A177-3AD203B41FA5}">
                       <a16:colId xmlns:a16="http://schemas.microsoft.com/office/drawing/2014/main" val="1934009595"/>
                     </a:ext>
                   </a:extLst>
                 </a:gridCol>
-                <a:gridCol w="1828800">
+                <a:gridCol w="1715033">
                   <a:extLst>
                     <a:ext uri="{9D8B030D-6E8A-4147-A177-3AD203B41FA5}">
                       <a16:colId xmlns:a16="http://schemas.microsoft.com/office/drawing/2014/main" val="2106811707"/>
                     </a:ext>
                   </a:extLst>
                 </a:gridCol>
-                <a:gridCol w="1828800">
+                <a:gridCol w="1520536">
                   <a:extLst>
                     <a:ext uri="{9D8B030D-6E8A-4147-A177-3AD203B41FA5}">
                       <a16:colId xmlns:a16="http://schemas.microsoft.com/office/drawing/2014/main" val="4161205106"/>
                     </a:ext>
                   </a:extLst>
                 </a:gridCol>
-                <a:gridCol w="1828800">
+                <a:gridCol w="1638300">
                   <a:extLst>
                     <a:ext uri="{9D8B030D-6E8A-4147-A177-3AD203B41FA5}">
                       <a16:colId xmlns:a16="http://schemas.microsoft.com/office/drawing/2014/main" val="2191810521"/>
@@ -5222,7 +7530,7 @@
                   </a:extLst>
                 </a:gridCol>
               </a:tblGrid>
-              <a:tr h="1566858">
+              <a:tr h="716718">
                 <a:tc>
                   <a:txBody>
                     <a:bodyPr/>
@@ -5653,7 +7961,7 @@
                   </a:ext>
                 </a:extLst>
               </a:tr>
-              <a:tr h="738871">
+              <a:tr h="1870618">
                 <a:tc>
                   <a:txBody>
                     <a:bodyPr/>
@@ -5724,7 +8032,169 @@
                     <a:bodyPr/>
                     <a:lstStyle/>
                     <a:p>
+                      <a:pPr marL="0" marR="0" lvl="0" indent="0" algn="ctr" defTabSz="914400" rtl="0" eaLnBrk="1" fontAlgn="auto" latinLnBrk="0" hangingPunct="1">
+                        <a:lnSpc>
+                          <a:spcPct val="100000"/>
+                        </a:lnSpc>
+                        <a:spcBef>
+                          <a:spcPts val="0"/>
+                        </a:spcBef>
+                        <a:spcAft>
+                          <a:spcPts val="0"/>
+                        </a:spcAft>
+                        <a:buClrTx/>
+                        <a:buSzTx/>
+                        <a:buFontTx/>
+                        <a:buNone/>
+                        <a:tabLst/>
+                        <a:defRPr/>
+                      </a:pPr>
+                      <a:r>
+                        <a:rPr lang="en-IN" sz="1800" dirty="0" smtClean="0">
+                          <a:latin typeface="Times New Roman" panose="02020603050405020304" pitchFamily="18" charset="0"/>
+                          <a:cs typeface="Times New Roman" panose="02020603050405020304" pitchFamily="18" charset="0"/>
+                        </a:rPr>
+                        <a:t>Mirza K. B. Shuhan1, Tariqul Islam.</a:t>
+                      </a:r>
+                      <a:r>
+                        <a:rPr lang="en-US" sz="1800" dirty="0" smtClean="0">
+                          <a:latin typeface="Times New Roman" panose="02020603050405020304" pitchFamily="18" charset="0"/>
+                          <a:cs typeface="Times New Roman" panose="02020603050405020304" pitchFamily="18" charset="0"/>
+                        </a:rPr>
+                        <a:t> </a:t>
+                      </a:r>
+                    </a:p>
+                    <a:p>
+                      <a:pPr marL="0" marR="0" lvl="0" indent="0" algn="ctr" defTabSz="914400" rtl="0" eaLnBrk="1" fontAlgn="auto" latinLnBrk="0" hangingPunct="1">
+                        <a:lnSpc>
+                          <a:spcPct val="100000"/>
+                        </a:lnSpc>
+                        <a:spcBef>
+                          <a:spcPts val="0"/>
+                        </a:spcBef>
+                        <a:spcAft>
+                          <a:spcPts val="0"/>
+                        </a:spcAft>
+                        <a:buClrTx/>
+                        <a:buSzTx/>
+                        <a:buFontTx/>
+                        <a:buNone/>
+                        <a:tabLst/>
+                        <a:defRPr/>
+                      </a:pPr>
+                      <a:endParaRPr lang="en-US" sz="1800" dirty="0" smtClean="0">
+                        <a:latin typeface="Times New Roman" panose="02020603050405020304" pitchFamily="18" charset="0"/>
+                        <a:cs typeface="Times New Roman" panose="02020603050405020304" pitchFamily="18" charset="0"/>
+                      </a:endParaRPr>
+                    </a:p>
+                    <a:p>
+                      <a:pPr marL="0" marR="0" lvl="0" indent="0" algn="ctr" defTabSz="914400" rtl="0" eaLnBrk="1" fontAlgn="auto" latinLnBrk="0" hangingPunct="1">
+                        <a:lnSpc>
+                          <a:spcPct val="100000"/>
+                        </a:lnSpc>
+                        <a:spcBef>
+                          <a:spcPts val="0"/>
+                        </a:spcBef>
+                        <a:spcAft>
+                          <a:spcPts val="0"/>
+                        </a:spcAft>
+                        <a:buClrTx/>
+                        <a:buSzTx/>
+                        <a:buFontTx/>
+                        <a:buNone/>
+                        <a:tabLst/>
+                        <a:defRPr/>
+                      </a:pPr>
+                      <a:r>
+                        <a:rPr lang="en-US" sz="1800" dirty="0" smtClean="0">
+                          <a:latin typeface="Times New Roman" panose="02020603050405020304" pitchFamily="18" charset="0"/>
+                          <a:cs typeface="Times New Roman" panose="02020603050405020304" pitchFamily="18" charset="0"/>
+                        </a:rPr>
+                        <a:t>A Secure and Decentralized Block-chain Based Messaging Network</a:t>
+                      </a:r>
+                    </a:p>
+                  </a:txBody>
+                  <a:tcPr anchor="ctr">
+                    <a:lnL w="12700" cap="flat" cmpd="sng" algn="ctr">
+                      <a:solidFill>
+                        <a:schemeClr val="tx1"/>
+                      </a:solidFill>
+                      <a:prstDash val="solid"/>
+                      <a:round/>
+                      <a:headEnd type="none" w="med" len="med"/>
+                      <a:tailEnd type="none" w="med" len="med"/>
+                    </a:lnL>
+                    <a:lnR w="12700" cap="flat" cmpd="sng" algn="ctr">
+                      <a:solidFill>
+                        <a:schemeClr val="tx1"/>
+                      </a:solidFill>
+                      <a:prstDash val="solid"/>
+                      <a:round/>
+                      <a:headEnd type="none" w="med" len="med"/>
+                      <a:tailEnd type="none" w="med" len="med"/>
+                    </a:lnR>
+                    <a:lnT w="12700" cap="flat" cmpd="sng" algn="ctr">
+                      <a:solidFill>
+                        <a:schemeClr val="tx1"/>
+                      </a:solidFill>
+                      <a:prstDash val="solid"/>
+                      <a:round/>
+                      <a:headEnd type="none" w="med" len="med"/>
+                      <a:tailEnd type="none" w="med" len="med"/>
+                    </a:lnT>
+                    <a:lnB w="12700" cap="flat" cmpd="sng" algn="ctr">
+                      <a:solidFill>
+                        <a:schemeClr val="tx1"/>
+                      </a:solidFill>
+                      <a:prstDash val="solid"/>
+                      <a:round/>
+                      <a:headEnd type="none" w="med" len="med"/>
+                      <a:tailEnd type="none" w="med" len="med"/>
+                    </a:lnB>
+                    <a:noFill/>
+                  </a:tcPr>
+                </a:tc>
+                <a:tc>
+                  <a:txBody>
+                    <a:bodyPr/>
+                    <a:lstStyle/>
+                    <a:p>
                       <a:pPr algn="ctr"/>
+                      <a:r>
+                        <a:rPr lang="en-US" dirty="0" smtClean="0">
+                          <a:latin typeface="Times New Roman" panose="02020603050405020304" pitchFamily="18" charset="0"/>
+                          <a:cs typeface="Times New Roman" panose="02020603050405020304" pitchFamily="18" charset="0"/>
+                        </a:rPr>
+                        <a:t>A Proof of Concept (</a:t>
+                      </a:r>
+                      <a:r>
+                        <a:rPr lang="en-US" dirty="0" err="1" smtClean="0">
+                          <a:latin typeface="Times New Roman" panose="02020603050405020304" pitchFamily="18" charset="0"/>
+                          <a:cs typeface="Times New Roman" panose="02020603050405020304" pitchFamily="18" charset="0"/>
+                        </a:rPr>
+                        <a:t>PoC</a:t>
+                      </a:r>
+                      <a:r>
+                        <a:rPr lang="en-US" dirty="0" smtClean="0">
+                          <a:latin typeface="Times New Roman" panose="02020603050405020304" pitchFamily="18" charset="0"/>
+                          <a:cs typeface="Times New Roman" panose="02020603050405020304" pitchFamily="18" charset="0"/>
+                        </a:rPr>
+                        <a:t>) of the Quarks system leveraging Distributed Ledger</a:t>
+                      </a:r>
+                      <a:r>
+                        <a:rPr lang="en-US" baseline="0" dirty="0" smtClean="0">
+                          <a:latin typeface="Times New Roman" panose="02020603050405020304" pitchFamily="18" charset="0"/>
+                          <a:cs typeface="Times New Roman" panose="02020603050405020304" pitchFamily="18" charset="0"/>
+                        </a:rPr>
+                        <a:t> </a:t>
+                      </a:r>
+                      <a:r>
+                        <a:rPr lang="en-US" dirty="0" smtClean="0">
+                          <a:latin typeface="Times New Roman" panose="02020603050405020304" pitchFamily="18" charset="0"/>
+                          <a:cs typeface="Times New Roman" panose="02020603050405020304" pitchFamily="18" charset="0"/>
+                        </a:rPr>
+                        <a:t>Technology (DLT), and conducted load testing on that.</a:t>
+                      </a:r>
                       <a:endParaRPr lang="en-US" dirty="0">
                         <a:solidFill>
                           <a:schemeClr val="tx1"/>
@@ -5780,61 +8250,20 @@
                     <a:lstStyle/>
                     <a:p>
                       <a:pPr algn="ctr"/>
-                      <a:endParaRPr lang="en-US">
-                        <a:solidFill>
-                          <a:schemeClr val="tx1"/>
-                        </a:solidFill>
-                        <a:latin typeface="Times New Roman" panose="02020603050405020304" pitchFamily="18" charset="0"/>
-                        <a:cs typeface="Times New Roman" panose="02020603050405020304" pitchFamily="18" charset="0"/>
-                      </a:endParaRPr>
-                    </a:p>
-                  </a:txBody>
-                  <a:tcPr anchor="ctr">
-                    <a:lnL w="12700" cap="flat" cmpd="sng" algn="ctr">
-                      <a:solidFill>
-                        <a:schemeClr val="tx1"/>
-                      </a:solidFill>
-                      <a:prstDash val="solid"/>
-                      <a:round/>
-                      <a:headEnd type="none" w="med" len="med"/>
-                      <a:tailEnd type="none" w="med" len="med"/>
-                    </a:lnL>
-                    <a:lnR w="12700" cap="flat" cmpd="sng" algn="ctr">
-                      <a:solidFill>
-                        <a:schemeClr val="tx1"/>
-                      </a:solidFill>
-                      <a:prstDash val="solid"/>
-                      <a:round/>
-                      <a:headEnd type="none" w="med" len="med"/>
-                      <a:tailEnd type="none" w="med" len="med"/>
-                    </a:lnR>
-                    <a:lnT w="12700" cap="flat" cmpd="sng" algn="ctr">
-                      <a:solidFill>
-                        <a:schemeClr val="tx1"/>
-                      </a:solidFill>
-                      <a:prstDash val="solid"/>
-                      <a:round/>
-                      <a:headEnd type="none" w="med" len="med"/>
-                      <a:tailEnd type="none" w="med" len="med"/>
-                    </a:lnT>
-                    <a:lnB w="12700" cap="flat" cmpd="sng" algn="ctr">
-                      <a:solidFill>
-                        <a:schemeClr val="tx1"/>
-                      </a:solidFill>
-                      <a:prstDash val="solid"/>
-                      <a:round/>
-                      <a:headEnd type="none" w="med" len="med"/>
-                      <a:tailEnd type="none" w="med" len="med"/>
-                    </a:lnB>
-                    <a:noFill/>
-                  </a:tcPr>
-                </a:tc>
-                <a:tc>
-                  <a:txBody>
-                    <a:bodyPr/>
-                    <a:lstStyle/>
-                    <a:p>
-                      <a:pPr algn="ctr"/>
+                      <a:r>
+                        <a:rPr lang="en-US" baseline="0" dirty="0" smtClean="0">
+                          <a:latin typeface="Times New Roman" panose="02020603050405020304" pitchFamily="18" charset="0"/>
+                          <a:cs typeface="Times New Roman" panose="02020603050405020304" pitchFamily="18" charset="0"/>
+                        </a:rPr>
+                        <a:t> </a:t>
+                      </a:r>
+                      <a:r>
+                        <a:rPr lang="en-US" dirty="0" smtClean="0">
+                          <a:latin typeface="Times New Roman" panose="02020603050405020304" pitchFamily="18" charset="0"/>
+                          <a:cs typeface="Times New Roman" panose="02020603050405020304" pitchFamily="18" charset="0"/>
+                        </a:rPr>
+                        <a:t>Smart Contract</a:t>
+                      </a:r>
                       <a:endParaRPr lang="en-US" dirty="0">
                         <a:solidFill>
                           <a:schemeClr val="tx1"/>
@@ -5890,6 +8319,37 @@
                     <a:lstStyle/>
                     <a:p>
                       <a:pPr algn="ctr"/>
+                      <a:r>
+                        <a:rPr lang="en-US" dirty="0" smtClean="0">
+                          <a:latin typeface="Times New Roman" panose="02020603050405020304" pitchFamily="18" charset="0"/>
+                          <a:cs typeface="Times New Roman" panose="02020603050405020304" pitchFamily="18" charset="0"/>
+                        </a:rPr>
+                        <a:t>Decentralized</a:t>
+                      </a:r>
+                    </a:p>
+                    <a:p>
+                      <a:pPr algn="ctr"/>
+                      <a:r>
+                        <a:rPr lang="en-US" dirty="0" smtClean="0">
+                          <a:latin typeface="Times New Roman" panose="02020603050405020304" pitchFamily="18" charset="0"/>
+                          <a:cs typeface="Times New Roman" panose="02020603050405020304" pitchFamily="18" charset="0"/>
+                        </a:rPr>
+                        <a:t>Block-chain</a:t>
+                      </a:r>
+                      <a:r>
+                        <a:rPr lang="en-US" baseline="0" dirty="0" smtClean="0">
+                          <a:latin typeface="Times New Roman" panose="02020603050405020304" pitchFamily="18" charset="0"/>
+                          <a:cs typeface="Times New Roman" panose="02020603050405020304" pitchFamily="18" charset="0"/>
+                        </a:rPr>
+                        <a:t> </a:t>
+                      </a:r>
+                      <a:r>
+                        <a:rPr lang="en-US" dirty="0" smtClean="0">
+                          <a:latin typeface="Times New Roman" panose="02020603050405020304" pitchFamily="18" charset="0"/>
+                          <a:cs typeface="Times New Roman" panose="02020603050405020304" pitchFamily="18" charset="0"/>
+                        </a:rPr>
+                        <a:t>Based Messaging Network</a:t>
+                      </a:r>
                       <a:endParaRPr lang="en-US" dirty="0">
                         <a:solidFill>
                           <a:schemeClr val="tx1"/>
@@ -5945,6 +8405,26 @@
                     <a:lstStyle/>
                     <a:p>
                       <a:pPr algn="ctr"/>
+                      <a:r>
+                        <a:rPr lang="en-US" dirty="0" smtClean="0">
+                          <a:solidFill>
+                            <a:schemeClr val="tx1"/>
+                          </a:solidFill>
+                          <a:latin typeface="Times New Roman" panose="02020603050405020304" pitchFamily="18" charset="0"/>
+                          <a:cs typeface="Times New Roman" panose="02020603050405020304" pitchFamily="18" charset="0"/>
+                        </a:rPr>
+                        <a:t>Platform</a:t>
+                      </a:r>
+                      <a:r>
+                        <a:rPr lang="en-US" baseline="0" dirty="0" smtClean="0">
+                          <a:solidFill>
+                            <a:schemeClr val="tx1"/>
+                          </a:solidFill>
+                          <a:latin typeface="Times New Roman" panose="02020603050405020304" pitchFamily="18" charset="0"/>
+                          <a:cs typeface="Times New Roman" panose="02020603050405020304" pitchFamily="18" charset="0"/>
+                        </a:rPr>
+                        <a:t> Dependent</a:t>
+                      </a:r>
                       <a:endParaRPr lang="en-US" dirty="0">
                         <a:solidFill>
                           <a:schemeClr val="tx1"/>
@@ -6000,7 +8480,7 @@
                   </a:ext>
                 </a:extLst>
               </a:tr>
-              <a:tr h="738871">
+              <a:tr h="2635871">
                 <a:tc>
                   <a:txBody>
                     <a:bodyPr/>
@@ -6072,10 +8552,65 @@
                     <a:lstStyle/>
                     <a:p>
                       <a:pPr algn="ctr"/>
-                      <a:endParaRPr lang="en-US">
-                        <a:solidFill>
-                          <a:schemeClr val="tx1"/>
-                        </a:solidFill>
+                      <a:r>
+                        <a:rPr lang="en-IN" sz="1800" dirty="0" smtClean="0">
+                          <a:latin typeface="Times New Roman" panose="02020603050405020304" pitchFamily="18" charset="0"/>
+                          <a:cs typeface="Times New Roman" panose="02020603050405020304" pitchFamily="18" charset="0"/>
+                        </a:rPr>
+                        <a:t>Samira </a:t>
+                      </a:r>
+                      <a:r>
+                        <a:rPr lang="en-IN" sz="1800" dirty="0" err="1" smtClean="0">
+                          <a:latin typeface="Times New Roman" panose="02020603050405020304" pitchFamily="18" charset="0"/>
+                          <a:cs typeface="Times New Roman" panose="02020603050405020304" pitchFamily="18" charset="0"/>
+                        </a:rPr>
+                        <a:t>Prabhune</a:t>
+                      </a:r>
+                      <a:r>
+                        <a:rPr lang="en-IN" sz="1800" dirty="0" smtClean="0">
+                          <a:latin typeface="Times New Roman" panose="02020603050405020304" pitchFamily="18" charset="0"/>
+                          <a:cs typeface="Times New Roman" panose="02020603050405020304" pitchFamily="18" charset="0"/>
+                        </a:rPr>
+                        <a:t>, </a:t>
+                      </a:r>
+                      <a:r>
+                        <a:rPr lang="en-IN" sz="1800" dirty="0" err="1" smtClean="0">
+                          <a:latin typeface="Times New Roman" panose="02020603050405020304" pitchFamily="18" charset="0"/>
+                          <a:cs typeface="Times New Roman" panose="02020603050405020304" pitchFamily="18" charset="0"/>
+                        </a:rPr>
+                        <a:t>Sonal</a:t>
+                      </a:r>
+                      <a:r>
+                        <a:rPr lang="en-IN" sz="1800" dirty="0" smtClean="0">
+                          <a:latin typeface="Times New Roman" panose="02020603050405020304" pitchFamily="18" charset="0"/>
+                          <a:cs typeface="Times New Roman" panose="02020603050405020304" pitchFamily="18" charset="0"/>
+                        </a:rPr>
+                        <a:t> Sharma.</a:t>
+                      </a:r>
+                    </a:p>
+                    <a:p>
+                      <a:pPr algn="ctr"/>
+                      <a:r>
+                        <a:rPr lang="en-IN" sz="1800" dirty="0" smtClean="0">
+                          <a:latin typeface="Times New Roman" panose="02020603050405020304" pitchFamily="18" charset="0"/>
+                          <a:cs typeface="Times New Roman" panose="02020603050405020304" pitchFamily="18" charset="0"/>
+                        </a:rPr>
+                        <a:t/>
+                      </a:r>
+                      <a:br>
+                        <a:rPr lang="en-IN" sz="1800" dirty="0" smtClean="0">
+                          <a:latin typeface="Times New Roman" panose="02020603050405020304" pitchFamily="18" charset="0"/>
+                          <a:cs typeface="Times New Roman" panose="02020603050405020304" pitchFamily="18" charset="0"/>
+                        </a:rPr>
+                      </a:br>
+                      <a:r>
+                        <a:rPr lang="en-US" sz="1800" dirty="0" smtClean="0">
+                          <a:latin typeface="Times New Roman" panose="02020603050405020304" pitchFamily="18" charset="0"/>
+                          <a:cs typeface="Times New Roman" panose="02020603050405020304" pitchFamily="18" charset="0"/>
+                        </a:rPr>
+                        <a:t>End-to-End Encryption for Chat App with Dynamic Encryption Key</a:t>
+                      </a:r>
+                      <a:endParaRPr lang="en-IN" sz="1800" dirty="0" smtClean="0">
                         <a:latin typeface="Times New Roman" panose="02020603050405020304" pitchFamily="18" charset="0"/>
                         <a:cs typeface="Times New Roman" panose="02020603050405020304" pitchFamily="18" charset="0"/>
                       </a:endParaRPr>
@@ -6127,242 +8662,17 @@
                     <a:lstStyle/>
                     <a:p>
                       <a:pPr algn="ctr"/>
-                      <a:endParaRPr lang="en-US">
-                        <a:solidFill>
-                          <a:schemeClr val="tx1"/>
-                        </a:solidFill>
-                        <a:latin typeface="Times New Roman" panose="02020603050405020304" pitchFamily="18" charset="0"/>
-                        <a:cs typeface="Times New Roman" panose="02020603050405020304" pitchFamily="18" charset="0"/>
-                      </a:endParaRPr>
-                    </a:p>
-                  </a:txBody>
-                  <a:tcPr anchor="ctr">
-                    <a:lnL w="12700" cap="flat" cmpd="sng" algn="ctr">
-                      <a:solidFill>
-                        <a:schemeClr val="tx1"/>
-                      </a:solidFill>
-                      <a:prstDash val="solid"/>
-                      <a:round/>
-                      <a:headEnd type="none" w="med" len="med"/>
-                      <a:tailEnd type="none" w="med" len="med"/>
-                    </a:lnL>
-                    <a:lnR w="12700" cap="flat" cmpd="sng" algn="ctr">
-                      <a:solidFill>
-                        <a:schemeClr val="tx1"/>
-                      </a:solidFill>
-                      <a:prstDash val="solid"/>
-                      <a:round/>
-                      <a:headEnd type="none" w="med" len="med"/>
-                      <a:tailEnd type="none" w="med" len="med"/>
-                    </a:lnR>
-                    <a:lnT w="12700" cap="flat" cmpd="sng" algn="ctr">
-                      <a:solidFill>
-                        <a:schemeClr val="tx1"/>
-                      </a:solidFill>
-                      <a:prstDash val="solid"/>
-                      <a:round/>
-                      <a:headEnd type="none" w="med" len="med"/>
-                      <a:tailEnd type="none" w="med" len="med"/>
-                    </a:lnT>
-                    <a:lnB w="12700" cap="flat" cmpd="sng" algn="ctr">
-                      <a:solidFill>
-                        <a:schemeClr val="tx1"/>
-                      </a:solidFill>
-                      <a:prstDash val="solid"/>
-                      <a:round/>
-                      <a:headEnd type="none" w="med" len="med"/>
-                      <a:tailEnd type="none" w="med" len="med"/>
-                    </a:lnB>
-                    <a:noFill/>
-                  </a:tcPr>
-                </a:tc>
-                <a:tc>
-                  <a:txBody>
-                    <a:bodyPr/>
-                    <a:lstStyle/>
-                    <a:p>
-                      <a:pPr algn="ctr"/>
-                      <a:endParaRPr lang="en-US">
-                        <a:solidFill>
-                          <a:schemeClr val="tx1"/>
-                        </a:solidFill>
-                        <a:latin typeface="Times New Roman" panose="02020603050405020304" pitchFamily="18" charset="0"/>
-                        <a:cs typeface="Times New Roman" panose="02020603050405020304" pitchFamily="18" charset="0"/>
-                      </a:endParaRPr>
-                    </a:p>
-                  </a:txBody>
-                  <a:tcPr anchor="ctr">
-                    <a:lnL w="12700" cap="flat" cmpd="sng" algn="ctr">
-                      <a:solidFill>
-                        <a:schemeClr val="tx1"/>
-                      </a:solidFill>
-                      <a:prstDash val="solid"/>
-                      <a:round/>
-                      <a:headEnd type="none" w="med" len="med"/>
-                      <a:tailEnd type="none" w="med" len="med"/>
-                    </a:lnL>
-                    <a:lnR w="12700" cap="flat" cmpd="sng" algn="ctr">
-                      <a:solidFill>
-                        <a:schemeClr val="tx1"/>
-                      </a:solidFill>
-                      <a:prstDash val="solid"/>
-                      <a:round/>
-                      <a:headEnd type="none" w="med" len="med"/>
-                      <a:tailEnd type="none" w="med" len="med"/>
-                    </a:lnR>
-                    <a:lnT w="12700" cap="flat" cmpd="sng" algn="ctr">
-                      <a:solidFill>
-                        <a:schemeClr val="tx1"/>
-                      </a:solidFill>
-                      <a:prstDash val="solid"/>
-                      <a:round/>
-                      <a:headEnd type="none" w="med" len="med"/>
-                      <a:tailEnd type="none" w="med" len="med"/>
-                    </a:lnT>
-                    <a:lnB w="12700" cap="flat" cmpd="sng" algn="ctr">
-                      <a:solidFill>
-                        <a:schemeClr val="tx1"/>
-                      </a:solidFill>
-                      <a:prstDash val="solid"/>
-                      <a:round/>
-                      <a:headEnd type="none" w="med" len="med"/>
-                      <a:tailEnd type="none" w="med" len="med"/>
-                    </a:lnB>
-                    <a:noFill/>
-                  </a:tcPr>
-                </a:tc>
-                <a:tc>
-                  <a:txBody>
-                    <a:bodyPr/>
-                    <a:lstStyle/>
-                    <a:p>
-                      <a:pPr algn="ctr"/>
-                      <a:endParaRPr lang="en-US">
-                        <a:solidFill>
-                          <a:schemeClr val="tx1"/>
-                        </a:solidFill>
-                        <a:latin typeface="Times New Roman" panose="02020603050405020304" pitchFamily="18" charset="0"/>
-                        <a:cs typeface="Times New Roman" panose="02020603050405020304" pitchFamily="18" charset="0"/>
-                      </a:endParaRPr>
-                    </a:p>
-                  </a:txBody>
-                  <a:tcPr anchor="ctr">
-                    <a:lnL w="12700" cap="flat" cmpd="sng" algn="ctr">
-                      <a:solidFill>
-                        <a:schemeClr val="tx1"/>
-                      </a:solidFill>
-                      <a:prstDash val="solid"/>
-                      <a:round/>
-                      <a:headEnd type="none" w="med" len="med"/>
-                      <a:tailEnd type="none" w="med" len="med"/>
-                    </a:lnL>
-                    <a:lnR w="12700" cap="flat" cmpd="sng" algn="ctr">
-                      <a:solidFill>
-                        <a:schemeClr val="tx1"/>
-                      </a:solidFill>
-                      <a:prstDash val="solid"/>
-                      <a:round/>
-                      <a:headEnd type="none" w="med" len="med"/>
-                      <a:tailEnd type="none" w="med" len="med"/>
-                    </a:lnR>
-                    <a:lnT w="12700" cap="flat" cmpd="sng" algn="ctr">
-                      <a:solidFill>
-                        <a:schemeClr val="tx1"/>
-                      </a:solidFill>
-                      <a:prstDash val="solid"/>
-                      <a:round/>
-                      <a:headEnd type="none" w="med" len="med"/>
-                      <a:tailEnd type="none" w="med" len="med"/>
-                    </a:lnT>
-                    <a:lnB w="12700" cap="flat" cmpd="sng" algn="ctr">
-                      <a:solidFill>
-                        <a:schemeClr val="tx1"/>
-                      </a:solidFill>
-                      <a:prstDash val="solid"/>
-                      <a:round/>
-                      <a:headEnd type="none" w="med" len="med"/>
-                      <a:tailEnd type="none" w="med" len="med"/>
-                    </a:lnB>
-                    <a:noFill/>
-                  </a:tcPr>
-                </a:tc>
-                <a:tc>
-                  <a:txBody>
-                    <a:bodyPr/>
-                    <a:lstStyle/>
-                    <a:p>
-                      <a:pPr algn="ctr"/>
-                      <a:endParaRPr lang="en-US">
-                        <a:solidFill>
-                          <a:schemeClr val="tx1"/>
-                        </a:solidFill>
-                        <a:latin typeface="Times New Roman" panose="02020603050405020304" pitchFamily="18" charset="0"/>
-                        <a:cs typeface="Times New Roman" panose="02020603050405020304" pitchFamily="18" charset="0"/>
-                      </a:endParaRPr>
-                    </a:p>
-                  </a:txBody>
-                  <a:tcPr anchor="ctr">
-                    <a:lnL w="12700" cap="flat" cmpd="sng" algn="ctr">
-                      <a:solidFill>
-                        <a:schemeClr val="tx1"/>
-                      </a:solidFill>
-                      <a:prstDash val="solid"/>
-                      <a:round/>
-                      <a:headEnd type="none" w="med" len="med"/>
-                      <a:tailEnd type="none" w="med" len="med"/>
-                    </a:lnL>
-                    <a:lnR w="12700" cap="flat" cmpd="sng" algn="ctr">
-                      <a:solidFill>
-                        <a:schemeClr val="tx1"/>
-                      </a:solidFill>
-                      <a:prstDash val="solid"/>
-                      <a:round/>
-                      <a:headEnd type="none" w="med" len="med"/>
-                      <a:tailEnd type="none" w="med" len="med"/>
-                    </a:lnR>
-                    <a:lnT w="12700" cap="flat" cmpd="sng" algn="ctr">
-                      <a:solidFill>
-                        <a:schemeClr val="tx1"/>
-                      </a:solidFill>
-                      <a:prstDash val="solid"/>
-                      <a:round/>
-                      <a:headEnd type="none" w="med" len="med"/>
-                      <a:tailEnd type="none" w="med" len="med"/>
-                    </a:lnT>
-                    <a:lnB w="12700" cap="flat" cmpd="sng" algn="ctr">
-                      <a:solidFill>
-                        <a:schemeClr val="tx1"/>
-                      </a:solidFill>
-                      <a:prstDash val="solid"/>
-                      <a:round/>
-                      <a:headEnd type="none" w="med" len="med"/>
-                      <a:tailEnd type="none" w="med" len="med"/>
-                    </a:lnB>
-                    <a:noFill/>
-                  </a:tcPr>
-                </a:tc>
-                <a:extLst>
-                  <a:ext uri="{0D108BD9-81ED-4DB2-BD59-A6C34878D82A}">
-                    <a16:rowId xmlns:a16="http://schemas.microsoft.com/office/drawing/2014/main" val="4275570003"/>
-                  </a:ext>
-                </a:extLst>
-              </a:tr>
-              <a:tr h="738871">
-                <a:tc>
-                  <a:txBody>
-                    <a:bodyPr/>
-                    <a:lstStyle/>
-                    <a:p>
-                      <a:pPr algn="ctr"/>
-                      <a:r>
-                        <a:rPr lang="en-US" dirty="0" smtClean="0">
+                      <a:r>
+                        <a:rPr lang="en-US" sz="1800" b="0" i="0" kern="1200" dirty="0" smtClean="0">
                           <a:solidFill>
-                            <a:schemeClr val="tx1"/>
+                            <a:schemeClr val="dk1"/>
                           </a:solidFill>
-                          <a:latin typeface="Times New Roman" panose="02020603050405020304" pitchFamily="18" charset="0"/>
-                          <a:cs typeface="Times New Roman" panose="02020603050405020304" pitchFamily="18" charset="0"/>
-                        </a:rPr>
-                        <a:t>3</a:t>
+                          <a:effectLst/>
+                          <a:latin typeface="Times New Roman" panose="02020603050405020304" pitchFamily="18" charset="0"/>
+                          <a:ea typeface="+mn-ea"/>
+                          <a:cs typeface="Times New Roman" panose="02020603050405020304" pitchFamily="18" charset="0"/>
+                        </a:rPr>
+                        <a:t> This paper illustrates how dissimilar concerns in an app can add up to the probable for severe vectors adjacent to end-to-end solitude despite their creature several layers of security. </a:t>
                       </a:r>
                       <a:endParaRPr lang="en-US" dirty="0">
                         <a:solidFill>
@@ -6419,297 +8729,17 @@
                     <a:lstStyle/>
                     <a:p>
                       <a:pPr algn="ctr"/>
-                      <a:endParaRPr lang="en-US">
-                        <a:solidFill>
-                          <a:schemeClr val="tx1"/>
-                        </a:solidFill>
-                        <a:latin typeface="Times New Roman" panose="02020603050405020304" pitchFamily="18" charset="0"/>
-                        <a:cs typeface="Times New Roman" panose="02020603050405020304" pitchFamily="18" charset="0"/>
-                      </a:endParaRPr>
-                    </a:p>
-                  </a:txBody>
-                  <a:tcPr anchor="ctr">
-                    <a:lnL w="12700" cap="flat" cmpd="sng" algn="ctr">
-                      <a:solidFill>
-                        <a:schemeClr val="tx1"/>
-                      </a:solidFill>
-                      <a:prstDash val="solid"/>
-                      <a:round/>
-                      <a:headEnd type="none" w="med" len="med"/>
-                      <a:tailEnd type="none" w="med" len="med"/>
-                    </a:lnL>
-                    <a:lnR w="12700" cap="flat" cmpd="sng" algn="ctr">
-                      <a:solidFill>
-                        <a:schemeClr val="tx1"/>
-                      </a:solidFill>
-                      <a:prstDash val="solid"/>
-                      <a:round/>
-                      <a:headEnd type="none" w="med" len="med"/>
-                      <a:tailEnd type="none" w="med" len="med"/>
-                    </a:lnR>
-                    <a:lnT w="12700" cap="flat" cmpd="sng" algn="ctr">
-                      <a:solidFill>
-                        <a:schemeClr val="tx1"/>
-                      </a:solidFill>
-                      <a:prstDash val="solid"/>
-                      <a:round/>
-                      <a:headEnd type="none" w="med" len="med"/>
-                      <a:tailEnd type="none" w="med" len="med"/>
-                    </a:lnT>
-                    <a:lnB w="12700" cap="flat" cmpd="sng" algn="ctr">
-                      <a:solidFill>
-                        <a:schemeClr val="tx1"/>
-                      </a:solidFill>
-                      <a:prstDash val="solid"/>
-                      <a:round/>
-                      <a:headEnd type="none" w="med" len="med"/>
-                      <a:tailEnd type="none" w="med" len="med"/>
-                    </a:lnB>
-                    <a:noFill/>
-                  </a:tcPr>
-                </a:tc>
-                <a:tc>
-                  <a:txBody>
-                    <a:bodyPr/>
-                    <a:lstStyle/>
-                    <a:p>
-                      <a:pPr algn="ctr"/>
-                      <a:endParaRPr lang="en-US">
-                        <a:solidFill>
-                          <a:schemeClr val="tx1"/>
-                        </a:solidFill>
-                        <a:latin typeface="Times New Roman" panose="02020603050405020304" pitchFamily="18" charset="0"/>
-                        <a:cs typeface="Times New Roman" panose="02020603050405020304" pitchFamily="18" charset="0"/>
-                      </a:endParaRPr>
-                    </a:p>
-                  </a:txBody>
-                  <a:tcPr anchor="ctr">
-                    <a:lnL w="12700" cap="flat" cmpd="sng" algn="ctr">
-                      <a:solidFill>
-                        <a:schemeClr val="tx1"/>
-                      </a:solidFill>
-                      <a:prstDash val="solid"/>
-                      <a:round/>
-                      <a:headEnd type="none" w="med" len="med"/>
-                      <a:tailEnd type="none" w="med" len="med"/>
-                    </a:lnL>
-                    <a:lnR w="12700" cap="flat" cmpd="sng" algn="ctr">
-                      <a:solidFill>
-                        <a:schemeClr val="tx1"/>
-                      </a:solidFill>
-                      <a:prstDash val="solid"/>
-                      <a:round/>
-                      <a:headEnd type="none" w="med" len="med"/>
-                      <a:tailEnd type="none" w="med" len="med"/>
-                    </a:lnR>
-                    <a:lnT w="12700" cap="flat" cmpd="sng" algn="ctr">
-                      <a:solidFill>
-                        <a:schemeClr val="tx1"/>
-                      </a:solidFill>
-                      <a:prstDash val="solid"/>
-                      <a:round/>
-                      <a:headEnd type="none" w="med" len="med"/>
-                      <a:tailEnd type="none" w="med" len="med"/>
-                    </a:lnT>
-                    <a:lnB w="12700" cap="flat" cmpd="sng" algn="ctr">
-                      <a:solidFill>
-                        <a:schemeClr val="tx1"/>
-                      </a:solidFill>
-                      <a:prstDash val="solid"/>
-                      <a:round/>
-                      <a:headEnd type="none" w="med" len="med"/>
-                      <a:tailEnd type="none" w="med" len="med"/>
-                    </a:lnB>
-                    <a:noFill/>
-                  </a:tcPr>
-                </a:tc>
-                <a:tc>
-                  <a:txBody>
-                    <a:bodyPr/>
-                    <a:lstStyle/>
-                    <a:p>
-                      <a:pPr algn="ctr"/>
-                      <a:endParaRPr lang="en-US">
-                        <a:solidFill>
-                          <a:schemeClr val="tx1"/>
-                        </a:solidFill>
-                        <a:latin typeface="Times New Roman" panose="02020603050405020304" pitchFamily="18" charset="0"/>
-                        <a:cs typeface="Times New Roman" panose="02020603050405020304" pitchFamily="18" charset="0"/>
-                      </a:endParaRPr>
-                    </a:p>
-                  </a:txBody>
-                  <a:tcPr anchor="ctr">
-                    <a:lnL w="12700" cap="flat" cmpd="sng" algn="ctr">
-                      <a:solidFill>
-                        <a:schemeClr val="tx1"/>
-                      </a:solidFill>
-                      <a:prstDash val="solid"/>
-                      <a:round/>
-                      <a:headEnd type="none" w="med" len="med"/>
-                      <a:tailEnd type="none" w="med" len="med"/>
-                    </a:lnL>
-                    <a:lnR w="12700" cap="flat" cmpd="sng" algn="ctr">
-                      <a:solidFill>
-                        <a:schemeClr val="tx1"/>
-                      </a:solidFill>
-                      <a:prstDash val="solid"/>
-                      <a:round/>
-                      <a:headEnd type="none" w="med" len="med"/>
-                      <a:tailEnd type="none" w="med" len="med"/>
-                    </a:lnR>
-                    <a:lnT w="12700" cap="flat" cmpd="sng" algn="ctr">
-                      <a:solidFill>
-                        <a:schemeClr val="tx1"/>
-                      </a:solidFill>
-                      <a:prstDash val="solid"/>
-                      <a:round/>
-                      <a:headEnd type="none" w="med" len="med"/>
-                      <a:tailEnd type="none" w="med" len="med"/>
-                    </a:lnT>
-                    <a:lnB w="12700" cap="flat" cmpd="sng" algn="ctr">
-                      <a:solidFill>
-                        <a:schemeClr val="tx1"/>
-                      </a:solidFill>
-                      <a:prstDash val="solid"/>
-                      <a:round/>
-                      <a:headEnd type="none" w="med" len="med"/>
-                      <a:tailEnd type="none" w="med" len="med"/>
-                    </a:lnB>
-                    <a:noFill/>
-                  </a:tcPr>
-                </a:tc>
-                <a:tc>
-                  <a:txBody>
-                    <a:bodyPr/>
-                    <a:lstStyle/>
-                    <a:p>
-                      <a:pPr algn="ctr"/>
-                      <a:endParaRPr lang="en-US">
-                        <a:solidFill>
-                          <a:schemeClr val="tx1"/>
-                        </a:solidFill>
-                        <a:latin typeface="Times New Roman" panose="02020603050405020304" pitchFamily="18" charset="0"/>
-                        <a:cs typeface="Times New Roman" panose="02020603050405020304" pitchFamily="18" charset="0"/>
-                      </a:endParaRPr>
-                    </a:p>
-                  </a:txBody>
-                  <a:tcPr anchor="ctr">
-                    <a:lnL w="12700" cap="flat" cmpd="sng" algn="ctr">
-                      <a:solidFill>
-                        <a:schemeClr val="tx1"/>
-                      </a:solidFill>
-                      <a:prstDash val="solid"/>
-                      <a:round/>
-                      <a:headEnd type="none" w="med" len="med"/>
-                      <a:tailEnd type="none" w="med" len="med"/>
-                    </a:lnL>
-                    <a:lnR w="12700" cap="flat" cmpd="sng" algn="ctr">
-                      <a:solidFill>
-                        <a:schemeClr val="tx1"/>
-                      </a:solidFill>
-                      <a:prstDash val="solid"/>
-                      <a:round/>
-                      <a:headEnd type="none" w="med" len="med"/>
-                      <a:tailEnd type="none" w="med" len="med"/>
-                    </a:lnR>
-                    <a:lnT w="12700" cap="flat" cmpd="sng" algn="ctr">
-                      <a:solidFill>
-                        <a:schemeClr val="tx1"/>
-                      </a:solidFill>
-                      <a:prstDash val="solid"/>
-                      <a:round/>
-                      <a:headEnd type="none" w="med" len="med"/>
-                      <a:tailEnd type="none" w="med" len="med"/>
-                    </a:lnT>
-                    <a:lnB w="12700" cap="flat" cmpd="sng" algn="ctr">
-                      <a:solidFill>
-                        <a:schemeClr val="tx1"/>
-                      </a:solidFill>
-                      <a:prstDash val="solid"/>
-                      <a:round/>
-                      <a:headEnd type="none" w="med" len="med"/>
-                      <a:tailEnd type="none" w="med" len="med"/>
-                    </a:lnB>
-                    <a:noFill/>
-                  </a:tcPr>
-                </a:tc>
-                <a:tc>
-                  <a:txBody>
-                    <a:bodyPr/>
-                    <a:lstStyle/>
-                    <a:p>
-                      <a:pPr algn="ctr"/>
-                      <a:endParaRPr lang="en-US">
-                        <a:solidFill>
-                          <a:schemeClr val="tx1"/>
-                        </a:solidFill>
-                        <a:latin typeface="Times New Roman" panose="02020603050405020304" pitchFamily="18" charset="0"/>
-                        <a:cs typeface="Times New Roman" panose="02020603050405020304" pitchFamily="18" charset="0"/>
-                      </a:endParaRPr>
-                    </a:p>
-                  </a:txBody>
-                  <a:tcPr anchor="ctr">
-                    <a:lnL w="12700" cap="flat" cmpd="sng" algn="ctr">
-                      <a:solidFill>
-                        <a:schemeClr val="tx1"/>
-                      </a:solidFill>
-                      <a:prstDash val="solid"/>
-                      <a:round/>
-                      <a:headEnd type="none" w="med" len="med"/>
-                      <a:tailEnd type="none" w="med" len="med"/>
-                    </a:lnL>
-                    <a:lnR w="12700" cap="flat" cmpd="sng" algn="ctr">
-                      <a:solidFill>
-                        <a:schemeClr val="tx1"/>
-                      </a:solidFill>
-                      <a:prstDash val="solid"/>
-                      <a:round/>
-                      <a:headEnd type="none" w="med" len="med"/>
-                      <a:tailEnd type="none" w="med" len="med"/>
-                    </a:lnR>
-                    <a:lnT w="12700" cap="flat" cmpd="sng" algn="ctr">
-                      <a:solidFill>
-                        <a:schemeClr val="tx1"/>
-                      </a:solidFill>
-                      <a:prstDash val="solid"/>
-                      <a:round/>
-                      <a:headEnd type="none" w="med" len="med"/>
-                      <a:tailEnd type="none" w="med" len="med"/>
-                    </a:lnT>
-                    <a:lnB w="12700" cap="flat" cmpd="sng" algn="ctr">
-                      <a:solidFill>
-                        <a:schemeClr val="tx1"/>
-                      </a:solidFill>
-                      <a:prstDash val="solid"/>
-                      <a:round/>
-                      <a:headEnd type="none" w="med" len="med"/>
-                      <a:tailEnd type="none" w="med" len="med"/>
-                    </a:lnB>
-                    <a:noFill/>
-                  </a:tcPr>
-                </a:tc>
-                <a:extLst>
-                  <a:ext uri="{0D108BD9-81ED-4DB2-BD59-A6C34878D82A}">
-                    <a16:rowId xmlns:a16="http://schemas.microsoft.com/office/drawing/2014/main" val="349387215"/>
-                  </a:ext>
-                </a:extLst>
-              </a:tr>
-              <a:tr h="738871">
-                <a:tc>
-                  <a:txBody>
-                    <a:bodyPr/>
-                    <a:lstStyle/>
-                    <a:p>
-                      <a:pPr algn="ctr"/>
-                      <a:r>
-                        <a:rPr lang="en-US" dirty="0" smtClean="0">
+                      <a:r>
+                        <a:rPr lang="en-US" sz="1800" b="0" i="0" kern="1200" dirty="0" smtClean="0">
                           <a:solidFill>
-                            <a:schemeClr val="tx1"/>
+                            <a:schemeClr val="dk1"/>
                           </a:solidFill>
-                          <a:latin typeface="Times New Roman" panose="02020603050405020304" pitchFamily="18" charset="0"/>
-                          <a:cs typeface="Times New Roman" panose="02020603050405020304" pitchFamily="18" charset="0"/>
-                        </a:rPr>
-                        <a:t>4</a:t>
+                          <a:effectLst/>
+                          <a:latin typeface="Times New Roman" panose="02020603050405020304" pitchFamily="18" charset="0"/>
+                          <a:ea typeface="+mn-ea"/>
+                          <a:cs typeface="Times New Roman" panose="02020603050405020304" pitchFamily="18" charset="0"/>
+                        </a:rPr>
+                        <a:t> To overcome the app is anticipated in the chats are secured by the dynamic key encryption by md5 algorithm</a:t>
                       </a:r>
                       <a:endParaRPr lang="en-US" dirty="0">
                         <a:solidFill>
@@ -6766,288 +8796,6 @@
                     <a:lstStyle/>
                     <a:p>
                       <a:pPr algn="ctr"/>
-                      <a:endParaRPr lang="en-US">
-                        <a:solidFill>
-                          <a:schemeClr val="tx1"/>
-                        </a:solidFill>
-                        <a:latin typeface="Times New Roman" panose="02020603050405020304" pitchFamily="18" charset="0"/>
-                        <a:cs typeface="Times New Roman" panose="02020603050405020304" pitchFamily="18" charset="0"/>
-                      </a:endParaRPr>
-                    </a:p>
-                  </a:txBody>
-                  <a:tcPr anchor="ctr">
-                    <a:lnL w="12700" cap="flat" cmpd="sng" algn="ctr">
-                      <a:solidFill>
-                        <a:schemeClr val="tx1"/>
-                      </a:solidFill>
-                      <a:prstDash val="solid"/>
-                      <a:round/>
-                      <a:headEnd type="none" w="med" len="med"/>
-                      <a:tailEnd type="none" w="med" len="med"/>
-                    </a:lnL>
-                    <a:lnR w="12700" cap="flat" cmpd="sng" algn="ctr">
-                      <a:solidFill>
-                        <a:schemeClr val="tx1"/>
-                      </a:solidFill>
-                      <a:prstDash val="solid"/>
-                      <a:round/>
-                      <a:headEnd type="none" w="med" len="med"/>
-                      <a:tailEnd type="none" w="med" len="med"/>
-                    </a:lnR>
-                    <a:lnT w="12700" cap="flat" cmpd="sng" algn="ctr">
-                      <a:solidFill>
-                        <a:schemeClr val="tx1"/>
-                      </a:solidFill>
-                      <a:prstDash val="solid"/>
-                      <a:round/>
-                      <a:headEnd type="none" w="med" len="med"/>
-                      <a:tailEnd type="none" w="med" len="med"/>
-                    </a:lnT>
-                    <a:lnB w="12700" cap="flat" cmpd="sng" algn="ctr">
-                      <a:solidFill>
-                        <a:schemeClr val="tx1"/>
-                      </a:solidFill>
-                      <a:prstDash val="solid"/>
-                      <a:round/>
-                      <a:headEnd type="none" w="med" len="med"/>
-                      <a:tailEnd type="none" w="med" len="med"/>
-                    </a:lnB>
-                    <a:noFill/>
-                  </a:tcPr>
-                </a:tc>
-                <a:tc>
-                  <a:txBody>
-                    <a:bodyPr/>
-                    <a:lstStyle/>
-                    <a:p>
-                      <a:pPr algn="ctr"/>
-                      <a:endParaRPr lang="en-US">
-                        <a:solidFill>
-                          <a:schemeClr val="tx1"/>
-                        </a:solidFill>
-                        <a:latin typeface="Times New Roman" panose="02020603050405020304" pitchFamily="18" charset="0"/>
-                        <a:cs typeface="Times New Roman" panose="02020603050405020304" pitchFamily="18" charset="0"/>
-                      </a:endParaRPr>
-                    </a:p>
-                  </a:txBody>
-                  <a:tcPr anchor="ctr">
-                    <a:lnL w="12700" cap="flat" cmpd="sng" algn="ctr">
-                      <a:solidFill>
-                        <a:schemeClr val="tx1"/>
-                      </a:solidFill>
-                      <a:prstDash val="solid"/>
-                      <a:round/>
-                      <a:headEnd type="none" w="med" len="med"/>
-                      <a:tailEnd type="none" w="med" len="med"/>
-                    </a:lnL>
-                    <a:lnR w="12700" cap="flat" cmpd="sng" algn="ctr">
-                      <a:solidFill>
-                        <a:schemeClr val="tx1"/>
-                      </a:solidFill>
-                      <a:prstDash val="solid"/>
-                      <a:round/>
-                      <a:headEnd type="none" w="med" len="med"/>
-                      <a:tailEnd type="none" w="med" len="med"/>
-                    </a:lnR>
-                    <a:lnT w="12700" cap="flat" cmpd="sng" algn="ctr">
-                      <a:solidFill>
-                        <a:schemeClr val="tx1"/>
-                      </a:solidFill>
-                      <a:prstDash val="solid"/>
-                      <a:round/>
-                      <a:headEnd type="none" w="med" len="med"/>
-                      <a:tailEnd type="none" w="med" len="med"/>
-                    </a:lnT>
-                    <a:lnB w="12700" cap="flat" cmpd="sng" algn="ctr">
-                      <a:solidFill>
-                        <a:schemeClr val="tx1"/>
-                      </a:solidFill>
-                      <a:prstDash val="solid"/>
-                      <a:round/>
-                      <a:headEnd type="none" w="med" len="med"/>
-                      <a:tailEnd type="none" w="med" len="med"/>
-                    </a:lnB>
-                    <a:noFill/>
-                  </a:tcPr>
-                </a:tc>
-                <a:tc>
-                  <a:txBody>
-                    <a:bodyPr/>
-                    <a:lstStyle/>
-                    <a:p>
-                      <a:pPr algn="ctr"/>
-                      <a:endParaRPr lang="en-US">
-                        <a:solidFill>
-                          <a:schemeClr val="tx1"/>
-                        </a:solidFill>
-                        <a:latin typeface="Times New Roman" panose="02020603050405020304" pitchFamily="18" charset="0"/>
-                        <a:cs typeface="Times New Roman" panose="02020603050405020304" pitchFamily="18" charset="0"/>
-                      </a:endParaRPr>
-                    </a:p>
-                  </a:txBody>
-                  <a:tcPr anchor="ctr">
-                    <a:lnL w="12700" cap="flat" cmpd="sng" algn="ctr">
-                      <a:solidFill>
-                        <a:schemeClr val="tx1"/>
-                      </a:solidFill>
-                      <a:prstDash val="solid"/>
-                      <a:round/>
-                      <a:headEnd type="none" w="med" len="med"/>
-                      <a:tailEnd type="none" w="med" len="med"/>
-                    </a:lnL>
-                    <a:lnR w="12700" cap="flat" cmpd="sng" algn="ctr">
-                      <a:solidFill>
-                        <a:schemeClr val="tx1"/>
-                      </a:solidFill>
-                      <a:prstDash val="solid"/>
-                      <a:round/>
-                      <a:headEnd type="none" w="med" len="med"/>
-                      <a:tailEnd type="none" w="med" len="med"/>
-                    </a:lnR>
-                    <a:lnT w="12700" cap="flat" cmpd="sng" algn="ctr">
-                      <a:solidFill>
-                        <a:schemeClr val="tx1"/>
-                      </a:solidFill>
-                      <a:prstDash val="solid"/>
-                      <a:round/>
-                      <a:headEnd type="none" w="med" len="med"/>
-                      <a:tailEnd type="none" w="med" len="med"/>
-                    </a:lnT>
-                    <a:lnB w="12700" cap="flat" cmpd="sng" algn="ctr">
-                      <a:solidFill>
-                        <a:schemeClr val="tx1"/>
-                      </a:solidFill>
-                      <a:prstDash val="solid"/>
-                      <a:round/>
-                      <a:headEnd type="none" w="med" len="med"/>
-                      <a:tailEnd type="none" w="med" len="med"/>
-                    </a:lnB>
-                    <a:noFill/>
-                  </a:tcPr>
-                </a:tc>
-                <a:tc>
-                  <a:txBody>
-                    <a:bodyPr/>
-                    <a:lstStyle/>
-                    <a:p>
-                      <a:pPr algn="ctr"/>
-                      <a:endParaRPr lang="en-US">
-                        <a:solidFill>
-                          <a:schemeClr val="tx1"/>
-                        </a:solidFill>
-                        <a:latin typeface="Times New Roman" panose="02020603050405020304" pitchFamily="18" charset="0"/>
-                        <a:cs typeface="Times New Roman" panose="02020603050405020304" pitchFamily="18" charset="0"/>
-                      </a:endParaRPr>
-                    </a:p>
-                  </a:txBody>
-                  <a:tcPr anchor="ctr">
-                    <a:lnL w="12700" cap="flat" cmpd="sng" algn="ctr">
-                      <a:solidFill>
-                        <a:schemeClr val="tx1"/>
-                      </a:solidFill>
-                      <a:prstDash val="solid"/>
-                      <a:round/>
-                      <a:headEnd type="none" w="med" len="med"/>
-                      <a:tailEnd type="none" w="med" len="med"/>
-                    </a:lnL>
-                    <a:lnR w="12700" cap="flat" cmpd="sng" algn="ctr">
-                      <a:solidFill>
-                        <a:schemeClr val="tx1"/>
-                      </a:solidFill>
-                      <a:prstDash val="solid"/>
-                      <a:round/>
-                      <a:headEnd type="none" w="med" len="med"/>
-                      <a:tailEnd type="none" w="med" len="med"/>
-                    </a:lnR>
-                    <a:lnT w="12700" cap="flat" cmpd="sng" algn="ctr">
-                      <a:solidFill>
-                        <a:schemeClr val="tx1"/>
-                      </a:solidFill>
-                      <a:prstDash val="solid"/>
-                      <a:round/>
-                      <a:headEnd type="none" w="med" len="med"/>
-                      <a:tailEnd type="none" w="med" len="med"/>
-                    </a:lnT>
-                    <a:lnB w="12700" cap="flat" cmpd="sng" algn="ctr">
-                      <a:solidFill>
-                        <a:schemeClr val="tx1"/>
-                      </a:solidFill>
-                      <a:prstDash val="solid"/>
-                      <a:round/>
-                      <a:headEnd type="none" w="med" len="med"/>
-                      <a:tailEnd type="none" w="med" len="med"/>
-                    </a:lnB>
-                    <a:noFill/>
-                  </a:tcPr>
-                </a:tc>
-                <a:tc>
-                  <a:txBody>
-                    <a:bodyPr/>
-                    <a:lstStyle/>
-                    <a:p>
-                      <a:pPr algn="ctr"/>
-                      <a:endParaRPr lang="en-US">
-                        <a:solidFill>
-                          <a:schemeClr val="tx1"/>
-                        </a:solidFill>
-                        <a:latin typeface="Times New Roman" panose="02020603050405020304" pitchFamily="18" charset="0"/>
-                        <a:cs typeface="Times New Roman" panose="02020603050405020304" pitchFamily="18" charset="0"/>
-                      </a:endParaRPr>
-                    </a:p>
-                  </a:txBody>
-                  <a:tcPr anchor="ctr">
-                    <a:lnL w="12700" cap="flat" cmpd="sng" algn="ctr">
-                      <a:solidFill>
-                        <a:schemeClr val="tx1"/>
-                      </a:solidFill>
-                      <a:prstDash val="solid"/>
-                      <a:round/>
-                      <a:headEnd type="none" w="med" len="med"/>
-                      <a:tailEnd type="none" w="med" len="med"/>
-                    </a:lnL>
-                    <a:lnR w="12700" cap="flat" cmpd="sng" algn="ctr">
-                      <a:solidFill>
-                        <a:schemeClr val="tx1"/>
-                      </a:solidFill>
-                      <a:prstDash val="solid"/>
-                      <a:round/>
-                      <a:headEnd type="none" w="med" len="med"/>
-                      <a:tailEnd type="none" w="med" len="med"/>
-                    </a:lnR>
-                    <a:lnT w="12700" cap="flat" cmpd="sng" algn="ctr">
-                      <a:solidFill>
-                        <a:schemeClr val="tx1"/>
-                      </a:solidFill>
-                      <a:prstDash val="solid"/>
-                      <a:round/>
-                      <a:headEnd type="none" w="med" len="med"/>
-                      <a:tailEnd type="none" w="med" len="med"/>
-                    </a:lnT>
-                    <a:lnB w="12700" cap="flat" cmpd="sng" algn="ctr">
-                      <a:solidFill>
-                        <a:schemeClr val="tx1"/>
-                      </a:solidFill>
-                      <a:prstDash val="solid"/>
-                      <a:round/>
-                      <a:headEnd type="none" w="med" len="med"/>
-                      <a:tailEnd type="none" w="med" len="med"/>
-                    </a:lnB>
-                    <a:noFill/>
-                  </a:tcPr>
-                </a:tc>
-                <a:extLst>
-                  <a:ext uri="{0D108BD9-81ED-4DB2-BD59-A6C34878D82A}">
-                    <a16:rowId xmlns:a16="http://schemas.microsoft.com/office/drawing/2014/main" val="3986260521"/>
-                  </a:ext>
-                </a:extLst>
-              </a:tr>
-              <a:tr h="738871">
-                <a:tc>
-                  <a:txBody>
-                    <a:bodyPr/>
-                    <a:lstStyle/>
-                    <a:p>
-                      <a:pPr algn="ctr"/>
                       <a:r>
                         <a:rPr lang="en-US" dirty="0" smtClean="0">
                           <a:solidFill>
@@ -7056,7 +8804,17 @@
                           <a:latin typeface="Times New Roman" panose="02020603050405020304" pitchFamily="18" charset="0"/>
                           <a:cs typeface="Times New Roman" panose="02020603050405020304" pitchFamily="18" charset="0"/>
                         </a:rPr>
-                        <a:t>5</a:t>
+                        <a:t>Dynamic Key</a:t>
+                      </a:r>
+                      <a:r>
+                        <a:rPr lang="en-US" baseline="0" dirty="0" smtClean="0">
+                          <a:solidFill>
+                            <a:schemeClr val="tx1"/>
+                          </a:solidFill>
+                          <a:latin typeface="Times New Roman" panose="02020603050405020304" pitchFamily="18" charset="0"/>
+                          <a:cs typeface="Times New Roman" panose="02020603050405020304" pitchFamily="18" charset="0"/>
+                        </a:rPr>
+                        <a:t> Encryption</a:t>
                       </a:r>
                       <a:endParaRPr lang="en-US" dirty="0">
                         <a:solidFill>
@@ -7113,226 +8871,26 @@
                     <a:lstStyle/>
                     <a:p>
                       <a:pPr algn="ctr"/>
-                      <a:endParaRPr lang="en-US">
-                        <a:solidFill>
-                          <a:schemeClr val="tx1"/>
-                        </a:solidFill>
-                        <a:latin typeface="Times New Roman" panose="02020603050405020304" pitchFamily="18" charset="0"/>
-                        <a:cs typeface="Times New Roman" panose="02020603050405020304" pitchFamily="18" charset="0"/>
-                      </a:endParaRPr>
-                    </a:p>
-                  </a:txBody>
-                  <a:tcPr anchor="ctr">
-                    <a:lnL w="12700" cap="flat" cmpd="sng" algn="ctr">
-                      <a:solidFill>
-                        <a:schemeClr val="tx1"/>
-                      </a:solidFill>
-                      <a:prstDash val="solid"/>
-                      <a:round/>
-                      <a:headEnd type="none" w="med" len="med"/>
-                      <a:tailEnd type="none" w="med" len="med"/>
-                    </a:lnL>
-                    <a:lnR w="12700" cap="flat" cmpd="sng" algn="ctr">
-                      <a:solidFill>
-                        <a:schemeClr val="tx1"/>
-                      </a:solidFill>
-                      <a:prstDash val="solid"/>
-                      <a:round/>
-                      <a:headEnd type="none" w="med" len="med"/>
-                      <a:tailEnd type="none" w="med" len="med"/>
-                    </a:lnR>
-                    <a:lnT w="12700" cap="flat" cmpd="sng" algn="ctr">
-                      <a:solidFill>
-                        <a:schemeClr val="tx1"/>
-                      </a:solidFill>
-                      <a:prstDash val="solid"/>
-                      <a:round/>
-                      <a:headEnd type="none" w="med" len="med"/>
-                      <a:tailEnd type="none" w="med" len="med"/>
-                    </a:lnT>
-                    <a:lnB w="12700" cap="flat" cmpd="sng" algn="ctr">
-                      <a:solidFill>
-                        <a:schemeClr val="tx1"/>
-                      </a:solidFill>
-                      <a:prstDash val="solid"/>
-                      <a:round/>
-                      <a:headEnd type="none" w="med" len="med"/>
-                      <a:tailEnd type="none" w="med" len="med"/>
-                    </a:lnB>
-                    <a:noFill/>
-                  </a:tcPr>
-                </a:tc>
-                <a:tc>
-                  <a:txBody>
-                    <a:bodyPr/>
-                    <a:lstStyle/>
-                    <a:p>
-                      <a:pPr algn="ctr"/>
-                      <a:endParaRPr lang="en-US">
-                        <a:solidFill>
-                          <a:schemeClr val="tx1"/>
-                        </a:solidFill>
-                        <a:latin typeface="Times New Roman" panose="02020603050405020304" pitchFamily="18" charset="0"/>
-                        <a:cs typeface="Times New Roman" panose="02020603050405020304" pitchFamily="18" charset="0"/>
-                      </a:endParaRPr>
-                    </a:p>
-                  </a:txBody>
-                  <a:tcPr anchor="ctr">
-                    <a:lnL w="12700" cap="flat" cmpd="sng" algn="ctr">
-                      <a:solidFill>
-                        <a:schemeClr val="tx1"/>
-                      </a:solidFill>
-                      <a:prstDash val="solid"/>
-                      <a:round/>
-                      <a:headEnd type="none" w="med" len="med"/>
-                      <a:tailEnd type="none" w="med" len="med"/>
-                    </a:lnL>
-                    <a:lnR w="12700" cap="flat" cmpd="sng" algn="ctr">
-                      <a:solidFill>
-                        <a:schemeClr val="tx1"/>
-                      </a:solidFill>
-                      <a:prstDash val="solid"/>
-                      <a:round/>
-                      <a:headEnd type="none" w="med" len="med"/>
-                      <a:tailEnd type="none" w="med" len="med"/>
-                    </a:lnR>
-                    <a:lnT w="12700" cap="flat" cmpd="sng" algn="ctr">
-                      <a:solidFill>
-                        <a:schemeClr val="tx1"/>
-                      </a:solidFill>
-                      <a:prstDash val="solid"/>
-                      <a:round/>
-                      <a:headEnd type="none" w="med" len="med"/>
-                      <a:tailEnd type="none" w="med" len="med"/>
-                    </a:lnT>
-                    <a:lnB w="12700" cap="flat" cmpd="sng" algn="ctr">
-                      <a:solidFill>
-                        <a:schemeClr val="tx1"/>
-                      </a:solidFill>
-                      <a:prstDash val="solid"/>
-                      <a:round/>
-                      <a:headEnd type="none" w="med" len="med"/>
-                      <a:tailEnd type="none" w="med" len="med"/>
-                    </a:lnB>
-                    <a:noFill/>
-                  </a:tcPr>
-                </a:tc>
-                <a:tc>
-                  <a:txBody>
-                    <a:bodyPr/>
-                    <a:lstStyle/>
-                    <a:p>
-                      <a:pPr algn="ctr"/>
-                      <a:endParaRPr lang="en-US">
-                        <a:solidFill>
-                          <a:schemeClr val="tx1"/>
-                        </a:solidFill>
-                        <a:latin typeface="Times New Roman" panose="02020603050405020304" pitchFamily="18" charset="0"/>
-                        <a:cs typeface="Times New Roman" panose="02020603050405020304" pitchFamily="18" charset="0"/>
-                      </a:endParaRPr>
-                    </a:p>
-                  </a:txBody>
-                  <a:tcPr anchor="ctr">
-                    <a:lnL w="12700" cap="flat" cmpd="sng" algn="ctr">
-                      <a:solidFill>
-                        <a:schemeClr val="tx1"/>
-                      </a:solidFill>
-                      <a:prstDash val="solid"/>
-                      <a:round/>
-                      <a:headEnd type="none" w="med" len="med"/>
-                      <a:tailEnd type="none" w="med" len="med"/>
-                    </a:lnL>
-                    <a:lnR w="12700" cap="flat" cmpd="sng" algn="ctr">
-                      <a:solidFill>
-                        <a:schemeClr val="tx1"/>
-                      </a:solidFill>
-                      <a:prstDash val="solid"/>
-                      <a:round/>
-                      <a:headEnd type="none" w="med" len="med"/>
-                      <a:tailEnd type="none" w="med" len="med"/>
-                    </a:lnR>
-                    <a:lnT w="12700" cap="flat" cmpd="sng" algn="ctr">
-                      <a:solidFill>
-                        <a:schemeClr val="tx1"/>
-                      </a:solidFill>
-                      <a:prstDash val="solid"/>
-                      <a:round/>
-                      <a:headEnd type="none" w="med" len="med"/>
-                      <a:tailEnd type="none" w="med" len="med"/>
-                    </a:lnT>
-                    <a:lnB w="12700" cap="flat" cmpd="sng" algn="ctr">
-                      <a:solidFill>
-                        <a:schemeClr val="tx1"/>
-                      </a:solidFill>
-                      <a:prstDash val="solid"/>
-                      <a:round/>
-                      <a:headEnd type="none" w="med" len="med"/>
-                      <a:tailEnd type="none" w="med" len="med"/>
-                    </a:lnB>
-                    <a:noFill/>
-                  </a:tcPr>
-                </a:tc>
-                <a:tc>
-                  <a:txBody>
-                    <a:bodyPr/>
-                    <a:lstStyle/>
-                    <a:p>
-                      <a:pPr algn="ctr"/>
-                      <a:endParaRPr lang="en-US">
-                        <a:solidFill>
-                          <a:schemeClr val="tx1"/>
-                        </a:solidFill>
-                        <a:latin typeface="Times New Roman" panose="02020603050405020304" pitchFamily="18" charset="0"/>
-                        <a:cs typeface="Times New Roman" panose="02020603050405020304" pitchFamily="18" charset="0"/>
-                      </a:endParaRPr>
-                    </a:p>
-                  </a:txBody>
-                  <a:tcPr anchor="ctr">
-                    <a:lnL w="12700" cap="flat" cmpd="sng" algn="ctr">
-                      <a:solidFill>
-                        <a:schemeClr val="tx1"/>
-                      </a:solidFill>
-                      <a:prstDash val="solid"/>
-                      <a:round/>
-                      <a:headEnd type="none" w="med" len="med"/>
-                      <a:tailEnd type="none" w="med" len="med"/>
-                    </a:lnL>
-                    <a:lnR w="12700" cap="flat" cmpd="sng" algn="ctr">
-                      <a:solidFill>
-                        <a:schemeClr val="tx1"/>
-                      </a:solidFill>
-                      <a:prstDash val="solid"/>
-                      <a:round/>
-                      <a:headEnd type="none" w="med" len="med"/>
-                      <a:tailEnd type="none" w="med" len="med"/>
-                    </a:lnR>
-                    <a:lnT w="12700" cap="flat" cmpd="sng" algn="ctr">
-                      <a:solidFill>
-                        <a:schemeClr val="tx1"/>
-                      </a:solidFill>
-                      <a:prstDash val="solid"/>
-                      <a:round/>
-                      <a:headEnd type="none" w="med" len="med"/>
-                      <a:tailEnd type="none" w="med" len="med"/>
-                    </a:lnT>
-                    <a:lnB w="12700" cap="flat" cmpd="sng" algn="ctr">
-                      <a:solidFill>
-                        <a:schemeClr val="tx1"/>
-                      </a:solidFill>
-                      <a:prstDash val="solid"/>
-                      <a:round/>
-                      <a:headEnd type="none" w="med" len="med"/>
-                      <a:tailEnd type="none" w="med" len="med"/>
-                    </a:lnB>
-                    <a:noFill/>
-                  </a:tcPr>
-                </a:tc>
-                <a:tc>
-                  <a:txBody>
-                    <a:bodyPr/>
-                    <a:lstStyle/>
-                    <a:p>
-                      <a:pPr algn="ctr"/>
+                      <a:r>
+                        <a:rPr lang="en-US" dirty="0" smtClean="0">
+                          <a:solidFill>
+                            <a:schemeClr val="tx1"/>
+                          </a:solidFill>
+                          <a:latin typeface="Times New Roman" panose="02020603050405020304" pitchFamily="18" charset="0"/>
+                          <a:cs typeface="Times New Roman" panose="02020603050405020304" pitchFamily="18" charset="0"/>
+                        </a:rPr>
+                        <a:t>Platform</a:t>
+                      </a:r>
+                      <a:r>
+                        <a:rPr lang="en-US" baseline="0" dirty="0" smtClean="0">
+                          <a:solidFill>
+                            <a:schemeClr val="tx1"/>
+                          </a:solidFill>
+                          <a:latin typeface="Times New Roman" panose="02020603050405020304" pitchFamily="18" charset="0"/>
+                          <a:cs typeface="Times New Roman" panose="02020603050405020304" pitchFamily="18" charset="0"/>
+                        </a:rPr>
+                        <a:t> Dependent</a:t>
+                      </a:r>
                       <a:endParaRPr lang="en-US" dirty="0">
                         <a:solidFill>
                           <a:schemeClr val="tx1"/>
@@ -7384,7 +8942,7 @@
                 </a:tc>
                 <a:extLst>
                   <a:ext uri="{0D108BD9-81ED-4DB2-BD59-A6C34878D82A}">
-                    <a16:rowId xmlns:a16="http://schemas.microsoft.com/office/drawing/2014/main" val="1886864296"/>
+                    <a16:rowId xmlns:a16="http://schemas.microsoft.com/office/drawing/2014/main" val="4275570003"/>
                   </a:ext>
                 </a:extLst>
               </a:tr>
@@ -7395,7 +8953,7 @@
     </p:spTree>
     <p:extLst>
       <p:ext uri="{BB962C8B-B14F-4D97-AF65-F5344CB8AC3E}">
-        <p14:creationId xmlns:p14="http://schemas.microsoft.com/office/powerpoint/2010/main" val="473876944"/>
+        <p14:creationId xmlns:p14="http://schemas.microsoft.com/office/powerpoint/2010/main" val="2110116235"/>
       </p:ext>
     </p:extLst>
   </p:cSld>
@@ -7432,41 +8990,6 @@
           <a:chExt cx="0" cy="0"/>
         </a:xfrm>
       </p:grpSpPr>
-      <p:sp>
-        <p:nvSpPr>
-          <p:cNvPr id="2" name="Title 1"/>
-          <p:cNvSpPr>
-            <a:spLocks noGrp="1"/>
-          </p:cNvSpPr>
-          <p:nvPr>
-            <p:ph type="title"/>
-          </p:nvPr>
-        </p:nvSpPr>
-        <p:spPr>
-          <a:xfrm>
-            <a:off x="609600" y="245455"/>
-            <a:ext cx="10972800" cy="673812"/>
-          </a:xfrm>
-        </p:spPr>
-        <p:txBody>
-          <a:bodyPr>
-            <a:normAutofit/>
-          </a:bodyPr>
-          <a:lstStyle/>
-          <a:p>
-            <a:r>
-              <a:rPr lang="en-US" sz="3600" b="1" dirty="0" smtClean="0">
-                <a:latin typeface="Times New Roman" panose="02020603050405020304" pitchFamily="18" charset="0"/>
-                <a:cs typeface="Times New Roman" panose="02020603050405020304" pitchFamily="18" charset="0"/>
-              </a:rPr>
-              <a:t>LITERATURE SURVEY</a:t>
-            </a:r>
-            <a:endParaRPr lang="en-US" sz="3600" b="1" dirty="0">
-              <a:latin typeface="Times New Roman" pitchFamily="18" charset="0"/>
-            </a:endParaRPr>
-          </a:p>
-        </p:txBody>
-      </p:sp>
       <p:graphicFrame>
         <p:nvGraphicFramePr>
           <p:cNvPr id="3" name="Table 2"/>
@@ -7474,16 +8997,12 @@
             <a:graphicFrameLocks noGrp="1"/>
           </p:cNvGraphicFramePr>
           <p:nvPr>
-            <p:extLst>
-              <p:ext uri="{D42A27DB-BD31-4B8C-83A1-F6EECF244321}">
-                <p14:modId xmlns:p14="http://schemas.microsoft.com/office/powerpoint/2010/main" val="2265865471"/>
-              </p:ext>
-            </p:extLst>
+            <p:extLst/>
           </p:nvPr>
         </p:nvGraphicFramePr>
         <p:xfrm>
-          <a:off x="609600" y="1084996"/>
-          <a:ext cx="10972800" cy="5261213"/>
+          <a:off x="609600" y="847934"/>
+          <a:ext cx="10972800" cy="5864538"/>
         </p:xfrm>
         <a:graphic>
           <a:graphicData uri="http://schemas.openxmlformats.org/drawingml/2006/table">
@@ -7499,28 +9018,28 @@
                     </a:ext>
                   </a:extLst>
                 </a:gridCol>
-                <a:gridCol w="2506639">
+                <a:gridCol w="2248021">
                   <a:extLst>
                     <a:ext uri="{9D8B030D-6E8A-4147-A177-3AD203B41FA5}">
                       <a16:colId xmlns:a16="http://schemas.microsoft.com/office/drawing/2014/main" val="3364458840"/>
                     </a:ext>
                   </a:extLst>
                 </a:gridCol>
-                <a:gridCol w="1828800">
+                <a:gridCol w="3011054">
                   <a:extLst>
                     <a:ext uri="{9D8B030D-6E8A-4147-A177-3AD203B41FA5}">
                       <a16:colId xmlns:a16="http://schemas.microsoft.com/office/drawing/2014/main" val="1934009595"/>
                     </a:ext>
                   </a:extLst>
                 </a:gridCol>
-                <a:gridCol w="1828800">
+                <a:gridCol w="1192379">
                   <a:extLst>
                     <a:ext uri="{9D8B030D-6E8A-4147-A177-3AD203B41FA5}">
                       <a16:colId xmlns:a16="http://schemas.microsoft.com/office/drawing/2014/main" val="2106811707"/>
                     </a:ext>
                   </a:extLst>
                 </a:gridCol>
-                <a:gridCol w="1828800">
+                <a:gridCol w="1541585">
                   <a:extLst>
                     <a:ext uri="{9D8B030D-6E8A-4147-A177-3AD203B41FA5}">
                       <a16:colId xmlns:a16="http://schemas.microsoft.com/office/drawing/2014/main" val="4161205106"/>
@@ -7981,7 +9500,7 @@
                           <a:latin typeface="Times New Roman" panose="02020603050405020304" pitchFamily="18" charset="0"/>
                           <a:cs typeface="Times New Roman" panose="02020603050405020304" pitchFamily="18" charset="0"/>
                         </a:rPr>
-                        <a:t>6</a:t>
+                        <a:t>3</a:t>
                       </a:r>
                       <a:endParaRPr lang="en-US" dirty="0">
                         <a:solidFill>
@@ -8038,6 +9557,178 @@
                     <a:lstStyle/>
                     <a:p>
                       <a:pPr algn="ctr"/>
+                      <a:r>
+                        <a:rPr lang="en-US" dirty="0" err="1" smtClean="0">
+                          <a:solidFill>
+                            <a:schemeClr val="tx1"/>
+                          </a:solidFill>
+                          <a:latin typeface="Times New Roman" panose="02020603050405020304" pitchFamily="18" charset="0"/>
+                          <a:cs typeface="Times New Roman" panose="02020603050405020304" pitchFamily="18" charset="0"/>
+                        </a:rPr>
+                        <a:t>Soman</a:t>
+                      </a:r>
+                      <a:r>
+                        <a:rPr lang="en-US" dirty="0" smtClean="0">
+                          <a:solidFill>
+                            <a:schemeClr val="tx1"/>
+                          </a:solidFill>
+                          <a:latin typeface="Times New Roman" panose="02020603050405020304" pitchFamily="18" charset="0"/>
+                          <a:cs typeface="Times New Roman" panose="02020603050405020304" pitchFamily="18" charset="0"/>
+                        </a:rPr>
+                        <a:t> </a:t>
+                      </a:r>
+                      <a:r>
+                        <a:rPr lang="en-US" dirty="0" err="1" smtClean="0">
+                          <a:solidFill>
+                            <a:schemeClr val="tx1"/>
+                          </a:solidFill>
+                          <a:latin typeface="Times New Roman" panose="02020603050405020304" pitchFamily="18" charset="0"/>
+                          <a:cs typeface="Times New Roman" panose="02020603050405020304" pitchFamily="18" charset="0"/>
+                        </a:rPr>
+                        <a:t>Nayak</a:t>
+                      </a:r>
+                      <a:r>
+                        <a:rPr lang="en-US" dirty="0" smtClean="0">
+                          <a:solidFill>
+                            <a:schemeClr val="tx1"/>
+                          </a:solidFill>
+                          <a:latin typeface="Times New Roman" panose="02020603050405020304" pitchFamily="18" charset="0"/>
+                          <a:cs typeface="Times New Roman" panose="02020603050405020304" pitchFamily="18" charset="0"/>
+                        </a:rPr>
+                        <a:t>,</a:t>
+                      </a:r>
+                    </a:p>
+                    <a:p>
+                      <a:pPr algn="ctr"/>
+                      <a:r>
+                        <a:rPr lang="en-US" dirty="0" err="1" smtClean="0">
+                          <a:solidFill>
+                            <a:schemeClr val="tx1"/>
+                          </a:solidFill>
+                          <a:latin typeface="Times New Roman" panose="02020603050405020304" pitchFamily="18" charset="0"/>
+                          <a:cs typeface="Times New Roman" panose="02020603050405020304" pitchFamily="18" charset="0"/>
+                        </a:rPr>
+                        <a:t>Surajit</a:t>
+                      </a:r>
+                      <a:r>
+                        <a:rPr lang="en-US" dirty="0" smtClean="0">
+                          <a:solidFill>
+                            <a:schemeClr val="tx1"/>
+                          </a:solidFill>
+                          <a:latin typeface="Times New Roman" panose="02020603050405020304" pitchFamily="18" charset="0"/>
+                          <a:cs typeface="Times New Roman" panose="02020603050405020304" pitchFamily="18" charset="0"/>
+                        </a:rPr>
+                        <a:t> </a:t>
+                      </a:r>
+                      <a:r>
+                        <a:rPr lang="en-US" dirty="0" err="1" smtClean="0">
+                          <a:solidFill>
+                            <a:schemeClr val="tx1"/>
+                          </a:solidFill>
+                          <a:latin typeface="Times New Roman" panose="02020603050405020304" pitchFamily="18" charset="0"/>
+                          <a:cs typeface="Times New Roman" panose="02020603050405020304" pitchFamily="18" charset="0"/>
+                        </a:rPr>
+                        <a:t>Dass</a:t>
+                      </a:r>
+                      <a:r>
+                        <a:rPr lang="en-US" dirty="0" smtClean="0">
+                          <a:solidFill>
+                            <a:schemeClr val="tx1"/>
+                          </a:solidFill>
+                          <a:latin typeface="Times New Roman" panose="02020603050405020304" pitchFamily="18" charset="0"/>
+                          <a:cs typeface="Times New Roman" panose="02020603050405020304" pitchFamily="18" charset="0"/>
+                        </a:rPr>
+                        <a:t/>
+                      </a:r>
+                      <a:br>
+                        <a:rPr lang="en-US" dirty="0" smtClean="0">
+                          <a:solidFill>
+                            <a:schemeClr val="tx1"/>
+                          </a:solidFill>
+                          <a:latin typeface="Times New Roman" panose="02020603050405020304" pitchFamily="18" charset="0"/>
+                          <a:cs typeface="Times New Roman" panose="02020603050405020304" pitchFamily="18" charset="0"/>
+                        </a:rPr>
+                      </a:br>
+                      <a:endParaRPr lang="en-US" dirty="0" smtClean="0">
+                        <a:solidFill>
+                          <a:schemeClr val="tx1"/>
+                        </a:solidFill>
+                        <a:latin typeface="Times New Roman" panose="02020603050405020304" pitchFamily="18" charset="0"/>
+                        <a:cs typeface="Times New Roman" panose="02020603050405020304" pitchFamily="18" charset="0"/>
+                      </a:endParaRPr>
+                    </a:p>
+                    <a:p>
+                      <a:pPr algn="ctr"/>
+                      <a:r>
+                        <a:rPr lang="en-US" dirty="0" smtClean="0">
+                          <a:solidFill>
+                            <a:schemeClr val="tx1"/>
+                          </a:solidFill>
+                          <a:latin typeface="Times New Roman" panose="02020603050405020304" pitchFamily="18" charset="0"/>
+                          <a:cs typeface="Times New Roman" panose="02020603050405020304" pitchFamily="18" charset="0"/>
+                        </a:rPr>
+                        <a:t>An application for end to end secure messaging service on Android supported device</a:t>
+                      </a:r>
+                    </a:p>
+                  </a:txBody>
+                  <a:tcPr anchor="ctr">
+                    <a:lnL w="12700" cap="flat" cmpd="sng" algn="ctr">
+                      <a:solidFill>
+                        <a:schemeClr val="tx1"/>
+                      </a:solidFill>
+                      <a:prstDash val="solid"/>
+                      <a:round/>
+                      <a:headEnd type="none" w="med" len="med"/>
+                      <a:tailEnd type="none" w="med" len="med"/>
+                    </a:lnL>
+                    <a:lnR w="12700" cap="flat" cmpd="sng" algn="ctr">
+                      <a:solidFill>
+                        <a:schemeClr val="tx1"/>
+                      </a:solidFill>
+                      <a:prstDash val="solid"/>
+                      <a:round/>
+                      <a:headEnd type="none" w="med" len="med"/>
+                      <a:tailEnd type="none" w="med" len="med"/>
+                    </a:lnR>
+                    <a:lnT w="12700" cap="flat" cmpd="sng" algn="ctr">
+                      <a:solidFill>
+                        <a:schemeClr val="tx1"/>
+                      </a:solidFill>
+                      <a:prstDash val="solid"/>
+                      <a:round/>
+                      <a:headEnd type="none" w="med" len="med"/>
+                      <a:tailEnd type="none" w="med" len="med"/>
+                    </a:lnT>
+                    <a:lnB w="12700" cap="flat" cmpd="sng" algn="ctr">
+                      <a:solidFill>
+                        <a:schemeClr val="tx1"/>
+                      </a:solidFill>
+                      <a:prstDash val="solid"/>
+                      <a:round/>
+                      <a:headEnd type="none" w="med" len="med"/>
+                      <a:tailEnd type="none" w="med" len="med"/>
+                    </a:lnB>
+                    <a:noFill/>
+                  </a:tcPr>
+                </a:tc>
+                <a:tc>
+                  <a:txBody>
+                    <a:bodyPr/>
+                    <a:lstStyle/>
+                    <a:p>
+                      <a:pPr algn="ctr"/>
+                      <a:r>
+                        <a:rPr lang="en-US" sz="1800" b="0" i="0" kern="1200" dirty="0" smtClean="0">
+                          <a:solidFill>
+                            <a:schemeClr val="dk1"/>
+                          </a:solidFill>
+                          <a:effectLst/>
+                          <a:latin typeface="Times New Roman" panose="02020603050405020304" pitchFamily="18" charset="0"/>
+                          <a:ea typeface="+mn-ea"/>
+                          <a:cs typeface="Times New Roman" panose="02020603050405020304" pitchFamily="18" charset="0"/>
+                        </a:rPr>
+                        <a:t>proposing a secure messaging protocol that utilizes SHA-2 hash generation for key generation and AES-256 encryption for securing messages during transmission. </a:t>
+                      </a:r>
                       <a:endParaRPr lang="en-US" dirty="0">
                         <a:solidFill>
                           <a:schemeClr val="tx1"/>
@@ -8093,61 +9784,33 @@
                     <a:lstStyle/>
                     <a:p>
                       <a:pPr algn="ctr"/>
-                      <a:endParaRPr lang="en-US">
-                        <a:solidFill>
-                          <a:schemeClr val="tx1"/>
-                        </a:solidFill>
-                        <a:latin typeface="Times New Roman" panose="02020603050405020304" pitchFamily="18" charset="0"/>
-                        <a:cs typeface="Times New Roman" panose="02020603050405020304" pitchFamily="18" charset="0"/>
-                      </a:endParaRPr>
+                      <a:r>
+                        <a:rPr lang="en-US" sz="1800" b="0" i="0" kern="1200" dirty="0" smtClean="0">
+                          <a:solidFill>
+                            <a:schemeClr val="dk1"/>
+                          </a:solidFill>
+                          <a:effectLst/>
+                          <a:latin typeface="Times New Roman" panose="02020603050405020304" pitchFamily="18" charset="0"/>
+                          <a:ea typeface="+mn-ea"/>
+                          <a:cs typeface="Times New Roman" panose="02020603050405020304" pitchFamily="18" charset="0"/>
+                        </a:rPr>
+                        <a:t>SHA-2,</a:t>
+                      </a:r>
                     </a:p>
-                  </a:txBody>
-                  <a:tcPr anchor="ctr">
-                    <a:lnL w="12700" cap="flat" cmpd="sng" algn="ctr">
-                      <a:solidFill>
-                        <a:schemeClr val="tx1"/>
-                      </a:solidFill>
-                      <a:prstDash val="solid"/>
-                      <a:round/>
-                      <a:headEnd type="none" w="med" len="med"/>
-                      <a:tailEnd type="none" w="med" len="med"/>
-                    </a:lnL>
-                    <a:lnR w="12700" cap="flat" cmpd="sng" algn="ctr">
-                      <a:solidFill>
-                        <a:schemeClr val="tx1"/>
-                      </a:solidFill>
-                      <a:prstDash val="solid"/>
-                      <a:round/>
-                      <a:headEnd type="none" w="med" len="med"/>
-                      <a:tailEnd type="none" w="med" len="med"/>
-                    </a:lnR>
-                    <a:lnT w="12700" cap="flat" cmpd="sng" algn="ctr">
-                      <a:solidFill>
-                        <a:schemeClr val="tx1"/>
-                      </a:solidFill>
-                      <a:prstDash val="solid"/>
-                      <a:round/>
-                      <a:headEnd type="none" w="med" len="med"/>
-                      <a:tailEnd type="none" w="med" len="med"/>
-                    </a:lnT>
-                    <a:lnB w="12700" cap="flat" cmpd="sng" algn="ctr">
-                      <a:solidFill>
-                        <a:schemeClr val="tx1"/>
-                      </a:solidFill>
-                      <a:prstDash val="solid"/>
-                      <a:round/>
-                      <a:headEnd type="none" w="med" len="med"/>
-                      <a:tailEnd type="none" w="med" len="med"/>
-                    </a:lnB>
-                    <a:noFill/>
-                  </a:tcPr>
-                </a:tc>
-                <a:tc>
-                  <a:txBody>
-                    <a:bodyPr/>
-                    <a:lstStyle/>
                     <a:p>
                       <a:pPr algn="ctr"/>
+                      <a:r>
+                        <a:rPr lang="en-US" sz="1800" b="0" i="0" kern="1200" dirty="0" smtClean="0">
+                          <a:solidFill>
+                            <a:schemeClr val="dk1"/>
+                          </a:solidFill>
+                          <a:effectLst/>
+                          <a:latin typeface="Times New Roman" panose="02020603050405020304" pitchFamily="18" charset="0"/>
+                          <a:ea typeface="+mn-ea"/>
+                          <a:cs typeface="Times New Roman" panose="02020603050405020304" pitchFamily="18" charset="0"/>
+                        </a:rPr>
+                        <a:t> AES-256 encryption</a:t>
+                      </a:r>
                       <a:endParaRPr lang="en-US" dirty="0">
                         <a:solidFill>
                           <a:schemeClr val="tx1"/>
@@ -8203,6 +9866,16 @@
                     <a:lstStyle/>
                     <a:p>
                       <a:pPr algn="ctr"/>
+                      <a:r>
+                        <a:rPr lang="en-US" dirty="0" smtClean="0">
+                          <a:solidFill>
+                            <a:schemeClr val="tx1"/>
+                          </a:solidFill>
+                          <a:latin typeface="Times New Roman" panose="02020603050405020304" pitchFamily="18" charset="0"/>
+                          <a:cs typeface="Times New Roman" panose="02020603050405020304" pitchFamily="18" charset="0"/>
+                        </a:rPr>
+                        <a:t>Two step Verification</a:t>
+                      </a:r>
                       <a:endParaRPr lang="en-US" dirty="0">
                         <a:solidFill>
                           <a:schemeClr val="tx1"/>
@@ -8258,68 +9931,6 @@
                     <a:lstStyle/>
                     <a:p>
                       <a:pPr algn="ctr"/>
-                      <a:endParaRPr lang="en-US" dirty="0">
-                        <a:solidFill>
-                          <a:schemeClr val="tx1"/>
-                        </a:solidFill>
-                        <a:latin typeface="Times New Roman" panose="02020603050405020304" pitchFamily="18" charset="0"/>
-                        <a:cs typeface="Times New Roman" panose="02020603050405020304" pitchFamily="18" charset="0"/>
-                      </a:endParaRPr>
-                    </a:p>
-                  </a:txBody>
-                  <a:tcPr anchor="ctr">
-                    <a:lnL w="12700" cap="flat" cmpd="sng" algn="ctr">
-                      <a:solidFill>
-                        <a:schemeClr val="tx1"/>
-                      </a:solidFill>
-                      <a:prstDash val="solid"/>
-                      <a:round/>
-                      <a:headEnd type="none" w="med" len="med"/>
-                      <a:tailEnd type="none" w="med" len="med"/>
-                    </a:lnL>
-                    <a:lnR w="12700" cap="flat" cmpd="sng" algn="ctr">
-                      <a:solidFill>
-                        <a:schemeClr val="tx1"/>
-                      </a:solidFill>
-                      <a:prstDash val="solid"/>
-                      <a:round/>
-                      <a:headEnd type="none" w="med" len="med"/>
-                      <a:tailEnd type="none" w="med" len="med"/>
-                    </a:lnR>
-                    <a:lnT w="12700" cap="flat" cmpd="sng" algn="ctr">
-                      <a:solidFill>
-                        <a:schemeClr val="tx1"/>
-                      </a:solidFill>
-                      <a:prstDash val="solid"/>
-                      <a:round/>
-                      <a:headEnd type="none" w="med" len="med"/>
-                      <a:tailEnd type="none" w="med" len="med"/>
-                    </a:lnT>
-                    <a:lnB w="12700" cap="flat" cmpd="sng" algn="ctr">
-                      <a:solidFill>
-                        <a:schemeClr val="tx1"/>
-                      </a:solidFill>
-                      <a:prstDash val="solid"/>
-                      <a:round/>
-                      <a:headEnd type="none" w="med" len="med"/>
-                      <a:tailEnd type="none" w="med" len="med"/>
-                    </a:lnB>
-                    <a:noFill/>
-                  </a:tcPr>
-                </a:tc>
-                <a:extLst>
-                  <a:ext uri="{0D108BD9-81ED-4DB2-BD59-A6C34878D82A}">
-                    <a16:rowId xmlns:a16="http://schemas.microsoft.com/office/drawing/2014/main" val="35302310"/>
-                  </a:ext>
-                </a:extLst>
-              </a:tr>
-              <a:tr h="738871">
-                <a:tc>
-                  <a:txBody>
-                    <a:bodyPr/>
-                    <a:lstStyle/>
-                    <a:p>
-                      <a:pPr algn="ctr"/>
                       <a:r>
                         <a:rPr lang="en-US" dirty="0" smtClean="0">
                           <a:solidFill>
@@ -8328,284 +9939,19 @@
                           <a:latin typeface="Times New Roman" panose="02020603050405020304" pitchFamily="18" charset="0"/>
                           <a:cs typeface="Times New Roman" panose="02020603050405020304" pitchFamily="18" charset="0"/>
                         </a:rPr>
-                        <a:t>7</a:t>
+                        <a:t>Platform</a:t>
+                      </a:r>
+                      <a:r>
+                        <a:rPr lang="en-US" baseline="0" dirty="0" smtClean="0">
+                          <a:solidFill>
+                            <a:schemeClr val="tx1"/>
+                          </a:solidFill>
+                          <a:latin typeface="Times New Roman" panose="02020603050405020304" pitchFamily="18" charset="0"/>
+                          <a:cs typeface="Times New Roman" panose="02020603050405020304" pitchFamily="18" charset="0"/>
+                        </a:rPr>
+                        <a:t> Dependent</a:t>
                       </a:r>
                       <a:endParaRPr lang="en-US" dirty="0">
-                        <a:solidFill>
-                          <a:schemeClr val="tx1"/>
-                        </a:solidFill>
-                        <a:latin typeface="Times New Roman" panose="02020603050405020304" pitchFamily="18" charset="0"/>
-                        <a:cs typeface="Times New Roman" panose="02020603050405020304" pitchFamily="18" charset="0"/>
-                      </a:endParaRPr>
-                    </a:p>
-                  </a:txBody>
-                  <a:tcPr anchor="ctr">
-                    <a:lnL w="12700" cap="flat" cmpd="sng" algn="ctr">
-                      <a:solidFill>
-                        <a:schemeClr val="tx1"/>
-                      </a:solidFill>
-                      <a:prstDash val="solid"/>
-                      <a:round/>
-                      <a:headEnd type="none" w="med" len="med"/>
-                      <a:tailEnd type="none" w="med" len="med"/>
-                    </a:lnL>
-                    <a:lnR w="12700" cap="flat" cmpd="sng" algn="ctr">
-                      <a:solidFill>
-                        <a:schemeClr val="tx1"/>
-                      </a:solidFill>
-                      <a:prstDash val="solid"/>
-                      <a:round/>
-                      <a:headEnd type="none" w="med" len="med"/>
-                      <a:tailEnd type="none" w="med" len="med"/>
-                    </a:lnR>
-                    <a:lnT w="12700" cap="flat" cmpd="sng" algn="ctr">
-                      <a:solidFill>
-                        <a:schemeClr val="tx1"/>
-                      </a:solidFill>
-                      <a:prstDash val="solid"/>
-                      <a:round/>
-                      <a:headEnd type="none" w="med" len="med"/>
-                      <a:tailEnd type="none" w="med" len="med"/>
-                    </a:lnT>
-                    <a:lnB w="12700" cap="flat" cmpd="sng" algn="ctr">
-                      <a:solidFill>
-                        <a:schemeClr val="tx1"/>
-                      </a:solidFill>
-                      <a:prstDash val="solid"/>
-                      <a:round/>
-                      <a:headEnd type="none" w="med" len="med"/>
-                      <a:tailEnd type="none" w="med" len="med"/>
-                    </a:lnB>
-                    <a:noFill/>
-                  </a:tcPr>
-                </a:tc>
-                <a:tc>
-                  <a:txBody>
-                    <a:bodyPr/>
-                    <a:lstStyle/>
-                    <a:p>
-                      <a:pPr algn="ctr"/>
-                      <a:endParaRPr lang="en-US">
-                        <a:solidFill>
-                          <a:schemeClr val="tx1"/>
-                        </a:solidFill>
-                        <a:latin typeface="Times New Roman" panose="02020603050405020304" pitchFamily="18" charset="0"/>
-                        <a:cs typeface="Times New Roman" panose="02020603050405020304" pitchFamily="18" charset="0"/>
-                      </a:endParaRPr>
-                    </a:p>
-                  </a:txBody>
-                  <a:tcPr anchor="ctr">
-                    <a:lnL w="12700" cap="flat" cmpd="sng" algn="ctr">
-                      <a:solidFill>
-                        <a:schemeClr val="tx1"/>
-                      </a:solidFill>
-                      <a:prstDash val="solid"/>
-                      <a:round/>
-                      <a:headEnd type="none" w="med" len="med"/>
-                      <a:tailEnd type="none" w="med" len="med"/>
-                    </a:lnL>
-                    <a:lnR w="12700" cap="flat" cmpd="sng" algn="ctr">
-                      <a:solidFill>
-                        <a:schemeClr val="tx1"/>
-                      </a:solidFill>
-                      <a:prstDash val="solid"/>
-                      <a:round/>
-                      <a:headEnd type="none" w="med" len="med"/>
-                      <a:tailEnd type="none" w="med" len="med"/>
-                    </a:lnR>
-                    <a:lnT w="12700" cap="flat" cmpd="sng" algn="ctr">
-                      <a:solidFill>
-                        <a:schemeClr val="tx1"/>
-                      </a:solidFill>
-                      <a:prstDash val="solid"/>
-                      <a:round/>
-                      <a:headEnd type="none" w="med" len="med"/>
-                      <a:tailEnd type="none" w="med" len="med"/>
-                    </a:lnT>
-                    <a:lnB w="12700" cap="flat" cmpd="sng" algn="ctr">
-                      <a:solidFill>
-                        <a:schemeClr val="tx1"/>
-                      </a:solidFill>
-                      <a:prstDash val="solid"/>
-                      <a:round/>
-                      <a:headEnd type="none" w="med" len="med"/>
-                      <a:tailEnd type="none" w="med" len="med"/>
-                    </a:lnB>
-                    <a:noFill/>
-                  </a:tcPr>
-                </a:tc>
-                <a:tc>
-                  <a:txBody>
-                    <a:bodyPr/>
-                    <a:lstStyle/>
-                    <a:p>
-                      <a:pPr algn="ctr"/>
-                      <a:endParaRPr lang="en-US">
-                        <a:solidFill>
-                          <a:schemeClr val="tx1"/>
-                        </a:solidFill>
-                        <a:latin typeface="Times New Roman" panose="02020603050405020304" pitchFamily="18" charset="0"/>
-                        <a:cs typeface="Times New Roman" panose="02020603050405020304" pitchFamily="18" charset="0"/>
-                      </a:endParaRPr>
-                    </a:p>
-                  </a:txBody>
-                  <a:tcPr anchor="ctr">
-                    <a:lnL w="12700" cap="flat" cmpd="sng" algn="ctr">
-                      <a:solidFill>
-                        <a:schemeClr val="tx1"/>
-                      </a:solidFill>
-                      <a:prstDash val="solid"/>
-                      <a:round/>
-                      <a:headEnd type="none" w="med" len="med"/>
-                      <a:tailEnd type="none" w="med" len="med"/>
-                    </a:lnL>
-                    <a:lnR w="12700" cap="flat" cmpd="sng" algn="ctr">
-                      <a:solidFill>
-                        <a:schemeClr val="tx1"/>
-                      </a:solidFill>
-                      <a:prstDash val="solid"/>
-                      <a:round/>
-                      <a:headEnd type="none" w="med" len="med"/>
-                      <a:tailEnd type="none" w="med" len="med"/>
-                    </a:lnR>
-                    <a:lnT w="12700" cap="flat" cmpd="sng" algn="ctr">
-                      <a:solidFill>
-                        <a:schemeClr val="tx1"/>
-                      </a:solidFill>
-                      <a:prstDash val="solid"/>
-                      <a:round/>
-                      <a:headEnd type="none" w="med" len="med"/>
-                      <a:tailEnd type="none" w="med" len="med"/>
-                    </a:lnT>
-                    <a:lnB w="12700" cap="flat" cmpd="sng" algn="ctr">
-                      <a:solidFill>
-                        <a:schemeClr val="tx1"/>
-                      </a:solidFill>
-                      <a:prstDash val="solid"/>
-                      <a:round/>
-                      <a:headEnd type="none" w="med" len="med"/>
-                      <a:tailEnd type="none" w="med" len="med"/>
-                    </a:lnB>
-                    <a:noFill/>
-                  </a:tcPr>
-                </a:tc>
-                <a:tc>
-                  <a:txBody>
-                    <a:bodyPr/>
-                    <a:lstStyle/>
-                    <a:p>
-                      <a:pPr algn="ctr"/>
-                      <a:endParaRPr lang="en-US">
-                        <a:solidFill>
-                          <a:schemeClr val="tx1"/>
-                        </a:solidFill>
-                        <a:latin typeface="Times New Roman" panose="02020603050405020304" pitchFamily="18" charset="0"/>
-                        <a:cs typeface="Times New Roman" panose="02020603050405020304" pitchFamily="18" charset="0"/>
-                      </a:endParaRPr>
-                    </a:p>
-                  </a:txBody>
-                  <a:tcPr anchor="ctr">
-                    <a:lnL w="12700" cap="flat" cmpd="sng" algn="ctr">
-                      <a:solidFill>
-                        <a:schemeClr val="tx1"/>
-                      </a:solidFill>
-                      <a:prstDash val="solid"/>
-                      <a:round/>
-                      <a:headEnd type="none" w="med" len="med"/>
-                      <a:tailEnd type="none" w="med" len="med"/>
-                    </a:lnL>
-                    <a:lnR w="12700" cap="flat" cmpd="sng" algn="ctr">
-                      <a:solidFill>
-                        <a:schemeClr val="tx1"/>
-                      </a:solidFill>
-                      <a:prstDash val="solid"/>
-                      <a:round/>
-                      <a:headEnd type="none" w="med" len="med"/>
-                      <a:tailEnd type="none" w="med" len="med"/>
-                    </a:lnR>
-                    <a:lnT w="12700" cap="flat" cmpd="sng" algn="ctr">
-                      <a:solidFill>
-                        <a:schemeClr val="tx1"/>
-                      </a:solidFill>
-                      <a:prstDash val="solid"/>
-                      <a:round/>
-                      <a:headEnd type="none" w="med" len="med"/>
-                      <a:tailEnd type="none" w="med" len="med"/>
-                    </a:lnT>
-                    <a:lnB w="12700" cap="flat" cmpd="sng" algn="ctr">
-                      <a:solidFill>
-                        <a:schemeClr val="tx1"/>
-                      </a:solidFill>
-                      <a:prstDash val="solid"/>
-                      <a:round/>
-                      <a:headEnd type="none" w="med" len="med"/>
-                      <a:tailEnd type="none" w="med" len="med"/>
-                    </a:lnB>
-                    <a:noFill/>
-                  </a:tcPr>
-                </a:tc>
-                <a:tc>
-                  <a:txBody>
-                    <a:bodyPr/>
-                    <a:lstStyle/>
-                    <a:p>
-                      <a:pPr algn="ctr"/>
-                      <a:endParaRPr lang="en-US">
-                        <a:solidFill>
-                          <a:schemeClr val="tx1"/>
-                        </a:solidFill>
-                        <a:latin typeface="Times New Roman" panose="02020603050405020304" pitchFamily="18" charset="0"/>
-                        <a:cs typeface="Times New Roman" panose="02020603050405020304" pitchFamily="18" charset="0"/>
-                      </a:endParaRPr>
-                    </a:p>
-                  </a:txBody>
-                  <a:tcPr anchor="ctr">
-                    <a:lnL w="12700" cap="flat" cmpd="sng" algn="ctr">
-                      <a:solidFill>
-                        <a:schemeClr val="tx1"/>
-                      </a:solidFill>
-                      <a:prstDash val="solid"/>
-                      <a:round/>
-                      <a:headEnd type="none" w="med" len="med"/>
-                      <a:tailEnd type="none" w="med" len="med"/>
-                    </a:lnL>
-                    <a:lnR w="12700" cap="flat" cmpd="sng" algn="ctr">
-                      <a:solidFill>
-                        <a:schemeClr val="tx1"/>
-                      </a:solidFill>
-                      <a:prstDash val="solid"/>
-                      <a:round/>
-                      <a:headEnd type="none" w="med" len="med"/>
-                      <a:tailEnd type="none" w="med" len="med"/>
-                    </a:lnR>
-                    <a:lnT w="12700" cap="flat" cmpd="sng" algn="ctr">
-                      <a:solidFill>
-                        <a:schemeClr val="tx1"/>
-                      </a:solidFill>
-                      <a:prstDash val="solid"/>
-                      <a:round/>
-                      <a:headEnd type="none" w="med" len="med"/>
-                      <a:tailEnd type="none" w="med" len="med"/>
-                    </a:lnT>
-                    <a:lnB w="12700" cap="flat" cmpd="sng" algn="ctr">
-                      <a:solidFill>
-                        <a:schemeClr val="tx1"/>
-                      </a:solidFill>
-                      <a:prstDash val="solid"/>
-                      <a:round/>
-                      <a:headEnd type="none" w="med" len="med"/>
-                      <a:tailEnd type="none" w="med" len="med"/>
-                    </a:lnB>
-                    <a:noFill/>
-                  </a:tcPr>
-                </a:tc>
-                <a:tc>
-                  <a:txBody>
-                    <a:bodyPr/>
-                    <a:lstStyle/>
-                    <a:p>
-                      <a:pPr algn="ctr"/>
-                      <a:endParaRPr lang="en-US">
                         <a:solidFill>
                           <a:schemeClr val="tx1"/>
                         </a:solidFill>
@@ -8675,7 +10021,7 @@
                           <a:latin typeface="Times New Roman" panose="02020603050405020304" pitchFamily="18" charset="0"/>
                           <a:cs typeface="Times New Roman" panose="02020603050405020304" pitchFamily="18" charset="0"/>
                         </a:rPr>
-                        <a:t>8</a:t>
+                        <a:t>4</a:t>
                       </a:r>
                       <a:endParaRPr lang="en-US" dirty="0">
                         <a:solidFill>
@@ -8732,13 +10078,86 @@
                     <a:lstStyle/>
                     <a:p>
                       <a:pPr algn="ctr"/>
-                      <a:endParaRPr lang="en-US">
+                      <a:r>
+                        <a:rPr lang="en-US" dirty="0" smtClean="0">
+                          <a:solidFill>
+                            <a:schemeClr val="tx1"/>
+                          </a:solidFill>
+                          <a:latin typeface="Times New Roman" panose="02020603050405020304" pitchFamily="18" charset="0"/>
+                          <a:cs typeface="Times New Roman" panose="02020603050405020304" pitchFamily="18" charset="0"/>
+                        </a:rPr>
+                        <a:t>Noor Sabah, Jamal M. </a:t>
+                      </a:r>
+                      <a:r>
+                        <a:rPr lang="en-US" dirty="0" err="1" smtClean="0">
+                          <a:solidFill>
+                            <a:schemeClr val="tx1"/>
+                          </a:solidFill>
+                          <a:latin typeface="Times New Roman" panose="02020603050405020304" pitchFamily="18" charset="0"/>
+                          <a:cs typeface="Times New Roman" panose="02020603050405020304" pitchFamily="18" charset="0"/>
+                        </a:rPr>
+                        <a:t>Kadhim</a:t>
+                      </a:r>
+                      <a:r>
+                        <a:rPr lang="en-US" dirty="0" smtClean="0">
+                          <a:solidFill>
+                            <a:schemeClr val="tx1"/>
+                          </a:solidFill>
+                          <a:latin typeface="Times New Roman" panose="02020603050405020304" pitchFamily="18" charset="0"/>
+                          <a:cs typeface="Times New Roman" panose="02020603050405020304" pitchFamily="18" charset="0"/>
+                        </a:rPr>
+                        <a:t> and Ban N. </a:t>
+                      </a:r>
+                      <a:r>
+                        <a:rPr lang="en-US" dirty="0" err="1" smtClean="0">
+                          <a:solidFill>
+                            <a:schemeClr val="tx1"/>
+                          </a:solidFill>
+                          <a:latin typeface="Times New Roman" panose="02020603050405020304" pitchFamily="18" charset="0"/>
+                          <a:cs typeface="Times New Roman" panose="02020603050405020304" pitchFamily="18" charset="0"/>
+                        </a:rPr>
+                        <a:t>Dhannoon</a:t>
+                      </a:r>
+                      <a:endParaRPr lang="en-US" dirty="0" smtClean="0">
                         <a:solidFill>
                           <a:schemeClr val="tx1"/>
                         </a:solidFill>
                         <a:latin typeface="Times New Roman" panose="02020603050405020304" pitchFamily="18" charset="0"/>
                         <a:cs typeface="Times New Roman" panose="02020603050405020304" pitchFamily="18" charset="0"/>
                       </a:endParaRPr>
+                    </a:p>
+                    <a:p>
+                      <a:pPr algn="ctr"/>
+                      <a:endParaRPr lang="en-US" dirty="0" smtClean="0">
+                        <a:solidFill>
+                          <a:schemeClr val="tx1"/>
+                        </a:solidFill>
+                        <a:latin typeface="Times New Roman" panose="02020603050405020304" pitchFamily="18" charset="0"/>
+                        <a:cs typeface="Times New Roman" panose="02020603050405020304" pitchFamily="18" charset="0"/>
+                      </a:endParaRPr>
+                    </a:p>
+                    <a:p>
+                      <a:pPr algn="ctr"/>
+                      <a:r>
+                        <a:rPr lang="en-US" dirty="0" smtClean="0">
+                          <a:solidFill>
+                            <a:schemeClr val="tx1"/>
+                          </a:solidFill>
+                          <a:latin typeface="Times New Roman" panose="02020603050405020304" pitchFamily="18" charset="0"/>
+                          <a:cs typeface="Times New Roman" panose="02020603050405020304" pitchFamily="18" charset="0"/>
+                        </a:rPr>
+                        <a:t>Developing </a:t>
+                      </a:r>
+                      <a:r>
+                        <a:rPr lang="en-US" dirty="0" smtClean="0">
+                          <a:solidFill>
+                            <a:schemeClr val="tx1"/>
+                          </a:solidFill>
+                          <a:latin typeface="Times New Roman" panose="02020603050405020304" pitchFamily="18" charset="0"/>
+                          <a:cs typeface="Times New Roman" panose="02020603050405020304" pitchFamily="18" charset="0"/>
+                        </a:rPr>
+                        <a:t>an End-to-End Secure Chat Application </a:t>
+                      </a:r>
                     </a:p>
                   </a:txBody>
                   <a:tcPr anchor="ctr">
@@ -8787,233 +10206,6 @@
                     <a:lstStyle/>
                     <a:p>
                       <a:pPr algn="ctr"/>
-                      <a:endParaRPr lang="en-US">
-                        <a:solidFill>
-                          <a:schemeClr val="tx1"/>
-                        </a:solidFill>
-                        <a:latin typeface="Times New Roman" panose="02020603050405020304" pitchFamily="18" charset="0"/>
-                        <a:cs typeface="Times New Roman" panose="02020603050405020304" pitchFamily="18" charset="0"/>
-                      </a:endParaRPr>
-                    </a:p>
-                  </a:txBody>
-                  <a:tcPr anchor="ctr">
-                    <a:lnL w="12700" cap="flat" cmpd="sng" algn="ctr">
-                      <a:solidFill>
-                        <a:schemeClr val="tx1"/>
-                      </a:solidFill>
-                      <a:prstDash val="solid"/>
-                      <a:round/>
-                      <a:headEnd type="none" w="med" len="med"/>
-                      <a:tailEnd type="none" w="med" len="med"/>
-                    </a:lnL>
-                    <a:lnR w="12700" cap="flat" cmpd="sng" algn="ctr">
-                      <a:solidFill>
-                        <a:schemeClr val="tx1"/>
-                      </a:solidFill>
-                      <a:prstDash val="solid"/>
-                      <a:round/>
-                      <a:headEnd type="none" w="med" len="med"/>
-                      <a:tailEnd type="none" w="med" len="med"/>
-                    </a:lnR>
-                    <a:lnT w="12700" cap="flat" cmpd="sng" algn="ctr">
-                      <a:solidFill>
-                        <a:schemeClr val="tx1"/>
-                      </a:solidFill>
-                      <a:prstDash val="solid"/>
-                      <a:round/>
-                      <a:headEnd type="none" w="med" len="med"/>
-                      <a:tailEnd type="none" w="med" len="med"/>
-                    </a:lnT>
-                    <a:lnB w="12700" cap="flat" cmpd="sng" algn="ctr">
-                      <a:solidFill>
-                        <a:schemeClr val="tx1"/>
-                      </a:solidFill>
-                      <a:prstDash val="solid"/>
-                      <a:round/>
-                      <a:headEnd type="none" w="med" len="med"/>
-                      <a:tailEnd type="none" w="med" len="med"/>
-                    </a:lnB>
-                    <a:noFill/>
-                  </a:tcPr>
-                </a:tc>
-                <a:tc>
-                  <a:txBody>
-                    <a:bodyPr/>
-                    <a:lstStyle/>
-                    <a:p>
-                      <a:pPr algn="ctr"/>
-                      <a:endParaRPr lang="en-US">
-                        <a:solidFill>
-                          <a:schemeClr val="tx1"/>
-                        </a:solidFill>
-                        <a:latin typeface="Times New Roman" panose="02020603050405020304" pitchFamily="18" charset="0"/>
-                        <a:cs typeface="Times New Roman" panose="02020603050405020304" pitchFamily="18" charset="0"/>
-                      </a:endParaRPr>
-                    </a:p>
-                  </a:txBody>
-                  <a:tcPr anchor="ctr">
-                    <a:lnL w="12700" cap="flat" cmpd="sng" algn="ctr">
-                      <a:solidFill>
-                        <a:schemeClr val="tx1"/>
-                      </a:solidFill>
-                      <a:prstDash val="solid"/>
-                      <a:round/>
-                      <a:headEnd type="none" w="med" len="med"/>
-                      <a:tailEnd type="none" w="med" len="med"/>
-                    </a:lnL>
-                    <a:lnR w="12700" cap="flat" cmpd="sng" algn="ctr">
-                      <a:solidFill>
-                        <a:schemeClr val="tx1"/>
-                      </a:solidFill>
-                      <a:prstDash val="solid"/>
-                      <a:round/>
-                      <a:headEnd type="none" w="med" len="med"/>
-                      <a:tailEnd type="none" w="med" len="med"/>
-                    </a:lnR>
-                    <a:lnT w="12700" cap="flat" cmpd="sng" algn="ctr">
-                      <a:solidFill>
-                        <a:schemeClr val="tx1"/>
-                      </a:solidFill>
-                      <a:prstDash val="solid"/>
-                      <a:round/>
-                      <a:headEnd type="none" w="med" len="med"/>
-                      <a:tailEnd type="none" w="med" len="med"/>
-                    </a:lnT>
-                    <a:lnB w="12700" cap="flat" cmpd="sng" algn="ctr">
-                      <a:solidFill>
-                        <a:schemeClr val="tx1"/>
-                      </a:solidFill>
-                      <a:prstDash val="solid"/>
-                      <a:round/>
-                      <a:headEnd type="none" w="med" len="med"/>
-                      <a:tailEnd type="none" w="med" len="med"/>
-                    </a:lnB>
-                    <a:noFill/>
-                  </a:tcPr>
-                </a:tc>
-                <a:tc>
-                  <a:txBody>
-                    <a:bodyPr/>
-                    <a:lstStyle/>
-                    <a:p>
-                      <a:pPr algn="ctr"/>
-                      <a:endParaRPr lang="en-US">
-                        <a:solidFill>
-                          <a:schemeClr val="tx1"/>
-                        </a:solidFill>
-                        <a:latin typeface="Times New Roman" panose="02020603050405020304" pitchFamily="18" charset="0"/>
-                        <a:cs typeface="Times New Roman" panose="02020603050405020304" pitchFamily="18" charset="0"/>
-                      </a:endParaRPr>
-                    </a:p>
-                  </a:txBody>
-                  <a:tcPr anchor="ctr">
-                    <a:lnL w="12700" cap="flat" cmpd="sng" algn="ctr">
-                      <a:solidFill>
-                        <a:schemeClr val="tx1"/>
-                      </a:solidFill>
-                      <a:prstDash val="solid"/>
-                      <a:round/>
-                      <a:headEnd type="none" w="med" len="med"/>
-                      <a:tailEnd type="none" w="med" len="med"/>
-                    </a:lnL>
-                    <a:lnR w="12700" cap="flat" cmpd="sng" algn="ctr">
-                      <a:solidFill>
-                        <a:schemeClr val="tx1"/>
-                      </a:solidFill>
-                      <a:prstDash val="solid"/>
-                      <a:round/>
-                      <a:headEnd type="none" w="med" len="med"/>
-                      <a:tailEnd type="none" w="med" len="med"/>
-                    </a:lnR>
-                    <a:lnT w="12700" cap="flat" cmpd="sng" algn="ctr">
-                      <a:solidFill>
-                        <a:schemeClr val="tx1"/>
-                      </a:solidFill>
-                      <a:prstDash val="solid"/>
-                      <a:round/>
-                      <a:headEnd type="none" w="med" len="med"/>
-                      <a:tailEnd type="none" w="med" len="med"/>
-                    </a:lnT>
-                    <a:lnB w="12700" cap="flat" cmpd="sng" algn="ctr">
-                      <a:solidFill>
-                        <a:schemeClr val="tx1"/>
-                      </a:solidFill>
-                      <a:prstDash val="solid"/>
-                      <a:round/>
-                      <a:headEnd type="none" w="med" len="med"/>
-                      <a:tailEnd type="none" w="med" len="med"/>
-                    </a:lnB>
-                    <a:noFill/>
-                  </a:tcPr>
-                </a:tc>
-                <a:tc>
-                  <a:txBody>
-                    <a:bodyPr/>
-                    <a:lstStyle/>
-                    <a:p>
-                      <a:pPr algn="ctr"/>
-                      <a:endParaRPr lang="en-US">
-                        <a:solidFill>
-                          <a:schemeClr val="tx1"/>
-                        </a:solidFill>
-                        <a:latin typeface="Times New Roman" panose="02020603050405020304" pitchFamily="18" charset="0"/>
-                        <a:cs typeface="Times New Roman" panose="02020603050405020304" pitchFamily="18" charset="0"/>
-                      </a:endParaRPr>
-                    </a:p>
-                  </a:txBody>
-                  <a:tcPr anchor="ctr">
-                    <a:lnL w="12700" cap="flat" cmpd="sng" algn="ctr">
-                      <a:solidFill>
-                        <a:schemeClr val="tx1"/>
-                      </a:solidFill>
-                      <a:prstDash val="solid"/>
-                      <a:round/>
-                      <a:headEnd type="none" w="med" len="med"/>
-                      <a:tailEnd type="none" w="med" len="med"/>
-                    </a:lnL>
-                    <a:lnR w="12700" cap="flat" cmpd="sng" algn="ctr">
-                      <a:solidFill>
-                        <a:schemeClr val="tx1"/>
-                      </a:solidFill>
-                      <a:prstDash val="solid"/>
-                      <a:round/>
-                      <a:headEnd type="none" w="med" len="med"/>
-                      <a:tailEnd type="none" w="med" len="med"/>
-                    </a:lnR>
-                    <a:lnT w="12700" cap="flat" cmpd="sng" algn="ctr">
-                      <a:solidFill>
-                        <a:schemeClr val="tx1"/>
-                      </a:solidFill>
-                      <a:prstDash val="solid"/>
-                      <a:round/>
-                      <a:headEnd type="none" w="med" len="med"/>
-                      <a:tailEnd type="none" w="med" len="med"/>
-                    </a:lnT>
-                    <a:lnB w="12700" cap="flat" cmpd="sng" algn="ctr">
-                      <a:solidFill>
-                        <a:schemeClr val="tx1"/>
-                      </a:solidFill>
-                      <a:prstDash val="solid"/>
-                      <a:round/>
-                      <a:headEnd type="none" w="med" len="med"/>
-                      <a:tailEnd type="none" w="med" len="med"/>
-                    </a:lnB>
-                    <a:noFill/>
-                  </a:tcPr>
-                </a:tc>
-                <a:extLst>
-                  <a:ext uri="{0D108BD9-81ED-4DB2-BD59-A6C34878D82A}">
-                    <a16:rowId xmlns:a16="http://schemas.microsoft.com/office/drawing/2014/main" val="349387215"/>
-                  </a:ext>
-                </a:extLst>
-              </a:tr>
-              <a:tr h="738871">
-                <a:tc>
-                  <a:txBody>
-                    <a:bodyPr/>
-                    <a:lstStyle/>
-                    <a:p>
-                      <a:pPr algn="ctr"/>
                       <a:r>
                         <a:rPr lang="en-US" dirty="0" smtClean="0">
                           <a:solidFill>
@@ -9022,7 +10214,33 @@
                           <a:latin typeface="Times New Roman" panose="02020603050405020304" pitchFamily="18" charset="0"/>
                           <a:cs typeface="Times New Roman" panose="02020603050405020304" pitchFamily="18" charset="0"/>
                         </a:rPr>
-                        <a:t>9</a:t>
+                        <a:t>The proposed architecture is designed to be Client-Server </a:t>
+                      </a:r>
+                    </a:p>
+                    <a:p>
+                      <a:pPr algn="ctr"/>
+                      <a:r>
+                        <a:rPr lang="en-US" dirty="0" smtClean="0">
+                          <a:solidFill>
+                            <a:schemeClr val="tx1"/>
+                          </a:solidFill>
+                          <a:latin typeface="Times New Roman" panose="02020603050405020304" pitchFamily="18" charset="0"/>
+                          <a:cs typeface="Times New Roman" panose="02020603050405020304" pitchFamily="18" charset="0"/>
+                        </a:rPr>
+                        <a:t>chat application. In client side, when a user sets up the </a:t>
+                      </a:r>
+                    </a:p>
+                    <a:p>
+                      <a:pPr algn="ctr"/>
+                      <a:r>
+                        <a:rPr lang="en-US" dirty="0" smtClean="0">
+                          <a:solidFill>
+                            <a:schemeClr val="tx1"/>
+                          </a:solidFill>
+                          <a:latin typeface="Times New Roman" panose="02020603050405020304" pitchFamily="18" charset="0"/>
+                          <a:cs typeface="Times New Roman" panose="02020603050405020304" pitchFamily="18" charset="0"/>
+                        </a:rPr>
+                        <a:t>application, the user either selects registration or log-in.</a:t>
                       </a:r>
                       <a:endParaRPr lang="en-US" dirty="0">
                         <a:solidFill>
@@ -9079,288 +10297,6 @@
                     <a:lstStyle/>
                     <a:p>
                       <a:pPr algn="ctr"/>
-                      <a:endParaRPr lang="en-US">
-                        <a:solidFill>
-                          <a:schemeClr val="tx1"/>
-                        </a:solidFill>
-                        <a:latin typeface="Times New Roman" panose="02020603050405020304" pitchFamily="18" charset="0"/>
-                        <a:cs typeface="Times New Roman" panose="02020603050405020304" pitchFamily="18" charset="0"/>
-                      </a:endParaRPr>
-                    </a:p>
-                  </a:txBody>
-                  <a:tcPr anchor="ctr">
-                    <a:lnL w="12700" cap="flat" cmpd="sng" algn="ctr">
-                      <a:solidFill>
-                        <a:schemeClr val="tx1"/>
-                      </a:solidFill>
-                      <a:prstDash val="solid"/>
-                      <a:round/>
-                      <a:headEnd type="none" w="med" len="med"/>
-                      <a:tailEnd type="none" w="med" len="med"/>
-                    </a:lnL>
-                    <a:lnR w="12700" cap="flat" cmpd="sng" algn="ctr">
-                      <a:solidFill>
-                        <a:schemeClr val="tx1"/>
-                      </a:solidFill>
-                      <a:prstDash val="solid"/>
-                      <a:round/>
-                      <a:headEnd type="none" w="med" len="med"/>
-                      <a:tailEnd type="none" w="med" len="med"/>
-                    </a:lnR>
-                    <a:lnT w="12700" cap="flat" cmpd="sng" algn="ctr">
-                      <a:solidFill>
-                        <a:schemeClr val="tx1"/>
-                      </a:solidFill>
-                      <a:prstDash val="solid"/>
-                      <a:round/>
-                      <a:headEnd type="none" w="med" len="med"/>
-                      <a:tailEnd type="none" w="med" len="med"/>
-                    </a:lnT>
-                    <a:lnB w="12700" cap="flat" cmpd="sng" algn="ctr">
-                      <a:solidFill>
-                        <a:schemeClr val="tx1"/>
-                      </a:solidFill>
-                      <a:prstDash val="solid"/>
-                      <a:round/>
-                      <a:headEnd type="none" w="med" len="med"/>
-                      <a:tailEnd type="none" w="med" len="med"/>
-                    </a:lnB>
-                    <a:noFill/>
-                  </a:tcPr>
-                </a:tc>
-                <a:tc>
-                  <a:txBody>
-                    <a:bodyPr/>
-                    <a:lstStyle/>
-                    <a:p>
-                      <a:pPr algn="ctr"/>
-                      <a:endParaRPr lang="en-US">
-                        <a:solidFill>
-                          <a:schemeClr val="tx1"/>
-                        </a:solidFill>
-                        <a:latin typeface="Times New Roman" panose="02020603050405020304" pitchFamily="18" charset="0"/>
-                        <a:cs typeface="Times New Roman" panose="02020603050405020304" pitchFamily="18" charset="0"/>
-                      </a:endParaRPr>
-                    </a:p>
-                  </a:txBody>
-                  <a:tcPr anchor="ctr">
-                    <a:lnL w="12700" cap="flat" cmpd="sng" algn="ctr">
-                      <a:solidFill>
-                        <a:schemeClr val="tx1"/>
-                      </a:solidFill>
-                      <a:prstDash val="solid"/>
-                      <a:round/>
-                      <a:headEnd type="none" w="med" len="med"/>
-                      <a:tailEnd type="none" w="med" len="med"/>
-                    </a:lnL>
-                    <a:lnR w="12700" cap="flat" cmpd="sng" algn="ctr">
-                      <a:solidFill>
-                        <a:schemeClr val="tx1"/>
-                      </a:solidFill>
-                      <a:prstDash val="solid"/>
-                      <a:round/>
-                      <a:headEnd type="none" w="med" len="med"/>
-                      <a:tailEnd type="none" w="med" len="med"/>
-                    </a:lnR>
-                    <a:lnT w="12700" cap="flat" cmpd="sng" algn="ctr">
-                      <a:solidFill>
-                        <a:schemeClr val="tx1"/>
-                      </a:solidFill>
-                      <a:prstDash val="solid"/>
-                      <a:round/>
-                      <a:headEnd type="none" w="med" len="med"/>
-                      <a:tailEnd type="none" w="med" len="med"/>
-                    </a:lnT>
-                    <a:lnB w="12700" cap="flat" cmpd="sng" algn="ctr">
-                      <a:solidFill>
-                        <a:schemeClr val="tx1"/>
-                      </a:solidFill>
-                      <a:prstDash val="solid"/>
-                      <a:round/>
-                      <a:headEnd type="none" w="med" len="med"/>
-                      <a:tailEnd type="none" w="med" len="med"/>
-                    </a:lnB>
-                    <a:noFill/>
-                  </a:tcPr>
-                </a:tc>
-                <a:tc>
-                  <a:txBody>
-                    <a:bodyPr/>
-                    <a:lstStyle/>
-                    <a:p>
-                      <a:pPr algn="ctr"/>
-                      <a:endParaRPr lang="en-US">
-                        <a:solidFill>
-                          <a:schemeClr val="tx1"/>
-                        </a:solidFill>
-                        <a:latin typeface="Times New Roman" panose="02020603050405020304" pitchFamily="18" charset="0"/>
-                        <a:cs typeface="Times New Roman" panose="02020603050405020304" pitchFamily="18" charset="0"/>
-                      </a:endParaRPr>
-                    </a:p>
-                  </a:txBody>
-                  <a:tcPr anchor="ctr">
-                    <a:lnL w="12700" cap="flat" cmpd="sng" algn="ctr">
-                      <a:solidFill>
-                        <a:schemeClr val="tx1"/>
-                      </a:solidFill>
-                      <a:prstDash val="solid"/>
-                      <a:round/>
-                      <a:headEnd type="none" w="med" len="med"/>
-                      <a:tailEnd type="none" w="med" len="med"/>
-                    </a:lnL>
-                    <a:lnR w="12700" cap="flat" cmpd="sng" algn="ctr">
-                      <a:solidFill>
-                        <a:schemeClr val="tx1"/>
-                      </a:solidFill>
-                      <a:prstDash val="solid"/>
-                      <a:round/>
-                      <a:headEnd type="none" w="med" len="med"/>
-                      <a:tailEnd type="none" w="med" len="med"/>
-                    </a:lnR>
-                    <a:lnT w="12700" cap="flat" cmpd="sng" algn="ctr">
-                      <a:solidFill>
-                        <a:schemeClr val="tx1"/>
-                      </a:solidFill>
-                      <a:prstDash val="solid"/>
-                      <a:round/>
-                      <a:headEnd type="none" w="med" len="med"/>
-                      <a:tailEnd type="none" w="med" len="med"/>
-                    </a:lnT>
-                    <a:lnB w="12700" cap="flat" cmpd="sng" algn="ctr">
-                      <a:solidFill>
-                        <a:schemeClr val="tx1"/>
-                      </a:solidFill>
-                      <a:prstDash val="solid"/>
-                      <a:round/>
-                      <a:headEnd type="none" w="med" len="med"/>
-                      <a:tailEnd type="none" w="med" len="med"/>
-                    </a:lnB>
-                    <a:noFill/>
-                  </a:tcPr>
-                </a:tc>
-                <a:tc>
-                  <a:txBody>
-                    <a:bodyPr/>
-                    <a:lstStyle/>
-                    <a:p>
-                      <a:pPr algn="ctr"/>
-                      <a:endParaRPr lang="en-US">
-                        <a:solidFill>
-                          <a:schemeClr val="tx1"/>
-                        </a:solidFill>
-                        <a:latin typeface="Times New Roman" panose="02020603050405020304" pitchFamily="18" charset="0"/>
-                        <a:cs typeface="Times New Roman" panose="02020603050405020304" pitchFamily="18" charset="0"/>
-                      </a:endParaRPr>
-                    </a:p>
-                  </a:txBody>
-                  <a:tcPr anchor="ctr">
-                    <a:lnL w="12700" cap="flat" cmpd="sng" algn="ctr">
-                      <a:solidFill>
-                        <a:schemeClr val="tx1"/>
-                      </a:solidFill>
-                      <a:prstDash val="solid"/>
-                      <a:round/>
-                      <a:headEnd type="none" w="med" len="med"/>
-                      <a:tailEnd type="none" w="med" len="med"/>
-                    </a:lnL>
-                    <a:lnR w="12700" cap="flat" cmpd="sng" algn="ctr">
-                      <a:solidFill>
-                        <a:schemeClr val="tx1"/>
-                      </a:solidFill>
-                      <a:prstDash val="solid"/>
-                      <a:round/>
-                      <a:headEnd type="none" w="med" len="med"/>
-                      <a:tailEnd type="none" w="med" len="med"/>
-                    </a:lnR>
-                    <a:lnT w="12700" cap="flat" cmpd="sng" algn="ctr">
-                      <a:solidFill>
-                        <a:schemeClr val="tx1"/>
-                      </a:solidFill>
-                      <a:prstDash val="solid"/>
-                      <a:round/>
-                      <a:headEnd type="none" w="med" len="med"/>
-                      <a:tailEnd type="none" w="med" len="med"/>
-                    </a:lnT>
-                    <a:lnB w="12700" cap="flat" cmpd="sng" algn="ctr">
-                      <a:solidFill>
-                        <a:schemeClr val="tx1"/>
-                      </a:solidFill>
-                      <a:prstDash val="solid"/>
-                      <a:round/>
-                      <a:headEnd type="none" w="med" len="med"/>
-                      <a:tailEnd type="none" w="med" len="med"/>
-                    </a:lnB>
-                    <a:noFill/>
-                  </a:tcPr>
-                </a:tc>
-                <a:tc>
-                  <a:txBody>
-                    <a:bodyPr/>
-                    <a:lstStyle/>
-                    <a:p>
-                      <a:pPr algn="ctr"/>
-                      <a:endParaRPr lang="en-US">
-                        <a:solidFill>
-                          <a:schemeClr val="tx1"/>
-                        </a:solidFill>
-                        <a:latin typeface="Times New Roman" panose="02020603050405020304" pitchFamily="18" charset="0"/>
-                        <a:cs typeface="Times New Roman" panose="02020603050405020304" pitchFamily="18" charset="0"/>
-                      </a:endParaRPr>
-                    </a:p>
-                  </a:txBody>
-                  <a:tcPr anchor="ctr">
-                    <a:lnL w="12700" cap="flat" cmpd="sng" algn="ctr">
-                      <a:solidFill>
-                        <a:schemeClr val="tx1"/>
-                      </a:solidFill>
-                      <a:prstDash val="solid"/>
-                      <a:round/>
-                      <a:headEnd type="none" w="med" len="med"/>
-                      <a:tailEnd type="none" w="med" len="med"/>
-                    </a:lnL>
-                    <a:lnR w="12700" cap="flat" cmpd="sng" algn="ctr">
-                      <a:solidFill>
-                        <a:schemeClr val="tx1"/>
-                      </a:solidFill>
-                      <a:prstDash val="solid"/>
-                      <a:round/>
-                      <a:headEnd type="none" w="med" len="med"/>
-                      <a:tailEnd type="none" w="med" len="med"/>
-                    </a:lnR>
-                    <a:lnT w="12700" cap="flat" cmpd="sng" algn="ctr">
-                      <a:solidFill>
-                        <a:schemeClr val="tx1"/>
-                      </a:solidFill>
-                      <a:prstDash val="solid"/>
-                      <a:round/>
-                      <a:headEnd type="none" w="med" len="med"/>
-                      <a:tailEnd type="none" w="med" len="med"/>
-                    </a:lnT>
-                    <a:lnB w="12700" cap="flat" cmpd="sng" algn="ctr">
-                      <a:solidFill>
-                        <a:schemeClr val="tx1"/>
-                      </a:solidFill>
-                      <a:prstDash val="solid"/>
-                      <a:round/>
-                      <a:headEnd type="none" w="med" len="med"/>
-                      <a:tailEnd type="none" w="med" len="med"/>
-                    </a:lnB>
-                    <a:noFill/>
-                  </a:tcPr>
-                </a:tc>
-                <a:extLst>
-                  <a:ext uri="{0D108BD9-81ED-4DB2-BD59-A6C34878D82A}">
-                    <a16:rowId xmlns:a16="http://schemas.microsoft.com/office/drawing/2014/main" val="3986260521"/>
-                  </a:ext>
-                </a:extLst>
-              </a:tr>
-              <a:tr h="738871">
-                <a:tc>
-                  <a:txBody>
-                    <a:bodyPr/>
-                    <a:lstStyle/>
-                    <a:p>
-                      <a:pPr algn="ctr"/>
                       <a:r>
                         <a:rPr lang="en-US" dirty="0" smtClean="0">
                           <a:solidFill>
@@ -9369,7 +10305,7 @@
                           <a:latin typeface="Times New Roman" panose="02020603050405020304" pitchFamily="18" charset="0"/>
                           <a:cs typeface="Times New Roman" panose="02020603050405020304" pitchFamily="18" charset="0"/>
                         </a:rPr>
-                        <a:t>10</a:t>
+                        <a:t>XSalsa20 </a:t>
                       </a:r>
                       <a:endParaRPr lang="en-US" dirty="0">
                         <a:solidFill>
@@ -9426,226 +10362,16 @@
                     <a:lstStyle/>
                     <a:p>
                       <a:pPr algn="ctr"/>
-                      <a:endParaRPr lang="en-US">
-                        <a:solidFill>
-                          <a:schemeClr val="tx1"/>
-                        </a:solidFill>
-                        <a:latin typeface="Times New Roman" panose="02020603050405020304" pitchFamily="18" charset="0"/>
-                        <a:cs typeface="Times New Roman" panose="02020603050405020304" pitchFamily="18" charset="0"/>
-                      </a:endParaRPr>
-                    </a:p>
-                  </a:txBody>
-                  <a:tcPr anchor="ctr">
-                    <a:lnL w="12700" cap="flat" cmpd="sng" algn="ctr">
-                      <a:solidFill>
-                        <a:schemeClr val="tx1"/>
-                      </a:solidFill>
-                      <a:prstDash val="solid"/>
-                      <a:round/>
-                      <a:headEnd type="none" w="med" len="med"/>
-                      <a:tailEnd type="none" w="med" len="med"/>
-                    </a:lnL>
-                    <a:lnR w="12700" cap="flat" cmpd="sng" algn="ctr">
-                      <a:solidFill>
-                        <a:schemeClr val="tx1"/>
-                      </a:solidFill>
-                      <a:prstDash val="solid"/>
-                      <a:round/>
-                      <a:headEnd type="none" w="med" len="med"/>
-                      <a:tailEnd type="none" w="med" len="med"/>
-                    </a:lnR>
-                    <a:lnT w="12700" cap="flat" cmpd="sng" algn="ctr">
-                      <a:solidFill>
-                        <a:schemeClr val="tx1"/>
-                      </a:solidFill>
-                      <a:prstDash val="solid"/>
-                      <a:round/>
-                      <a:headEnd type="none" w="med" len="med"/>
-                      <a:tailEnd type="none" w="med" len="med"/>
-                    </a:lnT>
-                    <a:lnB w="12700" cap="flat" cmpd="sng" algn="ctr">
-                      <a:solidFill>
-                        <a:schemeClr val="tx1"/>
-                      </a:solidFill>
-                      <a:prstDash val="solid"/>
-                      <a:round/>
-                      <a:headEnd type="none" w="med" len="med"/>
-                      <a:tailEnd type="none" w="med" len="med"/>
-                    </a:lnB>
-                    <a:noFill/>
-                  </a:tcPr>
-                </a:tc>
-                <a:tc>
-                  <a:txBody>
-                    <a:bodyPr/>
-                    <a:lstStyle/>
-                    <a:p>
-                      <a:pPr algn="ctr"/>
-                      <a:endParaRPr lang="en-US">
-                        <a:solidFill>
-                          <a:schemeClr val="tx1"/>
-                        </a:solidFill>
-                        <a:latin typeface="Times New Roman" panose="02020603050405020304" pitchFamily="18" charset="0"/>
-                        <a:cs typeface="Times New Roman" panose="02020603050405020304" pitchFamily="18" charset="0"/>
-                      </a:endParaRPr>
-                    </a:p>
-                  </a:txBody>
-                  <a:tcPr anchor="ctr">
-                    <a:lnL w="12700" cap="flat" cmpd="sng" algn="ctr">
-                      <a:solidFill>
-                        <a:schemeClr val="tx1"/>
-                      </a:solidFill>
-                      <a:prstDash val="solid"/>
-                      <a:round/>
-                      <a:headEnd type="none" w="med" len="med"/>
-                      <a:tailEnd type="none" w="med" len="med"/>
-                    </a:lnL>
-                    <a:lnR w="12700" cap="flat" cmpd="sng" algn="ctr">
-                      <a:solidFill>
-                        <a:schemeClr val="tx1"/>
-                      </a:solidFill>
-                      <a:prstDash val="solid"/>
-                      <a:round/>
-                      <a:headEnd type="none" w="med" len="med"/>
-                      <a:tailEnd type="none" w="med" len="med"/>
-                    </a:lnR>
-                    <a:lnT w="12700" cap="flat" cmpd="sng" algn="ctr">
-                      <a:solidFill>
-                        <a:schemeClr val="tx1"/>
-                      </a:solidFill>
-                      <a:prstDash val="solid"/>
-                      <a:round/>
-                      <a:headEnd type="none" w="med" len="med"/>
-                      <a:tailEnd type="none" w="med" len="med"/>
-                    </a:lnT>
-                    <a:lnB w="12700" cap="flat" cmpd="sng" algn="ctr">
-                      <a:solidFill>
-                        <a:schemeClr val="tx1"/>
-                      </a:solidFill>
-                      <a:prstDash val="solid"/>
-                      <a:round/>
-                      <a:headEnd type="none" w="med" len="med"/>
-                      <a:tailEnd type="none" w="med" len="med"/>
-                    </a:lnB>
-                    <a:noFill/>
-                  </a:tcPr>
-                </a:tc>
-                <a:tc>
-                  <a:txBody>
-                    <a:bodyPr/>
-                    <a:lstStyle/>
-                    <a:p>
-                      <a:pPr algn="ctr"/>
-                      <a:endParaRPr lang="en-US">
-                        <a:solidFill>
-                          <a:schemeClr val="tx1"/>
-                        </a:solidFill>
-                        <a:latin typeface="Times New Roman" panose="02020603050405020304" pitchFamily="18" charset="0"/>
-                        <a:cs typeface="Times New Roman" panose="02020603050405020304" pitchFamily="18" charset="0"/>
-                      </a:endParaRPr>
-                    </a:p>
-                  </a:txBody>
-                  <a:tcPr anchor="ctr">
-                    <a:lnL w="12700" cap="flat" cmpd="sng" algn="ctr">
-                      <a:solidFill>
-                        <a:schemeClr val="tx1"/>
-                      </a:solidFill>
-                      <a:prstDash val="solid"/>
-                      <a:round/>
-                      <a:headEnd type="none" w="med" len="med"/>
-                      <a:tailEnd type="none" w="med" len="med"/>
-                    </a:lnL>
-                    <a:lnR w="12700" cap="flat" cmpd="sng" algn="ctr">
-                      <a:solidFill>
-                        <a:schemeClr val="tx1"/>
-                      </a:solidFill>
-                      <a:prstDash val="solid"/>
-                      <a:round/>
-                      <a:headEnd type="none" w="med" len="med"/>
-                      <a:tailEnd type="none" w="med" len="med"/>
-                    </a:lnR>
-                    <a:lnT w="12700" cap="flat" cmpd="sng" algn="ctr">
-                      <a:solidFill>
-                        <a:schemeClr val="tx1"/>
-                      </a:solidFill>
-                      <a:prstDash val="solid"/>
-                      <a:round/>
-                      <a:headEnd type="none" w="med" len="med"/>
-                      <a:tailEnd type="none" w="med" len="med"/>
-                    </a:lnT>
-                    <a:lnB w="12700" cap="flat" cmpd="sng" algn="ctr">
-                      <a:solidFill>
-                        <a:schemeClr val="tx1"/>
-                      </a:solidFill>
-                      <a:prstDash val="solid"/>
-                      <a:round/>
-                      <a:headEnd type="none" w="med" len="med"/>
-                      <a:tailEnd type="none" w="med" len="med"/>
-                    </a:lnB>
-                    <a:noFill/>
-                  </a:tcPr>
-                </a:tc>
-                <a:tc>
-                  <a:txBody>
-                    <a:bodyPr/>
-                    <a:lstStyle/>
-                    <a:p>
-                      <a:pPr algn="ctr"/>
-                      <a:endParaRPr lang="en-US">
-                        <a:solidFill>
-                          <a:schemeClr val="tx1"/>
-                        </a:solidFill>
-                        <a:latin typeface="Times New Roman" panose="02020603050405020304" pitchFamily="18" charset="0"/>
-                        <a:cs typeface="Times New Roman" panose="02020603050405020304" pitchFamily="18" charset="0"/>
-                      </a:endParaRPr>
-                    </a:p>
-                  </a:txBody>
-                  <a:tcPr anchor="ctr">
-                    <a:lnL w="12700" cap="flat" cmpd="sng" algn="ctr">
-                      <a:solidFill>
-                        <a:schemeClr val="tx1"/>
-                      </a:solidFill>
-                      <a:prstDash val="solid"/>
-                      <a:round/>
-                      <a:headEnd type="none" w="med" len="med"/>
-                      <a:tailEnd type="none" w="med" len="med"/>
-                    </a:lnL>
-                    <a:lnR w="12700" cap="flat" cmpd="sng" algn="ctr">
-                      <a:solidFill>
-                        <a:schemeClr val="tx1"/>
-                      </a:solidFill>
-                      <a:prstDash val="solid"/>
-                      <a:round/>
-                      <a:headEnd type="none" w="med" len="med"/>
-                      <a:tailEnd type="none" w="med" len="med"/>
-                    </a:lnR>
-                    <a:lnT w="12700" cap="flat" cmpd="sng" algn="ctr">
-                      <a:solidFill>
-                        <a:schemeClr val="tx1"/>
-                      </a:solidFill>
-                      <a:prstDash val="solid"/>
-                      <a:round/>
-                      <a:headEnd type="none" w="med" len="med"/>
-                      <a:tailEnd type="none" w="med" len="med"/>
-                    </a:lnT>
-                    <a:lnB w="12700" cap="flat" cmpd="sng" algn="ctr">
-                      <a:solidFill>
-                        <a:schemeClr val="tx1"/>
-                      </a:solidFill>
-                      <a:prstDash val="solid"/>
-                      <a:round/>
-                      <a:headEnd type="none" w="med" len="med"/>
-                      <a:tailEnd type="none" w="med" len="med"/>
-                    </a:lnB>
-                    <a:noFill/>
-                  </a:tcPr>
-                </a:tc>
-                <a:tc>
-                  <a:txBody>
-                    <a:bodyPr/>
-                    <a:lstStyle/>
-                    <a:p>
-                      <a:pPr algn="ctr"/>
+                      <a:r>
+                        <a:rPr lang="en-US" dirty="0" smtClean="0">
+                          <a:solidFill>
+                            <a:schemeClr val="tx1"/>
+                          </a:solidFill>
+                          <a:latin typeface="Times New Roman" panose="02020603050405020304" pitchFamily="18" charset="0"/>
+                          <a:cs typeface="Times New Roman" panose="02020603050405020304" pitchFamily="18" charset="0"/>
+                        </a:rPr>
+                        <a:t>Firebase Cloud Messaging</a:t>
+                      </a:r>
                       <a:endParaRPr lang="en-US" dirty="0">
                         <a:solidFill>
                           <a:schemeClr val="tx1"/>
@@ -9695,9 +10421,90 @@
                     <a:noFill/>
                   </a:tcPr>
                 </a:tc>
+                <a:tc>
+                  <a:txBody>
+                    <a:bodyPr/>
+                    <a:lstStyle/>
+                    <a:p>
+                      <a:pPr algn="ctr"/>
+                      <a:r>
+                        <a:rPr lang="en-US" dirty="0" smtClean="0">
+                          <a:solidFill>
+                            <a:schemeClr val="tx1"/>
+                          </a:solidFill>
+                          <a:latin typeface="Times New Roman" panose="02020603050405020304" pitchFamily="18" charset="0"/>
+                          <a:cs typeface="Times New Roman" panose="02020603050405020304" pitchFamily="18" charset="0"/>
+                        </a:rPr>
+                        <a:t>Static</a:t>
+                      </a:r>
+                      <a:r>
+                        <a:rPr lang="en-US" baseline="0" dirty="0" smtClean="0">
+                          <a:solidFill>
+                            <a:schemeClr val="tx1"/>
+                          </a:solidFill>
+                          <a:latin typeface="Times New Roman" panose="02020603050405020304" pitchFamily="18" charset="0"/>
+                          <a:cs typeface="Times New Roman" panose="02020603050405020304" pitchFamily="18" charset="0"/>
+                        </a:rPr>
+                        <a:t> Key encryption,</a:t>
+                      </a:r>
+                    </a:p>
+                    <a:p>
+                      <a:pPr algn="ctr"/>
+                      <a:r>
+                        <a:rPr lang="en-US" baseline="0" dirty="0" smtClean="0">
+                          <a:solidFill>
+                            <a:schemeClr val="tx1"/>
+                          </a:solidFill>
+                          <a:latin typeface="Times New Roman" panose="02020603050405020304" pitchFamily="18" charset="0"/>
+                          <a:cs typeface="Times New Roman" panose="02020603050405020304" pitchFamily="18" charset="0"/>
+                        </a:rPr>
+                        <a:t>Platform Dependent</a:t>
+                      </a:r>
+                    </a:p>
+                  </a:txBody>
+                  <a:tcPr anchor="ctr">
+                    <a:lnL w="12700" cap="flat" cmpd="sng" algn="ctr">
+                      <a:solidFill>
+                        <a:schemeClr val="tx1"/>
+                      </a:solidFill>
+                      <a:prstDash val="solid"/>
+                      <a:round/>
+                      <a:headEnd type="none" w="med" len="med"/>
+                      <a:tailEnd type="none" w="med" len="med"/>
+                    </a:lnL>
+                    <a:lnR w="12700" cap="flat" cmpd="sng" algn="ctr">
+                      <a:solidFill>
+                        <a:schemeClr val="tx1"/>
+                      </a:solidFill>
+                      <a:prstDash val="solid"/>
+                      <a:round/>
+                      <a:headEnd type="none" w="med" len="med"/>
+                      <a:tailEnd type="none" w="med" len="med"/>
+                    </a:lnR>
+                    <a:lnT w="12700" cap="flat" cmpd="sng" algn="ctr">
+                      <a:solidFill>
+                        <a:schemeClr val="tx1"/>
+                      </a:solidFill>
+                      <a:prstDash val="solid"/>
+                      <a:round/>
+                      <a:headEnd type="none" w="med" len="med"/>
+                      <a:tailEnd type="none" w="med" len="med"/>
+                    </a:lnT>
+                    <a:lnB w="12700" cap="flat" cmpd="sng" algn="ctr">
+                      <a:solidFill>
+                        <a:schemeClr val="tx1"/>
+                      </a:solidFill>
+                      <a:prstDash val="solid"/>
+                      <a:round/>
+                      <a:headEnd type="none" w="med" len="med"/>
+                      <a:tailEnd type="none" w="med" len="med"/>
+                    </a:lnB>
+                    <a:noFill/>
+                  </a:tcPr>
+                </a:tc>
                 <a:extLst>
                   <a:ext uri="{0D108BD9-81ED-4DB2-BD59-A6C34878D82A}">
-                    <a16:rowId xmlns:a16="http://schemas.microsoft.com/office/drawing/2014/main" val="1886864296"/>
+                    <a16:rowId xmlns:a16="http://schemas.microsoft.com/office/drawing/2014/main" val="349387215"/>
                   </a:ext>
                 </a:extLst>
               </a:tr>
@@ -9705,10 +10512,61 @@
           </a:graphicData>
         </a:graphic>
       </p:graphicFrame>
+      <p:sp>
+        <p:nvSpPr>
+          <p:cNvPr id="4" name="Title 1"/>
+          <p:cNvSpPr txBox="1">
+            <a:spLocks/>
+          </p:cNvSpPr>
+          <p:nvPr/>
+        </p:nvSpPr>
+        <p:spPr>
+          <a:xfrm>
+            <a:off x="609600" y="153091"/>
+            <a:ext cx="10972800" cy="673812"/>
+          </a:xfrm>
+          <a:prstGeom prst="rect">
+            <a:avLst/>
+          </a:prstGeom>
+        </p:spPr>
+        <p:txBody>
+          <a:bodyPr vert="horz" lIns="91440" tIns="45720" rIns="91440" bIns="45720" rtlCol="0" anchor="ctr">
+            <a:normAutofit/>
+          </a:bodyPr>
+          <a:lstStyle>
+            <a:lvl1pPr algn="ctr" defTabSz="914400" rtl="0" eaLnBrk="1" latinLnBrk="0" hangingPunct="1">
+              <a:spcBef>
+                <a:spcPct val="0"/>
+              </a:spcBef>
+              <a:buNone/>
+              <a:defRPr sz="4400" kern="1200">
+                <a:solidFill>
+                  <a:schemeClr val="tx1"/>
+                </a:solidFill>
+                <a:latin typeface="+mj-lt"/>
+                <a:ea typeface="+mj-ea"/>
+                <a:cs typeface="+mj-cs"/>
+              </a:defRPr>
+            </a:lvl1pPr>
+          </a:lstStyle>
+          <a:p>
+            <a:r>
+              <a:rPr lang="en-US" sz="3600" b="1" smtClean="0">
+                <a:latin typeface="Times New Roman" panose="02020603050405020304" pitchFamily="18" charset="0"/>
+                <a:cs typeface="Times New Roman" panose="02020603050405020304" pitchFamily="18" charset="0"/>
+              </a:rPr>
+              <a:t>LITERATURE SURVEY</a:t>
+            </a:r>
+            <a:endParaRPr lang="en-US" sz="3600" b="1" dirty="0">
+              <a:latin typeface="Times New Roman" pitchFamily="18" charset="0"/>
+            </a:endParaRPr>
+          </a:p>
+        </p:txBody>
+      </p:sp>
     </p:spTree>
     <p:extLst>
       <p:ext uri="{BB962C8B-B14F-4D97-AF65-F5344CB8AC3E}">
-        <p14:creationId xmlns:p14="http://schemas.microsoft.com/office/powerpoint/2010/main" val="2397697177"/>
+        <p14:creationId xmlns:p14="http://schemas.microsoft.com/office/powerpoint/2010/main" val="4119421817"/>
       </p:ext>
     </p:extLst>
   </p:cSld>
@@ -9745,290 +10603,1616 @@
           <a:chExt cx="0" cy="0"/>
         </a:xfrm>
       </p:grpSpPr>
+      <p:graphicFrame>
+        <p:nvGraphicFramePr>
+          <p:cNvPr id="3" name="Table 2"/>
+          <p:cNvGraphicFramePr>
+            <a:graphicFrameLocks noGrp="1"/>
+          </p:cNvGraphicFramePr>
+          <p:nvPr>
+            <p:extLst/>
+          </p:nvPr>
+        </p:nvGraphicFramePr>
+        <p:xfrm>
+          <a:off x="609600" y="854092"/>
+          <a:ext cx="10972800" cy="5864538"/>
+        </p:xfrm>
+        <a:graphic>
+          <a:graphicData uri="http://schemas.openxmlformats.org/drawingml/2006/table">
+            <a:tbl>
+              <a:tblPr firstRow="1" bandRow="1">
+                <a:tableStyleId>{5C22544A-7EE6-4342-B048-85BDC9FD1C3A}</a:tableStyleId>
+              </a:tblPr>
+              <a:tblGrid>
+                <a:gridCol w="803564">
+                  <a:extLst>
+                    <a:ext uri="{9D8B030D-6E8A-4147-A177-3AD203B41FA5}">
+                      <a16:colId xmlns:a16="http://schemas.microsoft.com/office/drawing/2014/main" val="650890123"/>
+                    </a:ext>
+                  </a:extLst>
+                </a:gridCol>
+                <a:gridCol w="2382981">
+                  <a:extLst>
+                    <a:ext uri="{9D8B030D-6E8A-4147-A177-3AD203B41FA5}">
+                      <a16:colId xmlns:a16="http://schemas.microsoft.com/office/drawing/2014/main" val="3364458840"/>
+                    </a:ext>
+                  </a:extLst>
+                </a:gridCol>
+                <a:gridCol w="3001819">
+                  <a:extLst>
+                    <a:ext uri="{9D8B030D-6E8A-4147-A177-3AD203B41FA5}">
+                      <a16:colId xmlns:a16="http://schemas.microsoft.com/office/drawing/2014/main" val="1934009595"/>
+                    </a:ext>
+                  </a:extLst>
+                </a:gridCol>
+                <a:gridCol w="1431636">
+                  <a:extLst>
+                    <a:ext uri="{9D8B030D-6E8A-4147-A177-3AD203B41FA5}">
+                      <a16:colId xmlns:a16="http://schemas.microsoft.com/office/drawing/2014/main" val="2106811707"/>
+                    </a:ext>
+                  </a:extLst>
+                </a:gridCol>
+                <a:gridCol w="1644073">
+                  <a:extLst>
+                    <a:ext uri="{9D8B030D-6E8A-4147-A177-3AD203B41FA5}">
+                      <a16:colId xmlns:a16="http://schemas.microsoft.com/office/drawing/2014/main" val="4161205106"/>
+                    </a:ext>
+                  </a:extLst>
+                </a:gridCol>
+                <a:gridCol w="1708727">
+                  <a:extLst>
+                    <a:ext uri="{9D8B030D-6E8A-4147-A177-3AD203B41FA5}">
+                      <a16:colId xmlns:a16="http://schemas.microsoft.com/office/drawing/2014/main" val="2191810521"/>
+                    </a:ext>
+                  </a:extLst>
+                </a:gridCol>
+              </a:tblGrid>
+              <a:tr h="1566858">
+                <a:tc>
+                  <a:txBody>
+                    <a:bodyPr/>
+                    <a:lstStyle/>
+                    <a:p>
+                      <a:pPr algn="ctr"/>
+                      <a:r>
+                        <a:rPr lang="en-US" dirty="0" smtClean="0">
+                          <a:solidFill>
+                            <a:schemeClr val="tx1"/>
+                          </a:solidFill>
+                          <a:latin typeface="Times New Roman" panose="02020603050405020304" pitchFamily="18" charset="0"/>
+                          <a:cs typeface="Times New Roman" panose="02020603050405020304" pitchFamily="18" charset="0"/>
+                        </a:rPr>
+                        <a:t>Serial No:</a:t>
+                      </a:r>
+                      <a:endParaRPr lang="en-US" dirty="0">
+                        <a:solidFill>
+                          <a:schemeClr val="tx1"/>
+                        </a:solidFill>
+                        <a:latin typeface="Times New Roman" panose="02020603050405020304" pitchFamily="18" charset="0"/>
+                        <a:cs typeface="Times New Roman" panose="02020603050405020304" pitchFamily="18" charset="0"/>
+                      </a:endParaRPr>
+                    </a:p>
+                  </a:txBody>
+                  <a:tcPr anchor="ctr">
+                    <a:lnL w="12700" cap="flat" cmpd="sng" algn="ctr">
+                      <a:solidFill>
+                        <a:schemeClr val="tx1"/>
+                      </a:solidFill>
+                      <a:prstDash val="solid"/>
+                      <a:round/>
+                      <a:headEnd type="none" w="med" len="med"/>
+                      <a:tailEnd type="none" w="med" len="med"/>
+                    </a:lnL>
+                    <a:lnR w="12700" cap="flat" cmpd="sng" algn="ctr">
+                      <a:solidFill>
+                        <a:schemeClr val="tx1"/>
+                      </a:solidFill>
+                      <a:prstDash val="solid"/>
+                      <a:round/>
+                      <a:headEnd type="none" w="med" len="med"/>
+                      <a:tailEnd type="none" w="med" len="med"/>
+                    </a:lnR>
+                    <a:lnT w="12700" cap="flat" cmpd="sng" algn="ctr">
+                      <a:solidFill>
+                        <a:schemeClr val="tx1"/>
+                      </a:solidFill>
+                      <a:prstDash val="solid"/>
+                      <a:round/>
+                      <a:headEnd type="none" w="med" len="med"/>
+                      <a:tailEnd type="none" w="med" len="med"/>
+                    </a:lnT>
+                    <a:lnB w="12700" cap="flat" cmpd="sng" algn="ctr">
+                      <a:solidFill>
+                        <a:schemeClr val="tx1"/>
+                      </a:solidFill>
+                      <a:prstDash val="solid"/>
+                      <a:round/>
+                      <a:headEnd type="none" w="med" len="med"/>
+                      <a:tailEnd type="none" w="med" len="med"/>
+                    </a:lnB>
+                    <a:solidFill>
+                      <a:schemeClr val="bg1">
+                        <a:lumMod val="75000"/>
+                      </a:schemeClr>
+                    </a:solidFill>
+                  </a:tcPr>
+                </a:tc>
+                <a:tc>
+                  <a:txBody>
+                    <a:bodyPr/>
+                    <a:lstStyle/>
+                    <a:p>
+                      <a:pPr algn="ctr"/>
+                      <a:r>
+                        <a:rPr lang="en-US" dirty="0" smtClean="0">
+                          <a:solidFill>
+                            <a:schemeClr val="tx1"/>
+                          </a:solidFill>
+                          <a:latin typeface="Times New Roman" panose="02020603050405020304" pitchFamily="18" charset="0"/>
+                          <a:cs typeface="Times New Roman" panose="02020603050405020304" pitchFamily="18" charset="0"/>
+                        </a:rPr>
+                        <a:t>Author</a:t>
+                      </a:r>
+                      <a:r>
+                        <a:rPr lang="en-US" baseline="0" dirty="0" smtClean="0">
+                          <a:solidFill>
+                            <a:schemeClr val="tx1"/>
+                          </a:solidFill>
+                          <a:latin typeface="Times New Roman" panose="02020603050405020304" pitchFamily="18" charset="0"/>
+                          <a:cs typeface="Times New Roman" panose="02020603050405020304" pitchFamily="18" charset="0"/>
+                        </a:rPr>
+                        <a:t> name, Title and date</a:t>
+                      </a:r>
+                      <a:endParaRPr lang="en-US" dirty="0">
+                        <a:solidFill>
+                          <a:schemeClr val="tx1"/>
+                        </a:solidFill>
+                        <a:latin typeface="Times New Roman" panose="02020603050405020304" pitchFamily="18" charset="0"/>
+                        <a:cs typeface="Times New Roman" panose="02020603050405020304" pitchFamily="18" charset="0"/>
+                      </a:endParaRPr>
+                    </a:p>
+                  </a:txBody>
+                  <a:tcPr anchor="ctr">
+                    <a:lnL w="12700" cap="flat" cmpd="sng" algn="ctr">
+                      <a:solidFill>
+                        <a:schemeClr val="tx1"/>
+                      </a:solidFill>
+                      <a:prstDash val="solid"/>
+                      <a:round/>
+                      <a:headEnd type="none" w="med" len="med"/>
+                      <a:tailEnd type="none" w="med" len="med"/>
+                    </a:lnL>
+                    <a:lnR w="12700" cap="flat" cmpd="sng" algn="ctr">
+                      <a:solidFill>
+                        <a:schemeClr val="tx1"/>
+                      </a:solidFill>
+                      <a:prstDash val="solid"/>
+                      <a:round/>
+                      <a:headEnd type="none" w="med" len="med"/>
+                      <a:tailEnd type="none" w="med" len="med"/>
+                    </a:lnR>
+                    <a:lnT w="12700" cap="flat" cmpd="sng" algn="ctr">
+                      <a:solidFill>
+                        <a:schemeClr val="tx1"/>
+                      </a:solidFill>
+                      <a:prstDash val="solid"/>
+                      <a:round/>
+                      <a:headEnd type="none" w="med" len="med"/>
+                      <a:tailEnd type="none" w="med" len="med"/>
+                    </a:lnT>
+                    <a:lnB w="12700" cap="flat" cmpd="sng" algn="ctr">
+                      <a:solidFill>
+                        <a:schemeClr val="tx1"/>
+                      </a:solidFill>
+                      <a:prstDash val="solid"/>
+                      <a:round/>
+                      <a:headEnd type="none" w="med" len="med"/>
+                      <a:tailEnd type="none" w="med" len="med"/>
+                    </a:lnB>
+                    <a:solidFill>
+                      <a:schemeClr val="bg1">
+                        <a:lumMod val="75000"/>
+                      </a:schemeClr>
+                    </a:solidFill>
+                  </a:tcPr>
+                </a:tc>
+                <a:tc>
+                  <a:txBody>
+                    <a:bodyPr/>
+                    <a:lstStyle/>
+                    <a:p>
+                      <a:pPr algn="ctr"/>
+                      <a:r>
+                        <a:rPr lang="en-US" dirty="0" smtClean="0">
+                          <a:solidFill>
+                            <a:schemeClr val="tx1"/>
+                          </a:solidFill>
+                          <a:latin typeface="Times New Roman" panose="02020603050405020304" pitchFamily="18" charset="0"/>
+                          <a:cs typeface="Times New Roman" panose="02020603050405020304" pitchFamily="18" charset="0"/>
+                        </a:rPr>
+                        <a:t>Concept</a:t>
+                      </a:r>
+                      <a:endParaRPr lang="en-US" dirty="0">
+                        <a:solidFill>
+                          <a:schemeClr val="tx1"/>
+                        </a:solidFill>
+                        <a:latin typeface="Times New Roman" panose="02020603050405020304" pitchFamily="18" charset="0"/>
+                        <a:cs typeface="Times New Roman" panose="02020603050405020304" pitchFamily="18" charset="0"/>
+                      </a:endParaRPr>
+                    </a:p>
+                  </a:txBody>
+                  <a:tcPr anchor="ctr">
+                    <a:lnL w="12700" cap="flat" cmpd="sng" algn="ctr">
+                      <a:solidFill>
+                        <a:schemeClr val="tx1"/>
+                      </a:solidFill>
+                      <a:prstDash val="solid"/>
+                      <a:round/>
+                      <a:headEnd type="none" w="med" len="med"/>
+                      <a:tailEnd type="none" w="med" len="med"/>
+                    </a:lnL>
+                    <a:lnR w="12700" cap="flat" cmpd="sng" algn="ctr">
+                      <a:solidFill>
+                        <a:schemeClr val="tx1"/>
+                      </a:solidFill>
+                      <a:prstDash val="solid"/>
+                      <a:round/>
+                      <a:headEnd type="none" w="med" len="med"/>
+                      <a:tailEnd type="none" w="med" len="med"/>
+                    </a:lnR>
+                    <a:lnT w="12700" cap="flat" cmpd="sng" algn="ctr">
+                      <a:solidFill>
+                        <a:schemeClr val="tx1"/>
+                      </a:solidFill>
+                      <a:prstDash val="solid"/>
+                      <a:round/>
+                      <a:headEnd type="none" w="med" len="med"/>
+                      <a:tailEnd type="none" w="med" len="med"/>
+                    </a:lnT>
+                    <a:lnB w="12700" cap="flat" cmpd="sng" algn="ctr">
+                      <a:solidFill>
+                        <a:schemeClr val="tx1"/>
+                      </a:solidFill>
+                      <a:prstDash val="solid"/>
+                      <a:round/>
+                      <a:headEnd type="none" w="med" len="med"/>
+                      <a:tailEnd type="none" w="med" len="med"/>
+                    </a:lnB>
+                    <a:solidFill>
+                      <a:schemeClr val="bg1">
+                        <a:lumMod val="75000"/>
+                      </a:schemeClr>
+                    </a:solidFill>
+                  </a:tcPr>
+                </a:tc>
+                <a:tc>
+                  <a:txBody>
+                    <a:bodyPr/>
+                    <a:lstStyle/>
+                    <a:p>
+                      <a:pPr algn="ctr"/>
+                      <a:r>
+                        <a:rPr lang="en-US" dirty="0" smtClean="0">
+                          <a:solidFill>
+                            <a:schemeClr val="tx1"/>
+                          </a:solidFill>
+                          <a:latin typeface="Times New Roman" panose="02020603050405020304" pitchFamily="18" charset="0"/>
+                          <a:cs typeface="Times New Roman" panose="02020603050405020304" pitchFamily="18" charset="0"/>
+                        </a:rPr>
+                        <a:t>Technique (Algorithm)</a:t>
+                      </a:r>
+                      <a:endParaRPr lang="en-US" dirty="0">
+                        <a:solidFill>
+                          <a:schemeClr val="tx1"/>
+                        </a:solidFill>
+                        <a:latin typeface="Times New Roman" panose="02020603050405020304" pitchFamily="18" charset="0"/>
+                        <a:cs typeface="Times New Roman" panose="02020603050405020304" pitchFamily="18" charset="0"/>
+                      </a:endParaRPr>
+                    </a:p>
+                  </a:txBody>
+                  <a:tcPr anchor="ctr">
+                    <a:lnL w="12700" cap="flat" cmpd="sng" algn="ctr">
+                      <a:solidFill>
+                        <a:schemeClr val="tx1"/>
+                      </a:solidFill>
+                      <a:prstDash val="solid"/>
+                      <a:round/>
+                      <a:headEnd type="none" w="med" len="med"/>
+                      <a:tailEnd type="none" w="med" len="med"/>
+                    </a:lnL>
+                    <a:lnR w="12700" cap="flat" cmpd="sng" algn="ctr">
+                      <a:solidFill>
+                        <a:schemeClr val="tx1"/>
+                      </a:solidFill>
+                      <a:prstDash val="solid"/>
+                      <a:round/>
+                      <a:headEnd type="none" w="med" len="med"/>
+                      <a:tailEnd type="none" w="med" len="med"/>
+                    </a:lnR>
+                    <a:lnT w="12700" cap="flat" cmpd="sng" algn="ctr">
+                      <a:solidFill>
+                        <a:schemeClr val="tx1"/>
+                      </a:solidFill>
+                      <a:prstDash val="solid"/>
+                      <a:round/>
+                      <a:headEnd type="none" w="med" len="med"/>
+                      <a:tailEnd type="none" w="med" len="med"/>
+                    </a:lnT>
+                    <a:lnB w="12700" cap="flat" cmpd="sng" algn="ctr">
+                      <a:solidFill>
+                        <a:schemeClr val="tx1"/>
+                      </a:solidFill>
+                      <a:prstDash val="solid"/>
+                      <a:round/>
+                      <a:headEnd type="none" w="med" len="med"/>
+                      <a:tailEnd type="none" w="med" len="med"/>
+                    </a:lnB>
+                    <a:solidFill>
+                      <a:schemeClr val="bg1">
+                        <a:lumMod val="75000"/>
+                      </a:schemeClr>
+                    </a:solidFill>
+                  </a:tcPr>
+                </a:tc>
+                <a:tc>
+                  <a:txBody>
+                    <a:bodyPr/>
+                    <a:lstStyle/>
+                    <a:p>
+                      <a:pPr algn="ctr"/>
+                      <a:r>
+                        <a:rPr lang="en-US" dirty="0" smtClean="0">
+                          <a:solidFill>
+                            <a:schemeClr val="tx1"/>
+                          </a:solidFill>
+                          <a:latin typeface="Times New Roman" panose="02020603050405020304" pitchFamily="18" charset="0"/>
+                          <a:cs typeface="Times New Roman" panose="02020603050405020304" pitchFamily="18" charset="0"/>
+                        </a:rPr>
+                        <a:t>Advantages</a:t>
+                      </a:r>
+                      <a:endParaRPr lang="en-US" dirty="0">
+                        <a:solidFill>
+                          <a:schemeClr val="tx1"/>
+                        </a:solidFill>
+                        <a:latin typeface="Times New Roman" panose="02020603050405020304" pitchFamily="18" charset="0"/>
+                        <a:cs typeface="Times New Roman" panose="02020603050405020304" pitchFamily="18" charset="0"/>
+                      </a:endParaRPr>
+                    </a:p>
+                  </a:txBody>
+                  <a:tcPr anchor="ctr">
+                    <a:lnL w="12700" cap="flat" cmpd="sng" algn="ctr">
+                      <a:solidFill>
+                        <a:schemeClr val="tx1"/>
+                      </a:solidFill>
+                      <a:prstDash val="solid"/>
+                      <a:round/>
+                      <a:headEnd type="none" w="med" len="med"/>
+                      <a:tailEnd type="none" w="med" len="med"/>
+                    </a:lnL>
+                    <a:lnR w="12700" cap="flat" cmpd="sng" algn="ctr">
+                      <a:solidFill>
+                        <a:schemeClr val="tx1"/>
+                      </a:solidFill>
+                      <a:prstDash val="solid"/>
+                      <a:round/>
+                      <a:headEnd type="none" w="med" len="med"/>
+                      <a:tailEnd type="none" w="med" len="med"/>
+                    </a:lnR>
+                    <a:lnT w="12700" cap="flat" cmpd="sng" algn="ctr">
+                      <a:solidFill>
+                        <a:schemeClr val="tx1"/>
+                      </a:solidFill>
+                      <a:prstDash val="solid"/>
+                      <a:round/>
+                      <a:headEnd type="none" w="med" len="med"/>
+                      <a:tailEnd type="none" w="med" len="med"/>
+                    </a:lnT>
+                    <a:lnB w="12700" cap="flat" cmpd="sng" algn="ctr">
+                      <a:solidFill>
+                        <a:schemeClr val="tx1"/>
+                      </a:solidFill>
+                      <a:prstDash val="solid"/>
+                      <a:round/>
+                      <a:headEnd type="none" w="med" len="med"/>
+                      <a:tailEnd type="none" w="med" len="med"/>
+                    </a:lnB>
+                    <a:solidFill>
+                      <a:schemeClr val="bg1">
+                        <a:lumMod val="75000"/>
+                      </a:schemeClr>
+                    </a:solidFill>
+                  </a:tcPr>
+                </a:tc>
+                <a:tc>
+                  <a:txBody>
+                    <a:bodyPr/>
+                    <a:lstStyle/>
+                    <a:p>
+                      <a:pPr algn="ctr"/>
+                      <a:r>
+                        <a:rPr lang="en-US" dirty="0" smtClean="0">
+                          <a:solidFill>
+                            <a:schemeClr val="tx1"/>
+                          </a:solidFill>
+                          <a:latin typeface="Times New Roman" panose="02020603050405020304" pitchFamily="18" charset="0"/>
+                          <a:cs typeface="Times New Roman" panose="02020603050405020304" pitchFamily="18" charset="0"/>
+                        </a:rPr>
+                        <a:t>Disadvantaged</a:t>
+                      </a:r>
+                      <a:endParaRPr lang="en-US" dirty="0">
+                        <a:solidFill>
+                          <a:schemeClr val="tx1"/>
+                        </a:solidFill>
+                        <a:latin typeface="Times New Roman" panose="02020603050405020304" pitchFamily="18" charset="0"/>
+                        <a:cs typeface="Times New Roman" panose="02020603050405020304" pitchFamily="18" charset="0"/>
+                      </a:endParaRPr>
+                    </a:p>
+                  </a:txBody>
+                  <a:tcPr anchor="ctr">
+                    <a:lnL w="12700" cap="flat" cmpd="sng" algn="ctr">
+                      <a:solidFill>
+                        <a:schemeClr val="tx1"/>
+                      </a:solidFill>
+                      <a:prstDash val="solid"/>
+                      <a:round/>
+                      <a:headEnd type="none" w="med" len="med"/>
+                      <a:tailEnd type="none" w="med" len="med"/>
+                    </a:lnL>
+                    <a:lnR w="12700" cap="flat" cmpd="sng" algn="ctr">
+                      <a:solidFill>
+                        <a:schemeClr val="tx1"/>
+                      </a:solidFill>
+                      <a:prstDash val="solid"/>
+                      <a:round/>
+                      <a:headEnd type="none" w="med" len="med"/>
+                      <a:tailEnd type="none" w="med" len="med"/>
+                    </a:lnR>
+                    <a:lnT w="12700" cap="flat" cmpd="sng" algn="ctr">
+                      <a:solidFill>
+                        <a:schemeClr val="tx1"/>
+                      </a:solidFill>
+                      <a:prstDash val="solid"/>
+                      <a:round/>
+                      <a:headEnd type="none" w="med" len="med"/>
+                      <a:tailEnd type="none" w="med" len="med"/>
+                    </a:lnT>
+                    <a:lnB w="12700" cap="flat" cmpd="sng" algn="ctr">
+                      <a:solidFill>
+                        <a:schemeClr val="tx1"/>
+                      </a:solidFill>
+                      <a:prstDash val="solid"/>
+                      <a:round/>
+                      <a:headEnd type="none" w="med" len="med"/>
+                      <a:tailEnd type="none" w="med" len="med"/>
+                    </a:lnB>
+                    <a:solidFill>
+                      <a:schemeClr val="bg1">
+                        <a:lumMod val="75000"/>
+                      </a:schemeClr>
+                    </a:solidFill>
+                  </a:tcPr>
+                </a:tc>
+                <a:extLst>
+                  <a:ext uri="{0D108BD9-81ED-4DB2-BD59-A6C34878D82A}">
+                    <a16:rowId xmlns:a16="http://schemas.microsoft.com/office/drawing/2014/main" val="907547670"/>
+                  </a:ext>
+                </a:extLst>
+              </a:tr>
+              <a:tr h="738871">
+                <a:tc>
+                  <a:txBody>
+                    <a:bodyPr/>
+                    <a:lstStyle/>
+                    <a:p>
+                      <a:pPr algn="ctr"/>
+                      <a:r>
+                        <a:rPr lang="en-US" dirty="0" smtClean="0">
+                          <a:solidFill>
+                            <a:schemeClr val="tx1"/>
+                          </a:solidFill>
+                          <a:latin typeface="Times New Roman" panose="02020603050405020304" pitchFamily="18" charset="0"/>
+                          <a:cs typeface="Times New Roman" panose="02020603050405020304" pitchFamily="18" charset="0"/>
+                        </a:rPr>
+                        <a:t>5</a:t>
+                      </a:r>
+                      <a:endParaRPr lang="en-US" dirty="0">
+                        <a:solidFill>
+                          <a:schemeClr val="tx1"/>
+                        </a:solidFill>
+                        <a:latin typeface="Times New Roman" panose="02020603050405020304" pitchFamily="18" charset="0"/>
+                        <a:cs typeface="Times New Roman" panose="02020603050405020304" pitchFamily="18" charset="0"/>
+                      </a:endParaRPr>
+                    </a:p>
+                  </a:txBody>
+                  <a:tcPr anchor="ctr">
+                    <a:lnL w="12700" cap="flat" cmpd="sng" algn="ctr">
+                      <a:solidFill>
+                        <a:schemeClr val="tx1"/>
+                      </a:solidFill>
+                      <a:prstDash val="solid"/>
+                      <a:round/>
+                      <a:headEnd type="none" w="med" len="med"/>
+                      <a:tailEnd type="none" w="med" len="med"/>
+                    </a:lnL>
+                    <a:lnR w="12700" cap="flat" cmpd="sng" algn="ctr">
+                      <a:solidFill>
+                        <a:schemeClr val="tx1"/>
+                      </a:solidFill>
+                      <a:prstDash val="solid"/>
+                      <a:round/>
+                      <a:headEnd type="none" w="med" len="med"/>
+                      <a:tailEnd type="none" w="med" len="med"/>
+                    </a:lnR>
+                    <a:lnT w="12700" cap="flat" cmpd="sng" algn="ctr">
+                      <a:solidFill>
+                        <a:schemeClr val="tx1"/>
+                      </a:solidFill>
+                      <a:prstDash val="solid"/>
+                      <a:round/>
+                      <a:headEnd type="none" w="med" len="med"/>
+                      <a:tailEnd type="none" w="med" len="med"/>
+                    </a:lnT>
+                    <a:lnB w="12700" cap="flat" cmpd="sng" algn="ctr">
+                      <a:solidFill>
+                        <a:schemeClr val="tx1"/>
+                      </a:solidFill>
+                      <a:prstDash val="solid"/>
+                      <a:round/>
+                      <a:headEnd type="none" w="med" len="med"/>
+                      <a:tailEnd type="none" w="med" len="med"/>
+                    </a:lnB>
+                    <a:noFill/>
+                  </a:tcPr>
+                </a:tc>
+                <a:tc>
+                  <a:txBody>
+                    <a:bodyPr/>
+                    <a:lstStyle/>
+                    <a:p>
+                      <a:pPr algn="ctr"/>
+                      <a:r>
+                        <a:rPr lang="en-US" dirty="0" err="1" smtClean="0">
+                          <a:solidFill>
+                            <a:schemeClr val="tx1"/>
+                          </a:solidFill>
+                          <a:latin typeface="Times New Roman" panose="02020603050405020304" pitchFamily="18" charset="0"/>
+                          <a:cs typeface="Times New Roman" panose="02020603050405020304" pitchFamily="18" charset="0"/>
+                        </a:rPr>
+                        <a:t>Kahtan</a:t>
+                      </a:r>
+                      <a:r>
+                        <a:rPr lang="en-US" dirty="0" smtClean="0">
+                          <a:solidFill>
+                            <a:schemeClr val="tx1"/>
+                          </a:solidFill>
+                          <a:latin typeface="Times New Roman" panose="02020603050405020304" pitchFamily="18" charset="0"/>
+                          <a:cs typeface="Times New Roman" panose="02020603050405020304" pitchFamily="18" charset="0"/>
+                        </a:rPr>
+                        <a:t> Aziz, </a:t>
+                      </a:r>
+                      <a:r>
+                        <a:rPr lang="en-US" dirty="0" err="1" smtClean="0">
+                          <a:solidFill>
+                            <a:schemeClr val="tx1"/>
+                          </a:solidFill>
+                          <a:latin typeface="Times New Roman" panose="02020603050405020304" pitchFamily="18" charset="0"/>
+                          <a:cs typeface="Times New Roman" panose="02020603050405020304" pitchFamily="18" charset="0"/>
+                        </a:rPr>
+                        <a:t>Saed</a:t>
+                      </a:r>
+                      <a:r>
+                        <a:rPr lang="en-US" dirty="0" smtClean="0">
+                          <a:solidFill>
+                            <a:schemeClr val="tx1"/>
+                          </a:solidFill>
+                          <a:latin typeface="Times New Roman" panose="02020603050405020304" pitchFamily="18" charset="0"/>
+                          <a:cs typeface="Times New Roman" panose="02020603050405020304" pitchFamily="18" charset="0"/>
+                        </a:rPr>
+                        <a:t> </a:t>
+                      </a:r>
+                      <a:r>
+                        <a:rPr lang="en-US" dirty="0" err="1" smtClean="0">
+                          <a:solidFill>
+                            <a:schemeClr val="tx1"/>
+                          </a:solidFill>
+                          <a:latin typeface="Times New Roman" panose="02020603050405020304" pitchFamily="18" charset="0"/>
+                          <a:cs typeface="Times New Roman" panose="02020603050405020304" pitchFamily="18" charset="0"/>
+                        </a:rPr>
+                        <a:t>Tarapiah</a:t>
+                      </a:r>
+                      <a:r>
+                        <a:rPr lang="en-US" dirty="0" smtClean="0">
+                          <a:solidFill>
+                            <a:schemeClr val="tx1"/>
+                          </a:solidFill>
+                          <a:latin typeface="Times New Roman" panose="02020603050405020304" pitchFamily="18" charset="0"/>
+                          <a:cs typeface="Times New Roman" panose="02020603050405020304" pitchFamily="18" charset="0"/>
+                        </a:rPr>
+                        <a:t> &amp; </a:t>
+                      </a:r>
+                      <a:r>
+                        <a:rPr lang="en-US" dirty="0" err="1" smtClean="0">
+                          <a:solidFill>
+                            <a:schemeClr val="tx1"/>
+                          </a:solidFill>
+                          <a:latin typeface="Times New Roman" panose="02020603050405020304" pitchFamily="18" charset="0"/>
+                          <a:cs typeface="Times New Roman" panose="02020603050405020304" pitchFamily="18" charset="0"/>
+                        </a:rPr>
+                        <a:t>Shadi</a:t>
+                      </a:r>
+                      <a:r>
+                        <a:rPr lang="en-US" dirty="0" smtClean="0">
+                          <a:solidFill>
+                            <a:schemeClr val="tx1"/>
+                          </a:solidFill>
+                          <a:latin typeface="Times New Roman" panose="02020603050405020304" pitchFamily="18" charset="0"/>
+                          <a:cs typeface="Times New Roman" panose="02020603050405020304" pitchFamily="18" charset="0"/>
+                        </a:rPr>
+                        <a:t> Atalla </a:t>
+                      </a:r>
+                    </a:p>
+                    <a:p>
+                      <a:pPr algn="ctr"/>
+                      <a:endParaRPr lang="en-US" dirty="0" smtClean="0">
+                        <a:solidFill>
+                          <a:schemeClr val="tx1"/>
+                        </a:solidFill>
+                        <a:latin typeface="Times New Roman" panose="02020603050405020304" pitchFamily="18" charset="0"/>
+                        <a:cs typeface="Times New Roman" panose="02020603050405020304" pitchFamily="18" charset="0"/>
+                      </a:endParaRPr>
+                    </a:p>
+                    <a:p>
+                      <a:pPr algn="ctr"/>
+                      <a:r>
+                        <a:rPr lang="en-US" dirty="0" smtClean="0">
+                          <a:solidFill>
+                            <a:schemeClr val="tx1"/>
+                          </a:solidFill>
+                          <a:latin typeface="Times New Roman" panose="02020603050405020304" pitchFamily="18" charset="0"/>
+                          <a:cs typeface="Times New Roman" panose="02020603050405020304" pitchFamily="18" charset="0"/>
+                        </a:rPr>
+                        <a:t>Secure Instant Messaging System for Smart Phones</a:t>
+                      </a:r>
+                      <a:endParaRPr lang="en-US" dirty="0">
+                        <a:solidFill>
+                          <a:schemeClr val="tx1"/>
+                        </a:solidFill>
+                        <a:latin typeface="Times New Roman" panose="02020603050405020304" pitchFamily="18" charset="0"/>
+                        <a:cs typeface="Times New Roman" panose="02020603050405020304" pitchFamily="18" charset="0"/>
+                      </a:endParaRPr>
+                    </a:p>
+                  </a:txBody>
+                  <a:tcPr anchor="ctr">
+                    <a:lnL w="12700" cap="flat" cmpd="sng" algn="ctr">
+                      <a:solidFill>
+                        <a:schemeClr val="tx1"/>
+                      </a:solidFill>
+                      <a:prstDash val="solid"/>
+                      <a:round/>
+                      <a:headEnd type="none" w="med" len="med"/>
+                      <a:tailEnd type="none" w="med" len="med"/>
+                    </a:lnL>
+                    <a:lnR w="12700" cap="flat" cmpd="sng" algn="ctr">
+                      <a:solidFill>
+                        <a:schemeClr val="tx1"/>
+                      </a:solidFill>
+                      <a:prstDash val="solid"/>
+                      <a:round/>
+                      <a:headEnd type="none" w="med" len="med"/>
+                      <a:tailEnd type="none" w="med" len="med"/>
+                    </a:lnR>
+                    <a:lnT w="12700" cap="flat" cmpd="sng" algn="ctr">
+                      <a:solidFill>
+                        <a:schemeClr val="tx1"/>
+                      </a:solidFill>
+                      <a:prstDash val="solid"/>
+                      <a:round/>
+                      <a:headEnd type="none" w="med" len="med"/>
+                      <a:tailEnd type="none" w="med" len="med"/>
+                    </a:lnT>
+                    <a:lnB w="12700" cap="flat" cmpd="sng" algn="ctr">
+                      <a:solidFill>
+                        <a:schemeClr val="tx1"/>
+                      </a:solidFill>
+                      <a:prstDash val="solid"/>
+                      <a:round/>
+                      <a:headEnd type="none" w="med" len="med"/>
+                      <a:tailEnd type="none" w="med" len="med"/>
+                    </a:lnB>
+                    <a:noFill/>
+                  </a:tcPr>
+                </a:tc>
+                <a:tc>
+                  <a:txBody>
+                    <a:bodyPr/>
+                    <a:lstStyle/>
+                    <a:p>
+                      <a:pPr algn="ctr"/>
+                      <a:r>
+                        <a:rPr lang="en-US" dirty="0" smtClean="0">
+                          <a:solidFill>
+                            <a:schemeClr val="tx1"/>
+                          </a:solidFill>
+                          <a:latin typeface="Times New Roman" panose="02020603050405020304" pitchFamily="18" charset="0"/>
+                          <a:cs typeface="Times New Roman" panose="02020603050405020304" pitchFamily="18" charset="0"/>
+                        </a:rPr>
+                        <a:t>Programming Interface (API) that provides seamless integration with existing IM software.</a:t>
+                      </a:r>
+                      <a:endParaRPr lang="en-US" dirty="0">
+                        <a:solidFill>
+                          <a:schemeClr val="tx1"/>
+                        </a:solidFill>
+                        <a:latin typeface="Times New Roman" panose="02020603050405020304" pitchFamily="18" charset="0"/>
+                        <a:cs typeface="Times New Roman" panose="02020603050405020304" pitchFamily="18" charset="0"/>
+                      </a:endParaRPr>
+                    </a:p>
+                  </a:txBody>
+                  <a:tcPr anchor="ctr">
+                    <a:lnL w="12700" cap="flat" cmpd="sng" algn="ctr">
+                      <a:solidFill>
+                        <a:schemeClr val="tx1"/>
+                      </a:solidFill>
+                      <a:prstDash val="solid"/>
+                      <a:round/>
+                      <a:headEnd type="none" w="med" len="med"/>
+                      <a:tailEnd type="none" w="med" len="med"/>
+                    </a:lnL>
+                    <a:lnR w="12700" cap="flat" cmpd="sng" algn="ctr">
+                      <a:solidFill>
+                        <a:schemeClr val="tx1"/>
+                      </a:solidFill>
+                      <a:prstDash val="solid"/>
+                      <a:round/>
+                      <a:headEnd type="none" w="med" len="med"/>
+                      <a:tailEnd type="none" w="med" len="med"/>
+                    </a:lnR>
+                    <a:lnT w="12700" cap="flat" cmpd="sng" algn="ctr">
+                      <a:solidFill>
+                        <a:schemeClr val="tx1"/>
+                      </a:solidFill>
+                      <a:prstDash val="solid"/>
+                      <a:round/>
+                      <a:headEnd type="none" w="med" len="med"/>
+                      <a:tailEnd type="none" w="med" len="med"/>
+                    </a:lnT>
+                    <a:lnB w="12700" cap="flat" cmpd="sng" algn="ctr">
+                      <a:solidFill>
+                        <a:schemeClr val="tx1"/>
+                      </a:solidFill>
+                      <a:prstDash val="solid"/>
+                      <a:round/>
+                      <a:headEnd type="none" w="med" len="med"/>
+                      <a:tailEnd type="none" w="med" len="med"/>
+                    </a:lnB>
+                    <a:noFill/>
+                  </a:tcPr>
+                </a:tc>
+                <a:tc>
+                  <a:txBody>
+                    <a:bodyPr/>
+                    <a:lstStyle/>
+                    <a:p>
+                      <a:pPr algn="ctr"/>
+                      <a:r>
+                        <a:rPr lang="en-US" dirty="0" err="1" smtClean="0">
+                          <a:solidFill>
+                            <a:schemeClr val="tx1"/>
+                          </a:solidFill>
+                          <a:latin typeface="Times New Roman" panose="02020603050405020304" pitchFamily="18" charset="0"/>
+                          <a:cs typeface="Times New Roman" panose="02020603050405020304" pitchFamily="18" charset="0"/>
+                        </a:rPr>
+                        <a:t>Vernam</a:t>
+                      </a:r>
+                      <a:r>
+                        <a:rPr lang="en-US" dirty="0" smtClean="0">
+                          <a:solidFill>
+                            <a:schemeClr val="tx1"/>
+                          </a:solidFill>
+                          <a:latin typeface="Times New Roman" panose="02020603050405020304" pitchFamily="18" charset="0"/>
+                          <a:cs typeface="Times New Roman" panose="02020603050405020304" pitchFamily="18" charset="0"/>
+                        </a:rPr>
+                        <a:t> algorithm</a:t>
+                      </a:r>
+                      <a:endParaRPr lang="en-US" dirty="0">
+                        <a:solidFill>
+                          <a:schemeClr val="tx1"/>
+                        </a:solidFill>
+                        <a:latin typeface="Times New Roman" panose="02020603050405020304" pitchFamily="18" charset="0"/>
+                        <a:cs typeface="Times New Roman" panose="02020603050405020304" pitchFamily="18" charset="0"/>
+                      </a:endParaRPr>
+                    </a:p>
+                  </a:txBody>
+                  <a:tcPr anchor="ctr">
+                    <a:lnL w="12700" cap="flat" cmpd="sng" algn="ctr">
+                      <a:solidFill>
+                        <a:schemeClr val="tx1"/>
+                      </a:solidFill>
+                      <a:prstDash val="solid"/>
+                      <a:round/>
+                      <a:headEnd type="none" w="med" len="med"/>
+                      <a:tailEnd type="none" w="med" len="med"/>
+                    </a:lnL>
+                    <a:lnR w="12700" cap="flat" cmpd="sng" algn="ctr">
+                      <a:solidFill>
+                        <a:schemeClr val="tx1"/>
+                      </a:solidFill>
+                      <a:prstDash val="solid"/>
+                      <a:round/>
+                      <a:headEnd type="none" w="med" len="med"/>
+                      <a:tailEnd type="none" w="med" len="med"/>
+                    </a:lnR>
+                    <a:lnT w="12700" cap="flat" cmpd="sng" algn="ctr">
+                      <a:solidFill>
+                        <a:schemeClr val="tx1"/>
+                      </a:solidFill>
+                      <a:prstDash val="solid"/>
+                      <a:round/>
+                      <a:headEnd type="none" w="med" len="med"/>
+                      <a:tailEnd type="none" w="med" len="med"/>
+                    </a:lnT>
+                    <a:lnB w="12700" cap="flat" cmpd="sng" algn="ctr">
+                      <a:solidFill>
+                        <a:schemeClr val="tx1"/>
+                      </a:solidFill>
+                      <a:prstDash val="solid"/>
+                      <a:round/>
+                      <a:headEnd type="none" w="med" len="med"/>
+                      <a:tailEnd type="none" w="med" len="med"/>
+                    </a:lnB>
+                    <a:noFill/>
+                  </a:tcPr>
+                </a:tc>
+                <a:tc>
+                  <a:txBody>
+                    <a:bodyPr/>
+                    <a:lstStyle/>
+                    <a:p>
+                      <a:pPr algn="ctr"/>
+                      <a:r>
+                        <a:rPr lang="en-US" dirty="0" smtClean="0">
+                          <a:solidFill>
+                            <a:schemeClr val="tx1"/>
+                          </a:solidFill>
+                          <a:latin typeface="Times New Roman" panose="02020603050405020304" pitchFamily="18" charset="0"/>
+                          <a:cs typeface="Times New Roman" panose="02020603050405020304" pitchFamily="18" charset="0"/>
+                        </a:rPr>
+                        <a:t>Instant</a:t>
+                      </a:r>
+                      <a:r>
+                        <a:rPr lang="en-US" baseline="0" dirty="0" smtClean="0">
+                          <a:solidFill>
+                            <a:schemeClr val="tx1"/>
+                          </a:solidFill>
+                          <a:latin typeface="Times New Roman" panose="02020603050405020304" pitchFamily="18" charset="0"/>
+                          <a:cs typeface="Times New Roman" panose="02020603050405020304" pitchFamily="18" charset="0"/>
+                        </a:rPr>
+                        <a:t> Messaging, </a:t>
+                      </a:r>
+                    </a:p>
+                    <a:p>
+                      <a:pPr algn="ctr"/>
+                      <a:r>
+                        <a:rPr lang="en-US" baseline="0" dirty="0" smtClean="0">
+                          <a:solidFill>
+                            <a:schemeClr val="tx1"/>
+                          </a:solidFill>
+                          <a:latin typeface="Times New Roman" panose="02020603050405020304" pitchFamily="18" charset="0"/>
+                          <a:cs typeface="Times New Roman" panose="02020603050405020304" pitchFamily="18" charset="0"/>
+                        </a:rPr>
+                        <a:t>Platform Independent</a:t>
+                      </a:r>
+                      <a:endParaRPr lang="en-US" dirty="0">
+                        <a:solidFill>
+                          <a:schemeClr val="tx1"/>
+                        </a:solidFill>
+                        <a:latin typeface="Times New Roman" panose="02020603050405020304" pitchFamily="18" charset="0"/>
+                        <a:cs typeface="Times New Roman" panose="02020603050405020304" pitchFamily="18" charset="0"/>
+                      </a:endParaRPr>
+                    </a:p>
+                  </a:txBody>
+                  <a:tcPr anchor="ctr">
+                    <a:lnL w="12700" cap="flat" cmpd="sng" algn="ctr">
+                      <a:solidFill>
+                        <a:schemeClr val="tx1"/>
+                      </a:solidFill>
+                      <a:prstDash val="solid"/>
+                      <a:round/>
+                      <a:headEnd type="none" w="med" len="med"/>
+                      <a:tailEnd type="none" w="med" len="med"/>
+                    </a:lnL>
+                    <a:lnR w="12700" cap="flat" cmpd="sng" algn="ctr">
+                      <a:solidFill>
+                        <a:schemeClr val="tx1"/>
+                      </a:solidFill>
+                      <a:prstDash val="solid"/>
+                      <a:round/>
+                      <a:headEnd type="none" w="med" len="med"/>
+                      <a:tailEnd type="none" w="med" len="med"/>
+                    </a:lnR>
+                    <a:lnT w="12700" cap="flat" cmpd="sng" algn="ctr">
+                      <a:solidFill>
+                        <a:schemeClr val="tx1"/>
+                      </a:solidFill>
+                      <a:prstDash val="solid"/>
+                      <a:round/>
+                      <a:headEnd type="none" w="med" len="med"/>
+                      <a:tailEnd type="none" w="med" len="med"/>
+                    </a:lnT>
+                    <a:lnB w="12700" cap="flat" cmpd="sng" algn="ctr">
+                      <a:solidFill>
+                        <a:schemeClr val="tx1"/>
+                      </a:solidFill>
+                      <a:prstDash val="solid"/>
+                      <a:round/>
+                      <a:headEnd type="none" w="med" len="med"/>
+                      <a:tailEnd type="none" w="med" len="med"/>
+                    </a:lnB>
+                    <a:noFill/>
+                  </a:tcPr>
+                </a:tc>
+                <a:tc>
+                  <a:txBody>
+                    <a:bodyPr/>
+                    <a:lstStyle/>
+                    <a:p>
+                      <a:pPr algn="ctr"/>
+                      <a:r>
+                        <a:rPr lang="en-US" dirty="0" smtClean="0">
+                          <a:solidFill>
+                            <a:schemeClr val="tx1"/>
+                          </a:solidFill>
+                          <a:latin typeface="Times New Roman" panose="02020603050405020304" pitchFamily="18" charset="0"/>
+                          <a:cs typeface="Times New Roman" panose="02020603050405020304" pitchFamily="18" charset="0"/>
+                        </a:rPr>
+                        <a:t>Cannot Implement Proper Encryption</a:t>
+                      </a:r>
+                      <a:r>
+                        <a:rPr lang="en-US" baseline="0" dirty="0" smtClean="0">
+                          <a:solidFill>
+                            <a:schemeClr val="tx1"/>
+                          </a:solidFill>
+                          <a:latin typeface="Times New Roman" panose="02020603050405020304" pitchFamily="18" charset="0"/>
+                          <a:cs typeface="Times New Roman" panose="02020603050405020304" pitchFamily="18" charset="0"/>
+                        </a:rPr>
+                        <a:t> System</a:t>
+                      </a:r>
+                      <a:endParaRPr lang="en-US" dirty="0">
+                        <a:solidFill>
+                          <a:schemeClr val="tx1"/>
+                        </a:solidFill>
+                        <a:latin typeface="Times New Roman" panose="02020603050405020304" pitchFamily="18" charset="0"/>
+                        <a:cs typeface="Times New Roman" panose="02020603050405020304" pitchFamily="18" charset="0"/>
+                      </a:endParaRPr>
+                    </a:p>
+                  </a:txBody>
+                  <a:tcPr anchor="ctr">
+                    <a:lnL w="12700" cap="flat" cmpd="sng" algn="ctr">
+                      <a:solidFill>
+                        <a:schemeClr val="tx1"/>
+                      </a:solidFill>
+                      <a:prstDash val="solid"/>
+                      <a:round/>
+                      <a:headEnd type="none" w="med" len="med"/>
+                      <a:tailEnd type="none" w="med" len="med"/>
+                    </a:lnL>
+                    <a:lnR w="12700" cap="flat" cmpd="sng" algn="ctr">
+                      <a:solidFill>
+                        <a:schemeClr val="tx1"/>
+                      </a:solidFill>
+                      <a:prstDash val="solid"/>
+                      <a:round/>
+                      <a:headEnd type="none" w="med" len="med"/>
+                      <a:tailEnd type="none" w="med" len="med"/>
+                    </a:lnR>
+                    <a:lnT w="12700" cap="flat" cmpd="sng" algn="ctr">
+                      <a:solidFill>
+                        <a:schemeClr val="tx1"/>
+                      </a:solidFill>
+                      <a:prstDash val="solid"/>
+                      <a:round/>
+                      <a:headEnd type="none" w="med" len="med"/>
+                      <a:tailEnd type="none" w="med" len="med"/>
+                    </a:lnT>
+                    <a:lnB w="12700" cap="flat" cmpd="sng" algn="ctr">
+                      <a:solidFill>
+                        <a:schemeClr val="tx1"/>
+                      </a:solidFill>
+                      <a:prstDash val="solid"/>
+                      <a:round/>
+                      <a:headEnd type="none" w="med" len="med"/>
+                      <a:tailEnd type="none" w="med" len="med"/>
+                    </a:lnB>
+                    <a:noFill/>
+                  </a:tcPr>
+                </a:tc>
+                <a:extLst>
+                  <a:ext uri="{0D108BD9-81ED-4DB2-BD59-A6C34878D82A}">
+                    <a16:rowId xmlns:a16="http://schemas.microsoft.com/office/drawing/2014/main" val="35302310"/>
+                  </a:ext>
+                </a:extLst>
+              </a:tr>
+              <a:tr h="738871">
+                <a:tc>
+                  <a:txBody>
+                    <a:bodyPr/>
+                    <a:lstStyle/>
+                    <a:p>
+                      <a:pPr algn="ctr"/>
+                      <a:r>
+                        <a:rPr lang="en-US" dirty="0" smtClean="0">
+                          <a:solidFill>
+                            <a:schemeClr val="tx1"/>
+                          </a:solidFill>
+                          <a:latin typeface="Times New Roman" panose="02020603050405020304" pitchFamily="18" charset="0"/>
+                          <a:cs typeface="Times New Roman" panose="02020603050405020304" pitchFamily="18" charset="0"/>
+                        </a:rPr>
+                        <a:t>6</a:t>
+                      </a:r>
+                      <a:endParaRPr lang="en-US" dirty="0">
+                        <a:solidFill>
+                          <a:schemeClr val="tx1"/>
+                        </a:solidFill>
+                        <a:latin typeface="Times New Roman" panose="02020603050405020304" pitchFamily="18" charset="0"/>
+                        <a:cs typeface="Times New Roman" panose="02020603050405020304" pitchFamily="18" charset="0"/>
+                      </a:endParaRPr>
+                    </a:p>
+                  </a:txBody>
+                  <a:tcPr anchor="ctr">
+                    <a:lnL w="12700" cap="flat" cmpd="sng" algn="ctr">
+                      <a:solidFill>
+                        <a:schemeClr val="tx1"/>
+                      </a:solidFill>
+                      <a:prstDash val="solid"/>
+                      <a:round/>
+                      <a:headEnd type="none" w="med" len="med"/>
+                      <a:tailEnd type="none" w="med" len="med"/>
+                    </a:lnL>
+                    <a:lnR w="12700" cap="flat" cmpd="sng" algn="ctr">
+                      <a:solidFill>
+                        <a:schemeClr val="tx1"/>
+                      </a:solidFill>
+                      <a:prstDash val="solid"/>
+                      <a:round/>
+                      <a:headEnd type="none" w="med" len="med"/>
+                      <a:tailEnd type="none" w="med" len="med"/>
+                    </a:lnR>
+                    <a:lnT w="12700" cap="flat" cmpd="sng" algn="ctr">
+                      <a:solidFill>
+                        <a:schemeClr val="tx1"/>
+                      </a:solidFill>
+                      <a:prstDash val="solid"/>
+                      <a:round/>
+                      <a:headEnd type="none" w="med" len="med"/>
+                      <a:tailEnd type="none" w="med" len="med"/>
+                    </a:lnT>
+                    <a:lnB w="12700" cap="flat" cmpd="sng" algn="ctr">
+                      <a:solidFill>
+                        <a:schemeClr val="tx1"/>
+                      </a:solidFill>
+                      <a:prstDash val="solid"/>
+                      <a:round/>
+                      <a:headEnd type="none" w="med" len="med"/>
+                      <a:tailEnd type="none" w="med" len="med"/>
+                    </a:lnB>
+                    <a:noFill/>
+                  </a:tcPr>
+                </a:tc>
+                <a:tc>
+                  <a:txBody>
+                    <a:bodyPr/>
+                    <a:lstStyle/>
+                    <a:p>
+                      <a:pPr algn="ctr"/>
+                      <a:r>
+                        <a:rPr lang="en-US" dirty="0" smtClean="0">
+                          <a:solidFill>
+                            <a:schemeClr val="tx1"/>
+                          </a:solidFill>
+                          <a:latin typeface="Times New Roman" panose="02020603050405020304" pitchFamily="18" charset="0"/>
+                          <a:cs typeface="Times New Roman" panose="02020603050405020304" pitchFamily="18" charset="0"/>
+                        </a:rPr>
+                        <a:t>Athanasios </a:t>
+                      </a:r>
+                      <a:r>
+                        <a:rPr lang="en-US" dirty="0" err="1" smtClean="0">
+                          <a:solidFill>
+                            <a:schemeClr val="tx1"/>
+                          </a:solidFill>
+                          <a:latin typeface="Times New Roman" panose="02020603050405020304" pitchFamily="18" charset="0"/>
+                          <a:cs typeface="Times New Roman" panose="02020603050405020304" pitchFamily="18" charset="0"/>
+                        </a:rPr>
+                        <a:t>Loukas</a:t>
+                      </a:r>
+                      <a:r>
+                        <a:rPr lang="en-US" dirty="0" smtClean="0">
+                          <a:solidFill>
+                            <a:schemeClr val="tx1"/>
+                          </a:solidFill>
+                          <a:latin typeface="Times New Roman" panose="02020603050405020304" pitchFamily="18" charset="0"/>
+                          <a:cs typeface="Times New Roman" panose="02020603050405020304" pitchFamily="18" charset="0"/>
+                        </a:rPr>
+                        <a:t>, </a:t>
+                      </a:r>
+                      <a:r>
+                        <a:rPr lang="en-US" dirty="0" err="1" smtClean="0">
+                          <a:solidFill>
+                            <a:schemeClr val="tx1"/>
+                          </a:solidFill>
+                          <a:latin typeface="Times New Roman" panose="02020603050405020304" pitchFamily="18" charset="0"/>
+                          <a:cs typeface="Times New Roman" panose="02020603050405020304" pitchFamily="18" charset="0"/>
+                        </a:rPr>
+                        <a:t>Dimitrios</a:t>
+                      </a:r>
+                      <a:r>
+                        <a:rPr lang="en-US" dirty="0" smtClean="0">
+                          <a:solidFill>
+                            <a:schemeClr val="tx1"/>
+                          </a:solidFill>
+                          <a:latin typeface="Times New Roman" panose="02020603050405020304" pitchFamily="18" charset="0"/>
+                          <a:cs typeface="Times New Roman" panose="02020603050405020304" pitchFamily="18" charset="0"/>
+                        </a:rPr>
+                        <a:t> </a:t>
+                      </a:r>
+                      <a:r>
+                        <a:rPr lang="en-US" dirty="0" err="1" smtClean="0">
+                          <a:solidFill>
+                            <a:schemeClr val="tx1"/>
+                          </a:solidFill>
+                          <a:latin typeface="Times New Roman" panose="02020603050405020304" pitchFamily="18" charset="0"/>
+                          <a:cs typeface="Times New Roman" panose="02020603050405020304" pitchFamily="18" charset="0"/>
+                        </a:rPr>
+                        <a:t>Damopoulos</a:t>
+                      </a:r>
+                      <a:endParaRPr lang="en-US" dirty="0" smtClean="0">
+                        <a:solidFill>
+                          <a:schemeClr val="tx1"/>
+                        </a:solidFill>
+                        <a:latin typeface="Times New Roman" panose="02020603050405020304" pitchFamily="18" charset="0"/>
+                        <a:cs typeface="Times New Roman" panose="02020603050405020304" pitchFamily="18" charset="0"/>
+                      </a:endParaRPr>
+                    </a:p>
+                    <a:p>
+                      <a:pPr algn="ctr"/>
+                      <a:r>
+                        <a:rPr lang="en-US" dirty="0" smtClean="0">
+                          <a:solidFill>
+                            <a:schemeClr val="tx1"/>
+                          </a:solidFill>
+                          <a:latin typeface="Times New Roman" panose="02020603050405020304" pitchFamily="18" charset="0"/>
+                          <a:cs typeface="Times New Roman" panose="02020603050405020304" pitchFamily="18" charset="0"/>
+                        </a:rPr>
+                        <a:t/>
+                      </a:r>
+                      <a:br>
+                        <a:rPr lang="en-US" dirty="0" smtClean="0">
+                          <a:solidFill>
+                            <a:schemeClr val="tx1"/>
+                          </a:solidFill>
+                          <a:latin typeface="Times New Roman" panose="02020603050405020304" pitchFamily="18" charset="0"/>
+                          <a:cs typeface="Times New Roman" panose="02020603050405020304" pitchFamily="18" charset="0"/>
+                        </a:rPr>
+                      </a:br>
+                      <a:r>
+                        <a:rPr lang="en-US" dirty="0" smtClean="0">
+                          <a:solidFill>
+                            <a:schemeClr val="tx1"/>
+                          </a:solidFill>
+                          <a:latin typeface="Times New Roman" panose="02020603050405020304" pitchFamily="18" charset="0"/>
+                          <a:cs typeface="Times New Roman" panose="02020603050405020304" pitchFamily="18" charset="0"/>
+                        </a:rPr>
+                        <a:t>A secure and privacy-preserving mobile instant locator with chatting</a:t>
+                      </a:r>
+                      <a:endParaRPr lang="en-US" dirty="0">
+                        <a:solidFill>
+                          <a:schemeClr val="tx1"/>
+                        </a:solidFill>
+                        <a:latin typeface="Times New Roman" panose="02020603050405020304" pitchFamily="18" charset="0"/>
+                        <a:cs typeface="Times New Roman" panose="02020603050405020304" pitchFamily="18" charset="0"/>
+                      </a:endParaRPr>
+                    </a:p>
+                  </a:txBody>
+                  <a:tcPr anchor="ctr">
+                    <a:lnL w="12700" cap="flat" cmpd="sng" algn="ctr">
+                      <a:solidFill>
+                        <a:schemeClr val="tx1"/>
+                      </a:solidFill>
+                      <a:prstDash val="solid"/>
+                      <a:round/>
+                      <a:headEnd type="none" w="med" len="med"/>
+                      <a:tailEnd type="none" w="med" len="med"/>
+                    </a:lnL>
+                    <a:lnR w="12700" cap="flat" cmpd="sng" algn="ctr">
+                      <a:solidFill>
+                        <a:schemeClr val="tx1"/>
+                      </a:solidFill>
+                      <a:prstDash val="solid"/>
+                      <a:round/>
+                      <a:headEnd type="none" w="med" len="med"/>
+                      <a:tailEnd type="none" w="med" len="med"/>
+                    </a:lnR>
+                    <a:lnT w="12700" cap="flat" cmpd="sng" algn="ctr">
+                      <a:solidFill>
+                        <a:schemeClr val="tx1"/>
+                      </a:solidFill>
+                      <a:prstDash val="solid"/>
+                      <a:round/>
+                      <a:headEnd type="none" w="med" len="med"/>
+                      <a:tailEnd type="none" w="med" len="med"/>
+                    </a:lnT>
+                    <a:lnB w="12700" cap="flat" cmpd="sng" algn="ctr">
+                      <a:solidFill>
+                        <a:schemeClr val="tx1"/>
+                      </a:solidFill>
+                      <a:prstDash val="solid"/>
+                      <a:round/>
+                      <a:headEnd type="none" w="med" len="med"/>
+                      <a:tailEnd type="none" w="med" len="med"/>
+                    </a:lnB>
+                    <a:noFill/>
+                  </a:tcPr>
+                </a:tc>
+                <a:tc>
+                  <a:txBody>
+                    <a:bodyPr/>
+                    <a:lstStyle/>
+                    <a:p>
+                      <a:pPr algn="ctr"/>
+                      <a:r>
+                        <a:rPr lang="en-US" dirty="0" smtClean="0">
+                          <a:solidFill>
+                            <a:schemeClr val="tx1"/>
+                          </a:solidFill>
+                          <a:latin typeface="Times New Roman" panose="02020603050405020304" pitchFamily="18" charset="0"/>
+                          <a:cs typeface="Times New Roman" panose="02020603050405020304" pitchFamily="18" charset="0"/>
+                        </a:rPr>
+                        <a:t>MILC provides an acceptable level of security by utilizing both asymmetric and symmetric cryptography, and most importantly, put the user in control of her own personal information and her private sphere.</a:t>
+                      </a:r>
+                      <a:endParaRPr lang="en-US" dirty="0">
+                        <a:solidFill>
+                          <a:schemeClr val="tx1"/>
+                        </a:solidFill>
+                        <a:latin typeface="Times New Roman" panose="02020603050405020304" pitchFamily="18" charset="0"/>
+                        <a:cs typeface="Times New Roman" panose="02020603050405020304" pitchFamily="18" charset="0"/>
+                      </a:endParaRPr>
+                    </a:p>
+                  </a:txBody>
+                  <a:tcPr anchor="ctr">
+                    <a:lnL w="12700" cap="flat" cmpd="sng" algn="ctr">
+                      <a:solidFill>
+                        <a:schemeClr val="tx1"/>
+                      </a:solidFill>
+                      <a:prstDash val="solid"/>
+                      <a:round/>
+                      <a:headEnd type="none" w="med" len="med"/>
+                      <a:tailEnd type="none" w="med" len="med"/>
+                    </a:lnL>
+                    <a:lnR w="12700" cap="flat" cmpd="sng" algn="ctr">
+                      <a:solidFill>
+                        <a:schemeClr val="tx1"/>
+                      </a:solidFill>
+                      <a:prstDash val="solid"/>
+                      <a:round/>
+                      <a:headEnd type="none" w="med" len="med"/>
+                      <a:tailEnd type="none" w="med" len="med"/>
+                    </a:lnR>
+                    <a:lnT w="12700" cap="flat" cmpd="sng" algn="ctr">
+                      <a:solidFill>
+                        <a:schemeClr val="tx1"/>
+                      </a:solidFill>
+                      <a:prstDash val="solid"/>
+                      <a:round/>
+                      <a:headEnd type="none" w="med" len="med"/>
+                      <a:tailEnd type="none" w="med" len="med"/>
+                    </a:lnT>
+                    <a:lnB w="12700" cap="flat" cmpd="sng" algn="ctr">
+                      <a:solidFill>
+                        <a:schemeClr val="tx1"/>
+                      </a:solidFill>
+                      <a:prstDash val="solid"/>
+                      <a:round/>
+                      <a:headEnd type="none" w="med" len="med"/>
+                      <a:tailEnd type="none" w="med" len="med"/>
+                    </a:lnB>
+                    <a:noFill/>
+                  </a:tcPr>
+                </a:tc>
+                <a:tc>
+                  <a:txBody>
+                    <a:bodyPr/>
+                    <a:lstStyle/>
+                    <a:p>
+                      <a:pPr algn="ctr"/>
+                      <a:r>
+                        <a:rPr lang="en-US" sz="1800" b="0" i="0" kern="1200" dirty="0" smtClean="0">
+                          <a:solidFill>
+                            <a:schemeClr val="dk1"/>
+                          </a:solidFill>
+                          <a:effectLst/>
+                          <a:latin typeface="+mn-lt"/>
+                          <a:ea typeface="+mn-ea"/>
+                          <a:cs typeface="+mn-cs"/>
+                        </a:rPr>
+                        <a:t>utilizing both asymmetric and symmetric cryptography</a:t>
+                      </a:r>
+                      <a:endParaRPr lang="en-US" dirty="0">
+                        <a:solidFill>
+                          <a:schemeClr val="tx1"/>
+                        </a:solidFill>
+                        <a:latin typeface="Times New Roman" panose="02020603050405020304" pitchFamily="18" charset="0"/>
+                        <a:cs typeface="Times New Roman" panose="02020603050405020304" pitchFamily="18" charset="0"/>
+                      </a:endParaRPr>
+                    </a:p>
+                  </a:txBody>
+                  <a:tcPr anchor="ctr">
+                    <a:lnL w="12700" cap="flat" cmpd="sng" algn="ctr">
+                      <a:solidFill>
+                        <a:schemeClr val="tx1"/>
+                      </a:solidFill>
+                      <a:prstDash val="solid"/>
+                      <a:round/>
+                      <a:headEnd type="none" w="med" len="med"/>
+                      <a:tailEnd type="none" w="med" len="med"/>
+                    </a:lnL>
+                    <a:lnR w="12700" cap="flat" cmpd="sng" algn="ctr">
+                      <a:solidFill>
+                        <a:schemeClr val="tx1"/>
+                      </a:solidFill>
+                      <a:prstDash val="solid"/>
+                      <a:round/>
+                      <a:headEnd type="none" w="med" len="med"/>
+                      <a:tailEnd type="none" w="med" len="med"/>
+                    </a:lnR>
+                    <a:lnT w="12700" cap="flat" cmpd="sng" algn="ctr">
+                      <a:solidFill>
+                        <a:schemeClr val="tx1"/>
+                      </a:solidFill>
+                      <a:prstDash val="solid"/>
+                      <a:round/>
+                      <a:headEnd type="none" w="med" len="med"/>
+                      <a:tailEnd type="none" w="med" len="med"/>
+                    </a:lnT>
+                    <a:lnB w="12700" cap="flat" cmpd="sng" algn="ctr">
+                      <a:solidFill>
+                        <a:schemeClr val="tx1"/>
+                      </a:solidFill>
+                      <a:prstDash val="solid"/>
+                      <a:round/>
+                      <a:headEnd type="none" w="med" len="med"/>
+                      <a:tailEnd type="none" w="med" len="med"/>
+                    </a:lnB>
+                    <a:noFill/>
+                  </a:tcPr>
+                </a:tc>
+                <a:tc>
+                  <a:txBody>
+                    <a:bodyPr/>
+                    <a:lstStyle/>
+                    <a:p>
+                      <a:pPr algn="ctr"/>
+                      <a:r>
+                        <a:rPr lang="en-US" dirty="0" smtClean="0">
+                          <a:solidFill>
+                            <a:schemeClr val="tx1"/>
+                          </a:solidFill>
+                          <a:latin typeface="Times New Roman" panose="02020603050405020304" pitchFamily="18" charset="0"/>
+                          <a:cs typeface="Times New Roman" panose="02020603050405020304" pitchFamily="18" charset="0"/>
+                        </a:rPr>
+                        <a:t>Implementation of Advanced Encryption</a:t>
+                      </a:r>
+                      <a:r>
+                        <a:rPr lang="en-US" baseline="0" dirty="0" smtClean="0">
+                          <a:solidFill>
+                            <a:schemeClr val="tx1"/>
+                          </a:solidFill>
+                          <a:latin typeface="Times New Roman" panose="02020603050405020304" pitchFamily="18" charset="0"/>
+                          <a:cs typeface="Times New Roman" panose="02020603050405020304" pitchFamily="18" charset="0"/>
+                        </a:rPr>
+                        <a:t> System</a:t>
+                      </a:r>
+                      <a:endParaRPr lang="en-US" dirty="0">
+                        <a:solidFill>
+                          <a:schemeClr val="tx1"/>
+                        </a:solidFill>
+                        <a:latin typeface="Times New Roman" panose="02020603050405020304" pitchFamily="18" charset="0"/>
+                        <a:cs typeface="Times New Roman" panose="02020603050405020304" pitchFamily="18" charset="0"/>
+                      </a:endParaRPr>
+                    </a:p>
+                  </a:txBody>
+                  <a:tcPr anchor="ctr">
+                    <a:lnL w="12700" cap="flat" cmpd="sng" algn="ctr">
+                      <a:solidFill>
+                        <a:schemeClr val="tx1"/>
+                      </a:solidFill>
+                      <a:prstDash val="solid"/>
+                      <a:round/>
+                      <a:headEnd type="none" w="med" len="med"/>
+                      <a:tailEnd type="none" w="med" len="med"/>
+                    </a:lnL>
+                    <a:lnR w="12700" cap="flat" cmpd="sng" algn="ctr">
+                      <a:solidFill>
+                        <a:schemeClr val="tx1"/>
+                      </a:solidFill>
+                      <a:prstDash val="solid"/>
+                      <a:round/>
+                      <a:headEnd type="none" w="med" len="med"/>
+                      <a:tailEnd type="none" w="med" len="med"/>
+                    </a:lnR>
+                    <a:lnT w="12700" cap="flat" cmpd="sng" algn="ctr">
+                      <a:solidFill>
+                        <a:schemeClr val="tx1"/>
+                      </a:solidFill>
+                      <a:prstDash val="solid"/>
+                      <a:round/>
+                      <a:headEnd type="none" w="med" len="med"/>
+                      <a:tailEnd type="none" w="med" len="med"/>
+                    </a:lnT>
+                    <a:lnB w="12700" cap="flat" cmpd="sng" algn="ctr">
+                      <a:solidFill>
+                        <a:schemeClr val="tx1"/>
+                      </a:solidFill>
+                      <a:prstDash val="solid"/>
+                      <a:round/>
+                      <a:headEnd type="none" w="med" len="med"/>
+                      <a:tailEnd type="none" w="med" len="med"/>
+                    </a:lnB>
+                    <a:noFill/>
+                  </a:tcPr>
+                </a:tc>
+                <a:tc>
+                  <a:txBody>
+                    <a:bodyPr/>
+                    <a:lstStyle/>
+                    <a:p>
+                      <a:pPr algn="ctr"/>
+                      <a:r>
+                        <a:rPr lang="en-US" dirty="0" smtClean="0">
+                          <a:solidFill>
+                            <a:schemeClr val="tx1"/>
+                          </a:solidFill>
+                          <a:latin typeface="Times New Roman" panose="02020603050405020304" pitchFamily="18" charset="0"/>
+                          <a:cs typeface="Times New Roman" panose="02020603050405020304" pitchFamily="18" charset="0"/>
+                        </a:rPr>
+                        <a:t>Platfor</a:t>
+                      </a:r>
+                      <a:r>
+                        <a:rPr lang="en-US" baseline="0" dirty="0" smtClean="0">
+                          <a:solidFill>
+                            <a:schemeClr val="tx1"/>
+                          </a:solidFill>
+                          <a:latin typeface="Times New Roman" panose="02020603050405020304" pitchFamily="18" charset="0"/>
+                          <a:cs typeface="Times New Roman" panose="02020603050405020304" pitchFamily="18" charset="0"/>
+                        </a:rPr>
+                        <a:t>m Dependent,</a:t>
+                      </a:r>
+                    </a:p>
+                    <a:p>
+                      <a:pPr algn="ctr"/>
+                      <a:r>
+                        <a:rPr lang="en-US" dirty="0" smtClean="0">
+                          <a:solidFill>
+                            <a:schemeClr val="tx1"/>
+                          </a:solidFill>
+                          <a:latin typeface="Times New Roman" panose="02020603050405020304" pitchFamily="18" charset="0"/>
+                          <a:cs typeface="Times New Roman" panose="02020603050405020304" pitchFamily="18" charset="0"/>
+                        </a:rPr>
+                        <a:t>Process</a:t>
+                      </a:r>
+                      <a:r>
+                        <a:rPr lang="en-US" baseline="0" dirty="0" smtClean="0">
+                          <a:solidFill>
+                            <a:schemeClr val="tx1"/>
+                          </a:solidFill>
+                          <a:latin typeface="Times New Roman" panose="02020603050405020304" pitchFamily="18" charset="0"/>
+                          <a:cs typeface="Times New Roman" panose="02020603050405020304" pitchFamily="18" charset="0"/>
+                        </a:rPr>
+                        <a:t> complexity</a:t>
+                      </a:r>
+                      <a:endParaRPr lang="en-US" dirty="0">
+                        <a:solidFill>
+                          <a:schemeClr val="tx1"/>
+                        </a:solidFill>
+                        <a:latin typeface="Times New Roman" panose="02020603050405020304" pitchFamily="18" charset="0"/>
+                        <a:cs typeface="Times New Roman" panose="02020603050405020304" pitchFamily="18" charset="0"/>
+                      </a:endParaRPr>
+                    </a:p>
+                  </a:txBody>
+                  <a:tcPr anchor="ctr">
+                    <a:lnL w="12700" cap="flat" cmpd="sng" algn="ctr">
+                      <a:solidFill>
+                        <a:schemeClr val="tx1"/>
+                      </a:solidFill>
+                      <a:prstDash val="solid"/>
+                      <a:round/>
+                      <a:headEnd type="none" w="med" len="med"/>
+                      <a:tailEnd type="none" w="med" len="med"/>
+                    </a:lnL>
+                    <a:lnR w="12700" cap="flat" cmpd="sng" algn="ctr">
+                      <a:solidFill>
+                        <a:schemeClr val="tx1"/>
+                      </a:solidFill>
+                      <a:prstDash val="solid"/>
+                      <a:round/>
+                      <a:headEnd type="none" w="med" len="med"/>
+                      <a:tailEnd type="none" w="med" len="med"/>
+                    </a:lnR>
+                    <a:lnT w="12700" cap="flat" cmpd="sng" algn="ctr">
+                      <a:solidFill>
+                        <a:schemeClr val="tx1"/>
+                      </a:solidFill>
+                      <a:prstDash val="solid"/>
+                      <a:round/>
+                      <a:headEnd type="none" w="med" len="med"/>
+                      <a:tailEnd type="none" w="med" len="med"/>
+                    </a:lnT>
+                    <a:lnB w="12700" cap="flat" cmpd="sng" algn="ctr">
+                      <a:solidFill>
+                        <a:schemeClr val="tx1"/>
+                      </a:solidFill>
+                      <a:prstDash val="solid"/>
+                      <a:round/>
+                      <a:headEnd type="none" w="med" len="med"/>
+                      <a:tailEnd type="none" w="med" len="med"/>
+                    </a:lnB>
+                    <a:noFill/>
+                  </a:tcPr>
+                </a:tc>
+                <a:extLst>
+                  <a:ext uri="{0D108BD9-81ED-4DB2-BD59-A6C34878D82A}">
+                    <a16:rowId xmlns:a16="http://schemas.microsoft.com/office/drawing/2014/main" val="4275570003"/>
+                  </a:ext>
+                </a:extLst>
+              </a:tr>
+            </a:tbl>
+          </a:graphicData>
+        </a:graphic>
+      </p:graphicFrame>
       <p:sp>
         <p:nvSpPr>
-          <p:cNvPr id="2" name="Title 1"/>
-          <p:cNvSpPr>
-            <a:spLocks noGrp="1"/>
+          <p:cNvPr id="6" name="Title 1"/>
+          <p:cNvSpPr txBox="1">
+            <a:spLocks/>
           </p:cNvSpPr>
-          <p:nvPr>
-            <p:ph type="title"/>
-          </p:nvPr>
-        </p:nvSpPr>
-        <p:spPr>
-          <a:xfrm>
-            <a:off x="609600" y="245455"/>
-            <a:ext cx="10972800" cy="673812"/>
-          </a:xfrm>
-        </p:spPr>
-        <p:txBody>
-          <a:bodyPr>
-            <a:normAutofit/>
-          </a:bodyPr>
-          <a:lstStyle/>
-          <a:p>
-            <a:r>
-              <a:rPr lang="en-US" sz="3600" b="1" dirty="0" smtClean="0">
-                <a:latin typeface="Times New Roman" panose="02020603050405020304" pitchFamily="18" charset="0"/>
-                <a:cs typeface="Times New Roman" panose="02020603050405020304" pitchFamily="18" charset="0"/>
-              </a:rPr>
-              <a:t>EXISTING SYSTEM</a:t>
-            </a:r>
-            <a:endParaRPr lang="en-US" sz="3600" b="1" dirty="0">
-              <a:latin typeface="Times New Roman" pitchFamily="18" charset="0"/>
-            </a:endParaRPr>
-          </a:p>
-        </p:txBody>
-      </p:sp>
-      <p:sp>
-        <p:nvSpPr>
-          <p:cNvPr id="3" name="TextBox 2">
-            <a:extLst>
-              <a:ext uri="{FF2B5EF4-FFF2-40B4-BE49-F238E27FC236}">
-                <a16:creationId xmlns:a16="http://schemas.microsoft.com/office/drawing/2014/main" id="{A8CC6EC7-53F3-9BB9-DC3B-4702CB186EB2}"/>
-              </a:ext>
-            </a:extLst>
-          </p:cNvPr>
-          <p:cNvSpPr txBox="1"/>
           <p:nvPr/>
         </p:nvSpPr>
         <p:spPr>
           <a:xfrm>
-            <a:off x="689264" y="818102"/>
-            <a:ext cx="10893136" cy="5632311"/>
+            <a:off x="609600" y="153091"/>
+            <a:ext cx="10972800" cy="673812"/>
           </a:xfrm>
           <a:prstGeom prst="rect">
             <a:avLst/>
           </a:prstGeom>
-          <a:noFill/>
         </p:spPr>
         <p:txBody>
-          <a:bodyPr wrap="square" rtlCol="0">
-            <a:spAutoFit/>
+          <a:bodyPr vert="horz" lIns="91440" tIns="45720" rIns="91440" bIns="45720" rtlCol="0" anchor="ctr">
+            <a:normAutofit/>
           </a:bodyPr>
-          <a:lstStyle/>
-          <a:p>
-            <a:pPr marL="342900" indent="-342900" algn="just">
-              <a:lnSpc>
-                <a:spcPct val="150000"/>
-              </a:lnSpc>
-              <a:buFont typeface="Wingdings" panose="05000000000000000000" pitchFamily="2" charset="2"/>
-              <a:buChar char="v"/>
-            </a:pPr>
-            <a:r>
-              <a:rPr lang="en-US" sz="2400" dirty="0">
+          <a:lstStyle>
+            <a:lvl1pPr algn="ctr" defTabSz="914400" rtl="0" eaLnBrk="1" latinLnBrk="0" hangingPunct="1">
+              <a:spcBef>
+                <a:spcPct val="0"/>
+              </a:spcBef>
+              <a:buNone/>
+              <a:defRPr sz="4400" kern="1200">
+                <a:solidFill>
+                  <a:schemeClr val="tx1"/>
+                </a:solidFill>
+                <a:latin typeface="+mj-lt"/>
+                <a:ea typeface="+mj-ea"/>
+                <a:cs typeface="+mj-cs"/>
+              </a:defRPr>
+            </a:lvl1pPr>
+          </a:lstStyle>
+          <a:p>
+            <a:r>
+              <a:rPr lang="en-US" sz="3600" b="1" smtClean="0">
                 <a:latin typeface="Times New Roman" panose="02020603050405020304" pitchFamily="18" charset="0"/>
                 <a:cs typeface="Times New Roman" panose="02020603050405020304" pitchFamily="18" charset="0"/>
               </a:rPr>
-              <a:t>Basic Encrypted Chat</a:t>
-            </a:r>
-            <a:r>
-              <a:rPr lang="en-US" sz="2400" dirty="0" smtClean="0">
-                <a:latin typeface="Times New Roman" panose="02020603050405020304" pitchFamily="18" charset="0"/>
-                <a:cs typeface="Times New Roman" panose="02020603050405020304" pitchFamily="18" charset="0"/>
-              </a:rPr>
-              <a:t>:</a:t>
-            </a:r>
-            <a:endParaRPr lang="en-US" sz="2400" dirty="0">
-              <a:latin typeface="Times New Roman" panose="02020603050405020304" pitchFamily="18" charset="0"/>
-              <a:cs typeface="Times New Roman" panose="02020603050405020304" pitchFamily="18" charset="0"/>
-            </a:endParaRPr>
-          </a:p>
-          <a:p>
-            <a:pPr lvl="1" algn="just">
-              <a:lnSpc>
-                <a:spcPct val="150000"/>
-              </a:lnSpc>
-            </a:pPr>
-            <a:r>
-              <a:rPr lang="en-US" sz="2400" dirty="0" smtClean="0">
-                <a:latin typeface="Times New Roman" panose="02020603050405020304" pitchFamily="18" charset="0"/>
-                <a:cs typeface="Times New Roman" panose="02020603050405020304" pitchFamily="18" charset="0"/>
-              </a:rPr>
-              <a:t>Typically</a:t>
-            </a:r>
-            <a:r>
-              <a:rPr lang="en-US" sz="2400" dirty="0">
-                <a:latin typeface="Times New Roman" panose="02020603050405020304" pitchFamily="18" charset="0"/>
-                <a:cs typeface="Times New Roman" panose="02020603050405020304" pitchFamily="18" charset="0"/>
-              </a:rPr>
-              <a:t>, existing chat applications use encryption protocols (e.g., TLS/SSL) to secure data in </a:t>
-            </a:r>
-            <a:r>
-              <a:rPr lang="en-US" sz="2400" dirty="0" smtClean="0">
-                <a:latin typeface="Times New Roman" panose="02020603050405020304" pitchFamily="18" charset="0"/>
-                <a:cs typeface="Times New Roman" panose="02020603050405020304" pitchFamily="18" charset="0"/>
-              </a:rPr>
-              <a:t>transit. However</a:t>
-            </a:r>
-            <a:r>
-              <a:rPr lang="en-US" sz="2400" dirty="0">
-                <a:latin typeface="Times New Roman" panose="02020603050405020304" pitchFamily="18" charset="0"/>
-                <a:cs typeface="Times New Roman" panose="02020603050405020304" pitchFamily="18" charset="0"/>
-              </a:rPr>
-              <a:t>, end-to-end encryption may not be universal, leaving potential vulnerabilities.</a:t>
-            </a:r>
-          </a:p>
-          <a:p>
-            <a:pPr marL="285750" indent="-285750" algn="just">
-              <a:lnSpc>
-                <a:spcPct val="150000"/>
-              </a:lnSpc>
-              <a:buFont typeface="Wingdings" panose="05000000000000000000" pitchFamily="2" charset="2"/>
-              <a:buChar char="v"/>
-            </a:pPr>
-            <a:r>
-              <a:rPr lang="en-US" sz="2400" dirty="0">
-                <a:latin typeface="Times New Roman" panose="02020603050405020304" pitchFamily="18" charset="0"/>
-                <a:cs typeface="Times New Roman" panose="02020603050405020304" pitchFamily="18" charset="0"/>
-              </a:rPr>
-              <a:t>User </a:t>
-            </a:r>
-            <a:r>
-              <a:rPr lang="en-US" sz="2400" dirty="0" smtClean="0">
-                <a:latin typeface="Times New Roman" panose="02020603050405020304" pitchFamily="18" charset="0"/>
-                <a:cs typeface="Times New Roman" panose="02020603050405020304" pitchFamily="18" charset="0"/>
-              </a:rPr>
-              <a:t>Authentication:</a:t>
-            </a:r>
-          </a:p>
-          <a:p>
-            <a:pPr algn="just">
-              <a:lnSpc>
-                <a:spcPct val="150000"/>
-              </a:lnSpc>
-            </a:pPr>
-            <a:r>
-              <a:rPr lang="en-US" sz="2400" dirty="0">
-                <a:latin typeface="Times New Roman" panose="02020603050405020304" pitchFamily="18" charset="0"/>
-                <a:cs typeface="Times New Roman" panose="02020603050405020304" pitchFamily="18" charset="0"/>
-              </a:rPr>
-              <a:t>	</a:t>
-            </a:r>
-            <a:r>
-              <a:rPr lang="en-US" sz="2400" dirty="0" smtClean="0">
-                <a:latin typeface="Times New Roman" panose="02020603050405020304" pitchFamily="18" charset="0"/>
-                <a:cs typeface="Times New Roman" panose="02020603050405020304" pitchFamily="18" charset="0"/>
-              </a:rPr>
-              <a:t>Commonly</a:t>
-            </a:r>
-            <a:r>
-              <a:rPr lang="en-US" sz="2400" dirty="0">
-                <a:latin typeface="Times New Roman" panose="02020603050405020304" pitchFamily="18" charset="0"/>
-                <a:cs typeface="Times New Roman" panose="02020603050405020304" pitchFamily="18" charset="0"/>
-              </a:rPr>
-              <a:t>, user authentication relies on usernames and </a:t>
-            </a:r>
-            <a:r>
-              <a:rPr lang="en-US" sz="2400" dirty="0" smtClean="0">
-                <a:latin typeface="Times New Roman" panose="02020603050405020304" pitchFamily="18" charset="0"/>
-                <a:cs typeface="Times New Roman" panose="02020603050405020304" pitchFamily="18" charset="0"/>
-              </a:rPr>
-              <a:t>passwords.</a:t>
-            </a:r>
-          </a:p>
-          <a:p>
-            <a:pPr algn="just">
-              <a:lnSpc>
-                <a:spcPct val="150000"/>
-              </a:lnSpc>
-            </a:pPr>
-            <a:r>
-              <a:rPr lang="en-US" sz="2400" dirty="0">
-                <a:latin typeface="Times New Roman" panose="02020603050405020304" pitchFamily="18" charset="0"/>
-                <a:cs typeface="Times New Roman" panose="02020603050405020304" pitchFamily="18" charset="0"/>
-              </a:rPr>
-              <a:t>	</a:t>
-            </a:r>
-            <a:r>
-              <a:rPr lang="en-US" sz="2400" dirty="0" smtClean="0">
-                <a:latin typeface="Times New Roman" panose="02020603050405020304" pitchFamily="18" charset="0"/>
-                <a:cs typeface="Times New Roman" panose="02020603050405020304" pitchFamily="18" charset="0"/>
-              </a:rPr>
-              <a:t>Centralized </a:t>
-            </a:r>
-            <a:r>
-              <a:rPr lang="en-US" sz="2400" dirty="0">
-                <a:latin typeface="Times New Roman" panose="02020603050405020304" pitchFamily="18" charset="0"/>
-                <a:cs typeface="Times New Roman" panose="02020603050405020304" pitchFamily="18" charset="0"/>
-              </a:rPr>
-              <a:t>authentication systems may pose risks if compromised.</a:t>
-            </a:r>
-          </a:p>
-          <a:p>
-            <a:pPr marL="285750" indent="-285750" algn="just">
-              <a:lnSpc>
-                <a:spcPct val="150000"/>
-              </a:lnSpc>
-              <a:buFont typeface="Wingdings" panose="05000000000000000000" pitchFamily="2" charset="2"/>
-              <a:buChar char="v"/>
-            </a:pPr>
-            <a:r>
-              <a:rPr lang="en-US" sz="2400" dirty="0">
-                <a:latin typeface="Times New Roman" panose="02020603050405020304" pitchFamily="18" charset="0"/>
-                <a:cs typeface="Times New Roman" panose="02020603050405020304" pitchFamily="18" charset="0"/>
-              </a:rPr>
-              <a:t>Centralized </a:t>
-            </a:r>
-            <a:r>
-              <a:rPr lang="en-US" sz="2400" dirty="0" smtClean="0">
-                <a:latin typeface="Times New Roman" panose="02020603050405020304" pitchFamily="18" charset="0"/>
-                <a:cs typeface="Times New Roman" panose="02020603050405020304" pitchFamily="18" charset="0"/>
-              </a:rPr>
-              <a:t>Server:</a:t>
-            </a:r>
-          </a:p>
-          <a:p>
-            <a:pPr lvl="1" algn="just">
-              <a:lnSpc>
-                <a:spcPct val="150000"/>
-              </a:lnSpc>
-            </a:pPr>
-            <a:r>
-              <a:rPr lang="en-US" sz="2400" dirty="0" smtClean="0">
-                <a:latin typeface="Times New Roman" panose="02020603050405020304" pitchFamily="18" charset="0"/>
-                <a:cs typeface="Times New Roman" panose="02020603050405020304" pitchFamily="18" charset="0"/>
-              </a:rPr>
-              <a:t>Most </a:t>
-            </a:r>
-            <a:r>
-              <a:rPr lang="en-US" sz="2400" dirty="0">
-                <a:latin typeface="Times New Roman" panose="02020603050405020304" pitchFamily="18" charset="0"/>
-                <a:cs typeface="Times New Roman" panose="02020603050405020304" pitchFamily="18" charset="0"/>
-              </a:rPr>
-              <a:t>chat applications use a centralized server architecture.</a:t>
-            </a:r>
-          </a:p>
-          <a:p>
-            <a:pPr algn="just">
-              <a:lnSpc>
-                <a:spcPct val="150000"/>
-              </a:lnSpc>
-            </a:pPr>
-            <a:r>
-              <a:rPr lang="en-US" sz="2400" dirty="0" smtClean="0">
-                <a:latin typeface="Times New Roman" panose="02020603050405020304" pitchFamily="18" charset="0"/>
-                <a:cs typeface="Times New Roman" panose="02020603050405020304" pitchFamily="18" charset="0"/>
-              </a:rPr>
-              <a:t>	This </a:t>
-            </a:r>
-            <a:r>
-              <a:rPr lang="en-US" sz="2400" dirty="0">
-                <a:latin typeface="Times New Roman" panose="02020603050405020304" pitchFamily="18" charset="0"/>
-                <a:cs typeface="Times New Roman" panose="02020603050405020304" pitchFamily="18" charset="0"/>
-              </a:rPr>
-              <a:t>introduces a single point of failure and potential security concerns</a:t>
-            </a:r>
-            <a:r>
-              <a:rPr lang="en-US" sz="2400" dirty="0" smtClean="0">
-                <a:latin typeface="Times New Roman" panose="02020603050405020304" pitchFamily="18" charset="0"/>
-                <a:cs typeface="Times New Roman" panose="02020603050405020304" pitchFamily="18" charset="0"/>
-              </a:rPr>
-              <a:t>.</a:t>
-            </a:r>
-            <a:endParaRPr lang="en-US" sz="2400" dirty="0">
-              <a:latin typeface="Times New Roman" panose="02020603050405020304" pitchFamily="18" charset="0"/>
-              <a:cs typeface="Times New Roman" panose="02020603050405020304" pitchFamily="18" charset="0"/>
+              <a:t>LITERATURE SURVEY</a:t>
+            </a:r>
+            <a:endParaRPr lang="en-US" sz="3600" b="1" dirty="0">
+              <a:latin typeface="Times New Roman" pitchFamily="18" charset="0"/>
             </a:endParaRPr>
           </a:p>
         </p:txBody>
@@ -10036,7 +12220,7 @@
     </p:spTree>
     <p:extLst>
       <p:ext uri="{BB962C8B-B14F-4D97-AF65-F5344CB8AC3E}">
-        <p14:creationId xmlns:p14="http://schemas.microsoft.com/office/powerpoint/2010/main" val="2041505513"/>
+        <p14:creationId xmlns:p14="http://schemas.microsoft.com/office/powerpoint/2010/main" val="42648815"/>
       </p:ext>
     </p:extLst>
   </p:cSld>
@@ -10085,7 +12269,7 @@
         </p:nvSpPr>
         <p:spPr>
           <a:xfrm>
-            <a:off x="609600" y="245455"/>
+            <a:off x="609600" y="153091"/>
             <a:ext cx="10972800" cy="673812"/>
           </a:xfrm>
         </p:spPr>
@@ -10100,7 +12284,7 @@
                 <a:latin typeface="Times New Roman" panose="02020603050405020304" pitchFamily="18" charset="0"/>
                 <a:cs typeface="Times New Roman" panose="02020603050405020304" pitchFamily="18" charset="0"/>
               </a:rPr>
-              <a:t>PROPOSED SYSTEM</a:t>
+              <a:t>LITERATURE SURVEY</a:t>
             </a:r>
             <a:endParaRPr lang="en-US" sz="3600" b="1" dirty="0">
               <a:latin typeface="Times New Roman" pitchFamily="18" charset="0"/>
@@ -10108,321 +12292,1516 @@
           </a:p>
         </p:txBody>
       </p:sp>
-      <p:sp>
-        <p:nvSpPr>
-          <p:cNvPr id="3" name="TextBox 2">
-            <a:extLst>
-              <a:ext uri="{FF2B5EF4-FFF2-40B4-BE49-F238E27FC236}">
-                <a16:creationId xmlns:a16="http://schemas.microsoft.com/office/drawing/2014/main" id="{A8CC6EC7-53F3-9BB9-DC3B-4702CB186EB2}"/>
-              </a:ext>
-            </a:extLst>
-          </p:cNvPr>
-          <p:cNvSpPr txBox="1"/>
-          <p:nvPr/>
-        </p:nvSpPr>
-        <p:spPr>
-          <a:xfrm>
-            <a:off x="649432" y="582361"/>
-            <a:ext cx="10893136" cy="6186309"/>
-          </a:xfrm>
-          <a:prstGeom prst="rect">
-            <a:avLst/>
-          </a:prstGeom>
-          <a:noFill/>
-        </p:spPr>
-        <p:txBody>
-          <a:bodyPr wrap="square" rtlCol="0">
-            <a:spAutoFit/>
-          </a:bodyPr>
-          <a:lstStyle/>
-          <a:p>
-            <a:pPr marL="285750" indent="-285750" algn="just">
-              <a:lnSpc>
-                <a:spcPct val="150000"/>
-              </a:lnSpc>
-              <a:buFont typeface="Wingdings" panose="05000000000000000000" pitchFamily="2" charset="2"/>
-              <a:buChar char="v"/>
-            </a:pPr>
-            <a:r>
-              <a:rPr lang="en-US" sz="2400" dirty="0">
-                <a:latin typeface="Times New Roman" panose="02020603050405020304" pitchFamily="18" charset="0"/>
-                <a:cs typeface="Times New Roman" panose="02020603050405020304" pitchFamily="18" charset="0"/>
-              </a:rPr>
-              <a:t>End-to-End Encryption</a:t>
-            </a:r>
-            <a:r>
-              <a:rPr lang="en-US" sz="2400" dirty="0" smtClean="0">
-                <a:latin typeface="Times New Roman" panose="02020603050405020304" pitchFamily="18" charset="0"/>
-                <a:cs typeface="Times New Roman" panose="02020603050405020304" pitchFamily="18" charset="0"/>
-              </a:rPr>
-              <a:t>:</a:t>
-            </a:r>
-            <a:endParaRPr lang="en-US" sz="2400" dirty="0">
-              <a:latin typeface="Times New Roman" panose="02020603050405020304" pitchFamily="18" charset="0"/>
-              <a:cs typeface="Times New Roman" panose="02020603050405020304" pitchFamily="18" charset="0"/>
-            </a:endParaRPr>
-          </a:p>
-          <a:p>
-            <a:pPr algn="just">
-              <a:lnSpc>
-                <a:spcPct val="150000"/>
-              </a:lnSpc>
-            </a:pPr>
-            <a:r>
-              <a:rPr lang="en-US" sz="2400" dirty="0" smtClean="0">
-                <a:latin typeface="Times New Roman" panose="02020603050405020304" pitchFamily="18" charset="0"/>
-                <a:cs typeface="Times New Roman" panose="02020603050405020304" pitchFamily="18" charset="0"/>
-              </a:rPr>
-              <a:t>	Implements </a:t>
-            </a:r>
-            <a:r>
-              <a:rPr lang="en-US" sz="2400" dirty="0">
-                <a:latin typeface="Times New Roman" panose="02020603050405020304" pitchFamily="18" charset="0"/>
-                <a:cs typeface="Times New Roman" panose="02020603050405020304" pitchFamily="18" charset="0"/>
-              </a:rPr>
-              <a:t>robust end-to-end encryption algorithms for secure communication.</a:t>
-            </a:r>
-          </a:p>
-          <a:p>
-            <a:pPr algn="just">
-              <a:lnSpc>
-                <a:spcPct val="150000"/>
-              </a:lnSpc>
-            </a:pPr>
-            <a:r>
-              <a:rPr lang="en-US" sz="2400" dirty="0" smtClean="0">
-                <a:latin typeface="Times New Roman" panose="02020603050405020304" pitchFamily="18" charset="0"/>
-                <a:cs typeface="Times New Roman" panose="02020603050405020304" pitchFamily="18" charset="0"/>
-              </a:rPr>
-              <a:t>	Ensures </a:t>
-            </a:r>
-            <a:r>
-              <a:rPr lang="en-US" sz="2400" dirty="0">
-                <a:latin typeface="Times New Roman" panose="02020603050405020304" pitchFamily="18" charset="0"/>
-                <a:cs typeface="Times New Roman" panose="02020603050405020304" pitchFamily="18" charset="0"/>
-              </a:rPr>
-              <a:t>that only the intended recipients can decrypt and access messages</a:t>
-            </a:r>
-            <a:r>
-              <a:rPr lang="en-US" sz="2400" dirty="0" smtClean="0">
-                <a:latin typeface="Times New Roman" panose="02020603050405020304" pitchFamily="18" charset="0"/>
-                <a:cs typeface="Times New Roman" panose="02020603050405020304" pitchFamily="18" charset="0"/>
-              </a:rPr>
-              <a:t>.</a:t>
-            </a:r>
-            <a:endParaRPr lang="en-US" sz="2400" dirty="0">
-              <a:latin typeface="Times New Roman" panose="02020603050405020304" pitchFamily="18" charset="0"/>
-              <a:cs typeface="Times New Roman" panose="02020603050405020304" pitchFamily="18" charset="0"/>
-            </a:endParaRPr>
-          </a:p>
-          <a:p>
-            <a:pPr marL="285750" indent="-285750" algn="just">
-              <a:lnSpc>
-                <a:spcPct val="150000"/>
-              </a:lnSpc>
-              <a:buFont typeface="Wingdings" panose="05000000000000000000" pitchFamily="2" charset="2"/>
-              <a:buChar char="v"/>
-            </a:pPr>
-            <a:r>
-              <a:rPr lang="en-US" sz="2400" dirty="0" smtClean="0">
-                <a:latin typeface="Times New Roman" panose="02020603050405020304" pitchFamily="18" charset="0"/>
-                <a:cs typeface="Times New Roman" panose="02020603050405020304" pitchFamily="18" charset="0"/>
-              </a:rPr>
-              <a:t>Block-chain </a:t>
-            </a:r>
-            <a:r>
-              <a:rPr lang="en-US" sz="2400" dirty="0">
-                <a:latin typeface="Times New Roman" panose="02020603050405020304" pitchFamily="18" charset="0"/>
-                <a:cs typeface="Times New Roman" panose="02020603050405020304" pitchFamily="18" charset="0"/>
-              </a:rPr>
-              <a:t>Authentication</a:t>
-            </a:r>
-            <a:r>
-              <a:rPr lang="en-US" sz="2400" dirty="0" smtClean="0">
-                <a:latin typeface="Times New Roman" panose="02020603050405020304" pitchFamily="18" charset="0"/>
-                <a:cs typeface="Times New Roman" panose="02020603050405020304" pitchFamily="18" charset="0"/>
-              </a:rPr>
-              <a:t>:</a:t>
-            </a:r>
-            <a:endParaRPr lang="en-US" sz="2400" dirty="0">
-              <a:latin typeface="Times New Roman" panose="02020603050405020304" pitchFamily="18" charset="0"/>
-              <a:cs typeface="Times New Roman" panose="02020603050405020304" pitchFamily="18" charset="0"/>
-            </a:endParaRPr>
-          </a:p>
-          <a:p>
-            <a:pPr algn="just">
-              <a:lnSpc>
-                <a:spcPct val="150000"/>
-              </a:lnSpc>
-            </a:pPr>
-            <a:r>
-              <a:rPr lang="en-US" sz="2400" dirty="0" smtClean="0">
-                <a:latin typeface="Times New Roman" panose="02020603050405020304" pitchFamily="18" charset="0"/>
-                <a:cs typeface="Times New Roman" panose="02020603050405020304" pitchFamily="18" charset="0"/>
-              </a:rPr>
-              <a:t>	Leverages block-chain </a:t>
-            </a:r>
-            <a:r>
-              <a:rPr lang="en-US" sz="2400" dirty="0">
-                <a:latin typeface="Times New Roman" panose="02020603050405020304" pitchFamily="18" charset="0"/>
-                <a:cs typeface="Times New Roman" panose="02020603050405020304" pitchFamily="18" charset="0"/>
-              </a:rPr>
-              <a:t>for user authentication.</a:t>
-            </a:r>
-          </a:p>
-          <a:p>
-            <a:pPr algn="just">
-              <a:lnSpc>
-                <a:spcPct val="150000"/>
-              </a:lnSpc>
-            </a:pPr>
-            <a:r>
-              <a:rPr lang="en-US" sz="2400" dirty="0" smtClean="0">
-                <a:latin typeface="Times New Roman" panose="02020603050405020304" pitchFamily="18" charset="0"/>
-                <a:cs typeface="Times New Roman" panose="02020603050405020304" pitchFamily="18" charset="0"/>
-              </a:rPr>
-              <a:t>	Each </a:t>
-            </a:r>
-            <a:r>
-              <a:rPr lang="en-US" sz="2400" dirty="0">
-                <a:latin typeface="Times New Roman" panose="02020603050405020304" pitchFamily="18" charset="0"/>
-                <a:cs typeface="Times New Roman" panose="02020603050405020304" pitchFamily="18" charset="0"/>
-              </a:rPr>
-              <a:t>user has a unique identifier on the </a:t>
-            </a:r>
-            <a:r>
-              <a:rPr lang="en-US" sz="2400" dirty="0" smtClean="0">
-                <a:latin typeface="Times New Roman" panose="02020603050405020304" pitchFamily="18" charset="0"/>
-                <a:cs typeface="Times New Roman" panose="02020603050405020304" pitchFamily="18" charset="0"/>
-              </a:rPr>
-              <a:t>block-chain</a:t>
-            </a:r>
-            <a:r>
-              <a:rPr lang="en-US" sz="2400" dirty="0">
-                <a:latin typeface="Times New Roman" panose="02020603050405020304" pitchFamily="18" charset="0"/>
-                <a:cs typeface="Times New Roman" panose="02020603050405020304" pitchFamily="18" charset="0"/>
-              </a:rPr>
-              <a:t>, enhancing security and </a:t>
-            </a:r>
-            <a:r>
-              <a:rPr lang="en-US" sz="2400" dirty="0" smtClean="0">
-                <a:latin typeface="Times New Roman" panose="02020603050405020304" pitchFamily="18" charset="0"/>
-                <a:cs typeface="Times New Roman" panose="02020603050405020304" pitchFamily="18" charset="0"/>
-              </a:rPr>
-              <a:t>	decentralizing </a:t>
-            </a:r>
-            <a:r>
-              <a:rPr lang="en-US" sz="2400" dirty="0">
-                <a:latin typeface="Times New Roman" panose="02020603050405020304" pitchFamily="18" charset="0"/>
-                <a:cs typeface="Times New Roman" panose="02020603050405020304" pitchFamily="18" charset="0"/>
-              </a:rPr>
-              <a:t>user management</a:t>
-            </a:r>
-            <a:r>
-              <a:rPr lang="en-US" sz="2400" dirty="0" smtClean="0">
-                <a:latin typeface="Times New Roman" panose="02020603050405020304" pitchFamily="18" charset="0"/>
-                <a:cs typeface="Times New Roman" panose="02020603050405020304" pitchFamily="18" charset="0"/>
-              </a:rPr>
-              <a:t>.</a:t>
-            </a:r>
-            <a:endParaRPr lang="en-US" sz="2400" dirty="0">
-              <a:latin typeface="Times New Roman" panose="02020603050405020304" pitchFamily="18" charset="0"/>
-              <a:cs typeface="Times New Roman" panose="02020603050405020304" pitchFamily="18" charset="0"/>
-            </a:endParaRPr>
-          </a:p>
-          <a:p>
-            <a:pPr marL="285750" indent="-285750" algn="just">
-              <a:lnSpc>
-                <a:spcPct val="150000"/>
-              </a:lnSpc>
-              <a:buFont typeface="Wingdings" panose="05000000000000000000" pitchFamily="2" charset="2"/>
-              <a:buChar char="v"/>
-            </a:pPr>
-            <a:r>
-              <a:rPr lang="en-US" sz="2400" dirty="0">
-                <a:latin typeface="Times New Roman" panose="02020603050405020304" pitchFamily="18" charset="0"/>
-                <a:cs typeface="Times New Roman" panose="02020603050405020304" pitchFamily="18" charset="0"/>
-              </a:rPr>
-              <a:t>Decentralized Message Integrity</a:t>
-            </a:r>
-            <a:r>
-              <a:rPr lang="en-US" sz="2400" dirty="0" smtClean="0">
-                <a:latin typeface="Times New Roman" panose="02020603050405020304" pitchFamily="18" charset="0"/>
-                <a:cs typeface="Times New Roman" panose="02020603050405020304" pitchFamily="18" charset="0"/>
-              </a:rPr>
-              <a:t>:</a:t>
-            </a:r>
-            <a:endParaRPr lang="en-US" sz="2400" dirty="0">
-              <a:latin typeface="Times New Roman" panose="02020603050405020304" pitchFamily="18" charset="0"/>
-              <a:cs typeface="Times New Roman" panose="02020603050405020304" pitchFamily="18" charset="0"/>
-            </a:endParaRPr>
-          </a:p>
-          <a:p>
-            <a:pPr algn="just">
-              <a:lnSpc>
-                <a:spcPct val="150000"/>
-              </a:lnSpc>
-            </a:pPr>
-            <a:r>
-              <a:rPr lang="en-US" sz="2400" dirty="0" smtClean="0">
-                <a:latin typeface="Times New Roman" panose="02020603050405020304" pitchFamily="18" charset="0"/>
-                <a:cs typeface="Times New Roman" panose="02020603050405020304" pitchFamily="18" charset="0"/>
-              </a:rPr>
-              <a:t>	Uses block-chain </a:t>
-            </a:r>
-            <a:r>
-              <a:rPr lang="en-US" sz="2400" dirty="0">
-                <a:latin typeface="Times New Roman" panose="02020603050405020304" pitchFamily="18" charset="0"/>
-                <a:cs typeface="Times New Roman" panose="02020603050405020304" pitchFamily="18" charset="0"/>
-              </a:rPr>
-              <a:t>as a distributed ledger for storing message metadata.</a:t>
-            </a:r>
-          </a:p>
-          <a:p>
-            <a:pPr algn="just">
-              <a:lnSpc>
-                <a:spcPct val="150000"/>
-              </a:lnSpc>
-            </a:pPr>
-            <a:r>
-              <a:rPr lang="en-US" sz="2400" dirty="0" smtClean="0">
-                <a:latin typeface="Times New Roman" panose="02020603050405020304" pitchFamily="18" charset="0"/>
-                <a:cs typeface="Times New Roman" panose="02020603050405020304" pitchFamily="18" charset="0"/>
-              </a:rPr>
-              <a:t>	Ensures </a:t>
-            </a:r>
-            <a:r>
-              <a:rPr lang="en-US" sz="2400" dirty="0">
-                <a:latin typeface="Times New Roman" panose="02020603050405020304" pitchFamily="18" charset="0"/>
-                <a:cs typeface="Times New Roman" panose="02020603050405020304" pitchFamily="18" charset="0"/>
-              </a:rPr>
-              <a:t>the integrity and tamper-resistance of messages with timestamping on the </a:t>
-            </a:r>
-            <a:r>
-              <a:rPr lang="en-US" sz="2400" dirty="0" smtClean="0">
-                <a:latin typeface="Times New Roman" panose="02020603050405020304" pitchFamily="18" charset="0"/>
-                <a:cs typeface="Times New Roman" panose="02020603050405020304" pitchFamily="18" charset="0"/>
-              </a:rPr>
-              <a:t>	block-chain</a:t>
-            </a:r>
-            <a:r>
-              <a:rPr lang="en-US" sz="2400" dirty="0">
-                <a:latin typeface="Times New Roman" panose="02020603050405020304" pitchFamily="18" charset="0"/>
-                <a:cs typeface="Times New Roman" panose="02020603050405020304" pitchFamily="18" charset="0"/>
-              </a:rPr>
-              <a:t>.</a:t>
-            </a:r>
-            <a:endParaRPr lang="en-US" sz="2400" dirty="0">
-              <a:latin typeface="Times New Roman" panose="02020603050405020304" pitchFamily="18" charset="0"/>
-              <a:cs typeface="Times New Roman" panose="02020603050405020304" pitchFamily="18" charset="0"/>
-            </a:endParaRPr>
-          </a:p>
-        </p:txBody>
-      </p:sp>
+      <p:graphicFrame>
+        <p:nvGraphicFramePr>
+          <p:cNvPr id="3" name="Table 2"/>
+          <p:cNvGraphicFramePr>
+            <a:graphicFrameLocks noGrp="1"/>
+          </p:cNvGraphicFramePr>
+          <p:nvPr>
+            <p:extLst/>
+          </p:nvPr>
+        </p:nvGraphicFramePr>
+        <p:xfrm>
+          <a:off x="609600" y="817671"/>
+          <a:ext cx="10972800" cy="5837358"/>
+        </p:xfrm>
+        <a:graphic>
+          <a:graphicData uri="http://schemas.openxmlformats.org/drawingml/2006/table">
+            <a:tbl>
+              <a:tblPr firstRow="1" bandRow="1">
+                <a:tableStyleId>{5C22544A-7EE6-4342-B048-85BDC9FD1C3A}</a:tableStyleId>
+              </a:tblPr>
+              <a:tblGrid>
+                <a:gridCol w="960582">
+                  <a:extLst>
+                    <a:ext uri="{9D8B030D-6E8A-4147-A177-3AD203B41FA5}">
+                      <a16:colId xmlns:a16="http://schemas.microsoft.com/office/drawing/2014/main" val="650890123"/>
+                    </a:ext>
+                  </a:extLst>
+                </a:gridCol>
+                <a:gridCol w="2068945">
+                  <a:extLst>
+                    <a:ext uri="{9D8B030D-6E8A-4147-A177-3AD203B41FA5}">
+                      <a16:colId xmlns:a16="http://schemas.microsoft.com/office/drawing/2014/main" val="3364458840"/>
+                    </a:ext>
+                  </a:extLst>
+                </a:gridCol>
+                <a:gridCol w="3241964">
+                  <a:extLst>
+                    <a:ext uri="{9D8B030D-6E8A-4147-A177-3AD203B41FA5}">
+                      <a16:colId xmlns:a16="http://schemas.microsoft.com/office/drawing/2014/main" val="1934009595"/>
+                    </a:ext>
+                  </a:extLst>
+                </a:gridCol>
+                <a:gridCol w="1542473">
+                  <a:extLst>
+                    <a:ext uri="{9D8B030D-6E8A-4147-A177-3AD203B41FA5}">
+                      <a16:colId xmlns:a16="http://schemas.microsoft.com/office/drawing/2014/main" val="2106811707"/>
+                    </a:ext>
+                  </a:extLst>
+                </a:gridCol>
+                <a:gridCol w="1520536">
+                  <a:extLst>
+                    <a:ext uri="{9D8B030D-6E8A-4147-A177-3AD203B41FA5}">
+                      <a16:colId xmlns:a16="http://schemas.microsoft.com/office/drawing/2014/main" val="4161205106"/>
+                    </a:ext>
+                  </a:extLst>
+                </a:gridCol>
+                <a:gridCol w="1638300">
+                  <a:extLst>
+                    <a:ext uri="{9D8B030D-6E8A-4147-A177-3AD203B41FA5}">
+                      <a16:colId xmlns:a16="http://schemas.microsoft.com/office/drawing/2014/main" val="2191810521"/>
+                    </a:ext>
+                  </a:extLst>
+                </a:gridCol>
+              </a:tblGrid>
+              <a:tr h="716718">
+                <a:tc>
+                  <a:txBody>
+                    <a:bodyPr/>
+                    <a:lstStyle/>
+                    <a:p>
+                      <a:pPr algn="ctr"/>
+                      <a:r>
+                        <a:rPr lang="en-US" dirty="0" smtClean="0">
+                          <a:solidFill>
+                            <a:schemeClr val="tx1"/>
+                          </a:solidFill>
+                          <a:latin typeface="Times New Roman" panose="02020603050405020304" pitchFamily="18" charset="0"/>
+                          <a:cs typeface="Times New Roman" panose="02020603050405020304" pitchFamily="18" charset="0"/>
+                        </a:rPr>
+                        <a:t>Serial No:</a:t>
+                      </a:r>
+                      <a:endParaRPr lang="en-US" dirty="0">
+                        <a:solidFill>
+                          <a:schemeClr val="tx1"/>
+                        </a:solidFill>
+                        <a:latin typeface="Times New Roman" panose="02020603050405020304" pitchFamily="18" charset="0"/>
+                        <a:cs typeface="Times New Roman" panose="02020603050405020304" pitchFamily="18" charset="0"/>
+                      </a:endParaRPr>
+                    </a:p>
+                  </a:txBody>
+                  <a:tcPr anchor="ctr">
+                    <a:lnL w="12700" cap="flat" cmpd="sng" algn="ctr">
+                      <a:solidFill>
+                        <a:schemeClr val="tx1"/>
+                      </a:solidFill>
+                      <a:prstDash val="solid"/>
+                      <a:round/>
+                      <a:headEnd type="none" w="med" len="med"/>
+                      <a:tailEnd type="none" w="med" len="med"/>
+                    </a:lnL>
+                    <a:lnR w="12700" cap="flat" cmpd="sng" algn="ctr">
+                      <a:solidFill>
+                        <a:schemeClr val="tx1"/>
+                      </a:solidFill>
+                      <a:prstDash val="solid"/>
+                      <a:round/>
+                      <a:headEnd type="none" w="med" len="med"/>
+                      <a:tailEnd type="none" w="med" len="med"/>
+                    </a:lnR>
+                    <a:lnT w="12700" cap="flat" cmpd="sng" algn="ctr">
+                      <a:solidFill>
+                        <a:schemeClr val="tx1"/>
+                      </a:solidFill>
+                      <a:prstDash val="solid"/>
+                      <a:round/>
+                      <a:headEnd type="none" w="med" len="med"/>
+                      <a:tailEnd type="none" w="med" len="med"/>
+                    </a:lnT>
+                    <a:lnB w="12700" cap="flat" cmpd="sng" algn="ctr">
+                      <a:solidFill>
+                        <a:schemeClr val="tx1"/>
+                      </a:solidFill>
+                      <a:prstDash val="solid"/>
+                      <a:round/>
+                      <a:headEnd type="none" w="med" len="med"/>
+                      <a:tailEnd type="none" w="med" len="med"/>
+                    </a:lnB>
+                    <a:solidFill>
+                      <a:schemeClr val="bg1">
+                        <a:lumMod val="75000"/>
+                      </a:schemeClr>
+                    </a:solidFill>
+                  </a:tcPr>
+                </a:tc>
+                <a:tc>
+                  <a:txBody>
+                    <a:bodyPr/>
+                    <a:lstStyle/>
+                    <a:p>
+                      <a:pPr algn="ctr"/>
+                      <a:r>
+                        <a:rPr lang="en-US" dirty="0" smtClean="0">
+                          <a:solidFill>
+                            <a:schemeClr val="tx1"/>
+                          </a:solidFill>
+                          <a:latin typeface="Times New Roman" panose="02020603050405020304" pitchFamily="18" charset="0"/>
+                          <a:cs typeface="Times New Roman" panose="02020603050405020304" pitchFamily="18" charset="0"/>
+                        </a:rPr>
+                        <a:t>Author</a:t>
+                      </a:r>
+                      <a:r>
+                        <a:rPr lang="en-US" baseline="0" dirty="0" smtClean="0">
+                          <a:solidFill>
+                            <a:schemeClr val="tx1"/>
+                          </a:solidFill>
+                          <a:latin typeface="Times New Roman" panose="02020603050405020304" pitchFamily="18" charset="0"/>
+                          <a:cs typeface="Times New Roman" panose="02020603050405020304" pitchFamily="18" charset="0"/>
+                        </a:rPr>
+                        <a:t> name, Title and date</a:t>
+                      </a:r>
+                      <a:endParaRPr lang="en-US" dirty="0">
+                        <a:solidFill>
+                          <a:schemeClr val="tx1"/>
+                        </a:solidFill>
+                        <a:latin typeface="Times New Roman" panose="02020603050405020304" pitchFamily="18" charset="0"/>
+                        <a:cs typeface="Times New Roman" panose="02020603050405020304" pitchFamily="18" charset="0"/>
+                      </a:endParaRPr>
+                    </a:p>
+                  </a:txBody>
+                  <a:tcPr anchor="ctr">
+                    <a:lnL w="12700" cap="flat" cmpd="sng" algn="ctr">
+                      <a:solidFill>
+                        <a:schemeClr val="tx1"/>
+                      </a:solidFill>
+                      <a:prstDash val="solid"/>
+                      <a:round/>
+                      <a:headEnd type="none" w="med" len="med"/>
+                      <a:tailEnd type="none" w="med" len="med"/>
+                    </a:lnL>
+                    <a:lnR w="12700" cap="flat" cmpd="sng" algn="ctr">
+                      <a:solidFill>
+                        <a:schemeClr val="tx1"/>
+                      </a:solidFill>
+                      <a:prstDash val="solid"/>
+                      <a:round/>
+                      <a:headEnd type="none" w="med" len="med"/>
+                      <a:tailEnd type="none" w="med" len="med"/>
+                    </a:lnR>
+                    <a:lnT w="12700" cap="flat" cmpd="sng" algn="ctr">
+                      <a:solidFill>
+                        <a:schemeClr val="tx1"/>
+                      </a:solidFill>
+                      <a:prstDash val="solid"/>
+                      <a:round/>
+                      <a:headEnd type="none" w="med" len="med"/>
+                      <a:tailEnd type="none" w="med" len="med"/>
+                    </a:lnT>
+                    <a:lnB w="12700" cap="flat" cmpd="sng" algn="ctr">
+                      <a:solidFill>
+                        <a:schemeClr val="tx1"/>
+                      </a:solidFill>
+                      <a:prstDash val="solid"/>
+                      <a:round/>
+                      <a:headEnd type="none" w="med" len="med"/>
+                      <a:tailEnd type="none" w="med" len="med"/>
+                    </a:lnB>
+                    <a:solidFill>
+                      <a:schemeClr val="bg1">
+                        <a:lumMod val="75000"/>
+                      </a:schemeClr>
+                    </a:solidFill>
+                  </a:tcPr>
+                </a:tc>
+                <a:tc>
+                  <a:txBody>
+                    <a:bodyPr/>
+                    <a:lstStyle/>
+                    <a:p>
+                      <a:pPr algn="ctr"/>
+                      <a:r>
+                        <a:rPr lang="en-US" dirty="0" smtClean="0">
+                          <a:solidFill>
+                            <a:schemeClr val="tx1"/>
+                          </a:solidFill>
+                          <a:latin typeface="Times New Roman" panose="02020603050405020304" pitchFamily="18" charset="0"/>
+                          <a:cs typeface="Times New Roman" panose="02020603050405020304" pitchFamily="18" charset="0"/>
+                        </a:rPr>
+                        <a:t>Concept</a:t>
+                      </a:r>
+                      <a:endParaRPr lang="en-US" dirty="0">
+                        <a:solidFill>
+                          <a:schemeClr val="tx1"/>
+                        </a:solidFill>
+                        <a:latin typeface="Times New Roman" panose="02020603050405020304" pitchFamily="18" charset="0"/>
+                        <a:cs typeface="Times New Roman" panose="02020603050405020304" pitchFamily="18" charset="0"/>
+                      </a:endParaRPr>
+                    </a:p>
+                  </a:txBody>
+                  <a:tcPr anchor="ctr">
+                    <a:lnL w="12700" cap="flat" cmpd="sng" algn="ctr">
+                      <a:solidFill>
+                        <a:schemeClr val="tx1"/>
+                      </a:solidFill>
+                      <a:prstDash val="solid"/>
+                      <a:round/>
+                      <a:headEnd type="none" w="med" len="med"/>
+                      <a:tailEnd type="none" w="med" len="med"/>
+                    </a:lnL>
+                    <a:lnR w="12700" cap="flat" cmpd="sng" algn="ctr">
+                      <a:solidFill>
+                        <a:schemeClr val="tx1"/>
+                      </a:solidFill>
+                      <a:prstDash val="solid"/>
+                      <a:round/>
+                      <a:headEnd type="none" w="med" len="med"/>
+                      <a:tailEnd type="none" w="med" len="med"/>
+                    </a:lnR>
+                    <a:lnT w="12700" cap="flat" cmpd="sng" algn="ctr">
+                      <a:solidFill>
+                        <a:schemeClr val="tx1"/>
+                      </a:solidFill>
+                      <a:prstDash val="solid"/>
+                      <a:round/>
+                      <a:headEnd type="none" w="med" len="med"/>
+                      <a:tailEnd type="none" w="med" len="med"/>
+                    </a:lnT>
+                    <a:lnB w="12700" cap="flat" cmpd="sng" algn="ctr">
+                      <a:solidFill>
+                        <a:schemeClr val="tx1"/>
+                      </a:solidFill>
+                      <a:prstDash val="solid"/>
+                      <a:round/>
+                      <a:headEnd type="none" w="med" len="med"/>
+                      <a:tailEnd type="none" w="med" len="med"/>
+                    </a:lnB>
+                    <a:solidFill>
+                      <a:schemeClr val="bg1">
+                        <a:lumMod val="75000"/>
+                      </a:schemeClr>
+                    </a:solidFill>
+                  </a:tcPr>
+                </a:tc>
+                <a:tc>
+                  <a:txBody>
+                    <a:bodyPr/>
+                    <a:lstStyle/>
+                    <a:p>
+                      <a:pPr algn="ctr"/>
+                      <a:r>
+                        <a:rPr lang="en-US" dirty="0" smtClean="0">
+                          <a:solidFill>
+                            <a:schemeClr val="tx1"/>
+                          </a:solidFill>
+                          <a:latin typeface="Times New Roman" panose="02020603050405020304" pitchFamily="18" charset="0"/>
+                          <a:cs typeface="Times New Roman" panose="02020603050405020304" pitchFamily="18" charset="0"/>
+                        </a:rPr>
+                        <a:t>Technique (Algorithm)</a:t>
+                      </a:r>
+                      <a:endParaRPr lang="en-US" dirty="0">
+                        <a:solidFill>
+                          <a:schemeClr val="tx1"/>
+                        </a:solidFill>
+                        <a:latin typeface="Times New Roman" panose="02020603050405020304" pitchFamily="18" charset="0"/>
+                        <a:cs typeface="Times New Roman" panose="02020603050405020304" pitchFamily="18" charset="0"/>
+                      </a:endParaRPr>
+                    </a:p>
+                  </a:txBody>
+                  <a:tcPr anchor="ctr">
+                    <a:lnL w="12700" cap="flat" cmpd="sng" algn="ctr">
+                      <a:solidFill>
+                        <a:schemeClr val="tx1"/>
+                      </a:solidFill>
+                      <a:prstDash val="solid"/>
+                      <a:round/>
+                      <a:headEnd type="none" w="med" len="med"/>
+                      <a:tailEnd type="none" w="med" len="med"/>
+                    </a:lnL>
+                    <a:lnR w="12700" cap="flat" cmpd="sng" algn="ctr">
+                      <a:solidFill>
+                        <a:schemeClr val="tx1"/>
+                      </a:solidFill>
+                      <a:prstDash val="solid"/>
+                      <a:round/>
+                      <a:headEnd type="none" w="med" len="med"/>
+                      <a:tailEnd type="none" w="med" len="med"/>
+                    </a:lnR>
+                    <a:lnT w="12700" cap="flat" cmpd="sng" algn="ctr">
+                      <a:solidFill>
+                        <a:schemeClr val="tx1"/>
+                      </a:solidFill>
+                      <a:prstDash val="solid"/>
+                      <a:round/>
+                      <a:headEnd type="none" w="med" len="med"/>
+                      <a:tailEnd type="none" w="med" len="med"/>
+                    </a:lnT>
+                    <a:lnB w="12700" cap="flat" cmpd="sng" algn="ctr">
+                      <a:solidFill>
+                        <a:schemeClr val="tx1"/>
+                      </a:solidFill>
+                      <a:prstDash val="solid"/>
+                      <a:round/>
+                      <a:headEnd type="none" w="med" len="med"/>
+                      <a:tailEnd type="none" w="med" len="med"/>
+                    </a:lnB>
+                    <a:solidFill>
+                      <a:schemeClr val="bg1">
+                        <a:lumMod val="75000"/>
+                      </a:schemeClr>
+                    </a:solidFill>
+                  </a:tcPr>
+                </a:tc>
+                <a:tc>
+                  <a:txBody>
+                    <a:bodyPr/>
+                    <a:lstStyle/>
+                    <a:p>
+                      <a:pPr algn="ctr"/>
+                      <a:r>
+                        <a:rPr lang="en-US" dirty="0" smtClean="0">
+                          <a:solidFill>
+                            <a:schemeClr val="tx1"/>
+                          </a:solidFill>
+                          <a:latin typeface="Times New Roman" panose="02020603050405020304" pitchFamily="18" charset="0"/>
+                          <a:cs typeface="Times New Roman" panose="02020603050405020304" pitchFamily="18" charset="0"/>
+                        </a:rPr>
+                        <a:t>Advantages</a:t>
+                      </a:r>
+                      <a:endParaRPr lang="en-US" dirty="0">
+                        <a:solidFill>
+                          <a:schemeClr val="tx1"/>
+                        </a:solidFill>
+                        <a:latin typeface="Times New Roman" panose="02020603050405020304" pitchFamily="18" charset="0"/>
+                        <a:cs typeface="Times New Roman" panose="02020603050405020304" pitchFamily="18" charset="0"/>
+                      </a:endParaRPr>
+                    </a:p>
+                  </a:txBody>
+                  <a:tcPr anchor="ctr">
+                    <a:lnL w="12700" cap="flat" cmpd="sng" algn="ctr">
+                      <a:solidFill>
+                        <a:schemeClr val="tx1"/>
+                      </a:solidFill>
+                      <a:prstDash val="solid"/>
+                      <a:round/>
+                      <a:headEnd type="none" w="med" len="med"/>
+                      <a:tailEnd type="none" w="med" len="med"/>
+                    </a:lnL>
+                    <a:lnR w="12700" cap="flat" cmpd="sng" algn="ctr">
+                      <a:solidFill>
+                        <a:schemeClr val="tx1"/>
+                      </a:solidFill>
+                      <a:prstDash val="solid"/>
+                      <a:round/>
+                      <a:headEnd type="none" w="med" len="med"/>
+                      <a:tailEnd type="none" w="med" len="med"/>
+                    </a:lnR>
+                    <a:lnT w="12700" cap="flat" cmpd="sng" algn="ctr">
+                      <a:solidFill>
+                        <a:schemeClr val="tx1"/>
+                      </a:solidFill>
+                      <a:prstDash val="solid"/>
+                      <a:round/>
+                      <a:headEnd type="none" w="med" len="med"/>
+                      <a:tailEnd type="none" w="med" len="med"/>
+                    </a:lnT>
+                    <a:lnB w="12700" cap="flat" cmpd="sng" algn="ctr">
+                      <a:solidFill>
+                        <a:schemeClr val="tx1"/>
+                      </a:solidFill>
+                      <a:prstDash val="solid"/>
+                      <a:round/>
+                      <a:headEnd type="none" w="med" len="med"/>
+                      <a:tailEnd type="none" w="med" len="med"/>
+                    </a:lnB>
+                    <a:solidFill>
+                      <a:schemeClr val="bg1">
+                        <a:lumMod val="75000"/>
+                      </a:schemeClr>
+                    </a:solidFill>
+                  </a:tcPr>
+                </a:tc>
+                <a:tc>
+                  <a:txBody>
+                    <a:bodyPr/>
+                    <a:lstStyle/>
+                    <a:p>
+                      <a:pPr algn="ctr"/>
+                      <a:r>
+                        <a:rPr lang="en-US" dirty="0" smtClean="0">
+                          <a:solidFill>
+                            <a:schemeClr val="tx1"/>
+                          </a:solidFill>
+                          <a:latin typeface="Times New Roman" panose="02020603050405020304" pitchFamily="18" charset="0"/>
+                          <a:cs typeface="Times New Roman" panose="02020603050405020304" pitchFamily="18" charset="0"/>
+                        </a:rPr>
+                        <a:t>Disadvantaged</a:t>
+                      </a:r>
+                      <a:endParaRPr lang="en-US" dirty="0">
+                        <a:solidFill>
+                          <a:schemeClr val="tx1"/>
+                        </a:solidFill>
+                        <a:latin typeface="Times New Roman" panose="02020603050405020304" pitchFamily="18" charset="0"/>
+                        <a:cs typeface="Times New Roman" panose="02020603050405020304" pitchFamily="18" charset="0"/>
+                      </a:endParaRPr>
+                    </a:p>
+                  </a:txBody>
+                  <a:tcPr anchor="ctr">
+                    <a:lnL w="12700" cap="flat" cmpd="sng" algn="ctr">
+                      <a:solidFill>
+                        <a:schemeClr val="tx1"/>
+                      </a:solidFill>
+                      <a:prstDash val="solid"/>
+                      <a:round/>
+                      <a:headEnd type="none" w="med" len="med"/>
+                      <a:tailEnd type="none" w="med" len="med"/>
+                    </a:lnL>
+                    <a:lnR w="12700" cap="flat" cmpd="sng" algn="ctr">
+                      <a:solidFill>
+                        <a:schemeClr val="tx1"/>
+                      </a:solidFill>
+                      <a:prstDash val="solid"/>
+                      <a:round/>
+                      <a:headEnd type="none" w="med" len="med"/>
+                      <a:tailEnd type="none" w="med" len="med"/>
+                    </a:lnR>
+                    <a:lnT w="12700" cap="flat" cmpd="sng" algn="ctr">
+                      <a:solidFill>
+                        <a:schemeClr val="tx1"/>
+                      </a:solidFill>
+                      <a:prstDash val="solid"/>
+                      <a:round/>
+                      <a:headEnd type="none" w="med" len="med"/>
+                      <a:tailEnd type="none" w="med" len="med"/>
+                    </a:lnT>
+                    <a:lnB w="12700" cap="flat" cmpd="sng" algn="ctr">
+                      <a:solidFill>
+                        <a:schemeClr val="tx1"/>
+                      </a:solidFill>
+                      <a:prstDash val="solid"/>
+                      <a:round/>
+                      <a:headEnd type="none" w="med" len="med"/>
+                      <a:tailEnd type="none" w="med" len="med"/>
+                    </a:lnB>
+                    <a:solidFill>
+                      <a:schemeClr val="bg1">
+                        <a:lumMod val="75000"/>
+                      </a:schemeClr>
+                    </a:solidFill>
+                  </a:tcPr>
+                </a:tc>
+                <a:extLst>
+                  <a:ext uri="{0D108BD9-81ED-4DB2-BD59-A6C34878D82A}">
+                    <a16:rowId xmlns:a16="http://schemas.microsoft.com/office/drawing/2014/main" val="907547670"/>
+                  </a:ext>
+                </a:extLst>
+              </a:tr>
+              <a:tr h="1870618">
+                <a:tc>
+                  <a:txBody>
+                    <a:bodyPr/>
+                    <a:lstStyle/>
+                    <a:p>
+                      <a:pPr algn="ctr"/>
+                      <a:r>
+                        <a:rPr lang="en-US" dirty="0" smtClean="0">
+                          <a:solidFill>
+                            <a:schemeClr val="tx1"/>
+                          </a:solidFill>
+                          <a:latin typeface="Times New Roman" panose="02020603050405020304" pitchFamily="18" charset="0"/>
+                          <a:cs typeface="Times New Roman" panose="02020603050405020304" pitchFamily="18" charset="0"/>
+                        </a:rPr>
+                        <a:t>7</a:t>
+                      </a:r>
+                      <a:endParaRPr lang="en-US" dirty="0">
+                        <a:solidFill>
+                          <a:schemeClr val="tx1"/>
+                        </a:solidFill>
+                        <a:latin typeface="Times New Roman" panose="02020603050405020304" pitchFamily="18" charset="0"/>
+                        <a:cs typeface="Times New Roman" panose="02020603050405020304" pitchFamily="18" charset="0"/>
+                      </a:endParaRPr>
+                    </a:p>
+                  </a:txBody>
+                  <a:tcPr anchor="ctr">
+                    <a:lnL w="12700" cap="flat" cmpd="sng" algn="ctr">
+                      <a:solidFill>
+                        <a:schemeClr val="tx1"/>
+                      </a:solidFill>
+                      <a:prstDash val="solid"/>
+                      <a:round/>
+                      <a:headEnd type="none" w="med" len="med"/>
+                      <a:tailEnd type="none" w="med" len="med"/>
+                    </a:lnL>
+                    <a:lnR w="12700" cap="flat" cmpd="sng" algn="ctr">
+                      <a:solidFill>
+                        <a:schemeClr val="tx1"/>
+                      </a:solidFill>
+                      <a:prstDash val="solid"/>
+                      <a:round/>
+                      <a:headEnd type="none" w="med" len="med"/>
+                      <a:tailEnd type="none" w="med" len="med"/>
+                    </a:lnR>
+                    <a:lnT w="12700" cap="flat" cmpd="sng" algn="ctr">
+                      <a:solidFill>
+                        <a:schemeClr val="tx1"/>
+                      </a:solidFill>
+                      <a:prstDash val="solid"/>
+                      <a:round/>
+                      <a:headEnd type="none" w="med" len="med"/>
+                      <a:tailEnd type="none" w="med" len="med"/>
+                    </a:lnT>
+                    <a:lnB w="12700" cap="flat" cmpd="sng" algn="ctr">
+                      <a:solidFill>
+                        <a:schemeClr val="tx1"/>
+                      </a:solidFill>
+                      <a:prstDash val="solid"/>
+                      <a:round/>
+                      <a:headEnd type="none" w="med" len="med"/>
+                      <a:tailEnd type="none" w="med" len="med"/>
+                    </a:lnB>
+                    <a:noFill/>
+                  </a:tcPr>
+                </a:tc>
+                <a:tc>
+                  <a:txBody>
+                    <a:bodyPr/>
+                    <a:lstStyle/>
+                    <a:p>
+                      <a:pPr marL="0" marR="0" lvl="0" indent="0" algn="ctr" defTabSz="914400" rtl="0" eaLnBrk="1" fontAlgn="auto" latinLnBrk="0" hangingPunct="1">
+                        <a:lnSpc>
+                          <a:spcPct val="100000"/>
+                        </a:lnSpc>
+                        <a:spcBef>
+                          <a:spcPts val="0"/>
+                        </a:spcBef>
+                        <a:spcAft>
+                          <a:spcPts val="0"/>
+                        </a:spcAft>
+                        <a:buClrTx/>
+                        <a:buSzTx/>
+                        <a:buFontTx/>
+                        <a:buNone/>
+                        <a:tabLst/>
+                        <a:defRPr/>
+                      </a:pPr>
+                      <a:r>
+                        <a:rPr lang="en-IN" sz="1800" dirty="0" smtClean="0">
+                          <a:latin typeface="Times New Roman" panose="02020603050405020304" pitchFamily="18" charset="0"/>
+                          <a:cs typeface="Times New Roman" panose="02020603050405020304" pitchFamily="18" charset="0"/>
+                        </a:rPr>
+                        <a:t>Li Gong, Gary Ellison, Mary </a:t>
+                      </a:r>
+                      <a:r>
+                        <a:rPr lang="en-IN" sz="1800" dirty="0" err="1" smtClean="0">
+                          <a:latin typeface="Times New Roman" panose="02020603050405020304" pitchFamily="18" charset="0"/>
+                          <a:cs typeface="Times New Roman" panose="02020603050405020304" pitchFamily="18" charset="0"/>
+                        </a:rPr>
+                        <a:t>Dageforde</a:t>
+                      </a:r>
+                      <a:r>
+                        <a:rPr lang="en-IN" sz="1800" dirty="0" smtClean="0">
+                          <a:latin typeface="Times New Roman" panose="02020603050405020304" pitchFamily="18" charset="0"/>
+                          <a:cs typeface="Times New Roman" panose="02020603050405020304" pitchFamily="18" charset="0"/>
+                        </a:rPr>
+                        <a:t> </a:t>
+                      </a:r>
+                    </a:p>
+                    <a:p>
+                      <a:pPr marL="0" marR="0" lvl="0" indent="0" algn="ctr" defTabSz="914400" rtl="0" eaLnBrk="1" fontAlgn="auto" latinLnBrk="0" hangingPunct="1">
+                        <a:lnSpc>
+                          <a:spcPct val="100000"/>
+                        </a:lnSpc>
+                        <a:spcBef>
+                          <a:spcPts val="0"/>
+                        </a:spcBef>
+                        <a:spcAft>
+                          <a:spcPts val="0"/>
+                        </a:spcAft>
+                        <a:buClrTx/>
+                        <a:buSzTx/>
+                        <a:buFontTx/>
+                        <a:buNone/>
+                        <a:tabLst/>
+                        <a:defRPr/>
+                      </a:pPr>
+                      <a:endParaRPr lang="en-US" sz="1800" dirty="0" smtClean="0">
+                        <a:latin typeface="Times New Roman" panose="02020603050405020304" pitchFamily="18" charset="0"/>
+                        <a:cs typeface="Times New Roman" panose="02020603050405020304" pitchFamily="18" charset="0"/>
+                      </a:endParaRPr>
+                    </a:p>
+                    <a:p>
+                      <a:pPr marL="0" marR="0" lvl="0" indent="0" algn="ctr" defTabSz="914400" rtl="0" eaLnBrk="1" fontAlgn="auto" latinLnBrk="0" hangingPunct="1">
+                        <a:lnSpc>
+                          <a:spcPct val="100000"/>
+                        </a:lnSpc>
+                        <a:spcBef>
+                          <a:spcPts val="0"/>
+                        </a:spcBef>
+                        <a:spcAft>
+                          <a:spcPts val="0"/>
+                        </a:spcAft>
+                        <a:buClrTx/>
+                        <a:buSzTx/>
+                        <a:buFontTx/>
+                        <a:buNone/>
+                        <a:tabLst/>
+                        <a:defRPr/>
+                      </a:pPr>
+                      <a:r>
+                        <a:rPr lang="en-US" sz="1800" dirty="0" smtClean="0">
+                          <a:latin typeface="Times New Roman" panose="02020603050405020304" pitchFamily="18" charset="0"/>
+                          <a:cs typeface="Times New Roman" panose="02020603050405020304" pitchFamily="18" charset="0"/>
+                        </a:rPr>
+                        <a:t>Inside Java 2 Platform Security</a:t>
+                      </a:r>
+                    </a:p>
+                  </a:txBody>
+                  <a:tcPr anchor="ctr">
+                    <a:lnL w="12700" cap="flat" cmpd="sng" algn="ctr">
+                      <a:solidFill>
+                        <a:schemeClr val="tx1"/>
+                      </a:solidFill>
+                      <a:prstDash val="solid"/>
+                      <a:round/>
+                      <a:headEnd type="none" w="med" len="med"/>
+                      <a:tailEnd type="none" w="med" len="med"/>
+                    </a:lnL>
+                    <a:lnR w="12700" cap="flat" cmpd="sng" algn="ctr">
+                      <a:solidFill>
+                        <a:schemeClr val="tx1"/>
+                      </a:solidFill>
+                      <a:prstDash val="solid"/>
+                      <a:round/>
+                      <a:headEnd type="none" w="med" len="med"/>
+                      <a:tailEnd type="none" w="med" len="med"/>
+                    </a:lnR>
+                    <a:lnT w="12700" cap="flat" cmpd="sng" algn="ctr">
+                      <a:solidFill>
+                        <a:schemeClr val="tx1"/>
+                      </a:solidFill>
+                      <a:prstDash val="solid"/>
+                      <a:round/>
+                      <a:headEnd type="none" w="med" len="med"/>
+                      <a:tailEnd type="none" w="med" len="med"/>
+                    </a:lnT>
+                    <a:lnB w="12700" cap="flat" cmpd="sng" algn="ctr">
+                      <a:solidFill>
+                        <a:schemeClr val="tx1"/>
+                      </a:solidFill>
+                      <a:prstDash val="solid"/>
+                      <a:round/>
+                      <a:headEnd type="none" w="med" len="med"/>
+                      <a:tailEnd type="none" w="med" len="med"/>
+                    </a:lnB>
+                    <a:noFill/>
+                  </a:tcPr>
+                </a:tc>
+                <a:tc>
+                  <a:txBody>
+                    <a:bodyPr/>
+                    <a:lstStyle/>
+                    <a:p>
+                      <a:pPr algn="ctr"/>
+                      <a:r>
+                        <a:rPr lang="en-US" dirty="0" smtClean="0">
+                          <a:latin typeface="Times New Roman" panose="02020603050405020304" pitchFamily="18" charset="0"/>
+                          <a:cs typeface="Times New Roman" panose="02020603050405020304" pitchFamily="18" charset="0"/>
+                        </a:rPr>
+                        <a:t>Inside Java(TM) 2 Platform Security, the definitive and comprehensive guide to the Java security platform, has been thoroughly updated to reflect key additions and revisions to Java security technologies currently in use by leading technology co</a:t>
+                      </a:r>
+                      <a:endParaRPr lang="en-US" dirty="0">
+                        <a:solidFill>
+                          <a:schemeClr val="tx1"/>
+                        </a:solidFill>
+                        <a:latin typeface="Times New Roman" panose="02020603050405020304" pitchFamily="18" charset="0"/>
+                        <a:cs typeface="Times New Roman" panose="02020603050405020304" pitchFamily="18" charset="0"/>
+                      </a:endParaRPr>
+                    </a:p>
+                  </a:txBody>
+                  <a:tcPr anchor="ctr">
+                    <a:lnL w="12700" cap="flat" cmpd="sng" algn="ctr">
+                      <a:solidFill>
+                        <a:schemeClr val="tx1"/>
+                      </a:solidFill>
+                      <a:prstDash val="solid"/>
+                      <a:round/>
+                      <a:headEnd type="none" w="med" len="med"/>
+                      <a:tailEnd type="none" w="med" len="med"/>
+                    </a:lnL>
+                    <a:lnR w="12700" cap="flat" cmpd="sng" algn="ctr">
+                      <a:solidFill>
+                        <a:schemeClr val="tx1"/>
+                      </a:solidFill>
+                      <a:prstDash val="solid"/>
+                      <a:round/>
+                      <a:headEnd type="none" w="med" len="med"/>
+                      <a:tailEnd type="none" w="med" len="med"/>
+                    </a:lnR>
+                    <a:lnT w="12700" cap="flat" cmpd="sng" algn="ctr">
+                      <a:solidFill>
+                        <a:schemeClr val="tx1"/>
+                      </a:solidFill>
+                      <a:prstDash val="solid"/>
+                      <a:round/>
+                      <a:headEnd type="none" w="med" len="med"/>
+                      <a:tailEnd type="none" w="med" len="med"/>
+                    </a:lnT>
+                    <a:lnB w="12700" cap="flat" cmpd="sng" algn="ctr">
+                      <a:solidFill>
+                        <a:schemeClr val="tx1"/>
+                      </a:solidFill>
+                      <a:prstDash val="solid"/>
+                      <a:round/>
+                      <a:headEnd type="none" w="med" len="med"/>
+                      <a:tailEnd type="none" w="med" len="med"/>
+                    </a:lnB>
+                    <a:noFill/>
+                  </a:tcPr>
+                </a:tc>
+                <a:tc>
+                  <a:txBody>
+                    <a:bodyPr/>
+                    <a:lstStyle/>
+                    <a:p>
+                      <a:pPr algn="ctr"/>
+                      <a:r>
+                        <a:rPr lang="en-US" baseline="0" dirty="0" smtClean="0"/>
+                        <a:t> </a:t>
+                      </a:r>
+                      <a:r>
+                        <a:rPr lang="en-US" dirty="0" smtClean="0"/>
+                        <a:t>Java(TM) 2</a:t>
+                      </a:r>
+                      <a:endParaRPr lang="en-US" dirty="0">
+                        <a:solidFill>
+                          <a:schemeClr val="tx1"/>
+                        </a:solidFill>
+                        <a:latin typeface="Times New Roman" panose="02020603050405020304" pitchFamily="18" charset="0"/>
+                        <a:cs typeface="Times New Roman" panose="02020603050405020304" pitchFamily="18" charset="0"/>
+                      </a:endParaRPr>
+                    </a:p>
+                  </a:txBody>
+                  <a:tcPr anchor="ctr">
+                    <a:lnL w="12700" cap="flat" cmpd="sng" algn="ctr">
+                      <a:solidFill>
+                        <a:schemeClr val="tx1"/>
+                      </a:solidFill>
+                      <a:prstDash val="solid"/>
+                      <a:round/>
+                      <a:headEnd type="none" w="med" len="med"/>
+                      <a:tailEnd type="none" w="med" len="med"/>
+                    </a:lnL>
+                    <a:lnR w="12700" cap="flat" cmpd="sng" algn="ctr">
+                      <a:solidFill>
+                        <a:schemeClr val="tx1"/>
+                      </a:solidFill>
+                      <a:prstDash val="solid"/>
+                      <a:round/>
+                      <a:headEnd type="none" w="med" len="med"/>
+                      <a:tailEnd type="none" w="med" len="med"/>
+                    </a:lnR>
+                    <a:lnT w="12700" cap="flat" cmpd="sng" algn="ctr">
+                      <a:solidFill>
+                        <a:schemeClr val="tx1"/>
+                      </a:solidFill>
+                      <a:prstDash val="solid"/>
+                      <a:round/>
+                      <a:headEnd type="none" w="med" len="med"/>
+                      <a:tailEnd type="none" w="med" len="med"/>
+                    </a:lnT>
+                    <a:lnB w="12700" cap="flat" cmpd="sng" algn="ctr">
+                      <a:solidFill>
+                        <a:schemeClr val="tx1"/>
+                      </a:solidFill>
+                      <a:prstDash val="solid"/>
+                      <a:round/>
+                      <a:headEnd type="none" w="med" len="med"/>
+                      <a:tailEnd type="none" w="med" len="med"/>
+                    </a:lnB>
+                    <a:noFill/>
+                  </a:tcPr>
+                </a:tc>
+                <a:tc>
+                  <a:txBody>
+                    <a:bodyPr/>
+                    <a:lstStyle/>
+                    <a:p>
+                      <a:pPr algn="ctr"/>
+                      <a:r>
+                        <a:rPr lang="en-US" dirty="0" smtClean="0"/>
+                        <a:t>Decentralized</a:t>
+                      </a:r>
+                    </a:p>
+                    <a:p>
+                      <a:pPr algn="ctr"/>
+                      <a:r>
+                        <a:rPr lang="en-US" dirty="0" smtClean="0"/>
+                        <a:t>Block-chain</a:t>
+                      </a:r>
+                      <a:r>
+                        <a:rPr lang="en-US" baseline="0" dirty="0" smtClean="0"/>
+                        <a:t> </a:t>
+                      </a:r>
+                      <a:r>
+                        <a:rPr lang="en-US" dirty="0" smtClean="0"/>
+                        <a:t>Based Messaging Network</a:t>
+                      </a:r>
+                      <a:endParaRPr lang="en-US" dirty="0">
+                        <a:solidFill>
+                          <a:schemeClr val="tx1"/>
+                        </a:solidFill>
+                        <a:latin typeface="Times New Roman" panose="02020603050405020304" pitchFamily="18" charset="0"/>
+                        <a:cs typeface="Times New Roman" panose="02020603050405020304" pitchFamily="18" charset="0"/>
+                      </a:endParaRPr>
+                    </a:p>
+                  </a:txBody>
+                  <a:tcPr anchor="ctr">
+                    <a:lnL w="12700" cap="flat" cmpd="sng" algn="ctr">
+                      <a:solidFill>
+                        <a:schemeClr val="tx1"/>
+                      </a:solidFill>
+                      <a:prstDash val="solid"/>
+                      <a:round/>
+                      <a:headEnd type="none" w="med" len="med"/>
+                      <a:tailEnd type="none" w="med" len="med"/>
+                    </a:lnL>
+                    <a:lnR w="12700" cap="flat" cmpd="sng" algn="ctr">
+                      <a:solidFill>
+                        <a:schemeClr val="tx1"/>
+                      </a:solidFill>
+                      <a:prstDash val="solid"/>
+                      <a:round/>
+                      <a:headEnd type="none" w="med" len="med"/>
+                      <a:tailEnd type="none" w="med" len="med"/>
+                    </a:lnR>
+                    <a:lnT w="12700" cap="flat" cmpd="sng" algn="ctr">
+                      <a:solidFill>
+                        <a:schemeClr val="tx1"/>
+                      </a:solidFill>
+                      <a:prstDash val="solid"/>
+                      <a:round/>
+                      <a:headEnd type="none" w="med" len="med"/>
+                      <a:tailEnd type="none" w="med" len="med"/>
+                    </a:lnT>
+                    <a:lnB w="12700" cap="flat" cmpd="sng" algn="ctr">
+                      <a:solidFill>
+                        <a:schemeClr val="tx1"/>
+                      </a:solidFill>
+                      <a:prstDash val="solid"/>
+                      <a:round/>
+                      <a:headEnd type="none" w="med" len="med"/>
+                      <a:tailEnd type="none" w="med" len="med"/>
+                    </a:lnB>
+                    <a:noFill/>
+                  </a:tcPr>
+                </a:tc>
+                <a:tc>
+                  <a:txBody>
+                    <a:bodyPr/>
+                    <a:lstStyle/>
+                    <a:p>
+                      <a:pPr algn="ctr"/>
+                      <a:r>
+                        <a:rPr lang="en-US" dirty="0" smtClean="0">
+                          <a:solidFill>
+                            <a:schemeClr val="tx1"/>
+                          </a:solidFill>
+                          <a:latin typeface="Times New Roman" panose="02020603050405020304" pitchFamily="18" charset="0"/>
+                          <a:cs typeface="Times New Roman" panose="02020603050405020304" pitchFamily="18" charset="0"/>
+                        </a:rPr>
+                        <a:t>Platform</a:t>
+                      </a:r>
+                      <a:r>
+                        <a:rPr lang="en-US" baseline="0" dirty="0" smtClean="0">
+                          <a:solidFill>
+                            <a:schemeClr val="tx1"/>
+                          </a:solidFill>
+                          <a:latin typeface="Times New Roman" panose="02020603050405020304" pitchFamily="18" charset="0"/>
+                          <a:cs typeface="Times New Roman" panose="02020603050405020304" pitchFamily="18" charset="0"/>
+                        </a:rPr>
+                        <a:t> Dependent</a:t>
+                      </a:r>
+                      <a:endParaRPr lang="en-US" dirty="0">
+                        <a:solidFill>
+                          <a:schemeClr val="tx1"/>
+                        </a:solidFill>
+                        <a:latin typeface="Times New Roman" panose="02020603050405020304" pitchFamily="18" charset="0"/>
+                        <a:cs typeface="Times New Roman" panose="02020603050405020304" pitchFamily="18" charset="0"/>
+                      </a:endParaRPr>
+                    </a:p>
+                  </a:txBody>
+                  <a:tcPr anchor="ctr">
+                    <a:lnL w="12700" cap="flat" cmpd="sng" algn="ctr">
+                      <a:solidFill>
+                        <a:schemeClr val="tx1"/>
+                      </a:solidFill>
+                      <a:prstDash val="solid"/>
+                      <a:round/>
+                      <a:headEnd type="none" w="med" len="med"/>
+                      <a:tailEnd type="none" w="med" len="med"/>
+                    </a:lnL>
+                    <a:lnR w="12700" cap="flat" cmpd="sng" algn="ctr">
+                      <a:solidFill>
+                        <a:schemeClr val="tx1"/>
+                      </a:solidFill>
+                      <a:prstDash val="solid"/>
+                      <a:round/>
+                      <a:headEnd type="none" w="med" len="med"/>
+                      <a:tailEnd type="none" w="med" len="med"/>
+                    </a:lnR>
+                    <a:lnT w="12700" cap="flat" cmpd="sng" algn="ctr">
+                      <a:solidFill>
+                        <a:schemeClr val="tx1"/>
+                      </a:solidFill>
+                      <a:prstDash val="solid"/>
+                      <a:round/>
+                      <a:headEnd type="none" w="med" len="med"/>
+                      <a:tailEnd type="none" w="med" len="med"/>
+                    </a:lnT>
+                    <a:lnB w="12700" cap="flat" cmpd="sng" algn="ctr">
+                      <a:solidFill>
+                        <a:schemeClr val="tx1"/>
+                      </a:solidFill>
+                      <a:prstDash val="solid"/>
+                      <a:round/>
+                      <a:headEnd type="none" w="med" len="med"/>
+                      <a:tailEnd type="none" w="med" len="med"/>
+                    </a:lnB>
+                    <a:noFill/>
+                  </a:tcPr>
+                </a:tc>
+                <a:extLst>
+                  <a:ext uri="{0D108BD9-81ED-4DB2-BD59-A6C34878D82A}">
+                    <a16:rowId xmlns:a16="http://schemas.microsoft.com/office/drawing/2014/main" val="35302310"/>
+                  </a:ext>
+                </a:extLst>
+              </a:tr>
+              <a:tr h="2635871">
+                <a:tc>
+                  <a:txBody>
+                    <a:bodyPr/>
+                    <a:lstStyle/>
+                    <a:p>
+                      <a:pPr algn="ctr"/>
+                      <a:r>
+                        <a:rPr lang="en-US" dirty="0" smtClean="0">
+                          <a:solidFill>
+                            <a:schemeClr val="tx1"/>
+                          </a:solidFill>
+                          <a:latin typeface="Times New Roman" panose="02020603050405020304" pitchFamily="18" charset="0"/>
+                          <a:cs typeface="Times New Roman" panose="02020603050405020304" pitchFamily="18" charset="0"/>
+                        </a:rPr>
+                        <a:t>8</a:t>
+                      </a:r>
+                      <a:endParaRPr lang="en-US" dirty="0">
+                        <a:solidFill>
+                          <a:schemeClr val="tx1"/>
+                        </a:solidFill>
+                        <a:latin typeface="Times New Roman" panose="02020603050405020304" pitchFamily="18" charset="0"/>
+                        <a:cs typeface="Times New Roman" panose="02020603050405020304" pitchFamily="18" charset="0"/>
+                      </a:endParaRPr>
+                    </a:p>
+                  </a:txBody>
+                  <a:tcPr anchor="ctr">
+                    <a:lnL w="12700" cap="flat" cmpd="sng" algn="ctr">
+                      <a:solidFill>
+                        <a:schemeClr val="tx1"/>
+                      </a:solidFill>
+                      <a:prstDash val="solid"/>
+                      <a:round/>
+                      <a:headEnd type="none" w="med" len="med"/>
+                      <a:tailEnd type="none" w="med" len="med"/>
+                    </a:lnL>
+                    <a:lnR w="12700" cap="flat" cmpd="sng" algn="ctr">
+                      <a:solidFill>
+                        <a:schemeClr val="tx1"/>
+                      </a:solidFill>
+                      <a:prstDash val="solid"/>
+                      <a:round/>
+                      <a:headEnd type="none" w="med" len="med"/>
+                      <a:tailEnd type="none" w="med" len="med"/>
+                    </a:lnR>
+                    <a:lnT w="12700" cap="flat" cmpd="sng" algn="ctr">
+                      <a:solidFill>
+                        <a:schemeClr val="tx1"/>
+                      </a:solidFill>
+                      <a:prstDash val="solid"/>
+                      <a:round/>
+                      <a:headEnd type="none" w="med" len="med"/>
+                      <a:tailEnd type="none" w="med" len="med"/>
+                    </a:lnT>
+                    <a:lnB w="12700" cap="flat" cmpd="sng" algn="ctr">
+                      <a:solidFill>
+                        <a:schemeClr val="tx1"/>
+                      </a:solidFill>
+                      <a:prstDash val="solid"/>
+                      <a:round/>
+                      <a:headEnd type="none" w="med" len="med"/>
+                      <a:tailEnd type="none" w="med" len="med"/>
+                    </a:lnB>
+                    <a:noFill/>
+                  </a:tcPr>
+                </a:tc>
+                <a:tc>
+                  <a:txBody>
+                    <a:bodyPr/>
+                    <a:lstStyle/>
+                    <a:p>
+                      <a:pPr algn="ctr"/>
+                      <a:r>
+                        <a:rPr lang="en-US" sz="1800" dirty="0" smtClean="0">
+                          <a:latin typeface="Times New Roman" panose="02020603050405020304" pitchFamily="18" charset="0"/>
+                          <a:cs typeface="Times New Roman" panose="02020603050405020304" pitchFamily="18" charset="0"/>
+                        </a:rPr>
+                        <a:t>Martin </a:t>
+                      </a:r>
+                      <a:r>
+                        <a:rPr lang="en-US" sz="1800" dirty="0" err="1" smtClean="0">
+                          <a:latin typeface="Times New Roman" panose="02020603050405020304" pitchFamily="18" charset="0"/>
+                          <a:cs typeface="Times New Roman" panose="02020603050405020304" pitchFamily="18" charset="0"/>
+                        </a:rPr>
+                        <a:t>Georgiev</a:t>
+                      </a:r>
+                      <a:r>
+                        <a:rPr lang="en-US" sz="1800" dirty="0" smtClean="0">
+                          <a:latin typeface="Times New Roman" panose="02020603050405020304" pitchFamily="18" charset="0"/>
+                          <a:cs typeface="Times New Roman" panose="02020603050405020304" pitchFamily="18" charset="0"/>
+                        </a:rPr>
+                        <a:t>, </a:t>
+                      </a:r>
+                      <a:r>
+                        <a:rPr lang="en-US" sz="1800" dirty="0" err="1" smtClean="0">
+                          <a:latin typeface="Times New Roman" panose="02020603050405020304" pitchFamily="18" charset="0"/>
+                          <a:cs typeface="Times New Roman" panose="02020603050405020304" pitchFamily="18" charset="0"/>
+                        </a:rPr>
+                        <a:t>Suman</a:t>
+                      </a:r>
+                      <a:r>
+                        <a:rPr lang="en-US" sz="1800" dirty="0" smtClean="0">
+                          <a:latin typeface="Times New Roman" panose="02020603050405020304" pitchFamily="18" charset="0"/>
+                          <a:cs typeface="Times New Roman" panose="02020603050405020304" pitchFamily="18" charset="0"/>
+                        </a:rPr>
+                        <a:t> Jana, </a:t>
+                      </a:r>
+                      <a:r>
+                        <a:rPr lang="en-US" sz="1800" dirty="0" err="1" smtClean="0">
+                          <a:latin typeface="Times New Roman" panose="02020603050405020304" pitchFamily="18" charset="0"/>
+                          <a:cs typeface="Times New Roman" panose="02020603050405020304" pitchFamily="18" charset="0"/>
+                        </a:rPr>
+                        <a:t>Vitaly</a:t>
+                      </a:r>
+                      <a:r>
+                        <a:rPr lang="en-US" sz="1800" dirty="0" smtClean="0">
+                          <a:latin typeface="Times New Roman" panose="02020603050405020304" pitchFamily="18" charset="0"/>
+                          <a:cs typeface="Times New Roman" panose="02020603050405020304" pitchFamily="18" charset="0"/>
+                        </a:rPr>
+                        <a:t> </a:t>
+                      </a:r>
+                      <a:r>
+                        <a:rPr lang="en-US" sz="1800" dirty="0" err="1" smtClean="0">
+                          <a:latin typeface="Times New Roman" panose="02020603050405020304" pitchFamily="18" charset="0"/>
+                          <a:cs typeface="Times New Roman" panose="02020603050405020304" pitchFamily="18" charset="0"/>
+                        </a:rPr>
+                        <a:t>Shmatikov</a:t>
+                      </a:r>
+                      <a:endParaRPr lang="en-US" sz="1800" dirty="0" smtClean="0">
+                        <a:latin typeface="Times New Roman" panose="02020603050405020304" pitchFamily="18" charset="0"/>
+                        <a:cs typeface="Times New Roman" panose="02020603050405020304" pitchFamily="18" charset="0"/>
+                      </a:endParaRPr>
+                    </a:p>
+                    <a:p>
+                      <a:pPr algn="ctr"/>
+                      <a:r>
+                        <a:rPr lang="en-IN" sz="1800" dirty="0" smtClean="0">
+                          <a:latin typeface="Times New Roman" panose="02020603050405020304" pitchFamily="18" charset="0"/>
+                          <a:cs typeface="Times New Roman" panose="02020603050405020304" pitchFamily="18" charset="0"/>
+                        </a:rPr>
+                        <a:t/>
+                      </a:r>
+                      <a:br>
+                        <a:rPr lang="en-IN" sz="1800" dirty="0" smtClean="0">
+                          <a:latin typeface="Times New Roman" panose="02020603050405020304" pitchFamily="18" charset="0"/>
+                          <a:cs typeface="Times New Roman" panose="02020603050405020304" pitchFamily="18" charset="0"/>
+                        </a:rPr>
+                      </a:br>
+                      <a:r>
+                        <a:rPr lang="en-US" sz="1800" dirty="0" smtClean="0">
+                          <a:latin typeface="Times New Roman" panose="02020603050405020304" pitchFamily="18" charset="0"/>
+                          <a:cs typeface="Times New Roman" panose="02020603050405020304" pitchFamily="18" charset="0"/>
+                        </a:rPr>
+                        <a:t>Rethinking Security of Web-Based System Applications</a:t>
+                      </a:r>
+                    </a:p>
+                  </a:txBody>
+                  <a:tcPr anchor="ctr">
+                    <a:lnL w="12700" cap="flat" cmpd="sng" algn="ctr">
+                      <a:solidFill>
+                        <a:schemeClr val="tx1"/>
+                      </a:solidFill>
+                      <a:prstDash val="solid"/>
+                      <a:round/>
+                      <a:headEnd type="none" w="med" len="med"/>
+                      <a:tailEnd type="none" w="med" len="med"/>
+                    </a:lnL>
+                    <a:lnR w="12700" cap="flat" cmpd="sng" algn="ctr">
+                      <a:solidFill>
+                        <a:schemeClr val="tx1"/>
+                      </a:solidFill>
+                      <a:prstDash val="solid"/>
+                      <a:round/>
+                      <a:headEnd type="none" w="med" len="med"/>
+                      <a:tailEnd type="none" w="med" len="med"/>
+                    </a:lnR>
+                    <a:lnT w="12700" cap="flat" cmpd="sng" algn="ctr">
+                      <a:solidFill>
+                        <a:schemeClr val="tx1"/>
+                      </a:solidFill>
+                      <a:prstDash val="solid"/>
+                      <a:round/>
+                      <a:headEnd type="none" w="med" len="med"/>
+                      <a:tailEnd type="none" w="med" len="med"/>
+                    </a:lnT>
+                    <a:lnB w="12700" cap="flat" cmpd="sng" algn="ctr">
+                      <a:solidFill>
+                        <a:schemeClr val="tx1"/>
+                      </a:solidFill>
+                      <a:prstDash val="solid"/>
+                      <a:round/>
+                      <a:headEnd type="none" w="med" len="med"/>
+                      <a:tailEnd type="none" w="med" len="med"/>
+                    </a:lnB>
+                    <a:noFill/>
+                  </a:tcPr>
+                </a:tc>
+                <a:tc>
+                  <a:txBody>
+                    <a:bodyPr/>
+                    <a:lstStyle/>
+                    <a:p>
+                      <a:pPr algn="ctr"/>
+                      <a:r>
+                        <a:rPr lang="en-US" sz="1800" b="0" i="0" kern="1200" dirty="0" smtClean="0">
+                          <a:solidFill>
+                            <a:schemeClr val="dk1"/>
+                          </a:solidFill>
+                          <a:effectLst/>
+                          <a:latin typeface="+mn-lt"/>
+                          <a:ea typeface="+mn-ea"/>
+                          <a:cs typeface="+mn-cs"/>
+                        </a:rPr>
+                        <a:t> </a:t>
+                      </a:r>
+                      <a:r>
+                        <a:rPr lang="en-US" sz="1800" b="0" i="0" kern="1200" dirty="0" smtClean="0">
+                          <a:solidFill>
+                            <a:schemeClr val="dk1"/>
+                          </a:solidFill>
+                          <a:effectLst/>
+                          <a:latin typeface="+mn-lt"/>
+                          <a:ea typeface="+mn-ea"/>
+                          <a:cs typeface="+mn-cs"/>
+                        </a:rPr>
+                        <a:t>A new access-control mechanism for Web-based system applications.</a:t>
+                      </a:r>
+                      <a:endParaRPr lang="en-US" dirty="0">
+                        <a:solidFill>
+                          <a:schemeClr val="tx1"/>
+                        </a:solidFill>
+                        <a:latin typeface="Times New Roman" panose="02020603050405020304" pitchFamily="18" charset="0"/>
+                        <a:cs typeface="Times New Roman" panose="02020603050405020304" pitchFamily="18" charset="0"/>
+                      </a:endParaRPr>
+                    </a:p>
+                  </a:txBody>
+                  <a:tcPr anchor="ctr">
+                    <a:lnL w="12700" cap="flat" cmpd="sng" algn="ctr">
+                      <a:solidFill>
+                        <a:schemeClr val="tx1"/>
+                      </a:solidFill>
+                      <a:prstDash val="solid"/>
+                      <a:round/>
+                      <a:headEnd type="none" w="med" len="med"/>
+                      <a:tailEnd type="none" w="med" len="med"/>
+                    </a:lnL>
+                    <a:lnR w="12700" cap="flat" cmpd="sng" algn="ctr">
+                      <a:solidFill>
+                        <a:schemeClr val="tx1"/>
+                      </a:solidFill>
+                      <a:prstDash val="solid"/>
+                      <a:round/>
+                      <a:headEnd type="none" w="med" len="med"/>
+                      <a:tailEnd type="none" w="med" len="med"/>
+                    </a:lnR>
+                    <a:lnT w="12700" cap="flat" cmpd="sng" algn="ctr">
+                      <a:solidFill>
+                        <a:schemeClr val="tx1"/>
+                      </a:solidFill>
+                      <a:prstDash val="solid"/>
+                      <a:round/>
+                      <a:headEnd type="none" w="med" len="med"/>
+                      <a:tailEnd type="none" w="med" len="med"/>
+                    </a:lnT>
+                    <a:lnB w="12700" cap="flat" cmpd="sng" algn="ctr">
+                      <a:solidFill>
+                        <a:schemeClr val="tx1"/>
+                      </a:solidFill>
+                      <a:prstDash val="solid"/>
+                      <a:round/>
+                      <a:headEnd type="none" w="med" len="med"/>
+                      <a:tailEnd type="none" w="med" len="med"/>
+                    </a:lnB>
+                    <a:noFill/>
+                  </a:tcPr>
+                </a:tc>
+                <a:tc>
+                  <a:txBody>
+                    <a:bodyPr/>
+                    <a:lstStyle/>
+                    <a:p>
+                      <a:pPr algn="ctr"/>
+                      <a:r>
+                        <a:rPr lang="en-US" sz="1800" b="0" i="0" kern="1200" dirty="0" smtClean="0">
+                          <a:solidFill>
+                            <a:schemeClr val="dk1"/>
+                          </a:solidFill>
+                          <a:effectLst/>
+                          <a:latin typeface="+mn-lt"/>
+                          <a:ea typeface="+mn-ea"/>
+                          <a:cs typeface="+mn-cs"/>
+                        </a:rPr>
+                        <a:t> To overcome the app is anticipated in the chats are secured by the dynamic key encryption by md5 algorithm</a:t>
+                      </a:r>
+                      <a:endParaRPr lang="en-US" dirty="0">
+                        <a:solidFill>
+                          <a:schemeClr val="tx1"/>
+                        </a:solidFill>
+                        <a:latin typeface="Times New Roman" panose="02020603050405020304" pitchFamily="18" charset="0"/>
+                        <a:cs typeface="Times New Roman" panose="02020603050405020304" pitchFamily="18" charset="0"/>
+                      </a:endParaRPr>
+                    </a:p>
+                  </a:txBody>
+                  <a:tcPr anchor="ctr">
+                    <a:lnL w="12700" cap="flat" cmpd="sng" algn="ctr">
+                      <a:solidFill>
+                        <a:schemeClr val="tx1"/>
+                      </a:solidFill>
+                      <a:prstDash val="solid"/>
+                      <a:round/>
+                      <a:headEnd type="none" w="med" len="med"/>
+                      <a:tailEnd type="none" w="med" len="med"/>
+                    </a:lnL>
+                    <a:lnR w="12700" cap="flat" cmpd="sng" algn="ctr">
+                      <a:solidFill>
+                        <a:schemeClr val="tx1"/>
+                      </a:solidFill>
+                      <a:prstDash val="solid"/>
+                      <a:round/>
+                      <a:headEnd type="none" w="med" len="med"/>
+                      <a:tailEnd type="none" w="med" len="med"/>
+                    </a:lnR>
+                    <a:lnT w="12700" cap="flat" cmpd="sng" algn="ctr">
+                      <a:solidFill>
+                        <a:schemeClr val="tx1"/>
+                      </a:solidFill>
+                      <a:prstDash val="solid"/>
+                      <a:round/>
+                      <a:headEnd type="none" w="med" len="med"/>
+                      <a:tailEnd type="none" w="med" len="med"/>
+                    </a:lnT>
+                    <a:lnB w="12700" cap="flat" cmpd="sng" algn="ctr">
+                      <a:solidFill>
+                        <a:schemeClr val="tx1"/>
+                      </a:solidFill>
+                      <a:prstDash val="solid"/>
+                      <a:round/>
+                      <a:headEnd type="none" w="med" len="med"/>
+                      <a:tailEnd type="none" w="med" len="med"/>
+                    </a:lnB>
+                    <a:noFill/>
+                  </a:tcPr>
+                </a:tc>
+                <a:tc>
+                  <a:txBody>
+                    <a:bodyPr/>
+                    <a:lstStyle/>
+                    <a:p>
+                      <a:pPr algn="ctr"/>
+                      <a:r>
+                        <a:rPr lang="en-US" dirty="0" smtClean="0">
+                          <a:solidFill>
+                            <a:schemeClr val="tx1"/>
+                          </a:solidFill>
+                          <a:latin typeface="Times New Roman" panose="02020603050405020304" pitchFamily="18" charset="0"/>
+                          <a:cs typeface="Times New Roman" panose="02020603050405020304" pitchFamily="18" charset="0"/>
+                        </a:rPr>
+                        <a:t>Two key problems plaguing,</a:t>
+                      </a:r>
+                    </a:p>
+                    <a:p>
+                      <a:pPr algn="ctr"/>
+                      <a:r>
+                        <a:rPr lang="en-US" sz="1800" b="0" i="0" kern="1200" dirty="0" smtClean="0">
+                          <a:solidFill>
+                            <a:schemeClr val="dk1"/>
+                          </a:solidFill>
+                          <a:effectLst/>
+                          <a:latin typeface="+mn-lt"/>
+                          <a:ea typeface="+mn-ea"/>
+                          <a:cs typeface="+mn-cs"/>
+                        </a:rPr>
+                        <a:t>security and consistency</a:t>
+                      </a:r>
+                      <a:endParaRPr lang="en-US" dirty="0">
+                        <a:solidFill>
+                          <a:schemeClr val="tx1"/>
+                        </a:solidFill>
+                        <a:latin typeface="Times New Roman" panose="02020603050405020304" pitchFamily="18" charset="0"/>
+                        <a:cs typeface="Times New Roman" panose="02020603050405020304" pitchFamily="18" charset="0"/>
+                      </a:endParaRPr>
+                    </a:p>
+                  </a:txBody>
+                  <a:tcPr anchor="ctr">
+                    <a:lnL w="12700" cap="flat" cmpd="sng" algn="ctr">
+                      <a:solidFill>
+                        <a:schemeClr val="tx1"/>
+                      </a:solidFill>
+                      <a:prstDash val="solid"/>
+                      <a:round/>
+                      <a:headEnd type="none" w="med" len="med"/>
+                      <a:tailEnd type="none" w="med" len="med"/>
+                    </a:lnL>
+                    <a:lnR w="12700" cap="flat" cmpd="sng" algn="ctr">
+                      <a:solidFill>
+                        <a:schemeClr val="tx1"/>
+                      </a:solidFill>
+                      <a:prstDash val="solid"/>
+                      <a:round/>
+                      <a:headEnd type="none" w="med" len="med"/>
+                      <a:tailEnd type="none" w="med" len="med"/>
+                    </a:lnR>
+                    <a:lnT w="12700" cap="flat" cmpd="sng" algn="ctr">
+                      <a:solidFill>
+                        <a:schemeClr val="tx1"/>
+                      </a:solidFill>
+                      <a:prstDash val="solid"/>
+                      <a:round/>
+                      <a:headEnd type="none" w="med" len="med"/>
+                      <a:tailEnd type="none" w="med" len="med"/>
+                    </a:lnT>
+                    <a:lnB w="12700" cap="flat" cmpd="sng" algn="ctr">
+                      <a:solidFill>
+                        <a:schemeClr val="tx1"/>
+                      </a:solidFill>
+                      <a:prstDash val="solid"/>
+                      <a:round/>
+                      <a:headEnd type="none" w="med" len="med"/>
+                      <a:tailEnd type="none" w="med" len="med"/>
+                    </a:lnB>
+                    <a:noFill/>
+                  </a:tcPr>
+                </a:tc>
+                <a:tc>
+                  <a:txBody>
+                    <a:bodyPr/>
+                    <a:lstStyle/>
+                    <a:p>
+                      <a:pPr algn="ctr"/>
+                      <a:r>
+                        <a:rPr lang="en-US" dirty="0" smtClean="0">
+                          <a:solidFill>
+                            <a:schemeClr val="tx1"/>
+                          </a:solidFill>
+                          <a:latin typeface="Times New Roman" panose="02020603050405020304" pitchFamily="18" charset="0"/>
+                          <a:cs typeface="Times New Roman" panose="02020603050405020304" pitchFamily="18" charset="0"/>
+                        </a:rPr>
+                        <a:t>Platfor</a:t>
+                      </a:r>
+                      <a:r>
+                        <a:rPr lang="en-US" baseline="0" dirty="0" smtClean="0">
+                          <a:solidFill>
+                            <a:schemeClr val="tx1"/>
+                          </a:solidFill>
+                          <a:latin typeface="Times New Roman" panose="02020603050405020304" pitchFamily="18" charset="0"/>
+                          <a:cs typeface="Times New Roman" panose="02020603050405020304" pitchFamily="18" charset="0"/>
+                        </a:rPr>
+                        <a:t>m Dependent,</a:t>
+                      </a:r>
+                    </a:p>
+                    <a:p>
+                      <a:pPr algn="ctr"/>
+                      <a:r>
+                        <a:rPr lang="en-US" dirty="0" smtClean="0">
+                          <a:solidFill>
+                            <a:schemeClr val="tx1"/>
+                          </a:solidFill>
+                          <a:latin typeface="Times New Roman" panose="02020603050405020304" pitchFamily="18" charset="0"/>
+                          <a:cs typeface="Times New Roman" panose="02020603050405020304" pitchFamily="18" charset="0"/>
+                        </a:rPr>
+                        <a:t>Process</a:t>
+                      </a:r>
+                      <a:r>
+                        <a:rPr lang="en-US" baseline="0" dirty="0" smtClean="0">
+                          <a:solidFill>
+                            <a:schemeClr val="tx1"/>
+                          </a:solidFill>
+                          <a:latin typeface="Times New Roman" panose="02020603050405020304" pitchFamily="18" charset="0"/>
+                          <a:cs typeface="Times New Roman" panose="02020603050405020304" pitchFamily="18" charset="0"/>
+                        </a:rPr>
+                        <a:t> complexity</a:t>
+                      </a:r>
+                      <a:endParaRPr lang="en-US" dirty="0">
+                        <a:solidFill>
+                          <a:schemeClr val="tx1"/>
+                        </a:solidFill>
+                        <a:latin typeface="Times New Roman" panose="02020603050405020304" pitchFamily="18" charset="0"/>
+                        <a:cs typeface="Times New Roman" panose="02020603050405020304" pitchFamily="18" charset="0"/>
+                      </a:endParaRPr>
+                    </a:p>
+                  </a:txBody>
+                  <a:tcPr anchor="ctr">
+                    <a:lnL w="12700" cap="flat" cmpd="sng" algn="ctr">
+                      <a:solidFill>
+                        <a:schemeClr val="tx1"/>
+                      </a:solidFill>
+                      <a:prstDash val="solid"/>
+                      <a:round/>
+                      <a:headEnd type="none" w="med" len="med"/>
+                      <a:tailEnd type="none" w="med" len="med"/>
+                    </a:lnL>
+                    <a:lnR w="12700" cap="flat" cmpd="sng" algn="ctr">
+                      <a:solidFill>
+                        <a:schemeClr val="tx1"/>
+                      </a:solidFill>
+                      <a:prstDash val="solid"/>
+                      <a:round/>
+                      <a:headEnd type="none" w="med" len="med"/>
+                      <a:tailEnd type="none" w="med" len="med"/>
+                    </a:lnR>
+                    <a:lnT w="12700" cap="flat" cmpd="sng" algn="ctr">
+                      <a:solidFill>
+                        <a:schemeClr val="tx1"/>
+                      </a:solidFill>
+                      <a:prstDash val="solid"/>
+                      <a:round/>
+                      <a:headEnd type="none" w="med" len="med"/>
+                      <a:tailEnd type="none" w="med" len="med"/>
+                    </a:lnT>
+                    <a:lnB w="12700" cap="flat" cmpd="sng" algn="ctr">
+                      <a:solidFill>
+                        <a:schemeClr val="tx1"/>
+                      </a:solidFill>
+                      <a:prstDash val="solid"/>
+                      <a:round/>
+                      <a:headEnd type="none" w="med" len="med"/>
+                      <a:tailEnd type="none" w="med" len="med"/>
+                    </a:lnB>
+                    <a:noFill/>
+                  </a:tcPr>
+                </a:tc>
+                <a:extLst>
+                  <a:ext uri="{0D108BD9-81ED-4DB2-BD59-A6C34878D82A}">
+                    <a16:rowId xmlns:a16="http://schemas.microsoft.com/office/drawing/2014/main" val="4275570003"/>
+                  </a:ext>
+                </a:extLst>
+              </a:tr>
+            </a:tbl>
+          </a:graphicData>
+        </a:graphic>
+      </p:graphicFrame>
     </p:spTree>
     <p:extLst>
       <p:ext uri="{BB962C8B-B14F-4D97-AF65-F5344CB8AC3E}">
-        <p14:creationId xmlns:p14="http://schemas.microsoft.com/office/powerpoint/2010/main" val="3421053099"/>
+        <p14:creationId xmlns:p14="http://schemas.microsoft.com/office/powerpoint/2010/main" val="4022250745"/>
       </p:ext>
     </p:extLst>
   </p:cSld>

--- a/DOCS/First Review.pptx
+++ b/DOCS/First Review.pptx
@@ -252,7 +252,7 @@
             <a:fld id="{1BC5A6D6-678F-47D8-91DE-2A07AB82649C}" type="datetimeFigureOut">
               <a:rPr lang="en-US" smtClean="0"/>
               <a:pPr/>
-              <a:t>3/14/2024</a:t>
+              <a:t>3/18/2024</a:t>
             </a:fld>
             <a:endParaRPr lang="en-US"/>
           </a:p>
@@ -779,7 +779,7 @@
             <a:fld id="{CF705531-103C-4EA6-8A04-8B669A93EC46}" type="datetimeFigureOut">
               <a:rPr lang="en-US" smtClean="0"/>
               <a:pPr/>
-              <a:t>3/14/2024</a:t>
+              <a:t>3/18/2024</a:t>
             </a:fld>
             <a:endParaRPr lang="en-US"/>
           </a:p>
@@ -944,7 +944,7 @@
             <a:fld id="{CF705531-103C-4EA6-8A04-8B669A93EC46}" type="datetimeFigureOut">
               <a:rPr lang="en-US" smtClean="0"/>
               <a:pPr/>
-              <a:t>3/14/2024</a:t>
+              <a:t>3/18/2024</a:t>
             </a:fld>
             <a:endParaRPr lang="en-US"/>
           </a:p>
@@ -1119,7 +1119,7 @@
             <a:fld id="{CF705531-103C-4EA6-8A04-8B669A93EC46}" type="datetimeFigureOut">
               <a:rPr lang="en-US" smtClean="0"/>
               <a:pPr/>
-              <a:t>3/14/2024</a:t>
+              <a:t>3/18/2024</a:t>
             </a:fld>
             <a:endParaRPr lang="en-US"/>
           </a:p>
@@ -1284,7 +1284,7 @@
             <a:fld id="{CF705531-103C-4EA6-8A04-8B669A93EC46}" type="datetimeFigureOut">
               <a:rPr lang="en-US" smtClean="0"/>
               <a:pPr/>
-              <a:t>3/14/2024</a:t>
+              <a:t>3/18/2024</a:t>
             </a:fld>
             <a:endParaRPr lang="en-US"/>
           </a:p>
@@ -1526,7 +1526,7 @@
             <a:fld id="{CF705531-103C-4EA6-8A04-8B669A93EC46}" type="datetimeFigureOut">
               <a:rPr lang="en-US" smtClean="0"/>
               <a:pPr/>
-              <a:t>3/14/2024</a:t>
+              <a:t>3/18/2024</a:t>
             </a:fld>
             <a:endParaRPr lang="en-US"/>
           </a:p>
@@ -1808,7 +1808,7 @@
             <a:fld id="{CF705531-103C-4EA6-8A04-8B669A93EC46}" type="datetimeFigureOut">
               <a:rPr lang="en-US" smtClean="0"/>
               <a:pPr/>
-              <a:t>3/14/2024</a:t>
+              <a:t>3/18/2024</a:t>
             </a:fld>
             <a:endParaRPr lang="en-US"/>
           </a:p>
@@ -2229,7 +2229,7 @@
             <a:fld id="{CF705531-103C-4EA6-8A04-8B669A93EC46}" type="datetimeFigureOut">
               <a:rPr lang="en-US" smtClean="0"/>
               <a:pPr/>
-              <a:t>3/14/2024</a:t>
+              <a:t>3/18/2024</a:t>
             </a:fld>
             <a:endParaRPr lang="en-US"/>
           </a:p>
@@ -2343,7 +2343,7 @@
             <a:fld id="{CF705531-103C-4EA6-8A04-8B669A93EC46}" type="datetimeFigureOut">
               <a:rPr lang="en-US" smtClean="0"/>
               <a:pPr/>
-              <a:t>3/14/2024</a:t>
+              <a:t>3/18/2024</a:t>
             </a:fld>
             <a:endParaRPr lang="en-US"/>
           </a:p>
@@ -2435,7 +2435,7 @@
             <a:fld id="{CF705531-103C-4EA6-8A04-8B669A93EC46}" type="datetimeFigureOut">
               <a:rPr lang="en-US" smtClean="0"/>
               <a:pPr/>
-              <a:t>3/14/2024</a:t>
+              <a:t>3/18/2024</a:t>
             </a:fld>
             <a:endParaRPr lang="en-US"/>
           </a:p>
@@ -2707,7 +2707,7 @@
             <a:fld id="{CF705531-103C-4EA6-8A04-8B669A93EC46}" type="datetimeFigureOut">
               <a:rPr lang="en-US" smtClean="0"/>
               <a:pPr/>
-              <a:t>3/14/2024</a:t>
+              <a:t>3/18/2024</a:t>
             </a:fld>
             <a:endParaRPr lang="en-US"/>
           </a:p>
@@ -2956,7 +2956,7 @@
             <a:fld id="{CF705531-103C-4EA6-8A04-8B669A93EC46}" type="datetimeFigureOut">
               <a:rPr lang="en-US" smtClean="0"/>
               <a:pPr/>
-              <a:t>3/14/2024</a:t>
+              <a:t>3/18/2024</a:t>
             </a:fld>
             <a:endParaRPr lang="en-US"/>
           </a:p>
@@ -3164,7 +3164,7 @@
             <a:fld id="{CF705531-103C-4EA6-8A04-8B669A93EC46}" type="datetimeFigureOut">
               <a:rPr lang="en-US" smtClean="0"/>
               <a:pPr/>
-              <a:t>3/14/2024</a:t>
+              <a:t>3/18/2024</a:t>
             </a:fld>
             <a:endParaRPr lang="en-US"/>
           </a:p>
@@ -3979,7 +3979,11 @@
             <a:graphicFrameLocks noGrp="1"/>
           </p:cNvGraphicFramePr>
           <p:nvPr>
-            <p:extLst/>
+            <p:extLst>
+              <p:ext uri="{D42A27DB-BD31-4B8C-83A1-F6EECF244321}">
+                <p14:modId xmlns:p14="http://schemas.microsoft.com/office/powerpoint/2010/main" val="3345364772"/>
+              </p:ext>
+            </p:extLst>
           </p:nvPr>
         </p:nvGraphicFramePr>
         <p:xfrm>
@@ -4406,7 +4410,7 @@
                           <a:latin typeface="Times New Roman" panose="02020603050405020304" pitchFamily="18" charset="0"/>
                           <a:cs typeface="Times New Roman" panose="02020603050405020304" pitchFamily="18" charset="0"/>
                         </a:rPr>
-                        <a:t>Disadvantaged</a:t>
+                        <a:t>Disadvantages</a:t>
                       </a:r>
                       <a:endParaRPr lang="en-US" dirty="0">
                         <a:solidFill>
@@ -4625,10 +4629,6 @@
                         </a:rPr>
                         <a:t>Developing of Middleware and Cross Platform Chat Application</a:t>
                       </a:r>
-                      <a:endParaRPr lang="en-US" sz="1800" dirty="0" smtClean="0">
-                        <a:latin typeface="Times New Roman" panose="02020603050405020304" pitchFamily="18" charset="0"/>
-                        <a:cs typeface="Times New Roman" panose="02020603050405020304" pitchFamily="18" charset="0"/>
-                      </a:endParaRPr>
                     </a:p>
                   </a:txBody>
                   <a:tcPr anchor="ctr">
@@ -4760,7 +4760,10 @@
                     <a:p>
                       <a:pPr algn="ctr"/>
                       <a:r>
-                        <a:rPr lang="en-US" baseline="0" dirty="0" smtClean="0"/>
+                        <a:rPr lang="en-US" baseline="0" dirty="0" smtClean="0">
+                          <a:latin typeface="Times New Roman" panose="02020603050405020304" pitchFamily="18" charset="0"/>
+                          <a:cs typeface="Times New Roman" panose="02020603050405020304" pitchFamily="18" charset="0"/>
+                        </a:rPr>
                         <a:t>Line Messaging API</a:t>
                       </a:r>
                       <a:endParaRPr lang="en-US" dirty="0">
@@ -5172,9 +5175,9 @@
                             <a:schemeClr val="dk1"/>
                           </a:solidFill>
                           <a:effectLst/>
-                          <a:latin typeface="+mn-lt"/>
+                          <a:latin typeface="Times New Roman" panose="02020603050405020304" pitchFamily="18" charset="0"/>
                           <a:ea typeface="+mn-ea"/>
-                          <a:cs typeface="+mn-cs"/>
+                          <a:cs typeface="Times New Roman" panose="02020603050405020304" pitchFamily="18" charset="0"/>
                         </a:rPr>
                         <a:t>This dissertation investigates whether it is possible to perform end-to-end encryption over an </a:t>
                       </a:r>
@@ -5184,9 +5187,9 @@
                             <a:schemeClr val="dk1"/>
                           </a:solidFill>
                           <a:effectLst/>
-                          <a:latin typeface="+mn-lt"/>
+                          <a:latin typeface="Times New Roman" panose="02020603050405020304" pitchFamily="18" charset="0"/>
                           <a:ea typeface="+mn-ea"/>
-                          <a:cs typeface="+mn-cs"/>
+                          <a:cs typeface="Times New Roman" panose="02020603050405020304" pitchFamily="18" charset="0"/>
                         </a:rPr>
                         <a:t>arbitrary</a:t>
                       </a:r>
@@ -5196,21 +5199,12 @@
                             <a:schemeClr val="dk1"/>
                           </a:solidFill>
                           <a:effectLst/>
-                          <a:latin typeface="+mn-lt"/>
+                          <a:latin typeface="Times New Roman" panose="02020603050405020304" pitchFamily="18" charset="0"/>
                           <a:ea typeface="+mn-ea"/>
-                          <a:cs typeface="+mn-cs"/>
+                          <a:cs typeface="Times New Roman" panose="02020603050405020304" pitchFamily="18" charset="0"/>
                         </a:rPr>
                         <a:t> Instant Messaging Platform (IM-P), placing no implicit trust in such platform itself.</a:t>
                       </a:r>
-                      <a:endParaRPr lang="en-US" sz="1800" b="0" i="0" kern="1200" dirty="0" smtClean="0">
-                        <a:solidFill>
-                          <a:schemeClr val="dk1"/>
-                        </a:solidFill>
-                        <a:effectLst/>
-                        <a:latin typeface="+mn-lt"/>
-                        <a:ea typeface="+mn-ea"/>
-                        <a:cs typeface="+mn-cs"/>
-                      </a:endParaRPr>
                     </a:p>
                   </a:txBody>
                   <a:tcPr anchor="ctr">
@@ -5265,9 +5259,9 @@
                             <a:schemeClr val="dk1"/>
                           </a:solidFill>
                           <a:effectLst/>
-                          <a:latin typeface="+mn-lt"/>
+                          <a:latin typeface="Times New Roman" panose="02020603050405020304" pitchFamily="18" charset="0"/>
                           <a:ea typeface="+mn-ea"/>
-                          <a:cs typeface="+mn-cs"/>
+                          <a:cs typeface="Times New Roman" panose="02020603050405020304" pitchFamily="18" charset="0"/>
                         </a:rPr>
                         <a:t>Instant Messaging IM</a:t>
                       </a:r>
@@ -5422,25 +5416,8 @@
                           <a:latin typeface="Times New Roman" panose="02020603050405020304" pitchFamily="18" charset="0"/>
                           <a:cs typeface="Times New Roman" panose="02020603050405020304" pitchFamily="18" charset="0"/>
                         </a:rPr>
-                        <a:t>m </a:t>
-                      </a:r>
-                      <a:r>
-                        <a:rPr lang="en-US" baseline="0" dirty="0" smtClean="0">
-                          <a:solidFill>
-                            <a:schemeClr val="tx1"/>
-                          </a:solidFill>
-                          <a:latin typeface="Times New Roman" panose="02020603050405020304" pitchFamily="18" charset="0"/>
-                          <a:cs typeface="Times New Roman" panose="02020603050405020304" pitchFamily="18" charset="0"/>
-                        </a:rPr>
-                        <a:t>Dependent</a:t>
-                      </a:r>
-                      <a:endParaRPr lang="en-US" baseline="0" dirty="0" smtClean="0">
-                        <a:solidFill>
-                          <a:schemeClr val="tx1"/>
-                        </a:solidFill>
-                        <a:latin typeface="Times New Roman" panose="02020603050405020304" pitchFamily="18" charset="0"/>
-                        <a:cs typeface="Times New Roman" panose="02020603050405020304" pitchFamily="18" charset="0"/>
-                      </a:endParaRPr>
+                        <a:t>m Dependent</a:t>
+                      </a:r>
                     </a:p>
                   </a:txBody>
                   <a:tcPr anchor="ctr">
@@ -5504,7 +5481,7 @@
     <a:masterClrMapping/>
   </p:clrMapOvr>
   <p:transition spd="slow">
-    <p:wipe/>
+    <p:push dir="u"/>
   </p:transition>
   <p:timing>
     <p:tnLst>
@@ -5740,7 +5717,14 @@
                 <a:latin typeface="Times New Roman" panose="02020603050405020304" pitchFamily="18" charset="0"/>
                 <a:cs typeface="Times New Roman" panose="02020603050405020304" pitchFamily="18" charset="0"/>
               </a:rPr>
-              <a:t>authentication systems may pose risks if compromised.</a:t>
+              <a:t>authentication systems may pose risks if compromised</a:t>
+            </a:r>
+            <a:r>
+              <a:rPr lang="en-US" sz="2400" dirty="0" smtClean="0">
+                <a:latin typeface="Times New Roman" panose="02020603050405020304" pitchFamily="18" charset="0"/>
+                <a:cs typeface="Times New Roman" panose="02020603050405020304" pitchFamily="18" charset="0"/>
+              </a:rPr>
+              <a:t>.</a:t>
             </a:r>
           </a:p>
           <a:p>
@@ -5752,18 +5736,25 @@
               <a:buChar char="v"/>
             </a:pPr>
             <a:r>
+              <a:rPr lang="en-US" sz="2400" dirty="0" smtClean="0">
+                <a:latin typeface="Times New Roman" panose="02020603050405020304" pitchFamily="18" charset="0"/>
+                <a:cs typeface="Times New Roman" panose="02020603050405020304" pitchFamily="18" charset="0"/>
+              </a:rPr>
+              <a:t>De</a:t>
+            </a:r>
+            <a:r>
               <a:rPr lang="en-US" sz="2400" dirty="0">
                 <a:latin typeface="Times New Roman" panose="02020603050405020304" pitchFamily="18" charset="0"/>
                 <a:cs typeface="Times New Roman" panose="02020603050405020304" pitchFamily="18" charset="0"/>
               </a:rPr>
-              <a:t>Centralized </a:t>
+              <a:t>c</a:t>
             </a:r>
             <a:r>
               <a:rPr lang="en-US" sz="2400" dirty="0" smtClean="0">
                 <a:latin typeface="Times New Roman" panose="02020603050405020304" pitchFamily="18" charset="0"/>
                 <a:cs typeface="Times New Roman" panose="02020603050405020304" pitchFamily="18" charset="0"/>
               </a:rPr>
-              <a:t>Server:</a:t>
+              <a:t>entralized Server:</a:t>
             </a:r>
           </a:p>
           <a:p>
@@ -5784,7 +5775,21 @@
                 <a:latin typeface="Times New Roman" panose="02020603050405020304" pitchFamily="18" charset="0"/>
                 <a:cs typeface="Times New Roman" panose="02020603050405020304" pitchFamily="18" charset="0"/>
               </a:rPr>
-              <a:t>chat applications use a centralized server architecture.</a:t>
+              <a:t>chat applications use a </a:t>
+            </a:r>
+            <a:r>
+              <a:rPr lang="en-US" sz="2400" dirty="0" smtClean="0">
+                <a:latin typeface="Times New Roman" panose="02020603050405020304" pitchFamily="18" charset="0"/>
+                <a:cs typeface="Times New Roman" panose="02020603050405020304" pitchFamily="18" charset="0"/>
+              </a:rPr>
+              <a:t>decentralized </a:t>
+            </a:r>
+            <a:r>
+              <a:rPr lang="en-US" sz="2400" dirty="0">
+                <a:latin typeface="Times New Roman" panose="02020603050405020304" pitchFamily="18" charset="0"/>
+                <a:cs typeface="Times New Roman" panose="02020603050405020304" pitchFamily="18" charset="0"/>
+              </a:rPr>
+              <a:t>server architecture.</a:t>
             </a:r>
           </a:p>
           <a:p>
@@ -5911,7 +5916,7 @@
         <p:spPr>
           <a:xfrm>
             <a:off x="649432" y="582361"/>
-            <a:ext cx="10893136" cy="6186309"/>
+            <a:ext cx="10893136" cy="5632311"/>
           </a:xfrm>
           <a:prstGeom prst="rect">
             <a:avLst/>
@@ -6012,25 +6017,11 @@
               <a:buChar char="v"/>
             </a:pPr>
             <a:r>
-              <a:rPr lang="en-US" sz="2400" dirty="0" smtClean="0">
-                <a:latin typeface="Times New Roman" panose="02020603050405020304" pitchFamily="18" charset="0"/>
-                <a:cs typeface="Times New Roman" panose="02020603050405020304" pitchFamily="18" charset="0"/>
-              </a:rPr>
-              <a:t>Block-chain </a:t>
-            </a:r>
-            <a:r>
               <a:rPr lang="en-US" sz="2400" dirty="0">
                 <a:latin typeface="Times New Roman" panose="02020603050405020304" pitchFamily="18" charset="0"/>
                 <a:cs typeface="Times New Roman" panose="02020603050405020304" pitchFamily="18" charset="0"/>
               </a:rPr>
-              <a:t>Authentication</a:t>
-            </a:r>
-            <a:r>
-              <a:rPr lang="en-US" sz="2400" dirty="0" smtClean="0">
-                <a:latin typeface="Times New Roman" panose="02020603050405020304" pitchFamily="18" charset="0"/>
-                <a:cs typeface="Times New Roman" panose="02020603050405020304" pitchFamily="18" charset="0"/>
-              </a:rPr>
-              <a:t>:</a:t>
+              <a:t>Implementation of several platforms:</a:t>
             </a:r>
             <a:endParaRPr lang="en-US" sz="2400" dirty="0">
               <a:latin typeface="Times New Roman" panose="02020603050405020304" pitchFamily="18" charset="0"/>
@@ -6048,72 +6039,65 @@
                 <a:latin typeface="Times New Roman" panose="02020603050405020304" pitchFamily="18" charset="0"/>
                 <a:cs typeface="Times New Roman" panose="02020603050405020304" pitchFamily="18" charset="0"/>
               </a:rPr>
-              <a:t>	Leverages block-chain </a:t>
+              <a:t>	</a:t>
+            </a:r>
+            <a:r>
+              <a:rPr lang="en-US" sz="2400" dirty="0" smtClean="0">
+                <a:latin typeface="Times New Roman" panose="02020603050405020304" pitchFamily="18" charset="0"/>
+                <a:cs typeface="Times New Roman" panose="02020603050405020304" pitchFamily="18" charset="0"/>
+              </a:rPr>
+              <a:t>To </a:t>
+            </a:r>
+            <a:r>
+              <a:rPr lang="en-US" sz="2400" dirty="0" smtClean="0">
+                <a:latin typeface="Times New Roman" panose="02020603050405020304" pitchFamily="18" charset="0"/>
+                <a:cs typeface="Times New Roman" panose="02020603050405020304" pitchFamily="18" charset="0"/>
+              </a:rPr>
+              <a:t>creating </a:t>
             </a:r>
             <a:r>
               <a:rPr lang="en-US" sz="2400" dirty="0">
                 <a:latin typeface="Times New Roman" panose="02020603050405020304" pitchFamily="18" charset="0"/>
                 <a:cs typeface="Times New Roman" panose="02020603050405020304" pitchFamily="18" charset="0"/>
               </a:rPr>
-              <a:t>for user authentication.</a:t>
-            </a:r>
-          </a:p>
-          <a:p>
-            <a:pPr algn="just">
-              <a:lnSpc>
-                <a:spcPct val="150000"/>
-              </a:lnSpc>
-            </a:pPr>
+              <a:t>an integrated application programming interface (API) that can be used </a:t>
+            </a:r>
             <a:r>
               <a:rPr lang="en-US" sz="2400" dirty="0" smtClean="0">
                 <a:latin typeface="Times New Roman" panose="02020603050405020304" pitchFamily="18" charset="0"/>
                 <a:cs typeface="Times New Roman" panose="02020603050405020304" pitchFamily="18" charset="0"/>
               </a:rPr>
-              <a:t>	Each </a:t>
+              <a:t>	with </a:t>
             </a:r>
             <a:r>
               <a:rPr lang="en-US" sz="2400" dirty="0">
                 <a:latin typeface="Times New Roman" panose="02020603050405020304" pitchFamily="18" charset="0"/>
                 <a:cs typeface="Times New Roman" panose="02020603050405020304" pitchFamily="18" charset="0"/>
               </a:rPr>
-              <a:t>user has a unique identifier on the </a:t>
-            </a:r>
-            <a:r>
-              <a:rPr lang="en-US" sz="2400" dirty="0" smtClean="0">
+              <a:t>a variety of platforms, including mobile, software, </a:t>
+            </a:r>
+            <a:r>
+              <a:rPr lang="en-US" sz="2400">
                 <a:latin typeface="Times New Roman" panose="02020603050405020304" pitchFamily="18" charset="0"/>
                 <a:cs typeface="Times New Roman" panose="02020603050405020304" pitchFamily="18" charset="0"/>
               </a:rPr>
-              <a:t>block-chain</a:t>
+              <a:t>and </a:t>
+            </a:r>
+            <a:r>
+              <a:rPr lang="en-US" sz="2400" smtClean="0">
+                <a:latin typeface="Times New Roman" panose="02020603050405020304" pitchFamily="18" charset="0"/>
+                <a:cs typeface="Times New Roman" panose="02020603050405020304" pitchFamily="18" charset="0"/>
+              </a:rPr>
+              <a:t>Web </a:t>
             </a:r>
             <a:r>
               <a:rPr lang="en-US" sz="2400" dirty="0">
                 <a:latin typeface="Times New Roman" panose="02020603050405020304" pitchFamily="18" charset="0"/>
                 <a:cs typeface="Times New Roman" panose="02020603050405020304" pitchFamily="18" charset="0"/>
               </a:rPr>
-              <a:t>, enhancing security and </a:t>
-            </a:r>
-            <a:r>
-              <a:rPr lang="en-US" sz="2400" dirty="0" smtClean="0">
-                <a:latin typeface="Times New Roman" panose="02020603050405020304" pitchFamily="18" charset="0"/>
-                <a:cs typeface="Times New Roman" panose="02020603050405020304" pitchFamily="18" charset="0"/>
-              </a:rPr>
-              <a:t>	decentralizing </a:t>
-            </a:r>
-            <a:r>
-              <a:rPr lang="en-US" sz="2400" dirty="0">
-                <a:latin typeface="Times New Roman" panose="02020603050405020304" pitchFamily="18" charset="0"/>
-                <a:cs typeface="Times New Roman" panose="02020603050405020304" pitchFamily="18" charset="0"/>
-              </a:rPr>
-              <a:t>user management</a:t>
-            </a:r>
-            <a:r>
-              <a:rPr lang="en-US" sz="2400" dirty="0" smtClean="0">
-                <a:latin typeface="Times New Roman" panose="02020603050405020304" pitchFamily="18" charset="0"/>
-                <a:cs typeface="Times New Roman" panose="02020603050405020304" pitchFamily="18" charset="0"/>
-              </a:rPr>
-              <a:t>.</a:t>
-            </a:r>
-            <a:endParaRPr lang="en-US" sz="2400" dirty="0">
+              <a:t>applications</a:t>
+            </a:r>
+            <a:endParaRPr lang="en-US" sz="2400" dirty="0" smtClean="0">
               <a:latin typeface="Times New Roman" panose="02020603050405020304" pitchFamily="18" charset="0"/>
               <a:cs typeface="Times New Roman" panose="02020603050405020304" pitchFamily="18" charset="0"/>
             </a:endParaRPr>
@@ -6127,23 +6111,12 @@
               <a:buChar char="v"/>
             </a:pPr>
             <a:r>
-              <a:rPr lang="en-US" sz="2400" dirty="0">
-                <a:latin typeface="Times New Roman" panose="02020603050405020304" pitchFamily="18" charset="0"/>
-                <a:cs typeface="Times New Roman" panose="02020603050405020304" pitchFamily="18" charset="0"/>
-              </a:rPr>
-              <a:t>Decentralized Message Integrity</a:t>
-            </a:r>
-            <a:r>
               <a:rPr lang="en-US" sz="2400" dirty="0" smtClean="0">
                 <a:latin typeface="Times New Roman" panose="02020603050405020304" pitchFamily="18" charset="0"/>
                 <a:cs typeface="Times New Roman" panose="02020603050405020304" pitchFamily="18" charset="0"/>
               </a:rPr>
-              <a:t>:</a:t>
-            </a:r>
-            <a:endParaRPr lang="en-US" sz="2400" dirty="0">
-              <a:latin typeface="Times New Roman" panose="02020603050405020304" pitchFamily="18" charset="0"/>
-              <a:cs typeface="Times New Roman" panose="02020603050405020304" pitchFamily="18" charset="0"/>
-            </a:endParaRPr>
+              <a:t>Decentralized Message Integrity:</a:t>
+            </a:r>
           </a:p>
           <a:p>
             <a:pPr algn="just">
@@ -6663,8 +6636,8 @@
         </p:nvSpPr>
         <p:spPr>
           <a:xfrm>
-            <a:off x="891297" y="1531559"/>
-            <a:ext cx="10409406" cy="4110484"/>
+            <a:off x="757382" y="1411491"/>
+            <a:ext cx="10543321" cy="4110484"/>
           </a:xfrm>
         </p:spPr>
         <p:txBody>
@@ -7036,7 +7009,7 @@
         </p:nvSpPr>
         <p:spPr>
           <a:xfrm>
-            <a:off x="559340" y="1381381"/>
+            <a:off x="559340" y="1651795"/>
             <a:ext cx="11073319" cy="3554410"/>
           </a:xfrm>
         </p:spPr>
@@ -7053,11 +7026,18 @@
               <a:buNone/>
             </a:pPr>
             <a:r>
+              <a:rPr lang="en-US" sz="2400" dirty="0" smtClean="0">
+                <a:latin typeface="Times New Roman" panose="02020603050405020304" pitchFamily="18" charset="0"/>
+                <a:cs typeface="Times New Roman" panose="02020603050405020304" pitchFamily="18" charset="0"/>
+              </a:rPr>
+              <a:t>	In </a:t>
+            </a:r>
+            <a:r>
               <a:rPr lang="en-US" sz="2400" dirty="0">
                 <a:latin typeface="Times New Roman" panose="02020603050405020304" pitchFamily="18" charset="0"/>
                 <a:cs typeface="Times New Roman" panose="02020603050405020304" pitchFamily="18" charset="0"/>
               </a:rPr>
-              <a:t>In an era where digital communication plays a pivotal role in our daily lives, ensuring the confidentiality and integrity of our conversations is paramount. Introducing the "Secure Chat API," a revolutionary development in the realm of encrypted communication. This cutting-edge Chat Application Program Interface (API) not only prioritizes user privacy through robust encryption but also leverages the power of blockchain authentication for an unprecedented level of security. </a:t>
+              <a:t>an era where digital communication plays a pivotal role in our daily lives, ensuring the confidentiality and integrity of our conversations is paramount. Introducing the "Secure Chat API," a revolutionary development in the realm of encrypted communication. This cutting-edge Chat Application Program Interface (API) not only prioritizes user privacy through robust encryption but also leverages the power of blockchain authentication for an unprecedented level of security. </a:t>
             </a:r>
           </a:p>
         </p:txBody>
@@ -7473,7 +7453,11 @@
             <a:graphicFrameLocks noGrp="1"/>
           </p:cNvGraphicFramePr>
           <p:nvPr>
-            <p:extLst/>
+            <p:extLst>
+              <p:ext uri="{D42A27DB-BD31-4B8C-83A1-F6EECF244321}">
+                <p14:modId xmlns:p14="http://schemas.microsoft.com/office/powerpoint/2010/main" val="1643381813"/>
+              </p:ext>
+            </p:extLst>
           </p:nvPr>
         </p:nvGraphicFramePr>
         <p:xfrm>
@@ -7900,7 +7884,7 @@
                           <a:latin typeface="Times New Roman" panose="02020603050405020304" pitchFamily="18" charset="0"/>
                           <a:cs typeface="Times New Roman" panose="02020603050405020304" pitchFamily="18" charset="0"/>
                         </a:rPr>
-                        <a:t>Disadvantaged</a:t>
+                        <a:t>Disadvantages</a:t>
                       </a:r>
                       <a:endParaRPr lang="en-US" dirty="0">
                         <a:solidFill>
@@ -8997,12 +8981,16 @@
             <a:graphicFrameLocks noGrp="1"/>
           </p:cNvGraphicFramePr>
           <p:nvPr>
-            <p:extLst/>
+            <p:extLst>
+              <p:ext uri="{D42A27DB-BD31-4B8C-83A1-F6EECF244321}">
+                <p14:modId xmlns:p14="http://schemas.microsoft.com/office/powerpoint/2010/main" val="568366324"/>
+              </p:ext>
+            </p:extLst>
           </p:nvPr>
         </p:nvGraphicFramePr>
         <p:xfrm>
           <a:off x="609600" y="847934"/>
-          <a:ext cx="10972800" cy="5864538"/>
+          <a:ext cx="10972800" cy="5093819"/>
         </p:xfrm>
         <a:graphic>
           <a:graphicData uri="http://schemas.openxmlformats.org/drawingml/2006/table">
@@ -9025,21 +9013,21 @@
                     </a:ext>
                   </a:extLst>
                 </a:gridCol>
-                <a:gridCol w="3011054">
+                <a:gridCol w="2937163">
                   <a:extLst>
                     <a:ext uri="{9D8B030D-6E8A-4147-A177-3AD203B41FA5}">
                       <a16:colId xmlns:a16="http://schemas.microsoft.com/office/drawing/2014/main" val="1934009595"/>
                     </a:ext>
                   </a:extLst>
                 </a:gridCol>
-                <a:gridCol w="1192379">
+                <a:gridCol w="1394691">
                   <a:extLst>
                     <a:ext uri="{9D8B030D-6E8A-4147-A177-3AD203B41FA5}">
                       <a16:colId xmlns:a16="http://schemas.microsoft.com/office/drawing/2014/main" val="2106811707"/>
                     </a:ext>
                   </a:extLst>
                 </a:gridCol>
-                <a:gridCol w="1541585">
+                <a:gridCol w="1413164">
                   <a:extLst>
                     <a:ext uri="{9D8B030D-6E8A-4147-A177-3AD203B41FA5}">
                       <a16:colId xmlns:a16="http://schemas.microsoft.com/office/drawing/2014/main" val="4161205106"/>
@@ -9054,7 +9042,7 @@
                   </a:extLst>
                 </a:gridCol>
               </a:tblGrid>
-              <a:tr h="1566858">
+              <a:tr h="796139">
                 <a:tc>
                   <a:txBody>
                     <a:bodyPr/>
@@ -9424,7 +9412,7 @@
                           <a:latin typeface="Times New Roman" panose="02020603050405020304" pitchFamily="18" charset="0"/>
                           <a:cs typeface="Times New Roman" panose="02020603050405020304" pitchFamily="18" charset="0"/>
                         </a:rPr>
-                        <a:t>Disadvantaged</a:t>
+                        <a:t>Disadvantages</a:t>
                       </a:r>
                       <a:endParaRPr lang="en-US" dirty="0">
                         <a:solidFill>
@@ -9727,7 +9715,7 @@
                           <a:ea typeface="+mn-ea"/>
                           <a:cs typeface="Times New Roman" panose="02020603050405020304" pitchFamily="18" charset="0"/>
                         </a:rPr>
-                        <a:t>proposing a secure messaging protocol that utilizes SHA-2 hash generation for key generation and AES-256 encryption for securing messages during transmission. </a:t>
+                        <a:t>Proposing a secure messaging protocol that utilizes SHA-2 hash generation for key generation and AES-256 encryption for securing messages during transmission. </a:t>
                       </a:r>
                       <a:endParaRPr lang="en-US" dirty="0">
                         <a:solidFill>
@@ -10146,17 +10134,7 @@
                           <a:latin typeface="Times New Roman" panose="02020603050405020304" pitchFamily="18" charset="0"/>
                           <a:cs typeface="Times New Roman" panose="02020603050405020304" pitchFamily="18" charset="0"/>
                         </a:rPr>
-                        <a:t>Developing </a:t>
-                      </a:r>
-                      <a:r>
-                        <a:rPr lang="en-US" dirty="0" smtClean="0">
-                          <a:solidFill>
-                            <a:schemeClr val="tx1"/>
-                          </a:solidFill>
-                          <a:latin typeface="Times New Roman" panose="02020603050405020304" pitchFamily="18" charset="0"/>
-                          <a:cs typeface="Times New Roman" panose="02020603050405020304" pitchFamily="18" charset="0"/>
-                        </a:rPr>
-                        <a:t>an End-to-End Secure Chat Application </a:t>
+                        <a:t>Developing an End-to-End Secure Chat Application </a:t>
                       </a:r>
                     </a:p>
                   </a:txBody>
@@ -10610,12 +10588,16 @@
             <a:graphicFrameLocks noGrp="1"/>
           </p:cNvGraphicFramePr>
           <p:nvPr>
-            <p:extLst/>
+            <p:extLst>
+              <p:ext uri="{D42A27DB-BD31-4B8C-83A1-F6EECF244321}">
+                <p14:modId xmlns:p14="http://schemas.microsoft.com/office/powerpoint/2010/main" val="1668745924"/>
+              </p:ext>
+            </p:extLst>
           </p:nvPr>
         </p:nvGraphicFramePr>
         <p:xfrm>
           <a:off x="609600" y="854092"/>
-          <a:ext cx="10972800" cy="5864538"/>
+          <a:ext cx="10972800" cy="5041479"/>
         </p:xfrm>
         <a:graphic>
           <a:graphicData uri="http://schemas.openxmlformats.org/drawingml/2006/table">
@@ -10667,7 +10649,7 @@
                   </a:extLst>
                 </a:gridCol>
               </a:tblGrid>
-              <a:tr h="1566858">
+              <a:tr h="743799">
                 <a:tc>
                   <a:txBody>
                     <a:bodyPr/>
@@ -11037,7 +11019,7 @@
                           <a:latin typeface="Times New Roman" panose="02020603050405020304" pitchFamily="18" charset="0"/>
                           <a:cs typeface="Times New Roman" panose="02020603050405020304" pitchFamily="18" charset="0"/>
                         </a:rPr>
-                        <a:t>Disadvantaged</a:t>
+                        <a:t>Disadvantages</a:t>
                       </a:r>
                       <a:endParaRPr lang="en-US" dirty="0">
                         <a:solidFill>
@@ -11928,11 +11910,23 @@
                             <a:schemeClr val="dk1"/>
                           </a:solidFill>
                           <a:effectLst/>
-                          <a:latin typeface="+mn-lt"/>
+                          <a:latin typeface="Times New Roman" panose="02020603050405020304" pitchFamily="18" charset="0"/>
                           <a:ea typeface="+mn-ea"/>
-                          <a:cs typeface="+mn-cs"/>
-                        </a:rPr>
-                        <a:t>utilizing both asymmetric and symmetric cryptography</a:t>
+                          <a:cs typeface="Times New Roman" panose="02020603050405020304" pitchFamily="18" charset="0"/>
+                        </a:rPr>
+                        <a:t>Utilizing </a:t>
+                      </a:r>
+                      <a:r>
+                        <a:rPr lang="en-US" sz="1800" b="0" i="0" kern="1200" dirty="0" smtClean="0">
+                          <a:solidFill>
+                            <a:schemeClr val="dk1"/>
+                          </a:solidFill>
+                          <a:effectLst/>
+                          <a:latin typeface="Times New Roman" panose="02020603050405020304" pitchFamily="18" charset="0"/>
+                          <a:ea typeface="+mn-ea"/>
+                          <a:cs typeface="Times New Roman" panose="02020603050405020304" pitchFamily="18" charset="0"/>
+                        </a:rPr>
+                        <a:t>both asymmetric and symmetric cryptography</a:t>
                       </a:r>
                       <a:endParaRPr lang="en-US" dirty="0">
                         <a:solidFill>
@@ -12212,7 +12206,8 @@
               <a:t>LITERATURE SURVEY</a:t>
             </a:r>
             <a:endParaRPr lang="en-US" sz="3600" b="1" dirty="0">
-              <a:latin typeface="Times New Roman" pitchFamily="18" charset="0"/>
+              <a:latin typeface="Times New Roman" panose="02020603050405020304" pitchFamily="18" charset="0"/>
+              <a:cs typeface="Times New Roman" panose="02020603050405020304" pitchFamily="18" charset="0"/>
             </a:endParaRPr>
           </a:p>
         </p:txBody>
@@ -12228,7 +12223,7 @@
     <a:masterClrMapping/>
   </p:clrMapOvr>
   <p:transition spd="slow">
-    <p:wipe/>
+    <p:push dir="u"/>
   </p:transition>
   <p:timing>
     <p:tnLst>
@@ -12299,12 +12294,16 @@
             <a:graphicFrameLocks noGrp="1"/>
           </p:cNvGraphicFramePr>
           <p:nvPr>
-            <p:extLst/>
+            <p:extLst>
+              <p:ext uri="{D42A27DB-BD31-4B8C-83A1-F6EECF244321}">
+                <p14:modId xmlns:p14="http://schemas.microsoft.com/office/powerpoint/2010/main" val="4170919727"/>
+              </p:ext>
+            </p:extLst>
           </p:nvPr>
         </p:nvGraphicFramePr>
         <p:xfrm>
           <a:off x="609600" y="817671"/>
-          <a:ext cx="10972800" cy="5837358"/>
+          <a:ext cx="10972800" cy="5638589"/>
         </p:xfrm>
         <a:graphic>
           <a:graphicData uri="http://schemas.openxmlformats.org/drawingml/2006/table">
@@ -12726,7 +12725,7 @@
                           <a:latin typeface="Times New Roman" panose="02020603050405020304" pitchFamily="18" charset="0"/>
                           <a:cs typeface="Times New Roman" panose="02020603050405020304" pitchFamily="18" charset="0"/>
                         </a:rPr>
-                        <a:t>Disadvantaged</a:t>
+                        <a:t>Disadvantages</a:t>
                       </a:r>
                       <a:endParaRPr lang="en-US" dirty="0">
                         <a:solidFill>
@@ -12998,7 +12997,21 @@
                           <a:latin typeface="Times New Roman" panose="02020603050405020304" pitchFamily="18" charset="0"/>
                           <a:cs typeface="Times New Roman" panose="02020603050405020304" pitchFamily="18" charset="0"/>
                         </a:rPr>
-                        <a:t>Inside Java(TM) 2 Platform Security, the definitive and comprehensive guide to the Java security platform, has been thoroughly updated to reflect key additions and revisions to Java security technologies currently in use by leading technology co</a:t>
+                        <a:t>Inside Java(TM) 2 Platform Security, the definitive and comprehensive guide to the Java security platform, has been </a:t>
+                      </a:r>
+                      <a:r>
+                        <a:rPr lang="en-US" dirty="0" smtClean="0">
+                          <a:latin typeface="Times New Roman" panose="02020603050405020304" pitchFamily="18" charset="0"/>
+                          <a:cs typeface="Times New Roman" panose="02020603050405020304" pitchFamily="18" charset="0"/>
+                        </a:rPr>
+                        <a:t>thoroughly </a:t>
+                      </a:r>
+                      <a:r>
+                        <a:rPr lang="en-US" dirty="0" smtClean="0">
+                          <a:latin typeface="Times New Roman" panose="02020603050405020304" pitchFamily="18" charset="0"/>
+                          <a:cs typeface="Times New Roman" panose="02020603050405020304" pitchFamily="18" charset="0"/>
+                        </a:rPr>
+                        <a:t>updated to reflect key additions and revisions to Java security technologies currently in use by leading technology co</a:t>
                       </a:r>
                       <a:endParaRPr lang="en-US" dirty="0">
                         <a:solidFill>
@@ -13056,11 +13069,17 @@
                     <a:p>
                       <a:pPr algn="ctr"/>
                       <a:r>
-                        <a:rPr lang="en-US" baseline="0" dirty="0" smtClean="0"/>
+                        <a:rPr lang="en-US" baseline="0" dirty="0" smtClean="0">
+                          <a:latin typeface="Times New Roman" panose="02020603050405020304" pitchFamily="18" charset="0"/>
+                          <a:cs typeface="Times New Roman" panose="02020603050405020304" pitchFamily="18" charset="0"/>
+                        </a:rPr>
                         <a:t> </a:t>
                       </a:r>
                       <a:r>
-                        <a:rPr lang="en-US" dirty="0" smtClean="0"/>
+                        <a:rPr lang="en-US" dirty="0" smtClean="0">
+                          <a:latin typeface="Times New Roman" panose="02020603050405020304" pitchFamily="18" charset="0"/>
+                          <a:cs typeface="Times New Roman" panose="02020603050405020304" pitchFamily="18" charset="0"/>
+                        </a:rPr>
                         <a:t>Java(TM) 2</a:t>
                       </a:r>
                       <a:endParaRPr lang="en-US" dirty="0">
@@ -13119,22 +13138,34 @@
                     <a:p>
                       <a:pPr algn="ctr"/>
                       <a:r>
-                        <a:rPr lang="en-US" dirty="0" smtClean="0"/>
+                        <a:rPr lang="en-US" dirty="0" smtClean="0">
+                          <a:latin typeface="Times New Roman" panose="02020603050405020304" pitchFamily="18" charset="0"/>
+                          <a:cs typeface="Times New Roman" panose="02020603050405020304" pitchFamily="18" charset="0"/>
+                        </a:rPr>
                         <a:t>Decentralized</a:t>
                       </a:r>
                     </a:p>
                     <a:p>
                       <a:pPr algn="ctr"/>
                       <a:r>
-                        <a:rPr lang="en-US" dirty="0" smtClean="0"/>
+                        <a:rPr lang="en-US" dirty="0" smtClean="0">
+                          <a:latin typeface="Times New Roman" panose="02020603050405020304" pitchFamily="18" charset="0"/>
+                          <a:cs typeface="Times New Roman" panose="02020603050405020304" pitchFamily="18" charset="0"/>
+                        </a:rPr>
                         <a:t>Block-chain</a:t>
                       </a:r>
                       <a:r>
-                        <a:rPr lang="en-US" baseline="0" dirty="0" smtClean="0"/>
+                        <a:rPr lang="en-US" baseline="0" dirty="0" smtClean="0">
+                          <a:latin typeface="Times New Roman" panose="02020603050405020304" pitchFamily="18" charset="0"/>
+                          <a:cs typeface="Times New Roman" panose="02020603050405020304" pitchFamily="18" charset="0"/>
+                        </a:rPr>
                         <a:t> </a:t>
                       </a:r>
                       <a:r>
-                        <a:rPr lang="en-US" dirty="0" smtClean="0"/>
+                        <a:rPr lang="en-US" dirty="0" smtClean="0">
+                          <a:latin typeface="Times New Roman" panose="02020603050405020304" pitchFamily="18" charset="0"/>
+                          <a:cs typeface="Times New Roman" panose="02020603050405020304" pitchFamily="18" charset="0"/>
+                        </a:rPr>
                         <a:t>Based Messaging Network</a:t>
                       </a:r>
                       <a:endParaRPr lang="en-US" dirty="0">
@@ -13476,23 +13507,11 @@
                             <a:schemeClr val="dk1"/>
                           </a:solidFill>
                           <a:effectLst/>
-                          <a:latin typeface="+mn-lt"/>
+                          <a:latin typeface="Times New Roman" panose="02020603050405020304" pitchFamily="18" charset="0"/>
                           <a:ea typeface="+mn-ea"/>
-                          <a:cs typeface="+mn-cs"/>
-                        </a:rPr>
-                        <a:t> </a:t>
-                      </a:r>
-                      <a:r>
-                        <a:rPr lang="en-US" sz="1800" b="0" i="0" kern="1200" dirty="0" smtClean="0">
-                          <a:solidFill>
-                            <a:schemeClr val="dk1"/>
-                          </a:solidFill>
-                          <a:effectLst/>
-                          <a:latin typeface="+mn-lt"/>
-                          <a:ea typeface="+mn-ea"/>
-                          <a:cs typeface="+mn-cs"/>
-                        </a:rPr>
-                        <a:t>A new access-control mechanism for Web-based system applications.</a:t>
+                          <a:cs typeface="Times New Roman" panose="02020603050405020304" pitchFamily="18" charset="0"/>
+                        </a:rPr>
+                        <a:t> A new access-control mechanism for Web-based system applications.</a:t>
                       </a:r>
                       <a:endParaRPr lang="en-US" dirty="0">
                         <a:solidFill>
@@ -13555,9 +13574,9 @@
                             <a:schemeClr val="dk1"/>
                           </a:solidFill>
                           <a:effectLst/>
-                          <a:latin typeface="+mn-lt"/>
+                          <a:latin typeface="Times New Roman" panose="02020603050405020304" pitchFamily="18" charset="0"/>
                           <a:ea typeface="+mn-ea"/>
-                          <a:cs typeface="+mn-cs"/>
+                          <a:cs typeface="Times New Roman" panose="02020603050405020304" pitchFamily="18" charset="0"/>
                         </a:rPr>
                         <a:t> To overcome the app is anticipated in the chats are secured by the dynamic key encryption by md5 algorithm</a:t>
                       </a:r>
@@ -13635,9 +13654,9 @@
                             <a:schemeClr val="dk1"/>
                           </a:solidFill>
                           <a:effectLst/>
-                          <a:latin typeface="+mn-lt"/>
+                          <a:latin typeface="Times New Roman" panose="02020603050405020304" pitchFamily="18" charset="0"/>
                           <a:ea typeface="+mn-ea"/>
-                          <a:cs typeface="+mn-cs"/>
+                          <a:cs typeface="Times New Roman" panose="02020603050405020304" pitchFamily="18" charset="0"/>
                         </a:rPr>
                         <a:t>security and consistency</a:t>
                       </a:r>
@@ -13809,7 +13828,7 @@
     <a:masterClrMapping/>
   </p:clrMapOvr>
   <p:transition spd="slow">
-    <p:wipe/>
+    <p:push dir="u"/>
   </p:transition>
   <p:timing>
     <p:tnLst>
